--- a/src/basics.pptx
+++ b/src/basics.pptx
@@ -35,6 +35,11 @@
     <p:sldId id="283" r:id="rId29"/>
     <p:sldId id="284" r:id="rId30"/>
     <p:sldId id="285" r:id="rId31"/>
+    <p:sldId id="286" r:id="rId32"/>
+    <p:sldId id="287" r:id="rId33"/>
+    <p:sldId id="288" r:id="rId34"/>
+    <p:sldId id="289" r:id="rId35"/>
+    <p:sldId id="290" r:id="rId36"/>
   </p:sldIdLst>
   <p:sldSz cx="9144000" cy="6858000" type="screen4x3"/>
   <p:notesSz cx="6858000" cy="9144000"/>
@@ -3301,30 +3306,14 @@
             </a:r>
             <a:r>
               <a:rPr/>
-              <a:t>of</a:t>
-            </a:r>
-            <a:r>
-              <a:rPr/>
-              <a:t> </a:t>
-            </a:r>
-            <a:r>
-              <a:rPr/>
-              <a:t>co2</a:t>
-            </a:r>
-            <a:r>
-              <a:rPr/>
-              <a:t> </a:t>
-            </a:r>
-            <a:r>
-              <a:rPr/>
-              <a:t>decomposition</a:t>
+              <a:t>UKGas</a:t>
             </a:r>
           </a:p>
         </p:txBody>
       </p:sp>
       <p:pic>
         <p:nvPicPr>
-          <p:cNvPr descr="basics_files/figure-pptx/co2-decomp-plot-1.png" id="0" name="Picture 1"/>
+          <p:cNvPr descr="basics_files/figure-pptx/UKgas-plot-1.png" id="0" name="Picture 1"/>
           <p:cNvPicPr>
             <a:picLocks noGrp="1" noChangeAspect="1"/>
           </p:cNvPicPr>
@@ -3659,7 +3648,7 @@
             </a:pPr>
             <a:r>
               <a:rPr/>
-              <a:t>Autocorrelations</a:t>
+              <a:t>Positive</a:t>
             </a:r>
             <a:r>
               <a:rPr/>
@@ -3667,30 +3656,14 @@
             </a:r>
             <a:r>
               <a:rPr/>
-              <a:t>of</a:t>
-            </a:r>
-            <a:r>
-              <a:rPr/>
-              <a:t> </a:t>
-            </a:r>
-            <a:r>
-              <a:rPr/>
-              <a:t>co2</a:t>
-            </a:r>
-            <a:r>
-              <a:rPr/>
-              <a:t> </a:t>
-            </a:r>
-            <a:r>
-              <a:rPr/>
-              <a:t>data</a:t>
+              <a:t>autocorrelation</a:t>
             </a:r>
           </a:p>
         </p:txBody>
       </p:sp>
       <p:pic>
         <p:nvPicPr>
-          <p:cNvPr descr="basics_files/figure-pptx/co2-auto-1.png" id="0" name="Picture 1"/>
+          <p:cNvPr descr="basics_files/figure-pptx/pos-1.png" id="0" name="Picture 1"/>
           <p:cNvPicPr>
             <a:picLocks noGrp="1" noChangeAspect="1"/>
           </p:cNvPicPr>
@@ -3760,7 +3733,7 @@
             </a:pPr>
             <a:r>
               <a:rPr/>
-              <a:t>Partial</a:t>
+              <a:t>Lag</a:t>
             </a:r>
             <a:r>
               <a:rPr/>
@@ -3768,38 +3741,14 @@
             </a:r>
             <a:r>
               <a:rPr/>
-              <a:t>autocorrelations</a:t>
-            </a:r>
-            <a:r>
-              <a:rPr/>
-              <a:t> </a:t>
-            </a:r>
-            <a:r>
-              <a:rPr/>
-              <a:t>of</a:t>
-            </a:r>
-            <a:r>
-              <a:rPr/>
-              <a:t> </a:t>
-            </a:r>
-            <a:r>
-              <a:rPr/>
-              <a:t>co2</a:t>
-            </a:r>
-            <a:r>
-              <a:rPr/>
-              <a:t> </a:t>
-            </a:r>
-            <a:r>
-              <a:rPr/>
-              <a:t>data</a:t>
+              <a:t>plot</a:t>
             </a:r>
           </a:p>
         </p:txBody>
       </p:sp>
       <p:pic>
         <p:nvPicPr>
-          <p:cNvPr descr="basics_files/figure-pptx/co2-pacf-1.png" id="0" name="Picture 1"/>
+          <p:cNvPr descr="basics_files/figure-pptx/diff-pos-1.png" id="0" name="Picture 1"/>
           <p:cNvPicPr>
             <a:picLocks noGrp="1" noChangeAspect="1"/>
           </p:cNvPicPr>
@@ -3813,8 +3762,8 @@
         </p:blipFill>
         <p:spPr bwMode="auto">
           <a:xfrm>
-            <a:off x="1752600" y="1600200"/>
-            <a:ext cx="5651500" cy="4521200"/>
+            <a:off x="2311400" y="1600200"/>
+            <a:ext cx="4521200" cy="4521200"/>
           </a:xfrm>
           <a:prstGeom prst="rect">
             <a:avLst/>
@@ -3869,7 +3818,7 @@
             </a:pPr>
             <a:r>
               <a:rPr/>
-              <a:t>Structure</a:t>
+              <a:t>Negative</a:t>
             </a:r>
             <a:r>
               <a:rPr/>
@@ -3877,115 +3826,402 @@
             </a:r>
             <a:r>
               <a:rPr/>
-              <a:t>of</a:t>
-            </a:r>
-            <a:r>
-              <a:rPr/>
-              <a:t> </a:t>
-            </a:r>
-            <a:r>
-              <a:rPr/>
-              <a:t>LakeHuron</a:t>
-            </a:r>
-            <a:r>
-              <a:rPr/>
-              <a:t> </a:t>
-            </a:r>
-            <a:r>
-              <a:rPr/>
-              <a:t>data</a:t>
-            </a:r>
-          </a:p>
-        </p:txBody>
-      </p:sp>
-      <p:sp>
-        <p:nvSpPr>
-          <p:cNvPr id="3" name="Content Placeholder 2"/>
-          <p:cNvSpPr>
-            <a:spLocks noGrp="1"/>
-          </p:cNvSpPr>
-          <p:nvPr>
-            <p:ph idx="1"/>
-          </p:nvPr>
-        </p:nvSpPr>
-        <p:spPr/>
-        <p:txBody>
-          <a:bodyPr/>
-          <a:lstStyle/>
-          <a:p>
-            <a:pPr lvl="0" marL="1270000" indent="0">
-              <a:buNone/>
-            </a:pPr>
-            <a:r>
-              <a:rPr sz="1800" b="1">
-                <a:solidFill>
-                  <a:srgbClr val="007020"/>
-                </a:solidFill>
-                <a:latin typeface="Courier"/>
-              </a:rPr>
-              <a:t>str</a:t>
-            </a:r>
-            <a:r>
-              <a:rPr sz="1800">
-                <a:latin typeface="Courier"/>
-              </a:rPr>
-              <a:t>(LakeHuron)</a:t>
-            </a:r>
-          </a:p>
-          <a:p>
-            <a:pPr lvl="0" marL="1270000" indent="0">
-              <a:buNone/>
-            </a:pPr>
-            <a:r>
-              <a:rPr sz="1800">
-                <a:latin typeface="Courier"/>
-              </a:rPr>
-              <a:t>##  Time-Series [1:98] from 1875 to 1972: 580 582 581 581 580 ...</a:t>
-            </a:r>
-          </a:p>
-          <a:p>
-            <a:pPr lvl="0" marL="1270000" indent="0">
-              <a:buNone/>
-            </a:pPr>
-            <a:r>
-              <a:rPr sz="1800" b="1">
-                <a:solidFill>
-                  <a:srgbClr val="007020"/>
-                </a:solidFill>
-                <a:latin typeface="Courier"/>
-              </a:rPr>
-              <a:t>attributes</a:t>
-            </a:r>
-            <a:r>
-              <a:rPr sz="1800">
-                <a:latin typeface="Courier"/>
-              </a:rPr>
-              <a:t>(LakeHuron)</a:t>
-            </a:r>
-          </a:p>
-          <a:p>
-            <a:pPr lvl="0" marL="1270000" indent="0">
-              <a:buNone/>
-            </a:pPr>
-            <a:r>
-              <a:rPr sz="1800">
-                <a:latin typeface="Courier"/>
-              </a:rPr>
-              <a:t>## $tsp
-## [1] 1875 1972    1
-## 
-## $class
-## [1] "ts"</a:t>
-            </a:r>
-          </a:p>
-        </p:txBody>
-      </p:sp>
+              <a:t>autocorrelation</a:t>
+            </a:r>
+          </a:p>
+        </p:txBody>
+      </p:sp>
+      <p:pic>
+        <p:nvPicPr>
+          <p:cNvPr descr="basics_files/figure-pptx/neg-1.png" id="0" name="Picture 1"/>
+          <p:cNvPicPr>
+            <a:picLocks noGrp="1" noChangeAspect="1"/>
+          </p:cNvPicPr>
+          <p:nvPr/>
+        </p:nvPicPr>
+        <p:blipFill>
+          <a:blip r:embed="rId2"/>
+          <a:stretch>
+            <a:fillRect/>
+          </a:stretch>
+        </p:blipFill>
+        <p:spPr bwMode="auto">
+          <a:xfrm>
+            <a:off x="1752600" y="1600200"/>
+            <a:ext cx="5651500" cy="4521200"/>
+          </a:xfrm>
+          <a:prstGeom prst="rect">
+            <a:avLst/>
+          </a:prstGeom>
+          <a:noFill/>
+          <a:ln w="9525">
+            <a:noFill/>
+            <a:headEnd/>
+            <a:tailEnd/>
+          </a:ln>
+        </p:spPr>
+      </p:pic>
     </p:spTree>
   </p:cSld>
 </p:sld>
 </file>
 
 <file path=ppt/slides/slide16.xml><?xml version="1.0" encoding="utf-8"?>
+<p:sld xmlns:a="http://schemas.openxmlformats.org/drawingml/2006/main" xmlns:r="http://schemas.openxmlformats.org/officeDocument/2006/relationships" xmlns:p="http://schemas.openxmlformats.org/presentationml/2006/main">
+  <p:cSld>
+    <p:spTree>
+      <p:nvGrpSpPr>
+        <p:cNvPr id="1" name=""/>
+        <p:cNvGrpSpPr/>
+        <p:nvPr/>
+      </p:nvGrpSpPr>
+      <p:grpSpPr>
+        <a:xfrm>
+          <a:off x="0" y="0"/>
+          <a:ext cx="0" cy="0"/>
+          <a:chOff x="0" y="0"/>
+          <a:chExt cx="0" cy="0"/>
+        </a:xfrm>
+      </p:grpSpPr>
+      <p:sp>
+        <p:nvSpPr>
+          <p:cNvPr id="2" name="Title 1"/>
+          <p:cNvSpPr>
+            <a:spLocks noGrp="1"/>
+          </p:cNvSpPr>
+          <p:nvPr>
+            <p:ph type="title"/>
+          </p:nvPr>
+        </p:nvSpPr>
+        <p:spPr/>
+        <p:txBody>
+          <a:bodyPr/>
+          <a:lstStyle/>
+          <a:p>
+            <a:pPr lvl="0" marL="0" indent="0">
+              <a:buNone/>
+            </a:pPr>
+            <a:r>
+              <a:rPr/>
+              <a:t>Lag</a:t>
+            </a:r>
+            <a:r>
+              <a:rPr/>
+              <a:t> </a:t>
+            </a:r>
+            <a:r>
+              <a:rPr/>
+              <a:t>plot</a:t>
+            </a:r>
+          </a:p>
+        </p:txBody>
+      </p:sp>
+      <p:pic>
+        <p:nvPicPr>
+          <p:cNvPr descr="basics_files/figure-pptx/diff-neg-1.png" id="0" name="Picture 1"/>
+          <p:cNvPicPr>
+            <a:picLocks noGrp="1" noChangeAspect="1"/>
+          </p:cNvPicPr>
+          <p:nvPr/>
+        </p:nvPicPr>
+        <p:blipFill>
+          <a:blip r:embed="rId2"/>
+          <a:stretch>
+            <a:fillRect/>
+          </a:stretch>
+        </p:blipFill>
+        <p:spPr bwMode="auto">
+          <a:xfrm>
+            <a:off x="2311400" y="1600200"/>
+            <a:ext cx="4521200" cy="4521200"/>
+          </a:xfrm>
+          <a:prstGeom prst="rect">
+            <a:avLst/>
+          </a:prstGeom>
+          <a:noFill/>
+          <a:ln w="9525">
+            <a:noFill/>
+            <a:headEnd/>
+            <a:tailEnd/>
+          </a:ln>
+        </p:spPr>
+      </p:pic>
+    </p:spTree>
+  </p:cSld>
+</p:sld>
+</file>
+
+<file path=ppt/slides/slide17.xml><?xml version="1.0" encoding="utf-8"?>
+<p:sld xmlns:a="http://schemas.openxmlformats.org/drawingml/2006/main" xmlns:r="http://schemas.openxmlformats.org/officeDocument/2006/relationships" xmlns:p="http://schemas.openxmlformats.org/presentationml/2006/main">
+  <p:cSld>
+    <p:spTree>
+      <p:nvGrpSpPr>
+        <p:cNvPr id="1" name=""/>
+        <p:cNvGrpSpPr/>
+        <p:nvPr/>
+      </p:nvGrpSpPr>
+      <p:grpSpPr>
+        <a:xfrm>
+          <a:off x="0" y="0"/>
+          <a:ext cx="0" cy="0"/>
+          <a:chOff x="0" y="0"/>
+          <a:chExt cx="0" cy="0"/>
+        </a:xfrm>
+      </p:grpSpPr>
+      <p:sp>
+        <p:nvSpPr>
+          <p:cNvPr id="2" name="Title 1"/>
+          <p:cNvSpPr>
+            <a:spLocks noGrp="1"/>
+          </p:cNvSpPr>
+          <p:nvPr>
+            <p:ph type="title"/>
+          </p:nvPr>
+        </p:nvSpPr>
+        <p:spPr/>
+        <p:txBody>
+          <a:bodyPr/>
+          <a:lstStyle/>
+          <a:p>
+            <a:pPr lvl="0" marL="0" indent="0">
+              <a:buNone/>
+            </a:pPr>
+            <a:r>
+              <a:rPr/>
+              <a:t>acf</a:t>
+            </a:r>
+            <a:r>
+              <a:rPr/>
+              <a:t> </a:t>
+            </a:r>
+            <a:r>
+              <a:rPr/>
+              <a:t>and</a:t>
+            </a:r>
+            <a:r>
+              <a:rPr/>
+              <a:t> </a:t>
+            </a:r>
+            <a:r>
+              <a:rPr/>
+              <a:t>pacf</a:t>
+            </a:r>
+            <a:r>
+              <a:rPr/>
+              <a:t> </a:t>
+            </a:r>
+            <a:r>
+              <a:rPr/>
+              <a:t>for</a:t>
+            </a:r>
+            <a:r>
+              <a:rPr/>
+              <a:t> </a:t>
+            </a:r>
+            <a:r>
+              <a:rPr/>
+              <a:t>co2</a:t>
+            </a:r>
+            <a:r>
+              <a:rPr/>
+              <a:t> </a:t>
+            </a:r>
+            <a:r>
+              <a:rPr/>
+              <a:t>data</a:t>
+            </a:r>
+          </a:p>
+        </p:txBody>
+      </p:sp>
+      <p:pic>
+        <p:nvPicPr>
+          <p:cNvPr descr="basics_files/figure-pptx/co2-auto-1.png" id="0" name="Picture 1"/>
+          <p:cNvPicPr>
+            <a:picLocks noGrp="1" noChangeAspect="1"/>
+          </p:cNvPicPr>
+          <p:nvPr/>
+        </p:nvPicPr>
+        <p:blipFill>
+          <a:blip r:embed="rId2"/>
+          <a:stretch>
+            <a:fillRect/>
+          </a:stretch>
+        </p:blipFill>
+        <p:spPr bwMode="auto">
+          <a:xfrm>
+            <a:off x="1752600" y="1600200"/>
+            <a:ext cx="5651500" cy="4521200"/>
+          </a:xfrm>
+          <a:prstGeom prst="rect">
+            <a:avLst/>
+          </a:prstGeom>
+          <a:noFill/>
+          <a:ln w="9525">
+            <a:noFill/>
+            <a:headEnd/>
+            <a:tailEnd/>
+          </a:ln>
+        </p:spPr>
+      </p:pic>
+    </p:spTree>
+  </p:cSld>
+</p:sld>
+</file>
+
+<file path=ppt/slides/slide18.xml><?xml version="1.0" encoding="utf-8"?>
+<p:sld xmlns:a="http://schemas.openxmlformats.org/drawingml/2006/main" xmlns:r="http://schemas.openxmlformats.org/officeDocument/2006/relationships" xmlns:p="http://schemas.openxmlformats.org/presentationml/2006/main">
+  <p:cSld>
+    <p:spTree>
+      <p:nvGrpSpPr>
+        <p:cNvPr id="1" name=""/>
+        <p:cNvGrpSpPr/>
+        <p:nvPr/>
+      </p:nvGrpSpPr>
+      <p:grpSpPr>
+        <a:xfrm>
+          <a:off x="0" y="0"/>
+          <a:ext cx="0" cy="0"/>
+          <a:chOff x="0" y="0"/>
+          <a:chExt cx="0" cy="0"/>
+        </a:xfrm>
+      </p:grpSpPr>
+      <p:sp>
+        <p:nvSpPr>
+          <p:cNvPr id="2" name="Title 1"/>
+          <p:cNvSpPr>
+            <a:spLocks noGrp="1"/>
+          </p:cNvSpPr>
+          <p:nvPr>
+            <p:ph type="title"/>
+          </p:nvPr>
+        </p:nvSpPr>
+        <p:spPr/>
+        <p:txBody>
+          <a:bodyPr/>
+          <a:lstStyle/>
+          <a:p>
+            <a:pPr lvl="0" marL="0" indent="0">
+              <a:buNone/>
+            </a:pPr>
+            <a:r>
+              <a:rPr/>
+              <a:t>Structure</a:t>
+            </a:r>
+            <a:r>
+              <a:rPr/>
+              <a:t> </a:t>
+            </a:r>
+            <a:r>
+              <a:rPr/>
+              <a:t>of</a:t>
+            </a:r>
+            <a:r>
+              <a:rPr/>
+              <a:t> </a:t>
+            </a:r>
+            <a:r>
+              <a:rPr/>
+              <a:t>LakeHuron</a:t>
+            </a:r>
+            <a:r>
+              <a:rPr/>
+              <a:t> </a:t>
+            </a:r>
+            <a:r>
+              <a:rPr/>
+              <a:t>data</a:t>
+            </a:r>
+          </a:p>
+        </p:txBody>
+      </p:sp>
+      <p:sp>
+        <p:nvSpPr>
+          <p:cNvPr id="3" name="Content Placeholder 2"/>
+          <p:cNvSpPr>
+            <a:spLocks noGrp="1"/>
+          </p:cNvSpPr>
+          <p:nvPr>
+            <p:ph idx="1"/>
+          </p:nvPr>
+        </p:nvSpPr>
+        <p:spPr/>
+        <p:txBody>
+          <a:bodyPr/>
+          <a:lstStyle/>
+          <a:p>
+            <a:pPr lvl="0" marL="1270000" indent="0">
+              <a:buNone/>
+            </a:pPr>
+            <a:r>
+              <a:rPr sz="1800" b="1">
+                <a:solidFill>
+                  <a:srgbClr val="007020"/>
+                </a:solidFill>
+                <a:latin typeface="Courier"/>
+              </a:rPr>
+              <a:t>str</a:t>
+            </a:r>
+            <a:r>
+              <a:rPr sz="1800">
+                <a:latin typeface="Courier"/>
+              </a:rPr>
+              <a:t>(LakeHuron)</a:t>
+            </a:r>
+          </a:p>
+          <a:p>
+            <a:pPr lvl="0" marL="1270000" indent="0">
+              <a:buNone/>
+            </a:pPr>
+            <a:r>
+              <a:rPr sz="1800">
+                <a:latin typeface="Courier"/>
+              </a:rPr>
+              <a:t>##  Time-Series [1:98] from 1875 to 1972: 580 582 581 581 580 ...</a:t>
+            </a:r>
+          </a:p>
+          <a:p>
+            <a:pPr lvl="0" marL="1270000" indent="0">
+              <a:buNone/>
+            </a:pPr>
+            <a:r>
+              <a:rPr sz="1800" b="1">
+                <a:solidFill>
+                  <a:srgbClr val="007020"/>
+                </a:solidFill>
+                <a:latin typeface="Courier"/>
+              </a:rPr>
+              <a:t>attributes</a:t>
+            </a:r>
+            <a:r>
+              <a:rPr sz="1800">
+                <a:latin typeface="Courier"/>
+              </a:rPr>
+              <a:t>(LakeHuron)</a:t>
+            </a:r>
+          </a:p>
+          <a:p>
+            <a:pPr lvl="0" marL="1270000" indent="0">
+              <a:buNone/>
+            </a:pPr>
+            <a:r>
+              <a:rPr sz="1800">
+                <a:latin typeface="Courier"/>
+              </a:rPr>
+              <a:t>## $tsp
+## [1] 1875 1972    1
+## 
+## $class
+## [1] "ts"</a:t>
+            </a:r>
+          </a:p>
+        </p:txBody>
+      </p:sp>
+    </p:spTree>
+  </p:cSld>
+</p:sld>
+</file>
+
+<file path=ppt/slides/slide19.xml><?xml version="1.0" encoding="utf-8"?>
 <p:sld xmlns:a="http://schemas.openxmlformats.org/drawingml/2006/main" xmlns:r="http://schemas.openxmlformats.org/officeDocument/2006/relationships" xmlns:p="http://schemas.openxmlformats.org/presentationml/2006/main">
   <p:cSld>
     <p:spTree>
@@ -4086,405 +4322,6 @@
 </p:sld>
 </file>
 
-<file path=ppt/slides/slide17.xml><?xml version="1.0" encoding="utf-8"?>
-<p:sld xmlns:a="http://schemas.openxmlformats.org/drawingml/2006/main" xmlns:r="http://schemas.openxmlformats.org/officeDocument/2006/relationships" xmlns:p="http://schemas.openxmlformats.org/presentationml/2006/main">
-  <p:cSld>
-    <p:spTree>
-      <p:nvGrpSpPr>
-        <p:cNvPr id="1" name=""/>
-        <p:cNvGrpSpPr/>
-        <p:nvPr/>
-      </p:nvGrpSpPr>
-      <p:grpSpPr>
-        <a:xfrm>
-          <a:off x="0" y="0"/>
-          <a:ext cx="0" cy="0"/>
-          <a:chOff x="0" y="0"/>
-          <a:chExt cx="0" cy="0"/>
-        </a:xfrm>
-      </p:grpSpPr>
-      <p:sp>
-        <p:nvSpPr>
-          <p:cNvPr id="2" name="Title 1"/>
-          <p:cNvSpPr>
-            <a:spLocks noGrp="1"/>
-          </p:cNvSpPr>
-          <p:nvPr>
-            <p:ph type="title"/>
-          </p:nvPr>
-        </p:nvSpPr>
-        <p:spPr/>
-        <p:txBody>
-          <a:bodyPr/>
-          <a:lstStyle/>
-          <a:p>
-            <a:pPr lvl="0" marL="0" indent="0">
-              <a:buNone/>
-            </a:pPr>
-            <a:r>
-              <a:rPr/>
-              <a:t>Structure</a:t>
-            </a:r>
-            <a:r>
-              <a:rPr/>
-              <a:t> </a:t>
-            </a:r>
-            <a:r>
-              <a:rPr/>
-              <a:t>of</a:t>
-            </a:r>
-            <a:r>
-              <a:rPr/>
-              <a:t> </a:t>
-            </a:r>
-            <a:r>
-              <a:rPr/>
-              <a:t>mdeaths</a:t>
-            </a:r>
-            <a:r>
-              <a:rPr/>
-              <a:t> </a:t>
-            </a:r>
-            <a:r>
-              <a:rPr/>
-              <a:t>data</a:t>
-            </a:r>
-          </a:p>
-        </p:txBody>
-      </p:sp>
-      <p:sp>
-        <p:nvSpPr>
-          <p:cNvPr id="3" name="Content Placeholder 2"/>
-          <p:cNvSpPr>
-            <a:spLocks noGrp="1"/>
-          </p:cNvSpPr>
-          <p:nvPr>
-            <p:ph idx="1"/>
-          </p:nvPr>
-        </p:nvSpPr>
-        <p:spPr/>
-        <p:txBody>
-          <a:bodyPr/>
-          <a:lstStyle/>
-          <a:p>
-            <a:pPr lvl="0" marL="1270000" indent="0">
-              <a:buNone/>
-            </a:pPr>
-            <a:r>
-              <a:rPr sz="1800" b="1">
-                <a:solidFill>
-                  <a:srgbClr val="007020"/>
-                </a:solidFill>
-                <a:latin typeface="Courier"/>
-              </a:rPr>
-              <a:t>str</a:t>
-            </a:r>
-            <a:r>
-              <a:rPr sz="1800">
-                <a:latin typeface="Courier"/>
-              </a:rPr>
-              <a:t>(mdeaths)</a:t>
-            </a:r>
-          </a:p>
-          <a:p>
-            <a:pPr lvl="0" marL="1270000" indent="0">
-              <a:buNone/>
-            </a:pPr>
-            <a:r>
-              <a:rPr sz="1800">
-                <a:latin typeface="Courier"/>
-              </a:rPr>
-              <a:t>##  Time-Series [1:72] from 1974 to 1980: 2134 1863 1877 1877 1492 ...</a:t>
-            </a:r>
-          </a:p>
-          <a:p>
-            <a:pPr lvl="0" marL="1270000" indent="0">
-              <a:buNone/>
-            </a:pPr>
-            <a:r>
-              <a:rPr sz="1800" b="1">
-                <a:solidFill>
-                  <a:srgbClr val="007020"/>
-                </a:solidFill>
-                <a:latin typeface="Courier"/>
-              </a:rPr>
-              <a:t>attributes</a:t>
-            </a:r>
-            <a:r>
-              <a:rPr sz="1800">
-                <a:latin typeface="Courier"/>
-              </a:rPr>
-              <a:t>(mdeaths)</a:t>
-            </a:r>
-          </a:p>
-          <a:p>
-            <a:pPr lvl="0" marL="1270000" indent="0">
-              <a:buNone/>
-            </a:pPr>
-            <a:r>
-              <a:rPr sz="1800">
-                <a:latin typeface="Courier"/>
-              </a:rPr>
-              <a:t>## $tsp
-## [1] 1974.000 1979.917   12.000
-## 
-## $class
-## [1] "ts"</a:t>
-            </a:r>
-          </a:p>
-        </p:txBody>
-      </p:sp>
-    </p:spTree>
-  </p:cSld>
-</p:sld>
-</file>
-
-<file path=ppt/slides/slide18.xml><?xml version="1.0" encoding="utf-8"?>
-<p:sld xmlns:a="http://schemas.openxmlformats.org/drawingml/2006/main" xmlns:r="http://schemas.openxmlformats.org/officeDocument/2006/relationships" xmlns:p="http://schemas.openxmlformats.org/presentationml/2006/main">
-  <p:cSld>
-    <p:spTree>
-      <p:nvGrpSpPr>
-        <p:cNvPr id="1" name=""/>
-        <p:cNvGrpSpPr/>
-        <p:nvPr/>
-      </p:nvGrpSpPr>
-      <p:grpSpPr>
-        <a:xfrm>
-          <a:off x="0" y="0"/>
-          <a:ext cx="0" cy="0"/>
-          <a:chOff x="0" y="0"/>
-          <a:chExt cx="0" cy="0"/>
-        </a:xfrm>
-      </p:grpSpPr>
-      <p:sp>
-        <p:nvSpPr>
-          <p:cNvPr id="2" name="Title 1"/>
-          <p:cNvSpPr>
-            <a:spLocks noGrp="1"/>
-          </p:cNvSpPr>
-          <p:nvPr>
-            <p:ph type="title"/>
-          </p:nvPr>
-        </p:nvSpPr>
-        <p:spPr/>
-        <p:txBody>
-          <a:bodyPr/>
-          <a:lstStyle/>
-          <a:p>
-            <a:pPr lvl="0" marL="0" indent="0">
-              <a:buNone/>
-            </a:pPr>
-            <a:r>
-              <a:rPr/>
-              <a:t>Plot</a:t>
-            </a:r>
-            <a:r>
-              <a:rPr/>
-              <a:t> </a:t>
-            </a:r>
-            <a:r>
-              <a:rPr/>
-              <a:t>of</a:t>
-            </a:r>
-            <a:r>
-              <a:rPr/>
-              <a:t> </a:t>
-            </a:r>
-            <a:r>
-              <a:rPr/>
-              <a:t>mdeaths</a:t>
-            </a:r>
-          </a:p>
-        </p:txBody>
-      </p:sp>
-      <p:pic>
-        <p:nvPicPr>
-          <p:cNvPr descr="basics_files/figure-pptx/mdeaths-plot-1.png" id="0" name="Picture 1"/>
-          <p:cNvPicPr>
-            <a:picLocks noGrp="1" noChangeAspect="1"/>
-          </p:cNvPicPr>
-          <p:nvPr/>
-        </p:nvPicPr>
-        <p:blipFill>
-          <a:blip r:embed="rId2"/>
-          <a:stretch>
-            <a:fillRect/>
-          </a:stretch>
-        </p:blipFill>
-        <p:spPr bwMode="auto">
-          <a:xfrm>
-            <a:off x="1752600" y="1600200"/>
-            <a:ext cx="5651500" cy="4521200"/>
-          </a:xfrm>
-          <a:prstGeom prst="rect">
-            <a:avLst/>
-          </a:prstGeom>
-          <a:noFill/>
-          <a:ln w="9525">
-            <a:noFill/>
-            <a:headEnd/>
-            <a:tailEnd/>
-          </a:ln>
-        </p:spPr>
-      </p:pic>
-    </p:spTree>
-  </p:cSld>
-</p:sld>
-</file>
-
-<file path=ppt/slides/slide19.xml><?xml version="1.0" encoding="utf-8"?>
-<p:sld xmlns:a="http://schemas.openxmlformats.org/drawingml/2006/main" xmlns:r="http://schemas.openxmlformats.org/officeDocument/2006/relationships" xmlns:p="http://schemas.openxmlformats.org/presentationml/2006/main">
-  <p:cSld>
-    <p:spTree>
-      <p:nvGrpSpPr>
-        <p:cNvPr id="1" name=""/>
-        <p:cNvGrpSpPr/>
-        <p:nvPr/>
-      </p:nvGrpSpPr>
-      <p:grpSpPr>
-        <a:xfrm>
-          <a:off x="0" y="0"/>
-          <a:ext cx="0" cy="0"/>
-          <a:chOff x="0" y="0"/>
-          <a:chExt cx="0" cy="0"/>
-        </a:xfrm>
-      </p:grpSpPr>
-      <p:sp>
-        <p:nvSpPr>
-          <p:cNvPr id="2" name="Title 1"/>
-          <p:cNvSpPr>
-            <a:spLocks noGrp="1"/>
-          </p:cNvSpPr>
-          <p:nvPr>
-            <p:ph type="title"/>
-          </p:nvPr>
-        </p:nvSpPr>
-        <p:spPr/>
-        <p:txBody>
-          <a:bodyPr/>
-          <a:lstStyle/>
-          <a:p>
-            <a:pPr lvl="0" marL="0" indent="0">
-              <a:buNone/>
-            </a:pPr>
-            <a:r>
-              <a:rPr/>
-              <a:t>Structure</a:t>
-            </a:r>
-            <a:r>
-              <a:rPr/>
-              <a:t> </a:t>
-            </a:r>
-            <a:r>
-              <a:rPr/>
-              <a:t>of</a:t>
-            </a:r>
-            <a:r>
-              <a:rPr/>
-              <a:t> </a:t>
-            </a:r>
-            <a:r>
-              <a:rPr/>
-              <a:t>Nile</a:t>
-            </a:r>
-            <a:r>
-              <a:rPr/>
-              <a:t> </a:t>
-            </a:r>
-            <a:r>
-              <a:rPr/>
-              <a:t>data</a:t>
-            </a:r>
-          </a:p>
-        </p:txBody>
-      </p:sp>
-      <p:sp>
-        <p:nvSpPr>
-          <p:cNvPr id="3" name="Content Placeholder 2"/>
-          <p:cNvSpPr>
-            <a:spLocks noGrp="1"/>
-          </p:cNvSpPr>
-          <p:nvPr>
-            <p:ph idx="1"/>
-          </p:nvPr>
-        </p:nvSpPr>
-        <p:spPr/>
-        <p:txBody>
-          <a:bodyPr/>
-          <a:lstStyle/>
-          <a:p>
-            <a:pPr lvl="0" marL="1270000" indent="0">
-              <a:buNone/>
-            </a:pPr>
-            <a:r>
-              <a:rPr sz="1800" b="1">
-                <a:solidFill>
-                  <a:srgbClr val="007020"/>
-                </a:solidFill>
-                <a:latin typeface="Courier"/>
-              </a:rPr>
-              <a:t>str</a:t>
-            </a:r>
-            <a:r>
-              <a:rPr sz="1800">
-                <a:latin typeface="Courier"/>
-              </a:rPr>
-              <a:t>(Nile)</a:t>
-            </a:r>
-          </a:p>
-          <a:p>
-            <a:pPr lvl="0" marL="1270000" indent="0">
-              <a:buNone/>
-            </a:pPr>
-            <a:r>
-              <a:rPr sz="1800">
-                <a:latin typeface="Courier"/>
-              </a:rPr>
-              <a:t>##  Time-Series [1:100] from 1871 to 1970: 1120 1160 963 1210 1160 1160 813 1230 1370 1140 ...</a:t>
-            </a:r>
-          </a:p>
-          <a:p>
-            <a:pPr lvl="0" marL="1270000" indent="0">
-              <a:buNone/>
-            </a:pPr>
-            <a:r>
-              <a:rPr sz="1800" b="1">
-                <a:solidFill>
-                  <a:srgbClr val="007020"/>
-                </a:solidFill>
-                <a:latin typeface="Courier"/>
-              </a:rPr>
-              <a:t>attributes</a:t>
-            </a:r>
-            <a:r>
-              <a:rPr sz="1800">
-                <a:latin typeface="Courier"/>
-              </a:rPr>
-              <a:t>(Nile)</a:t>
-            </a:r>
-          </a:p>
-          <a:p>
-            <a:pPr lvl="0" marL="1270000" indent="0">
-              <a:buNone/>
-            </a:pPr>
-            <a:r>
-              <a:rPr sz="1800">
-                <a:latin typeface="Courier"/>
-              </a:rPr>
-              <a:t>## $tsp
-## [1] 1871 1970    1
-## 
-## $class
-## [1] "ts"</a:t>
-            </a:r>
-          </a:p>
-        </p:txBody>
-      </p:sp>
-    </p:spTree>
-  </p:cSld>
-</p:sld>
-</file>
-
 <file path=ppt/slides/slide2.xml><?xml version="1.0" encoding="utf-8"?>
 <p:sld xmlns:a="http://schemas.openxmlformats.org/drawingml/2006/main" xmlns:r="http://schemas.openxmlformats.org/officeDocument/2006/relationships" xmlns:p="http://schemas.openxmlformats.org/presentationml/2006/main">
   <p:cSld>
@@ -4648,7 +4485,7 @@
             </a:pPr>
             <a:r>
               <a:rPr/>
-              <a:t>Plot</a:t>
+              <a:t>acf</a:t>
             </a:r>
             <a:r>
               <a:rPr/>
@@ -4656,7 +4493,7 @@
             </a:r>
             <a:r>
               <a:rPr/>
-              <a:t>of</a:t>
+              <a:t>and</a:t>
             </a:r>
             <a:r>
               <a:rPr/>
@@ -4664,7 +4501,15 @@
             </a:r>
             <a:r>
               <a:rPr/>
-              <a:t>Nile</a:t>
+              <a:t>pacf</a:t>
+            </a:r>
+            <a:r>
+              <a:rPr/>
+              <a:t> </a:t>
+            </a:r>
+            <a:r>
+              <a:rPr/>
+              <a:t>for</a:t>
             </a:r>
             <a:r>
               <a:rPr/>
@@ -4679,7 +4524,7 @@
       </p:sp>
       <p:pic>
         <p:nvPicPr>
-          <p:cNvPr descr="basics_files/figure-pptx/Nile-plot-1.png" id="0" name="Picture 1"/>
+          <p:cNvPr descr="basics_files/figure-pptx/LakeHuron-auto-1.png" id="0" name="Picture 1"/>
           <p:cNvPicPr>
             <a:picLocks noGrp="1" noChangeAspect="1"/>
           </p:cNvPicPr>
@@ -4765,7 +4610,15 @@
             </a:r>
             <a:r>
               <a:rPr/>
-              <a:t>nottem</a:t>
+              <a:t>mdeaths</a:t>
+            </a:r>
+            <a:r>
+              <a:rPr/>
+              <a:t> </a:t>
+            </a:r>
+            <a:r>
+              <a:rPr/>
+              <a:t>data</a:t>
             </a:r>
           </a:p>
         </p:txBody>
@@ -4801,7 +4654,7 @@
               <a:rPr sz="1800">
                 <a:latin typeface="Courier"/>
               </a:rPr>
-              <a:t>(nottem)</a:t>
+              <a:t>(mdeaths)</a:t>
             </a:r>
           </a:p>
           <a:p>
@@ -4812,7 +4665,7 @@
               <a:rPr sz="1800">
                 <a:latin typeface="Courier"/>
               </a:rPr>
-              <a:t>##  Time-Series [1:240] from 1920 to 1940: 40.6 40.8 44.4 46.7 54.1 58.5 57.7 56.4 54.3 50.5 ...</a:t>
+              <a:t>##  Time-Series [1:72] from 1974 to 1980: 2134 1863 1877 1877 1492 ...</a:t>
             </a:r>
           </a:p>
           <a:p>
@@ -4832,7 +4685,7 @@
               <a:rPr sz="1800">
                 <a:latin typeface="Courier"/>
               </a:rPr>
-              <a:t>(nottem)</a:t>
+              <a:t>(mdeaths)</a:t>
             </a:r>
           </a:p>
           <a:p>
@@ -4844,7 +4697,7 @@
                 <a:latin typeface="Courier"/>
               </a:rPr>
               <a:t>## $tsp
-## [1] 1920.000 1939.917   12.000
+## [1] 1974.000 1979.917   12.000
 ## 
 ## $class
 ## [1] "ts"</a:t>
@@ -4910,14 +4763,14 @@
             </a:r>
             <a:r>
               <a:rPr/>
-              <a:t>nottem</a:t>
+              <a:t>mdeaths</a:t>
             </a:r>
           </a:p>
         </p:txBody>
       </p:sp>
       <p:pic>
         <p:nvPicPr>
-          <p:cNvPr descr="basics_files/figure-pptx/nottem-plot-1.png" id="0" name="Picture 1"/>
+          <p:cNvPr descr="basics_files/figure-pptx/mdeaths-plot-1.png" id="0" name="Picture 1"/>
           <p:cNvPicPr>
             <a:picLocks noGrp="1" noChangeAspect="1"/>
           </p:cNvPicPr>
@@ -5003,7 +4856,15 @@
             </a:r>
             <a:r>
               <a:rPr/>
-              <a:t>sunspot.year</a:t>
+              <a:t>Nile</a:t>
+            </a:r>
+            <a:r>
+              <a:rPr/>
+              <a:t> </a:t>
+            </a:r>
+            <a:r>
+              <a:rPr/>
+              <a:t>data</a:t>
             </a:r>
           </a:p>
         </p:txBody>
@@ -5039,7 +4900,7 @@
               <a:rPr sz="1800">
                 <a:latin typeface="Courier"/>
               </a:rPr>
-              <a:t>(sunspot.year)</a:t>
+              <a:t>(Nile)</a:t>
             </a:r>
           </a:p>
           <a:p>
@@ -5050,7 +4911,7 @@
               <a:rPr sz="1800">
                 <a:latin typeface="Courier"/>
               </a:rPr>
-              <a:t>##  Time-Series [1:289] from 1700 to 1988: 5 11 16 23 36 58 29 20 10 8 ...</a:t>
+              <a:t>##  Time-Series [1:100] from 1871 to 1970: 1120 1160 963 1210 1160 1160 813 1230 1370 1140 ...</a:t>
             </a:r>
           </a:p>
           <a:p>
@@ -5070,7 +4931,7 @@
               <a:rPr sz="1800">
                 <a:latin typeface="Courier"/>
               </a:rPr>
-              <a:t>(sunspot.year)</a:t>
+              <a:t>(Nile)</a:t>
             </a:r>
           </a:p>
           <a:p>
@@ -5082,7 +4943,7 @@
                 <a:latin typeface="Courier"/>
               </a:rPr>
               <a:t>## $tsp
-## [1] 1700 1988    1
+## [1] 1871 1970    1
 ## 
 ## $class
 ## [1] "ts"</a:t>
@@ -5148,14 +5009,22 @@
             </a:r>
             <a:r>
               <a:rPr/>
-              <a:t>sunspot.year</a:t>
+              <a:t>Nile</a:t>
+            </a:r>
+            <a:r>
+              <a:rPr/>
+              <a:t> </a:t>
+            </a:r>
+            <a:r>
+              <a:rPr/>
+              <a:t>data</a:t>
             </a:r>
           </a:p>
         </p:txBody>
       </p:sp>
       <p:pic>
         <p:nvPicPr>
-          <p:cNvPr descr="basics_files/figure-pptx/sunspot-plot-1.png" id="0" name="Picture 1"/>
+          <p:cNvPr descr="basics_files/figure-pptx/Nile-plot-1.png" id="0" name="Picture 1"/>
           <p:cNvPicPr>
             <a:picLocks noGrp="1" noChangeAspect="1"/>
           </p:cNvPicPr>
@@ -5241,7 +5110,7 @@
             </a:r>
             <a:r>
               <a:rPr/>
-              <a:t>treering</a:t>
+              <a:t>nottem</a:t>
             </a:r>
           </a:p>
         </p:txBody>
@@ -5277,7 +5146,7 @@
               <a:rPr sz="1800">
                 <a:latin typeface="Courier"/>
               </a:rPr>
-              <a:t>(treering)</a:t>
+              <a:t>(nottem)</a:t>
             </a:r>
           </a:p>
           <a:p>
@@ -5288,7 +5157,7 @@
               <a:rPr sz="1800">
                 <a:latin typeface="Courier"/>
               </a:rPr>
-              <a:t>##  Time-Series [1:7980] from -6000 to 1979: 1.34 1.08 1.54 1.32 1.41 ...</a:t>
+              <a:t>##  Time-Series [1:240] from 1920 to 1940: 40.6 40.8 44.4 46.7 54.1 58.5 57.7 56.4 54.3 50.5 ...</a:t>
             </a:r>
           </a:p>
           <a:p>
@@ -5308,7 +5177,7 @@
               <a:rPr sz="1800">
                 <a:latin typeface="Courier"/>
               </a:rPr>
-              <a:t>(treering)</a:t>
+              <a:t>(nottem)</a:t>
             </a:r>
           </a:p>
           <a:p>
@@ -5320,7 +5189,7 @@
                 <a:latin typeface="Courier"/>
               </a:rPr>
               <a:t>## $tsp
-## [1] -6000  1979     1
+## [1] 1920.000 1939.917   12.000
 ## 
 ## $class
 ## [1] "ts"</a:t>
@@ -5386,14 +5255,14 @@
             </a:r>
             <a:r>
               <a:rPr/>
-              <a:t>treering</a:t>
+              <a:t>nottem</a:t>
             </a:r>
           </a:p>
         </p:txBody>
       </p:sp>
       <p:pic>
         <p:nvPicPr>
-          <p:cNvPr descr="basics_files/figure-pptx/treering-plot-1.png" id="0" name="Picture 1"/>
+          <p:cNvPr descr="basics_files/figure-pptx/nottem-plot-1.png" id="0" name="Picture 1"/>
           <p:cNvPicPr>
             <a:picLocks noGrp="1" noChangeAspect="1"/>
           </p:cNvPicPr>
@@ -5463,7 +5332,23 @@
             </a:pPr>
             <a:r>
               <a:rPr/>
-              <a:t>UKDriverDeaths</a:t>
+              <a:t>Structure</a:t>
+            </a:r>
+            <a:r>
+              <a:rPr/>
+              <a:t> </a:t>
+            </a:r>
+            <a:r>
+              <a:rPr/>
+              <a:t>of</a:t>
+            </a:r>
+            <a:r>
+              <a:rPr/>
+              <a:t> </a:t>
+            </a:r>
+            <a:r>
+              <a:rPr/>
+              <a:t>sunspot.year</a:t>
             </a:r>
           </a:p>
         </p:txBody>
@@ -5499,7 +5384,7 @@
               <a:rPr sz="1800">
                 <a:latin typeface="Courier"/>
               </a:rPr>
-              <a:t>(UKDriverDeaths)</a:t>
+              <a:t>(sunspot.year)</a:t>
             </a:r>
           </a:p>
           <a:p>
@@ -5510,7 +5395,7 @@
               <a:rPr sz="1800">
                 <a:latin typeface="Courier"/>
               </a:rPr>
-              <a:t>##  Time-Series [1:192] from 1969 to 1985: 1687 1508 1507 1385 1632 ...</a:t>
+              <a:t>##  Time-Series [1:289] from 1700 to 1988: 5 11 16 23 36 58 29 20 10 8 ...</a:t>
             </a:r>
           </a:p>
           <a:p>
@@ -5530,7 +5415,7 @@
               <a:rPr sz="1800">
                 <a:latin typeface="Courier"/>
               </a:rPr>
-              <a:t>(UKDriverDeaths)</a:t>
+              <a:t>(sunspot.year)</a:t>
             </a:r>
           </a:p>
           <a:p>
@@ -5542,7 +5427,7 @@
                 <a:latin typeface="Courier"/>
               </a:rPr>
               <a:t>## $tsp
-## [1] 1969.000 1984.917   12.000
+## [1] 1700 1988    1
 ## 
 ## $class
 ## [1] "ts"</a:t>
@@ -5600,7 +5485,7 @@
             </a:r>
             <a:r>
               <a:rPr/>
-              <a:t>UKDriver</a:t>
+              <a:t>of</a:t>
             </a:r>
             <a:r>
               <a:rPr/>
@@ -5608,14 +5493,14 @@
             </a:r>
             <a:r>
               <a:rPr/>
-              <a:t>Deaths</a:t>
+              <a:t>sunspot.year</a:t>
             </a:r>
           </a:p>
         </p:txBody>
       </p:sp>
       <p:pic>
         <p:nvPicPr>
-          <p:cNvPr descr="basics_files/figure-pptx/UKDriverDeaths-plot-1.png" id="0" name="Picture 1"/>
+          <p:cNvPr descr="basics_files/figure-pptx/sunspot-plot-1.png" id="0" name="Picture 1"/>
           <p:cNvPicPr>
             <a:picLocks noGrp="1" noChangeAspect="1"/>
           </p:cNvPicPr>
@@ -5685,7 +5570,23 @@
             </a:pPr>
             <a:r>
               <a:rPr/>
-              <a:t>USAccDeaths</a:t>
+              <a:t>Structure</a:t>
+            </a:r>
+            <a:r>
+              <a:rPr/>
+              <a:t> </a:t>
+            </a:r>
+            <a:r>
+              <a:rPr/>
+              <a:t>of</a:t>
+            </a:r>
+            <a:r>
+              <a:rPr/>
+              <a:t> </a:t>
+            </a:r>
+            <a:r>
+              <a:rPr/>
+              <a:t>treering</a:t>
             </a:r>
           </a:p>
         </p:txBody>
@@ -5721,7 +5622,7 @@
               <a:rPr sz="1800">
                 <a:latin typeface="Courier"/>
               </a:rPr>
-              <a:t>(USAccDeaths)</a:t>
+              <a:t>(treering)</a:t>
             </a:r>
           </a:p>
           <a:p>
@@ -5732,7 +5633,7 @@
               <a:rPr sz="1800">
                 <a:latin typeface="Courier"/>
               </a:rPr>
-              <a:t>##  Time-Series [1:72] from 1973 to 1979: 9007 8106 8928 9137 10017 ...</a:t>
+              <a:t>##  Time-Series [1:7980] from -6000 to 1979: 1.34 1.08 1.54 1.32 1.41 ...</a:t>
             </a:r>
           </a:p>
           <a:p>
@@ -5752,7 +5653,7 @@
               <a:rPr sz="1800">
                 <a:latin typeface="Courier"/>
               </a:rPr>
-              <a:t>(USAccDeaths)</a:t>
+              <a:t>(treering)</a:t>
             </a:r>
           </a:p>
           <a:p>
@@ -5764,7 +5665,7 @@
                 <a:latin typeface="Courier"/>
               </a:rPr>
               <a:t>## $tsp
-## [1] 1973.000 1978.917   12.000
+## [1] -6000  1979     1
 ## 
 ## $class
 ## [1] "ts"</a:t>
@@ -5899,6 +5800,450 @@
             </a:pPr>
             <a:r>
               <a:rPr/>
+              <a:t>Plot</a:t>
+            </a:r>
+            <a:r>
+              <a:rPr/>
+              <a:t> </a:t>
+            </a:r>
+            <a:r>
+              <a:rPr/>
+              <a:t>of</a:t>
+            </a:r>
+            <a:r>
+              <a:rPr/>
+              <a:t> </a:t>
+            </a:r>
+            <a:r>
+              <a:rPr/>
+              <a:t>treering</a:t>
+            </a:r>
+          </a:p>
+        </p:txBody>
+      </p:sp>
+      <p:pic>
+        <p:nvPicPr>
+          <p:cNvPr descr="basics_files/figure-pptx/treering-plot-1.png" id="0" name="Picture 1"/>
+          <p:cNvPicPr>
+            <a:picLocks noGrp="1" noChangeAspect="1"/>
+          </p:cNvPicPr>
+          <p:nvPr/>
+        </p:nvPicPr>
+        <p:blipFill>
+          <a:blip r:embed="rId2"/>
+          <a:stretch>
+            <a:fillRect/>
+          </a:stretch>
+        </p:blipFill>
+        <p:spPr bwMode="auto">
+          <a:xfrm>
+            <a:off x="1752600" y="1600200"/>
+            <a:ext cx="5651500" cy="4521200"/>
+          </a:xfrm>
+          <a:prstGeom prst="rect">
+            <a:avLst/>
+          </a:prstGeom>
+          <a:noFill/>
+          <a:ln w="9525">
+            <a:noFill/>
+            <a:headEnd/>
+            <a:tailEnd/>
+          </a:ln>
+        </p:spPr>
+      </p:pic>
+    </p:spTree>
+  </p:cSld>
+</p:sld>
+</file>
+
+<file path=ppt/slides/slide31.xml><?xml version="1.0" encoding="utf-8"?>
+<p:sld xmlns:a="http://schemas.openxmlformats.org/drawingml/2006/main" xmlns:r="http://schemas.openxmlformats.org/officeDocument/2006/relationships" xmlns:p="http://schemas.openxmlformats.org/presentationml/2006/main">
+  <p:cSld>
+    <p:spTree>
+      <p:nvGrpSpPr>
+        <p:cNvPr id="1" name=""/>
+        <p:cNvGrpSpPr/>
+        <p:nvPr/>
+      </p:nvGrpSpPr>
+      <p:grpSpPr>
+        <a:xfrm>
+          <a:off x="0" y="0"/>
+          <a:ext cx="0" cy="0"/>
+          <a:chOff x="0" y="0"/>
+          <a:chExt cx="0" cy="0"/>
+        </a:xfrm>
+      </p:grpSpPr>
+      <p:sp>
+        <p:nvSpPr>
+          <p:cNvPr id="2" name="Title 1"/>
+          <p:cNvSpPr>
+            <a:spLocks noGrp="1"/>
+          </p:cNvSpPr>
+          <p:nvPr>
+            <p:ph type="title"/>
+          </p:nvPr>
+        </p:nvSpPr>
+        <p:spPr/>
+        <p:txBody>
+          <a:bodyPr/>
+          <a:lstStyle/>
+          <a:p>
+            <a:pPr lvl="0" marL="0" indent="0">
+              <a:buNone/>
+            </a:pPr>
+            <a:r>
+              <a:rPr/>
+              <a:t>UKDriverDeaths</a:t>
+            </a:r>
+          </a:p>
+        </p:txBody>
+      </p:sp>
+      <p:sp>
+        <p:nvSpPr>
+          <p:cNvPr id="3" name="Content Placeholder 2"/>
+          <p:cNvSpPr>
+            <a:spLocks noGrp="1"/>
+          </p:cNvSpPr>
+          <p:nvPr>
+            <p:ph idx="1"/>
+          </p:nvPr>
+        </p:nvSpPr>
+        <p:spPr/>
+        <p:txBody>
+          <a:bodyPr/>
+          <a:lstStyle/>
+          <a:p>
+            <a:pPr lvl="0" marL="1270000" indent="0">
+              <a:buNone/>
+            </a:pPr>
+            <a:r>
+              <a:rPr sz="1800" b="1">
+                <a:solidFill>
+                  <a:srgbClr val="007020"/>
+                </a:solidFill>
+                <a:latin typeface="Courier"/>
+              </a:rPr>
+              <a:t>str</a:t>
+            </a:r>
+            <a:r>
+              <a:rPr sz="1800">
+                <a:latin typeface="Courier"/>
+              </a:rPr>
+              <a:t>(UKDriverDeaths)</a:t>
+            </a:r>
+          </a:p>
+          <a:p>
+            <a:pPr lvl="0" marL="1270000" indent="0">
+              <a:buNone/>
+            </a:pPr>
+            <a:r>
+              <a:rPr sz="1800">
+                <a:latin typeface="Courier"/>
+              </a:rPr>
+              <a:t>##  Time-Series [1:192] from 1969 to 1985: 1687 1508 1507 1385 1632 ...</a:t>
+            </a:r>
+          </a:p>
+          <a:p>
+            <a:pPr lvl="0" marL="1270000" indent="0">
+              <a:buNone/>
+            </a:pPr>
+            <a:r>
+              <a:rPr sz="1800" b="1">
+                <a:solidFill>
+                  <a:srgbClr val="007020"/>
+                </a:solidFill>
+                <a:latin typeface="Courier"/>
+              </a:rPr>
+              <a:t>attributes</a:t>
+            </a:r>
+            <a:r>
+              <a:rPr sz="1800">
+                <a:latin typeface="Courier"/>
+              </a:rPr>
+              <a:t>(UKDriverDeaths)</a:t>
+            </a:r>
+          </a:p>
+          <a:p>
+            <a:pPr lvl="0" marL="1270000" indent="0">
+              <a:buNone/>
+            </a:pPr>
+            <a:r>
+              <a:rPr sz="1800">
+                <a:latin typeface="Courier"/>
+              </a:rPr>
+              <a:t>## $tsp
+## [1] 1969.000 1984.917   12.000
+## 
+## $class
+## [1] "ts"</a:t>
+            </a:r>
+          </a:p>
+        </p:txBody>
+      </p:sp>
+    </p:spTree>
+  </p:cSld>
+</p:sld>
+</file>
+
+<file path=ppt/slides/slide32.xml><?xml version="1.0" encoding="utf-8"?>
+<p:sld xmlns:a="http://schemas.openxmlformats.org/drawingml/2006/main" xmlns:r="http://schemas.openxmlformats.org/officeDocument/2006/relationships" xmlns:p="http://schemas.openxmlformats.org/presentationml/2006/main">
+  <p:cSld>
+    <p:spTree>
+      <p:nvGrpSpPr>
+        <p:cNvPr id="1" name=""/>
+        <p:cNvGrpSpPr/>
+        <p:nvPr/>
+      </p:nvGrpSpPr>
+      <p:grpSpPr>
+        <a:xfrm>
+          <a:off x="0" y="0"/>
+          <a:ext cx="0" cy="0"/>
+          <a:chOff x="0" y="0"/>
+          <a:chExt cx="0" cy="0"/>
+        </a:xfrm>
+      </p:grpSpPr>
+      <p:sp>
+        <p:nvSpPr>
+          <p:cNvPr id="2" name="Title 1"/>
+          <p:cNvSpPr>
+            <a:spLocks noGrp="1"/>
+          </p:cNvSpPr>
+          <p:nvPr>
+            <p:ph type="title"/>
+          </p:nvPr>
+        </p:nvSpPr>
+        <p:spPr/>
+        <p:txBody>
+          <a:bodyPr/>
+          <a:lstStyle/>
+          <a:p>
+            <a:pPr lvl="0" marL="0" indent="0">
+              <a:buNone/>
+            </a:pPr>
+            <a:r>
+              <a:rPr/>
+              <a:t>Plot</a:t>
+            </a:r>
+            <a:r>
+              <a:rPr/>
+              <a:t> </a:t>
+            </a:r>
+            <a:r>
+              <a:rPr/>
+              <a:t>UKDriver</a:t>
+            </a:r>
+            <a:r>
+              <a:rPr/>
+              <a:t> </a:t>
+            </a:r>
+            <a:r>
+              <a:rPr/>
+              <a:t>Deaths</a:t>
+            </a:r>
+          </a:p>
+        </p:txBody>
+      </p:sp>
+      <p:pic>
+        <p:nvPicPr>
+          <p:cNvPr descr="basics_files/figure-pptx/UKDriverDeaths-plot-1.png" id="0" name="Picture 1"/>
+          <p:cNvPicPr>
+            <a:picLocks noGrp="1" noChangeAspect="1"/>
+          </p:cNvPicPr>
+          <p:nvPr/>
+        </p:nvPicPr>
+        <p:blipFill>
+          <a:blip r:embed="rId2"/>
+          <a:stretch>
+            <a:fillRect/>
+          </a:stretch>
+        </p:blipFill>
+        <p:spPr bwMode="auto">
+          <a:xfrm>
+            <a:off x="1752600" y="1600200"/>
+            <a:ext cx="5651500" cy="4521200"/>
+          </a:xfrm>
+          <a:prstGeom prst="rect">
+            <a:avLst/>
+          </a:prstGeom>
+          <a:noFill/>
+          <a:ln w="9525">
+            <a:noFill/>
+            <a:headEnd/>
+            <a:tailEnd/>
+          </a:ln>
+        </p:spPr>
+      </p:pic>
+    </p:spTree>
+  </p:cSld>
+</p:sld>
+</file>
+
+<file path=ppt/slides/slide33.xml><?xml version="1.0" encoding="utf-8"?>
+<p:sld xmlns:a="http://schemas.openxmlformats.org/drawingml/2006/main" xmlns:r="http://schemas.openxmlformats.org/officeDocument/2006/relationships" xmlns:p="http://schemas.openxmlformats.org/presentationml/2006/main">
+  <p:cSld>
+    <p:spTree>
+      <p:nvGrpSpPr>
+        <p:cNvPr id="1" name=""/>
+        <p:cNvGrpSpPr/>
+        <p:nvPr/>
+      </p:nvGrpSpPr>
+      <p:grpSpPr>
+        <a:xfrm>
+          <a:off x="0" y="0"/>
+          <a:ext cx="0" cy="0"/>
+          <a:chOff x="0" y="0"/>
+          <a:chExt cx="0" cy="0"/>
+        </a:xfrm>
+      </p:grpSpPr>
+      <p:sp>
+        <p:nvSpPr>
+          <p:cNvPr id="2" name="Title 1"/>
+          <p:cNvSpPr>
+            <a:spLocks noGrp="1"/>
+          </p:cNvSpPr>
+          <p:nvPr>
+            <p:ph type="title"/>
+          </p:nvPr>
+        </p:nvSpPr>
+        <p:spPr/>
+        <p:txBody>
+          <a:bodyPr/>
+          <a:lstStyle/>
+          <a:p>
+            <a:pPr lvl="0" marL="0" indent="0">
+              <a:buNone/>
+            </a:pPr>
+            <a:r>
+              <a:rPr/>
+              <a:t>USAccDeaths</a:t>
+            </a:r>
+          </a:p>
+        </p:txBody>
+      </p:sp>
+      <p:sp>
+        <p:nvSpPr>
+          <p:cNvPr id="3" name="Content Placeholder 2"/>
+          <p:cNvSpPr>
+            <a:spLocks noGrp="1"/>
+          </p:cNvSpPr>
+          <p:nvPr>
+            <p:ph idx="1"/>
+          </p:nvPr>
+        </p:nvSpPr>
+        <p:spPr/>
+        <p:txBody>
+          <a:bodyPr/>
+          <a:lstStyle/>
+          <a:p>
+            <a:pPr lvl="0" marL="1270000" indent="0">
+              <a:buNone/>
+            </a:pPr>
+            <a:r>
+              <a:rPr sz="1800" b="1">
+                <a:solidFill>
+                  <a:srgbClr val="007020"/>
+                </a:solidFill>
+                <a:latin typeface="Courier"/>
+              </a:rPr>
+              <a:t>str</a:t>
+            </a:r>
+            <a:r>
+              <a:rPr sz="1800">
+                <a:latin typeface="Courier"/>
+              </a:rPr>
+              <a:t>(USAccDeaths)</a:t>
+            </a:r>
+          </a:p>
+          <a:p>
+            <a:pPr lvl="0" marL="1270000" indent="0">
+              <a:buNone/>
+            </a:pPr>
+            <a:r>
+              <a:rPr sz="1800">
+                <a:latin typeface="Courier"/>
+              </a:rPr>
+              <a:t>##  Time-Series [1:72] from 1973 to 1979: 9007 8106 8928 9137 10017 ...</a:t>
+            </a:r>
+          </a:p>
+          <a:p>
+            <a:pPr lvl="0" marL="1270000" indent="0">
+              <a:buNone/>
+            </a:pPr>
+            <a:r>
+              <a:rPr sz="1800" b="1">
+                <a:solidFill>
+                  <a:srgbClr val="007020"/>
+                </a:solidFill>
+                <a:latin typeface="Courier"/>
+              </a:rPr>
+              <a:t>attributes</a:t>
+            </a:r>
+            <a:r>
+              <a:rPr sz="1800">
+                <a:latin typeface="Courier"/>
+              </a:rPr>
+              <a:t>(USAccDeaths)</a:t>
+            </a:r>
+          </a:p>
+          <a:p>
+            <a:pPr lvl="0" marL="1270000" indent="0">
+              <a:buNone/>
+            </a:pPr>
+            <a:r>
+              <a:rPr sz="1800">
+                <a:latin typeface="Courier"/>
+              </a:rPr>
+              <a:t>## $tsp
+## [1] 1973.000 1978.917   12.000
+## 
+## $class
+## [1] "ts"</a:t>
+            </a:r>
+          </a:p>
+        </p:txBody>
+      </p:sp>
+    </p:spTree>
+  </p:cSld>
+</p:sld>
+</file>
+
+<file path=ppt/slides/slide34.xml><?xml version="1.0" encoding="utf-8"?>
+<p:sld xmlns:a="http://schemas.openxmlformats.org/drawingml/2006/main" xmlns:r="http://schemas.openxmlformats.org/officeDocument/2006/relationships" xmlns:p="http://schemas.openxmlformats.org/presentationml/2006/main">
+  <p:cSld>
+    <p:spTree>
+      <p:nvGrpSpPr>
+        <p:cNvPr id="1" name=""/>
+        <p:cNvGrpSpPr/>
+        <p:nvPr/>
+      </p:nvGrpSpPr>
+      <p:grpSpPr>
+        <a:xfrm>
+          <a:off x="0" y="0"/>
+          <a:ext cx="0" cy="0"/>
+          <a:chOff x="0" y="0"/>
+          <a:chExt cx="0" cy="0"/>
+        </a:xfrm>
+      </p:grpSpPr>
+      <p:sp>
+        <p:nvSpPr>
+          <p:cNvPr id="2" name="Title 1"/>
+          <p:cNvSpPr>
+            <a:spLocks noGrp="1"/>
+          </p:cNvSpPr>
+          <p:nvPr>
+            <p:ph type="title"/>
+          </p:nvPr>
+        </p:nvSpPr>
+        <p:spPr/>
+        <p:txBody>
+          <a:bodyPr/>
+          <a:lstStyle/>
+          <a:p>
+            <a:pPr lvl="0" marL="0" indent="0">
+              <a:buNone/>
+            </a:pPr>
+            <a:r>
+              <a:rPr/>
               <a:t>USAccDeaths</a:t>
             </a:r>
             <a:r>
@@ -5915,6 +6260,83 @@
       <p:pic>
         <p:nvPicPr>
           <p:cNvPr descr="basics_files/figure-pptx/USAccDeaths-plot-1.png" id="0" name="Picture 1"/>
+          <p:cNvPicPr>
+            <a:picLocks noGrp="1" noChangeAspect="1"/>
+          </p:cNvPicPr>
+          <p:nvPr/>
+        </p:nvPicPr>
+        <p:blipFill>
+          <a:blip r:embed="rId2"/>
+          <a:stretch>
+            <a:fillRect/>
+          </a:stretch>
+        </p:blipFill>
+        <p:spPr bwMode="auto">
+          <a:xfrm>
+            <a:off x="1752600" y="1600200"/>
+            <a:ext cx="5651500" cy="4521200"/>
+          </a:xfrm>
+          <a:prstGeom prst="rect">
+            <a:avLst/>
+          </a:prstGeom>
+          <a:noFill/>
+          <a:ln w="9525">
+            <a:noFill/>
+            <a:headEnd/>
+            <a:tailEnd/>
+          </a:ln>
+        </p:spPr>
+      </p:pic>
+    </p:spTree>
+  </p:cSld>
+</p:sld>
+</file>
+
+<file path=ppt/slides/slide35.xml><?xml version="1.0" encoding="utf-8"?>
+<p:sld xmlns:a="http://schemas.openxmlformats.org/drawingml/2006/main" xmlns:r="http://schemas.openxmlformats.org/officeDocument/2006/relationships" xmlns:p="http://schemas.openxmlformats.org/presentationml/2006/main">
+  <p:cSld>
+    <p:spTree>
+      <p:nvGrpSpPr>
+        <p:cNvPr id="1" name=""/>
+        <p:cNvGrpSpPr/>
+        <p:nvPr/>
+      </p:nvGrpSpPr>
+      <p:grpSpPr>
+        <a:xfrm>
+          <a:off x="0" y="0"/>
+          <a:ext cx="0" cy="0"/>
+          <a:chOff x="0" y="0"/>
+          <a:chExt cx="0" cy="0"/>
+        </a:xfrm>
+      </p:grpSpPr>
+      <p:sp>
+        <p:nvSpPr>
+          <p:cNvPr id="2" name="Title 1"/>
+          <p:cNvSpPr>
+            <a:spLocks noGrp="1"/>
+          </p:cNvSpPr>
+          <p:nvPr>
+            <p:ph type="title"/>
+          </p:nvPr>
+        </p:nvSpPr>
+        <p:spPr/>
+        <p:txBody>
+          <a:bodyPr/>
+          <a:lstStyle/>
+          <a:p>
+            <a:pPr lvl="0" marL="0" indent="0">
+              <a:buNone/>
+            </a:pPr>
+            <a:r>
+              <a:rPr/>
+              <a:t>arima.sim</a:t>
+            </a:r>
+          </a:p>
+        </p:txBody>
+      </p:sp>
+      <p:pic>
+        <p:nvPicPr>
+          <p:cNvPr descr="basics_files/figure-pptx/arima.sim-1.png" id="0" name="Picture 1"/>
           <p:cNvPicPr>
             <a:picLocks noGrp="1" noChangeAspect="1"/>
           </p:cNvPicPr>
@@ -6009,7 +6431,26 @@
             </a:pPr>
             <a:r>
               <a:rPr/>
-              <a:t>The base R package has an object class, ts. You can specify three parameters: start, stop, and frequency.</a:t>
+              <a:t>The base R package has an object class, ts. You can specify three parameters: start, stop, and frequency. You do not need to place your data in a ts object before running time series analyses.</a:t>
+            </a:r>
+          </a:p>
+          <a:p>
+            <a:pPr lvl="0" marL="0" indent="0">
+              <a:buNone/>
+            </a:pPr>
+            <a:r>
+              <a:rPr/>
+              <a:t>There is a new class, tsibble, that I have not had a chance to work with. It is based on the principles of tidy data. Read the </a:t>
+            </a:r>
+            <a:r>
+              <a:rPr>
+                <a:hlinkClick r:id="rId2"/>
+              </a:rPr>
+              <a:t>tsibble vignette</a:t>
+            </a:r>
+            <a:r>
+              <a:rPr/>
+              <a:t> for more information.</a:t>
             </a:r>
           </a:p>
         </p:txBody>
@@ -6056,7 +6497,31 @@
             </a:pPr>
             <a:r>
               <a:rPr/>
-              <a:t>UKgas</a:t>
+              <a:t>Structure</a:t>
+            </a:r>
+            <a:r>
+              <a:rPr/>
+              <a:t> </a:t>
+            </a:r>
+            <a:r>
+              <a:rPr/>
+              <a:t>of</a:t>
+            </a:r>
+            <a:r>
+              <a:rPr/>
+              <a:t> </a:t>
+            </a:r>
+            <a:r>
+              <a:rPr/>
+              <a:t>co2</a:t>
+            </a:r>
+            <a:r>
+              <a:rPr/>
+              <a:t> </a:t>
+            </a:r>
+            <a:r>
+              <a:rPr/>
+              <a:t>data</a:t>
             </a:r>
           </a:p>
         </p:txBody>
@@ -6092,7 +6557,7 @@
               <a:rPr sz="1800">
                 <a:latin typeface="Courier"/>
               </a:rPr>
-              <a:t>(UKgas)</a:t>
+              <a:t>(co2)</a:t>
             </a:r>
           </a:p>
           <a:p>
@@ -6103,7 +6568,7 @@
               <a:rPr sz="1800">
                 <a:latin typeface="Courier"/>
               </a:rPr>
-              <a:t>##  Time-Series [1:108] from 1960 to 1987: 160.1 129.7 84.8 120.1 160.1 ...</a:t>
+              <a:t>##  Time-Series [1:468] from 1959 to 1998: 315 316 316 318 318 ...</a:t>
             </a:r>
           </a:p>
           <a:p>
@@ -6123,7 +6588,7 @@
               <a:rPr sz="1800">
                 <a:latin typeface="Courier"/>
               </a:rPr>
-              <a:t>(UKgas)</a:t>
+              <a:t>(co2)</a:t>
             </a:r>
           </a:p>
           <a:p>
@@ -6135,7 +6600,7 @@
                 <a:latin typeface="Courier"/>
               </a:rPr>
               <a:t>## $tsp
-## [1] 1960.00 1986.75    4.00
+## [1] 1959.000 1997.917   12.000
 ## 
 ## $class
 ## [1] "ts"</a:t>
@@ -6193,14 +6658,30 @@
             </a:r>
             <a:r>
               <a:rPr/>
-              <a:t>UKGas</a:t>
+              <a:t>of</a:t>
+            </a:r>
+            <a:r>
+              <a:rPr/>
+              <a:t> </a:t>
+            </a:r>
+            <a:r>
+              <a:rPr/>
+              <a:t>co2</a:t>
+            </a:r>
+            <a:r>
+              <a:rPr/>
+              <a:t> </a:t>
+            </a:r>
+            <a:r>
+              <a:rPr/>
+              <a:t>data</a:t>
             </a:r>
           </a:p>
         </p:txBody>
       </p:sp>
       <p:pic>
         <p:nvPicPr>
-          <p:cNvPr descr="basics_files/figure-pptx/UKgas-plot-1.png" id="0" name="Picture 1"/>
+          <p:cNvPr descr="../images/co2_1.png" id="0" name="Picture 1"/>
           <p:cNvPicPr>
             <a:picLocks noGrp="1" noChangeAspect="1"/>
           </p:cNvPicPr>
@@ -6214,8 +6695,8 @@
         </p:blipFill>
         <p:spPr bwMode="auto">
           <a:xfrm>
-            <a:off x="1752600" y="1600200"/>
-            <a:ext cx="5651500" cy="4521200"/>
+            <a:off x="2311400" y="1600200"/>
+            <a:ext cx="4521200" cy="4521200"/>
           </a:xfrm>
           <a:prstGeom prst="rect">
             <a:avLst/>
@@ -6270,7 +6751,7 @@
             </a:pPr>
             <a:r>
               <a:rPr/>
-              <a:t>Structure</a:t>
+              <a:t>Decomposition</a:t>
             </a:r>
             <a:r>
               <a:rPr/>
@@ -6288,35 +6769,42 @@
               <a:rPr/>
               <a:t>co2</a:t>
             </a:r>
-            <a:r>
-              <a:rPr/>
+          </a:p>
+        </p:txBody>
+      </p:sp>
+      <p:sp>
+        <p:nvSpPr>
+          <p:cNvPr id="3" name="Content Placeholder 2"/>
+          <p:cNvSpPr>
+            <a:spLocks noGrp="1"/>
+          </p:cNvSpPr>
+          <p:nvPr>
+            <p:ph idx="1"/>
+          </p:nvPr>
+        </p:nvSpPr>
+        <p:spPr/>
+        <p:txBody>
+          <a:bodyPr/>
+          <a:lstStyle/>
+          <a:p>
+            <a:pPr lvl="0" marL="1270000" indent="0">
+              <a:buNone/>
+            </a:pPr>
+            <a:r>
+              <a:rPr sz="1800">
+                <a:latin typeface="Courier"/>
+              </a:rPr>
+              <a:t>co2_d &lt;-</a:t>
+            </a:r>
+            <a:r>
+              <a:rPr sz="1800">
+                <a:solidFill>
+                  <a:srgbClr val="4070A0"/>
+                </a:solidFill>
+                <a:latin typeface="Courier"/>
+              </a:rPr>
               <a:t> </a:t>
             </a:r>
-            <a:r>
-              <a:rPr/>
-              <a:t>data</a:t>
-            </a:r>
-          </a:p>
-        </p:txBody>
-      </p:sp>
-      <p:sp>
-        <p:nvSpPr>
-          <p:cNvPr id="3" name="Content Placeholder 2"/>
-          <p:cNvSpPr>
-            <a:spLocks noGrp="1"/>
-          </p:cNvSpPr>
-          <p:nvPr>
-            <p:ph idx="1"/>
-          </p:nvPr>
-        </p:nvSpPr>
-        <p:spPr/>
-        <p:txBody>
-          <a:bodyPr/>
-          <a:lstStyle/>
-          <a:p>
-            <a:pPr lvl="0" marL="1270000" indent="0">
-              <a:buNone/>
-            </a:pPr>
             <a:r>
               <a:rPr sz="1800" b="1">
                 <a:solidFill>
@@ -6324,7 +6812,7 @@
                 </a:solidFill>
                 <a:latin typeface="Courier"/>
               </a:rPr>
-              <a:t>str</a:t>
+              <a:t>decompose</a:t>
             </a:r>
             <a:r>
               <a:rPr sz="1800">
@@ -6332,22 +6820,7 @@
               </a:rPr>
               <a:t>(co2)</a:t>
             </a:r>
-          </a:p>
-          <a:p>
-            <a:pPr lvl="0" marL="1270000" indent="0">
-              <a:buNone/>
-            </a:pPr>
-            <a:r>
-              <a:rPr sz="1800">
-                <a:latin typeface="Courier"/>
-              </a:rPr>
-              <a:t>##  Time-Series [1:468] from 1959 to 1998: 315 316 316 318 318 ...</a:t>
-            </a:r>
-          </a:p>
-          <a:p>
-            <a:pPr lvl="0" marL="1270000" indent="0">
-              <a:buNone/>
-            </a:pPr>
+            <a:br/>
             <a:r>
               <a:rPr sz="1800" b="1">
                 <a:solidFill>
@@ -6355,13 +6828,13 @@
                 </a:solidFill>
                 <a:latin typeface="Courier"/>
               </a:rPr>
-              <a:t>attributes</a:t>
+              <a:t>str</a:t>
             </a:r>
             <a:r>
               <a:rPr sz="1800">
                 <a:latin typeface="Courier"/>
               </a:rPr>
-              <a:t>(co2)</a:t>
+              <a:t>(co2_d)</a:t>
             </a:r>
           </a:p>
           <a:p>
@@ -6372,11 +6845,14 @@
               <a:rPr sz="1800">
                 <a:latin typeface="Courier"/>
               </a:rPr>
-              <a:t>## $tsp
-## [1] 1959.000 1997.917   12.000
-## 
-## $class
-## [1] "ts"</a:t>
+              <a:t>## List of 6
+##  $ x       : Time-Series [1:468] from 1959 to 1998: 315 316 316 318 318 ...
+##  $ seasonal: Time-Series [1:468] from 1959 to 1998: -0.0536 0.6106 1.3756 2.5168 3.0003 ...
+##  $ trend   : Time-Series [1:468] from 1959 to 1998: NA NA NA NA NA ...
+##  $ random  : Time-Series [1:468] from 1959 to 1998: NA NA NA NA NA ...
+##  $ figure  : num [1:12] -0.0536 0.6106 1.3756 2.5168 3.0003 ...
+##  $ type    : chr "additive"
+##  - attr(*, "class")= chr "decomposed.ts"</a:t>
             </a:r>
           </a:p>
         </p:txBody>
@@ -6447,14 +6923,14 @@
             </a:r>
             <a:r>
               <a:rPr/>
-              <a:t>data</a:t>
+              <a:t>decomposition</a:t>
             </a:r>
           </a:p>
         </p:txBody>
       </p:sp>
       <p:pic>
         <p:nvPicPr>
-          <p:cNvPr descr="basics_files/figure-pptx/co2-plot-1.png" id="0" name="Picture 1"/>
+          <p:cNvPr descr="basics_files/figure-pptx/co2-decomp-plot-1.png" id="0" name="Picture 1"/>
           <p:cNvPicPr>
             <a:picLocks noGrp="1" noChangeAspect="1"/>
           </p:cNvPicPr>
@@ -6524,23 +7000,7 @@
             </a:pPr>
             <a:r>
               <a:rPr/>
-              <a:t>Decomposition</a:t>
-            </a:r>
-            <a:r>
-              <a:rPr/>
-              <a:t> </a:t>
-            </a:r>
-            <a:r>
-              <a:rPr/>
-              <a:t>of</a:t>
-            </a:r>
-            <a:r>
-              <a:rPr/>
-              <a:t> </a:t>
-            </a:r>
-            <a:r>
-              <a:rPr/>
-              <a:t>co2</a:t>
+              <a:t>UKgas</a:t>
             </a:r>
           </a:p>
         </p:txBody>
@@ -6563,21 +7023,6 @@
             <a:pPr lvl="0" marL="1270000" indent="0">
               <a:buNone/>
             </a:pPr>
-            <a:r>
-              <a:rPr sz="1800">
-                <a:latin typeface="Courier"/>
-              </a:rPr>
-              <a:t>co2_d &lt;-</a:t>
-            </a:r>
-            <a:r>
-              <a:rPr sz="1800">
-                <a:solidFill>
-                  <a:srgbClr val="4070A0"/>
-                </a:solidFill>
-                <a:latin typeface="Courier"/>
-              </a:rPr>
-              <a:t> </a:t>
-            </a:r>
             <a:r>
               <a:rPr sz="1800" b="1">
                 <a:solidFill>
@@ -6585,15 +7030,30 @@
                 </a:solidFill>
                 <a:latin typeface="Courier"/>
               </a:rPr>
-              <a:t>decompose</a:t>
+              <a:t>str</a:t>
             </a:r>
             <a:r>
               <a:rPr sz="1800">
                 <a:latin typeface="Courier"/>
               </a:rPr>
-              <a:t>(co2)</a:t>
-            </a:r>
-            <a:br/>
+              <a:t>(UKgas)</a:t>
+            </a:r>
+          </a:p>
+          <a:p>
+            <a:pPr lvl="0" marL="1270000" indent="0">
+              <a:buNone/>
+            </a:pPr>
+            <a:r>
+              <a:rPr sz="1800">
+                <a:latin typeface="Courier"/>
+              </a:rPr>
+              <a:t>##  Time-Series [1:108] from 1960 to 1987: 160.1 129.7 84.8 120.1 160.1 ...</a:t>
+            </a:r>
+          </a:p>
+          <a:p>
+            <a:pPr lvl="0" marL="1270000" indent="0">
+              <a:buNone/>
+            </a:pPr>
             <a:r>
               <a:rPr sz="1800" b="1">
                 <a:solidFill>
@@ -6601,13 +7061,13 @@
                 </a:solidFill>
                 <a:latin typeface="Courier"/>
               </a:rPr>
-              <a:t>str</a:t>
+              <a:t>attributes</a:t>
             </a:r>
             <a:r>
               <a:rPr sz="1800">
                 <a:latin typeface="Courier"/>
               </a:rPr>
-              <a:t>(co2_d)</a:t>
+              <a:t>(UKgas)</a:t>
             </a:r>
           </a:p>
           <a:p>
@@ -6618,14 +7078,11 @@
               <a:rPr sz="1800">
                 <a:latin typeface="Courier"/>
               </a:rPr>
-              <a:t>## List of 6
-##  $ x       : Time-Series [1:468] from 1959 to 1998: 315 316 316 318 318 ...
-##  $ seasonal: Time-Series [1:468] from 1959 to 1998: -0.0536 0.6106 1.3756 2.5168 3.0003 ...
-##  $ trend   : Time-Series [1:468] from 1959 to 1998: NA NA NA NA NA ...
-##  $ random  : Time-Series [1:468] from 1959 to 1998: NA NA NA NA NA ...
-##  $ figure  : num [1:12] -0.0536 0.6106 1.3756 2.5168 3.0003 ...
-##  $ type    : chr "additive"
-##  - attr(*, "class")= chr "decomposed.ts"</a:t>
+              <a:t>## $tsp
+## [1] 1960.00 1986.75    4.00
+## 
+## $class
+## [1] "ts"</a:t>
             </a:r>
           </a:p>
         </p:txBody>

--- a/src/basics.pptx
+++ b/src/basics.pptx
@@ -40,6 +40,9 @@
     <p:sldId id="288" r:id="rId34"/>
     <p:sldId id="289" r:id="rId35"/>
     <p:sldId id="290" r:id="rId36"/>
+    <p:sldId id="291" r:id="rId37"/>
+    <p:sldId id="292" r:id="rId38"/>
+    <p:sldId id="293" r:id="rId39"/>
   </p:sldIdLst>
   <p:sldSz cx="9144000" cy="6858000" type="screen4x3"/>
   <p:notesSz cx="6858000" cy="9144000"/>
@@ -3648,49 +3651,526 @@
             </a:pPr>
             <a:r>
               <a:rPr/>
-              <a:t>Positive</a:t>
-            </a:r>
-            <a:r>
-              <a:rPr/>
-              <a:t> </a:t>
-            </a:r>
-            <a:r>
-              <a:rPr/>
-              <a:t>autocorrelation</a:t>
-            </a:r>
-          </a:p>
-        </p:txBody>
-      </p:sp>
-      <p:pic>
-        <p:nvPicPr>
-          <p:cNvPr descr="basics_files/figure-pptx/pos-1.png" id="0" name="Picture 1"/>
-          <p:cNvPicPr>
-            <a:picLocks noGrp="1" noChangeAspect="1"/>
-          </p:cNvPicPr>
-          <p:nvPr/>
-        </p:nvPicPr>
-        <p:blipFill>
-          <a:blip r:embed="rId2"/>
-          <a:stretch>
-            <a:fillRect/>
-          </a:stretch>
-        </p:blipFill>
-        <p:spPr bwMode="auto">
-          <a:xfrm>
-            <a:off x="1752600" y="1600200"/>
-            <a:ext cx="5651500" cy="4521200"/>
-          </a:xfrm>
-          <a:prstGeom prst="rect">
-            <a:avLst/>
-          </a:prstGeom>
-          <a:noFill/>
-          <a:ln w="9525">
-            <a:noFill/>
-            <a:headEnd/>
-            <a:tailEnd/>
-          </a:ln>
-        </p:spPr>
-      </p:pic>
+              <a:t>Autoregressive</a:t>
+            </a:r>
+          </a:p>
+        </p:txBody>
+      </p:sp>
+      <mc:AlternateContent xmlns:mc="http://schemas.openxmlformats.org/markup-compatibility/2006">
+        <mc:Choice xmlns:a14="http://schemas.microsoft.com/office/drawing/2010/main" Requires="a14">
+          <p:sp>
+            <p:nvSpPr>
+              <p:cNvPr id="3" name="Content Placeholder 2"/>
+              <p:cNvSpPr>
+                <a:spLocks noGrp="1"/>
+              </p:cNvSpPr>
+              <p:nvPr>
+                <p:ph idx="1"/>
+              </p:nvPr>
+            </p:nvSpPr>
+            <p:spPr/>
+            <p:txBody>
+              <a:bodyPr/>
+              <a:lstStyle/>
+              <a:p>
+                <a:pPr lvl="0" marL="0" indent="0">
+                  <a:buNone/>
+                </a:pPr>
+                <a14:m>
+                  <m:oMath xmlns:m="http://schemas.openxmlformats.org/officeDocument/2006/math">
+                    <m:sSub>
+                      <m:e>
+                        <m:r>
+                          <m:t>Z</m:t>
+                        </m:r>
+                      </m:e>
+                      <m:sub>
+                        <m:r>
+                          <m:t>t</m:t>
+                        </m:r>
+                      </m:sub>
+                    </m:sSub>
+                    <m:r>
+                      <m:t>=</m:t>
+                    </m:r>
+                    <m:r>
+                      <m:t>ϕ</m:t>
+                    </m:r>
+                    <m:sSub>
+                      <m:e>
+                        <m:r>
+                          <m:t>Z</m:t>
+                        </m:r>
+                      </m:e>
+                      <m:sub>
+                        <m:r>
+                          <m:t>t</m:t>
+                        </m:r>
+                        <m:r>
+                          <m:t>−</m:t>
+                        </m:r>
+                        <m:r>
+                          <m:t>1</m:t>
+                        </m:r>
+                      </m:sub>
+                    </m:sSub>
+                    <m:r>
+                      <m:t>+</m:t>
+                    </m:r>
+                    <m:sSub>
+                      <m:e>
+                        <m:r>
+                          <m:t>ϵ</m:t>
+                        </m:r>
+                      </m:e>
+                      <m:sub>
+                        <m:r>
+                          <m:t>t</m:t>
+                        </m:r>
+                      </m:sub>
+                    </m:sSub>
+                  </m:oMath>
+                </a14:m>
+              </a:p>
+              <a:p>
+                <a:pPr lvl="0" marL="0" indent="0">
+                  <a:buNone/>
+                </a:pPr>
+                <a14:m>
+                  <m:oMath xmlns:m="http://schemas.openxmlformats.org/officeDocument/2006/math">
+                    <m:sSub>
+                      <m:e>
+                        <m:r>
+                          <m:t>Z</m:t>
+                        </m:r>
+                      </m:e>
+                      <m:sub>
+                        <m:r>
+                          <m:t>t</m:t>
+                        </m:r>
+                      </m:sub>
+                    </m:sSub>
+                    <m:r>
+                      <m:t>=</m:t>
+                    </m:r>
+                    <m:sSup>
+                      <m:e>
+                        <m:r>
+                          <m:t>ϕ</m:t>
+                        </m:r>
+                      </m:e>
+                      <m:sup>
+                        <m:r>
+                          <m:t>2</m:t>
+                        </m:r>
+                      </m:sup>
+                    </m:sSup>
+                    <m:sSub>
+                      <m:e>
+                        <m:r>
+                          <m:t>Z</m:t>
+                        </m:r>
+                      </m:e>
+                      <m:sub>
+                        <m:r>
+                          <m:t>t</m:t>
+                        </m:r>
+                        <m:r>
+                          <m:t>−</m:t>
+                        </m:r>
+                        <m:r>
+                          <m:t>2</m:t>
+                        </m:r>
+                      </m:sub>
+                    </m:sSub>
+                    <m:r>
+                      <m:t>+</m:t>
+                    </m:r>
+                    <m:r>
+                      <m:t>ϕ</m:t>
+                    </m:r>
+                    <m:sSub>
+                      <m:e>
+                        <m:r>
+                          <m:t>ϵ</m:t>
+                        </m:r>
+                      </m:e>
+                      <m:sub>
+                        <m:r>
+                          <m:t>t</m:t>
+                        </m:r>
+                        <m:r>
+                          <m:t>−</m:t>
+                        </m:r>
+                        <m:r>
+                          <m:t>1</m:t>
+                        </m:r>
+                      </m:sub>
+                    </m:sSub>
+                    <m:r>
+                      <m:t>+</m:t>
+                    </m:r>
+                    <m:sSub>
+                      <m:e>
+                        <m:r>
+                          <m:t>ϵ</m:t>
+                        </m:r>
+                      </m:e>
+                      <m:sub>
+                        <m:r>
+                          <m:t>t</m:t>
+                        </m:r>
+                      </m:sub>
+                    </m:sSub>
+                  </m:oMath>
+                </a14:m>
+              </a:p>
+              <a:p>
+                <a:pPr lvl="0" marL="0" indent="0">
+                  <a:buNone/>
+                </a:pPr>
+                <a14:m>
+                  <m:oMath xmlns:m="http://schemas.openxmlformats.org/officeDocument/2006/math">
+                    <m:sSub>
+                      <m:e>
+                        <m:r>
+                          <m:t>Z</m:t>
+                        </m:r>
+                      </m:e>
+                      <m:sub>
+                        <m:r>
+                          <m:t>t</m:t>
+                        </m:r>
+                      </m:sub>
+                    </m:sSub>
+                    <m:r>
+                      <m:t>=</m:t>
+                    </m:r>
+                    <m:sSup>
+                      <m:e>
+                        <m:r>
+                          <m:t>ϕ</m:t>
+                        </m:r>
+                      </m:e>
+                      <m:sup>
+                        <m:r>
+                          <m:t>3</m:t>
+                        </m:r>
+                      </m:sup>
+                    </m:sSup>
+                    <m:sSub>
+                      <m:e>
+                        <m:r>
+                          <m:t>Z</m:t>
+                        </m:r>
+                      </m:e>
+                      <m:sub>
+                        <m:r>
+                          <m:t>t</m:t>
+                        </m:r>
+                        <m:r>
+                          <m:t>−</m:t>
+                        </m:r>
+                        <m:r>
+                          <m:t>3</m:t>
+                        </m:r>
+                      </m:sub>
+                    </m:sSub>
+                    <m:r>
+                      <m:t>+</m:t>
+                    </m:r>
+                    <m:sSup>
+                      <m:e>
+                        <m:r>
+                          <m:t>ϕ</m:t>
+                        </m:r>
+                      </m:e>
+                      <m:sup>
+                        <m:r>
+                          <m:t>2</m:t>
+                        </m:r>
+                      </m:sup>
+                    </m:sSup>
+                    <m:sSub>
+                      <m:e>
+                        <m:r>
+                          <m:t>ϵ</m:t>
+                        </m:r>
+                      </m:e>
+                      <m:sub>
+                        <m:r>
+                          <m:t>t</m:t>
+                        </m:r>
+                        <m:r>
+                          <m:t>−</m:t>
+                        </m:r>
+                        <m:r>
+                          <m:t>2</m:t>
+                        </m:r>
+                      </m:sub>
+                    </m:sSub>
+                    <m:r>
+                      <m:t>+</m:t>
+                    </m:r>
+                    <m:r>
+                      <m:t>ϕ</m:t>
+                    </m:r>
+                    <m:sSub>
+                      <m:e>
+                        <m:r>
+                          <m:t>ϵ</m:t>
+                        </m:r>
+                      </m:e>
+                      <m:sub>
+                        <m:r>
+                          <m:t>t</m:t>
+                        </m:r>
+                        <m:r>
+                          <m:t>−</m:t>
+                        </m:r>
+                        <m:r>
+                          <m:t>1</m:t>
+                        </m:r>
+                      </m:sub>
+                    </m:sSub>
+                    <m:r>
+                      <m:t>+</m:t>
+                    </m:r>
+                    <m:sSub>
+                      <m:e>
+                        <m:r>
+                          <m:t>ϵ</m:t>
+                        </m:r>
+                      </m:e>
+                      <m:sub>
+                        <m:r>
+                          <m:t>t</m:t>
+                        </m:r>
+                      </m:sub>
+                    </m:sSub>
+                  </m:oMath>
+                </a14:m>
+              </a:p>
+              <a:p>
+                <a:pPr lvl="0" marL="0" indent="0">
+                  <a:buNone/>
+                </a:pPr>
+                <a14:m>
+                  <m:oMath xmlns:m="http://schemas.openxmlformats.org/officeDocument/2006/math">
+                    <m:r>
+                      <m:t>C</m:t>
+                    </m:r>
+                    <m:r>
+                      <m:t>o</m:t>
+                    </m:r>
+                    <m:r>
+                      <m:t>r</m:t>
+                    </m:r>
+                    <m:r>
+                      <m:t>r</m:t>
+                    </m:r>
+                    <m:r>
+                      <m:t>(</m:t>
+                    </m:r>
+                    <m:sSub>
+                      <m:e>
+                        <m:r>
+                          <m:t>Z</m:t>
+                        </m:r>
+                      </m:e>
+                      <m:sub>
+                        <m:r>
+                          <m:t>t</m:t>
+                        </m:r>
+                      </m:sub>
+                    </m:sSub>
+                    <m:r>
+                      <m:t>,</m:t>
+                    </m:r>
+                    <m:sSub>
+                      <m:e>
+                        <m:r>
+                          <m:t>Z</m:t>
+                        </m:r>
+                      </m:e>
+                      <m:sub>
+                        <m:r>
+                          <m:t>t</m:t>
+                        </m:r>
+                        <m:r>
+                          <m:t>−</m:t>
+                        </m:r>
+                        <m:r>
+                          <m:t>1</m:t>
+                        </m:r>
+                      </m:sub>
+                    </m:sSub>
+                    <m:r>
+                      <m:t>)</m:t>
+                    </m:r>
+                    <m:r>
+                      <m:t>=</m:t>
+                    </m:r>
+                    <m:r>
+                      <m:t>ϕ</m:t>
+                    </m:r>
+                  </m:oMath>
+                </a14:m>
+              </a:p>
+              <a:p>
+                <a:pPr lvl="0" marL="0" indent="0">
+                  <a:buNone/>
+                </a:pPr>
+                <a14:m>
+                  <m:oMath xmlns:m="http://schemas.openxmlformats.org/officeDocument/2006/math">
+                    <m:r>
+                      <m:t>C</m:t>
+                    </m:r>
+                    <m:r>
+                      <m:t>o</m:t>
+                    </m:r>
+                    <m:r>
+                      <m:t>r</m:t>
+                    </m:r>
+                    <m:r>
+                      <m:t>r</m:t>
+                    </m:r>
+                    <m:r>
+                      <m:t>(</m:t>
+                    </m:r>
+                    <m:sSub>
+                      <m:e>
+                        <m:r>
+                          <m:t>Z</m:t>
+                        </m:r>
+                      </m:e>
+                      <m:sub>
+                        <m:r>
+                          <m:t>t</m:t>
+                        </m:r>
+                      </m:sub>
+                    </m:sSub>
+                    <m:r>
+                      <m:t>,</m:t>
+                    </m:r>
+                    <m:sSub>
+                      <m:e>
+                        <m:r>
+                          <m:t>Z</m:t>
+                        </m:r>
+                      </m:e>
+                      <m:sub>
+                        <m:r>
+                          <m:t>t</m:t>
+                        </m:r>
+                        <m:r>
+                          <m:t>−</m:t>
+                        </m:r>
+                        <m:r>
+                          <m:t>2</m:t>
+                        </m:r>
+                      </m:sub>
+                    </m:sSub>
+                    <m:r>
+                      <m:t>)</m:t>
+                    </m:r>
+                    <m:r>
+                      <m:t>=</m:t>
+                    </m:r>
+                    <m:sSup>
+                      <m:e>
+                        <m:r>
+                          <m:t>ϕ</m:t>
+                        </m:r>
+                      </m:e>
+                      <m:sup>
+                        <m:r>
+                          <m:t>2</m:t>
+                        </m:r>
+                      </m:sup>
+                    </m:sSup>
+                  </m:oMath>
+                </a14:m>
+              </a:p>
+              <a:p>
+                <a:pPr lvl="0" marL="0" indent="0">
+                  <a:buNone/>
+                </a:pPr>
+                <a14:m>
+                  <m:oMath xmlns:m="http://schemas.openxmlformats.org/officeDocument/2006/math">
+                    <m:r>
+                      <m:t>C</m:t>
+                    </m:r>
+                    <m:r>
+                      <m:t>o</m:t>
+                    </m:r>
+                    <m:r>
+                      <m:t>r</m:t>
+                    </m:r>
+                    <m:r>
+                      <m:t>r</m:t>
+                    </m:r>
+                    <m:r>
+                      <m:t>(</m:t>
+                    </m:r>
+                    <m:sSub>
+                      <m:e>
+                        <m:r>
+                          <m:t>Z</m:t>
+                        </m:r>
+                      </m:e>
+                      <m:sub>
+                        <m:r>
+                          <m:t>t</m:t>
+                        </m:r>
+                      </m:sub>
+                    </m:sSub>
+                    <m:r>
+                      <m:t>,</m:t>
+                    </m:r>
+                    <m:sSub>
+                      <m:e>
+                        <m:r>
+                          <m:t>Z</m:t>
+                        </m:r>
+                      </m:e>
+                      <m:sub>
+                        <m:r>
+                          <m:t>t</m:t>
+                        </m:r>
+                        <m:r>
+                          <m:t>−</m:t>
+                        </m:r>
+                        <m:r>
+                          <m:t>3</m:t>
+                        </m:r>
+                      </m:sub>
+                    </m:sSub>
+                    <m:r>
+                      <m:t>)</m:t>
+                    </m:r>
+                    <m:r>
+                      <m:t>=</m:t>
+                    </m:r>
+                    <m:sSup>
+                      <m:e>
+                        <m:r>
+                          <m:t>ϕ</m:t>
+                        </m:r>
+                      </m:e>
+                      <m:sup>
+                        <m:r>
+                          <m:t>3</m:t>
+                        </m:r>
+                      </m:sup>
+                    </m:sSup>
+                  </m:oMath>
+                </a14:m>
+              </a:p>
+            </p:txBody>
+          </p:sp>
+        </mc:Choice>
+      </mc:AlternateContent>
     </p:spTree>
   </p:cSld>
 </p:sld>
@@ -3733,7 +4213,7 @@
             </a:pPr>
             <a:r>
               <a:rPr/>
-              <a:t>Lag</a:t>
+              <a:t>Correlation</a:t>
             </a:r>
             <a:r>
               <a:rPr/>
@@ -3741,41 +4221,648 @@
             </a:r>
             <a:r>
               <a:rPr/>
-              <a:t>plot</a:t>
-            </a:r>
-          </a:p>
-        </p:txBody>
-      </p:sp>
-      <p:pic>
-        <p:nvPicPr>
-          <p:cNvPr descr="basics_files/figure-pptx/diff-pos-1.png" id="0" name="Picture 1"/>
-          <p:cNvPicPr>
-            <a:picLocks noGrp="1" noChangeAspect="1"/>
-          </p:cNvPicPr>
-          <p:nvPr/>
-        </p:nvPicPr>
-        <p:blipFill>
-          <a:blip r:embed="rId2"/>
-          <a:stretch>
-            <a:fillRect/>
-          </a:stretch>
-        </p:blipFill>
-        <p:spPr bwMode="auto">
-          <a:xfrm>
-            <a:off x="2311400" y="1600200"/>
-            <a:ext cx="4521200" cy="4521200"/>
-          </a:xfrm>
-          <a:prstGeom prst="rect">
-            <a:avLst/>
-          </a:prstGeom>
-          <a:noFill/>
-          <a:ln w="9525">
-            <a:noFill/>
-            <a:headEnd/>
-            <a:tailEnd/>
-          </a:ln>
-        </p:spPr>
-      </p:pic>
+              <a:t>matrix</a:t>
+            </a:r>
+          </a:p>
+        </p:txBody>
+      </p:sp>
+      <mc:AlternateContent xmlns:mc="http://schemas.openxmlformats.org/markup-compatibility/2006">
+        <mc:Choice xmlns:a14="http://schemas.microsoft.com/office/drawing/2010/main" Requires="a14">
+          <p:sp>
+            <p:nvSpPr>
+              <p:cNvPr id="3" name="Content Placeholder 2"/>
+              <p:cNvSpPr>
+                <a:spLocks noGrp="1"/>
+              </p:cNvSpPr>
+              <p:nvPr>
+                <p:ph idx="1"/>
+              </p:nvPr>
+            </p:nvSpPr>
+            <p:spPr/>
+            <p:txBody>
+              <a:bodyPr/>
+              <a:lstStyle/>
+              <a:p>
+                <a:pPr lvl="0" marL="0" indent="0">
+                  <a:buNone/>
+                </a:pPr>
+                <a14:m>
+                  <m:oMathPara xmlns:m="http://schemas.openxmlformats.org/officeDocument/2006/math">
+                    <m:oMathParaPr>
+                      <m:jc m:val="center"/>
+                    </m:oMathParaPr>
+                    <m:oMath>
+                      <m:m>
+                        <m:mPr>
+                          <m:baseJc m:val="center"/>
+                          <m:plcHide m:val="1"/>
+                          <m:mcs>
+                            <m:mc>
+                              <m:mcPr>
+                                <m:mcJc m:val="center"/>
+                                <m:count m:val="1"/>
+                              </m:mcPr>
+                            </m:mc>
+                            <m:mc>
+                              <m:mcPr>
+                                <m:mcJc m:val="center"/>
+                                <m:count m:val="1"/>
+                              </m:mcPr>
+                            </m:mc>
+                            <m:mc>
+                              <m:mcPr>
+                                <m:mcJc m:val="center"/>
+                                <m:count m:val="1"/>
+                              </m:mcPr>
+                            </m:mc>
+                            <m:mc>
+                              <m:mcPr>
+                                <m:mcJc m:val="center"/>
+                                <m:count m:val="1"/>
+                              </m:mcPr>
+                            </m:mc>
+                            <m:mc>
+                              <m:mcPr>
+                                <m:mcJc m:val="center"/>
+                                <m:count m:val="1"/>
+                              </m:mcPr>
+                            </m:mc>
+                            <m:mc>
+                              <m:mcPr>
+                                <m:mcJc m:val="center"/>
+                                <m:count m:val="1"/>
+                              </m:mcPr>
+                            </m:mc>
+                            <m:mc>
+                              <m:mcPr>
+                                <m:mcJc m:val="center"/>
+                                <m:count m:val="1"/>
+                              </m:mcPr>
+                            </m:mc>
+                          </m:mcs>
+                        </m:mPr>
+                        <m:mr>
+                          <m:e>
+                            <m:r>
+                              <m:t>1</m:t>
+                            </m:r>
+                          </m:e>
+                          <m:e>
+                            <m:r>
+                              <m:t>ϕ</m:t>
+                            </m:r>
+                          </m:e>
+                          <m:e>
+                            <m:sSup>
+                              <m:e>
+                                <m:r>
+                                  <m:t>ϕ</m:t>
+                                </m:r>
+                              </m:e>
+                              <m:sup>
+                                <m:r>
+                                  <m:t>2</m:t>
+                                </m:r>
+                              </m:sup>
+                            </m:sSup>
+                          </m:e>
+                          <m:e>
+                            <m:sSup>
+                              <m:e>
+                                <m:r>
+                                  <m:t>ϕ</m:t>
+                                </m:r>
+                              </m:e>
+                              <m:sup>
+                                <m:r>
+                                  <m:t>3</m:t>
+                                </m:r>
+                              </m:sup>
+                            </m:sSup>
+                          </m:e>
+                          <m:e>
+                            <m:r>
+                              <m:t>⋯</m:t>
+                            </m:r>
+                          </m:e>
+                          <m:e>
+                            <m:sSup>
+                              <m:e>
+                                <m:r>
+                                  <m:t>ϕ</m:t>
+                                </m:r>
+                              </m:e>
+                              <m:sup>
+                                <m:r>
+                                  <m:t>n</m:t>
+                                </m:r>
+                                <m:r>
+                                  <m:t>−</m:t>
+                                </m:r>
+                                <m:r>
+                                  <m:t>2</m:t>
+                                </m:r>
+                              </m:sup>
+                            </m:sSup>
+                          </m:e>
+                          <m:e>
+                            <m:sSup>
+                              <m:e>
+                                <m:r>
+                                  <m:t>ϕ</m:t>
+                                </m:r>
+                              </m:e>
+                              <m:sup>
+                                <m:r>
+                                  <m:t>n</m:t>
+                                </m:r>
+                                <m:r>
+                                  <m:t>−</m:t>
+                                </m:r>
+                                <m:r>
+                                  <m:t>1</m:t>
+                                </m:r>
+                              </m:sup>
+                            </m:sSup>
+                          </m:e>
+                        </m:mr>
+                        <m:mr>
+                          <m:e>
+                            <m:r>
+                              <m:t>ϕ</m:t>
+                            </m:r>
+                          </m:e>
+                          <m:e>
+                            <m:r>
+                              <m:t>1</m:t>
+                            </m:r>
+                          </m:e>
+                          <m:e>
+                            <m:r>
+                              <m:t>ϕ</m:t>
+                            </m:r>
+                          </m:e>
+                          <m:e>
+                            <m:sSup>
+                              <m:e>
+                                <m:r>
+                                  <m:t>ϕ</m:t>
+                                </m:r>
+                              </m:e>
+                              <m:sup>
+                                <m:r>
+                                  <m:t>2</m:t>
+                                </m:r>
+                              </m:sup>
+                            </m:sSup>
+                          </m:e>
+                          <m:e>
+                            <m:r>
+                              <m:t>⋯</m:t>
+                            </m:r>
+                          </m:e>
+                          <m:e>
+                            <m:sSup>
+                              <m:e>
+                                <m:r>
+                                  <m:t>ϕ</m:t>
+                                </m:r>
+                              </m:e>
+                              <m:sup>
+                                <m:r>
+                                  <m:t>n</m:t>
+                                </m:r>
+                                <m:r>
+                                  <m:t>−</m:t>
+                                </m:r>
+                                <m:r>
+                                  <m:t>3</m:t>
+                                </m:r>
+                              </m:sup>
+                            </m:sSup>
+                          </m:e>
+                          <m:e>
+                            <m:sSup>
+                              <m:e>
+                                <m:r>
+                                  <m:t>ϕ</m:t>
+                                </m:r>
+                              </m:e>
+                              <m:sup>
+                                <m:r>
+                                  <m:t>n</m:t>
+                                </m:r>
+                                <m:r>
+                                  <m:t>−</m:t>
+                                </m:r>
+                                <m:r>
+                                  <m:t>2</m:t>
+                                </m:r>
+                              </m:sup>
+                            </m:sSup>
+                          </m:e>
+                        </m:mr>
+                        <m:mr>
+                          <m:e>
+                            <m:sSup>
+                              <m:e>
+                                <m:r>
+                                  <m:t>ϕ</m:t>
+                                </m:r>
+                              </m:e>
+                              <m:sup>
+                                <m:r>
+                                  <m:t>2</m:t>
+                                </m:r>
+                              </m:sup>
+                            </m:sSup>
+                          </m:e>
+                          <m:e>
+                            <m:r>
+                              <m:t>ϕ</m:t>
+                            </m:r>
+                          </m:e>
+                          <m:e>
+                            <m:r>
+                              <m:t>1</m:t>
+                            </m:r>
+                          </m:e>
+                          <m:e>
+                            <m:r>
+                              <m:t>ϕ</m:t>
+                            </m:r>
+                          </m:e>
+                          <m:e>
+                            <m:r>
+                              <m:t>⋯</m:t>
+                            </m:r>
+                          </m:e>
+                          <m:e>
+                            <m:sSup>
+                              <m:e>
+                                <m:r>
+                                  <m:t>ϕ</m:t>
+                                </m:r>
+                              </m:e>
+                              <m:sup>
+                                <m:r>
+                                  <m:t>n</m:t>
+                                </m:r>
+                                <m:r>
+                                  <m:t>−</m:t>
+                                </m:r>
+                                <m:r>
+                                  <m:t>4</m:t>
+                                </m:r>
+                              </m:sup>
+                            </m:sSup>
+                          </m:e>
+                          <m:e>
+                            <m:sSup>
+                              <m:e>
+                                <m:r>
+                                  <m:t>ϕ</m:t>
+                                </m:r>
+                              </m:e>
+                              <m:sup>
+                                <m:r>
+                                  <m:t>n</m:t>
+                                </m:r>
+                                <m:r>
+                                  <m:t>−</m:t>
+                                </m:r>
+                                <m:r>
+                                  <m:t>3</m:t>
+                                </m:r>
+                              </m:sup>
+                            </m:sSup>
+                          </m:e>
+                        </m:mr>
+                        <m:mr>
+                          <m:e>
+                            <m:sSup>
+                              <m:e>
+                                <m:r>
+                                  <m:t>ϕ</m:t>
+                                </m:r>
+                              </m:e>
+                              <m:sup>
+                                <m:r>
+                                  <m:t>3</m:t>
+                                </m:r>
+                              </m:sup>
+                            </m:sSup>
+                          </m:e>
+                          <m:e>
+                            <m:sSup>
+                              <m:e>
+                                <m:r>
+                                  <m:t>ϕ</m:t>
+                                </m:r>
+                              </m:e>
+                              <m:sup>
+                                <m:r>
+                                  <m:t>2</m:t>
+                                </m:r>
+                              </m:sup>
+                            </m:sSup>
+                          </m:e>
+                          <m:e>
+                            <m:r>
+                              <m:t>ϕ</m:t>
+                            </m:r>
+                          </m:e>
+                          <m:e>
+                            <m:r>
+                              <m:t>1</m:t>
+                            </m:r>
+                          </m:e>
+                          <m:e>
+                            <m:r>
+                              <m:t>⋯</m:t>
+                            </m:r>
+                          </m:e>
+                          <m:e>
+                            <m:sSup>
+                              <m:e>
+                                <m:r>
+                                  <m:t>ϕ</m:t>
+                                </m:r>
+                              </m:e>
+                              <m:sup>
+                                <m:r>
+                                  <m:t>n</m:t>
+                                </m:r>
+                                <m:r>
+                                  <m:t>−</m:t>
+                                </m:r>
+                                <m:r>
+                                  <m:t>5</m:t>
+                                </m:r>
+                              </m:sup>
+                            </m:sSup>
+                          </m:e>
+                          <m:e>
+                            <m:sSup>
+                              <m:e>
+                                <m:r>
+                                  <m:t>ϕ</m:t>
+                                </m:r>
+                              </m:e>
+                              <m:sup>
+                                <m:r>
+                                  <m:t>n</m:t>
+                                </m:r>
+                                <m:r>
+                                  <m:t>−</m:t>
+                                </m:r>
+                                <m:r>
+                                  <m:t>4</m:t>
+                                </m:r>
+                              </m:sup>
+                            </m:sSup>
+                          </m:e>
+                        </m:mr>
+                        <m:mr>
+                          <m:e>
+                            <m:r>
+                              <m:t>⋮</m:t>
+                            </m:r>
+                          </m:e>
+                          <m:e>
+                            <m:r>
+                              <m:t>⋮</m:t>
+                            </m:r>
+                          </m:e>
+                          <m:e>
+                            <m:r>
+                              <m:t>⋮</m:t>
+                            </m:r>
+                          </m:e>
+                          <m:e>
+                            <m:r>
+                              <m:t>⋮</m:t>
+                            </m:r>
+                          </m:e>
+                          <m:e>
+                            <m:r>
+                              <m:t>⋱</m:t>
+                            </m:r>
+                          </m:e>
+                          <m:e>
+                            <m:r>
+                              <m:t>⋮</m:t>
+                            </m:r>
+                          </m:e>
+                          <m:e>
+                            <m:r>
+                              <m:t>⋮</m:t>
+                            </m:r>
+                          </m:e>
+                        </m:mr>
+                        <m:mr>
+                          <m:e>
+                            <m:sSup>
+                              <m:e>
+                                <m:r>
+                                  <m:t>ϕ</m:t>
+                                </m:r>
+                              </m:e>
+                              <m:sup>
+                                <m:r>
+                                  <m:t>n</m:t>
+                                </m:r>
+                                <m:r>
+                                  <m:t>−</m:t>
+                                </m:r>
+                                <m:r>
+                                  <m:t>2</m:t>
+                                </m:r>
+                              </m:sup>
+                            </m:sSup>
+                          </m:e>
+                          <m:e>
+                            <m:sSup>
+                              <m:e>
+                                <m:r>
+                                  <m:t>ϕ</m:t>
+                                </m:r>
+                              </m:e>
+                              <m:sup>
+                                <m:r>
+                                  <m:t>n</m:t>
+                                </m:r>
+                                <m:r>
+                                  <m:t>−</m:t>
+                                </m:r>
+                                <m:r>
+                                  <m:t>3</m:t>
+                                </m:r>
+                              </m:sup>
+                            </m:sSup>
+                          </m:e>
+                          <m:e>
+                            <m:sSup>
+                              <m:e>
+                                <m:r>
+                                  <m:t>ϕ</m:t>
+                                </m:r>
+                              </m:e>
+                              <m:sup>
+                                <m:r>
+                                  <m:t>n</m:t>
+                                </m:r>
+                                <m:r>
+                                  <m:t>−</m:t>
+                                </m:r>
+                                <m:r>
+                                  <m:t>4</m:t>
+                                </m:r>
+                              </m:sup>
+                            </m:sSup>
+                          </m:e>
+                          <m:e>
+                            <m:sSup>
+                              <m:e>
+                                <m:r>
+                                  <m:t>ϕ</m:t>
+                                </m:r>
+                              </m:e>
+                              <m:sup>
+                                <m:r>
+                                  <m:t>n</m:t>
+                                </m:r>
+                                <m:r>
+                                  <m:t>−</m:t>
+                                </m:r>
+                                <m:r>
+                                  <m:t>5</m:t>
+                                </m:r>
+                              </m:sup>
+                            </m:sSup>
+                          </m:e>
+                          <m:e>
+                            <m:r>
+                              <m:t>⋯</m:t>
+                            </m:r>
+                          </m:e>
+                          <m:e>
+                            <m:r>
+                              <m:t>1</m:t>
+                            </m:r>
+                          </m:e>
+                          <m:e>
+                            <m:r>
+                              <m:t>ϕ</m:t>
+                            </m:r>
+                          </m:e>
+                        </m:mr>
+                        <m:mr>
+                          <m:e>
+                            <m:sSup>
+                              <m:e>
+                                <m:r>
+                                  <m:t>ϕ</m:t>
+                                </m:r>
+                              </m:e>
+                              <m:sup>
+                                <m:r>
+                                  <m:t>n</m:t>
+                                </m:r>
+                                <m:r>
+                                  <m:t>−</m:t>
+                                </m:r>
+                                <m:r>
+                                  <m:t>1</m:t>
+                                </m:r>
+                              </m:sup>
+                            </m:sSup>
+                          </m:e>
+                          <m:e>
+                            <m:sSup>
+                              <m:e>
+                                <m:r>
+                                  <m:t>ϕ</m:t>
+                                </m:r>
+                              </m:e>
+                              <m:sup>
+                                <m:r>
+                                  <m:t>n</m:t>
+                                </m:r>
+                                <m:r>
+                                  <m:t>−</m:t>
+                                </m:r>
+                                <m:r>
+                                  <m:t>2</m:t>
+                                </m:r>
+                              </m:sup>
+                            </m:sSup>
+                          </m:e>
+                          <m:e>
+                            <m:sSup>
+                              <m:e>
+                                <m:r>
+                                  <m:t>ϕ</m:t>
+                                </m:r>
+                              </m:e>
+                              <m:sup>
+                                <m:r>
+                                  <m:t>n</m:t>
+                                </m:r>
+                                <m:r>
+                                  <m:t>−</m:t>
+                                </m:r>
+                                <m:r>
+                                  <m:t>3</m:t>
+                                </m:r>
+                              </m:sup>
+                            </m:sSup>
+                          </m:e>
+                          <m:e>
+                            <m:sSup>
+                              <m:e>
+                                <m:r>
+                                  <m:t>ϕ</m:t>
+                                </m:r>
+                              </m:e>
+                              <m:sup>
+                                <m:r>
+                                  <m:t>n</m:t>
+                                </m:r>
+                                <m:r>
+                                  <m:t>−</m:t>
+                                </m:r>
+                                <m:r>
+                                  <m:t>4</m:t>
+                                </m:r>
+                              </m:sup>
+                            </m:sSup>
+                          </m:e>
+                          <m:e>
+                            <m:r>
+                              <m:t>⋯</m:t>
+                            </m:r>
+                          </m:e>
+                          <m:e>
+                            <m:r>
+                              <m:t>ϕ</m:t>
+                            </m:r>
+                          </m:e>
+                          <m:e>
+                            <m:r>
+                              <m:t>1</m:t>
+                            </m:r>
+                          </m:e>
+                        </m:mr>
+                      </m:m>
+                    </m:oMath>
+                  </m:oMathPara>
+                </a14:m>
+              </a:p>
+            </p:txBody>
+          </p:sp>
+        </mc:Choice>
+      </mc:AlternateContent>
     </p:spTree>
   </p:cSld>
 </p:sld>
@@ -3818,7 +4905,7 @@
             </a:pPr>
             <a:r>
               <a:rPr/>
-              <a:t>Negative</a:t>
+              <a:t>Positive</a:t>
             </a:r>
             <a:r>
               <a:rPr/>
@@ -3833,7 +4920,7 @@
       </p:sp>
       <p:pic>
         <p:nvPicPr>
-          <p:cNvPr descr="basics_files/figure-pptx/neg-1.png" id="0" name="Picture 1"/>
+          <p:cNvPr descr="basics_files/figure-pptx/pos-1.png" id="0" name="Picture 1"/>
           <p:cNvPicPr>
             <a:picLocks noGrp="1" noChangeAspect="1"/>
           </p:cNvPicPr>
@@ -3918,7 +5005,7 @@
       </p:sp>
       <p:pic>
         <p:nvPicPr>
-          <p:cNvPr descr="basics_files/figure-pptx/diff-neg-1.png" id="0" name="Picture 1"/>
+          <p:cNvPr descr="basics_files/figure-pptx/diff-pos-1.png" id="0" name="Picture 1"/>
           <p:cNvPicPr>
             <a:picLocks noGrp="1" noChangeAspect="1"/>
           </p:cNvPicPr>
@@ -3988,7 +5075,7 @@
             </a:pPr>
             <a:r>
               <a:rPr/>
-              <a:t>acf</a:t>
+              <a:t>Negative</a:t>
             </a:r>
             <a:r>
               <a:rPr/>
@@ -3996,46 +5083,14 @@
             </a:r>
             <a:r>
               <a:rPr/>
-              <a:t>and</a:t>
-            </a:r>
-            <a:r>
-              <a:rPr/>
-              <a:t> </a:t>
-            </a:r>
-            <a:r>
-              <a:rPr/>
-              <a:t>pacf</a:t>
-            </a:r>
-            <a:r>
-              <a:rPr/>
-              <a:t> </a:t>
-            </a:r>
-            <a:r>
-              <a:rPr/>
-              <a:t>for</a:t>
-            </a:r>
-            <a:r>
-              <a:rPr/>
-              <a:t> </a:t>
-            </a:r>
-            <a:r>
-              <a:rPr/>
-              <a:t>co2</a:t>
-            </a:r>
-            <a:r>
-              <a:rPr/>
-              <a:t> </a:t>
-            </a:r>
-            <a:r>
-              <a:rPr/>
-              <a:t>data</a:t>
+              <a:t>autocorrelation</a:t>
             </a:r>
           </a:p>
         </p:txBody>
       </p:sp>
       <p:pic>
         <p:nvPicPr>
-          <p:cNvPr descr="basics_files/figure-pptx/co2-auto-1.png" id="0" name="Picture 1"/>
+          <p:cNvPr descr="basics_files/figure-pptx/neg-1.png" id="0" name="Picture 1"/>
           <p:cNvPicPr>
             <a:picLocks noGrp="1" noChangeAspect="1"/>
           </p:cNvPicPr>
@@ -4105,7 +5160,7 @@
             </a:pPr>
             <a:r>
               <a:rPr/>
-              <a:t>Structure</a:t>
+              <a:t>Lag</a:t>
             </a:r>
             <a:r>
               <a:rPr/>
@@ -4113,109 +5168,41 @@
             </a:r>
             <a:r>
               <a:rPr/>
-              <a:t>of</a:t>
-            </a:r>
-            <a:r>
-              <a:rPr/>
-              <a:t> </a:t>
-            </a:r>
-            <a:r>
-              <a:rPr/>
-              <a:t>LakeHuron</a:t>
-            </a:r>
-            <a:r>
-              <a:rPr/>
-              <a:t> </a:t>
-            </a:r>
-            <a:r>
-              <a:rPr/>
-              <a:t>data</a:t>
-            </a:r>
-          </a:p>
-        </p:txBody>
-      </p:sp>
-      <p:sp>
-        <p:nvSpPr>
-          <p:cNvPr id="3" name="Content Placeholder 2"/>
-          <p:cNvSpPr>
-            <a:spLocks noGrp="1"/>
-          </p:cNvSpPr>
-          <p:nvPr>
-            <p:ph idx="1"/>
-          </p:nvPr>
-        </p:nvSpPr>
-        <p:spPr/>
-        <p:txBody>
-          <a:bodyPr/>
-          <a:lstStyle/>
-          <a:p>
-            <a:pPr lvl="0" marL="1270000" indent="0">
-              <a:buNone/>
-            </a:pPr>
-            <a:r>
-              <a:rPr sz="1800" b="1">
-                <a:solidFill>
-                  <a:srgbClr val="007020"/>
-                </a:solidFill>
-                <a:latin typeface="Courier"/>
-              </a:rPr>
-              <a:t>str</a:t>
-            </a:r>
-            <a:r>
-              <a:rPr sz="1800">
-                <a:latin typeface="Courier"/>
-              </a:rPr>
-              <a:t>(LakeHuron)</a:t>
-            </a:r>
-          </a:p>
-          <a:p>
-            <a:pPr lvl="0" marL="1270000" indent="0">
-              <a:buNone/>
-            </a:pPr>
-            <a:r>
-              <a:rPr sz="1800">
-                <a:latin typeface="Courier"/>
-              </a:rPr>
-              <a:t>##  Time-Series [1:98] from 1875 to 1972: 580 582 581 581 580 ...</a:t>
-            </a:r>
-          </a:p>
-          <a:p>
-            <a:pPr lvl="0" marL="1270000" indent="0">
-              <a:buNone/>
-            </a:pPr>
-            <a:r>
-              <a:rPr sz="1800" b="1">
-                <a:solidFill>
-                  <a:srgbClr val="007020"/>
-                </a:solidFill>
-                <a:latin typeface="Courier"/>
-              </a:rPr>
-              <a:t>attributes</a:t>
-            </a:r>
-            <a:r>
-              <a:rPr sz="1800">
-                <a:latin typeface="Courier"/>
-              </a:rPr>
-              <a:t>(LakeHuron)</a:t>
-            </a:r>
-          </a:p>
-          <a:p>
-            <a:pPr lvl="0" marL="1270000" indent="0">
-              <a:buNone/>
-            </a:pPr>
-            <a:r>
-              <a:rPr sz="1800">
-                <a:latin typeface="Courier"/>
-              </a:rPr>
-              <a:t>## $tsp
-## [1] 1875 1972    1
-## 
-## $class
-## [1] "ts"</a:t>
-            </a:r>
-          </a:p>
-        </p:txBody>
-      </p:sp>
+              <a:t>plot</a:t>
+            </a:r>
+          </a:p>
+        </p:txBody>
+      </p:sp>
+      <p:pic>
+        <p:nvPicPr>
+          <p:cNvPr descr="basics_files/figure-pptx/diff-neg-1.png" id="0" name="Picture 1"/>
+          <p:cNvPicPr>
+            <a:picLocks noGrp="1" noChangeAspect="1"/>
+          </p:cNvPicPr>
+          <p:nvPr/>
+        </p:nvPicPr>
+        <p:blipFill>
+          <a:blip r:embed="rId2"/>
+          <a:stretch>
+            <a:fillRect/>
+          </a:stretch>
+        </p:blipFill>
+        <p:spPr bwMode="auto">
+          <a:xfrm>
+            <a:off x="2311400" y="1600200"/>
+            <a:ext cx="4521200" cy="4521200"/>
+          </a:xfrm>
+          <a:prstGeom prst="rect">
+            <a:avLst/>
+          </a:prstGeom>
+          <a:noFill/>
+          <a:ln w="9525">
+            <a:noFill/>
+            <a:headEnd/>
+            <a:tailEnd/>
+          </a:ln>
+        </p:spPr>
+      </p:pic>
     </p:spTree>
   </p:cSld>
 </p:sld>
@@ -4258,7 +5245,7 @@
             </a:pPr>
             <a:r>
               <a:rPr/>
-              <a:t>Plot</a:t>
+              <a:t>Lag</a:t>
             </a:r>
             <a:r>
               <a:rPr/>
@@ -4266,30 +5253,14 @@
             </a:r>
             <a:r>
               <a:rPr/>
-              <a:t>of</a:t>
-            </a:r>
-            <a:r>
-              <a:rPr/>
-              <a:t> </a:t>
-            </a:r>
-            <a:r>
-              <a:rPr/>
-              <a:t>LakeHuron</a:t>
-            </a:r>
-            <a:r>
-              <a:rPr/>
-              <a:t> </a:t>
-            </a:r>
-            <a:r>
-              <a:rPr/>
-              <a:t>data</a:t>
+              <a:t>plot</a:t>
             </a:r>
           </a:p>
         </p:txBody>
       </p:sp>
       <p:pic>
         <p:nvPicPr>
-          <p:cNvPr descr="basics_files/figure-pptx/LakeHuron-plot-1.png" id="0" name="Picture 1"/>
+          <p:cNvPr descr="basics_files/figure-pptx/lag2-1.png" id="0" name="Picture 1"/>
           <p:cNvPicPr>
             <a:picLocks noGrp="1" noChangeAspect="1"/>
           </p:cNvPicPr>
@@ -4303,8 +5274,8 @@
         </p:blipFill>
         <p:spPr bwMode="auto">
           <a:xfrm>
-            <a:off x="1752600" y="1600200"/>
-            <a:ext cx="5651500" cy="4521200"/>
+            <a:off x="2311400" y="1600200"/>
+            <a:ext cx="4521200" cy="4521200"/>
           </a:xfrm>
           <a:prstGeom prst="rect">
             <a:avLst/>
@@ -4517,6 +5488,14 @@
             </a:r>
             <a:r>
               <a:rPr/>
+              <a:t>co2</a:t>
+            </a:r>
+            <a:r>
+              <a:rPr/>
+              <a:t> </a:t>
+            </a:r>
+            <a:r>
+              <a:rPr/>
               <a:t>data</a:t>
             </a:r>
           </a:p>
@@ -4524,7 +5503,7 @@
       </p:sp>
       <p:pic>
         <p:nvPicPr>
-          <p:cNvPr descr="basics_files/figure-pptx/LakeHuron-auto-1.png" id="0" name="Picture 1"/>
+          <p:cNvPr descr="basics_files/figure-pptx/co2-auto-1.png" id="0" name="Picture 1"/>
           <p:cNvPicPr>
             <a:picLocks noGrp="1" noChangeAspect="1"/>
           </p:cNvPicPr>
@@ -4610,7 +5589,7 @@
             </a:r>
             <a:r>
               <a:rPr/>
-              <a:t>mdeaths</a:t>
+              <a:t>LakeHuron</a:t>
             </a:r>
             <a:r>
               <a:rPr/>
@@ -4654,7 +5633,7 @@
               <a:rPr sz="1800">
                 <a:latin typeface="Courier"/>
               </a:rPr>
-              <a:t>(mdeaths)</a:t>
+              <a:t>(LakeHuron)</a:t>
             </a:r>
           </a:p>
           <a:p>
@@ -4665,7 +5644,7 @@
               <a:rPr sz="1800">
                 <a:latin typeface="Courier"/>
               </a:rPr>
-              <a:t>##  Time-Series [1:72] from 1974 to 1980: 2134 1863 1877 1877 1492 ...</a:t>
+              <a:t>##  Time-Series [1:98] from 1875 to 1972: 580 582 581 581 580 ...</a:t>
             </a:r>
           </a:p>
           <a:p>
@@ -4685,7 +5664,7 @@
               <a:rPr sz="1800">
                 <a:latin typeface="Courier"/>
               </a:rPr>
-              <a:t>(mdeaths)</a:t>
+              <a:t>(LakeHuron)</a:t>
             </a:r>
           </a:p>
           <a:p>
@@ -4697,7 +5676,7 @@
                 <a:latin typeface="Courier"/>
               </a:rPr>
               <a:t>## $tsp
-## [1] 1974.000 1979.917   12.000
+## [1] 1875 1972    1
 ## 
 ## $class
 ## [1] "ts"</a:t>
@@ -4763,14 +5742,22 @@
             </a:r>
             <a:r>
               <a:rPr/>
-              <a:t>mdeaths</a:t>
+              <a:t>LakeHuron</a:t>
+            </a:r>
+            <a:r>
+              <a:rPr/>
+              <a:t> </a:t>
+            </a:r>
+            <a:r>
+              <a:rPr/>
+              <a:t>data</a:t>
             </a:r>
           </a:p>
         </p:txBody>
       </p:sp>
       <p:pic>
         <p:nvPicPr>
-          <p:cNvPr descr="basics_files/figure-pptx/mdeaths-plot-1.png" id="0" name="Picture 1"/>
+          <p:cNvPr descr="basics_files/figure-pptx/LakeHuron-plot-1.png" id="0" name="Picture 1"/>
           <p:cNvPicPr>
             <a:picLocks noGrp="1" noChangeAspect="1"/>
           </p:cNvPicPr>
@@ -4840,6 +5827,361 @@
             </a:pPr>
             <a:r>
               <a:rPr/>
+              <a:t>acf</a:t>
+            </a:r>
+            <a:r>
+              <a:rPr/>
+              <a:t> </a:t>
+            </a:r>
+            <a:r>
+              <a:rPr/>
+              <a:t>and</a:t>
+            </a:r>
+            <a:r>
+              <a:rPr/>
+              <a:t> </a:t>
+            </a:r>
+            <a:r>
+              <a:rPr/>
+              <a:t>pacf</a:t>
+            </a:r>
+            <a:r>
+              <a:rPr/>
+              <a:t> </a:t>
+            </a:r>
+            <a:r>
+              <a:rPr/>
+              <a:t>for</a:t>
+            </a:r>
+            <a:r>
+              <a:rPr/>
+              <a:t> </a:t>
+            </a:r>
+            <a:r>
+              <a:rPr/>
+              <a:t>data</a:t>
+            </a:r>
+          </a:p>
+        </p:txBody>
+      </p:sp>
+      <p:pic>
+        <p:nvPicPr>
+          <p:cNvPr descr="basics_files/figure-pptx/LakeHuron-auto-1.png" id="0" name="Picture 1"/>
+          <p:cNvPicPr>
+            <a:picLocks noGrp="1" noChangeAspect="1"/>
+          </p:cNvPicPr>
+          <p:nvPr/>
+        </p:nvPicPr>
+        <p:blipFill>
+          <a:blip r:embed="rId2"/>
+          <a:stretch>
+            <a:fillRect/>
+          </a:stretch>
+        </p:blipFill>
+        <p:spPr bwMode="auto">
+          <a:xfrm>
+            <a:off x="1752600" y="1600200"/>
+            <a:ext cx="5651500" cy="4521200"/>
+          </a:xfrm>
+          <a:prstGeom prst="rect">
+            <a:avLst/>
+          </a:prstGeom>
+          <a:noFill/>
+          <a:ln w="9525">
+            <a:noFill/>
+            <a:headEnd/>
+            <a:tailEnd/>
+          </a:ln>
+        </p:spPr>
+      </p:pic>
+    </p:spTree>
+  </p:cSld>
+</p:sld>
+</file>
+
+<file path=ppt/slides/slide24.xml><?xml version="1.0" encoding="utf-8"?>
+<p:sld xmlns:a="http://schemas.openxmlformats.org/drawingml/2006/main" xmlns:r="http://schemas.openxmlformats.org/officeDocument/2006/relationships" xmlns:p="http://schemas.openxmlformats.org/presentationml/2006/main">
+  <p:cSld>
+    <p:spTree>
+      <p:nvGrpSpPr>
+        <p:cNvPr id="1" name=""/>
+        <p:cNvGrpSpPr/>
+        <p:nvPr/>
+      </p:nvGrpSpPr>
+      <p:grpSpPr>
+        <a:xfrm>
+          <a:off x="0" y="0"/>
+          <a:ext cx="0" cy="0"/>
+          <a:chOff x="0" y="0"/>
+          <a:chExt cx="0" cy="0"/>
+        </a:xfrm>
+      </p:grpSpPr>
+      <p:sp>
+        <p:nvSpPr>
+          <p:cNvPr id="2" name="Title 1"/>
+          <p:cNvSpPr>
+            <a:spLocks noGrp="1"/>
+          </p:cNvSpPr>
+          <p:nvPr>
+            <p:ph type="title"/>
+          </p:nvPr>
+        </p:nvSpPr>
+        <p:spPr/>
+        <p:txBody>
+          <a:bodyPr/>
+          <a:lstStyle/>
+          <a:p>
+            <a:pPr lvl="0" marL="0" indent="0">
+              <a:buNone/>
+            </a:pPr>
+            <a:r>
+              <a:rPr/>
+              <a:t>Structure</a:t>
+            </a:r>
+            <a:r>
+              <a:rPr/>
+              <a:t> </a:t>
+            </a:r>
+            <a:r>
+              <a:rPr/>
+              <a:t>of</a:t>
+            </a:r>
+            <a:r>
+              <a:rPr/>
+              <a:t> </a:t>
+            </a:r>
+            <a:r>
+              <a:rPr/>
+              <a:t>mdeaths</a:t>
+            </a:r>
+            <a:r>
+              <a:rPr/>
+              <a:t> </a:t>
+            </a:r>
+            <a:r>
+              <a:rPr/>
+              <a:t>data</a:t>
+            </a:r>
+          </a:p>
+        </p:txBody>
+      </p:sp>
+      <p:sp>
+        <p:nvSpPr>
+          <p:cNvPr id="3" name="Content Placeholder 2"/>
+          <p:cNvSpPr>
+            <a:spLocks noGrp="1"/>
+          </p:cNvSpPr>
+          <p:nvPr>
+            <p:ph idx="1"/>
+          </p:nvPr>
+        </p:nvSpPr>
+        <p:spPr/>
+        <p:txBody>
+          <a:bodyPr/>
+          <a:lstStyle/>
+          <a:p>
+            <a:pPr lvl="0" marL="1270000" indent="0">
+              <a:buNone/>
+            </a:pPr>
+            <a:r>
+              <a:rPr sz="1800" b="1">
+                <a:solidFill>
+                  <a:srgbClr val="007020"/>
+                </a:solidFill>
+                <a:latin typeface="Courier"/>
+              </a:rPr>
+              <a:t>str</a:t>
+            </a:r>
+            <a:r>
+              <a:rPr sz="1800">
+                <a:latin typeface="Courier"/>
+              </a:rPr>
+              <a:t>(mdeaths)</a:t>
+            </a:r>
+          </a:p>
+          <a:p>
+            <a:pPr lvl="0" marL="1270000" indent="0">
+              <a:buNone/>
+            </a:pPr>
+            <a:r>
+              <a:rPr sz="1800">
+                <a:latin typeface="Courier"/>
+              </a:rPr>
+              <a:t>##  Time-Series [1:72] from 1974 to 1980: 2134 1863 1877 1877 1492 ...</a:t>
+            </a:r>
+          </a:p>
+          <a:p>
+            <a:pPr lvl="0" marL="1270000" indent="0">
+              <a:buNone/>
+            </a:pPr>
+            <a:r>
+              <a:rPr sz="1800" b="1">
+                <a:solidFill>
+                  <a:srgbClr val="007020"/>
+                </a:solidFill>
+                <a:latin typeface="Courier"/>
+              </a:rPr>
+              <a:t>attributes</a:t>
+            </a:r>
+            <a:r>
+              <a:rPr sz="1800">
+                <a:latin typeface="Courier"/>
+              </a:rPr>
+              <a:t>(mdeaths)</a:t>
+            </a:r>
+          </a:p>
+          <a:p>
+            <a:pPr lvl="0" marL="1270000" indent="0">
+              <a:buNone/>
+            </a:pPr>
+            <a:r>
+              <a:rPr sz="1800">
+                <a:latin typeface="Courier"/>
+              </a:rPr>
+              <a:t>## $tsp
+## [1] 1974.000 1979.917   12.000
+## 
+## $class
+## [1] "ts"</a:t>
+            </a:r>
+          </a:p>
+        </p:txBody>
+      </p:sp>
+    </p:spTree>
+  </p:cSld>
+</p:sld>
+</file>
+
+<file path=ppt/slides/slide25.xml><?xml version="1.0" encoding="utf-8"?>
+<p:sld xmlns:a="http://schemas.openxmlformats.org/drawingml/2006/main" xmlns:r="http://schemas.openxmlformats.org/officeDocument/2006/relationships" xmlns:p="http://schemas.openxmlformats.org/presentationml/2006/main">
+  <p:cSld>
+    <p:spTree>
+      <p:nvGrpSpPr>
+        <p:cNvPr id="1" name=""/>
+        <p:cNvGrpSpPr/>
+        <p:nvPr/>
+      </p:nvGrpSpPr>
+      <p:grpSpPr>
+        <a:xfrm>
+          <a:off x="0" y="0"/>
+          <a:ext cx="0" cy="0"/>
+          <a:chOff x="0" y="0"/>
+          <a:chExt cx="0" cy="0"/>
+        </a:xfrm>
+      </p:grpSpPr>
+      <p:sp>
+        <p:nvSpPr>
+          <p:cNvPr id="2" name="Title 1"/>
+          <p:cNvSpPr>
+            <a:spLocks noGrp="1"/>
+          </p:cNvSpPr>
+          <p:nvPr>
+            <p:ph type="title"/>
+          </p:nvPr>
+        </p:nvSpPr>
+        <p:spPr/>
+        <p:txBody>
+          <a:bodyPr/>
+          <a:lstStyle/>
+          <a:p>
+            <a:pPr lvl="0" marL="0" indent="0">
+              <a:buNone/>
+            </a:pPr>
+            <a:r>
+              <a:rPr/>
+              <a:t>Plot</a:t>
+            </a:r>
+            <a:r>
+              <a:rPr/>
+              <a:t> </a:t>
+            </a:r>
+            <a:r>
+              <a:rPr/>
+              <a:t>of</a:t>
+            </a:r>
+            <a:r>
+              <a:rPr/>
+              <a:t> </a:t>
+            </a:r>
+            <a:r>
+              <a:rPr/>
+              <a:t>mdeaths</a:t>
+            </a:r>
+          </a:p>
+        </p:txBody>
+      </p:sp>
+      <p:pic>
+        <p:nvPicPr>
+          <p:cNvPr descr="basics_files/figure-pptx/mdeaths-plot-1.png" id="0" name="Picture 1"/>
+          <p:cNvPicPr>
+            <a:picLocks noGrp="1" noChangeAspect="1"/>
+          </p:cNvPicPr>
+          <p:nvPr/>
+        </p:nvPicPr>
+        <p:blipFill>
+          <a:blip r:embed="rId2"/>
+          <a:stretch>
+            <a:fillRect/>
+          </a:stretch>
+        </p:blipFill>
+        <p:spPr bwMode="auto">
+          <a:xfrm>
+            <a:off x="1752600" y="1600200"/>
+            <a:ext cx="5651500" cy="4521200"/>
+          </a:xfrm>
+          <a:prstGeom prst="rect">
+            <a:avLst/>
+          </a:prstGeom>
+          <a:noFill/>
+          <a:ln w="9525">
+            <a:noFill/>
+            <a:headEnd/>
+            <a:tailEnd/>
+          </a:ln>
+        </p:spPr>
+      </p:pic>
+    </p:spTree>
+  </p:cSld>
+</p:sld>
+</file>
+
+<file path=ppt/slides/slide26.xml><?xml version="1.0" encoding="utf-8"?>
+<p:sld xmlns:a="http://schemas.openxmlformats.org/drawingml/2006/main" xmlns:r="http://schemas.openxmlformats.org/officeDocument/2006/relationships" xmlns:p="http://schemas.openxmlformats.org/presentationml/2006/main">
+  <p:cSld>
+    <p:spTree>
+      <p:nvGrpSpPr>
+        <p:cNvPr id="1" name=""/>
+        <p:cNvGrpSpPr/>
+        <p:nvPr/>
+      </p:nvGrpSpPr>
+      <p:grpSpPr>
+        <a:xfrm>
+          <a:off x="0" y="0"/>
+          <a:ext cx="0" cy="0"/>
+          <a:chOff x="0" y="0"/>
+          <a:chExt cx="0" cy="0"/>
+        </a:xfrm>
+      </p:grpSpPr>
+      <p:sp>
+        <p:nvSpPr>
+          <p:cNvPr id="2" name="Title 1"/>
+          <p:cNvSpPr>
+            <a:spLocks noGrp="1"/>
+          </p:cNvSpPr>
+          <p:nvPr>
+            <p:ph type="title"/>
+          </p:nvPr>
+        </p:nvSpPr>
+        <p:spPr/>
+        <p:txBody>
+          <a:bodyPr/>
+          <a:lstStyle/>
+          <a:p>
+            <a:pPr lvl="0" marL="0" indent="0">
+              <a:buNone/>
+            </a:pPr>
+            <a:r>
+              <a:rPr/>
               <a:t>Structure</a:t>
             </a:r>
             <a:r>
@@ -4956,7 +6298,7 @@
 </p:sld>
 </file>
 
-<file path=ppt/slides/slide24.xml><?xml version="1.0" encoding="utf-8"?>
+<file path=ppt/slides/slide27.xml><?xml version="1.0" encoding="utf-8"?>
 <p:sld xmlns:a="http://schemas.openxmlformats.org/drawingml/2006/main" xmlns:r="http://schemas.openxmlformats.org/officeDocument/2006/relationships" xmlns:p="http://schemas.openxmlformats.org/presentationml/2006/main">
   <p:cSld>
     <p:spTree>
@@ -5057,7 +6399,7 @@
 </p:sld>
 </file>
 
-<file path=ppt/slides/slide25.xml><?xml version="1.0" encoding="utf-8"?>
+<file path=ppt/slides/slide28.xml><?xml version="1.0" encoding="utf-8"?>
 <p:sld xmlns:a="http://schemas.openxmlformats.org/drawingml/2006/main" xmlns:r="http://schemas.openxmlformats.org/officeDocument/2006/relationships" xmlns:p="http://schemas.openxmlformats.org/presentationml/2006/main">
   <p:cSld>
     <p:spTree>
@@ -5202,7 +6544,7 @@
 </p:sld>
 </file>
 
-<file path=ppt/slides/slide26.xml><?xml version="1.0" encoding="utf-8"?>
+<file path=ppt/slides/slide29.xml><?xml version="1.0" encoding="utf-8"?>
 <p:sld xmlns:a="http://schemas.openxmlformats.org/drawingml/2006/main" xmlns:r="http://schemas.openxmlformats.org/officeDocument/2006/relationships" xmlns:p="http://schemas.openxmlformats.org/presentationml/2006/main">
   <p:cSld>
     <p:spTree>
@@ -5290,389 +6632,6 @@
           </a:ln>
         </p:spPr>
       </p:pic>
-    </p:spTree>
-  </p:cSld>
-</p:sld>
-</file>
-
-<file path=ppt/slides/slide27.xml><?xml version="1.0" encoding="utf-8"?>
-<p:sld xmlns:a="http://schemas.openxmlformats.org/drawingml/2006/main" xmlns:r="http://schemas.openxmlformats.org/officeDocument/2006/relationships" xmlns:p="http://schemas.openxmlformats.org/presentationml/2006/main">
-  <p:cSld>
-    <p:spTree>
-      <p:nvGrpSpPr>
-        <p:cNvPr id="1" name=""/>
-        <p:cNvGrpSpPr/>
-        <p:nvPr/>
-      </p:nvGrpSpPr>
-      <p:grpSpPr>
-        <a:xfrm>
-          <a:off x="0" y="0"/>
-          <a:ext cx="0" cy="0"/>
-          <a:chOff x="0" y="0"/>
-          <a:chExt cx="0" cy="0"/>
-        </a:xfrm>
-      </p:grpSpPr>
-      <p:sp>
-        <p:nvSpPr>
-          <p:cNvPr id="2" name="Title 1"/>
-          <p:cNvSpPr>
-            <a:spLocks noGrp="1"/>
-          </p:cNvSpPr>
-          <p:nvPr>
-            <p:ph type="title"/>
-          </p:nvPr>
-        </p:nvSpPr>
-        <p:spPr/>
-        <p:txBody>
-          <a:bodyPr/>
-          <a:lstStyle/>
-          <a:p>
-            <a:pPr lvl="0" marL="0" indent="0">
-              <a:buNone/>
-            </a:pPr>
-            <a:r>
-              <a:rPr/>
-              <a:t>Structure</a:t>
-            </a:r>
-            <a:r>
-              <a:rPr/>
-              <a:t> </a:t>
-            </a:r>
-            <a:r>
-              <a:rPr/>
-              <a:t>of</a:t>
-            </a:r>
-            <a:r>
-              <a:rPr/>
-              <a:t> </a:t>
-            </a:r>
-            <a:r>
-              <a:rPr/>
-              <a:t>sunspot.year</a:t>
-            </a:r>
-          </a:p>
-        </p:txBody>
-      </p:sp>
-      <p:sp>
-        <p:nvSpPr>
-          <p:cNvPr id="3" name="Content Placeholder 2"/>
-          <p:cNvSpPr>
-            <a:spLocks noGrp="1"/>
-          </p:cNvSpPr>
-          <p:nvPr>
-            <p:ph idx="1"/>
-          </p:nvPr>
-        </p:nvSpPr>
-        <p:spPr/>
-        <p:txBody>
-          <a:bodyPr/>
-          <a:lstStyle/>
-          <a:p>
-            <a:pPr lvl="0" marL="1270000" indent="0">
-              <a:buNone/>
-            </a:pPr>
-            <a:r>
-              <a:rPr sz="1800" b="1">
-                <a:solidFill>
-                  <a:srgbClr val="007020"/>
-                </a:solidFill>
-                <a:latin typeface="Courier"/>
-              </a:rPr>
-              <a:t>str</a:t>
-            </a:r>
-            <a:r>
-              <a:rPr sz="1800">
-                <a:latin typeface="Courier"/>
-              </a:rPr>
-              <a:t>(sunspot.year)</a:t>
-            </a:r>
-          </a:p>
-          <a:p>
-            <a:pPr lvl="0" marL="1270000" indent="0">
-              <a:buNone/>
-            </a:pPr>
-            <a:r>
-              <a:rPr sz="1800">
-                <a:latin typeface="Courier"/>
-              </a:rPr>
-              <a:t>##  Time-Series [1:289] from 1700 to 1988: 5 11 16 23 36 58 29 20 10 8 ...</a:t>
-            </a:r>
-          </a:p>
-          <a:p>
-            <a:pPr lvl="0" marL="1270000" indent="0">
-              <a:buNone/>
-            </a:pPr>
-            <a:r>
-              <a:rPr sz="1800" b="1">
-                <a:solidFill>
-                  <a:srgbClr val="007020"/>
-                </a:solidFill>
-                <a:latin typeface="Courier"/>
-              </a:rPr>
-              <a:t>attributes</a:t>
-            </a:r>
-            <a:r>
-              <a:rPr sz="1800">
-                <a:latin typeface="Courier"/>
-              </a:rPr>
-              <a:t>(sunspot.year)</a:t>
-            </a:r>
-          </a:p>
-          <a:p>
-            <a:pPr lvl="0" marL="1270000" indent="0">
-              <a:buNone/>
-            </a:pPr>
-            <a:r>
-              <a:rPr sz="1800">
-                <a:latin typeface="Courier"/>
-              </a:rPr>
-              <a:t>## $tsp
-## [1] 1700 1988    1
-## 
-## $class
-## [1] "ts"</a:t>
-            </a:r>
-          </a:p>
-        </p:txBody>
-      </p:sp>
-    </p:spTree>
-  </p:cSld>
-</p:sld>
-</file>
-
-<file path=ppt/slides/slide28.xml><?xml version="1.0" encoding="utf-8"?>
-<p:sld xmlns:a="http://schemas.openxmlformats.org/drawingml/2006/main" xmlns:r="http://schemas.openxmlformats.org/officeDocument/2006/relationships" xmlns:p="http://schemas.openxmlformats.org/presentationml/2006/main">
-  <p:cSld>
-    <p:spTree>
-      <p:nvGrpSpPr>
-        <p:cNvPr id="1" name=""/>
-        <p:cNvGrpSpPr/>
-        <p:nvPr/>
-      </p:nvGrpSpPr>
-      <p:grpSpPr>
-        <a:xfrm>
-          <a:off x="0" y="0"/>
-          <a:ext cx="0" cy="0"/>
-          <a:chOff x="0" y="0"/>
-          <a:chExt cx="0" cy="0"/>
-        </a:xfrm>
-      </p:grpSpPr>
-      <p:sp>
-        <p:nvSpPr>
-          <p:cNvPr id="2" name="Title 1"/>
-          <p:cNvSpPr>
-            <a:spLocks noGrp="1"/>
-          </p:cNvSpPr>
-          <p:nvPr>
-            <p:ph type="title"/>
-          </p:nvPr>
-        </p:nvSpPr>
-        <p:spPr/>
-        <p:txBody>
-          <a:bodyPr/>
-          <a:lstStyle/>
-          <a:p>
-            <a:pPr lvl="0" marL="0" indent="0">
-              <a:buNone/>
-            </a:pPr>
-            <a:r>
-              <a:rPr/>
-              <a:t>Plot</a:t>
-            </a:r>
-            <a:r>
-              <a:rPr/>
-              <a:t> </a:t>
-            </a:r>
-            <a:r>
-              <a:rPr/>
-              <a:t>of</a:t>
-            </a:r>
-            <a:r>
-              <a:rPr/>
-              <a:t> </a:t>
-            </a:r>
-            <a:r>
-              <a:rPr/>
-              <a:t>sunspot.year</a:t>
-            </a:r>
-          </a:p>
-        </p:txBody>
-      </p:sp>
-      <p:pic>
-        <p:nvPicPr>
-          <p:cNvPr descr="basics_files/figure-pptx/sunspot-plot-1.png" id="0" name="Picture 1"/>
-          <p:cNvPicPr>
-            <a:picLocks noGrp="1" noChangeAspect="1"/>
-          </p:cNvPicPr>
-          <p:nvPr/>
-        </p:nvPicPr>
-        <p:blipFill>
-          <a:blip r:embed="rId2"/>
-          <a:stretch>
-            <a:fillRect/>
-          </a:stretch>
-        </p:blipFill>
-        <p:spPr bwMode="auto">
-          <a:xfrm>
-            <a:off x="1752600" y="1600200"/>
-            <a:ext cx="5651500" cy="4521200"/>
-          </a:xfrm>
-          <a:prstGeom prst="rect">
-            <a:avLst/>
-          </a:prstGeom>
-          <a:noFill/>
-          <a:ln w="9525">
-            <a:noFill/>
-            <a:headEnd/>
-            <a:tailEnd/>
-          </a:ln>
-        </p:spPr>
-      </p:pic>
-    </p:spTree>
-  </p:cSld>
-</p:sld>
-</file>
-
-<file path=ppt/slides/slide29.xml><?xml version="1.0" encoding="utf-8"?>
-<p:sld xmlns:a="http://schemas.openxmlformats.org/drawingml/2006/main" xmlns:r="http://schemas.openxmlformats.org/officeDocument/2006/relationships" xmlns:p="http://schemas.openxmlformats.org/presentationml/2006/main">
-  <p:cSld>
-    <p:spTree>
-      <p:nvGrpSpPr>
-        <p:cNvPr id="1" name=""/>
-        <p:cNvGrpSpPr/>
-        <p:nvPr/>
-      </p:nvGrpSpPr>
-      <p:grpSpPr>
-        <a:xfrm>
-          <a:off x="0" y="0"/>
-          <a:ext cx="0" cy="0"/>
-          <a:chOff x="0" y="0"/>
-          <a:chExt cx="0" cy="0"/>
-        </a:xfrm>
-      </p:grpSpPr>
-      <p:sp>
-        <p:nvSpPr>
-          <p:cNvPr id="2" name="Title 1"/>
-          <p:cNvSpPr>
-            <a:spLocks noGrp="1"/>
-          </p:cNvSpPr>
-          <p:nvPr>
-            <p:ph type="title"/>
-          </p:nvPr>
-        </p:nvSpPr>
-        <p:spPr/>
-        <p:txBody>
-          <a:bodyPr/>
-          <a:lstStyle/>
-          <a:p>
-            <a:pPr lvl="0" marL="0" indent="0">
-              <a:buNone/>
-            </a:pPr>
-            <a:r>
-              <a:rPr/>
-              <a:t>Structure</a:t>
-            </a:r>
-            <a:r>
-              <a:rPr/>
-              <a:t> </a:t>
-            </a:r>
-            <a:r>
-              <a:rPr/>
-              <a:t>of</a:t>
-            </a:r>
-            <a:r>
-              <a:rPr/>
-              <a:t> </a:t>
-            </a:r>
-            <a:r>
-              <a:rPr/>
-              <a:t>treering</a:t>
-            </a:r>
-          </a:p>
-        </p:txBody>
-      </p:sp>
-      <p:sp>
-        <p:nvSpPr>
-          <p:cNvPr id="3" name="Content Placeholder 2"/>
-          <p:cNvSpPr>
-            <a:spLocks noGrp="1"/>
-          </p:cNvSpPr>
-          <p:nvPr>
-            <p:ph idx="1"/>
-          </p:nvPr>
-        </p:nvSpPr>
-        <p:spPr/>
-        <p:txBody>
-          <a:bodyPr/>
-          <a:lstStyle/>
-          <a:p>
-            <a:pPr lvl="0" marL="1270000" indent="0">
-              <a:buNone/>
-            </a:pPr>
-            <a:r>
-              <a:rPr sz="1800" b="1">
-                <a:solidFill>
-                  <a:srgbClr val="007020"/>
-                </a:solidFill>
-                <a:latin typeface="Courier"/>
-              </a:rPr>
-              <a:t>str</a:t>
-            </a:r>
-            <a:r>
-              <a:rPr sz="1800">
-                <a:latin typeface="Courier"/>
-              </a:rPr>
-              <a:t>(treering)</a:t>
-            </a:r>
-          </a:p>
-          <a:p>
-            <a:pPr lvl="0" marL="1270000" indent="0">
-              <a:buNone/>
-            </a:pPr>
-            <a:r>
-              <a:rPr sz="1800">
-                <a:latin typeface="Courier"/>
-              </a:rPr>
-              <a:t>##  Time-Series [1:7980] from -6000 to 1979: 1.34 1.08 1.54 1.32 1.41 ...</a:t>
-            </a:r>
-          </a:p>
-          <a:p>
-            <a:pPr lvl="0" marL="1270000" indent="0">
-              <a:buNone/>
-            </a:pPr>
-            <a:r>
-              <a:rPr sz="1800" b="1">
-                <a:solidFill>
-                  <a:srgbClr val="007020"/>
-                </a:solidFill>
-                <a:latin typeface="Courier"/>
-              </a:rPr>
-              <a:t>attributes</a:t>
-            </a:r>
-            <a:r>
-              <a:rPr sz="1800">
-                <a:latin typeface="Courier"/>
-              </a:rPr>
-              <a:t>(treering)</a:t>
-            </a:r>
-          </a:p>
-          <a:p>
-            <a:pPr lvl="0" marL="1270000" indent="0">
-              <a:buNone/>
-            </a:pPr>
-            <a:r>
-              <a:rPr sz="1800">
-                <a:latin typeface="Courier"/>
-              </a:rPr>
-              <a:t>## $tsp
-## [1] -6000  1979     1
-## 
-## $class
-## [1] "ts"</a:t>
-            </a:r>
-          </a:p>
-        </p:txBody>
-      </p:sp>
     </p:spTree>
   </p:cSld>
 </p:sld>
@@ -5800,6 +6759,389 @@
             </a:pPr>
             <a:r>
               <a:rPr/>
+              <a:t>Structure</a:t>
+            </a:r>
+            <a:r>
+              <a:rPr/>
+              <a:t> </a:t>
+            </a:r>
+            <a:r>
+              <a:rPr/>
+              <a:t>of</a:t>
+            </a:r>
+            <a:r>
+              <a:rPr/>
+              <a:t> </a:t>
+            </a:r>
+            <a:r>
+              <a:rPr/>
+              <a:t>sunspot.year</a:t>
+            </a:r>
+          </a:p>
+        </p:txBody>
+      </p:sp>
+      <p:sp>
+        <p:nvSpPr>
+          <p:cNvPr id="3" name="Content Placeholder 2"/>
+          <p:cNvSpPr>
+            <a:spLocks noGrp="1"/>
+          </p:cNvSpPr>
+          <p:nvPr>
+            <p:ph idx="1"/>
+          </p:nvPr>
+        </p:nvSpPr>
+        <p:spPr/>
+        <p:txBody>
+          <a:bodyPr/>
+          <a:lstStyle/>
+          <a:p>
+            <a:pPr lvl="0" marL="1270000" indent="0">
+              <a:buNone/>
+            </a:pPr>
+            <a:r>
+              <a:rPr sz="1800" b="1">
+                <a:solidFill>
+                  <a:srgbClr val="007020"/>
+                </a:solidFill>
+                <a:latin typeface="Courier"/>
+              </a:rPr>
+              <a:t>str</a:t>
+            </a:r>
+            <a:r>
+              <a:rPr sz="1800">
+                <a:latin typeface="Courier"/>
+              </a:rPr>
+              <a:t>(sunspot.year)</a:t>
+            </a:r>
+          </a:p>
+          <a:p>
+            <a:pPr lvl="0" marL="1270000" indent="0">
+              <a:buNone/>
+            </a:pPr>
+            <a:r>
+              <a:rPr sz="1800">
+                <a:latin typeface="Courier"/>
+              </a:rPr>
+              <a:t>##  Time-Series [1:289] from 1700 to 1988: 5 11 16 23 36 58 29 20 10 8 ...</a:t>
+            </a:r>
+          </a:p>
+          <a:p>
+            <a:pPr lvl="0" marL="1270000" indent="0">
+              <a:buNone/>
+            </a:pPr>
+            <a:r>
+              <a:rPr sz="1800" b="1">
+                <a:solidFill>
+                  <a:srgbClr val="007020"/>
+                </a:solidFill>
+                <a:latin typeface="Courier"/>
+              </a:rPr>
+              <a:t>attributes</a:t>
+            </a:r>
+            <a:r>
+              <a:rPr sz="1800">
+                <a:latin typeface="Courier"/>
+              </a:rPr>
+              <a:t>(sunspot.year)</a:t>
+            </a:r>
+          </a:p>
+          <a:p>
+            <a:pPr lvl="0" marL="1270000" indent="0">
+              <a:buNone/>
+            </a:pPr>
+            <a:r>
+              <a:rPr sz="1800">
+                <a:latin typeface="Courier"/>
+              </a:rPr>
+              <a:t>## $tsp
+## [1] 1700 1988    1
+## 
+## $class
+## [1] "ts"</a:t>
+            </a:r>
+          </a:p>
+        </p:txBody>
+      </p:sp>
+    </p:spTree>
+  </p:cSld>
+</p:sld>
+</file>
+
+<file path=ppt/slides/slide31.xml><?xml version="1.0" encoding="utf-8"?>
+<p:sld xmlns:a="http://schemas.openxmlformats.org/drawingml/2006/main" xmlns:r="http://schemas.openxmlformats.org/officeDocument/2006/relationships" xmlns:p="http://schemas.openxmlformats.org/presentationml/2006/main">
+  <p:cSld>
+    <p:spTree>
+      <p:nvGrpSpPr>
+        <p:cNvPr id="1" name=""/>
+        <p:cNvGrpSpPr/>
+        <p:nvPr/>
+      </p:nvGrpSpPr>
+      <p:grpSpPr>
+        <a:xfrm>
+          <a:off x="0" y="0"/>
+          <a:ext cx="0" cy="0"/>
+          <a:chOff x="0" y="0"/>
+          <a:chExt cx="0" cy="0"/>
+        </a:xfrm>
+      </p:grpSpPr>
+      <p:sp>
+        <p:nvSpPr>
+          <p:cNvPr id="2" name="Title 1"/>
+          <p:cNvSpPr>
+            <a:spLocks noGrp="1"/>
+          </p:cNvSpPr>
+          <p:nvPr>
+            <p:ph type="title"/>
+          </p:nvPr>
+        </p:nvSpPr>
+        <p:spPr/>
+        <p:txBody>
+          <a:bodyPr/>
+          <a:lstStyle/>
+          <a:p>
+            <a:pPr lvl="0" marL="0" indent="0">
+              <a:buNone/>
+            </a:pPr>
+            <a:r>
+              <a:rPr/>
+              <a:t>Plot</a:t>
+            </a:r>
+            <a:r>
+              <a:rPr/>
+              <a:t> </a:t>
+            </a:r>
+            <a:r>
+              <a:rPr/>
+              <a:t>of</a:t>
+            </a:r>
+            <a:r>
+              <a:rPr/>
+              <a:t> </a:t>
+            </a:r>
+            <a:r>
+              <a:rPr/>
+              <a:t>sunspot.year</a:t>
+            </a:r>
+          </a:p>
+        </p:txBody>
+      </p:sp>
+      <p:pic>
+        <p:nvPicPr>
+          <p:cNvPr descr="basics_files/figure-pptx/sunspot-plot-1.png" id="0" name="Picture 1"/>
+          <p:cNvPicPr>
+            <a:picLocks noGrp="1" noChangeAspect="1"/>
+          </p:cNvPicPr>
+          <p:nvPr/>
+        </p:nvPicPr>
+        <p:blipFill>
+          <a:blip r:embed="rId2"/>
+          <a:stretch>
+            <a:fillRect/>
+          </a:stretch>
+        </p:blipFill>
+        <p:spPr bwMode="auto">
+          <a:xfrm>
+            <a:off x="1752600" y="1600200"/>
+            <a:ext cx="5651500" cy="4521200"/>
+          </a:xfrm>
+          <a:prstGeom prst="rect">
+            <a:avLst/>
+          </a:prstGeom>
+          <a:noFill/>
+          <a:ln w="9525">
+            <a:noFill/>
+            <a:headEnd/>
+            <a:tailEnd/>
+          </a:ln>
+        </p:spPr>
+      </p:pic>
+    </p:spTree>
+  </p:cSld>
+</p:sld>
+</file>
+
+<file path=ppt/slides/slide32.xml><?xml version="1.0" encoding="utf-8"?>
+<p:sld xmlns:a="http://schemas.openxmlformats.org/drawingml/2006/main" xmlns:r="http://schemas.openxmlformats.org/officeDocument/2006/relationships" xmlns:p="http://schemas.openxmlformats.org/presentationml/2006/main">
+  <p:cSld>
+    <p:spTree>
+      <p:nvGrpSpPr>
+        <p:cNvPr id="1" name=""/>
+        <p:cNvGrpSpPr/>
+        <p:nvPr/>
+      </p:nvGrpSpPr>
+      <p:grpSpPr>
+        <a:xfrm>
+          <a:off x="0" y="0"/>
+          <a:ext cx="0" cy="0"/>
+          <a:chOff x="0" y="0"/>
+          <a:chExt cx="0" cy="0"/>
+        </a:xfrm>
+      </p:grpSpPr>
+      <p:sp>
+        <p:nvSpPr>
+          <p:cNvPr id="2" name="Title 1"/>
+          <p:cNvSpPr>
+            <a:spLocks noGrp="1"/>
+          </p:cNvSpPr>
+          <p:nvPr>
+            <p:ph type="title"/>
+          </p:nvPr>
+        </p:nvSpPr>
+        <p:spPr/>
+        <p:txBody>
+          <a:bodyPr/>
+          <a:lstStyle/>
+          <a:p>
+            <a:pPr lvl="0" marL="0" indent="0">
+              <a:buNone/>
+            </a:pPr>
+            <a:r>
+              <a:rPr/>
+              <a:t>Structure</a:t>
+            </a:r>
+            <a:r>
+              <a:rPr/>
+              <a:t> </a:t>
+            </a:r>
+            <a:r>
+              <a:rPr/>
+              <a:t>of</a:t>
+            </a:r>
+            <a:r>
+              <a:rPr/>
+              <a:t> </a:t>
+            </a:r>
+            <a:r>
+              <a:rPr/>
+              <a:t>treering</a:t>
+            </a:r>
+          </a:p>
+        </p:txBody>
+      </p:sp>
+      <p:sp>
+        <p:nvSpPr>
+          <p:cNvPr id="3" name="Content Placeholder 2"/>
+          <p:cNvSpPr>
+            <a:spLocks noGrp="1"/>
+          </p:cNvSpPr>
+          <p:nvPr>
+            <p:ph idx="1"/>
+          </p:nvPr>
+        </p:nvSpPr>
+        <p:spPr/>
+        <p:txBody>
+          <a:bodyPr/>
+          <a:lstStyle/>
+          <a:p>
+            <a:pPr lvl="0" marL="1270000" indent="0">
+              <a:buNone/>
+            </a:pPr>
+            <a:r>
+              <a:rPr sz="1800" b="1">
+                <a:solidFill>
+                  <a:srgbClr val="007020"/>
+                </a:solidFill>
+                <a:latin typeface="Courier"/>
+              </a:rPr>
+              <a:t>str</a:t>
+            </a:r>
+            <a:r>
+              <a:rPr sz="1800">
+                <a:latin typeface="Courier"/>
+              </a:rPr>
+              <a:t>(treering)</a:t>
+            </a:r>
+          </a:p>
+          <a:p>
+            <a:pPr lvl="0" marL="1270000" indent="0">
+              <a:buNone/>
+            </a:pPr>
+            <a:r>
+              <a:rPr sz="1800">
+                <a:latin typeface="Courier"/>
+              </a:rPr>
+              <a:t>##  Time-Series [1:7980] from -6000 to 1979: 1.34 1.08 1.54 1.32 1.41 ...</a:t>
+            </a:r>
+          </a:p>
+          <a:p>
+            <a:pPr lvl="0" marL="1270000" indent="0">
+              <a:buNone/>
+            </a:pPr>
+            <a:r>
+              <a:rPr sz="1800" b="1">
+                <a:solidFill>
+                  <a:srgbClr val="007020"/>
+                </a:solidFill>
+                <a:latin typeface="Courier"/>
+              </a:rPr>
+              <a:t>attributes</a:t>
+            </a:r>
+            <a:r>
+              <a:rPr sz="1800">
+                <a:latin typeface="Courier"/>
+              </a:rPr>
+              <a:t>(treering)</a:t>
+            </a:r>
+          </a:p>
+          <a:p>
+            <a:pPr lvl="0" marL="1270000" indent="0">
+              <a:buNone/>
+            </a:pPr>
+            <a:r>
+              <a:rPr sz="1800">
+                <a:latin typeface="Courier"/>
+              </a:rPr>
+              <a:t>## $tsp
+## [1] -6000  1979     1
+## 
+## $class
+## [1] "ts"</a:t>
+            </a:r>
+          </a:p>
+        </p:txBody>
+      </p:sp>
+    </p:spTree>
+  </p:cSld>
+</p:sld>
+</file>
+
+<file path=ppt/slides/slide33.xml><?xml version="1.0" encoding="utf-8"?>
+<p:sld xmlns:a="http://schemas.openxmlformats.org/drawingml/2006/main" xmlns:r="http://schemas.openxmlformats.org/officeDocument/2006/relationships" xmlns:p="http://schemas.openxmlformats.org/presentationml/2006/main">
+  <p:cSld>
+    <p:spTree>
+      <p:nvGrpSpPr>
+        <p:cNvPr id="1" name=""/>
+        <p:cNvGrpSpPr/>
+        <p:nvPr/>
+      </p:nvGrpSpPr>
+      <p:grpSpPr>
+        <a:xfrm>
+          <a:off x="0" y="0"/>
+          <a:ext cx="0" cy="0"/>
+          <a:chOff x="0" y="0"/>
+          <a:chExt cx="0" cy="0"/>
+        </a:xfrm>
+      </p:grpSpPr>
+      <p:sp>
+        <p:nvSpPr>
+          <p:cNvPr id="2" name="Title 1"/>
+          <p:cNvSpPr>
+            <a:spLocks noGrp="1"/>
+          </p:cNvSpPr>
+          <p:nvPr>
+            <p:ph type="title"/>
+          </p:nvPr>
+        </p:nvSpPr>
+        <p:spPr/>
+        <p:txBody>
+          <a:bodyPr/>
+          <a:lstStyle/>
+          <a:p>
+            <a:pPr lvl="0" marL="0" indent="0">
+              <a:buNone/>
+            </a:pPr>
+            <a:r>
+              <a:rPr/>
               <a:t>Plot</a:t>
             </a:r>
             <a:r>
@@ -5856,7 +7198,7 @@
 </p:sld>
 </file>
 
-<file path=ppt/slides/slide31.xml><?xml version="1.0" encoding="utf-8"?>
+<file path=ppt/slides/slide34.xml><?xml version="1.0" encoding="utf-8"?>
 <p:sld xmlns:a="http://schemas.openxmlformats.org/drawingml/2006/main" xmlns:r="http://schemas.openxmlformats.org/officeDocument/2006/relationships" xmlns:p="http://schemas.openxmlformats.org/presentationml/2006/main">
   <p:cSld>
     <p:spTree>
@@ -5985,7 +7327,7 @@
 </p:sld>
 </file>
 
-<file path=ppt/slides/slide32.xml><?xml version="1.0" encoding="utf-8"?>
+<file path=ppt/slides/slide35.xml><?xml version="1.0" encoding="utf-8"?>
 <p:sld xmlns:a="http://schemas.openxmlformats.org/drawingml/2006/main" xmlns:r="http://schemas.openxmlformats.org/officeDocument/2006/relationships" xmlns:p="http://schemas.openxmlformats.org/presentationml/2006/main">
   <p:cSld>
     <p:spTree>
@@ -6078,7 +7420,7 @@
 </p:sld>
 </file>
 
-<file path=ppt/slides/slide33.xml><?xml version="1.0" encoding="utf-8"?>
+<file path=ppt/slides/slide36.xml><?xml version="1.0" encoding="utf-8"?>
 <p:sld xmlns:a="http://schemas.openxmlformats.org/drawingml/2006/main" xmlns:r="http://schemas.openxmlformats.org/officeDocument/2006/relationships" xmlns:p="http://schemas.openxmlformats.org/presentationml/2006/main">
   <p:cSld>
     <p:spTree>
@@ -6207,7 +7549,7 @@
 </p:sld>
 </file>
 
-<file path=ppt/slides/slide34.xml><?xml version="1.0" encoding="utf-8"?>
+<file path=ppt/slides/slide37.xml><?xml version="1.0" encoding="utf-8"?>
 <p:sld xmlns:a="http://schemas.openxmlformats.org/drawingml/2006/main" xmlns:r="http://schemas.openxmlformats.org/officeDocument/2006/relationships" xmlns:p="http://schemas.openxmlformats.org/presentationml/2006/main">
   <p:cSld>
     <p:spTree>
@@ -6292,7 +7634,7 @@
 </p:sld>
 </file>
 
-<file path=ppt/slides/slide35.xml><?xml version="1.0" encoding="utf-8"?>
+<file path=ppt/slides/slide38.xml><?xml version="1.0" encoding="utf-8"?>
 <p:sld xmlns:a="http://schemas.openxmlformats.org/drawingml/2006/main" xmlns:r="http://schemas.openxmlformats.org/officeDocument/2006/relationships" xmlns:p="http://schemas.openxmlformats.org/presentationml/2006/main">
   <p:cSld>
     <p:spTree>

--- a/src/basics.pptx
+++ b/src/basics.pptx
@@ -43,6 +43,13 @@
     <p:sldId id="291" r:id="rId37"/>
     <p:sldId id="292" r:id="rId38"/>
     <p:sldId id="293" r:id="rId39"/>
+    <p:sldId id="294" r:id="rId40"/>
+    <p:sldId id="295" r:id="rId41"/>
+    <p:sldId id="296" r:id="rId42"/>
+    <p:sldId id="297" r:id="rId43"/>
+    <p:sldId id="298" r:id="rId44"/>
+    <p:sldId id="299" r:id="rId45"/>
+    <p:sldId id="300" r:id="rId46"/>
   </p:sldIdLst>
   <p:sldSz cx="9144000" cy="6858000" type="screen4x3"/>
   <p:notesSz cx="6858000" cy="9144000"/>
@@ -3309,14 +3316,30 @@
             </a:r>
             <a:r>
               <a:rPr/>
-              <a:t>UKGas</a:t>
+              <a:t>of</a:t>
+            </a:r>
+            <a:r>
+              <a:rPr/>
+              <a:t> </a:t>
+            </a:r>
+            <a:r>
+              <a:rPr/>
+              <a:t>co2</a:t>
+            </a:r>
+            <a:r>
+              <a:rPr/>
+              <a:t> </a:t>
+            </a:r>
+            <a:r>
+              <a:rPr/>
+              <a:t>decomposition</a:t>
             </a:r>
           </a:p>
         </p:txBody>
       </p:sp>
       <p:pic>
         <p:nvPicPr>
-          <p:cNvPr descr="basics_files/figure-pptx/UKgas-plot-1.png" id="0" name="Picture 1"/>
+          <p:cNvPr descr="basics_files/figure-pptx/co2-decomp-plot-1.png" id="0" name="Picture 1"/>
           <p:cNvPicPr>
             <a:picLocks noGrp="1" noChangeAspect="1"/>
           </p:cNvPicPr>
@@ -3386,6 +3409,499 @@
             </a:pPr>
             <a:r>
               <a:rPr/>
+              <a:t>Deseasonalizing</a:t>
+            </a:r>
+            <a:r>
+              <a:rPr/>
+              <a:t> </a:t>
+            </a:r>
+            <a:r>
+              <a:rPr/>
+              <a:t>co2</a:t>
+            </a:r>
+          </a:p>
+        </p:txBody>
+      </p:sp>
+      <p:pic>
+        <p:nvPicPr>
+          <p:cNvPr descr="basics_files/figure-pptx/co2-deseasonal-1.png" id="0" name="Picture 1"/>
+          <p:cNvPicPr>
+            <a:picLocks noGrp="1" noChangeAspect="1"/>
+          </p:cNvPicPr>
+          <p:nvPr/>
+        </p:nvPicPr>
+        <p:blipFill>
+          <a:blip r:embed="rId2"/>
+          <a:stretch>
+            <a:fillRect/>
+          </a:stretch>
+        </p:blipFill>
+        <p:spPr bwMode="auto">
+          <a:xfrm>
+            <a:off x="1752600" y="1600200"/>
+            <a:ext cx="5651500" cy="4521200"/>
+          </a:xfrm>
+          <a:prstGeom prst="rect">
+            <a:avLst/>
+          </a:prstGeom>
+          <a:noFill/>
+          <a:ln w="9525">
+            <a:noFill/>
+            <a:headEnd/>
+            <a:tailEnd/>
+          </a:ln>
+        </p:spPr>
+      </p:pic>
+    </p:spTree>
+  </p:cSld>
+</p:sld>
+</file>
+
+<file path=ppt/slides/slide12.xml><?xml version="1.0" encoding="utf-8"?>
+<p:sld xmlns:a="http://schemas.openxmlformats.org/drawingml/2006/main" xmlns:r="http://schemas.openxmlformats.org/officeDocument/2006/relationships" xmlns:p="http://schemas.openxmlformats.org/presentationml/2006/main">
+  <p:cSld>
+    <p:spTree>
+      <p:nvGrpSpPr>
+        <p:cNvPr id="1" name=""/>
+        <p:cNvGrpSpPr/>
+        <p:nvPr/>
+      </p:nvGrpSpPr>
+      <p:grpSpPr>
+        <a:xfrm>
+          <a:off x="0" y="0"/>
+          <a:ext cx="0" cy="0"/>
+          <a:chOff x="0" y="0"/>
+          <a:chExt cx="0" cy="0"/>
+        </a:xfrm>
+      </p:grpSpPr>
+      <p:sp>
+        <p:nvSpPr>
+          <p:cNvPr id="2" name="Title 1"/>
+          <p:cNvSpPr>
+            <a:spLocks noGrp="1"/>
+          </p:cNvSpPr>
+          <p:nvPr>
+            <p:ph type="title"/>
+          </p:nvPr>
+        </p:nvSpPr>
+        <p:spPr/>
+        <p:txBody>
+          <a:bodyPr/>
+          <a:lstStyle/>
+          <a:p>
+            <a:pPr lvl="0" marL="0" indent="0">
+              <a:buNone/>
+            </a:pPr>
+            <a:r>
+              <a:rPr/>
+              <a:t>Detrending</a:t>
+            </a:r>
+            <a:r>
+              <a:rPr/>
+              <a:t> </a:t>
+            </a:r>
+            <a:r>
+              <a:rPr/>
+              <a:t>co2</a:t>
+            </a:r>
+          </a:p>
+        </p:txBody>
+      </p:sp>
+      <p:pic>
+        <p:nvPicPr>
+          <p:cNvPr descr="basics_files/figure-pptx/co2-detrend-1.png" id="0" name="Picture 1"/>
+          <p:cNvPicPr>
+            <a:picLocks noGrp="1" noChangeAspect="1"/>
+          </p:cNvPicPr>
+          <p:nvPr/>
+        </p:nvPicPr>
+        <p:blipFill>
+          <a:blip r:embed="rId2"/>
+          <a:stretch>
+            <a:fillRect/>
+          </a:stretch>
+        </p:blipFill>
+        <p:spPr bwMode="auto">
+          <a:xfrm>
+            <a:off x="1752600" y="1600200"/>
+            <a:ext cx="5651500" cy="4521200"/>
+          </a:xfrm>
+          <a:prstGeom prst="rect">
+            <a:avLst/>
+          </a:prstGeom>
+          <a:noFill/>
+          <a:ln w="9525">
+            <a:noFill/>
+            <a:headEnd/>
+            <a:tailEnd/>
+          </a:ln>
+        </p:spPr>
+      </p:pic>
+    </p:spTree>
+  </p:cSld>
+</p:sld>
+</file>
+
+<file path=ppt/slides/slide13.xml><?xml version="1.0" encoding="utf-8"?>
+<p:sld xmlns:a="http://schemas.openxmlformats.org/drawingml/2006/main" xmlns:r="http://schemas.openxmlformats.org/officeDocument/2006/relationships" xmlns:p="http://schemas.openxmlformats.org/presentationml/2006/main">
+  <p:cSld>
+    <p:spTree>
+      <p:nvGrpSpPr>
+        <p:cNvPr id="1" name=""/>
+        <p:cNvGrpSpPr/>
+        <p:nvPr/>
+      </p:nvGrpSpPr>
+      <p:grpSpPr>
+        <a:xfrm>
+          <a:off x="0" y="0"/>
+          <a:ext cx="0" cy="0"/>
+          <a:chOff x="0" y="0"/>
+          <a:chExt cx="0" cy="0"/>
+        </a:xfrm>
+      </p:grpSpPr>
+      <p:sp>
+        <p:nvSpPr>
+          <p:cNvPr id="2" name="Title 1"/>
+          <p:cNvSpPr>
+            <a:spLocks noGrp="1"/>
+          </p:cNvSpPr>
+          <p:nvPr>
+            <p:ph type="title"/>
+          </p:nvPr>
+        </p:nvSpPr>
+        <p:spPr/>
+        <p:txBody>
+          <a:bodyPr/>
+          <a:lstStyle/>
+          <a:p>
+            <a:pPr lvl="0" marL="0" indent="0">
+              <a:buNone/>
+            </a:pPr>
+            <a:r>
+              <a:rPr/>
+              <a:t>Both</a:t>
+            </a:r>
+            <a:r>
+              <a:rPr/>
+              <a:t> </a:t>
+            </a:r>
+            <a:r>
+              <a:rPr/>
+              <a:t>Detrending</a:t>
+            </a:r>
+            <a:r>
+              <a:rPr/>
+              <a:t> </a:t>
+            </a:r>
+            <a:r>
+              <a:rPr/>
+              <a:t>and</a:t>
+            </a:r>
+            <a:r>
+              <a:rPr/>
+              <a:t> </a:t>
+            </a:r>
+            <a:r>
+              <a:rPr/>
+              <a:t>deseasonalizing</a:t>
+            </a:r>
+            <a:r>
+              <a:rPr/>
+              <a:t> </a:t>
+            </a:r>
+            <a:r>
+              <a:rPr/>
+              <a:t>co2</a:t>
+            </a:r>
+          </a:p>
+        </p:txBody>
+      </p:sp>
+      <p:pic>
+        <p:nvPicPr>
+          <p:cNvPr descr="basics_files/figure-pptx/co2-both-1.png" id="0" name="Picture 1"/>
+          <p:cNvPicPr>
+            <a:picLocks noGrp="1" noChangeAspect="1"/>
+          </p:cNvPicPr>
+          <p:nvPr/>
+        </p:nvPicPr>
+        <p:blipFill>
+          <a:blip r:embed="rId2"/>
+          <a:stretch>
+            <a:fillRect/>
+          </a:stretch>
+        </p:blipFill>
+        <p:spPr bwMode="auto">
+          <a:xfrm>
+            <a:off x="1752600" y="1600200"/>
+            <a:ext cx="5651500" cy="4521200"/>
+          </a:xfrm>
+          <a:prstGeom prst="rect">
+            <a:avLst/>
+          </a:prstGeom>
+          <a:noFill/>
+          <a:ln w="9525">
+            <a:noFill/>
+            <a:headEnd/>
+            <a:tailEnd/>
+          </a:ln>
+        </p:spPr>
+      </p:pic>
+    </p:spTree>
+  </p:cSld>
+</p:sld>
+</file>
+
+<file path=ppt/slides/slide14.xml><?xml version="1.0" encoding="utf-8"?>
+<p:sld xmlns:a="http://schemas.openxmlformats.org/drawingml/2006/main" xmlns:r="http://schemas.openxmlformats.org/officeDocument/2006/relationships" xmlns:p="http://schemas.openxmlformats.org/presentationml/2006/main">
+  <p:cSld>
+    <p:spTree>
+      <p:nvGrpSpPr>
+        <p:cNvPr id="1" name=""/>
+        <p:cNvGrpSpPr/>
+        <p:nvPr/>
+      </p:nvGrpSpPr>
+      <p:grpSpPr>
+        <a:xfrm>
+          <a:off x="0" y="0"/>
+          <a:ext cx="0" cy="0"/>
+          <a:chOff x="0" y="0"/>
+          <a:chExt cx="0" cy="0"/>
+        </a:xfrm>
+      </p:grpSpPr>
+      <p:sp>
+        <p:nvSpPr>
+          <p:cNvPr id="2" name="Title 1"/>
+          <p:cNvSpPr>
+            <a:spLocks noGrp="1"/>
+          </p:cNvSpPr>
+          <p:nvPr>
+            <p:ph type="title"/>
+          </p:nvPr>
+        </p:nvSpPr>
+        <p:spPr/>
+        <p:txBody>
+          <a:bodyPr/>
+          <a:lstStyle/>
+          <a:p>
+            <a:pPr lvl="0" marL="0" indent="0">
+              <a:buNone/>
+            </a:pPr>
+            <a:r>
+              <a:rPr/>
+              <a:t>UKgas</a:t>
+            </a:r>
+          </a:p>
+        </p:txBody>
+      </p:sp>
+      <p:sp>
+        <p:nvSpPr>
+          <p:cNvPr id="3" name="Content Placeholder 2"/>
+          <p:cNvSpPr>
+            <a:spLocks noGrp="1"/>
+          </p:cNvSpPr>
+          <p:nvPr>
+            <p:ph idx="1"/>
+          </p:nvPr>
+        </p:nvSpPr>
+        <p:spPr/>
+        <p:txBody>
+          <a:bodyPr/>
+          <a:lstStyle/>
+          <a:p>
+            <a:pPr lvl="0" marL="1270000" indent="0">
+              <a:buNone/>
+            </a:pPr>
+            <a:r>
+              <a:rPr sz="1800" b="1">
+                <a:solidFill>
+                  <a:srgbClr val="007020"/>
+                </a:solidFill>
+                <a:latin typeface="Courier"/>
+              </a:rPr>
+              <a:t>str</a:t>
+            </a:r>
+            <a:r>
+              <a:rPr sz="1800">
+                <a:latin typeface="Courier"/>
+              </a:rPr>
+              <a:t>(UKgas)</a:t>
+            </a:r>
+          </a:p>
+          <a:p>
+            <a:pPr lvl="0" marL="1270000" indent="0">
+              <a:buNone/>
+            </a:pPr>
+            <a:r>
+              <a:rPr sz="1800">
+                <a:latin typeface="Courier"/>
+              </a:rPr>
+              <a:t>##  Time-Series [1:108] from 1960 to 1987: 160.1 129.7 84.8 120.1 160.1 ...</a:t>
+            </a:r>
+          </a:p>
+          <a:p>
+            <a:pPr lvl="0" marL="1270000" indent="0">
+              <a:buNone/>
+            </a:pPr>
+            <a:r>
+              <a:rPr sz="1800" b="1">
+                <a:solidFill>
+                  <a:srgbClr val="007020"/>
+                </a:solidFill>
+                <a:latin typeface="Courier"/>
+              </a:rPr>
+              <a:t>attributes</a:t>
+            </a:r>
+            <a:r>
+              <a:rPr sz="1800">
+                <a:latin typeface="Courier"/>
+              </a:rPr>
+              <a:t>(UKgas)</a:t>
+            </a:r>
+          </a:p>
+          <a:p>
+            <a:pPr lvl="0" marL="1270000" indent="0">
+              <a:buNone/>
+            </a:pPr>
+            <a:r>
+              <a:rPr sz="1800">
+                <a:latin typeface="Courier"/>
+              </a:rPr>
+              <a:t>## $tsp
+## [1] 1960.00 1986.75    4.00
+## 
+## $class
+## [1] "ts"</a:t>
+            </a:r>
+          </a:p>
+        </p:txBody>
+      </p:sp>
+    </p:spTree>
+  </p:cSld>
+</p:sld>
+</file>
+
+<file path=ppt/slides/slide15.xml><?xml version="1.0" encoding="utf-8"?>
+<p:sld xmlns:a="http://schemas.openxmlformats.org/drawingml/2006/main" xmlns:r="http://schemas.openxmlformats.org/officeDocument/2006/relationships" xmlns:p="http://schemas.openxmlformats.org/presentationml/2006/main">
+  <p:cSld>
+    <p:spTree>
+      <p:nvGrpSpPr>
+        <p:cNvPr id="1" name=""/>
+        <p:cNvGrpSpPr/>
+        <p:nvPr/>
+      </p:nvGrpSpPr>
+      <p:grpSpPr>
+        <a:xfrm>
+          <a:off x="0" y="0"/>
+          <a:ext cx="0" cy="0"/>
+          <a:chOff x="0" y="0"/>
+          <a:chExt cx="0" cy="0"/>
+        </a:xfrm>
+      </p:grpSpPr>
+      <p:sp>
+        <p:nvSpPr>
+          <p:cNvPr id="2" name="Title 1"/>
+          <p:cNvSpPr>
+            <a:spLocks noGrp="1"/>
+          </p:cNvSpPr>
+          <p:nvPr>
+            <p:ph type="title"/>
+          </p:nvPr>
+        </p:nvSpPr>
+        <p:spPr/>
+        <p:txBody>
+          <a:bodyPr/>
+          <a:lstStyle/>
+          <a:p>
+            <a:pPr lvl="0" marL="0" indent="0">
+              <a:buNone/>
+            </a:pPr>
+            <a:r>
+              <a:rPr/>
+              <a:t>Plot</a:t>
+            </a:r>
+            <a:r>
+              <a:rPr/>
+              <a:t> </a:t>
+            </a:r>
+            <a:r>
+              <a:rPr/>
+              <a:t>UKGas</a:t>
+            </a:r>
+          </a:p>
+        </p:txBody>
+      </p:sp>
+      <p:pic>
+        <p:nvPicPr>
+          <p:cNvPr descr="basics_files/figure-pptx/UKgas-plot-1.png" id="0" name="Picture 1"/>
+          <p:cNvPicPr>
+            <a:picLocks noGrp="1" noChangeAspect="1"/>
+          </p:cNvPicPr>
+          <p:nvPr/>
+        </p:nvPicPr>
+        <p:blipFill>
+          <a:blip r:embed="rId2"/>
+          <a:stretch>
+            <a:fillRect/>
+          </a:stretch>
+        </p:blipFill>
+        <p:spPr bwMode="auto">
+          <a:xfrm>
+            <a:off x="1752600" y="1600200"/>
+            <a:ext cx="5651500" cy="4521200"/>
+          </a:xfrm>
+          <a:prstGeom prst="rect">
+            <a:avLst/>
+          </a:prstGeom>
+          <a:noFill/>
+          <a:ln w="9525">
+            <a:noFill/>
+            <a:headEnd/>
+            <a:tailEnd/>
+          </a:ln>
+        </p:spPr>
+      </p:pic>
+    </p:spTree>
+  </p:cSld>
+</p:sld>
+</file>
+
+<file path=ppt/slides/slide16.xml><?xml version="1.0" encoding="utf-8"?>
+<p:sld xmlns:a="http://schemas.openxmlformats.org/drawingml/2006/main" xmlns:r="http://schemas.openxmlformats.org/officeDocument/2006/relationships" xmlns:p="http://schemas.openxmlformats.org/presentationml/2006/main">
+  <p:cSld>
+    <p:spTree>
+      <p:nvGrpSpPr>
+        <p:cNvPr id="1" name=""/>
+        <p:cNvGrpSpPr/>
+        <p:nvPr/>
+      </p:nvGrpSpPr>
+      <p:grpSpPr>
+        <a:xfrm>
+          <a:off x="0" y="0"/>
+          <a:ext cx="0" cy="0"/>
+          <a:chOff x="0" y="0"/>
+          <a:chExt cx="0" cy="0"/>
+        </a:xfrm>
+      </p:grpSpPr>
+      <p:sp>
+        <p:nvSpPr>
+          <p:cNvPr id="2" name="Title 1"/>
+          <p:cNvSpPr>
+            <a:spLocks noGrp="1"/>
+          </p:cNvSpPr>
+          <p:nvPr>
+            <p:ph type="title"/>
+          </p:nvPr>
+        </p:nvSpPr>
+        <p:spPr/>
+        <p:txBody>
+          <a:bodyPr/>
+          <a:lstStyle/>
+          <a:p>
+            <a:pPr lvl="0" marL="0" indent="0">
+              <a:buNone/>
+            </a:pPr>
+            <a:r>
+              <a:rPr/>
               <a:t>UKgas</a:t>
             </a:r>
             <a:r>
@@ -3513,7 +4029,7 @@
 </p:sld>
 </file>
 
-<file path=ppt/slides/slide12.xml><?xml version="1.0" encoding="utf-8"?>
+<file path=ppt/slides/slide17.xml><?xml version="1.0" encoding="utf-8"?>
 <p:sld xmlns:a="http://schemas.openxmlformats.org/drawingml/2006/main" xmlns:r="http://schemas.openxmlformats.org/officeDocument/2006/relationships" xmlns:p="http://schemas.openxmlformats.org/presentationml/2006/main">
   <p:cSld>
     <p:spTree>
@@ -3614,7 +4130,652 @@
 </p:sld>
 </file>
 
-<file path=ppt/slides/slide13.xml><?xml version="1.0" encoding="utf-8"?>
+<file path=ppt/slides/slide18.xml><?xml version="1.0" encoding="utf-8"?>
+<p:sld xmlns:a="http://schemas.openxmlformats.org/drawingml/2006/main" xmlns:r="http://schemas.openxmlformats.org/officeDocument/2006/relationships" xmlns:p="http://schemas.openxmlformats.org/presentationml/2006/main">
+  <p:cSld>
+    <p:spTree>
+      <p:nvGrpSpPr>
+        <p:cNvPr id="1" name=""/>
+        <p:cNvGrpSpPr/>
+        <p:nvPr/>
+      </p:nvGrpSpPr>
+      <p:grpSpPr>
+        <a:xfrm>
+          <a:off x="0" y="0"/>
+          <a:ext cx="0" cy="0"/>
+          <a:chOff x="0" y="0"/>
+          <a:chExt cx="0" cy="0"/>
+        </a:xfrm>
+      </p:grpSpPr>
+      <p:sp>
+        <p:nvSpPr>
+          <p:cNvPr id="2" name="Title 1"/>
+          <p:cNvSpPr>
+            <a:spLocks noGrp="1"/>
+          </p:cNvSpPr>
+          <p:nvPr>
+            <p:ph type="title"/>
+          </p:nvPr>
+        </p:nvSpPr>
+        <p:spPr/>
+        <p:txBody>
+          <a:bodyPr/>
+          <a:lstStyle/>
+          <a:p>
+            <a:pPr lvl="0" marL="0" indent="0">
+              <a:buNone/>
+            </a:pPr>
+            <a:r>
+              <a:rPr/>
+              <a:t>White</a:t>
+            </a:r>
+            <a:r>
+              <a:rPr/>
+              <a:t> </a:t>
+            </a:r>
+            <a:r>
+              <a:rPr/>
+              <a:t>noise</a:t>
+            </a:r>
+          </a:p>
+        </p:txBody>
+      </p:sp>
+      <p:pic>
+        <p:nvPicPr>
+          <p:cNvPr descr="basics_files/figure-pptx/white-noise-1.png" id="0" name="Picture 1"/>
+          <p:cNvPicPr>
+            <a:picLocks noGrp="1" noChangeAspect="1"/>
+          </p:cNvPicPr>
+          <p:nvPr/>
+        </p:nvPicPr>
+        <p:blipFill>
+          <a:blip r:embed="rId2"/>
+          <a:stretch>
+            <a:fillRect/>
+          </a:stretch>
+        </p:blipFill>
+        <p:spPr bwMode="auto">
+          <a:xfrm>
+            <a:off x="1752600" y="1600200"/>
+            <a:ext cx="5651500" cy="4521200"/>
+          </a:xfrm>
+          <a:prstGeom prst="rect">
+            <a:avLst/>
+          </a:prstGeom>
+          <a:noFill/>
+          <a:ln w="9525">
+            <a:noFill/>
+            <a:headEnd/>
+            <a:tailEnd/>
+          </a:ln>
+        </p:spPr>
+      </p:pic>
+    </p:spTree>
+  </p:cSld>
+</p:sld>
+</file>
+
+<file path=ppt/slides/slide19.xml><?xml version="1.0" encoding="utf-8"?>
+<p:sld xmlns:a="http://schemas.openxmlformats.org/drawingml/2006/main" xmlns:r="http://schemas.openxmlformats.org/officeDocument/2006/relationships" xmlns:p="http://schemas.openxmlformats.org/presentationml/2006/main">
+  <p:cSld>
+    <p:spTree>
+      <p:nvGrpSpPr>
+        <p:cNvPr id="1" name=""/>
+        <p:cNvGrpSpPr/>
+        <p:nvPr/>
+      </p:nvGrpSpPr>
+      <p:grpSpPr>
+        <a:xfrm>
+          <a:off x="0" y="0"/>
+          <a:ext cx="0" cy="0"/>
+          <a:chOff x="0" y="0"/>
+          <a:chExt cx="0" cy="0"/>
+        </a:xfrm>
+      </p:grpSpPr>
+      <p:sp>
+        <p:nvSpPr>
+          <p:cNvPr id="2" name="Title 1"/>
+          <p:cNvSpPr>
+            <a:spLocks noGrp="1"/>
+          </p:cNvSpPr>
+          <p:nvPr>
+            <p:ph type="title"/>
+          </p:nvPr>
+        </p:nvSpPr>
+        <p:spPr/>
+        <p:txBody>
+          <a:bodyPr/>
+          <a:lstStyle/>
+          <a:p>
+            <a:pPr lvl="0" marL="0" indent="0">
+              <a:buNone/>
+            </a:pPr>
+            <a:r>
+              <a:rPr/>
+              <a:t>Correlation</a:t>
+            </a:r>
+            <a:r>
+              <a:rPr/>
+              <a:t> </a:t>
+            </a:r>
+            <a:r>
+              <a:rPr/>
+              <a:t>matrix</a:t>
+            </a:r>
+          </a:p>
+        </p:txBody>
+      </p:sp>
+      <mc:AlternateContent xmlns:mc="http://schemas.openxmlformats.org/markup-compatibility/2006">
+        <mc:Choice xmlns:a14="http://schemas.microsoft.com/office/drawing/2010/main" Requires="a14">
+          <p:sp>
+            <p:nvSpPr>
+              <p:cNvPr id="3" name="Content Placeholder 2"/>
+              <p:cNvSpPr>
+                <a:spLocks noGrp="1"/>
+              </p:cNvSpPr>
+              <p:nvPr>
+                <p:ph idx="1"/>
+              </p:nvPr>
+            </p:nvSpPr>
+            <p:spPr/>
+            <p:txBody>
+              <a:bodyPr/>
+              <a:lstStyle/>
+              <a:p>
+                <a:pPr lvl="0" marL="0" indent="0">
+                  <a:buNone/>
+                </a:pPr>
+                <a14:m>
+                  <m:oMath xmlns:m="http://schemas.openxmlformats.org/officeDocument/2006/math">
+                    <m:sSub>
+                      <m:e>
+                        <m:r>
+                          <m:t>Z</m:t>
+                        </m:r>
+                      </m:e>
+                      <m:sub>
+                        <m:r>
+                          <m:t>t</m:t>
+                        </m:r>
+                      </m:sub>
+                    </m:sSub>
+                    <m:r>
+                      <m:t>=</m:t>
+                    </m:r>
+                    <m:sSub>
+                      <m:e>
+                        <m:r>
+                          <m:t>ϵ</m:t>
+                        </m:r>
+                      </m:e>
+                      <m:sub>
+                        <m:r>
+                          <m:t>t</m:t>
+                        </m:r>
+                      </m:sub>
+                    </m:sSub>
+                  </m:oMath>
+                </a14:m>
+              </a:p>
+              <a:p>
+                <a:pPr lvl="0" marL="0" indent="0">
+                  <a:buNone/>
+                </a:pPr>
+                <a14:m>
+                  <m:oMathPara xmlns:m="http://schemas.openxmlformats.org/officeDocument/2006/math">
+                    <m:oMathParaPr>
+                      <m:jc m:val="center"/>
+                    </m:oMathParaPr>
+                    <m:oMath>
+                      <m:m>
+                        <m:mPr>
+                          <m:baseJc m:val="center"/>
+                          <m:plcHide m:val="1"/>
+                          <m:mcs>
+                            <m:mc>
+                              <m:mcPr>
+                                <m:mcJc m:val="center"/>
+                                <m:count m:val="1"/>
+                              </m:mcPr>
+                            </m:mc>
+                            <m:mc>
+                              <m:mcPr>
+                                <m:mcJc m:val="center"/>
+                                <m:count m:val="1"/>
+                              </m:mcPr>
+                            </m:mc>
+                            <m:mc>
+                              <m:mcPr>
+                                <m:mcJc m:val="center"/>
+                                <m:count m:val="1"/>
+                              </m:mcPr>
+                            </m:mc>
+                            <m:mc>
+                              <m:mcPr>
+                                <m:mcJc m:val="center"/>
+                                <m:count m:val="1"/>
+                              </m:mcPr>
+                            </m:mc>
+                            <m:mc>
+                              <m:mcPr>
+                                <m:mcJc m:val="center"/>
+                                <m:count m:val="1"/>
+                              </m:mcPr>
+                            </m:mc>
+                            <m:mc>
+                              <m:mcPr>
+                                <m:mcJc m:val="center"/>
+                                <m:count m:val="1"/>
+                              </m:mcPr>
+                            </m:mc>
+                            <m:mc>
+                              <m:mcPr>
+                                <m:mcJc m:val="center"/>
+                                <m:count m:val="1"/>
+                              </m:mcPr>
+                            </m:mc>
+                          </m:mcs>
+                        </m:mPr>
+                        <m:mr>
+                          <m:e>
+                            <m:r>
+                              <m:t>1</m:t>
+                            </m:r>
+                          </m:e>
+                          <m:e>
+                            <m:r>
+                              <m:t>0</m:t>
+                            </m:r>
+                          </m:e>
+                          <m:e>
+                            <m:r>
+                              <m:t>0</m:t>
+                            </m:r>
+                          </m:e>
+                          <m:e>
+                            <m:r>
+                              <m:t>0</m:t>
+                            </m:r>
+                          </m:e>
+                          <m:e>
+                            <m:r>
+                              <m:t>⋯</m:t>
+                            </m:r>
+                          </m:e>
+                          <m:e>
+                            <m:r>
+                              <m:t>0</m:t>
+                            </m:r>
+                          </m:e>
+                          <m:e>
+                            <m:r>
+                              <m:t>0</m:t>
+                            </m:r>
+                          </m:e>
+                        </m:mr>
+                        <m:mr>
+                          <m:e>
+                            <m:r>
+                              <m:t>0</m:t>
+                            </m:r>
+                          </m:e>
+                          <m:e>
+                            <m:r>
+                              <m:t>1</m:t>
+                            </m:r>
+                          </m:e>
+                          <m:e>
+                            <m:r>
+                              <m:t>0</m:t>
+                            </m:r>
+                          </m:e>
+                          <m:e>
+                            <m:r>
+                              <m:t>0</m:t>
+                            </m:r>
+                          </m:e>
+                          <m:e>
+                            <m:r>
+                              <m:t>⋯</m:t>
+                            </m:r>
+                          </m:e>
+                          <m:e>
+                            <m:r>
+                              <m:t>0</m:t>
+                            </m:r>
+                          </m:e>
+                          <m:e>
+                            <m:r>
+                              <m:t>0</m:t>
+                            </m:r>
+                          </m:e>
+                        </m:mr>
+                        <m:mr>
+                          <m:e>
+                            <m:r>
+                              <m:t>0</m:t>
+                            </m:r>
+                          </m:e>
+                          <m:e>
+                            <m:r>
+                              <m:t>0</m:t>
+                            </m:r>
+                          </m:e>
+                          <m:e>
+                            <m:r>
+                              <m:t>1</m:t>
+                            </m:r>
+                          </m:e>
+                          <m:e>
+                            <m:r>
+                              <m:t>0</m:t>
+                            </m:r>
+                          </m:e>
+                          <m:e>
+                            <m:r>
+                              <m:t>⋯</m:t>
+                            </m:r>
+                          </m:e>
+                          <m:e>
+                            <m:r>
+                              <m:t>0</m:t>
+                            </m:r>
+                          </m:e>
+                          <m:e>
+                            <m:r>
+                              <m:t>0</m:t>
+                            </m:r>
+                          </m:e>
+                        </m:mr>
+                        <m:mr>
+                          <m:e>
+                            <m:r>
+                              <m:t>0</m:t>
+                            </m:r>
+                          </m:e>
+                          <m:e>
+                            <m:r>
+                              <m:t>0</m:t>
+                            </m:r>
+                          </m:e>
+                          <m:e>
+                            <m:r>
+                              <m:t>0</m:t>
+                            </m:r>
+                          </m:e>
+                          <m:e>
+                            <m:r>
+                              <m:t>1</m:t>
+                            </m:r>
+                          </m:e>
+                          <m:e>
+                            <m:r>
+                              <m:t>⋯</m:t>
+                            </m:r>
+                          </m:e>
+                          <m:e>
+                            <m:r>
+                              <m:t>0</m:t>
+                            </m:r>
+                          </m:e>
+                          <m:e>
+                            <m:r>
+                              <m:t>0</m:t>
+                            </m:r>
+                          </m:e>
+                        </m:mr>
+                        <m:mr>
+                          <m:e>
+                            <m:r>
+                              <m:t>⋮</m:t>
+                            </m:r>
+                          </m:e>
+                          <m:e>
+                            <m:r>
+                              <m:t>⋮</m:t>
+                            </m:r>
+                          </m:e>
+                          <m:e>
+                            <m:r>
+                              <m:t>⋮</m:t>
+                            </m:r>
+                          </m:e>
+                          <m:e>
+                            <m:r>
+                              <m:t>⋮</m:t>
+                            </m:r>
+                          </m:e>
+                          <m:e>
+                            <m:r>
+                              <m:t>⋱</m:t>
+                            </m:r>
+                          </m:e>
+                          <m:e>
+                            <m:r>
+                              <m:t>⋮</m:t>
+                            </m:r>
+                          </m:e>
+                          <m:e>
+                            <m:r>
+                              <m:t>⋮</m:t>
+                            </m:r>
+                          </m:e>
+                        </m:mr>
+                        <m:mr>
+                          <m:e>
+                            <m:r>
+                              <m:t>0</m:t>
+                            </m:r>
+                          </m:e>
+                          <m:e>
+                            <m:r>
+                              <m:t>0</m:t>
+                            </m:r>
+                          </m:e>
+                          <m:e>
+                            <m:r>
+                              <m:t>0</m:t>
+                            </m:r>
+                          </m:e>
+                          <m:e>
+                            <m:r>
+                              <m:t>0</m:t>
+                            </m:r>
+                          </m:e>
+                          <m:e>
+                            <m:r>
+                              <m:t>⋯</m:t>
+                            </m:r>
+                          </m:e>
+                          <m:e>
+                            <m:r>
+                              <m:t>1</m:t>
+                            </m:r>
+                          </m:e>
+                          <m:e>
+                            <m:r>
+                              <m:t>0</m:t>
+                            </m:r>
+                          </m:e>
+                        </m:mr>
+                        <m:mr>
+                          <m:e>
+                            <m:r>
+                              <m:t>0</m:t>
+                            </m:r>
+                          </m:e>
+                          <m:e>
+                            <m:r>
+                              <m:t>0</m:t>
+                            </m:r>
+                          </m:e>
+                          <m:e>
+                            <m:r>
+                              <m:t>0</m:t>
+                            </m:r>
+                          </m:e>
+                          <m:e>
+                            <m:r>
+                              <m:t>0</m:t>
+                            </m:r>
+                          </m:e>
+                          <m:e>
+                            <m:r>
+                              <m:t>⋯</m:t>
+                            </m:r>
+                          </m:e>
+                          <m:e>
+                            <m:r>
+                              <m:t>0</m:t>
+                            </m:r>
+                          </m:e>
+                          <m:e>
+                            <m:r>
+                              <m:t>1</m:t>
+                            </m:r>
+                          </m:e>
+                        </m:mr>
+                      </m:m>
+                    </m:oMath>
+                  </m:oMathPara>
+                </a14:m>
+              </a:p>
+            </p:txBody>
+          </p:sp>
+        </mc:Choice>
+      </mc:AlternateContent>
+    </p:spTree>
+  </p:cSld>
+</p:sld>
+</file>
+
+<file path=ppt/slides/slide2.xml><?xml version="1.0" encoding="utf-8"?>
+<p:sld xmlns:a="http://schemas.openxmlformats.org/drawingml/2006/main" xmlns:r="http://schemas.openxmlformats.org/officeDocument/2006/relationships" xmlns:p="http://schemas.openxmlformats.org/presentationml/2006/main">
+  <p:cSld>
+    <p:spTree>
+      <p:nvGrpSpPr>
+        <p:cNvPr id="1" name=""/>
+        <p:cNvGrpSpPr/>
+        <p:nvPr/>
+      </p:nvGrpSpPr>
+      <p:grpSpPr>
+        <a:xfrm>
+          <a:off x="0" y="0"/>
+          <a:ext cx="0" cy="0"/>
+          <a:chOff x="0" y="0"/>
+          <a:chExt cx="0" cy="0"/>
+        </a:xfrm>
+      </p:grpSpPr>
+      <p:sp>
+        <p:nvSpPr>
+          <p:cNvPr id="2" name="Title 1"/>
+          <p:cNvSpPr>
+            <a:spLocks noGrp="1"/>
+          </p:cNvSpPr>
+          <p:nvPr>
+            <p:ph type="title"/>
+          </p:nvPr>
+        </p:nvSpPr>
+        <p:spPr/>
+        <p:txBody>
+          <a:bodyPr/>
+          <a:lstStyle/>
+          <a:p>
+            <a:pPr lvl="0" marL="0" indent="0">
+              <a:buNone/>
+            </a:pPr>
+            <a:r>
+              <a:rPr/>
+              <a:t>Introduction</a:t>
+            </a:r>
+          </a:p>
+        </p:txBody>
+      </p:sp>
+      <p:sp>
+        <p:nvSpPr>
+          <p:cNvPr id="3" name="Content Placeholder 2"/>
+          <p:cNvSpPr>
+            <a:spLocks noGrp="1"/>
+          </p:cNvSpPr>
+          <p:nvPr>
+            <p:ph idx="1"/>
+          </p:nvPr>
+        </p:nvSpPr>
+        <p:spPr/>
+        <p:txBody>
+          <a:bodyPr/>
+          <a:lstStyle/>
+          <a:p>
+            <a:pPr lvl="1"/>
+            <a:r>
+              <a:rPr/>
+              <a:t>Keep things simple</a:t>
+            </a:r>
+          </a:p>
+          <a:p>
+            <a:pPr lvl="2"/>
+            <a:r>
+              <a:rPr/>
+              <a:t>Evenly spaced</a:t>
+            </a:r>
+          </a:p>
+          <a:p>
+            <a:pPr lvl="2"/>
+            <a:r>
+              <a:rPr/>
+              <a:t>No gaps</a:t>
+            </a:r>
+          </a:p>
+          <a:p>
+            <a:pPr lvl="2"/>
+            <a:r>
+              <a:rPr/>
+              <a:t>Single series</a:t>
+            </a:r>
+          </a:p>
+          <a:p>
+            <a:pPr lvl="1"/>
+            <a:r>
+              <a:rPr/>
+              <a:t>Topics covered</a:t>
+            </a:r>
+          </a:p>
+          <a:p>
+            <a:pPr lvl="2"/>
+            <a:r>
+              <a:rPr/>
+              <a:t>Structure</a:t>
+            </a:r>
+          </a:p>
+          <a:p>
+            <a:pPr lvl="2"/>
+            <a:r>
+              <a:rPr/>
+              <a:t>Plotting</a:t>
+            </a:r>
+          </a:p>
+          <a:p>
+            <a:pPr lvl="2"/>
+            <a:r>
+              <a:rPr/>
+              <a:t>Detrending and deseasonalizing</a:t>
+            </a:r>
+          </a:p>
+          <a:p>
+            <a:pPr lvl="2"/>
+            <a:r>
+              <a:rPr/>
+              <a:t>Basic Box-Jenkins models</a:t>
+            </a:r>
+          </a:p>
+        </p:txBody>
+      </p:sp>
+    </p:spTree>
+  </p:cSld>
+</p:sld>
+</file>
+
+<file path=ppt/slides/slide20.xml><?xml version="1.0" encoding="utf-8"?>
 <p:sld xmlns:a="http://schemas.openxmlformats.org/drawingml/2006/main" xmlns:r="http://schemas.openxmlformats.org/officeDocument/2006/relationships" xmlns:p="http://schemas.openxmlformats.org/presentationml/2006/main">
   <p:cSld>
     <p:spTree>
@@ -3951,222 +5112,6 @@
                   </m:oMath>
                 </a14:m>
               </a:p>
-              <a:p>
-                <a:pPr lvl="0" marL="0" indent="0">
-                  <a:buNone/>
-                </a:pPr>
-                <a14:m>
-                  <m:oMath xmlns:m="http://schemas.openxmlformats.org/officeDocument/2006/math">
-                    <m:r>
-                      <m:t>C</m:t>
-                    </m:r>
-                    <m:r>
-                      <m:t>o</m:t>
-                    </m:r>
-                    <m:r>
-                      <m:t>r</m:t>
-                    </m:r>
-                    <m:r>
-                      <m:t>r</m:t>
-                    </m:r>
-                    <m:r>
-                      <m:t>(</m:t>
-                    </m:r>
-                    <m:sSub>
-                      <m:e>
-                        <m:r>
-                          <m:t>Z</m:t>
-                        </m:r>
-                      </m:e>
-                      <m:sub>
-                        <m:r>
-                          <m:t>t</m:t>
-                        </m:r>
-                      </m:sub>
-                    </m:sSub>
-                    <m:r>
-                      <m:t>,</m:t>
-                    </m:r>
-                    <m:sSub>
-                      <m:e>
-                        <m:r>
-                          <m:t>Z</m:t>
-                        </m:r>
-                      </m:e>
-                      <m:sub>
-                        <m:r>
-                          <m:t>t</m:t>
-                        </m:r>
-                        <m:r>
-                          <m:t>−</m:t>
-                        </m:r>
-                        <m:r>
-                          <m:t>1</m:t>
-                        </m:r>
-                      </m:sub>
-                    </m:sSub>
-                    <m:r>
-                      <m:t>)</m:t>
-                    </m:r>
-                    <m:r>
-                      <m:t>=</m:t>
-                    </m:r>
-                    <m:r>
-                      <m:t>ϕ</m:t>
-                    </m:r>
-                  </m:oMath>
-                </a14:m>
-              </a:p>
-              <a:p>
-                <a:pPr lvl="0" marL="0" indent="0">
-                  <a:buNone/>
-                </a:pPr>
-                <a14:m>
-                  <m:oMath xmlns:m="http://schemas.openxmlformats.org/officeDocument/2006/math">
-                    <m:r>
-                      <m:t>C</m:t>
-                    </m:r>
-                    <m:r>
-                      <m:t>o</m:t>
-                    </m:r>
-                    <m:r>
-                      <m:t>r</m:t>
-                    </m:r>
-                    <m:r>
-                      <m:t>r</m:t>
-                    </m:r>
-                    <m:r>
-                      <m:t>(</m:t>
-                    </m:r>
-                    <m:sSub>
-                      <m:e>
-                        <m:r>
-                          <m:t>Z</m:t>
-                        </m:r>
-                      </m:e>
-                      <m:sub>
-                        <m:r>
-                          <m:t>t</m:t>
-                        </m:r>
-                      </m:sub>
-                    </m:sSub>
-                    <m:r>
-                      <m:t>,</m:t>
-                    </m:r>
-                    <m:sSub>
-                      <m:e>
-                        <m:r>
-                          <m:t>Z</m:t>
-                        </m:r>
-                      </m:e>
-                      <m:sub>
-                        <m:r>
-                          <m:t>t</m:t>
-                        </m:r>
-                        <m:r>
-                          <m:t>−</m:t>
-                        </m:r>
-                        <m:r>
-                          <m:t>2</m:t>
-                        </m:r>
-                      </m:sub>
-                    </m:sSub>
-                    <m:r>
-                      <m:t>)</m:t>
-                    </m:r>
-                    <m:r>
-                      <m:t>=</m:t>
-                    </m:r>
-                    <m:sSup>
-                      <m:e>
-                        <m:r>
-                          <m:t>ϕ</m:t>
-                        </m:r>
-                      </m:e>
-                      <m:sup>
-                        <m:r>
-                          <m:t>2</m:t>
-                        </m:r>
-                      </m:sup>
-                    </m:sSup>
-                  </m:oMath>
-                </a14:m>
-              </a:p>
-              <a:p>
-                <a:pPr lvl="0" marL="0" indent="0">
-                  <a:buNone/>
-                </a:pPr>
-                <a14:m>
-                  <m:oMath xmlns:m="http://schemas.openxmlformats.org/officeDocument/2006/math">
-                    <m:r>
-                      <m:t>C</m:t>
-                    </m:r>
-                    <m:r>
-                      <m:t>o</m:t>
-                    </m:r>
-                    <m:r>
-                      <m:t>r</m:t>
-                    </m:r>
-                    <m:r>
-                      <m:t>r</m:t>
-                    </m:r>
-                    <m:r>
-                      <m:t>(</m:t>
-                    </m:r>
-                    <m:sSub>
-                      <m:e>
-                        <m:r>
-                          <m:t>Z</m:t>
-                        </m:r>
-                      </m:e>
-                      <m:sub>
-                        <m:r>
-                          <m:t>t</m:t>
-                        </m:r>
-                      </m:sub>
-                    </m:sSub>
-                    <m:r>
-                      <m:t>,</m:t>
-                    </m:r>
-                    <m:sSub>
-                      <m:e>
-                        <m:r>
-                          <m:t>Z</m:t>
-                        </m:r>
-                      </m:e>
-                      <m:sub>
-                        <m:r>
-                          <m:t>t</m:t>
-                        </m:r>
-                        <m:r>
-                          <m:t>−</m:t>
-                        </m:r>
-                        <m:r>
-                          <m:t>3</m:t>
-                        </m:r>
-                      </m:sub>
-                    </m:sSub>
-                    <m:r>
-                      <m:t>)</m:t>
-                    </m:r>
-                    <m:r>
-                      <m:t>=</m:t>
-                    </m:r>
-                    <m:sSup>
-                      <m:e>
-                        <m:r>
-                          <m:t>ϕ</m:t>
-                        </m:r>
-                      </m:e>
-                      <m:sup>
-                        <m:r>
-                          <m:t>3</m:t>
-                        </m:r>
-                      </m:sup>
-                    </m:sSup>
-                  </m:oMath>
-                </a14:m>
-              </a:p>
             </p:txBody>
           </p:sp>
         </mc:Choice>
@@ -4176,7 +5121,7 @@
 </p:sld>
 </file>
 
-<file path=ppt/slides/slide14.xml><?xml version="1.0" encoding="utf-8"?>
+<file path=ppt/slides/slide21.xml><?xml version="1.0" encoding="utf-8"?>
 <p:sld xmlns:a="http://schemas.openxmlformats.org/drawingml/2006/main" xmlns:r="http://schemas.openxmlformats.org/officeDocument/2006/relationships" xmlns:p="http://schemas.openxmlformats.org/presentationml/2006/main">
   <p:cSld>
     <p:spTree>
@@ -4868,827 +5813,6 @@
 </p:sld>
 </file>
 
-<file path=ppt/slides/slide15.xml><?xml version="1.0" encoding="utf-8"?>
-<p:sld xmlns:a="http://schemas.openxmlformats.org/drawingml/2006/main" xmlns:r="http://schemas.openxmlformats.org/officeDocument/2006/relationships" xmlns:p="http://schemas.openxmlformats.org/presentationml/2006/main">
-  <p:cSld>
-    <p:spTree>
-      <p:nvGrpSpPr>
-        <p:cNvPr id="1" name=""/>
-        <p:cNvGrpSpPr/>
-        <p:nvPr/>
-      </p:nvGrpSpPr>
-      <p:grpSpPr>
-        <a:xfrm>
-          <a:off x="0" y="0"/>
-          <a:ext cx="0" cy="0"/>
-          <a:chOff x="0" y="0"/>
-          <a:chExt cx="0" cy="0"/>
-        </a:xfrm>
-      </p:grpSpPr>
-      <p:sp>
-        <p:nvSpPr>
-          <p:cNvPr id="2" name="Title 1"/>
-          <p:cNvSpPr>
-            <a:spLocks noGrp="1"/>
-          </p:cNvSpPr>
-          <p:nvPr>
-            <p:ph type="title"/>
-          </p:nvPr>
-        </p:nvSpPr>
-        <p:spPr/>
-        <p:txBody>
-          <a:bodyPr/>
-          <a:lstStyle/>
-          <a:p>
-            <a:pPr lvl="0" marL="0" indent="0">
-              <a:buNone/>
-            </a:pPr>
-            <a:r>
-              <a:rPr/>
-              <a:t>Positive</a:t>
-            </a:r>
-            <a:r>
-              <a:rPr/>
-              <a:t> </a:t>
-            </a:r>
-            <a:r>
-              <a:rPr/>
-              <a:t>autocorrelation</a:t>
-            </a:r>
-          </a:p>
-        </p:txBody>
-      </p:sp>
-      <p:pic>
-        <p:nvPicPr>
-          <p:cNvPr descr="basics_files/figure-pptx/pos-1.png" id="0" name="Picture 1"/>
-          <p:cNvPicPr>
-            <a:picLocks noGrp="1" noChangeAspect="1"/>
-          </p:cNvPicPr>
-          <p:nvPr/>
-        </p:nvPicPr>
-        <p:blipFill>
-          <a:blip r:embed="rId2"/>
-          <a:stretch>
-            <a:fillRect/>
-          </a:stretch>
-        </p:blipFill>
-        <p:spPr bwMode="auto">
-          <a:xfrm>
-            <a:off x="1752600" y="1600200"/>
-            <a:ext cx="5651500" cy="4521200"/>
-          </a:xfrm>
-          <a:prstGeom prst="rect">
-            <a:avLst/>
-          </a:prstGeom>
-          <a:noFill/>
-          <a:ln w="9525">
-            <a:noFill/>
-            <a:headEnd/>
-            <a:tailEnd/>
-          </a:ln>
-        </p:spPr>
-      </p:pic>
-    </p:spTree>
-  </p:cSld>
-</p:sld>
-</file>
-
-<file path=ppt/slides/slide16.xml><?xml version="1.0" encoding="utf-8"?>
-<p:sld xmlns:a="http://schemas.openxmlformats.org/drawingml/2006/main" xmlns:r="http://schemas.openxmlformats.org/officeDocument/2006/relationships" xmlns:p="http://schemas.openxmlformats.org/presentationml/2006/main">
-  <p:cSld>
-    <p:spTree>
-      <p:nvGrpSpPr>
-        <p:cNvPr id="1" name=""/>
-        <p:cNvGrpSpPr/>
-        <p:nvPr/>
-      </p:nvGrpSpPr>
-      <p:grpSpPr>
-        <a:xfrm>
-          <a:off x="0" y="0"/>
-          <a:ext cx="0" cy="0"/>
-          <a:chOff x="0" y="0"/>
-          <a:chExt cx="0" cy="0"/>
-        </a:xfrm>
-      </p:grpSpPr>
-      <p:sp>
-        <p:nvSpPr>
-          <p:cNvPr id="2" name="Title 1"/>
-          <p:cNvSpPr>
-            <a:spLocks noGrp="1"/>
-          </p:cNvSpPr>
-          <p:nvPr>
-            <p:ph type="title"/>
-          </p:nvPr>
-        </p:nvSpPr>
-        <p:spPr/>
-        <p:txBody>
-          <a:bodyPr/>
-          <a:lstStyle/>
-          <a:p>
-            <a:pPr lvl="0" marL="0" indent="0">
-              <a:buNone/>
-            </a:pPr>
-            <a:r>
-              <a:rPr/>
-              <a:t>Lag</a:t>
-            </a:r>
-            <a:r>
-              <a:rPr/>
-              <a:t> </a:t>
-            </a:r>
-            <a:r>
-              <a:rPr/>
-              <a:t>plot</a:t>
-            </a:r>
-          </a:p>
-        </p:txBody>
-      </p:sp>
-      <p:pic>
-        <p:nvPicPr>
-          <p:cNvPr descr="basics_files/figure-pptx/diff-pos-1.png" id="0" name="Picture 1"/>
-          <p:cNvPicPr>
-            <a:picLocks noGrp="1" noChangeAspect="1"/>
-          </p:cNvPicPr>
-          <p:nvPr/>
-        </p:nvPicPr>
-        <p:blipFill>
-          <a:blip r:embed="rId2"/>
-          <a:stretch>
-            <a:fillRect/>
-          </a:stretch>
-        </p:blipFill>
-        <p:spPr bwMode="auto">
-          <a:xfrm>
-            <a:off x="2311400" y="1600200"/>
-            <a:ext cx="4521200" cy="4521200"/>
-          </a:xfrm>
-          <a:prstGeom prst="rect">
-            <a:avLst/>
-          </a:prstGeom>
-          <a:noFill/>
-          <a:ln w="9525">
-            <a:noFill/>
-            <a:headEnd/>
-            <a:tailEnd/>
-          </a:ln>
-        </p:spPr>
-      </p:pic>
-    </p:spTree>
-  </p:cSld>
-</p:sld>
-</file>
-
-<file path=ppt/slides/slide17.xml><?xml version="1.0" encoding="utf-8"?>
-<p:sld xmlns:a="http://schemas.openxmlformats.org/drawingml/2006/main" xmlns:r="http://schemas.openxmlformats.org/officeDocument/2006/relationships" xmlns:p="http://schemas.openxmlformats.org/presentationml/2006/main">
-  <p:cSld>
-    <p:spTree>
-      <p:nvGrpSpPr>
-        <p:cNvPr id="1" name=""/>
-        <p:cNvGrpSpPr/>
-        <p:nvPr/>
-      </p:nvGrpSpPr>
-      <p:grpSpPr>
-        <a:xfrm>
-          <a:off x="0" y="0"/>
-          <a:ext cx="0" cy="0"/>
-          <a:chOff x="0" y="0"/>
-          <a:chExt cx="0" cy="0"/>
-        </a:xfrm>
-      </p:grpSpPr>
-      <p:sp>
-        <p:nvSpPr>
-          <p:cNvPr id="2" name="Title 1"/>
-          <p:cNvSpPr>
-            <a:spLocks noGrp="1"/>
-          </p:cNvSpPr>
-          <p:nvPr>
-            <p:ph type="title"/>
-          </p:nvPr>
-        </p:nvSpPr>
-        <p:spPr/>
-        <p:txBody>
-          <a:bodyPr/>
-          <a:lstStyle/>
-          <a:p>
-            <a:pPr lvl="0" marL="0" indent="0">
-              <a:buNone/>
-            </a:pPr>
-            <a:r>
-              <a:rPr/>
-              <a:t>Negative</a:t>
-            </a:r>
-            <a:r>
-              <a:rPr/>
-              <a:t> </a:t>
-            </a:r>
-            <a:r>
-              <a:rPr/>
-              <a:t>autocorrelation</a:t>
-            </a:r>
-          </a:p>
-        </p:txBody>
-      </p:sp>
-      <p:pic>
-        <p:nvPicPr>
-          <p:cNvPr descr="basics_files/figure-pptx/neg-1.png" id="0" name="Picture 1"/>
-          <p:cNvPicPr>
-            <a:picLocks noGrp="1" noChangeAspect="1"/>
-          </p:cNvPicPr>
-          <p:nvPr/>
-        </p:nvPicPr>
-        <p:blipFill>
-          <a:blip r:embed="rId2"/>
-          <a:stretch>
-            <a:fillRect/>
-          </a:stretch>
-        </p:blipFill>
-        <p:spPr bwMode="auto">
-          <a:xfrm>
-            <a:off x="1752600" y="1600200"/>
-            <a:ext cx="5651500" cy="4521200"/>
-          </a:xfrm>
-          <a:prstGeom prst="rect">
-            <a:avLst/>
-          </a:prstGeom>
-          <a:noFill/>
-          <a:ln w="9525">
-            <a:noFill/>
-            <a:headEnd/>
-            <a:tailEnd/>
-          </a:ln>
-        </p:spPr>
-      </p:pic>
-    </p:spTree>
-  </p:cSld>
-</p:sld>
-</file>
-
-<file path=ppt/slides/slide18.xml><?xml version="1.0" encoding="utf-8"?>
-<p:sld xmlns:a="http://schemas.openxmlformats.org/drawingml/2006/main" xmlns:r="http://schemas.openxmlformats.org/officeDocument/2006/relationships" xmlns:p="http://schemas.openxmlformats.org/presentationml/2006/main">
-  <p:cSld>
-    <p:spTree>
-      <p:nvGrpSpPr>
-        <p:cNvPr id="1" name=""/>
-        <p:cNvGrpSpPr/>
-        <p:nvPr/>
-      </p:nvGrpSpPr>
-      <p:grpSpPr>
-        <a:xfrm>
-          <a:off x="0" y="0"/>
-          <a:ext cx="0" cy="0"/>
-          <a:chOff x="0" y="0"/>
-          <a:chExt cx="0" cy="0"/>
-        </a:xfrm>
-      </p:grpSpPr>
-      <p:sp>
-        <p:nvSpPr>
-          <p:cNvPr id="2" name="Title 1"/>
-          <p:cNvSpPr>
-            <a:spLocks noGrp="1"/>
-          </p:cNvSpPr>
-          <p:nvPr>
-            <p:ph type="title"/>
-          </p:nvPr>
-        </p:nvSpPr>
-        <p:spPr/>
-        <p:txBody>
-          <a:bodyPr/>
-          <a:lstStyle/>
-          <a:p>
-            <a:pPr lvl="0" marL="0" indent="0">
-              <a:buNone/>
-            </a:pPr>
-            <a:r>
-              <a:rPr/>
-              <a:t>Lag</a:t>
-            </a:r>
-            <a:r>
-              <a:rPr/>
-              <a:t> </a:t>
-            </a:r>
-            <a:r>
-              <a:rPr/>
-              <a:t>plot</a:t>
-            </a:r>
-          </a:p>
-        </p:txBody>
-      </p:sp>
-      <p:pic>
-        <p:nvPicPr>
-          <p:cNvPr descr="basics_files/figure-pptx/diff-neg-1.png" id="0" name="Picture 1"/>
-          <p:cNvPicPr>
-            <a:picLocks noGrp="1" noChangeAspect="1"/>
-          </p:cNvPicPr>
-          <p:nvPr/>
-        </p:nvPicPr>
-        <p:blipFill>
-          <a:blip r:embed="rId2"/>
-          <a:stretch>
-            <a:fillRect/>
-          </a:stretch>
-        </p:blipFill>
-        <p:spPr bwMode="auto">
-          <a:xfrm>
-            <a:off x="2311400" y="1600200"/>
-            <a:ext cx="4521200" cy="4521200"/>
-          </a:xfrm>
-          <a:prstGeom prst="rect">
-            <a:avLst/>
-          </a:prstGeom>
-          <a:noFill/>
-          <a:ln w="9525">
-            <a:noFill/>
-            <a:headEnd/>
-            <a:tailEnd/>
-          </a:ln>
-        </p:spPr>
-      </p:pic>
-    </p:spTree>
-  </p:cSld>
-</p:sld>
-</file>
-
-<file path=ppt/slides/slide19.xml><?xml version="1.0" encoding="utf-8"?>
-<p:sld xmlns:a="http://schemas.openxmlformats.org/drawingml/2006/main" xmlns:r="http://schemas.openxmlformats.org/officeDocument/2006/relationships" xmlns:p="http://schemas.openxmlformats.org/presentationml/2006/main">
-  <p:cSld>
-    <p:spTree>
-      <p:nvGrpSpPr>
-        <p:cNvPr id="1" name=""/>
-        <p:cNvGrpSpPr/>
-        <p:nvPr/>
-      </p:nvGrpSpPr>
-      <p:grpSpPr>
-        <a:xfrm>
-          <a:off x="0" y="0"/>
-          <a:ext cx="0" cy="0"/>
-          <a:chOff x="0" y="0"/>
-          <a:chExt cx="0" cy="0"/>
-        </a:xfrm>
-      </p:grpSpPr>
-      <p:sp>
-        <p:nvSpPr>
-          <p:cNvPr id="2" name="Title 1"/>
-          <p:cNvSpPr>
-            <a:spLocks noGrp="1"/>
-          </p:cNvSpPr>
-          <p:nvPr>
-            <p:ph type="title"/>
-          </p:nvPr>
-        </p:nvSpPr>
-        <p:spPr/>
-        <p:txBody>
-          <a:bodyPr/>
-          <a:lstStyle/>
-          <a:p>
-            <a:pPr lvl="0" marL="0" indent="0">
-              <a:buNone/>
-            </a:pPr>
-            <a:r>
-              <a:rPr/>
-              <a:t>Lag</a:t>
-            </a:r>
-            <a:r>
-              <a:rPr/>
-              <a:t> </a:t>
-            </a:r>
-            <a:r>
-              <a:rPr/>
-              <a:t>plot</a:t>
-            </a:r>
-          </a:p>
-        </p:txBody>
-      </p:sp>
-      <p:pic>
-        <p:nvPicPr>
-          <p:cNvPr descr="basics_files/figure-pptx/lag2-1.png" id="0" name="Picture 1"/>
-          <p:cNvPicPr>
-            <a:picLocks noGrp="1" noChangeAspect="1"/>
-          </p:cNvPicPr>
-          <p:nvPr/>
-        </p:nvPicPr>
-        <p:blipFill>
-          <a:blip r:embed="rId2"/>
-          <a:stretch>
-            <a:fillRect/>
-          </a:stretch>
-        </p:blipFill>
-        <p:spPr bwMode="auto">
-          <a:xfrm>
-            <a:off x="2311400" y="1600200"/>
-            <a:ext cx="4521200" cy="4521200"/>
-          </a:xfrm>
-          <a:prstGeom prst="rect">
-            <a:avLst/>
-          </a:prstGeom>
-          <a:noFill/>
-          <a:ln w="9525">
-            <a:noFill/>
-            <a:headEnd/>
-            <a:tailEnd/>
-          </a:ln>
-        </p:spPr>
-      </p:pic>
-    </p:spTree>
-  </p:cSld>
-</p:sld>
-</file>
-
-<file path=ppt/slides/slide2.xml><?xml version="1.0" encoding="utf-8"?>
-<p:sld xmlns:a="http://schemas.openxmlformats.org/drawingml/2006/main" xmlns:r="http://schemas.openxmlformats.org/officeDocument/2006/relationships" xmlns:p="http://schemas.openxmlformats.org/presentationml/2006/main">
-  <p:cSld>
-    <p:spTree>
-      <p:nvGrpSpPr>
-        <p:cNvPr id="1" name=""/>
-        <p:cNvGrpSpPr/>
-        <p:nvPr/>
-      </p:nvGrpSpPr>
-      <p:grpSpPr>
-        <a:xfrm>
-          <a:off x="0" y="0"/>
-          <a:ext cx="0" cy="0"/>
-          <a:chOff x="0" y="0"/>
-          <a:chExt cx="0" cy="0"/>
-        </a:xfrm>
-      </p:grpSpPr>
-      <p:sp>
-        <p:nvSpPr>
-          <p:cNvPr id="2" name="Title 1"/>
-          <p:cNvSpPr>
-            <a:spLocks noGrp="1"/>
-          </p:cNvSpPr>
-          <p:nvPr>
-            <p:ph type="title"/>
-          </p:nvPr>
-        </p:nvSpPr>
-        <p:spPr/>
-        <p:txBody>
-          <a:bodyPr/>
-          <a:lstStyle/>
-          <a:p>
-            <a:pPr lvl="0" marL="0" indent="0">
-              <a:buNone/>
-            </a:pPr>
-            <a:r>
-              <a:rPr/>
-              <a:t>Introduction</a:t>
-            </a:r>
-          </a:p>
-        </p:txBody>
-      </p:sp>
-      <p:sp>
-        <p:nvSpPr>
-          <p:cNvPr id="3" name="Content Placeholder 2"/>
-          <p:cNvSpPr>
-            <a:spLocks noGrp="1"/>
-          </p:cNvSpPr>
-          <p:nvPr>
-            <p:ph idx="1"/>
-          </p:nvPr>
-        </p:nvSpPr>
-        <p:spPr/>
-        <p:txBody>
-          <a:bodyPr/>
-          <a:lstStyle/>
-          <a:p>
-            <a:pPr lvl="1"/>
-            <a:r>
-              <a:rPr/>
-              <a:t>Keep things simple</a:t>
-            </a:r>
-          </a:p>
-          <a:p>
-            <a:pPr lvl="2"/>
-            <a:r>
-              <a:rPr/>
-              <a:t>Evenly spaced</a:t>
-            </a:r>
-          </a:p>
-          <a:p>
-            <a:pPr lvl="2"/>
-            <a:r>
-              <a:rPr/>
-              <a:t>No gaps</a:t>
-            </a:r>
-          </a:p>
-          <a:p>
-            <a:pPr lvl="2"/>
-            <a:r>
-              <a:rPr/>
-              <a:t>Single series</a:t>
-            </a:r>
-          </a:p>
-          <a:p>
-            <a:pPr lvl="1"/>
-            <a:r>
-              <a:rPr/>
-              <a:t>Topics covered</a:t>
-            </a:r>
-          </a:p>
-          <a:p>
-            <a:pPr lvl="2"/>
-            <a:r>
-              <a:rPr/>
-              <a:t>Structure</a:t>
-            </a:r>
-          </a:p>
-          <a:p>
-            <a:pPr lvl="2"/>
-            <a:r>
-              <a:rPr/>
-              <a:t>Plotting</a:t>
-            </a:r>
-          </a:p>
-          <a:p>
-            <a:pPr lvl="2"/>
-            <a:r>
-              <a:rPr/>
-              <a:t>Detrending and deseasonalizing</a:t>
-            </a:r>
-          </a:p>
-          <a:p>
-            <a:pPr lvl="2"/>
-            <a:r>
-              <a:rPr/>
-              <a:t>Basic Box-Jenkins models</a:t>
-            </a:r>
-          </a:p>
-        </p:txBody>
-      </p:sp>
-    </p:spTree>
-  </p:cSld>
-</p:sld>
-</file>
-
-<file path=ppt/slides/slide20.xml><?xml version="1.0" encoding="utf-8"?>
-<p:sld xmlns:a="http://schemas.openxmlformats.org/drawingml/2006/main" xmlns:r="http://schemas.openxmlformats.org/officeDocument/2006/relationships" xmlns:p="http://schemas.openxmlformats.org/presentationml/2006/main">
-  <p:cSld>
-    <p:spTree>
-      <p:nvGrpSpPr>
-        <p:cNvPr id="1" name=""/>
-        <p:cNvGrpSpPr/>
-        <p:nvPr/>
-      </p:nvGrpSpPr>
-      <p:grpSpPr>
-        <a:xfrm>
-          <a:off x="0" y="0"/>
-          <a:ext cx="0" cy="0"/>
-          <a:chOff x="0" y="0"/>
-          <a:chExt cx="0" cy="0"/>
-        </a:xfrm>
-      </p:grpSpPr>
-      <p:sp>
-        <p:nvSpPr>
-          <p:cNvPr id="2" name="Title 1"/>
-          <p:cNvSpPr>
-            <a:spLocks noGrp="1"/>
-          </p:cNvSpPr>
-          <p:nvPr>
-            <p:ph type="title"/>
-          </p:nvPr>
-        </p:nvSpPr>
-        <p:spPr/>
-        <p:txBody>
-          <a:bodyPr/>
-          <a:lstStyle/>
-          <a:p>
-            <a:pPr lvl="0" marL="0" indent="0">
-              <a:buNone/>
-            </a:pPr>
-            <a:r>
-              <a:rPr/>
-              <a:t>acf</a:t>
-            </a:r>
-            <a:r>
-              <a:rPr/>
-              <a:t> </a:t>
-            </a:r>
-            <a:r>
-              <a:rPr/>
-              <a:t>and</a:t>
-            </a:r>
-            <a:r>
-              <a:rPr/>
-              <a:t> </a:t>
-            </a:r>
-            <a:r>
-              <a:rPr/>
-              <a:t>pacf</a:t>
-            </a:r>
-            <a:r>
-              <a:rPr/>
-              <a:t> </a:t>
-            </a:r>
-            <a:r>
-              <a:rPr/>
-              <a:t>for</a:t>
-            </a:r>
-            <a:r>
-              <a:rPr/>
-              <a:t> </a:t>
-            </a:r>
-            <a:r>
-              <a:rPr/>
-              <a:t>co2</a:t>
-            </a:r>
-            <a:r>
-              <a:rPr/>
-              <a:t> </a:t>
-            </a:r>
-            <a:r>
-              <a:rPr/>
-              <a:t>data</a:t>
-            </a:r>
-          </a:p>
-        </p:txBody>
-      </p:sp>
-      <p:pic>
-        <p:nvPicPr>
-          <p:cNvPr descr="basics_files/figure-pptx/co2-auto-1.png" id="0" name="Picture 1"/>
-          <p:cNvPicPr>
-            <a:picLocks noGrp="1" noChangeAspect="1"/>
-          </p:cNvPicPr>
-          <p:nvPr/>
-        </p:nvPicPr>
-        <p:blipFill>
-          <a:blip r:embed="rId2"/>
-          <a:stretch>
-            <a:fillRect/>
-          </a:stretch>
-        </p:blipFill>
-        <p:spPr bwMode="auto">
-          <a:xfrm>
-            <a:off x="1752600" y="1600200"/>
-            <a:ext cx="5651500" cy="4521200"/>
-          </a:xfrm>
-          <a:prstGeom prst="rect">
-            <a:avLst/>
-          </a:prstGeom>
-          <a:noFill/>
-          <a:ln w="9525">
-            <a:noFill/>
-            <a:headEnd/>
-            <a:tailEnd/>
-          </a:ln>
-        </p:spPr>
-      </p:pic>
-    </p:spTree>
-  </p:cSld>
-</p:sld>
-</file>
-
-<file path=ppt/slides/slide21.xml><?xml version="1.0" encoding="utf-8"?>
-<p:sld xmlns:a="http://schemas.openxmlformats.org/drawingml/2006/main" xmlns:r="http://schemas.openxmlformats.org/officeDocument/2006/relationships" xmlns:p="http://schemas.openxmlformats.org/presentationml/2006/main">
-  <p:cSld>
-    <p:spTree>
-      <p:nvGrpSpPr>
-        <p:cNvPr id="1" name=""/>
-        <p:cNvGrpSpPr/>
-        <p:nvPr/>
-      </p:nvGrpSpPr>
-      <p:grpSpPr>
-        <a:xfrm>
-          <a:off x="0" y="0"/>
-          <a:ext cx="0" cy="0"/>
-          <a:chOff x="0" y="0"/>
-          <a:chExt cx="0" cy="0"/>
-        </a:xfrm>
-      </p:grpSpPr>
-      <p:sp>
-        <p:nvSpPr>
-          <p:cNvPr id="2" name="Title 1"/>
-          <p:cNvSpPr>
-            <a:spLocks noGrp="1"/>
-          </p:cNvSpPr>
-          <p:nvPr>
-            <p:ph type="title"/>
-          </p:nvPr>
-        </p:nvSpPr>
-        <p:spPr/>
-        <p:txBody>
-          <a:bodyPr/>
-          <a:lstStyle/>
-          <a:p>
-            <a:pPr lvl="0" marL="0" indent="0">
-              <a:buNone/>
-            </a:pPr>
-            <a:r>
-              <a:rPr/>
-              <a:t>Structure</a:t>
-            </a:r>
-            <a:r>
-              <a:rPr/>
-              <a:t> </a:t>
-            </a:r>
-            <a:r>
-              <a:rPr/>
-              <a:t>of</a:t>
-            </a:r>
-            <a:r>
-              <a:rPr/>
-              <a:t> </a:t>
-            </a:r>
-            <a:r>
-              <a:rPr/>
-              <a:t>LakeHuron</a:t>
-            </a:r>
-            <a:r>
-              <a:rPr/>
-              <a:t> </a:t>
-            </a:r>
-            <a:r>
-              <a:rPr/>
-              <a:t>data</a:t>
-            </a:r>
-          </a:p>
-        </p:txBody>
-      </p:sp>
-      <p:sp>
-        <p:nvSpPr>
-          <p:cNvPr id="3" name="Content Placeholder 2"/>
-          <p:cNvSpPr>
-            <a:spLocks noGrp="1"/>
-          </p:cNvSpPr>
-          <p:nvPr>
-            <p:ph idx="1"/>
-          </p:nvPr>
-        </p:nvSpPr>
-        <p:spPr/>
-        <p:txBody>
-          <a:bodyPr/>
-          <a:lstStyle/>
-          <a:p>
-            <a:pPr lvl="0" marL="1270000" indent="0">
-              <a:buNone/>
-            </a:pPr>
-            <a:r>
-              <a:rPr sz="1800" b="1">
-                <a:solidFill>
-                  <a:srgbClr val="007020"/>
-                </a:solidFill>
-                <a:latin typeface="Courier"/>
-              </a:rPr>
-              <a:t>str</a:t>
-            </a:r>
-            <a:r>
-              <a:rPr sz="1800">
-                <a:latin typeface="Courier"/>
-              </a:rPr>
-              <a:t>(LakeHuron)</a:t>
-            </a:r>
-          </a:p>
-          <a:p>
-            <a:pPr lvl="0" marL="1270000" indent="0">
-              <a:buNone/>
-            </a:pPr>
-            <a:r>
-              <a:rPr sz="1800">
-                <a:latin typeface="Courier"/>
-              </a:rPr>
-              <a:t>##  Time-Series [1:98] from 1875 to 1972: 580 582 581 581 580 ...</a:t>
-            </a:r>
-          </a:p>
-          <a:p>
-            <a:pPr lvl="0" marL="1270000" indent="0">
-              <a:buNone/>
-            </a:pPr>
-            <a:r>
-              <a:rPr sz="1800" b="1">
-                <a:solidFill>
-                  <a:srgbClr val="007020"/>
-                </a:solidFill>
-                <a:latin typeface="Courier"/>
-              </a:rPr>
-              <a:t>attributes</a:t>
-            </a:r>
-            <a:r>
-              <a:rPr sz="1800">
-                <a:latin typeface="Courier"/>
-              </a:rPr>
-              <a:t>(LakeHuron)</a:t>
-            </a:r>
-          </a:p>
-          <a:p>
-            <a:pPr lvl="0" marL="1270000" indent="0">
-              <a:buNone/>
-            </a:pPr>
-            <a:r>
-              <a:rPr sz="1800">
-                <a:latin typeface="Courier"/>
-              </a:rPr>
-              <a:t>## $tsp
-## [1] 1875 1972    1
-## 
-## $class
-## [1] "ts"</a:t>
-            </a:r>
-          </a:p>
-        </p:txBody>
-      </p:sp>
-    </p:spTree>
-  </p:cSld>
-</p:sld>
-</file>
-
 <file path=ppt/slides/slide22.xml><?xml version="1.0" encoding="utf-8"?>
 <p:sld xmlns:a="http://schemas.openxmlformats.org/drawingml/2006/main" xmlns:r="http://schemas.openxmlformats.org/officeDocument/2006/relationships" xmlns:p="http://schemas.openxmlformats.org/presentationml/2006/main">
   <p:cSld>
@@ -5726,7 +5850,7 @@
             </a:pPr>
             <a:r>
               <a:rPr/>
-              <a:t>Plot</a:t>
+              <a:t>Positive</a:t>
             </a:r>
             <a:r>
               <a:rPr/>
@@ -5734,30 +5858,14 @@
             </a:r>
             <a:r>
               <a:rPr/>
-              <a:t>of</a:t>
-            </a:r>
-            <a:r>
-              <a:rPr/>
-              <a:t> </a:t>
-            </a:r>
-            <a:r>
-              <a:rPr/>
-              <a:t>LakeHuron</a:t>
-            </a:r>
-            <a:r>
-              <a:rPr/>
-              <a:t> </a:t>
-            </a:r>
-            <a:r>
-              <a:rPr/>
-              <a:t>data</a:t>
+              <a:t>autocorrelation</a:t>
             </a:r>
           </a:p>
         </p:txBody>
       </p:sp>
       <p:pic>
         <p:nvPicPr>
-          <p:cNvPr descr="basics_files/figure-pptx/LakeHuron-plot-1.png" id="0" name="Picture 1"/>
+          <p:cNvPr descr="basics_files/figure-pptx/pos-1.png" id="0" name="Picture 1"/>
           <p:cNvPicPr>
             <a:picLocks noGrp="1" noChangeAspect="1"/>
           </p:cNvPicPr>
@@ -5827,7 +5935,7 @@
             </a:pPr>
             <a:r>
               <a:rPr/>
-              <a:t>acf</a:t>
+              <a:t>Lag</a:t>
             </a:r>
             <a:r>
               <a:rPr/>
@@ -5835,38 +5943,14 @@
             </a:r>
             <a:r>
               <a:rPr/>
-              <a:t>and</a:t>
-            </a:r>
-            <a:r>
-              <a:rPr/>
-              <a:t> </a:t>
-            </a:r>
-            <a:r>
-              <a:rPr/>
-              <a:t>pacf</a:t>
-            </a:r>
-            <a:r>
-              <a:rPr/>
-              <a:t> </a:t>
-            </a:r>
-            <a:r>
-              <a:rPr/>
-              <a:t>for</a:t>
-            </a:r>
-            <a:r>
-              <a:rPr/>
-              <a:t> </a:t>
-            </a:r>
-            <a:r>
-              <a:rPr/>
-              <a:t>data</a:t>
+              <a:t>plot</a:t>
             </a:r>
           </a:p>
         </p:txBody>
       </p:sp>
       <p:pic>
         <p:nvPicPr>
-          <p:cNvPr descr="basics_files/figure-pptx/LakeHuron-auto-1.png" id="0" name="Picture 1"/>
+          <p:cNvPr descr="basics_files/figure-pptx/diff-pos-1.png" id="0" name="Picture 1"/>
           <p:cNvPicPr>
             <a:picLocks noGrp="1" noChangeAspect="1"/>
           </p:cNvPicPr>
@@ -5880,8 +5964,8 @@
         </p:blipFill>
         <p:spPr bwMode="auto">
           <a:xfrm>
-            <a:off x="1752600" y="1600200"/>
-            <a:ext cx="5651500" cy="4521200"/>
+            <a:off x="2311400" y="1600200"/>
+            <a:ext cx="4521200" cy="4521200"/>
           </a:xfrm>
           <a:prstGeom prst="rect">
             <a:avLst/>
@@ -5936,7 +6020,7 @@
             </a:pPr>
             <a:r>
               <a:rPr/>
-              <a:t>Structure</a:t>
+              <a:t>Negative</a:t>
             </a:r>
             <a:r>
               <a:rPr/>
@@ -5944,109 +6028,41 @@
             </a:r>
             <a:r>
               <a:rPr/>
-              <a:t>of</a:t>
-            </a:r>
-            <a:r>
-              <a:rPr/>
-              <a:t> </a:t>
-            </a:r>
-            <a:r>
-              <a:rPr/>
-              <a:t>mdeaths</a:t>
-            </a:r>
-            <a:r>
-              <a:rPr/>
-              <a:t> </a:t>
-            </a:r>
-            <a:r>
-              <a:rPr/>
-              <a:t>data</a:t>
-            </a:r>
-          </a:p>
-        </p:txBody>
-      </p:sp>
-      <p:sp>
-        <p:nvSpPr>
-          <p:cNvPr id="3" name="Content Placeholder 2"/>
-          <p:cNvSpPr>
-            <a:spLocks noGrp="1"/>
-          </p:cNvSpPr>
-          <p:nvPr>
-            <p:ph idx="1"/>
-          </p:nvPr>
-        </p:nvSpPr>
-        <p:spPr/>
-        <p:txBody>
-          <a:bodyPr/>
-          <a:lstStyle/>
-          <a:p>
-            <a:pPr lvl="0" marL="1270000" indent="0">
-              <a:buNone/>
-            </a:pPr>
-            <a:r>
-              <a:rPr sz="1800" b="1">
-                <a:solidFill>
-                  <a:srgbClr val="007020"/>
-                </a:solidFill>
-                <a:latin typeface="Courier"/>
-              </a:rPr>
-              <a:t>str</a:t>
-            </a:r>
-            <a:r>
-              <a:rPr sz="1800">
-                <a:latin typeface="Courier"/>
-              </a:rPr>
-              <a:t>(mdeaths)</a:t>
-            </a:r>
-          </a:p>
-          <a:p>
-            <a:pPr lvl="0" marL="1270000" indent="0">
-              <a:buNone/>
-            </a:pPr>
-            <a:r>
-              <a:rPr sz="1800">
-                <a:latin typeface="Courier"/>
-              </a:rPr>
-              <a:t>##  Time-Series [1:72] from 1974 to 1980: 2134 1863 1877 1877 1492 ...</a:t>
-            </a:r>
-          </a:p>
-          <a:p>
-            <a:pPr lvl="0" marL="1270000" indent="0">
-              <a:buNone/>
-            </a:pPr>
-            <a:r>
-              <a:rPr sz="1800" b="1">
-                <a:solidFill>
-                  <a:srgbClr val="007020"/>
-                </a:solidFill>
-                <a:latin typeface="Courier"/>
-              </a:rPr>
-              <a:t>attributes</a:t>
-            </a:r>
-            <a:r>
-              <a:rPr sz="1800">
-                <a:latin typeface="Courier"/>
-              </a:rPr>
-              <a:t>(mdeaths)</a:t>
-            </a:r>
-          </a:p>
-          <a:p>
-            <a:pPr lvl="0" marL="1270000" indent="0">
-              <a:buNone/>
-            </a:pPr>
-            <a:r>
-              <a:rPr sz="1800">
-                <a:latin typeface="Courier"/>
-              </a:rPr>
-              <a:t>## $tsp
-## [1] 1974.000 1979.917   12.000
-## 
-## $class
-## [1] "ts"</a:t>
-            </a:r>
-          </a:p>
-        </p:txBody>
-      </p:sp>
+              <a:t>autocorrelation</a:t>
+            </a:r>
+          </a:p>
+        </p:txBody>
+      </p:sp>
+      <p:pic>
+        <p:nvPicPr>
+          <p:cNvPr descr="basics_files/figure-pptx/neg-1.png" id="0" name="Picture 1"/>
+          <p:cNvPicPr>
+            <a:picLocks noGrp="1" noChangeAspect="1"/>
+          </p:cNvPicPr>
+          <p:nvPr/>
+        </p:nvPicPr>
+        <p:blipFill>
+          <a:blip r:embed="rId2"/>
+          <a:stretch>
+            <a:fillRect/>
+          </a:stretch>
+        </p:blipFill>
+        <p:spPr bwMode="auto">
+          <a:xfrm>
+            <a:off x="1752600" y="1600200"/>
+            <a:ext cx="5651500" cy="4521200"/>
+          </a:xfrm>
+          <a:prstGeom prst="rect">
+            <a:avLst/>
+          </a:prstGeom>
+          <a:noFill/>
+          <a:ln w="9525">
+            <a:noFill/>
+            <a:headEnd/>
+            <a:tailEnd/>
+          </a:ln>
+        </p:spPr>
+      </p:pic>
     </p:spTree>
   </p:cSld>
 </p:sld>
@@ -6089,7 +6105,7 @@
             </a:pPr>
             <a:r>
               <a:rPr/>
-              <a:t>Plot</a:t>
+              <a:t>Lag</a:t>
             </a:r>
             <a:r>
               <a:rPr/>
@@ -6097,22 +6113,14 @@
             </a:r>
             <a:r>
               <a:rPr/>
-              <a:t>of</a:t>
-            </a:r>
-            <a:r>
-              <a:rPr/>
-              <a:t> </a:t>
-            </a:r>
-            <a:r>
-              <a:rPr/>
-              <a:t>mdeaths</a:t>
+              <a:t>plot</a:t>
             </a:r>
           </a:p>
         </p:txBody>
       </p:sp>
       <p:pic>
         <p:nvPicPr>
-          <p:cNvPr descr="basics_files/figure-pptx/mdeaths-plot-1.png" id="0" name="Picture 1"/>
+          <p:cNvPr descr="basics_files/figure-pptx/diff-neg-1.png" id="0" name="Picture 1"/>
           <p:cNvPicPr>
             <a:picLocks noGrp="1" noChangeAspect="1"/>
           </p:cNvPicPr>
@@ -6126,8 +6134,8 @@
         </p:blipFill>
         <p:spPr bwMode="auto">
           <a:xfrm>
-            <a:off x="1752600" y="1600200"/>
-            <a:ext cx="5651500" cy="4521200"/>
+            <a:off x="2311400" y="1600200"/>
+            <a:ext cx="4521200" cy="4521200"/>
           </a:xfrm>
           <a:prstGeom prst="rect">
             <a:avLst/>
@@ -6182,7 +6190,7 @@
             </a:pPr>
             <a:r>
               <a:rPr/>
-              <a:t>Structure</a:t>
+              <a:t>Lag</a:t>
             </a:r>
             <a:r>
               <a:rPr/>
@@ -6190,109 +6198,41 @@
             </a:r>
             <a:r>
               <a:rPr/>
-              <a:t>of</a:t>
-            </a:r>
-            <a:r>
-              <a:rPr/>
-              <a:t> </a:t>
-            </a:r>
-            <a:r>
-              <a:rPr/>
-              <a:t>Nile</a:t>
-            </a:r>
-            <a:r>
-              <a:rPr/>
-              <a:t> </a:t>
-            </a:r>
-            <a:r>
-              <a:rPr/>
-              <a:t>data</a:t>
-            </a:r>
-          </a:p>
-        </p:txBody>
-      </p:sp>
-      <p:sp>
-        <p:nvSpPr>
-          <p:cNvPr id="3" name="Content Placeholder 2"/>
-          <p:cNvSpPr>
-            <a:spLocks noGrp="1"/>
-          </p:cNvSpPr>
-          <p:nvPr>
-            <p:ph idx="1"/>
-          </p:nvPr>
-        </p:nvSpPr>
-        <p:spPr/>
-        <p:txBody>
-          <a:bodyPr/>
-          <a:lstStyle/>
-          <a:p>
-            <a:pPr lvl="0" marL="1270000" indent="0">
-              <a:buNone/>
-            </a:pPr>
-            <a:r>
-              <a:rPr sz="1800" b="1">
-                <a:solidFill>
-                  <a:srgbClr val="007020"/>
-                </a:solidFill>
-                <a:latin typeface="Courier"/>
-              </a:rPr>
-              <a:t>str</a:t>
-            </a:r>
-            <a:r>
-              <a:rPr sz="1800">
-                <a:latin typeface="Courier"/>
-              </a:rPr>
-              <a:t>(Nile)</a:t>
-            </a:r>
-          </a:p>
-          <a:p>
-            <a:pPr lvl="0" marL="1270000" indent="0">
-              <a:buNone/>
-            </a:pPr>
-            <a:r>
-              <a:rPr sz="1800">
-                <a:latin typeface="Courier"/>
-              </a:rPr>
-              <a:t>##  Time-Series [1:100] from 1871 to 1970: 1120 1160 963 1210 1160 1160 813 1230 1370 1140 ...</a:t>
-            </a:r>
-          </a:p>
-          <a:p>
-            <a:pPr lvl="0" marL="1270000" indent="0">
-              <a:buNone/>
-            </a:pPr>
-            <a:r>
-              <a:rPr sz="1800" b="1">
-                <a:solidFill>
-                  <a:srgbClr val="007020"/>
-                </a:solidFill>
-                <a:latin typeface="Courier"/>
-              </a:rPr>
-              <a:t>attributes</a:t>
-            </a:r>
-            <a:r>
-              <a:rPr sz="1800">
-                <a:latin typeface="Courier"/>
-              </a:rPr>
-              <a:t>(Nile)</a:t>
-            </a:r>
-          </a:p>
-          <a:p>
-            <a:pPr lvl="0" marL="1270000" indent="0">
-              <a:buNone/>
-            </a:pPr>
-            <a:r>
-              <a:rPr sz="1800">
-                <a:latin typeface="Courier"/>
-              </a:rPr>
-              <a:t>## $tsp
-## [1] 1871 1970    1
-## 
-## $class
-## [1] "ts"</a:t>
-            </a:r>
-          </a:p>
-        </p:txBody>
-      </p:sp>
+              <a:t>plot</a:t>
+            </a:r>
+          </a:p>
+        </p:txBody>
+      </p:sp>
+      <p:pic>
+        <p:nvPicPr>
+          <p:cNvPr descr="basics_files/figure-pptx/lag2-1.png" id="0" name="Picture 1"/>
+          <p:cNvPicPr>
+            <a:picLocks noGrp="1" noChangeAspect="1"/>
+          </p:cNvPicPr>
+          <p:nvPr/>
+        </p:nvPicPr>
+        <p:blipFill>
+          <a:blip r:embed="rId2"/>
+          <a:stretch>
+            <a:fillRect/>
+          </a:stretch>
+        </p:blipFill>
+        <p:spPr bwMode="auto">
+          <a:xfrm>
+            <a:off x="2311400" y="1600200"/>
+            <a:ext cx="4521200" cy="4521200"/>
+          </a:xfrm>
+          <a:prstGeom prst="rect">
+            <a:avLst/>
+          </a:prstGeom>
+          <a:noFill/>
+          <a:ln w="9525">
+            <a:noFill/>
+            <a:headEnd/>
+            <a:tailEnd/>
+          </a:ln>
+        </p:spPr>
+      </p:pic>
     </p:spTree>
   </p:cSld>
 </p:sld>
@@ -6335,7 +6275,7 @@
             </a:pPr>
             <a:r>
               <a:rPr/>
-              <a:t>Plot</a:t>
+              <a:t>acf</a:t>
             </a:r>
             <a:r>
               <a:rPr/>
@@ -6343,7 +6283,7 @@
             </a:r>
             <a:r>
               <a:rPr/>
-              <a:t>of</a:t>
+              <a:t>and</a:t>
             </a:r>
             <a:r>
               <a:rPr/>
@@ -6351,7 +6291,23 @@
             </a:r>
             <a:r>
               <a:rPr/>
-              <a:t>Nile</a:t>
+              <a:t>pacf</a:t>
+            </a:r>
+            <a:r>
+              <a:rPr/>
+              <a:t> </a:t>
+            </a:r>
+            <a:r>
+              <a:rPr/>
+              <a:t>for</a:t>
+            </a:r>
+            <a:r>
+              <a:rPr/>
+              <a:t> </a:t>
+            </a:r>
+            <a:r>
+              <a:rPr/>
+              <a:t>co2</a:t>
             </a:r>
             <a:r>
               <a:rPr/>
@@ -6366,7 +6322,7 @@
       </p:sp>
       <p:pic>
         <p:nvPicPr>
-          <p:cNvPr descr="basics_files/figure-pptx/Nile-plot-1.png" id="0" name="Picture 1"/>
+          <p:cNvPr descr="basics_files/figure-pptx/co2-auto-1.png" id="0" name="Picture 1"/>
           <p:cNvPicPr>
             <a:picLocks noGrp="1" noChangeAspect="1"/>
           </p:cNvPicPr>
@@ -6452,7 +6408,15 @@
             </a:r>
             <a:r>
               <a:rPr/>
-              <a:t>nottem</a:t>
+              <a:t>LakeHuron</a:t>
+            </a:r>
+            <a:r>
+              <a:rPr/>
+              <a:t> </a:t>
+            </a:r>
+            <a:r>
+              <a:rPr/>
+              <a:t>data</a:t>
             </a:r>
           </a:p>
         </p:txBody>
@@ -6488,7 +6452,7 @@
               <a:rPr sz="1800">
                 <a:latin typeface="Courier"/>
               </a:rPr>
-              <a:t>(nottem)</a:t>
+              <a:t>(LakeHuron)</a:t>
             </a:r>
           </a:p>
           <a:p>
@@ -6499,7 +6463,7 @@
               <a:rPr sz="1800">
                 <a:latin typeface="Courier"/>
               </a:rPr>
-              <a:t>##  Time-Series [1:240] from 1920 to 1940: 40.6 40.8 44.4 46.7 54.1 58.5 57.7 56.4 54.3 50.5 ...</a:t>
+              <a:t>##  Time-Series [1:98] from 1875 to 1972: 580 582 581 581 580 ...</a:t>
             </a:r>
           </a:p>
           <a:p>
@@ -6519,7 +6483,7 @@
               <a:rPr sz="1800">
                 <a:latin typeface="Courier"/>
               </a:rPr>
-              <a:t>(nottem)</a:t>
+              <a:t>(LakeHuron)</a:t>
             </a:r>
           </a:p>
           <a:p>
@@ -6531,7 +6495,7 @@
                 <a:latin typeface="Courier"/>
               </a:rPr>
               <a:t>## $tsp
-## [1] 1920.000 1939.917   12.000
+## [1] 1875 1972    1
 ## 
 ## $class
 ## [1] "ts"</a:t>
@@ -6597,14 +6561,22 @@
             </a:r>
             <a:r>
               <a:rPr/>
-              <a:t>nottem</a:t>
+              <a:t>LakeHuron</a:t>
+            </a:r>
+            <a:r>
+              <a:rPr/>
+              <a:t> </a:t>
+            </a:r>
+            <a:r>
+              <a:rPr/>
+              <a:t>data</a:t>
             </a:r>
           </a:p>
         </p:txBody>
       </p:sp>
       <p:pic>
         <p:nvPicPr>
-          <p:cNvPr descr="basics_files/figure-pptx/nottem-plot-1.png" id="0" name="Picture 1"/>
+          <p:cNvPr descr="basics_files/figure-pptx/LakeHuron-plot-1.png" id="0" name="Picture 1"/>
           <p:cNvPicPr>
             <a:picLocks noGrp="1" noChangeAspect="1"/>
           </p:cNvPicPr>
@@ -6674,7 +6646,7 @@
             </a:pPr>
             <a:r>
               <a:rPr/>
-              <a:t>White</a:t>
+              <a:t>Decomposing</a:t>
             </a:r>
             <a:r>
               <a:rPr/>
@@ -6682,14 +6654,310 @@
             </a:r>
             <a:r>
               <a:rPr/>
-              <a:t>noise</a:t>
+              <a:t>a</a:t>
+            </a:r>
+            <a:r>
+              <a:rPr/>
+              <a:t> </a:t>
+            </a:r>
+            <a:r>
+              <a:rPr/>
+              <a:t>time</a:t>
+            </a:r>
+            <a:r>
+              <a:rPr/>
+              <a:t> </a:t>
+            </a:r>
+            <a:r>
+              <a:rPr/>
+              <a:t>series</a:t>
+            </a:r>
+          </a:p>
+        </p:txBody>
+      </p:sp>
+      <mc:AlternateContent xmlns:mc="http://schemas.openxmlformats.org/markup-compatibility/2006">
+        <mc:Choice xmlns:a14="http://schemas.microsoft.com/office/drawing/2010/main" Requires="a14">
+          <p:sp>
+            <p:nvSpPr>
+              <p:cNvPr id="3" name="Content Placeholder 2"/>
+              <p:cNvSpPr>
+                <a:spLocks noGrp="1"/>
+              </p:cNvSpPr>
+              <p:nvPr>
+                <p:ph idx="1"/>
+              </p:nvPr>
+            </p:nvSpPr>
+            <p:spPr/>
+            <p:txBody>
+              <a:bodyPr/>
+              <a:lstStyle/>
+              <a:p>
+                <a:pPr lvl="1"/>
+                <a:r>
+                  <a:rPr/>
+                  <a:t>Additive decomposition</a:t>
+                </a:r>
+              </a:p>
+              <a:p>
+                <a:pPr lvl="2"/>
+                <a:r>
+                  <a:rPr/>
+                  <a:t>Y - original data</a:t>
+                </a:r>
+              </a:p>
+              <a:p>
+                <a:pPr lvl="2"/>
+                <a:r>
+                  <a:rPr/>
+                  <a:t>T - time trend</a:t>
+                </a:r>
+              </a:p>
+              <a:p>
+                <a:pPr lvl="2"/>
+                <a:r>
+                  <a:rPr/>
+                  <a:t>S - seasonal component</a:t>
+                </a:r>
+              </a:p>
+              <a:p>
+                <a:pPr lvl="2"/>
+                <a:r>
+                  <a:rPr/>
+                  <a:t>Z = random component</a:t>
+                </a:r>
+              </a:p>
+              <a:p>
+                <a:pPr lvl="0" marL="0" indent="0">
+                  <a:buNone/>
+                </a:pPr>
+                <a14:m>
+                  <m:oMath xmlns:m="http://schemas.openxmlformats.org/officeDocument/2006/math">
+                    <m:sSub>
+                      <m:e>
+                        <m:r>
+                          <m:t>Y</m:t>
+                        </m:r>
+                      </m:e>
+                      <m:sub>
+                        <m:r>
+                          <m:t>t</m:t>
+                        </m:r>
+                      </m:sub>
+                    </m:sSub>
+                    <m:r>
+                      <m:t>=</m:t>
+                    </m:r>
+                    <m:sSub>
+                      <m:e>
+                        <m:r>
+                          <m:t>T</m:t>
+                        </m:r>
+                      </m:e>
+                      <m:sub>
+                        <m:r>
+                          <m:t>t</m:t>
+                        </m:r>
+                      </m:sub>
+                    </m:sSub>
+                    <m:r>
+                      <m:t>+</m:t>
+                    </m:r>
+                    <m:sSub>
+                      <m:e>
+                        <m:r>
+                          <m:t>S</m:t>
+                        </m:r>
+                      </m:e>
+                      <m:sub>
+                        <m:r>
+                          <m:t>t</m:t>
+                        </m:r>
+                      </m:sub>
+                    </m:sSub>
+                    <m:r>
+                      <m:t>+</m:t>
+                    </m:r>
+                    <m:sSub>
+                      <m:e>
+                        <m:r>
+                          <m:t>Z</m:t>
+                        </m:r>
+                      </m:e>
+                      <m:sub>
+                        <m:r>
+                          <m:t>t</m:t>
+                        </m:r>
+                      </m:sub>
+                    </m:sSub>
+                  </m:oMath>
+                </a14:m>
+              </a:p>
+              <a:p>
+                <a:pPr lvl="1"/>
+                <a:r>
+                  <a:rPr/>
+                  <a:t>Multiplicative decomposition</a:t>
+                </a:r>
+              </a:p>
+              <a:p>
+                <a:pPr lvl="2"/>
+                <a:r>
+                  <a:rPr/>
+                  <a:t>(or use a log transformation)</a:t>
+                </a:r>
+              </a:p>
+              <a:p>
+                <a:pPr lvl="0" marL="0" indent="0">
+                  <a:buNone/>
+                </a:pPr>
+                <a14:m>
+                  <m:oMath xmlns:m="http://schemas.openxmlformats.org/officeDocument/2006/math">
+                    <m:sSub>
+                      <m:e>
+                        <m:r>
+                          <m:t>Y</m:t>
+                        </m:r>
+                      </m:e>
+                      <m:sub>
+                        <m:r>
+                          <m:t>t</m:t>
+                        </m:r>
+                      </m:sub>
+                    </m:sSub>
+                    <m:r>
+                      <m:t>=</m:t>
+                    </m:r>
+                    <m:sSub>
+                      <m:e>
+                        <m:r>
+                          <m:t>T</m:t>
+                        </m:r>
+                      </m:e>
+                      <m:sub>
+                        <m:r>
+                          <m:t>t</m:t>
+                        </m:r>
+                      </m:sub>
+                    </m:sSub>
+                    <m:r>
+                      <m:t>×</m:t>
+                    </m:r>
+                    <m:sSub>
+                      <m:e>
+                        <m:r>
+                          <m:t>S</m:t>
+                        </m:r>
+                      </m:e>
+                      <m:sub>
+                        <m:r>
+                          <m:t>t</m:t>
+                        </m:r>
+                      </m:sub>
+                    </m:sSub>
+                    <m:r>
+                      <m:t>×</m:t>
+                    </m:r>
+                    <m:sSub>
+                      <m:e>
+                        <m:r>
+                          <m:t>Z</m:t>
+                        </m:r>
+                      </m:e>
+                      <m:sub>
+                        <m:r>
+                          <m:t>t</m:t>
+                        </m:r>
+                      </m:sub>
+                    </m:sSub>
+                  </m:oMath>
+                </a14:m>
+              </a:p>
+            </p:txBody>
+          </p:sp>
+        </mc:Choice>
+      </mc:AlternateContent>
+    </p:spTree>
+  </p:cSld>
+</p:sld>
+</file>
+
+<file path=ppt/slides/slide30.xml><?xml version="1.0" encoding="utf-8"?>
+<p:sld xmlns:a="http://schemas.openxmlformats.org/drawingml/2006/main" xmlns:r="http://schemas.openxmlformats.org/officeDocument/2006/relationships" xmlns:p="http://schemas.openxmlformats.org/presentationml/2006/main">
+  <p:cSld>
+    <p:spTree>
+      <p:nvGrpSpPr>
+        <p:cNvPr id="1" name=""/>
+        <p:cNvGrpSpPr/>
+        <p:nvPr/>
+      </p:nvGrpSpPr>
+      <p:grpSpPr>
+        <a:xfrm>
+          <a:off x="0" y="0"/>
+          <a:ext cx="0" cy="0"/>
+          <a:chOff x="0" y="0"/>
+          <a:chExt cx="0" cy="0"/>
+        </a:xfrm>
+      </p:grpSpPr>
+      <p:sp>
+        <p:nvSpPr>
+          <p:cNvPr id="2" name="Title 1"/>
+          <p:cNvSpPr>
+            <a:spLocks noGrp="1"/>
+          </p:cNvSpPr>
+          <p:nvPr>
+            <p:ph type="title"/>
+          </p:nvPr>
+        </p:nvSpPr>
+        <p:spPr/>
+        <p:txBody>
+          <a:bodyPr/>
+          <a:lstStyle/>
+          <a:p>
+            <a:pPr lvl="0" marL="0" indent="0">
+              <a:buNone/>
+            </a:pPr>
+            <a:r>
+              <a:rPr/>
+              <a:t>acf</a:t>
+            </a:r>
+            <a:r>
+              <a:rPr/>
+              <a:t> </a:t>
+            </a:r>
+            <a:r>
+              <a:rPr/>
+              <a:t>and</a:t>
+            </a:r>
+            <a:r>
+              <a:rPr/>
+              <a:t> </a:t>
+            </a:r>
+            <a:r>
+              <a:rPr/>
+              <a:t>pacf</a:t>
+            </a:r>
+            <a:r>
+              <a:rPr/>
+              <a:t> </a:t>
+            </a:r>
+            <a:r>
+              <a:rPr/>
+              <a:t>for</a:t>
+            </a:r>
+            <a:r>
+              <a:rPr/>
+              <a:t> </a:t>
+            </a:r>
+            <a:r>
+              <a:rPr/>
+              <a:t>data</a:t>
             </a:r>
           </a:p>
         </p:txBody>
       </p:sp>
       <p:pic>
         <p:nvPicPr>
-          <p:cNvPr descr="basics_files/figure-pptx/white-noise-1.png" id="0" name="Picture 1"/>
+          <p:cNvPr descr="basics_files/figure-pptx/LakeHuron-auto-1.png" id="0" name="Picture 1"/>
           <p:cNvPicPr>
             <a:picLocks noGrp="1" noChangeAspect="1"/>
           </p:cNvPicPr>
@@ -6722,7 +6990,7 @@
 </p:sld>
 </file>
 
-<file path=ppt/slides/slide30.xml><?xml version="1.0" encoding="utf-8"?>
+<file path=ppt/slides/slide31.xml><?xml version="1.0" encoding="utf-8"?>
 <p:sld xmlns:a="http://schemas.openxmlformats.org/drawingml/2006/main" xmlns:r="http://schemas.openxmlformats.org/officeDocument/2006/relationships" xmlns:p="http://schemas.openxmlformats.org/presentationml/2006/main">
   <p:cSld>
     <p:spTree>
@@ -6775,6 +7043,744 @@
             </a:r>
             <a:r>
               <a:rPr/>
+              <a:t>mdeaths</a:t>
+            </a:r>
+            <a:r>
+              <a:rPr/>
+              <a:t> </a:t>
+            </a:r>
+            <a:r>
+              <a:rPr/>
+              <a:t>data</a:t>
+            </a:r>
+          </a:p>
+        </p:txBody>
+      </p:sp>
+      <p:sp>
+        <p:nvSpPr>
+          <p:cNvPr id="3" name="Content Placeholder 2"/>
+          <p:cNvSpPr>
+            <a:spLocks noGrp="1"/>
+          </p:cNvSpPr>
+          <p:nvPr>
+            <p:ph idx="1"/>
+          </p:nvPr>
+        </p:nvSpPr>
+        <p:spPr/>
+        <p:txBody>
+          <a:bodyPr/>
+          <a:lstStyle/>
+          <a:p>
+            <a:pPr lvl="0" marL="1270000" indent="0">
+              <a:buNone/>
+            </a:pPr>
+            <a:r>
+              <a:rPr sz="1800" b="1">
+                <a:solidFill>
+                  <a:srgbClr val="007020"/>
+                </a:solidFill>
+                <a:latin typeface="Courier"/>
+              </a:rPr>
+              <a:t>str</a:t>
+            </a:r>
+            <a:r>
+              <a:rPr sz="1800">
+                <a:latin typeface="Courier"/>
+              </a:rPr>
+              <a:t>(mdeaths)</a:t>
+            </a:r>
+          </a:p>
+          <a:p>
+            <a:pPr lvl="0" marL="1270000" indent="0">
+              <a:buNone/>
+            </a:pPr>
+            <a:r>
+              <a:rPr sz="1800">
+                <a:latin typeface="Courier"/>
+              </a:rPr>
+              <a:t>##  Time-Series [1:72] from 1974 to 1980: 2134 1863 1877 1877 1492 ...</a:t>
+            </a:r>
+          </a:p>
+          <a:p>
+            <a:pPr lvl="0" marL="1270000" indent="0">
+              <a:buNone/>
+            </a:pPr>
+            <a:r>
+              <a:rPr sz="1800" b="1">
+                <a:solidFill>
+                  <a:srgbClr val="007020"/>
+                </a:solidFill>
+                <a:latin typeface="Courier"/>
+              </a:rPr>
+              <a:t>attributes</a:t>
+            </a:r>
+            <a:r>
+              <a:rPr sz="1800">
+                <a:latin typeface="Courier"/>
+              </a:rPr>
+              <a:t>(mdeaths)</a:t>
+            </a:r>
+          </a:p>
+          <a:p>
+            <a:pPr lvl="0" marL="1270000" indent="0">
+              <a:buNone/>
+            </a:pPr>
+            <a:r>
+              <a:rPr sz="1800">
+                <a:latin typeface="Courier"/>
+              </a:rPr>
+              <a:t>## $tsp
+## [1] 1974.000 1979.917   12.000
+## 
+## $class
+## [1] "ts"</a:t>
+            </a:r>
+          </a:p>
+        </p:txBody>
+      </p:sp>
+    </p:spTree>
+  </p:cSld>
+</p:sld>
+</file>
+
+<file path=ppt/slides/slide32.xml><?xml version="1.0" encoding="utf-8"?>
+<p:sld xmlns:a="http://schemas.openxmlformats.org/drawingml/2006/main" xmlns:r="http://schemas.openxmlformats.org/officeDocument/2006/relationships" xmlns:p="http://schemas.openxmlformats.org/presentationml/2006/main">
+  <p:cSld>
+    <p:spTree>
+      <p:nvGrpSpPr>
+        <p:cNvPr id="1" name=""/>
+        <p:cNvGrpSpPr/>
+        <p:nvPr/>
+      </p:nvGrpSpPr>
+      <p:grpSpPr>
+        <a:xfrm>
+          <a:off x="0" y="0"/>
+          <a:ext cx="0" cy="0"/>
+          <a:chOff x="0" y="0"/>
+          <a:chExt cx="0" cy="0"/>
+        </a:xfrm>
+      </p:grpSpPr>
+      <p:sp>
+        <p:nvSpPr>
+          <p:cNvPr id="2" name="Title 1"/>
+          <p:cNvSpPr>
+            <a:spLocks noGrp="1"/>
+          </p:cNvSpPr>
+          <p:nvPr>
+            <p:ph type="title"/>
+          </p:nvPr>
+        </p:nvSpPr>
+        <p:spPr/>
+        <p:txBody>
+          <a:bodyPr/>
+          <a:lstStyle/>
+          <a:p>
+            <a:pPr lvl="0" marL="0" indent="0">
+              <a:buNone/>
+            </a:pPr>
+            <a:r>
+              <a:rPr/>
+              <a:t>Plot</a:t>
+            </a:r>
+            <a:r>
+              <a:rPr/>
+              <a:t> </a:t>
+            </a:r>
+            <a:r>
+              <a:rPr/>
+              <a:t>of</a:t>
+            </a:r>
+            <a:r>
+              <a:rPr/>
+              <a:t> </a:t>
+            </a:r>
+            <a:r>
+              <a:rPr/>
+              <a:t>mdeaths</a:t>
+            </a:r>
+          </a:p>
+        </p:txBody>
+      </p:sp>
+      <p:pic>
+        <p:nvPicPr>
+          <p:cNvPr descr="basics_files/figure-pptx/mdeaths-plot-1.png" id="0" name="Picture 1"/>
+          <p:cNvPicPr>
+            <a:picLocks noGrp="1" noChangeAspect="1"/>
+          </p:cNvPicPr>
+          <p:nvPr/>
+        </p:nvPicPr>
+        <p:blipFill>
+          <a:blip r:embed="rId2"/>
+          <a:stretch>
+            <a:fillRect/>
+          </a:stretch>
+        </p:blipFill>
+        <p:spPr bwMode="auto">
+          <a:xfrm>
+            <a:off x="1752600" y="1600200"/>
+            <a:ext cx="5651500" cy="4521200"/>
+          </a:xfrm>
+          <a:prstGeom prst="rect">
+            <a:avLst/>
+          </a:prstGeom>
+          <a:noFill/>
+          <a:ln w="9525">
+            <a:noFill/>
+            <a:headEnd/>
+            <a:tailEnd/>
+          </a:ln>
+        </p:spPr>
+      </p:pic>
+    </p:spTree>
+  </p:cSld>
+</p:sld>
+</file>
+
+<file path=ppt/slides/slide33.xml><?xml version="1.0" encoding="utf-8"?>
+<p:sld xmlns:a="http://schemas.openxmlformats.org/drawingml/2006/main" xmlns:r="http://schemas.openxmlformats.org/officeDocument/2006/relationships" xmlns:p="http://schemas.openxmlformats.org/presentationml/2006/main">
+  <p:cSld>
+    <p:spTree>
+      <p:nvGrpSpPr>
+        <p:cNvPr id="1" name=""/>
+        <p:cNvGrpSpPr/>
+        <p:nvPr/>
+      </p:nvGrpSpPr>
+      <p:grpSpPr>
+        <a:xfrm>
+          <a:off x="0" y="0"/>
+          <a:ext cx="0" cy="0"/>
+          <a:chOff x="0" y="0"/>
+          <a:chExt cx="0" cy="0"/>
+        </a:xfrm>
+      </p:grpSpPr>
+      <p:sp>
+        <p:nvSpPr>
+          <p:cNvPr id="2" name="Title 1"/>
+          <p:cNvSpPr>
+            <a:spLocks noGrp="1"/>
+          </p:cNvSpPr>
+          <p:nvPr>
+            <p:ph type="title"/>
+          </p:nvPr>
+        </p:nvSpPr>
+        <p:spPr/>
+        <p:txBody>
+          <a:bodyPr/>
+          <a:lstStyle/>
+          <a:p>
+            <a:pPr lvl="0" marL="0" indent="0">
+              <a:buNone/>
+            </a:pPr>
+            <a:r>
+              <a:rPr/>
+              <a:t>Structure</a:t>
+            </a:r>
+            <a:r>
+              <a:rPr/>
+              <a:t> </a:t>
+            </a:r>
+            <a:r>
+              <a:rPr/>
+              <a:t>of</a:t>
+            </a:r>
+            <a:r>
+              <a:rPr/>
+              <a:t> </a:t>
+            </a:r>
+            <a:r>
+              <a:rPr/>
+              <a:t>Nile</a:t>
+            </a:r>
+            <a:r>
+              <a:rPr/>
+              <a:t> </a:t>
+            </a:r>
+            <a:r>
+              <a:rPr/>
+              <a:t>data</a:t>
+            </a:r>
+          </a:p>
+        </p:txBody>
+      </p:sp>
+      <p:sp>
+        <p:nvSpPr>
+          <p:cNvPr id="3" name="Content Placeholder 2"/>
+          <p:cNvSpPr>
+            <a:spLocks noGrp="1"/>
+          </p:cNvSpPr>
+          <p:nvPr>
+            <p:ph idx="1"/>
+          </p:nvPr>
+        </p:nvSpPr>
+        <p:spPr/>
+        <p:txBody>
+          <a:bodyPr/>
+          <a:lstStyle/>
+          <a:p>
+            <a:pPr lvl="0" marL="1270000" indent="0">
+              <a:buNone/>
+            </a:pPr>
+            <a:r>
+              <a:rPr sz="1800" b="1">
+                <a:solidFill>
+                  <a:srgbClr val="007020"/>
+                </a:solidFill>
+                <a:latin typeface="Courier"/>
+              </a:rPr>
+              <a:t>str</a:t>
+            </a:r>
+            <a:r>
+              <a:rPr sz="1800">
+                <a:latin typeface="Courier"/>
+              </a:rPr>
+              <a:t>(Nile)</a:t>
+            </a:r>
+          </a:p>
+          <a:p>
+            <a:pPr lvl="0" marL="1270000" indent="0">
+              <a:buNone/>
+            </a:pPr>
+            <a:r>
+              <a:rPr sz="1800">
+                <a:latin typeface="Courier"/>
+              </a:rPr>
+              <a:t>##  Time-Series [1:100] from 1871 to 1970: 1120 1160 963 1210 1160 1160 813 1230 1370 1140 ...</a:t>
+            </a:r>
+          </a:p>
+          <a:p>
+            <a:pPr lvl="0" marL="1270000" indent="0">
+              <a:buNone/>
+            </a:pPr>
+            <a:r>
+              <a:rPr sz="1800" b="1">
+                <a:solidFill>
+                  <a:srgbClr val="007020"/>
+                </a:solidFill>
+                <a:latin typeface="Courier"/>
+              </a:rPr>
+              <a:t>attributes</a:t>
+            </a:r>
+            <a:r>
+              <a:rPr sz="1800">
+                <a:latin typeface="Courier"/>
+              </a:rPr>
+              <a:t>(Nile)</a:t>
+            </a:r>
+          </a:p>
+          <a:p>
+            <a:pPr lvl="0" marL="1270000" indent="0">
+              <a:buNone/>
+            </a:pPr>
+            <a:r>
+              <a:rPr sz="1800">
+                <a:latin typeface="Courier"/>
+              </a:rPr>
+              <a:t>## $tsp
+## [1] 1871 1970    1
+## 
+## $class
+## [1] "ts"</a:t>
+            </a:r>
+          </a:p>
+        </p:txBody>
+      </p:sp>
+    </p:spTree>
+  </p:cSld>
+</p:sld>
+</file>
+
+<file path=ppt/slides/slide34.xml><?xml version="1.0" encoding="utf-8"?>
+<p:sld xmlns:a="http://schemas.openxmlformats.org/drawingml/2006/main" xmlns:r="http://schemas.openxmlformats.org/officeDocument/2006/relationships" xmlns:p="http://schemas.openxmlformats.org/presentationml/2006/main">
+  <p:cSld>
+    <p:spTree>
+      <p:nvGrpSpPr>
+        <p:cNvPr id="1" name=""/>
+        <p:cNvGrpSpPr/>
+        <p:nvPr/>
+      </p:nvGrpSpPr>
+      <p:grpSpPr>
+        <a:xfrm>
+          <a:off x="0" y="0"/>
+          <a:ext cx="0" cy="0"/>
+          <a:chOff x="0" y="0"/>
+          <a:chExt cx="0" cy="0"/>
+        </a:xfrm>
+      </p:grpSpPr>
+      <p:sp>
+        <p:nvSpPr>
+          <p:cNvPr id="2" name="Title 1"/>
+          <p:cNvSpPr>
+            <a:spLocks noGrp="1"/>
+          </p:cNvSpPr>
+          <p:nvPr>
+            <p:ph type="title"/>
+          </p:nvPr>
+        </p:nvSpPr>
+        <p:spPr/>
+        <p:txBody>
+          <a:bodyPr/>
+          <a:lstStyle/>
+          <a:p>
+            <a:pPr lvl="0" marL="0" indent="0">
+              <a:buNone/>
+            </a:pPr>
+            <a:r>
+              <a:rPr/>
+              <a:t>Plot</a:t>
+            </a:r>
+            <a:r>
+              <a:rPr/>
+              <a:t> </a:t>
+            </a:r>
+            <a:r>
+              <a:rPr/>
+              <a:t>of</a:t>
+            </a:r>
+            <a:r>
+              <a:rPr/>
+              <a:t> </a:t>
+            </a:r>
+            <a:r>
+              <a:rPr/>
+              <a:t>Nile</a:t>
+            </a:r>
+            <a:r>
+              <a:rPr/>
+              <a:t> </a:t>
+            </a:r>
+            <a:r>
+              <a:rPr/>
+              <a:t>data</a:t>
+            </a:r>
+          </a:p>
+        </p:txBody>
+      </p:sp>
+      <p:pic>
+        <p:nvPicPr>
+          <p:cNvPr descr="basics_files/figure-pptx/Nile-plot-1.png" id="0" name="Picture 1"/>
+          <p:cNvPicPr>
+            <a:picLocks noGrp="1" noChangeAspect="1"/>
+          </p:cNvPicPr>
+          <p:nvPr/>
+        </p:nvPicPr>
+        <p:blipFill>
+          <a:blip r:embed="rId2"/>
+          <a:stretch>
+            <a:fillRect/>
+          </a:stretch>
+        </p:blipFill>
+        <p:spPr bwMode="auto">
+          <a:xfrm>
+            <a:off x="1752600" y="1600200"/>
+            <a:ext cx="5651500" cy="4521200"/>
+          </a:xfrm>
+          <a:prstGeom prst="rect">
+            <a:avLst/>
+          </a:prstGeom>
+          <a:noFill/>
+          <a:ln w="9525">
+            <a:noFill/>
+            <a:headEnd/>
+            <a:tailEnd/>
+          </a:ln>
+        </p:spPr>
+      </p:pic>
+    </p:spTree>
+  </p:cSld>
+</p:sld>
+</file>
+
+<file path=ppt/slides/slide35.xml><?xml version="1.0" encoding="utf-8"?>
+<p:sld xmlns:a="http://schemas.openxmlformats.org/drawingml/2006/main" xmlns:r="http://schemas.openxmlformats.org/officeDocument/2006/relationships" xmlns:p="http://schemas.openxmlformats.org/presentationml/2006/main">
+  <p:cSld>
+    <p:spTree>
+      <p:nvGrpSpPr>
+        <p:cNvPr id="1" name=""/>
+        <p:cNvGrpSpPr/>
+        <p:nvPr/>
+      </p:nvGrpSpPr>
+      <p:grpSpPr>
+        <a:xfrm>
+          <a:off x="0" y="0"/>
+          <a:ext cx="0" cy="0"/>
+          <a:chOff x="0" y="0"/>
+          <a:chExt cx="0" cy="0"/>
+        </a:xfrm>
+      </p:grpSpPr>
+      <p:sp>
+        <p:nvSpPr>
+          <p:cNvPr id="2" name="Title 1"/>
+          <p:cNvSpPr>
+            <a:spLocks noGrp="1"/>
+          </p:cNvSpPr>
+          <p:nvPr>
+            <p:ph type="title"/>
+          </p:nvPr>
+        </p:nvSpPr>
+        <p:spPr/>
+        <p:txBody>
+          <a:bodyPr/>
+          <a:lstStyle/>
+          <a:p>
+            <a:pPr lvl="0" marL="0" indent="0">
+              <a:buNone/>
+            </a:pPr>
+            <a:r>
+              <a:rPr/>
+              <a:t>Structure</a:t>
+            </a:r>
+            <a:r>
+              <a:rPr/>
+              <a:t> </a:t>
+            </a:r>
+            <a:r>
+              <a:rPr/>
+              <a:t>of</a:t>
+            </a:r>
+            <a:r>
+              <a:rPr/>
+              <a:t> </a:t>
+            </a:r>
+            <a:r>
+              <a:rPr/>
+              <a:t>nottem</a:t>
+            </a:r>
+          </a:p>
+        </p:txBody>
+      </p:sp>
+      <p:sp>
+        <p:nvSpPr>
+          <p:cNvPr id="3" name="Content Placeholder 2"/>
+          <p:cNvSpPr>
+            <a:spLocks noGrp="1"/>
+          </p:cNvSpPr>
+          <p:nvPr>
+            <p:ph idx="1"/>
+          </p:nvPr>
+        </p:nvSpPr>
+        <p:spPr/>
+        <p:txBody>
+          <a:bodyPr/>
+          <a:lstStyle/>
+          <a:p>
+            <a:pPr lvl="0" marL="1270000" indent="0">
+              <a:buNone/>
+            </a:pPr>
+            <a:r>
+              <a:rPr sz="1800" b="1">
+                <a:solidFill>
+                  <a:srgbClr val="007020"/>
+                </a:solidFill>
+                <a:latin typeface="Courier"/>
+              </a:rPr>
+              <a:t>str</a:t>
+            </a:r>
+            <a:r>
+              <a:rPr sz="1800">
+                <a:latin typeface="Courier"/>
+              </a:rPr>
+              <a:t>(nottem)</a:t>
+            </a:r>
+          </a:p>
+          <a:p>
+            <a:pPr lvl="0" marL="1270000" indent="0">
+              <a:buNone/>
+            </a:pPr>
+            <a:r>
+              <a:rPr sz="1800">
+                <a:latin typeface="Courier"/>
+              </a:rPr>
+              <a:t>##  Time-Series [1:240] from 1920 to 1940: 40.6 40.8 44.4 46.7 54.1 58.5 57.7 56.4 54.3 50.5 ...</a:t>
+            </a:r>
+          </a:p>
+          <a:p>
+            <a:pPr lvl="0" marL="1270000" indent="0">
+              <a:buNone/>
+            </a:pPr>
+            <a:r>
+              <a:rPr sz="1800" b="1">
+                <a:solidFill>
+                  <a:srgbClr val="007020"/>
+                </a:solidFill>
+                <a:latin typeface="Courier"/>
+              </a:rPr>
+              <a:t>attributes</a:t>
+            </a:r>
+            <a:r>
+              <a:rPr sz="1800">
+                <a:latin typeface="Courier"/>
+              </a:rPr>
+              <a:t>(nottem)</a:t>
+            </a:r>
+          </a:p>
+          <a:p>
+            <a:pPr lvl="0" marL="1270000" indent="0">
+              <a:buNone/>
+            </a:pPr>
+            <a:r>
+              <a:rPr sz="1800">
+                <a:latin typeface="Courier"/>
+              </a:rPr>
+              <a:t>## $tsp
+## [1] 1920.000 1939.917   12.000
+## 
+## $class
+## [1] "ts"</a:t>
+            </a:r>
+          </a:p>
+        </p:txBody>
+      </p:sp>
+    </p:spTree>
+  </p:cSld>
+</p:sld>
+</file>
+
+<file path=ppt/slides/slide36.xml><?xml version="1.0" encoding="utf-8"?>
+<p:sld xmlns:a="http://schemas.openxmlformats.org/drawingml/2006/main" xmlns:r="http://schemas.openxmlformats.org/officeDocument/2006/relationships" xmlns:p="http://schemas.openxmlformats.org/presentationml/2006/main">
+  <p:cSld>
+    <p:spTree>
+      <p:nvGrpSpPr>
+        <p:cNvPr id="1" name=""/>
+        <p:cNvGrpSpPr/>
+        <p:nvPr/>
+      </p:nvGrpSpPr>
+      <p:grpSpPr>
+        <a:xfrm>
+          <a:off x="0" y="0"/>
+          <a:ext cx="0" cy="0"/>
+          <a:chOff x="0" y="0"/>
+          <a:chExt cx="0" cy="0"/>
+        </a:xfrm>
+      </p:grpSpPr>
+      <p:sp>
+        <p:nvSpPr>
+          <p:cNvPr id="2" name="Title 1"/>
+          <p:cNvSpPr>
+            <a:spLocks noGrp="1"/>
+          </p:cNvSpPr>
+          <p:nvPr>
+            <p:ph type="title"/>
+          </p:nvPr>
+        </p:nvSpPr>
+        <p:spPr/>
+        <p:txBody>
+          <a:bodyPr/>
+          <a:lstStyle/>
+          <a:p>
+            <a:pPr lvl="0" marL="0" indent="0">
+              <a:buNone/>
+            </a:pPr>
+            <a:r>
+              <a:rPr/>
+              <a:t>Plot</a:t>
+            </a:r>
+            <a:r>
+              <a:rPr/>
+              <a:t> </a:t>
+            </a:r>
+            <a:r>
+              <a:rPr/>
+              <a:t>of</a:t>
+            </a:r>
+            <a:r>
+              <a:rPr/>
+              <a:t> </a:t>
+            </a:r>
+            <a:r>
+              <a:rPr/>
+              <a:t>nottem</a:t>
+            </a:r>
+          </a:p>
+        </p:txBody>
+      </p:sp>
+      <p:pic>
+        <p:nvPicPr>
+          <p:cNvPr descr="basics_files/figure-pptx/nottem-plot-1.png" id="0" name="Picture 1"/>
+          <p:cNvPicPr>
+            <a:picLocks noGrp="1" noChangeAspect="1"/>
+          </p:cNvPicPr>
+          <p:nvPr/>
+        </p:nvPicPr>
+        <p:blipFill>
+          <a:blip r:embed="rId2"/>
+          <a:stretch>
+            <a:fillRect/>
+          </a:stretch>
+        </p:blipFill>
+        <p:spPr bwMode="auto">
+          <a:xfrm>
+            <a:off x="1752600" y="1600200"/>
+            <a:ext cx="5651500" cy="4521200"/>
+          </a:xfrm>
+          <a:prstGeom prst="rect">
+            <a:avLst/>
+          </a:prstGeom>
+          <a:noFill/>
+          <a:ln w="9525">
+            <a:noFill/>
+            <a:headEnd/>
+            <a:tailEnd/>
+          </a:ln>
+        </p:spPr>
+      </p:pic>
+    </p:spTree>
+  </p:cSld>
+</p:sld>
+</file>
+
+<file path=ppt/slides/slide37.xml><?xml version="1.0" encoding="utf-8"?>
+<p:sld xmlns:a="http://schemas.openxmlformats.org/drawingml/2006/main" xmlns:r="http://schemas.openxmlformats.org/officeDocument/2006/relationships" xmlns:p="http://schemas.openxmlformats.org/presentationml/2006/main">
+  <p:cSld>
+    <p:spTree>
+      <p:nvGrpSpPr>
+        <p:cNvPr id="1" name=""/>
+        <p:cNvGrpSpPr/>
+        <p:nvPr/>
+      </p:nvGrpSpPr>
+      <p:grpSpPr>
+        <a:xfrm>
+          <a:off x="0" y="0"/>
+          <a:ext cx="0" cy="0"/>
+          <a:chOff x="0" y="0"/>
+          <a:chExt cx="0" cy="0"/>
+        </a:xfrm>
+      </p:grpSpPr>
+      <p:sp>
+        <p:nvSpPr>
+          <p:cNvPr id="2" name="Title 1"/>
+          <p:cNvSpPr>
+            <a:spLocks noGrp="1"/>
+          </p:cNvSpPr>
+          <p:nvPr>
+            <p:ph type="title"/>
+          </p:nvPr>
+        </p:nvSpPr>
+        <p:spPr/>
+        <p:txBody>
+          <a:bodyPr/>
+          <a:lstStyle/>
+          <a:p>
+            <a:pPr lvl="0" marL="0" indent="0">
+              <a:buNone/>
+            </a:pPr>
+            <a:r>
+              <a:rPr/>
+              <a:t>Structure</a:t>
+            </a:r>
+            <a:r>
+              <a:rPr/>
+              <a:t> </a:t>
+            </a:r>
+            <a:r>
+              <a:rPr/>
+              <a:t>of</a:t>
+            </a:r>
+            <a:r>
+              <a:rPr/>
+              <a:t> </a:t>
+            </a:r>
+            <a:r>
+              <a:rPr/>
               <a:t>sunspot.year</a:t>
             </a:r>
           </a:p>
@@ -6867,7 +7873,7 @@
 </p:sld>
 </file>
 
-<file path=ppt/slides/slide31.xml><?xml version="1.0" encoding="utf-8"?>
+<file path=ppt/slides/slide38.xml><?xml version="1.0" encoding="utf-8"?>
 <p:sld xmlns:a="http://schemas.openxmlformats.org/drawingml/2006/main" xmlns:r="http://schemas.openxmlformats.org/officeDocument/2006/relationships" xmlns:p="http://schemas.openxmlformats.org/presentationml/2006/main">
   <p:cSld>
     <p:spTree>
@@ -6960,7 +7966,7 @@
 </p:sld>
 </file>
 
-<file path=ppt/slides/slide32.xml><?xml version="1.0" encoding="utf-8"?>
+<file path=ppt/slides/slide39.xml><?xml version="1.0" encoding="utf-8"?>
 <p:sld xmlns:a="http://schemas.openxmlformats.org/drawingml/2006/main" xmlns:r="http://schemas.openxmlformats.org/officeDocument/2006/relationships" xmlns:p="http://schemas.openxmlformats.org/presentationml/2006/main">
   <p:cSld>
     <p:spTree>
@@ -7105,7 +8111,211 @@
 </p:sld>
 </file>
 
-<file path=ppt/slides/slide33.xml><?xml version="1.0" encoding="utf-8"?>
+<file path=ppt/slides/slide4.xml><?xml version="1.0" encoding="utf-8"?>
+<p:sld xmlns:a="http://schemas.openxmlformats.org/drawingml/2006/main" xmlns:r="http://schemas.openxmlformats.org/officeDocument/2006/relationships" xmlns:p="http://schemas.openxmlformats.org/presentationml/2006/main">
+  <p:cSld>
+    <p:spTree>
+      <p:nvGrpSpPr>
+        <p:cNvPr id="1" name=""/>
+        <p:cNvGrpSpPr/>
+        <p:nvPr/>
+      </p:nvGrpSpPr>
+      <p:grpSpPr>
+        <a:xfrm>
+          <a:off x="0" y="0"/>
+          <a:ext cx="0" cy="0"/>
+          <a:chOff x="0" y="0"/>
+          <a:chExt cx="0" cy="0"/>
+        </a:xfrm>
+      </p:grpSpPr>
+      <p:sp>
+        <p:nvSpPr>
+          <p:cNvPr id="2" name="Title 1"/>
+          <p:cNvSpPr>
+            <a:spLocks noGrp="1"/>
+          </p:cNvSpPr>
+          <p:nvPr>
+            <p:ph type="title"/>
+          </p:nvPr>
+        </p:nvSpPr>
+        <p:spPr/>
+        <p:txBody>
+          <a:bodyPr/>
+          <a:lstStyle/>
+          <a:p>
+            <a:pPr lvl="0" marL="0" indent="0">
+              <a:buNone/>
+            </a:pPr>
+            <a:r>
+              <a:rPr/>
+              <a:t>Differencing</a:t>
+            </a:r>
+          </a:p>
+        </p:txBody>
+      </p:sp>
+      <mc:AlternateContent xmlns:mc="http://schemas.openxmlformats.org/markup-compatibility/2006">
+        <mc:Choice xmlns:a14="http://schemas.microsoft.com/office/drawing/2010/main" Requires="a14">
+          <p:sp>
+            <p:nvSpPr>
+              <p:cNvPr id="3" name="Content Placeholder 2"/>
+              <p:cNvSpPr>
+                <a:spLocks noGrp="1"/>
+              </p:cNvSpPr>
+              <p:nvPr>
+                <p:ph idx="1"/>
+              </p:nvPr>
+            </p:nvSpPr>
+            <p:spPr/>
+            <p:txBody>
+              <a:bodyPr/>
+              <a:lstStyle/>
+              <a:p>
+                <a:pPr lvl="0" marL="0" indent="0">
+                  <a:buNone/>
+                </a:pPr>
+                <a:r>
+                  <a:rPr/>
+                  <a:t>An alternate way to remove a trend or deseasonalize a data set is through differencing.</a:t>
+                </a:r>
+              </a:p>
+              <a:p>
+                <a:pPr lvl="1"/>
+                <a:r>
+                  <a:rPr/>
+                  <a:t>Detrending</a:t>
+                </a:r>
+              </a:p>
+              <a:p>
+                <a:pPr lvl="0" marL="0" indent="0">
+                  <a:buNone/>
+                </a:pPr>
+                <a14:m>
+                  <m:oMath xmlns:m="http://schemas.openxmlformats.org/officeDocument/2006/math">
+                    <m:sSub>
+                      <m:e>
+                        <m:r>
+                          <m:t>D</m:t>
+                        </m:r>
+                      </m:e>
+                      <m:sub>
+                        <m:r>
+                          <m:t>t</m:t>
+                        </m:r>
+                      </m:sub>
+                    </m:sSub>
+                    <m:r>
+                      <m:t>=</m:t>
+                    </m:r>
+                    <m:sSub>
+                      <m:e>
+                        <m:r>
+                          <m:t>Y</m:t>
+                        </m:r>
+                      </m:e>
+                      <m:sub>
+                        <m:r>
+                          <m:t>t</m:t>
+                        </m:r>
+                      </m:sub>
+                    </m:sSub>
+                    <m:r>
+                      <m:t>−</m:t>
+                    </m:r>
+                    <m:sSub>
+                      <m:e>
+                        <m:r>
+                          <m:t>Y</m:t>
+                        </m:r>
+                      </m:e>
+                      <m:sub>
+                        <m:r>
+                          <m:t>t</m:t>
+                        </m:r>
+                        <m:r>
+                          <m:t>−</m:t>
+                        </m:r>
+                        <m:r>
+                          <m:t>1</m:t>
+                        </m:r>
+                      </m:sub>
+                    </m:sSub>
+                  </m:oMath>
+                </a14:m>
+              </a:p>
+              <a:p>
+                <a:pPr lvl="1"/>
+                <a:r>
+                  <a:rPr/>
+                  <a:t>Deseasonalizing (s=# of seasons)</a:t>
+                </a:r>
+              </a:p>
+              <a:p>
+                <a:pPr lvl="0" marL="0" indent="0">
+                  <a:buNone/>
+                </a:pPr>
+                <a14:m>
+                  <m:oMath xmlns:m="http://schemas.openxmlformats.org/officeDocument/2006/math">
+                    <m:sSub>
+                      <m:e>
+                        <m:r>
+                          <m:t>D</m:t>
+                        </m:r>
+                      </m:e>
+                      <m:sub>
+                        <m:r>
+                          <m:t>t</m:t>
+                        </m:r>
+                      </m:sub>
+                    </m:sSub>
+                    <m:r>
+                      <m:t>=</m:t>
+                    </m:r>
+                    <m:sSub>
+                      <m:e>
+                        <m:r>
+                          <m:t>Y</m:t>
+                        </m:r>
+                      </m:e>
+                      <m:sub>
+                        <m:r>
+                          <m:t>t</m:t>
+                        </m:r>
+                      </m:sub>
+                    </m:sSub>
+                    <m:r>
+                      <m:t>−</m:t>
+                    </m:r>
+                    <m:sSub>
+                      <m:e>
+                        <m:r>
+                          <m:t>Y</m:t>
+                        </m:r>
+                      </m:e>
+                      <m:sub>
+                        <m:r>
+                          <m:t>t</m:t>
+                        </m:r>
+                        <m:r>
+                          <m:t>−</m:t>
+                        </m:r>
+                        <m:r>
+                          <m:t>s</m:t>
+                        </m:r>
+                      </m:sub>
+                    </m:sSub>
+                  </m:oMath>
+                </a14:m>
+              </a:p>
+            </p:txBody>
+          </p:sp>
+        </mc:Choice>
+      </mc:AlternateContent>
+    </p:spTree>
+  </p:cSld>
+</p:sld>
+</file>
+
+<file path=ppt/slides/slide40.xml><?xml version="1.0" encoding="utf-8"?>
 <p:sld xmlns:a="http://schemas.openxmlformats.org/drawingml/2006/main" xmlns:r="http://schemas.openxmlformats.org/officeDocument/2006/relationships" xmlns:p="http://schemas.openxmlformats.org/presentationml/2006/main">
   <p:cSld>
     <p:spTree>
@@ -7198,7 +8408,7 @@
 </p:sld>
 </file>
 
-<file path=ppt/slides/slide34.xml><?xml version="1.0" encoding="utf-8"?>
+<file path=ppt/slides/slide41.xml><?xml version="1.0" encoding="utf-8"?>
 <p:sld xmlns:a="http://schemas.openxmlformats.org/drawingml/2006/main" xmlns:r="http://schemas.openxmlformats.org/officeDocument/2006/relationships" xmlns:p="http://schemas.openxmlformats.org/presentationml/2006/main">
   <p:cSld>
     <p:spTree>
@@ -7327,7 +8537,7 @@
 </p:sld>
 </file>
 
-<file path=ppt/slides/slide35.xml><?xml version="1.0" encoding="utf-8"?>
+<file path=ppt/slides/slide42.xml><?xml version="1.0" encoding="utf-8"?>
 <p:sld xmlns:a="http://schemas.openxmlformats.org/drawingml/2006/main" xmlns:r="http://schemas.openxmlformats.org/officeDocument/2006/relationships" xmlns:p="http://schemas.openxmlformats.org/presentationml/2006/main">
   <p:cSld>
     <p:spTree>
@@ -7420,7 +8630,7 @@
 </p:sld>
 </file>
 
-<file path=ppt/slides/slide36.xml><?xml version="1.0" encoding="utf-8"?>
+<file path=ppt/slides/slide43.xml><?xml version="1.0" encoding="utf-8"?>
 <p:sld xmlns:a="http://schemas.openxmlformats.org/drawingml/2006/main" xmlns:r="http://schemas.openxmlformats.org/officeDocument/2006/relationships" xmlns:p="http://schemas.openxmlformats.org/presentationml/2006/main">
   <p:cSld>
     <p:spTree>
@@ -7549,7 +8759,7 @@
 </p:sld>
 </file>
 
-<file path=ppt/slides/slide37.xml><?xml version="1.0" encoding="utf-8"?>
+<file path=ppt/slides/slide44.xml><?xml version="1.0" encoding="utf-8"?>
 <p:sld xmlns:a="http://schemas.openxmlformats.org/drawingml/2006/main" xmlns:r="http://schemas.openxmlformats.org/officeDocument/2006/relationships" xmlns:p="http://schemas.openxmlformats.org/presentationml/2006/main">
   <p:cSld>
     <p:spTree>
@@ -7634,7 +8844,7 @@
 </p:sld>
 </file>
 
-<file path=ppt/slides/slide38.xml><?xml version="1.0" encoding="utf-8"?>
+<file path=ppt/slides/slide45.xml><?xml version="1.0" encoding="utf-8"?>
 <p:sld xmlns:a="http://schemas.openxmlformats.org/drawingml/2006/main" xmlns:r="http://schemas.openxmlformats.org/officeDocument/2006/relationships" xmlns:p="http://schemas.openxmlformats.org/presentationml/2006/main">
   <p:cSld>
     <p:spTree>
@@ -7711,97 +8921,6 @@
 </p:sld>
 </file>
 
-<file path=ppt/slides/slide4.xml><?xml version="1.0" encoding="utf-8"?>
-<p:sld xmlns:a="http://schemas.openxmlformats.org/drawingml/2006/main" xmlns:r="http://schemas.openxmlformats.org/officeDocument/2006/relationships" xmlns:p="http://schemas.openxmlformats.org/presentationml/2006/main">
-  <p:cSld>
-    <p:spTree>
-      <p:nvGrpSpPr>
-        <p:cNvPr id="1" name=""/>
-        <p:cNvGrpSpPr/>
-        <p:nvPr/>
-      </p:nvGrpSpPr>
-      <p:grpSpPr>
-        <a:xfrm>
-          <a:off x="0" y="0"/>
-          <a:ext cx="0" cy="0"/>
-          <a:chOff x="0" y="0"/>
-          <a:chExt cx="0" cy="0"/>
-        </a:xfrm>
-      </p:grpSpPr>
-      <p:sp>
-        <p:nvSpPr>
-          <p:cNvPr id="2" name="Title 1"/>
-          <p:cNvSpPr>
-            <a:spLocks noGrp="1"/>
-          </p:cNvSpPr>
-          <p:nvPr>
-            <p:ph type="title"/>
-          </p:nvPr>
-        </p:nvSpPr>
-        <p:spPr/>
-        <p:txBody>
-          <a:bodyPr/>
-          <a:lstStyle/>
-          <a:p>
-            <a:pPr lvl="0" marL="0" indent="0">
-              <a:buNone/>
-            </a:pPr>
-            <a:r>
-              <a:rPr/>
-              <a:t>Structure</a:t>
-            </a:r>
-          </a:p>
-        </p:txBody>
-      </p:sp>
-      <p:sp>
-        <p:nvSpPr>
-          <p:cNvPr id="3" name="Content Placeholder 2"/>
-          <p:cNvSpPr>
-            <a:spLocks noGrp="1"/>
-          </p:cNvSpPr>
-          <p:nvPr>
-            <p:ph idx="1"/>
-          </p:nvPr>
-        </p:nvSpPr>
-        <p:spPr/>
-        <p:txBody>
-          <a:bodyPr/>
-          <a:lstStyle/>
-          <a:p>
-            <a:pPr lvl="0" marL="0" indent="0">
-              <a:buNone/>
-            </a:pPr>
-            <a:r>
-              <a:rPr/>
-              <a:t>The base R package has an object class, ts. You can specify three parameters: start, stop, and frequency. You do not need to place your data in a ts object before running time series analyses.</a:t>
-            </a:r>
-          </a:p>
-          <a:p>
-            <a:pPr lvl="0" marL="0" indent="0">
-              <a:buNone/>
-            </a:pPr>
-            <a:r>
-              <a:rPr/>
-              <a:t>There is a new class, tsibble, that I have not had a chance to work with. It is based on the principles of tidy data. Read the </a:t>
-            </a:r>
-            <a:r>
-              <a:rPr>
-                <a:hlinkClick r:id="rId2"/>
-              </a:rPr>
-              <a:t>tsibble vignette</a:t>
-            </a:r>
-            <a:r>
-              <a:rPr/>
-              <a:t> for more information.</a:t>
-            </a:r>
-          </a:p>
-        </p:txBody>
-      </p:sp>
-    </p:spTree>
-  </p:cSld>
-</p:sld>
-</file>
-
 <file path=ppt/slides/slide5.xml><?xml version="1.0" encoding="utf-8"?>
 <p:sld xmlns:a="http://schemas.openxmlformats.org/drawingml/2006/main" xmlns:r="http://schemas.openxmlformats.org/officeDocument/2006/relationships" xmlns:p="http://schemas.openxmlformats.org/presentationml/2006/main">
   <p:cSld>
@@ -7839,6 +8958,373 @@
             </a:pPr>
             <a:r>
               <a:rPr/>
+              <a:t>Models</a:t>
+            </a:r>
+            <a:r>
+              <a:rPr/>
+              <a:t> </a:t>
+            </a:r>
+            <a:r>
+              <a:rPr/>
+              <a:t>for</a:t>
+            </a:r>
+            <a:r>
+              <a:rPr/>
+              <a:t> </a:t>
+            </a:r>
+            <a:r>
+              <a:rPr/>
+              <a:t>the</a:t>
+            </a:r>
+            <a:r>
+              <a:rPr/>
+              <a:t> </a:t>
+            </a:r>
+            <a:r>
+              <a:rPr/>
+              <a:t>random</a:t>
+            </a:r>
+            <a:r>
+              <a:rPr/>
+              <a:t> </a:t>
+            </a:r>
+            <a:r>
+              <a:rPr/>
+              <a:t>component</a:t>
+            </a:r>
+          </a:p>
+        </p:txBody>
+      </p:sp>
+      <mc:AlternateContent xmlns:mc="http://schemas.openxmlformats.org/markup-compatibility/2006">
+        <mc:Choice xmlns:a14="http://schemas.microsoft.com/office/drawing/2010/main" Requires="a14">
+          <p:sp>
+            <p:nvSpPr>
+              <p:cNvPr id="3" name="Content Placeholder 2"/>
+              <p:cNvSpPr>
+                <a:spLocks noGrp="1"/>
+              </p:cNvSpPr>
+              <p:nvPr>
+                <p:ph idx="1"/>
+              </p:nvPr>
+            </p:nvSpPr>
+            <p:spPr/>
+            <p:txBody>
+              <a:bodyPr/>
+              <a:lstStyle/>
+              <a:p>
+                <a:pPr lvl="1"/>
+                <a:r>
+                  <a:rPr/>
+                  <a:t>White noise</a:t>
+                </a:r>
+              </a:p>
+              <a:p>
+                <a:pPr lvl="0" marL="0" indent="0">
+                  <a:buNone/>
+                </a:pPr>
+                <a14:m>
+                  <m:oMath xmlns:m="http://schemas.openxmlformats.org/officeDocument/2006/math">
+                    <m:sSub>
+                      <m:e>
+                        <m:r>
+                          <m:t>Z</m:t>
+                        </m:r>
+                      </m:e>
+                      <m:sub>
+                        <m:r>
+                          <m:t>t</m:t>
+                        </m:r>
+                      </m:sub>
+                    </m:sSub>
+                    <m:r>
+                      <m:t>=</m:t>
+                    </m:r>
+                    <m:sSub>
+                      <m:e>
+                        <m:r>
+                          <m:t>ϵ</m:t>
+                        </m:r>
+                      </m:e>
+                      <m:sub>
+                        <m:r>
+                          <m:t>t</m:t>
+                        </m:r>
+                      </m:sub>
+                    </m:sSub>
+                  </m:oMath>
+                </a14:m>
+              </a:p>
+              <a:p>
+                <a:pPr lvl="1"/>
+                <a:r>
+                  <a:rPr/>
+                  <a:t>Autoregressive (AR)</a:t>
+                </a:r>
+              </a:p>
+              <a:p>
+                <a:pPr lvl="0" marL="0" indent="0">
+                  <a:buNone/>
+                </a:pPr>
+                <a14:m>
+                  <m:oMath xmlns:m="http://schemas.openxmlformats.org/officeDocument/2006/math">
+                    <m:sSub>
+                      <m:e>
+                        <m:r>
+                          <m:t>Z</m:t>
+                        </m:r>
+                      </m:e>
+                      <m:sub>
+                        <m:r>
+                          <m:t>t</m:t>
+                        </m:r>
+                      </m:sub>
+                    </m:sSub>
+                    <m:r>
+                      <m:t>=</m:t>
+                    </m:r>
+                    <m:sSub>
+                      <m:e>
+                        <m:r>
+                          <m:t>ϵ</m:t>
+                        </m:r>
+                      </m:e>
+                      <m:sub>
+                        <m:r>
+                          <m:t>t</m:t>
+                        </m:r>
+                      </m:sub>
+                    </m:sSub>
+                    <m:r>
+                      <m:t>+</m:t>
+                    </m:r>
+                    <m:r>
+                      <m:t>ϕ</m:t>
+                    </m:r>
+                    <m:sSub>
+                      <m:e>
+                        <m:r>
+                          <m:t>Z</m:t>
+                        </m:r>
+                      </m:e>
+                      <m:sub>
+                        <m:r>
+                          <m:t>t</m:t>
+                        </m:r>
+                        <m:r>
+                          <m:t>−</m:t>
+                        </m:r>
+                        <m:r>
+                          <m:t>1</m:t>
+                        </m:r>
+                      </m:sub>
+                    </m:sSub>
+                  </m:oMath>
+                </a14:m>
+              </a:p>
+              <a:p>
+                <a:pPr lvl="1"/>
+                <a:r>
+                  <a:rPr/>
+                  <a:t>Moving average (MA)</a:t>
+                </a:r>
+              </a:p>
+              <a:p>
+                <a:pPr lvl="0" marL="0" indent="0">
+                  <a:buNone/>
+                </a:pPr>
+                <a14:m>
+                  <m:oMath xmlns:m="http://schemas.openxmlformats.org/officeDocument/2006/math">
+                    <m:sSub>
+                      <m:e>
+                        <m:r>
+                          <m:t>Z</m:t>
+                        </m:r>
+                      </m:e>
+                      <m:sub>
+                        <m:r>
+                          <m:t>t</m:t>
+                        </m:r>
+                      </m:sub>
+                    </m:sSub>
+                    <m:r>
+                      <m:t>=</m:t>
+                    </m:r>
+                    <m:sSub>
+                      <m:e>
+                        <m:r>
+                          <m:t>ϵ</m:t>
+                        </m:r>
+                      </m:e>
+                      <m:sub>
+                        <m:r>
+                          <m:t>t</m:t>
+                        </m:r>
+                      </m:sub>
+                    </m:sSub>
+                    <m:r>
+                      <m:t>+</m:t>
+                    </m:r>
+                    <m:r>
+                      <m:t>θ</m:t>
+                    </m:r>
+                    <m:sSub>
+                      <m:e>
+                        <m:r>
+                          <m:t>ϵ</m:t>
+                        </m:r>
+                      </m:e>
+                      <m:sub>
+                        <m:r>
+                          <m:t>t</m:t>
+                        </m:r>
+                        <m:r>
+                          <m:t>−</m:t>
+                        </m:r>
+                        <m:r>
+                          <m:t>1</m:t>
+                        </m:r>
+                      </m:sub>
+                    </m:sSub>
+                  </m:oMath>
+                </a14:m>
+              </a:p>
+            </p:txBody>
+          </p:sp>
+        </mc:Choice>
+      </mc:AlternateContent>
+    </p:spTree>
+  </p:cSld>
+</p:sld>
+</file>
+
+<file path=ppt/slides/slide6.xml><?xml version="1.0" encoding="utf-8"?>
+<p:sld xmlns:a="http://schemas.openxmlformats.org/drawingml/2006/main" xmlns:r="http://schemas.openxmlformats.org/officeDocument/2006/relationships" xmlns:p="http://schemas.openxmlformats.org/presentationml/2006/main">
+  <p:cSld>
+    <p:spTree>
+      <p:nvGrpSpPr>
+        <p:cNvPr id="1" name=""/>
+        <p:cNvGrpSpPr/>
+        <p:nvPr/>
+      </p:nvGrpSpPr>
+      <p:grpSpPr>
+        <a:xfrm>
+          <a:off x="0" y="0"/>
+          <a:ext cx="0" cy="0"/>
+          <a:chOff x="0" y="0"/>
+          <a:chExt cx="0" cy="0"/>
+        </a:xfrm>
+      </p:grpSpPr>
+      <p:sp>
+        <p:nvSpPr>
+          <p:cNvPr id="2" name="Title 1"/>
+          <p:cNvSpPr>
+            <a:spLocks noGrp="1"/>
+          </p:cNvSpPr>
+          <p:nvPr>
+            <p:ph type="title"/>
+          </p:nvPr>
+        </p:nvSpPr>
+        <p:spPr/>
+        <p:txBody>
+          <a:bodyPr/>
+          <a:lstStyle/>
+          <a:p>
+            <a:pPr lvl="0" marL="0" indent="0">
+              <a:buNone/>
+            </a:pPr>
+            <a:r>
+              <a:rPr/>
+              <a:t>Structure</a:t>
+            </a:r>
+          </a:p>
+        </p:txBody>
+      </p:sp>
+      <p:sp>
+        <p:nvSpPr>
+          <p:cNvPr id="3" name="Content Placeholder 2"/>
+          <p:cNvSpPr>
+            <a:spLocks noGrp="1"/>
+          </p:cNvSpPr>
+          <p:nvPr>
+            <p:ph idx="1"/>
+          </p:nvPr>
+        </p:nvSpPr>
+        <p:spPr/>
+        <p:txBody>
+          <a:bodyPr/>
+          <a:lstStyle/>
+          <a:p>
+            <a:pPr lvl="0" marL="0" indent="0">
+              <a:buNone/>
+            </a:pPr>
+            <a:r>
+              <a:rPr/>
+              <a:t>The base R package has an object class, ts. You can specify three parameters: start, stop, and frequency. You do not need to place your data in a ts object before running time series analyses.</a:t>
+            </a:r>
+          </a:p>
+          <a:p>
+            <a:pPr lvl="0" marL="0" indent="0">
+              <a:buNone/>
+            </a:pPr>
+            <a:r>
+              <a:rPr/>
+              <a:t>There is a new class, tsibble, that I have not had a chance to work with. It is based on the principles of tidy data. Read the </a:t>
+            </a:r>
+            <a:r>
+              <a:rPr>
+                <a:hlinkClick r:id="rId2"/>
+              </a:rPr>
+              <a:t>tsibble vignette</a:t>
+            </a:r>
+            <a:r>
+              <a:rPr/>
+              <a:t> for more information.</a:t>
+            </a:r>
+          </a:p>
+        </p:txBody>
+      </p:sp>
+    </p:spTree>
+  </p:cSld>
+</p:sld>
+</file>
+
+<file path=ppt/slides/slide7.xml><?xml version="1.0" encoding="utf-8"?>
+<p:sld xmlns:a="http://schemas.openxmlformats.org/drawingml/2006/main" xmlns:r="http://schemas.openxmlformats.org/officeDocument/2006/relationships" xmlns:p="http://schemas.openxmlformats.org/presentationml/2006/main">
+  <p:cSld>
+    <p:spTree>
+      <p:nvGrpSpPr>
+        <p:cNvPr id="1" name=""/>
+        <p:cNvGrpSpPr/>
+        <p:nvPr/>
+      </p:nvGrpSpPr>
+      <p:grpSpPr>
+        <a:xfrm>
+          <a:off x="0" y="0"/>
+          <a:ext cx="0" cy="0"/>
+          <a:chOff x="0" y="0"/>
+          <a:chExt cx="0" cy="0"/>
+        </a:xfrm>
+      </p:grpSpPr>
+      <p:sp>
+        <p:nvSpPr>
+          <p:cNvPr id="2" name="Title 1"/>
+          <p:cNvSpPr>
+            <a:spLocks noGrp="1"/>
+          </p:cNvSpPr>
+          <p:nvPr>
+            <p:ph type="title"/>
+          </p:nvPr>
+        </p:nvSpPr>
+        <p:spPr/>
+        <p:txBody>
+          <a:bodyPr/>
+          <a:lstStyle/>
+          <a:p>
+            <a:pPr lvl="0" marL="0" indent="0">
+              <a:buNone/>
+            </a:pPr>
+            <a:r>
+              <a:rPr/>
               <a:t>Structure</a:t>
             </a:r>
             <a:r>
@@ -7955,7 +9441,7 @@
 </p:sld>
 </file>
 
-<file path=ppt/slides/slide6.xml><?xml version="1.0" encoding="utf-8"?>
+<file path=ppt/slides/slide8.xml><?xml version="1.0" encoding="utf-8"?>
 <p:sld xmlns:a="http://schemas.openxmlformats.org/drawingml/2006/main" xmlns:r="http://schemas.openxmlformats.org/officeDocument/2006/relationships" xmlns:p="http://schemas.openxmlformats.org/presentationml/2006/main">
   <p:cSld>
     <p:spTree>
@@ -8056,255 +9542,6 @@
 </p:sld>
 </file>
 
-<file path=ppt/slides/slide7.xml><?xml version="1.0" encoding="utf-8"?>
-<p:sld xmlns:a="http://schemas.openxmlformats.org/drawingml/2006/main" xmlns:r="http://schemas.openxmlformats.org/officeDocument/2006/relationships" xmlns:p="http://schemas.openxmlformats.org/presentationml/2006/main">
-  <p:cSld>
-    <p:spTree>
-      <p:nvGrpSpPr>
-        <p:cNvPr id="1" name=""/>
-        <p:cNvGrpSpPr/>
-        <p:nvPr/>
-      </p:nvGrpSpPr>
-      <p:grpSpPr>
-        <a:xfrm>
-          <a:off x="0" y="0"/>
-          <a:ext cx="0" cy="0"/>
-          <a:chOff x="0" y="0"/>
-          <a:chExt cx="0" cy="0"/>
-        </a:xfrm>
-      </p:grpSpPr>
-      <p:sp>
-        <p:nvSpPr>
-          <p:cNvPr id="2" name="Title 1"/>
-          <p:cNvSpPr>
-            <a:spLocks noGrp="1"/>
-          </p:cNvSpPr>
-          <p:nvPr>
-            <p:ph type="title"/>
-          </p:nvPr>
-        </p:nvSpPr>
-        <p:spPr/>
-        <p:txBody>
-          <a:bodyPr/>
-          <a:lstStyle/>
-          <a:p>
-            <a:pPr lvl="0" marL="0" indent="0">
-              <a:buNone/>
-            </a:pPr>
-            <a:r>
-              <a:rPr/>
-              <a:t>Decomposition</a:t>
-            </a:r>
-            <a:r>
-              <a:rPr/>
-              <a:t> </a:t>
-            </a:r>
-            <a:r>
-              <a:rPr/>
-              <a:t>of</a:t>
-            </a:r>
-            <a:r>
-              <a:rPr/>
-              <a:t> </a:t>
-            </a:r>
-            <a:r>
-              <a:rPr/>
-              <a:t>co2</a:t>
-            </a:r>
-          </a:p>
-        </p:txBody>
-      </p:sp>
-      <p:sp>
-        <p:nvSpPr>
-          <p:cNvPr id="3" name="Content Placeholder 2"/>
-          <p:cNvSpPr>
-            <a:spLocks noGrp="1"/>
-          </p:cNvSpPr>
-          <p:nvPr>
-            <p:ph idx="1"/>
-          </p:nvPr>
-        </p:nvSpPr>
-        <p:spPr/>
-        <p:txBody>
-          <a:bodyPr/>
-          <a:lstStyle/>
-          <a:p>
-            <a:pPr lvl="0" marL="1270000" indent="0">
-              <a:buNone/>
-            </a:pPr>
-            <a:r>
-              <a:rPr sz="1800">
-                <a:latin typeface="Courier"/>
-              </a:rPr>
-              <a:t>co2_d &lt;-</a:t>
-            </a:r>
-            <a:r>
-              <a:rPr sz="1800">
-                <a:solidFill>
-                  <a:srgbClr val="4070A0"/>
-                </a:solidFill>
-                <a:latin typeface="Courier"/>
-              </a:rPr>
-              <a:t> </a:t>
-            </a:r>
-            <a:r>
-              <a:rPr sz="1800" b="1">
-                <a:solidFill>
-                  <a:srgbClr val="007020"/>
-                </a:solidFill>
-                <a:latin typeface="Courier"/>
-              </a:rPr>
-              <a:t>decompose</a:t>
-            </a:r>
-            <a:r>
-              <a:rPr sz="1800">
-                <a:latin typeface="Courier"/>
-              </a:rPr>
-              <a:t>(co2)</a:t>
-            </a:r>
-            <a:br/>
-            <a:r>
-              <a:rPr sz="1800" b="1">
-                <a:solidFill>
-                  <a:srgbClr val="007020"/>
-                </a:solidFill>
-                <a:latin typeface="Courier"/>
-              </a:rPr>
-              <a:t>str</a:t>
-            </a:r>
-            <a:r>
-              <a:rPr sz="1800">
-                <a:latin typeface="Courier"/>
-              </a:rPr>
-              <a:t>(co2_d)</a:t>
-            </a:r>
-          </a:p>
-          <a:p>
-            <a:pPr lvl="0" marL="1270000" indent="0">
-              <a:buNone/>
-            </a:pPr>
-            <a:r>
-              <a:rPr sz="1800">
-                <a:latin typeface="Courier"/>
-              </a:rPr>
-              <a:t>## List of 6
-##  $ x       : Time-Series [1:468] from 1959 to 1998: 315 316 316 318 318 ...
-##  $ seasonal: Time-Series [1:468] from 1959 to 1998: -0.0536 0.6106 1.3756 2.5168 3.0003 ...
-##  $ trend   : Time-Series [1:468] from 1959 to 1998: NA NA NA NA NA ...
-##  $ random  : Time-Series [1:468] from 1959 to 1998: NA NA NA NA NA ...
-##  $ figure  : num [1:12] -0.0536 0.6106 1.3756 2.5168 3.0003 ...
-##  $ type    : chr "additive"
-##  - attr(*, "class")= chr "decomposed.ts"</a:t>
-            </a:r>
-          </a:p>
-        </p:txBody>
-      </p:sp>
-    </p:spTree>
-  </p:cSld>
-</p:sld>
-</file>
-
-<file path=ppt/slides/slide8.xml><?xml version="1.0" encoding="utf-8"?>
-<p:sld xmlns:a="http://schemas.openxmlformats.org/drawingml/2006/main" xmlns:r="http://schemas.openxmlformats.org/officeDocument/2006/relationships" xmlns:p="http://schemas.openxmlformats.org/presentationml/2006/main">
-  <p:cSld>
-    <p:spTree>
-      <p:nvGrpSpPr>
-        <p:cNvPr id="1" name=""/>
-        <p:cNvGrpSpPr/>
-        <p:nvPr/>
-      </p:nvGrpSpPr>
-      <p:grpSpPr>
-        <a:xfrm>
-          <a:off x="0" y="0"/>
-          <a:ext cx="0" cy="0"/>
-          <a:chOff x="0" y="0"/>
-          <a:chExt cx="0" cy="0"/>
-        </a:xfrm>
-      </p:grpSpPr>
-      <p:sp>
-        <p:nvSpPr>
-          <p:cNvPr id="2" name="Title 1"/>
-          <p:cNvSpPr>
-            <a:spLocks noGrp="1"/>
-          </p:cNvSpPr>
-          <p:nvPr>
-            <p:ph type="title"/>
-          </p:nvPr>
-        </p:nvSpPr>
-        <p:spPr/>
-        <p:txBody>
-          <a:bodyPr/>
-          <a:lstStyle/>
-          <a:p>
-            <a:pPr lvl="0" marL="0" indent="0">
-              <a:buNone/>
-            </a:pPr>
-            <a:r>
-              <a:rPr/>
-              <a:t>Plot</a:t>
-            </a:r>
-            <a:r>
-              <a:rPr/>
-              <a:t> </a:t>
-            </a:r>
-            <a:r>
-              <a:rPr/>
-              <a:t>of</a:t>
-            </a:r>
-            <a:r>
-              <a:rPr/>
-              <a:t> </a:t>
-            </a:r>
-            <a:r>
-              <a:rPr/>
-              <a:t>co2</a:t>
-            </a:r>
-            <a:r>
-              <a:rPr/>
-              <a:t> </a:t>
-            </a:r>
-            <a:r>
-              <a:rPr/>
-              <a:t>decomposition</a:t>
-            </a:r>
-          </a:p>
-        </p:txBody>
-      </p:sp>
-      <p:pic>
-        <p:nvPicPr>
-          <p:cNvPr descr="basics_files/figure-pptx/co2-decomp-plot-1.png" id="0" name="Picture 1"/>
-          <p:cNvPicPr>
-            <a:picLocks noGrp="1" noChangeAspect="1"/>
-          </p:cNvPicPr>
-          <p:nvPr/>
-        </p:nvPicPr>
-        <p:blipFill>
-          <a:blip r:embed="rId2"/>
-          <a:stretch>
-            <a:fillRect/>
-          </a:stretch>
-        </p:blipFill>
-        <p:spPr bwMode="auto">
-          <a:xfrm>
-            <a:off x="1752600" y="1600200"/>
-            <a:ext cx="5651500" cy="4521200"/>
-          </a:xfrm>
-          <a:prstGeom prst="rect">
-            <a:avLst/>
-          </a:prstGeom>
-          <a:noFill/>
-          <a:ln w="9525">
-            <a:noFill/>
-            <a:headEnd/>
-            <a:tailEnd/>
-          </a:ln>
-        </p:spPr>
-      </p:pic>
-    </p:spTree>
-  </p:cSld>
-</p:sld>
-</file>
-
 <file path=ppt/slides/slide9.xml><?xml version="1.0" encoding="utf-8"?>
 <p:sld xmlns:a="http://schemas.openxmlformats.org/drawingml/2006/main" xmlns:r="http://schemas.openxmlformats.org/officeDocument/2006/relationships" xmlns:p="http://schemas.openxmlformats.org/presentationml/2006/main">
   <p:cSld>
@@ -8342,7 +9579,23 @@
             </a:pPr>
             <a:r>
               <a:rPr/>
-              <a:t>UKgas</a:t>
+              <a:t>Decomposition</a:t>
+            </a:r>
+            <a:r>
+              <a:rPr/>
+              <a:t> </a:t>
+            </a:r>
+            <a:r>
+              <a:rPr/>
+              <a:t>of</a:t>
+            </a:r>
+            <a:r>
+              <a:rPr/>
+              <a:t> </a:t>
+            </a:r>
+            <a:r>
+              <a:rPr/>
+              <a:t>co2</a:t>
             </a:r>
           </a:p>
         </p:txBody>
@@ -8365,6 +9618,37 @@
             <a:pPr lvl="0" marL="1270000" indent="0">
               <a:buNone/>
             </a:pPr>
+            <a:r>
+              <a:rPr sz="1800">
+                <a:latin typeface="Courier"/>
+              </a:rPr>
+              <a:t>co2_d &lt;-</a:t>
+            </a:r>
+            <a:r>
+              <a:rPr sz="1800">
+                <a:solidFill>
+                  <a:srgbClr val="4070A0"/>
+                </a:solidFill>
+                <a:latin typeface="Courier"/>
+              </a:rPr>
+              <a:t> </a:t>
+            </a:r>
+            <a:r>
+              <a:rPr sz="1800" b="1">
+                <a:solidFill>
+                  <a:srgbClr val="007020"/>
+                </a:solidFill>
+                <a:latin typeface="Courier"/>
+              </a:rPr>
+              <a:t>decompose</a:t>
+            </a:r>
+            <a:r>
+              <a:rPr sz="1800">
+                <a:latin typeface="Courier"/>
+              </a:rPr>
+              <a:t>(co2)</a:t>
+            </a:r>
+            <a:br/>
             <a:r>
               <a:rPr sz="1800" b="1">
                 <a:solidFill>
@@ -8378,7 +9662,7 @@
               <a:rPr sz="1800">
                 <a:latin typeface="Courier"/>
               </a:rPr>
-              <a:t>(UKgas)</a:t>
+              <a:t>(co2_d)</a:t>
             </a:r>
           </a:p>
           <a:p>
@@ -8389,42 +9673,14 @@
               <a:rPr sz="1800">
                 <a:latin typeface="Courier"/>
               </a:rPr>
-              <a:t>##  Time-Series [1:108] from 1960 to 1987: 160.1 129.7 84.8 120.1 160.1 ...</a:t>
-            </a:r>
-          </a:p>
-          <a:p>
-            <a:pPr lvl="0" marL="1270000" indent="0">
-              <a:buNone/>
-            </a:pPr>
-            <a:r>
-              <a:rPr sz="1800" b="1">
-                <a:solidFill>
-                  <a:srgbClr val="007020"/>
-                </a:solidFill>
-                <a:latin typeface="Courier"/>
-              </a:rPr>
-              <a:t>attributes</a:t>
-            </a:r>
-            <a:r>
-              <a:rPr sz="1800">
-                <a:latin typeface="Courier"/>
-              </a:rPr>
-              <a:t>(UKgas)</a:t>
-            </a:r>
-          </a:p>
-          <a:p>
-            <a:pPr lvl="0" marL="1270000" indent="0">
-              <a:buNone/>
-            </a:pPr>
-            <a:r>
-              <a:rPr sz="1800">
-                <a:latin typeface="Courier"/>
-              </a:rPr>
-              <a:t>## $tsp
-## [1] 1960.00 1986.75    4.00
-## 
-## $class
-## [1] "ts"</a:t>
+              <a:t>## List of 6
+##  $ x       : Time-Series [1:468] from 1959 to 1998: 315 316 316 318 318 ...
+##  $ seasonal: Time-Series [1:468] from 1959 to 1998: -0.0536 0.6106 1.3756 2.5168 3.0003 ...
+##  $ trend   : Time-Series [1:468] from 1959 to 1998: NA NA NA NA NA ...
+##  $ random  : Time-Series [1:468] from 1959 to 1998: NA NA NA NA NA ...
+##  $ figure  : num [1:12] -0.0536 0.6106 1.3756 2.5168 3.0003 ...
+##  $ type    : chr "additive"
+##  - attr(*, "class")= chr "decomposed.ts"</a:t>
             </a:r>
           </a:p>
         </p:txBody>

--- a/src/basics.pptx
+++ b/src/basics.pptx
@@ -50,6 +50,30 @@
     <p:sldId id="298" r:id="rId44"/>
     <p:sldId id="299" r:id="rId45"/>
     <p:sldId id="300" r:id="rId46"/>
+    <p:sldId id="301" r:id="rId47"/>
+    <p:sldId id="302" r:id="rId48"/>
+    <p:sldId id="303" r:id="rId49"/>
+    <p:sldId id="304" r:id="rId50"/>
+    <p:sldId id="305" r:id="rId51"/>
+    <p:sldId id="306" r:id="rId52"/>
+    <p:sldId id="307" r:id="rId53"/>
+    <p:sldId id="308" r:id="rId54"/>
+    <p:sldId id="309" r:id="rId55"/>
+    <p:sldId id="310" r:id="rId56"/>
+    <p:sldId id="311" r:id="rId57"/>
+    <p:sldId id="312" r:id="rId58"/>
+    <p:sldId id="313" r:id="rId59"/>
+    <p:sldId id="314" r:id="rId60"/>
+    <p:sldId id="315" r:id="rId61"/>
+    <p:sldId id="316" r:id="rId62"/>
+    <p:sldId id="317" r:id="rId63"/>
+    <p:sldId id="318" r:id="rId64"/>
+    <p:sldId id="319" r:id="rId65"/>
+    <p:sldId id="320" r:id="rId66"/>
+    <p:sldId id="321" r:id="rId67"/>
+    <p:sldId id="322" r:id="rId68"/>
+    <p:sldId id="323" r:id="rId69"/>
+    <p:sldId id="324" r:id="rId70"/>
   </p:sldIdLst>
   <p:sldSz cx="9144000" cy="6858000" type="screen4x3"/>
   <p:notesSz cx="6858000" cy="9144000"/>
@@ -3308,7 +3332,7 @@
             </a:pPr>
             <a:r>
               <a:rPr/>
-              <a:t>Plot</a:t>
+              <a:t>Decomposition</a:t>
             </a:r>
             <a:r>
               <a:rPr/>
@@ -3326,47 +3350,94 @@
               <a:rPr/>
               <a:t>co2</a:t>
             </a:r>
-            <a:r>
-              <a:rPr/>
-              <a:t> </a:t>
-            </a:r>
-            <a:r>
-              <a:rPr/>
-              <a:t>decomposition</a:t>
-            </a:r>
-          </a:p>
-        </p:txBody>
-      </p:sp>
-      <p:pic>
-        <p:nvPicPr>
-          <p:cNvPr descr="basics_files/figure-pptx/co2-decomp-plot-1.png" id="0" name="Picture 1"/>
-          <p:cNvPicPr>
-            <a:picLocks noGrp="1" noChangeAspect="1"/>
-          </p:cNvPicPr>
-          <p:nvPr/>
-        </p:nvPicPr>
-        <p:blipFill>
-          <a:blip r:embed="rId2"/>
-          <a:stretch>
-            <a:fillRect/>
-          </a:stretch>
-        </p:blipFill>
-        <p:spPr bwMode="auto">
-          <a:xfrm>
-            <a:off x="1752600" y="1600200"/>
-            <a:ext cx="5651500" cy="4521200"/>
-          </a:xfrm>
-          <a:prstGeom prst="rect">
-            <a:avLst/>
-          </a:prstGeom>
-          <a:noFill/>
-          <a:ln w="9525">
-            <a:noFill/>
-            <a:headEnd/>
-            <a:tailEnd/>
-          </a:ln>
-        </p:spPr>
-      </p:pic>
+          </a:p>
+        </p:txBody>
+      </p:sp>
+      <p:sp>
+        <p:nvSpPr>
+          <p:cNvPr id="3" name="Content Placeholder 2"/>
+          <p:cNvSpPr>
+            <a:spLocks noGrp="1"/>
+          </p:cNvSpPr>
+          <p:nvPr>
+            <p:ph idx="1"/>
+          </p:nvPr>
+        </p:nvSpPr>
+        <p:spPr/>
+        <p:txBody>
+          <a:bodyPr/>
+          <a:lstStyle/>
+          <a:p>
+            <a:pPr lvl="0" marL="1270000" indent="0">
+              <a:buNone/>
+            </a:pPr>
+            <a:r>
+              <a:rPr sz="1800">
+                <a:latin typeface="Courier"/>
+              </a:rPr>
+              <a:t>co2_d &lt;-</a:t>
+            </a:r>
+            <a:r>
+              <a:rPr sz="1800">
+                <a:solidFill>
+                  <a:srgbClr val="4070A0"/>
+                </a:solidFill>
+                <a:latin typeface="Courier"/>
+              </a:rPr>
+              <a:t> </a:t>
+            </a:r>
+            <a:r>
+              <a:rPr sz="1800" b="1">
+                <a:solidFill>
+                  <a:srgbClr val="007020"/>
+                </a:solidFill>
+                <a:latin typeface="Courier"/>
+              </a:rPr>
+              <a:t>decompose</a:t>
+            </a:r>
+            <a:r>
+              <a:rPr sz="1800">
+                <a:latin typeface="Courier"/>
+              </a:rPr>
+              <a:t>(co2)</a:t>
+            </a:r>
+            <a:br/>
+            <a:r>
+              <a:rPr sz="1800" b="1">
+                <a:solidFill>
+                  <a:srgbClr val="007020"/>
+                </a:solidFill>
+                <a:latin typeface="Courier"/>
+              </a:rPr>
+              <a:t>str</a:t>
+            </a:r>
+            <a:r>
+              <a:rPr sz="1800">
+                <a:latin typeface="Courier"/>
+              </a:rPr>
+              <a:t>(co2_d)</a:t>
+            </a:r>
+          </a:p>
+          <a:p>
+            <a:pPr lvl="0" marL="1270000" indent="0">
+              <a:buNone/>
+            </a:pPr>
+            <a:r>
+              <a:rPr sz="1800">
+                <a:latin typeface="Courier"/>
+              </a:rPr>
+              <a:t>## List of 6
+##  $ x       : Time-Series [1:468] from 1959 to 1998: 315 316 316 318 318 ...
+##  $ seasonal: Time-Series [1:468] from 1959 to 1998: -0.0536 0.6106 1.3756 2.5168 3.0003 ...
+##  $ trend   : Time-Series [1:468] from 1959 to 1998: NA NA NA NA NA ...
+##  $ random  : Time-Series [1:468] from 1959 to 1998: NA NA NA NA NA ...
+##  $ figure  : num [1:12] -0.0536 0.6106 1.3756 2.5168 3.0003 ...
+##  $ type    : chr "additive"
+##  - attr(*, "class")= chr "decomposed.ts"</a:t>
+            </a:r>
+          </a:p>
+        </p:txBody>
+      </p:sp>
     </p:spTree>
   </p:cSld>
 </p:sld>
@@ -3409,7 +3480,15 @@
             </a:pPr>
             <a:r>
               <a:rPr/>
-              <a:t>Deseasonalizing</a:t>
+              <a:t>Plot</a:t>
+            </a:r>
+            <a:r>
+              <a:rPr/>
+              <a:t> </a:t>
+            </a:r>
+            <a:r>
+              <a:rPr/>
+              <a:t>of</a:t>
             </a:r>
             <a:r>
               <a:rPr/>
@@ -3418,13 +3497,21 @@
             <a:r>
               <a:rPr/>
               <a:t>co2</a:t>
+            </a:r>
+            <a:r>
+              <a:rPr/>
+              <a:t> </a:t>
+            </a:r>
+            <a:r>
+              <a:rPr/>
+              <a:t>decomposition</a:t>
             </a:r>
           </a:p>
         </p:txBody>
       </p:sp>
       <p:pic>
         <p:nvPicPr>
-          <p:cNvPr descr="basics_files/figure-pptx/co2-deseasonal-1.png" id="0" name="Picture 1"/>
+          <p:cNvPr descr="basics_files/figure-pptx/co2-decomp-plot-1.png" id="0" name="Picture 1"/>
           <p:cNvPicPr>
             <a:picLocks noGrp="1" noChangeAspect="1"/>
           </p:cNvPicPr>
@@ -3438,8 +3525,8 @@
         </p:blipFill>
         <p:spPr bwMode="auto">
           <a:xfrm>
-            <a:off x="1752600" y="1600200"/>
-            <a:ext cx="5651500" cy="4521200"/>
+            <a:off x="457200" y="2032000"/>
+            <a:ext cx="8229600" cy="3657600"/>
           </a:xfrm>
           <a:prstGeom prst="rect">
             <a:avLst/>
@@ -3494,7 +3581,7 @@
             </a:pPr>
             <a:r>
               <a:rPr/>
-              <a:t>Detrending</a:t>
+              <a:t>Deseasonalizing</a:t>
             </a:r>
             <a:r>
               <a:rPr/>
@@ -3509,7 +3596,7 @@
       </p:sp>
       <p:pic>
         <p:nvPicPr>
-          <p:cNvPr descr="basics_files/figure-pptx/co2-detrend-1.png" id="0" name="Picture 1"/>
+          <p:cNvPr descr="basics_files/figure-pptx/co2-deseasonal-1.png" id="0" name="Picture 1"/>
           <p:cNvPicPr>
             <a:picLocks noGrp="1" noChangeAspect="1"/>
           </p:cNvPicPr>
@@ -3523,8 +3610,8 @@
         </p:blipFill>
         <p:spPr bwMode="auto">
           <a:xfrm>
-            <a:off x="1752600" y="1600200"/>
-            <a:ext cx="5651500" cy="4521200"/>
+            <a:off x="457200" y="2032000"/>
+            <a:ext cx="8229600" cy="3657600"/>
           </a:xfrm>
           <a:prstGeom prst="rect">
             <a:avLst/>
@@ -3579,31 +3666,7 @@
             </a:pPr>
             <a:r>
               <a:rPr/>
-              <a:t>Both</a:t>
-            </a:r>
-            <a:r>
-              <a:rPr/>
-              <a:t> </a:t>
-            </a:r>
-            <a:r>
-              <a:rPr/>
               <a:t>Detrending</a:t>
-            </a:r>
-            <a:r>
-              <a:rPr/>
-              <a:t> </a:t>
-            </a:r>
-            <a:r>
-              <a:rPr/>
-              <a:t>and</a:t>
-            </a:r>
-            <a:r>
-              <a:rPr/>
-              <a:t> </a:t>
-            </a:r>
-            <a:r>
-              <a:rPr/>
-              <a:t>deseasonalizing</a:t>
             </a:r>
             <a:r>
               <a:rPr/>
@@ -3618,7 +3681,7 @@
       </p:sp>
       <p:pic>
         <p:nvPicPr>
-          <p:cNvPr descr="basics_files/figure-pptx/co2-both-1.png" id="0" name="Picture 1"/>
+          <p:cNvPr descr="basics_files/figure-pptx/co2-detrend-1.png" id="0" name="Picture 1"/>
           <p:cNvPicPr>
             <a:picLocks noGrp="1" noChangeAspect="1"/>
           </p:cNvPicPr>
@@ -3632,8 +3695,8 @@
         </p:blipFill>
         <p:spPr bwMode="auto">
           <a:xfrm>
-            <a:off x="1752600" y="1600200"/>
-            <a:ext cx="5651500" cy="4521200"/>
+            <a:off x="457200" y="2032000"/>
+            <a:ext cx="8229600" cy="3657600"/>
           </a:xfrm>
           <a:prstGeom prst="rect">
             <a:avLst/>
@@ -3688,93 +3751,73 @@
             </a:pPr>
             <a:r>
               <a:rPr/>
-              <a:t>UKgas</a:t>
-            </a:r>
-          </a:p>
-        </p:txBody>
-      </p:sp>
-      <p:sp>
-        <p:nvSpPr>
-          <p:cNvPr id="3" name="Content Placeholder 2"/>
-          <p:cNvSpPr>
-            <a:spLocks noGrp="1"/>
-          </p:cNvSpPr>
-          <p:nvPr>
-            <p:ph idx="1"/>
-          </p:nvPr>
-        </p:nvSpPr>
-        <p:spPr/>
-        <p:txBody>
-          <a:bodyPr/>
-          <a:lstStyle/>
-          <a:p>
-            <a:pPr lvl="0" marL="1270000" indent="0">
-              <a:buNone/>
-            </a:pPr>
-            <a:r>
-              <a:rPr sz="1800" b="1">
-                <a:solidFill>
-                  <a:srgbClr val="007020"/>
-                </a:solidFill>
-                <a:latin typeface="Courier"/>
-              </a:rPr>
-              <a:t>str</a:t>
-            </a:r>
-            <a:r>
-              <a:rPr sz="1800">
-                <a:latin typeface="Courier"/>
-              </a:rPr>
-              <a:t>(UKgas)</a:t>
-            </a:r>
-          </a:p>
-          <a:p>
-            <a:pPr lvl="0" marL="1270000" indent="0">
-              <a:buNone/>
-            </a:pPr>
-            <a:r>
-              <a:rPr sz="1800">
-                <a:latin typeface="Courier"/>
-              </a:rPr>
-              <a:t>##  Time-Series [1:108] from 1960 to 1987: 160.1 129.7 84.8 120.1 160.1 ...</a:t>
-            </a:r>
-          </a:p>
-          <a:p>
-            <a:pPr lvl="0" marL="1270000" indent="0">
-              <a:buNone/>
-            </a:pPr>
-            <a:r>
-              <a:rPr sz="1800" b="1">
-                <a:solidFill>
-                  <a:srgbClr val="007020"/>
-                </a:solidFill>
-                <a:latin typeface="Courier"/>
-              </a:rPr>
-              <a:t>attributes</a:t>
-            </a:r>
-            <a:r>
-              <a:rPr sz="1800">
-                <a:latin typeface="Courier"/>
-              </a:rPr>
-              <a:t>(UKgas)</a:t>
-            </a:r>
-          </a:p>
-          <a:p>
-            <a:pPr lvl="0" marL="1270000" indent="0">
-              <a:buNone/>
-            </a:pPr>
-            <a:r>
-              <a:rPr sz="1800">
-                <a:latin typeface="Courier"/>
-              </a:rPr>
-              <a:t>## $tsp
-## [1] 1960.00 1986.75    4.00
-## 
-## $class
-## [1] "ts"</a:t>
-            </a:r>
-          </a:p>
-        </p:txBody>
-      </p:sp>
+              <a:t>Both</a:t>
+            </a:r>
+            <a:r>
+              <a:rPr/>
+              <a:t> </a:t>
+            </a:r>
+            <a:r>
+              <a:rPr/>
+              <a:t>Detrending</a:t>
+            </a:r>
+            <a:r>
+              <a:rPr/>
+              <a:t> </a:t>
+            </a:r>
+            <a:r>
+              <a:rPr/>
+              <a:t>and</a:t>
+            </a:r>
+            <a:r>
+              <a:rPr/>
+              <a:t> </a:t>
+            </a:r>
+            <a:r>
+              <a:rPr/>
+              <a:t>deseasonalizing</a:t>
+            </a:r>
+            <a:r>
+              <a:rPr/>
+              <a:t> </a:t>
+            </a:r>
+            <a:r>
+              <a:rPr/>
+              <a:t>co2</a:t>
+            </a:r>
+          </a:p>
+        </p:txBody>
+      </p:sp>
+      <p:pic>
+        <p:nvPicPr>
+          <p:cNvPr descr="basics_files/figure-pptx/co2-both-1.png" id="0" name="Picture 1"/>
+          <p:cNvPicPr>
+            <a:picLocks noGrp="1" noChangeAspect="1"/>
+          </p:cNvPicPr>
+          <p:nvPr/>
+        </p:nvPicPr>
+        <p:blipFill>
+          <a:blip r:embed="rId2"/>
+          <a:stretch>
+            <a:fillRect/>
+          </a:stretch>
+        </p:blipFill>
+        <p:spPr bwMode="auto">
+          <a:xfrm>
+            <a:off x="457200" y="2032000"/>
+            <a:ext cx="8229600" cy="3657600"/>
+          </a:xfrm>
+          <a:prstGeom prst="rect">
+            <a:avLst/>
+          </a:prstGeom>
+          <a:noFill/>
+          <a:ln w="9525">
+            <a:noFill/>
+            <a:headEnd/>
+            <a:tailEnd/>
+          </a:ln>
+        </p:spPr>
+      </p:pic>
     </p:spTree>
   </p:cSld>
 </p:sld>
@@ -3817,49 +3860,93 @@
             </a:pPr>
             <a:r>
               <a:rPr/>
-              <a:t>Plot</a:t>
-            </a:r>
-            <a:r>
-              <a:rPr/>
-              <a:t> </a:t>
-            </a:r>
-            <a:r>
-              <a:rPr/>
-              <a:t>UKGas</a:t>
-            </a:r>
-          </a:p>
-        </p:txBody>
-      </p:sp>
-      <p:pic>
-        <p:nvPicPr>
-          <p:cNvPr descr="basics_files/figure-pptx/UKgas-plot-1.png" id="0" name="Picture 1"/>
-          <p:cNvPicPr>
-            <a:picLocks noGrp="1" noChangeAspect="1"/>
-          </p:cNvPicPr>
-          <p:nvPr/>
-        </p:nvPicPr>
-        <p:blipFill>
-          <a:blip r:embed="rId2"/>
-          <a:stretch>
-            <a:fillRect/>
-          </a:stretch>
-        </p:blipFill>
-        <p:spPr bwMode="auto">
-          <a:xfrm>
-            <a:off x="1752600" y="1600200"/>
-            <a:ext cx="5651500" cy="4521200"/>
-          </a:xfrm>
-          <a:prstGeom prst="rect">
-            <a:avLst/>
-          </a:prstGeom>
-          <a:noFill/>
-          <a:ln w="9525">
-            <a:noFill/>
-            <a:headEnd/>
-            <a:tailEnd/>
-          </a:ln>
-        </p:spPr>
-      </p:pic>
+              <a:t>UKgas</a:t>
+            </a:r>
+          </a:p>
+        </p:txBody>
+      </p:sp>
+      <p:sp>
+        <p:nvSpPr>
+          <p:cNvPr id="3" name="Content Placeholder 2"/>
+          <p:cNvSpPr>
+            <a:spLocks noGrp="1"/>
+          </p:cNvSpPr>
+          <p:nvPr>
+            <p:ph idx="1"/>
+          </p:nvPr>
+        </p:nvSpPr>
+        <p:spPr/>
+        <p:txBody>
+          <a:bodyPr/>
+          <a:lstStyle/>
+          <a:p>
+            <a:pPr lvl="0" marL="1270000" indent="0">
+              <a:buNone/>
+            </a:pPr>
+            <a:r>
+              <a:rPr sz="1800" b="1">
+                <a:solidFill>
+                  <a:srgbClr val="007020"/>
+                </a:solidFill>
+                <a:latin typeface="Courier"/>
+              </a:rPr>
+              <a:t>str</a:t>
+            </a:r>
+            <a:r>
+              <a:rPr sz="1800">
+                <a:latin typeface="Courier"/>
+              </a:rPr>
+              <a:t>(UKgas)</a:t>
+            </a:r>
+          </a:p>
+          <a:p>
+            <a:pPr lvl="0" marL="1270000" indent="0">
+              <a:buNone/>
+            </a:pPr>
+            <a:r>
+              <a:rPr sz="1800">
+                <a:latin typeface="Courier"/>
+              </a:rPr>
+              <a:t>##  Time-Series [1:108] from 1960 to 1987: 160.1 129.7 84.8 120.1 160.1 ...</a:t>
+            </a:r>
+          </a:p>
+          <a:p>
+            <a:pPr lvl="0" marL="1270000" indent="0">
+              <a:buNone/>
+            </a:pPr>
+            <a:r>
+              <a:rPr sz="1800" b="1">
+                <a:solidFill>
+                  <a:srgbClr val="007020"/>
+                </a:solidFill>
+                <a:latin typeface="Courier"/>
+              </a:rPr>
+              <a:t>attributes</a:t>
+            </a:r>
+            <a:r>
+              <a:rPr sz="1800">
+                <a:latin typeface="Courier"/>
+              </a:rPr>
+              <a:t>(UKgas)</a:t>
+            </a:r>
+          </a:p>
+          <a:p>
+            <a:pPr lvl="0" marL="1270000" indent="0">
+              <a:buNone/>
+            </a:pPr>
+            <a:r>
+              <a:rPr sz="1800">
+                <a:latin typeface="Courier"/>
+              </a:rPr>
+              <a:t>## $tsp
+## [1] 1960.00 1986.75    4.00
+## 
+## $class
+## [1] "ts"</a:t>
+            </a:r>
+          </a:p>
+        </p:txBody>
+      </p:sp>
     </p:spTree>
   </p:cSld>
 </p:sld>
@@ -3902,128 +3989,49 @@
             </a:pPr>
             <a:r>
               <a:rPr/>
+              <a:t>Plot</a:t>
+            </a:r>
+            <a:r>
+              <a:rPr/>
+              <a:t> </a:t>
+            </a:r>
+            <a:r>
+              <a:rPr/>
               <a:t>UKgas</a:t>
             </a:r>
-            <a:r>
-              <a:rPr/>
-              <a:t> </a:t>
-            </a:r>
-            <a:r>
-              <a:rPr/>
-              <a:t>decomposition</a:t>
-            </a:r>
-          </a:p>
-        </p:txBody>
-      </p:sp>
-      <p:sp>
-        <p:nvSpPr>
-          <p:cNvPr id="3" name="Content Placeholder 2"/>
-          <p:cNvSpPr>
-            <a:spLocks noGrp="1"/>
-          </p:cNvSpPr>
-          <p:nvPr>
-            <p:ph idx="1"/>
-          </p:nvPr>
-        </p:nvSpPr>
-        <p:spPr/>
-        <p:txBody>
-          <a:bodyPr/>
-          <a:lstStyle/>
-          <a:p>
-            <a:pPr lvl="0" marL="1270000" indent="0">
-              <a:buNone/>
-            </a:pPr>
-            <a:r>
-              <a:rPr sz="1800">
-                <a:latin typeface="Courier"/>
-              </a:rPr>
-              <a:t>UKgas_d &lt;-</a:t>
-            </a:r>
-            <a:r>
-              <a:rPr sz="1800">
-                <a:solidFill>
-                  <a:srgbClr val="4070A0"/>
-                </a:solidFill>
-                <a:latin typeface="Courier"/>
-              </a:rPr>
-              <a:t> </a:t>
-            </a:r>
-            <a:r>
-              <a:rPr sz="1800" b="1">
-                <a:solidFill>
-                  <a:srgbClr val="007020"/>
-                </a:solidFill>
-                <a:latin typeface="Courier"/>
-              </a:rPr>
-              <a:t>decompose</a:t>
-            </a:r>
-            <a:r>
-              <a:rPr sz="1800">
-                <a:latin typeface="Courier"/>
-              </a:rPr>
-              <a:t>(UKgas, </a:t>
-            </a:r>
-            <a:r>
-              <a:rPr sz="1800">
-                <a:solidFill>
-                  <a:srgbClr val="902000"/>
-                </a:solidFill>
-                <a:latin typeface="Courier"/>
-              </a:rPr>
-              <a:t>type=</a:t>
-            </a:r>
-            <a:r>
-              <a:rPr sz="1800">
-                <a:solidFill>
-                  <a:srgbClr val="4070A0"/>
-                </a:solidFill>
-                <a:latin typeface="Courier"/>
-              </a:rPr>
-              <a:t>"multiplicative"</a:t>
-            </a:r>
-            <a:r>
-              <a:rPr sz="1800">
-                <a:latin typeface="Courier"/>
-              </a:rPr>
-              <a:t>)</a:t>
-            </a:r>
-            <a:br/>
-            <a:r>
-              <a:rPr sz="1800" b="1">
-                <a:solidFill>
-                  <a:srgbClr val="007020"/>
-                </a:solidFill>
-                <a:latin typeface="Courier"/>
-              </a:rPr>
-              <a:t>str</a:t>
-            </a:r>
-            <a:r>
-              <a:rPr sz="1800">
-                <a:latin typeface="Courier"/>
-              </a:rPr>
-              <a:t>(UKgas_d)</a:t>
-            </a:r>
-          </a:p>
-          <a:p>
-            <a:pPr lvl="0" marL="1270000" indent="0">
-              <a:buNone/>
-            </a:pPr>
-            <a:r>
-              <a:rPr sz="1800">
-                <a:latin typeface="Courier"/>
-              </a:rPr>
-              <a:t>## List of 6
-##  $ x       : Time-Series [1:108] from 1960 to 1987: 160.1 129.7 84.8 120.1 160.1 ...
-##  $ seasonal: Time-Series [1:108] from 1960 to 1987: 1.454 0.956 0.558 1.032 1.454 ...
-##  $ trend   : Time-Series [1:108] from 1960 to 1987: NA NA 124 123 122 ...
-##  $ random  : Time-Series [1:108] from 1960 to 1987: NA NA 1.228 0.946 0.899 ...
-##  $ figure  : num [1:4] 1.454 0.956 0.558 1.032
-##  $ type    : chr "multiplicative"
-##  - attr(*, "class")= chr "decomposed.ts"</a:t>
-            </a:r>
-          </a:p>
-        </p:txBody>
-      </p:sp>
+          </a:p>
+        </p:txBody>
+      </p:sp>
+      <p:pic>
+        <p:nvPicPr>
+          <p:cNvPr descr="basics_files/figure-pptx/UKgas-plot-1.png" id="0" name="Picture 1"/>
+          <p:cNvPicPr>
+            <a:picLocks noGrp="1" noChangeAspect="1"/>
+          </p:cNvPicPr>
+          <p:nvPr/>
+        </p:nvPicPr>
+        <p:blipFill>
+          <a:blip r:embed="rId2"/>
+          <a:stretch>
+            <a:fillRect/>
+          </a:stretch>
+        </p:blipFill>
+        <p:spPr bwMode="auto">
+          <a:xfrm>
+            <a:off x="457200" y="2032000"/>
+            <a:ext cx="8229600" cy="3657600"/>
+          </a:xfrm>
+          <a:prstGeom prst="rect">
+            <a:avLst/>
+          </a:prstGeom>
+          <a:noFill/>
+          <a:ln w="9525">
+            <a:noFill/>
+            <a:headEnd/>
+            <a:tailEnd/>
+          </a:ln>
+        </p:spPr>
+      </p:pic>
     </p:spTree>
   </p:cSld>
 </p:sld>
@@ -4074,14 +4082,6 @@
             </a:r>
             <a:r>
               <a:rPr/>
-              <a:t>of</a:t>
-            </a:r>
-            <a:r>
-              <a:rPr/>
-              <a:t> </a:t>
-            </a:r>
-            <a:r>
-              <a:rPr/>
               <a:t>UKgas</a:t>
             </a:r>
             <a:r>
@@ -4090,14 +4090,38 @@
             </a:r>
             <a:r>
               <a:rPr/>
-              <a:t>decomposition</a:t>
+              <a:t>on</a:t>
+            </a:r>
+            <a:r>
+              <a:rPr/>
+              <a:t> </a:t>
+            </a:r>
+            <a:r>
+              <a:rPr/>
+              <a:t>a</a:t>
+            </a:r>
+            <a:r>
+              <a:rPr/>
+              <a:t> </a:t>
+            </a:r>
+            <a:r>
+              <a:rPr/>
+              <a:t>log</a:t>
+            </a:r>
+            <a:r>
+              <a:rPr/>
+              <a:t> </a:t>
+            </a:r>
+            <a:r>
+              <a:rPr/>
+              <a:t>scale</a:t>
             </a:r>
           </a:p>
         </p:txBody>
       </p:sp>
       <p:pic>
         <p:nvPicPr>
-          <p:cNvPr descr="basics_files/figure-pptx/UKgas-decomp-plot-1.png" id="0" name="Picture 1"/>
+          <p:cNvPr descr="basics_files/figure-pptx/UKgas-log-1.png" id="0" name="Picture 1"/>
           <p:cNvPicPr>
             <a:picLocks noGrp="1" noChangeAspect="1"/>
           </p:cNvPicPr>
@@ -4111,8 +4135,8 @@
         </p:blipFill>
         <p:spPr bwMode="auto">
           <a:xfrm>
-            <a:off x="1752600" y="1600200"/>
-            <a:ext cx="5651500" cy="4521200"/>
+            <a:off x="457200" y="2032000"/>
+            <a:ext cx="8229600" cy="3657600"/>
           </a:xfrm>
           <a:prstGeom prst="rect">
             <a:avLst/>
@@ -4167,49 +4191,119 @@
             </a:pPr>
             <a:r>
               <a:rPr/>
-              <a:t>White</a:t>
-            </a:r>
-            <a:r>
-              <a:rPr/>
-              <a:t> </a:t>
-            </a:r>
-            <a:r>
-              <a:rPr/>
-              <a:t>noise</a:t>
-            </a:r>
-          </a:p>
-        </p:txBody>
-      </p:sp>
-      <p:pic>
-        <p:nvPicPr>
-          <p:cNvPr descr="basics_files/figure-pptx/white-noise-1.png" id="0" name="Picture 1"/>
-          <p:cNvPicPr>
-            <a:picLocks noGrp="1" noChangeAspect="1"/>
-          </p:cNvPicPr>
-          <p:nvPr/>
-        </p:nvPicPr>
-        <p:blipFill>
-          <a:blip r:embed="rId2"/>
-          <a:stretch>
-            <a:fillRect/>
-          </a:stretch>
-        </p:blipFill>
-        <p:spPr bwMode="auto">
-          <a:xfrm>
-            <a:off x="1752600" y="1600200"/>
-            <a:ext cx="5651500" cy="4521200"/>
-          </a:xfrm>
-          <a:prstGeom prst="rect">
-            <a:avLst/>
-          </a:prstGeom>
-          <a:noFill/>
-          <a:ln w="9525">
-            <a:noFill/>
-            <a:headEnd/>
-            <a:tailEnd/>
-          </a:ln>
-        </p:spPr>
-      </p:pic>
+              <a:t>UKgas</a:t>
+            </a:r>
+            <a:r>
+              <a:rPr/>
+              <a:t> </a:t>
+            </a:r>
+            <a:r>
+              <a:rPr/>
+              <a:t>decomposition</a:t>
+            </a:r>
+          </a:p>
+        </p:txBody>
+      </p:sp>
+      <p:sp>
+        <p:nvSpPr>
+          <p:cNvPr id="3" name="Content Placeholder 2"/>
+          <p:cNvSpPr>
+            <a:spLocks noGrp="1"/>
+          </p:cNvSpPr>
+          <p:nvPr>
+            <p:ph idx="1"/>
+          </p:nvPr>
+        </p:nvSpPr>
+        <p:spPr/>
+        <p:txBody>
+          <a:bodyPr/>
+          <a:lstStyle/>
+          <a:p>
+            <a:pPr lvl="0" marL="1270000" indent="0">
+              <a:buNone/>
+            </a:pPr>
+            <a:r>
+              <a:rPr sz="1800">
+                <a:latin typeface="Courier"/>
+              </a:rPr>
+              <a:t>UKgas_d &lt;-</a:t>
+            </a:r>
+            <a:r>
+              <a:rPr sz="1800">
+                <a:solidFill>
+                  <a:srgbClr val="4070A0"/>
+                </a:solidFill>
+                <a:latin typeface="Courier"/>
+              </a:rPr>
+              <a:t> </a:t>
+            </a:r>
+            <a:r>
+              <a:rPr sz="1800" b="1">
+                <a:solidFill>
+                  <a:srgbClr val="007020"/>
+                </a:solidFill>
+                <a:latin typeface="Courier"/>
+              </a:rPr>
+              <a:t>decompose</a:t>
+            </a:r>
+            <a:r>
+              <a:rPr sz="1800">
+                <a:latin typeface="Courier"/>
+              </a:rPr>
+              <a:t>(</a:t>
+            </a:r>
+            <a:r>
+              <a:rPr sz="1800" b="1">
+                <a:solidFill>
+                  <a:srgbClr val="007020"/>
+                </a:solidFill>
+                <a:latin typeface="Courier"/>
+              </a:rPr>
+              <a:t>log</a:t>
+            </a:r>
+            <a:r>
+              <a:rPr sz="1800">
+                <a:latin typeface="Courier"/>
+              </a:rPr>
+              <a:t>(UKgas))</a:t>
+            </a:r>
+            <a:br/>
+            <a:r>
+              <a:rPr sz="1800" b="1">
+                <a:solidFill>
+                  <a:srgbClr val="007020"/>
+                </a:solidFill>
+                <a:latin typeface="Courier"/>
+              </a:rPr>
+              <a:t>str</a:t>
+            </a:r>
+            <a:r>
+              <a:rPr sz="1800">
+                <a:latin typeface="Courier"/>
+              </a:rPr>
+              <a:t>(UKgas_d)</a:t>
+            </a:r>
+          </a:p>
+          <a:p>
+            <a:pPr lvl="0" marL="1270000" indent="0">
+              <a:buNone/>
+            </a:pPr>
+            <a:r>
+              <a:rPr sz="1800">
+                <a:latin typeface="Courier"/>
+              </a:rPr>
+              <a:t>## List of 6
+##  $ x       : Time-Series [1:108] from 1960 to 1987: 5.08 4.87 4.44 4.79 5.08 ...
+##  $ seasonal: Time-Series [1:108] from 1960 to 1987: 0.4394 0.0137 -0.5454 0.0924 0.4394 ...
+##  $ trend   : Time-Series [1:108] from 1960 to 1987: NA NA 4.79 4.79 4.78 ...
+##  $ random  : Time-Series [1:108] from 1960 to 1987: NA NA 0.1933 -0.0918 -0.1465 ...
+##  $ figure  : num [1:4] 0.4394 0.0137 -0.5454 0.0924
+##  $ type    : chr "additive"
+##  - attr(*, "class")= chr "decomposed.ts"</a:t>
+            </a:r>
+          </a:p>
+        </p:txBody>
+      </p:sp>
     </p:spTree>
   </p:cSld>
 </p:sld>
@@ -4252,398 +4346,65 @@
             </a:pPr>
             <a:r>
               <a:rPr/>
-              <a:t>Correlation</a:t>
-            </a:r>
-            <a:r>
-              <a:rPr/>
-              <a:t> </a:t>
-            </a:r>
-            <a:r>
-              <a:rPr/>
-              <a:t>matrix</a:t>
-            </a:r>
-          </a:p>
-        </p:txBody>
-      </p:sp>
-      <mc:AlternateContent xmlns:mc="http://schemas.openxmlformats.org/markup-compatibility/2006">
-        <mc:Choice xmlns:a14="http://schemas.microsoft.com/office/drawing/2010/main" Requires="a14">
-          <p:sp>
-            <p:nvSpPr>
-              <p:cNvPr id="3" name="Content Placeholder 2"/>
-              <p:cNvSpPr>
-                <a:spLocks noGrp="1"/>
-              </p:cNvSpPr>
-              <p:nvPr>
-                <p:ph idx="1"/>
-              </p:nvPr>
-            </p:nvSpPr>
-            <p:spPr/>
-            <p:txBody>
-              <a:bodyPr/>
-              <a:lstStyle/>
-              <a:p>
-                <a:pPr lvl="0" marL="0" indent="0">
-                  <a:buNone/>
-                </a:pPr>
-                <a14:m>
-                  <m:oMath xmlns:m="http://schemas.openxmlformats.org/officeDocument/2006/math">
-                    <m:sSub>
-                      <m:e>
-                        <m:r>
-                          <m:t>Z</m:t>
-                        </m:r>
-                      </m:e>
-                      <m:sub>
-                        <m:r>
-                          <m:t>t</m:t>
-                        </m:r>
-                      </m:sub>
-                    </m:sSub>
-                    <m:r>
-                      <m:t>=</m:t>
-                    </m:r>
-                    <m:sSub>
-                      <m:e>
-                        <m:r>
-                          <m:t>ϵ</m:t>
-                        </m:r>
-                      </m:e>
-                      <m:sub>
-                        <m:r>
-                          <m:t>t</m:t>
-                        </m:r>
-                      </m:sub>
-                    </m:sSub>
-                  </m:oMath>
-                </a14:m>
-              </a:p>
-              <a:p>
-                <a:pPr lvl="0" marL="0" indent="0">
-                  <a:buNone/>
-                </a:pPr>
-                <a14:m>
-                  <m:oMathPara xmlns:m="http://schemas.openxmlformats.org/officeDocument/2006/math">
-                    <m:oMathParaPr>
-                      <m:jc m:val="center"/>
-                    </m:oMathParaPr>
-                    <m:oMath>
-                      <m:m>
-                        <m:mPr>
-                          <m:baseJc m:val="center"/>
-                          <m:plcHide m:val="1"/>
-                          <m:mcs>
-                            <m:mc>
-                              <m:mcPr>
-                                <m:mcJc m:val="center"/>
-                                <m:count m:val="1"/>
-                              </m:mcPr>
-                            </m:mc>
-                            <m:mc>
-                              <m:mcPr>
-                                <m:mcJc m:val="center"/>
-                                <m:count m:val="1"/>
-                              </m:mcPr>
-                            </m:mc>
-                            <m:mc>
-                              <m:mcPr>
-                                <m:mcJc m:val="center"/>
-                                <m:count m:val="1"/>
-                              </m:mcPr>
-                            </m:mc>
-                            <m:mc>
-                              <m:mcPr>
-                                <m:mcJc m:val="center"/>
-                                <m:count m:val="1"/>
-                              </m:mcPr>
-                            </m:mc>
-                            <m:mc>
-                              <m:mcPr>
-                                <m:mcJc m:val="center"/>
-                                <m:count m:val="1"/>
-                              </m:mcPr>
-                            </m:mc>
-                            <m:mc>
-                              <m:mcPr>
-                                <m:mcJc m:val="center"/>
-                                <m:count m:val="1"/>
-                              </m:mcPr>
-                            </m:mc>
-                            <m:mc>
-                              <m:mcPr>
-                                <m:mcJc m:val="center"/>
-                                <m:count m:val="1"/>
-                              </m:mcPr>
-                            </m:mc>
-                          </m:mcs>
-                        </m:mPr>
-                        <m:mr>
-                          <m:e>
-                            <m:r>
-                              <m:t>1</m:t>
-                            </m:r>
-                          </m:e>
-                          <m:e>
-                            <m:r>
-                              <m:t>0</m:t>
-                            </m:r>
-                          </m:e>
-                          <m:e>
-                            <m:r>
-                              <m:t>0</m:t>
-                            </m:r>
-                          </m:e>
-                          <m:e>
-                            <m:r>
-                              <m:t>0</m:t>
-                            </m:r>
-                          </m:e>
-                          <m:e>
-                            <m:r>
-                              <m:t>⋯</m:t>
-                            </m:r>
-                          </m:e>
-                          <m:e>
-                            <m:r>
-                              <m:t>0</m:t>
-                            </m:r>
-                          </m:e>
-                          <m:e>
-                            <m:r>
-                              <m:t>0</m:t>
-                            </m:r>
-                          </m:e>
-                        </m:mr>
-                        <m:mr>
-                          <m:e>
-                            <m:r>
-                              <m:t>0</m:t>
-                            </m:r>
-                          </m:e>
-                          <m:e>
-                            <m:r>
-                              <m:t>1</m:t>
-                            </m:r>
-                          </m:e>
-                          <m:e>
-                            <m:r>
-                              <m:t>0</m:t>
-                            </m:r>
-                          </m:e>
-                          <m:e>
-                            <m:r>
-                              <m:t>0</m:t>
-                            </m:r>
-                          </m:e>
-                          <m:e>
-                            <m:r>
-                              <m:t>⋯</m:t>
-                            </m:r>
-                          </m:e>
-                          <m:e>
-                            <m:r>
-                              <m:t>0</m:t>
-                            </m:r>
-                          </m:e>
-                          <m:e>
-                            <m:r>
-                              <m:t>0</m:t>
-                            </m:r>
-                          </m:e>
-                        </m:mr>
-                        <m:mr>
-                          <m:e>
-                            <m:r>
-                              <m:t>0</m:t>
-                            </m:r>
-                          </m:e>
-                          <m:e>
-                            <m:r>
-                              <m:t>0</m:t>
-                            </m:r>
-                          </m:e>
-                          <m:e>
-                            <m:r>
-                              <m:t>1</m:t>
-                            </m:r>
-                          </m:e>
-                          <m:e>
-                            <m:r>
-                              <m:t>0</m:t>
-                            </m:r>
-                          </m:e>
-                          <m:e>
-                            <m:r>
-                              <m:t>⋯</m:t>
-                            </m:r>
-                          </m:e>
-                          <m:e>
-                            <m:r>
-                              <m:t>0</m:t>
-                            </m:r>
-                          </m:e>
-                          <m:e>
-                            <m:r>
-                              <m:t>0</m:t>
-                            </m:r>
-                          </m:e>
-                        </m:mr>
-                        <m:mr>
-                          <m:e>
-                            <m:r>
-                              <m:t>0</m:t>
-                            </m:r>
-                          </m:e>
-                          <m:e>
-                            <m:r>
-                              <m:t>0</m:t>
-                            </m:r>
-                          </m:e>
-                          <m:e>
-                            <m:r>
-                              <m:t>0</m:t>
-                            </m:r>
-                          </m:e>
-                          <m:e>
-                            <m:r>
-                              <m:t>1</m:t>
-                            </m:r>
-                          </m:e>
-                          <m:e>
-                            <m:r>
-                              <m:t>⋯</m:t>
-                            </m:r>
-                          </m:e>
-                          <m:e>
-                            <m:r>
-                              <m:t>0</m:t>
-                            </m:r>
-                          </m:e>
-                          <m:e>
-                            <m:r>
-                              <m:t>0</m:t>
-                            </m:r>
-                          </m:e>
-                        </m:mr>
-                        <m:mr>
-                          <m:e>
-                            <m:r>
-                              <m:t>⋮</m:t>
-                            </m:r>
-                          </m:e>
-                          <m:e>
-                            <m:r>
-                              <m:t>⋮</m:t>
-                            </m:r>
-                          </m:e>
-                          <m:e>
-                            <m:r>
-                              <m:t>⋮</m:t>
-                            </m:r>
-                          </m:e>
-                          <m:e>
-                            <m:r>
-                              <m:t>⋮</m:t>
-                            </m:r>
-                          </m:e>
-                          <m:e>
-                            <m:r>
-                              <m:t>⋱</m:t>
-                            </m:r>
-                          </m:e>
-                          <m:e>
-                            <m:r>
-                              <m:t>⋮</m:t>
-                            </m:r>
-                          </m:e>
-                          <m:e>
-                            <m:r>
-                              <m:t>⋮</m:t>
-                            </m:r>
-                          </m:e>
-                        </m:mr>
-                        <m:mr>
-                          <m:e>
-                            <m:r>
-                              <m:t>0</m:t>
-                            </m:r>
-                          </m:e>
-                          <m:e>
-                            <m:r>
-                              <m:t>0</m:t>
-                            </m:r>
-                          </m:e>
-                          <m:e>
-                            <m:r>
-                              <m:t>0</m:t>
-                            </m:r>
-                          </m:e>
-                          <m:e>
-                            <m:r>
-                              <m:t>0</m:t>
-                            </m:r>
-                          </m:e>
-                          <m:e>
-                            <m:r>
-                              <m:t>⋯</m:t>
-                            </m:r>
-                          </m:e>
-                          <m:e>
-                            <m:r>
-                              <m:t>1</m:t>
-                            </m:r>
-                          </m:e>
-                          <m:e>
-                            <m:r>
-                              <m:t>0</m:t>
-                            </m:r>
-                          </m:e>
-                        </m:mr>
-                        <m:mr>
-                          <m:e>
-                            <m:r>
-                              <m:t>0</m:t>
-                            </m:r>
-                          </m:e>
-                          <m:e>
-                            <m:r>
-                              <m:t>0</m:t>
-                            </m:r>
-                          </m:e>
-                          <m:e>
-                            <m:r>
-                              <m:t>0</m:t>
-                            </m:r>
-                          </m:e>
-                          <m:e>
-                            <m:r>
-                              <m:t>0</m:t>
-                            </m:r>
-                          </m:e>
-                          <m:e>
-                            <m:r>
-                              <m:t>⋯</m:t>
-                            </m:r>
-                          </m:e>
-                          <m:e>
-                            <m:r>
-                              <m:t>0</m:t>
-                            </m:r>
-                          </m:e>
-                          <m:e>
-                            <m:r>
-                              <m:t>1</m:t>
-                            </m:r>
-                          </m:e>
-                        </m:mr>
-                      </m:m>
-                    </m:oMath>
-                  </m:oMathPara>
-                </a14:m>
-              </a:p>
-            </p:txBody>
-          </p:sp>
-        </mc:Choice>
-      </mc:AlternateContent>
+              <a:t>Plot</a:t>
+            </a:r>
+            <a:r>
+              <a:rPr/>
+              <a:t> </a:t>
+            </a:r>
+            <a:r>
+              <a:rPr/>
+              <a:t>of</a:t>
+            </a:r>
+            <a:r>
+              <a:rPr/>
+              <a:t> </a:t>
+            </a:r>
+            <a:r>
+              <a:rPr/>
+              <a:t>UKgas</a:t>
+            </a:r>
+            <a:r>
+              <a:rPr/>
+              <a:t> </a:t>
+            </a:r>
+            <a:r>
+              <a:rPr/>
+              <a:t>decomposition</a:t>
+            </a:r>
+          </a:p>
+        </p:txBody>
+      </p:sp>
+      <p:pic>
+        <p:nvPicPr>
+          <p:cNvPr descr="basics_files/figure-pptx/UKgas-decomp-plot-1.png" id="0" name="Picture 1"/>
+          <p:cNvPicPr>
+            <a:picLocks noGrp="1" noChangeAspect="1"/>
+          </p:cNvPicPr>
+          <p:nvPr/>
+        </p:nvPicPr>
+        <p:blipFill>
+          <a:blip r:embed="rId2"/>
+          <a:stretch>
+            <a:fillRect/>
+          </a:stretch>
+        </p:blipFill>
+        <p:spPr bwMode="auto">
+          <a:xfrm>
+            <a:off x="457200" y="2032000"/>
+            <a:ext cx="8229600" cy="3657600"/>
+          </a:xfrm>
+          <a:prstGeom prst="rect">
+            <a:avLst/>
+          </a:prstGeom>
+          <a:noFill/>
+          <a:ln w="9525">
+            <a:noFill/>
+            <a:headEnd/>
+            <a:tailEnd/>
+          </a:ln>
+        </p:spPr>
+      </p:pic>
     </p:spTree>
   </p:cSld>
 </p:sld>
@@ -4730,7 +4491,7 @@
             <a:pPr lvl="2"/>
             <a:r>
               <a:rPr/>
-              <a:t>Single series</a:t>
+              <a:t>Single long series</a:t>
             </a:r>
           </a:p>
           <a:p>
@@ -4812,310 +4573,65 @@
             </a:pPr>
             <a:r>
               <a:rPr/>
-              <a:t>Autoregressive</a:t>
-            </a:r>
-          </a:p>
-        </p:txBody>
-      </p:sp>
-      <mc:AlternateContent xmlns:mc="http://schemas.openxmlformats.org/markup-compatibility/2006">
-        <mc:Choice xmlns:a14="http://schemas.microsoft.com/office/drawing/2010/main" Requires="a14">
-          <p:sp>
-            <p:nvSpPr>
-              <p:cNvPr id="3" name="Content Placeholder 2"/>
-              <p:cNvSpPr>
-                <a:spLocks noGrp="1"/>
-              </p:cNvSpPr>
-              <p:nvPr>
-                <p:ph idx="1"/>
-              </p:nvPr>
-            </p:nvSpPr>
-            <p:spPr/>
-            <p:txBody>
-              <a:bodyPr/>
-              <a:lstStyle/>
-              <a:p>
-                <a:pPr lvl="0" marL="0" indent="0">
-                  <a:buNone/>
-                </a:pPr>
-                <a14:m>
-                  <m:oMath xmlns:m="http://schemas.openxmlformats.org/officeDocument/2006/math">
-                    <m:sSub>
-                      <m:e>
-                        <m:r>
-                          <m:t>Z</m:t>
-                        </m:r>
-                      </m:e>
-                      <m:sub>
-                        <m:r>
-                          <m:t>t</m:t>
-                        </m:r>
-                      </m:sub>
-                    </m:sSub>
-                    <m:r>
-                      <m:t>=</m:t>
-                    </m:r>
-                    <m:r>
-                      <m:t>ϕ</m:t>
-                    </m:r>
-                    <m:sSub>
-                      <m:e>
-                        <m:r>
-                          <m:t>Z</m:t>
-                        </m:r>
-                      </m:e>
-                      <m:sub>
-                        <m:r>
-                          <m:t>t</m:t>
-                        </m:r>
-                        <m:r>
-                          <m:t>−</m:t>
-                        </m:r>
-                        <m:r>
-                          <m:t>1</m:t>
-                        </m:r>
-                      </m:sub>
-                    </m:sSub>
-                    <m:r>
-                      <m:t>+</m:t>
-                    </m:r>
-                    <m:sSub>
-                      <m:e>
-                        <m:r>
-                          <m:t>ϵ</m:t>
-                        </m:r>
-                      </m:e>
-                      <m:sub>
-                        <m:r>
-                          <m:t>t</m:t>
-                        </m:r>
-                      </m:sub>
-                    </m:sSub>
-                  </m:oMath>
-                </a14:m>
-              </a:p>
-              <a:p>
-                <a:pPr lvl="0" marL="0" indent="0">
-                  <a:buNone/>
-                </a:pPr>
-                <a14:m>
-                  <m:oMath xmlns:m="http://schemas.openxmlformats.org/officeDocument/2006/math">
-                    <m:sSub>
-                      <m:e>
-                        <m:r>
-                          <m:t>Z</m:t>
-                        </m:r>
-                      </m:e>
-                      <m:sub>
-                        <m:r>
-                          <m:t>t</m:t>
-                        </m:r>
-                      </m:sub>
-                    </m:sSub>
-                    <m:r>
-                      <m:t>=</m:t>
-                    </m:r>
-                    <m:sSup>
-                      <m:e>
-                        <m:r>
-                          <m:t>ϕ</m:t>
-                        </m:r>
-                      </m:e>
-                      <m:sup>
-                        <m:r>
-                          <m:t>2</m:t>
-                        </m:r>
-                      </m:sup>
-                    </m:sSup>
-                    <m:sSub>
-                      <m:e>
-                        <m:r>
-                          <m:t>Z</m:t>
-                        </m:r>
-                      </m:e>
-                      <m:sub>
-                        <m:r>
-                          <m:t>t</m:t>
-                        </m:r>
-                        <m:r>
-                          <m:t>−</m:t>
-                        </m:r>
-                        <m:r>
-                          <m:t>2</m:t>
-                        </m:r>
-                      </m:sub>
-                    </m:sSub>
-                    <m:r>
-                      <m:t>+</m:t>
-                    </m:r>
-                    <m:r>
-                      <m:t>ϕ</m:t>
-                    </m:r>
-                    <m:sSub>
-                      <m:e>
-                        <m:r>
-                          <m:t>ϵ</m:t>
-                        </m:r>
-                      </m:e>
-                      <m:sub>
-                        <m:r>
-                          <m:t>t</m:t>
-                        </m:r>
-                        <m:r>
-                          <m:t>−</m:t>
-                        </m:r>
-                        <m:r>
-                          <m:t>1</m:t>
-                        </m:r>
-                      </m:sub>
-                    </m:sSub>
-                    <m:r>
-                      <m:t>+</m:t>
-                    </m:r>
-                    <m:sSub>
-                      <m:e>
-                        <m:r>
-                          <m:t>ϵ</m:t>
-                        </m:r>
-                      </m:e>
-                      <m:sub>
-                        <m:r>
-                          <m:t>t</m:t>
-                        </m:r>
-                      </m:sub>
-                    </m:sSub>
-                  </m:oMath>
-                </a14:m>
-              </a:p>
-              <a:p>
-                <a:pPr lvl="0" marL="0" indent="0">
-                  <a:buNone/>
-                </a:pPr>
-                <a14:m>
-                  <m:oMath xmlns:m="http://schemas.openxmlformats.org/officeDocument/2006/math">
-                    <m:sSub>
-                      <m:e>
-                        <m:r>
-                          <m:t>Z</m:t>
-                        </m:r>
-                      </m:e>
-                      <m:sub>
-                        <m:r>
-                          <m:t>t</m:t>
-                        </m:r>
-                      </m:sub>
-                    </m:sSub>
-                    <m:r>
-                      <m:t>=</m:t>
-                    </m:r>
-                    <m:sSup>
-                      <m:e>
-                        <m:r>
-                          <m:t>ϕ</m:t>
-                        </m:r>
-                      </m:e>
-                      <m:sup>
-                        <m:r>
-                          <m:t>3</m:t>
-                        </m:r>
-                      </m:sup>
-                    </m:sSup>
-                    <m:sSub>
-                      <m:e>
-                        <m:r>
-                          <m:t>Z</m:t>
-                        </m:r>
-                      </m:e>
-                      <m:sub>
-                        <m:r>
-                          <m:t>t</m:t>
-                        </m:r>
-                        <m:r>
-                          <m:t>−</m:t>
-                        </m:r>
-                        <m:r>
-                          <m:t>3</m:t>
-                        </m:r>
-                      </m:sub>
-                    </m:sSub>
-                    <m:r>
-                      <m:t>+</m:t>
-                    </m:r>
-                    <m:sSup>
-                      <m:e>
-                        <m:r>
-                          <m:t>ϕ</m:t>
-                        </m:r>
-                      </m:e>
-                      <m:sup>
-                        <m:r>
-                          <m:t>2</m:t>
-                        </m:r>
-                      </m:sup>
-                    </m:sSup>
-                    <m:sSub>
-                      <m:e>
-                        <m:r>
-                          <m:t>ϵ</m:t>
-                        </m:r>
-                      </m:e>
-                      <m:sub>
-                        <m:r>
-                          <m:t>t</m:t>
-                        </m:r>
-                        <m:r>
-                          <m:t>−</m:t>
-                        </m:r>
-                        <m:r>
-                          <m:t>2</m:t>
-                        </m:r>
-                      </m:sub>
-                    </m:sSub>
-                    <m:r>
-                      <m:t>+</m:t>
-                    </m:r>
-                    <m:r>
-                      <m:t>ϕ</m:t>
-                    </m:r>
-                    <m:sSub>
-                      <m:e>
-                        <m:r>
-                          <m:t>ϵ</m:t>
-                        </m:r>
-                      </m:e>
-                      <m:sub>
-                        <m:r>
-                          <m:t>t</m:t>
-                        </m:r>
-                        <m:r>
-                          <m:t>−</m:t>
-                        </m:r>
-                        <m:r>
-                          <m:t>1</m:t>
-                        </m:r>
-                      </m:sub>
-                    </m:sSub>
-                    <m:r>
-                      <m:t>+</m:t>
-                    </m:r>
-                    <m:sSub>
-                      <m:e>
-                        <m:r>
-                          <m:t>ϵ</m:t>
-                        </m:r>
-                      </m:e>
-                      <m:sub>
-                        <m:r>
-                          <m:t>t</m:t>
-                        </m:r>
-                      </m:sub>
-                    </m:sSub>
-                  </m:oMath>
-                </a14:m>
-              </a:p>
-            </p:txBody>
-          </p:sp>
-        </mc:Choice>
-      </mc:AlternateContent>
+              <a:t>Plot</a:t>
+            </a:r>
+            <a:r>
+              <a:rPr/>
+              <a:t> </a:t>
+            </a:r>
+            <a:r>
+              <a:rPr/>
+              <a:t>ofUKgas</a:t>
+            </a:r>
+            <a:r>
+              <a:rPr/>
+              <a:t> </a:t>
+            </a:r>
+            <a:r>
+              <a:rPr/>
+              <a:t>difference</a:t>
+            </a:r>
+            <a:r>
+              <a:rPr/>
+              <a:t> </a:t>
+            </a:r>
+            <a:r>
+              <a:rPr/>
+              <a:t>model</a:t>
+            </a:r>
+          </a:p>
+        </p:txBody>
+      </p:sp>
+      <p:pic>
+        <p:nvPicPr>
+          <p:cNvPr descr="basics_files/figure-pptx/UKgas-diff-1.png" id="0" name="Picture 1"/>
+          <p:cNvPicPr>
+            <a:picLocks noGrp="1" noChangeAspect="1"/>
+          </p:cNvPicPr>
+          <p:nvPr/>
+        </p:nvPicPr>
+        <p:blipFill>
+          <a:blip r:embed="rId2"/>
+          <a:stretch>
+            <a:fillRect/>
+          </a:stretch>
+        </p:blipFill>
+        <p:spPr bwMode="auto">
+          <a:xfrm>
+            <a:off x="457200" y="2032000"/>
+            <a:ext cx="8229600" cy="3657600"/>
+          </a:xfrm>
+          <a:prstGeom prst="rect">
+            <a:avLst/>
+          </a:prstGeom>
+          <a:noFill/>
+          <a:ln w="9525">
+            <a:noFill/>
+            <a:headEnd/>
+            <a:tailEnd/>
+          </a:ln>
+        </p:spPr>
+      </p:pic>
     </p:spTree>
   </p:cSld>
 </p:sld>
@@ -5158,15 +4674,15 @@
             </a:pPr>
             <a:r>
               <a:rPr/>
-              <a:t>Correlation</a:t>
-            </a:r>
-            <a:r>
-              <a:rPr/>
-              <a:t> </a:t>
-            </a:r>
-            <a:r>
-              <a:rPr/>
-              <a:t>matrix</a:t>
+              <a:t>White</a:t>
+            </a:r>
+            <a:r>
+              <a:rPr/>
+              <a:t> </a:t>
+            </a:r>
+            <a:r>
+              <a:rPr/>
+              <a:t>noise</a:t>
             </a:r>
           </a:p>
         </p:txBody>
@@ -5188,621 +4704,59 @@
               <a:bodyPr/>
               <a:lstStyle/>
               <a:p>
-                <a:pPr lvl="0" marL="0" indent="0">
-                  <a:buNone/>
-                </a:pPr>
+                <a:pPr lvl="1"/>
                 <a14:m>
-                  <m:oMathPara xmlns:m="http://schemas.openxmlformats.org/officeDocument/2006/math">
-                    <m:oMathParaPr>
-                      <m:jc m:val="center"/>
-                    </m:oMathParaPr>
-                    <m:oMath>
-                      <m:m>
-                        <m:mPr>
-                          <m:baseJc m:val="center"/>
-                          <m:plcHide m:val="1"/>
-                          <m:mcs>
-                            <m:mc>
-                              <m:mcPr>
-                                <m:mcJc m:val="center"/>
-                                <m:count m:val="1"/>
-                              </m:mcPr>
-                            </m:mc>
-                            <m:mc>
-                              <m:mcPr>
-                                <m:mcJc m:val="center"/>
-                                <m:count m:val="1"/>
-                              </m:mcPr>
-                            </m:mc>
-                            <m:mc>
-                              <m:mcPr>
-                                <m:mcJc m:val="center"/>
-                                <m:count m:val="1"/>
-                              </m:mcPr>
-                            </m:mc>
-                            <m:mc>
-                              <m:mcPr>
-                                <m:mcJc m:val="center"/>
-                                <m:count m:val="1"/>
-                              </m:mcPr>
-                            </m:mc>
-                            <m:mc>
-                              <m:mcPr>
-                                <m:mcJc m:val="center"/>
-                                <m:count m:val="1"/>
-                              </m:mcPr>
-                            </m:mc>
-                            <m:mc>
-                              <m:mcPr>
-                                <m:mcJc m:val="center"/>
-                                <m:count m:val="1"/>
-                              </m:mcPr>
-                            </m:mc>
-                            <m:mc>
-                              <m:mcPr>
-                                <m:mcJc m:val="center"/>
-                                <m:count m:val="1"/>
-                              </m:mcPr>
-                            </m:mc>
-                          </m:mcs>
-                        </m:mPr>
-                        <m:mr>
-                          <m:e>
-                            <m:r>
-                              <m:t>1</m:t>
-                            </m:r>
-                          </m:e>
-                          <m:e>
-                            <m:r>
-                              <m:t>ϕ</m:t>
-                            </m:r>
-                          </m:e>
-                          <m:e>
-                            <m:sSup>
-                              <m:e>
-                                <m:r>
-                                  <m:t>ϕ</m:t>
-                                </m:r>
-                              </m:e>
-                              <m:sup>
-                                <m:r>
-                                  <m:t>2</m:t>
-                                </m:r>
-                              </m:sup>
-                            </m:sSup>
-                          </m:e>
-                          <m:e>
-                            <m:sSup>
-                              <m:e>
-                                <m:r>
-                                  <m:t>ϕ</m:t>
-                                </m:r>
-                              </m:e>
-                              <m:sup>
-                                <m:r>
-                                  <m:t>3</m:t>
-                                </m:r>
-                              </m:sup>
-                            </m:sSup>
-                          </m:e>
-                          <m:e>
-                            <m:r>
-                              <m:t>⋯</m:t>
-                            </m:r>
-                          </m:e>
-                          <m:e>
-                            <m:sSup>
-                              <m:e>
-                                <m:r>
-                                  <m:t>ϕ</m:t>
-                                </m:r>
-                              </m:e>
-                              <m:sup>
-                                <m:r>
-                                  <m:t>n</m:t>
-                                </m:r>
-                                <m:r>
-                                  <m:t>−</m:t>
-                                </m:r>
-                                <m:r>
-                                  <m:t>2</m:t>
-                                </m:r>
-                              </m:sup>
-                            </m:sSup>
-                          </m:e>
-                          <m:e>
-                            <m:sSup>
-                              <m:e>
-                                <m:r>
-                                  <m:t>ϕ</m:t>
-                                </m:r>
-                              </m:e>
-                              <m:sup>
-                                <m:r>
-                                  <m:t>n</m:t>
-                                </m:r>
-                                <m:r>
-                                  <m:t>−</m:t>
-                                </m:r>
-                                <m:r>
-                                  <m:t>1</m:t>
-                                </m:r>
-                              </m:sup>
-                            </m:sSup>
-                          </m:e>
-                        </m:mr>
-                        <m:mr>
-                          <m:e>
-                            <m:r>
-                              <m:t>ϕ</m:t>
-                            </m:r>
-                          </m:e>
-                          <m:e>
-                            <m:r>
-                              <m:t>1</m:t>
-                            </m:r>
-                          </m:e>
-                          <m:e>
-                            <m:r>
-                              <m:t>ϕ</m:t>
-                            </m:r>
-                          </m:e>
-                          <m:e>
-                            <m:sSup>
-                              <m:e>
-                                <m:r>
-                                  <m:t>ϕ</m:t>
-                                </m:r>
-                              </m:e>
-                              <m:sup>
-                                <m:r>
-                                  <m:t>2</m:t>
-                                </m:r>
-                              </m:sup>
-                            </m:sSup>
-                          </m:e>
-                          <m:e>
-                            <m:r>
-                              <m:t>⋯</m:t>
-                            </m:r>
-                          </m:e>
-                          <m:e>
-                            <m:sSup>
-                              <m:e>
-                                <m:r>
-                                  <m:t>ϕ</m:t>
-                                </m:r>
-                              </m:e>
-                              <m:sup>
-                                <m:r>
-                                  <m:t>n</m:t>
-                                </m:r>
-                                <m:r>
-                                  <m:t>−</m:t>
-                                </m:r>
-                                <m:r>
-                                  <m:t>3</m:t>
-                                </m:r>
-                              </m:sup>
-                            </m:sSup>
-                          </m:e>
-                          <m:e>
-                            <m:sSup>
-                              <m:e>
-                                <m:r>
-                                  <m:t>ϕ</m:t>
-                                </m:r>
-                              </m:e>
-                              <m:sup>
-                                <m:r>
-                                  <m:t>n</m:t>
-                                </m:r>
-                                <m:r>
-                                  <m:t>−</m:t>
-                                </m:r>
-                                <m:r>
-                                  <m:t>2</m:t>
-                                </m:r>
-                              </m:sup>
-                            </m:sSup>
-                          </m:e>
-                        </m:mr>
-                        <m:mr>
-                          <m:e>
-                            <m:sSup>
-                              <m:e>
-                                <m:r>
-                                  <m:t>ϕ</m:t>
-                                </m:r>
-                              </m:e>
-                              <m:sup>
-                                <m:r>
-                                  <m:t>2</m:t>
-                                </m:r>
-                              </m:sup>
-                            </m:sSup>
-                          </m:e>
-                          <m:e>
-                            <m:r>
-                              <m:t>ϕ</m:t>
-                            </m:r>
-                          </m:e>
-                          <m:e>
-                            <m:r>
-                              <m:t>1</m:t>
-                            </m:r>
-                          </m:e>
-                          <m:e>
-                            <m:r>
-                              <m:t>ϕ</m:t>
-                            </m:r>
-                          </m:e>
-                          <m:e>
-                            <m:r>
-                              <m:t>⋯</m:t>
-                            </m:r>
-                          </m:e>
-                          <m:e>
-                            <m:sSup>
-                              <m:e>
-                                <m:r>
-                                  <m:t>ϕ</m:t>
-                                </m:r>
-                              </m:e>
-                              <m:sup>
-                                <m:r>
-                                  <m:t>n</m:t>
-                                </m:r>
-                                <m:r>
-                                  <m:t>−</m:t>
-                                </m:r>
-                                <m:r>
-                                  <m:t>4</m:t>
-                                </m:r>
-                              </m:sup>
-                            </m:sSup>
-                          </m:e>
-                          <m:e>
-                            <m:sSup>
-                              <m:e>
-                                <m:r>
-                                  <m:t>ϕ</m:t>
-                                </m:r>
-                              </m:e>
-                              <m:sup>
-                                <m:r>
-                                  <m:t>n</m:t>
-                                </m:r>
-                                <m:r>
-                                  <m:t>−</m:t>
-                                </m:r>
-                                <m:r>
-                                  <m:t>3</m:t>
-                                </m:r>
-                              </m:sup>
-                            </m:sSup>
-                          </m:e>
-                        </m:mr>
-                        <m:mr>
-                          <m:e>
-                            <m:sSup>
-                              <m:e>
-                                <m:r>
-                                  <m:t>ϕ</m:t>
-                                </m:r>
-                              </m:e>
-                              <m:sup>
-                                <m:r>
-                                  <m:t>3</m:t>
-                                </m:r>
-                              </m:sup>
-                            </m:sSup>
-                          </m:e>
-                          <m:e>
-                            <m:sSup>
-                              <m:e>
-                                <m:r>
-                                  <m:t>ϕ</m:t>
-                                </m:r>
-                              </m:e>
-                              <m:sup>
-                                <m:r>
-                                  <m:t>2</m:t>
-                                </m:r>
-                              </m:sup>
-                            </m:sSup>
-                          </m:e>
-                          <m:e>
-                            <m:r>
-                              <m:t>ϕ</m:t>
-                            </m:r>
-                          </m:e>
-                          <m:e>
-                            <m:r>
-                              <m:t>1</m:t>
-                            </m:r>
-                          </m:e>
-                          <m:e>
-                            <m:r>
-                              <m:t>⋯</m:t>
-                            </m:r>
-                          </m:e>
-                          <m:e>
-                            <m:sSup>
-                              <m:e>
-                                <m:r>
-                                  <m:t>ϕ</m:t>
-                                </m:r>
-                              </m:e>
-                              <m:sup>
-                                <m:r>
-                                  <m:t>n</m:t>
-                                </m:r>
-                                <m:r>
-                                  <m:t>−</m:t>
-                                </m:r>
-                                <m:r>
-                                  <m:t>5</m:t>
-                                </m:r>
-                              </m:sup>
-                            </m:sSup>
-                          </m:e>
-                          <m:e>
-                            <m:sSup>
-                              <m:e>
-                                <m:r>
-                                  <m:t>ϕ</m:t>
-                                </m:r>
-                              </m:e>
-                              <m:sup>
-                                <m:r>
-                                  <m:t>n</m:t>
-                                </m:r>
-                                <m:r>
-                                  <m:t>−</m:t>
-                                </m:r>
-                                <m:r>
-                                  <m:t>4</m:t>
-                                </m:r>
-                              </m:sup>
-                            </m:sSup>
-                          </m:e>
-                        </m:mr>
-                        <m:mr>
-                          <m:e>
-                            <m:r>
-                              <m:t>⋮</m:t>
-                            </m:r>
-                          </m:e>
-                          <m:e>
-                            <m:r>
-                              <m:t>⋮</m:t>
-                            </m:r>
-                          </m:e>
-                          <m:e>
-                            <m:r>
-                              <m:t>⋮</m:t>
-                            </m:r>
-                          </m:e>
-                          <m:e>
-                            <m:r>
-                              <m:t>⋮</m:t>
-                            </m:r>
-                          </m:e>
-                          <m:e>
-                            <m:r>
-                              <m:t>⋱</m:t>
-                            </m:r>
-                          </m:e>
-                          <m:e>
-                            <m:r>
-                              <m:t>⋮</m:t>
-                            </m:r>
-                          </m:e>
-                          <m:e>
-                            <m:r>
-                              <m:t>⋮</m:t>
-                            </m:r>
-                          </m:e>
-                        </m:mr>
-                        <m:mr>
-                          <m:e>
-                            <m:sSup>
-                              <m:e>
-                                <m:r>
-                                  <m:t>ϕ</m:t>
-                                </m:r>
-                              </m:e>
-                              <m:sup>
-                                <m:r>
-                                  <m:t>n</m:t>
-                                </m:r>
-                                <m:r>
-                                  <m:t>−</m:t>
-                                </m:r>
-                                <m:r>
-                                  <m:t>2</m:t>
-                                </m:r>
-                              </m:sup>
-                            </m:sSup>
-                          </m:e>
-                          <m:e>
-                            <m:sSup>
-                              <m:e>
-                                <m:r>
-                                  <m:t>ϕ</m:t>
-                                </m:r>
-                              </m:e>
-                              <m:sup>
-                                <m:r>
-                                  <m:t>n</m:t>
-                                </m:r>
-                                <m:r>
-                                  <m:t>−</m:t>
-                                </m:r>
-                                <m:r>
-                                  <m:t>3</m:t>
-                                </m:r>
-                              </m:sup>
-                            </m:sSup>
-                          </m:e>
-                          <m:e>
-                            <m:sSup>
-                              <m:e>
-                                <m:r>
-                                  <m:t>ϕ</m:t>
-                                </m:r>
-                              </m:e>
-                              <m:sup>
-                                <m:r>
-                                  <m:t>n</m:t>
-                                </m:r>
-                                <m:r>
-                                  <m:t>−</m:t>
-                                </m:r>
-                                <m:r>
-                                  <m:t>4</m:t>
-                                </m:r>
-                              </m:sup>
-                            </m:sSup>
-                          </m:e>
-                          <m:e>
-                            <m:sSup>
-                              <m:e>
-                                <m:r>
-                                  <m:t>ϕ</m:t>
-                                </m:r>
-                              </m:e>
-                              <m:sup>
-                                <m:r>
-                                  <m:t>n</m:t>
-                                </m:r>
-                                <m:r>
-                                  <m:t>−</m:t>
-                                </m:r>
-                                <m:r>
-                                  <m:t>5</m:t>
-                                </m:r>
-                              </m:sup>
-                            </m:sSup>
-                          </m:e>
-                          <m:e>
-                            <m:r>
-                              <m:t>⋯</m:t>
-                            </m:r>
-                          </m:e>
-                          <m:e>
-                            <m:r>
-                              <m:t>1</m:t>
-                            </m:r>
-                          </m:e>
-                          <m:e>
-                            <m:r>
-                              <m:t>ϕ</m:t>
-                            </m:r>
-                          </m:e>
-                        </m:mr>
-                        <m:mr>
-                          <m:e>
-                            <m:sSup>
-                              <m:e>
-                                <m:r>
-                                  <m:t>ϕ</m:t>
-                                </m:r>
-                              </m:e>
-                              <m:sup>
-                                <m:r>
-                                  <m:t>n</m:t>
-                                </m:r>
-                                <m:r>
-                                  <m:t>−</m:t>
-                                </m:r>
-                                <m:r>
-                                  <m:t>1</m:t>
-                                </m:r>
-                              </m:sup>
-                            </m:sSup>
-                          </m:e>
-                          <m:e>
-                            <m:sSup>
-                              <m:e>
-                                <m:r>
-                                  <m:t>ϕ</m:t>
-                                </m:r>
-                              </m:e>
-                              <m:sup>
-                                <m:r>
-                                  <m:t>n</m:t>
-                                </m:r>
-                                <m:r>
-                                  <m:t>−</m:t>
-                                </m:r>
-                                <m:r>
-                                  <m:t>2</m:t>
-                                </m:r>
-                              </m:sup>
-                            </m:sSup>
-                          </m:e>
-                          <m:e>
-                            <m:sSup>
-                              <m:e>
-                                <m:r>
-                                  <m:t>ϕ</m:t>
-                                </m:r>
-                              </m:e>
-                              <m:sup>
-                                <m:r>
-                                  <m:t>n</m:t>
-                                </m:r>
-                                <m:r>
-                                  <m:t>−</m:t>
-                                </m:r>
-                                <m:r>
-                                  <m:t>3</m:t>
-                                </m:r>
-                              </m:sup>
-                            </m:sSup>
-                          </m:e>
-                          <m:e>
-                            <m:sSup>
-                              <m:e>
-                                <m:r>
-                                  <m:t>ϕ</m:t>
-                                </m:r>
-                              </m:e>
-                              <m:sup>
-                                <m:r>
-                                  <m:t>n</m:t>
-                                </m:r>
-                                <m:r>
-                                  <m:t>−</m:t>
-                                </m:r>
-                                <m:r>
-                                  <m:t>4</m:t>
-                                </m:r>
-                              </m:sup>
-                            </m:sSup>
-                          </m:e>
-                          <m:e>
-                            <m:r>
-                              <m:t>⋯</m:t>
-                            </m:r>
-                          </m:e>
-                          <m:e>
-                            <m:r>
-                              <m:t>ϕ</m:t>
-                            </m:r>
-                          </m:e>
-                          <m:e>
-                            <m:r>
-                              <m:t>1</m:t>
-                            </m:r>
-                          </m:e>
-                        </m:mr>
-                      </m:m>
-                    </m:oMath>
-                  </m:oMathPara>
+                  <m:oMath xmlns:m="http://schemas.openxmlformats.org/officeDocument/2006/math">
+                    <m:sSub>
+                      <m:e>
+                        <m:r>
+                          <m:t>Z</m:t>
+                        </m:r>
+                      </m:e>
+                      <m:sub>
+                        <m:r>
+                          <m:t>t</m:t>
+                        </m:r>
+                      </m:sub>
+                    </m:sSub>
+                    <m:r>
+                      <m:t>=</m:t>
+                    </m:r>
+                    <m:sSub>
+                      <m:e>
+                        <m:r>
+                          <m:t>ϵ</m:t>
+                        </m:r>
+                      </m:e>
+                      <m:sub>
+                        <m:r>
+                          <m:t>t</m:t>
+                        </m:r>
+                      </m:sub>
+                    </m:sSub>
+                  </m:oMath>
                 </a14:m>
+              </a:p>
+              <a:p>
+                <a:pPr lvl="1"/>
+                <a:r>
+                  <a:rPr/>
+                  <a:t>Ideal pattern</a:t>
+                </a:r>
+              </a:p>
+              <a:p>
+                <a:pPr lvl="2"/>
+                <a:r>
+                  <a:rPr/>
+                  <a:t>Nothing left to predict</a:t>
+                </a:r>
+              </a:p>
+              <a:p>
+                <a:pPr lvl="2"/>
+                <a:r>
+                  <a:rPr/>
+                  <a:t>Any deviation from white noise is an opportunity</a:t>
+                </a:r>
               </a:p>
             </p:txBody>
           </p:sp>
@@ -5850,22 +4804,46 @@
             </a:pPr>
             <a:r>
               <a:rPr/>
-              <a:t>Positive</a:t>
-            </a:r>
-            <a:r>
-              <a:rPr/>
-              <a:t> </a:t>
-            </a:r>
-            <a:r>
-              <a:rPr/>
-              <a:t>autocorrelation</a:t>
+              <a:t>A</a:t>
+            </a:r>
+            <a:r>
+              <a:rPr/>
+              <a:t> </a:t>
+            </a:r>
+            <a:r>
+              <a:rPr/>
+              <a:t>simulation</a:t>
+            </a:r>
+            <a:r>
+              <a:rPr/>
+              <a:t> </a:t>
+            </a:r>
+            <a:r>
+              <a:rPr/>
+              <a:t>of</a:t>
+            </a:r>
+            <a:r>
+              <a:rPr/>
+              <a:t> </a:t>
+            </a:r>
+            <a:r>
+              <a:rPr/>
+              <a:t>white</a:t>
+            </a:r>
+            <a:r>
+              <a:rPr/>
+              <a:t> </a:t>
+            </a:r>
+            <a:r>
+              <a:rPr/>
+              <a:t>noise</a:t>
             </a:r>
           </a:p>
         </p:txBody>
       </p:sp>
       <p:pic>
         <p:nvPicPr>
-          <p:cNvPr descr="basics_files/figure-pptx/pos-1.png" id="0" name="Picture 1"/>
+          <p:cNvPr descr="basics_files/figure-pptx/white-noise-1.png" id="0" name="Picture 1"/>
           <p:cNvPicPr>
             <a:picLocks noGrp="1" noChangeAspect="1"/>
           </p:cNvPicPr>
@@ -5879,8 +4857,8 @@
         </p:blipFill>
         <p:spPr bwMode="auto">
           <a:xfrm>
-            <a:off x="1752600" y="1600200"/>
-            <a:ext cx="5651500" cy="4521200"/>
+            <a:off x="457200" y="2032000"/>
+            <a:ext cx="8229600" cy="3657600"/>
           </a:xfrm>
           <a:prstGeom prst="rect">
             <a:avLst/>
@@ -5935,49 +4913,84 @@
             </a:pPr>
             <a:r>
               <a:rPr/>
-              <a:t>Lag</a:t>
-            </a:r>
-            <a:r>
-              <a:rPr/>
-              <a:t> </a:t>
-            </a:r>
-            <a:r>
-              <a:rPr/>
-              <a:t>plot</a:t>
-            </a:r>
-          </a:p>
-        </p:txBody>
-      </p:sp>
-      <p:pic>
-        <p:nvPicPr>
-          <p:cNvPr descr="basics_files/figure-pptx/diff-pos-1.png" id="0" name="Picture 1"/>
-          <p:cNvPicPr>
-            <a:picLocks noGrp="1" noChangeAspect="1"/>
-          </p:cNvPicPr>
-          <p:nvPr/>
-        </p:nvPicPr>
-        <p:blipFill>
-          <a:blip r:embed="rId2"/>
-          <a:stretch>
-            <a:fillRect/>
-          </a:stretch>
-        </p:blipFill>
-        <p:spPr bwMode="auto">
-          <a:xfrm>
-            <a:off x="2311400" y="1600200"/>
-            <a:ext cx="4521200" cy="4521200"/>
-          </a:xfrm>
-          <a:prstGeom prst="rect">
-            <a:avLst/>
-          </a:prstGeom>
-          <a:noFill/>
-          <a:ln w="9525">
-            <a:noFill/>
-            <a:headEnd/>
-            <a:tailEnd/>
-          </a:ln>
-        </p:spPr>
-      </p:pic>
+              <a:t>Theoretical</a:t>
+            </a:r>
+            <a:r>
+              <a:rPr/>
+              <a:t> </a:t>
+            </a:r>
+            <a:r>
+              <a:rPr/>
+              <a:t>correlation</a:t>
+            </a:r>
+            <a:r>
+              <a:rPr/>
+              <a:t> </a:t>
+            </a:r>
+            <a:r>
+              <a:rPr/>
+              <a:t>matrix</a:t>
+            </a:r>
+            <a:r>
+              <a:rPr/>
+              <a:t> </a:t>
+            </a:r>
+            <a:r>
+              <a:rPr/>
+              <a:t>for</a:t>
+            </a:r>
+            <a:r>
+              <a:rPr/>
+              <a:t> </a:t>
+            </a:r>
+            <a:r>
+              <a:rPr/>
+              <a:t>white</a:t>
+            </a:r>
+            <a:r>
+              <a:rPr/>
+              <a:t> </a:t>
+            </a:r>
+            <a:r>
+              <a:rPr/>
+              <a:t>noise</a:t>
+            </a:r>
+          </a:p>
+        </p:txBody>
+      </p:sp>
+      <p:sp>
+        <p:nvSpPr>
+          <p:cNvPr id="3" name="Content Placeholder 2"/>
+          <p:cNvSpPr>
+            <a:spLocks noGrp="1"/>
+          </p:cNvSpPr>
+          <p:nvPr>
+            <p:ph idx="1"/>
+          </p:nvPr>
+        </p:nvSpPr>
+        <p:spPr/>
+        <p:txBody>
+          <a:bodyPr/>
+          <a:lstStyle/>
+          <a:p>
+            <a:pPr lvl="0" marL="1270000" indent="0">
+              <a:buNone/>
+            </a:pPr>
+            <a:r>
+              <a:rPr sz="1800">
+                <a:latin typeface="Courier"/>
+              </a:rPr>
+              <a:t>##      [,1] [,2] [,3] [,4] [,5] [,6]
+## [1,]    1    0    0    0    0    0
+## [2,]    0    1    0    0    0    0
+## [3,]    0    0    1    0    0    0
+## [4,]    0    0    0    1    0    0
+## [5,]    0    0    0    0    1    0
+## [6,]    0    0    0    0    0    1</a:t>
+            </a:r>
+          </a:p>
+        </p:txBody>
+      </p:sp>
     </p:spTree>
   </p:cSld>
 </p:sld>
@@ -6020,49 +5033,370 @@
             </a:pPr>
             <a:r>
               <a:rPr/>
-              <a:t>Negative</a:t>
-            </a:r>
-            <a:r>
-              <a:rPr/>
-              <a:t> </a:t>
-            </a:r>
-            <a:r>
-              <a:rPr/>
-              <a:t>autocorrelation</a:t>
-            </a:r>
-          </a:p>
-        </p:txBody>
-      </p:sp>
-      <p:pic>
-        <p:nvPicPr>
-          <p:cNvPr descr="basics_files/figure-pptx/neg-1.png" id="0" name="Picture 1"/>
-          <p:cNvPicPr>
-            <a:picLocks noGrp="1" noChangeAspect="1"/>
-          </p:cNvPicPr>
-          <p:nvPr/>
-        </p:nvPicPr>
-        <p:blipFill>
-          <a:blip r:embed="rId2"/>
-          <a:stretch>
-            <a:fillRect/>
-          </a:stretch>
-        </p:blipFill>
-        <p:spPr bwMode="auto">
-          <a:xfrm>
-            <a:off x="1752600" y="1600200"/>
-            <a:ext cx="5651500" cy="4521200"/>
-          </a:xfrm>
-          <a:prstGeom prst="rect">
-            <a:avLst/>
-          </a:prstGeom>
-          <a:noFill/>
-          <a:ln w="9525">
-            <a:noFill/>
-            <a:headEnd/>
-            <a:tailEnd/>
-          </a:ln>
-        </p:spPr>
-      </p:pic>
+              <a:t>Autoregressive</a:t>
+            </a:r>
+            <a:r>
+              <a:rPr/>
+              <a:t> </a:t>
+            </a:r>
+            <a:r>
+              <a:rPr/>
+              <a:t>model</a:t>
+            </a:r>
+          </a:p>
+        </p:txBody>
+      </p:sp>
+      <mc:AlternateContent xmlns:mc="http://schemas.openxmlformats.org/markup-compatibility/2006">
+        <mc:Choice xmlns:a14="http://schemas.microsoft.com/office/drawing/2010/main" Requires="a14">
+          <p:sp>
+            <p:nvSpPr>
+              <p:cNvPr id="3" name="Content Placeholder 2"/>
+              <p:cNvSpPr>
+                <a:spLocks noGrp="1"/>
+              </p:cNvSpPr>
+              <p:nvPr>
+                <p:ph idx="1"/>
+              </p:nvPr>
+            </p:nvSpPr>
+            <p:spPr/>
+            <p:txBody>
+              <a:bodyPr/>
+              <a:lstStyle/>
+              <a:p>
+                <a:pPr lvl="0" marL="0" indent="0">
+                  <a:buNone/>
+                </a:pPr>
+                <a:r>
+                  <a:rPr/>
+                  <a:t>ARIMA(1, 0, 0)</a:t>
+                </a:r>
+              </a:p>
+              <a:p>
+                <a:pPr lvl="1"/>
+                <a14:m>
+                  <m:oMath xmlns:m="http://schemas.openxmlformats.org/officeDocument/2006/math">
+                    <m:sSub>
+                      <m:e>
+                        <m:r>
+                          <m:t>Z</m:t>
+                        </m:r>
+                      </m:e>
+                      <m:sub>
+                        <m:r>
+                          <m:t>t</m:t>
+                        </m:r>
+                      </m:sub>
+                    </m:sSub>
+                    <m:r>
+                      <m:t>=</m:t>
+                    </m:r>
+                    <m:r>
+                      <m:t>ϕ</m:t>
+                    </m:r>
+                    <m:sSub>
+                      <m:e>
+                        <m:r>
+                          <m:t>Z</m:t>
+                        </m:r>
+                      </m:e>
+                      <m:sub>
+                        <m:r>
+                          <m:t>t</m:t>
+                        </m:r>
+                        <m:r>
+                          <m:t>−</m:t>
+                        </m:r>
+                        <m:r>
+                          <m:t>1</m:t>
+                        </m:r>
+                      </m:sub>
+                    </m:sSub>
+                    <m:r>
+                      <m:t>+</m:t>
+                    </m:r>
+                    <m:sSub>
+                      <m:e>
+                        <m:r>
+                          <m:t>ϵ</m:t>
+                        </m:r>
+                      </m:e>
+                      <m:sub>
+                        <m:r>
+                          <m:t>t</m:t>
+                        </m:r>
+                      </m:sub>
+                    </m:sSub>
+                  </m:oMath>
+                </a14:m>
+              </a:p>
+              <a:p>
+                <a:pPr lvl="0" marL="0" indent="0">
+                  <a:buNone/>
+                </a:pPr>
+                <a:r>
+                  <a:rPr/>
+                  <a:t>The autoregressive model produces a “ripple effect” because this model implies a relationship going back in time.</a:t>
+                </a:r>
+              </a:p>
+              <a:p>
+                <a:pPr lvl="1"/>
+                <a14:m>
+                  <m:oMath xmlns:m="http://schemas.openxmlformats.org/officeDocument/2006/math">
+                    <m:sSub>
+                      <m:e>
+                        <m:r>
+                          <m:t>Z</m:t>
+                        </m:r>
+                      </m:e>
+                      <m:sub>
+                        <m:r>
+                          <m:t>t</m:t>
+                        </m:r>
+                      </m:sub>
+                    </m:sSub>
+                    <m:r>
+                      <m:t>=</m:t>
+                    </m:r>
+                    <m:sSup>
+                      <m:e>
+                        <m:r>
+                          <m:t>ϕ</m:t>
+                        </m:r>
+                      </m:e>
+                      <m:sup>
+                        <m:r>
+                          <m:t>2</m:t>
+                        </m:r>
+                      </m:sup>
+                    </m:sSup>
+                    <m:sSub>
+                      <m:e>
+                        <m:r>
+                          <m:t>Z</m:t>
+                        </m:r>
+                      </m:e>
+                      <m:sub>
+                        <m:r>
+                          <m:t>t</m:t>
+                        </m:r>
+                        <m:r>
+                          <m:t>−</m:t>
+                        </m:r>
+                        <m:r>
+                          <m:t>2</m:t>
+                        </m:r>
+                      </m:sub>
+                    </m:sSub>
+                    <m:r>
+                      <m:t>+</m:t>
+                    </m:r>
+                    <m:r>
+                      <m:t>ϕ</m:t>
+                    </m:r>
+                    <m:sSub>
+                      <m:e>
+                        <m:r>
+                          <m:t>ϵ</m:t>
+                        </m:r>
+                      </m:e>
+                      <m:sub>
+                        <m:r>
+                          <m:t>t</m:t>
+                        </m:r>
+                        <m:r>
+                          <m:t>−</m:t>
+                        </m:r>
+                        <m:r>
+                          <m:t>1</m:t>
+                        </m:r>
+                      </m:sub>
+                    </m:sSub>
+                    <m:r>
+                      <m:t>+</m:t>
+                    </m:r>
+                    <m:sSub>
+                      <m:e>
+                        <m:r>
+                          <m:t>ϵ</m:t>
+                        </m:r>
+                      </m:e>
+                      <m:sub>
+                        <m:r>
+                          <m:t>t</m:t>
+                        </m:r>
+                      </m:sub>
+                    </m:sSub>
+                  </m:oMath>
+                </a14:m>
+              </a:p>
+              <a:p>
+                <a:pPr lvl="0" marL="0" indent="0">
+                  <a:buNone/>
+                </a:pPr>
+                <a:r>
+                  <a:rPr/>
+                  <a:t>and </a:t>
+                </a:r>
+                <a14:m>
+                  <m:oMath xmlns:m="http://schemas.openxmlformats.org/officeDocument/2006/math">
+                    <m:sSub>
+                      <m:e>
+                        <m:r>
+                          <m:t>Z</m:t>
+                        </m:r>
+                      </m:e>
+                      <m:sub>
+                        <m:r>
+                          <m:t>t</m:t>
+                        </m:r>
+                        <m:r>
+                          <m:t>−</m:t>
+                        </m:r>
+                        <m:r>
+                          <m:t>3</m:t>
+                        </m:r>
+                      </m:sub>
+                    </m:sSub>
+                  </m:oMath>
+                </a14:m>
+              </a:p>
+              <a:p>
+                <a:pPr lvl="1"/>
+                <a14:m>
+                  <m:oMath xmlns:m="http://schemas.openxmlformats.org/officeDocument/2006/math">
+                    <m:sSub>
+                      <m:e>
+                        <m:r>
+                          <m:t>Z</m:t>
+                        </m:r>
+                      </m:e>
+                      <m:sub>
+                        <m:r>
+                          <m:t>t</m:t>
+                        </m:r>
+                      </m:sub>
+                    </m:sSub>
+                    <m:r>
+                      <m:t>=</m:t>
+                    </m:r>
+                    <m:sSup>
+                      <m:e>
+                        <m:r>
+                          <m:t>ϕ</m:t>
+                        </m:r>
+                      </m:e>
+                      <m:sup>
+                        <m:r>
+                          <m:t>3</m:t>
+                        </m:r>
+                      </m:sup>
+                    </m:sSup>
+                    <m:sSub>
+                      <m:e>
+                        <m:r>
+                          <m:t>Z</m:t>
+                        </m:r>
+                      </m:e>
+                      <m:sub>
+                        <m:r>
+                          <m:t>t</m:t>
+                        </m:r>
+                        <m:r>
+                          <m:t>−</m:t>
+                        </m:r>
+                        <m:r>
+                          <m:t>3</m:t>
+                        </m:r>
+                      </m:sub>
+                    </m:sSub>
+                    <m:r>
+                      <m:t>+</m:t>
+                    </m:r>
+                    <m:sSup>
+                      <m:e>
+                        <m:r>
+                          <m:t>ϕ</m:t>
+                        </m:r>
+                      </m:e>
+                      <m:sup>
+                        <m:r>
+                          <m:t>2</m:t>
+                        </m:r>
+                      </m:sup>
+                    </m:sSup>
+                    <m:sSub>
+                      <m:e>
+                        <m:r>
+                          <m:t>ϵ</m:t>
+                        </m:r>
+                      </m:e>
+                      <m:sub>
+                        <m:r>
+                          <m:t>t</m:t>
+                        </m:r>
+                        <m:r>
+                          <m:t>−</m:t>
+                        </m:r>
+                        <m:r>
+                          <m:t>2</m:t>
+                        </m:r>
+                      </m:sub>
+                    </m:sSub>
+                    <m:r>
+                      <m:t>+</m:t>
+                    </m:r>
+                    <m:r>
+                      <m:t>ϕ</m:t>
+                    </m:r>
+                    <m:sSub>
+                      <m:e>
+                        <m:r>
+                          <m:t>ϵ</m:t>
+                        </m:r>
+                      </m:e>
+                      <m:sub>
+                        <m:r>
+                          <m:t>t</m:t>
+                        </m:r>
+                        <m:r>
+                          <m:t>−</m:t>
+                        </m:r>
+                        <m:r>
+                          <m:t>1.000</m:t>
+                        </m:r>
+                      </m:sub>
+                    </m:sSub>
+                    <m:r>
+                      <m:t>+</m:t>
+                    </m:r>
+                    <m:sSub>
+                      <m:e>
+                        <m:r>
+                          <m:t>ϵ</m:t>
+                        </m:r>
+                      </m:e>
+                      <m:sub>
+                        <m:r>
+                          <m:t>t</m:t>
+                        </m:r>
+                      </m:sub>
+                    </m:sSub>
+                  </m:oMath>
+                </a14:m>
+              </a:p>
+              <a:p>
+                <a:pPr lvl="0" marL="0" indent="0">
+                  <a:buNone/>
+                </a:pPr>
+                <a:r>
+                  <a:rPr/>
+                  <a:t>and so on.</a:t>
+                </a:r>
+              </a:p>
+            </p:txBody>
+          </p:sp>
+        </mc:Choice>
+      </mc:AlternateContent>
     </p:spTree>
   </p:cSld>
 </p:sld>
@@ -6105,49 +5439,92 @@
             </a:pPr>
             <a:r>
               <a:rPr/>
-              <a:t>Lag</a:t>
-            </a:r>
-            <a:r>
-              <a:rPr/>
-              <a:t> </a:t>
-            </a:r>
-            <a:r>
-              <a:rPr/>
-              <a:t>plot</a:t>
-            </a:r>
-          </a:p>
-        </p:txBody>
-      </p:sp>
-      <p:pic>
-        <p:nvPicPr>
-          <p:cNvPr descr="basics_files/figure-pptx/diff-neg-1.png" id="0" name="Picture 1"/>
-          <p:cNvPicPr>
-            <a:picLocks noGrp="1" noChangeAspect="1"/>
-          </p:cNvPicPr>
-          <p:nvPr/>
-        </p:nvPicPr>
-        <p:blipFill>
-          <a:blip r:embed="rId2"/>
-          <a:stretch>
-            <a:fillRect/>
-          </a:stretch>
-        </p:blipFill>
-        <p:spPr bwMode="auto">
-          <a:xfrm>
-            <a:off x="2311400" y="1600200"/>
-            <a:ext cx="4521200" cy="4521200"/>
-          </a:xfrm>
-          <a:prstGeom prst="rect">
-            <a:avLst/>
-          </a:prstGeom>
-          <a:noFill/>
-          <a:ln w="9525">
-            <a:noFill/>
-            <a:headEnd/>
-            <a:tailEnd/>
-          </a:ln>
-        </p:spPr>
-      </p:pic>
+              <a:t>Theoretical</a:t>
+            </a:r>
+            <a:r>
+              <a:rPr/>
+              <a:t> </a:t>
+            </a:r>
+            <a:r>
+              <a:rPr/>
+              <a:t>correlation</a:t>
+            </a:r>
+            <a:r>
+              <a:rPr/>
+              <a:t> </a:t>
+            </a:r>
+            <a:r>
+              <a:rPr/>
+              <a:t>matrix</a:t>
+            </a:r>
+            <a:r>
+              <a:rPr/>
+              <a:t> </a:t>
+            </a:r>
+            <a:r>
+              <a:rPr/>
+              <a:t>for</a:t>
+            </a:r>
+            <a:r>
+              <a:rPr/>
+              <a:t> </a:t>
+            </a:r>
+            <a:r>
+              <a:rPr/>
+              <a:t>positive</a:t>
+            </a:r>
+            <a:r>
+              <a:rPr/>
+              <a:t> </a:t>
+            </a:r>
+            <a:r>
+              <a:rPr/>
+              <a:t>autoregessive</a:t>
+            </a:r>
+            <a:r>
+              <a:rPr/>
+              <a:t> </a:t>
+            </a:r>
+            <a:r>
+              <a:rPr/>
+              <a:t>model</a:t>
+            </a:r>
+          </a:p>
+        </p:txBody>
+      </p:sp>
+      <p:sp>
+        <p:nvSpPr>
+          <p:cNvPr id="3" name="Content Placeholder 2"/>
+          <p:cNvSpPr>
+            <a:spLocks noGrp="1"/>
+          </p:cNvSpPr>
+          <p:nvPr>
+            <p:ph idx="1"/>
+          </p:nvPr>
+        </p:nvSpPr>
+        <p:spPr/>
+        <p:txBody>
+          <a:bodyPr/>
+          <a:lstStyle/>
+          <a:p>
+            <a:pPr lvl="0" marL="1270000" indent="0">
+              <a:buNone/>
+            </a:pPr>
+            <a:r>
+              <a:rPr sz="1800">
+                <a:latin typeface="Courier"/>
+              </a:rPr>
+              <a:t>##       [,1]  [,2]  [,3]  [,4]  [,5]  [,6]
+## [1,] 1.000 0.500 0.250 0.125 0.062 0.031
+## [2,] 0.500 1.000 0.500 0.250 0.125 0.062
+## [3,] 0.250 0.500 1.000 0.500 0.250 0.125
+## [4,] 0.125 0.250 0.500 1.000 0.500 0.250
+## [5,] 0.062 0.125 0.250 0.500 1.000 0.500
+## [6,] 0.031 0.062 0.125 0.250 0.500 1.000</a:t>
+            </a:r>
+          </a:p>
+        </p:txBody>
+      </p:sp>
     </p:spTree>
   </p:cSld>
 </p:sld>
@@ -6190,22 +5567,62 @@
             </a:pPr>
             <a:r>
               <a:rPr/>
-              <a:t>Lag</a:t>
-            </a:r>
-            <a:r>
-              <a:rPr/>
-              <a:t> </a:t>
-            </a:r>
-            <a:r>
-              <a:rPr/>
-              <a:t>plot</a:t>
+              <a:t>A</a:t>
+            </a:r>
+            <a:r>
+              <a:rPr/>
+              <a:t> </a:t>
+            </a:r>
+            <a:r>
+              <a:rPr/>
+              <a:t>simulation</a:t>
+            </a:r>
+            <a:r>
+              <a:rPr/>
+              <a:t> </a:t>
+            </a:r>
+            <a:r>
+              <a:rPr/>
+              <a:t>of</a:t>
+            </a:r>
+            <a:r>
+              <a:rPr/>
+              <a:t> </a:t>
+            </a:r>
+            <a:r>
+              <a:rPr/>
+              <a:t>a</a:t>
+            </a:r>
+            <a:r>
+              <a:rPr/>
+              <a:t> </a:t>
+            </a:r>
+            <a:r>
+              <a:rPr/>
+              <a:t>positive</a:t>
+            </a:r>
+            <a:r>
+              <a:rPr/>
+              <a:t> </a:t>
+            </a:r>
+            <a:r>
+              <a:rPr/>
+              <a:t>autoregressive</a:t>
+            </a:r>
+            <a:r>
+              <a:rPr/>
+              <a:t> </a:t>
+            </a:r>
+            <a:r>
+              <a:rPr/>
+              <a:t>model</a:t>
             </a:r>
           </a:p>
         </p:txBody>
       </p:sp>
       <p:pic>
         <p:nvPicPr>
-          <p:cNvPr descr="basics_files/figure-pptx/lag2-1.png" id="0" name="Picture 1"/>
+          <p:cNvPr descr="basics_files/figure-pptx/pos-ar-sim-1.png" id="0" name="Picture 1"/>
           <p:cNvPicPr>
             <a:picLocks noGrp="1" noChangeAspect="1"/>
           </p:cNvPicPr>
@@ -6219,8 +5636,8 @@
         </p:blipFill>
         <p:spPr bwMode="auto">
           <a:xfrm>
-            <a:off x="2311400" y="1600200"/>
-            <a:ext cx="4521200" cy="4521200"/>
+            <a:off x="457200" y="2032000"/>
+            <a:ext cx="8229600" cy="3657600"/>
           </a:xfrm>
           <a:prstGeom prst="rect">
             <a:avLst/>
@@ -6275,23 +5692,15 @@
             </a:pPr>
             <a:r>
               <a:rPr/>
-              <a:t>acf</a:t>
-            </a:r>
-            <a:r>
-              <a:rPr/>
-              <a:t> </a:t>
-            </a:r>
-            <a:r>
-              <a:rPr/>
-              <a:t>and</a:t>
-            </a:r>
-            <a:r>
-              <a:rPr/>
-              <a:t> </a:t>
-            </a:r>
-            <a:r>
-              <a:rPr/>
-              <a:t>pacf</a:t>
+              <a:t>Auotcorrelation</a:t>
+            </a:r>
+            <a:r>
+              <a:rPr/>
+              <a:t> </a:t>
+            </a:r>
+            <a:r>
+              <a:rPr/>
+              <a:t>patterns</a:t>
             </a:r>
             <a:r>
               <a:rPr/>
@@ -6307,22 +5716,30 @@
             </a:r>
             <a:r>
               <a:rPr/>
-              <a:t>co2</a:t>
-            </a:r>
-            <a:r>
-              <a:rPr/>
-              <a:t> </a:t>
-            </a:r>
-            <a:r>
-              <a:rPr/>
-              <a:t>data</a:t>
+              <a:t>positive</a:t>
+            </a:r>
+            <a:r>
+              <a:rPr/>
+              <a:t> </a:t>
+            </a:r>
+            <a:r>
+              <a:rPr/>
+              <a:t>autoregressive</a:t>
+            </a:r>
+            <a:r>
+              <a:rPr/>
+              <a:t> </a:t>
+            </a:r>
+            <a:r>
+              <a:rPr/>
+              <a:t>model</a:t>
             </a:r>
           </a:p>
         </p:txBody>
       </p:sp>
       <p:pic>
         <p:nvPicPr>
-          <p:cNvPr descr="basics_files/figure-pptx/co2-auto-1.png" id="0" name="Picture 1"/>
+          <p:cNvPr descr="basics_files/figure-pptx/pos-ar-acf-1.png" id="0" name="Picture 1"/>
           <p:cNvPicPr>
             <a:picLocks noGrp="1" noChangeAspect="1"/>
           </p:cNvPicPr>
@@ -6336,8 +5753,8 @@
         </p:blipFill>
         <p:spPr bwMode="auto">
           <a:xfrm>
-            <a:off x="1752600" y="1600200"/>
-            <a:ext cx="5651500" cy="4521200"/>
+            <a:off x="457200" y="2032000"/>
+            <a:ext cx="8229600" cy="3657600"/>
           </a:xfrm>
           <a:prstGeom prst="rect">
             <a:avLst/>
@@ -6392,31 +5809,55 @@
             </a:pPr>
             <a:r>
               <a:rPr/>
-              <a:t>Structure</a:t>
-            </a:r>
-            <a:r>
-              <a:rPr/>
-              <a:t> </a:t>
-            </a:r>
-            <a:r>
-              <a:rPr/>
-              <a:t>of</a:t>
-            </a:r>
-            <a:r>
-              <a:rPr/>
-              <a:t> </a:t>
-            </a:r>
-            <a:r>
-              <a:rPr/>
-              <a:t>LakeHuron</a:t>
-            </a:r>
-            <a:r>
-              <a:rPr/>
-              <a:t> </a:t>
-            </a:r>
-            <a:r>
-              <a:rPr/>
-              <a:t>data</a:t>
+              <a:t>Theoretical</a:t>
+            </a:r>
+            <a:r>
+              <a:rPr/>
+              <a:t> </a:t>
+            </a:r>
+            <a:r>
+              <a:rPr/>
+              <a:t>correlation</a:t>
+            </a:r>
+            <a:r>
+              <a:rPr/>
+              <a:t> </a:t>
+            </a:r>
+            <a:r>
+              <a:rPr/>
+              <a:t>matrix</a:t>
+            </a:r>
+            <a:r>
+              <a:rPr/>
+              <a:t> </a:t>
+            </a:r>
+            <a:r>
+              <a:rPr/>
+              <a:t>for</a:t>
+            </a:r>
+            <a:r>
+              <a:rPr/>
+              <a:t> </a:t>
+            </a:r>
+            <a:r>
+              <a:rPr/>
+              <a:t>negative</a:t>
+            </a:r>
+            <a:r>
+              <a:rPr/>
+              <a:t> </a:t>
+            </a:r>
+            <a:r>
+              <a:rPr/>
+              <a:t>autoregessive</a:t>
+            </a:r>
+            <a:r>
+              <a:rPr/>
+              <a:t> </a:t>
+            </a:r>
+            <a:r>
+              <a:rPr/>
+              <a:t>model</a:t>
             </a:r>
           </a:p>
         </p:txBody>
@@ -6439,66 +5880,17 @@
             <a:pPr lvl="0" marL="1270000" indent="0">
               <a:buNone/>
             </a:pPr>
-            <a:r>
-              <a:rPr sz="1800" b="1">
-                <a:solidFill>
-                  <a:srgbClr val="007020"/>
-                </a:solidFill>
-                <a:latin typeface="Courier"/>
-              </a:rPr>
-              <a:t>str</a:t>
-            </a:r>
             <a:r>
               <a:rPr sz="1800">
                 <a:latin typeface="Courier"/>
               </a:rPr>
-              <a:t>(LakeHuron)</a:t>
-            </a:r>
-          </a:p>
-          <a:p>
-            <a:pPr lvl="0" marL="1270000" indent="0">
-              <a:buNone/>
-            </a:pPr>
-            <a:r>
-              <a:rPr sz="1800">
-                <a:latin typeface="Courier"/>
-              </a:rPr>
-              <a:t>##  Time-Series [1:98] from 1875 to 1972: 580 582 581 581 580 ...</a:t>
-            </a:r>
-          </a:p>
-          <a:p>
-            <a:pPr lvl="0" marL="1270000" indent="0">
-              <a:buNone/>
-            </a:pPr>
-            <a:r>
-              <a:rPr sz="1800" b="1">
-                <a:solidFill>
-                  <a:srgbClr val="007020"/>
-                </a:solidFill>
-                <a:latin typeface="Courier"/>
-              </a:rPr>
-              <a:t>attributes</a:t>
-            </a:r>
-            <a:r>
-              <a:rPr sz="1800">
-                <a:latin typeface="Courier"/>
-              </a:rPr>
-              <a:t>(LakeHuron)</a:t>
-            </a:r>
-          </a:p>
-          <a:p>
-            <a:pPr lvl="0" marL="1270000" indent="0">
-              <a:buNone/>
-            </a:pPr>
-            <a:r>
-              <a:rPr sz="1800">
-                <a:latin typeface="Courier"/>
-              </a:rPr>
-              <a:t>## $tsp
-## [1] 1875 1972    1
-## 
-## $class
-## [1] "ts"</a:t>
+              <a:t>##        [,1]   [,2]   [,3]   [,4]   [,5]   [,6]
+## [1,]  1.000 -0.500  0.250 -0.125  0.062 -0.031
+## [2,] -0.500  1.000 -0.500  0.250 -0.125  0.062
+## [3,]  0.250 -0.500  1.000 -0.500  0.250 -0.125
+## [4,] -0.125  0.250 -0.500  1.000 -0.500  0.250
+## [5,]  0.062 -0.125  0.250 -0.500  1.000 -0.500
+## [6,] -0.031  0.062 -0.125  0.250 -0.500  1.000</a:t>
             </a:r>
           </a:p>
         </p:txBody>
@@ -6545,7 +5937,15 @@
             </a:pPr>
             <a:r>
               <a:rPr/>
-              <a:t>Plot</a:t>
+              <a:t>A</a:t>
+            </a:r>
+            <a:r>
+              <a:rPr/>
+              <a:t> </a:t>
+            </a:r>
+            <a:r>
+              <a:rPr/>
+              <a:t>simulation</a:t>
             </a:r>
             <a:r>
               <a:rPr/>
@@ -6561,22 +5961,38 @@
             </a:r>
             <a:r>
               <a:rPr/>
-              <a:t>LakeHuron</a:t>
-            </a:r>
-            <a:r>
-              <a:rPr/>
-              <a:t> </a:t>
-            </a:r>
-            <a:r>
-              <a:rPr/>
-              <a:t>data</a:t>
+              <a:t>a</a:t>
+            </a:r>
+            <a:r>
+              <a:rPr/>
+              <a:t> </a:t>
+            </a:r>
+            <a:r>
+              <a:rPr/>
+              <a:t>negative</a:t>
+            </a:r>
+            <a:r>
+              <a:rPr/>
+              <a:t> </a:t>
+            </a:r>
+            <a:r>
+              <a:rPr/>
+              <a:t>autoregressive</a:t>
+            </a:r>
+            <a:r>
+              <a:rPr/>
+              <a:t> </a:t>
+            </a:r>
+            <a:r>
+              <a:rPr/>
+              <a:t>model</a:t>
             </a:r>
           </a:p>
         </p:txBody>
       </p:sp>
       <p:pic>
         <p:nvPicPr>
-          <p:cNvPr descr="basics_files/figure-pptx/LakeHuron-plot-1.png" id="0" name="Picture 1"/>
+          <p:cNvPr descr="basics_files/figure-pptx/neg-ar-sim-1.png" id="0" name="Picture 1"/>
           <p:cNvPicPr>
             <a:picLocks noGrp="1" noChangeAspect="1"/>
           </p:cNvPicPr>
@@ -6590,8 +6006,8 @@
         </p:blipFill>
         <p:spPr bwMode="auto">
           <a:xfrm>
-            <a:off x="1752600" y="1600200"/>
-            <a:ext cx="5651500" cy="4521200"/>
+            <a:off x="457200" y="2032000"/>
+            <a:ext cx="8229600" cy="3657600"/>
           </a:xfrm>
           <a:prstGeom prst="rect">
             <a:avLst/>
@@ -6918,23 +6334,15 @@
             </a:pPr>
             <a:r>
               <a:rPr/>
-              <a:t>acf</a:t>
-            </a:r>
-            <a:r>
-              <a:rPr/>
-              <a:t> </a:t>
-            </a:r>
-            <a:r>
-              <a:rPr/>
-              <a:t>and</a:t>
-            </a:r>
-            <a:r>
-              <a:rPr/>
-              <a:t> </a:t>
-            </a:r>
-            <a:r>
-              <a:rPr/>
-              <a:t>pacf</a:t>
+              <a:t>Auotcorrelation</a:t>
+            </a:r>
+            <a:r>
+              <a:rPr/>
+              <a:t> </a:t>
+            </a:r>
+            <a:r>
+              <a:rPr/>
+              <a:t>patterns</a:t>
             </a:r>
             <a:r>
               <a:rPr/>
@@ -6950,14 +6358,30 @@
             </a:r>
             <a:r>
               <a:rPr/>
-              <a:t>data</a:t>
+              <a:t>negative</a:t>
+            </a:r>
+            <a:r>
+              <a:rPr/>
+              <a:t> </a:t>
+            </a:r>
+            <a:r>
+              <a:rPr/>
+              <a:t>autoregressive</a:t>
+            </a:r>
+            <a:r>
+              <a:rPr/>
+              <a:t> </a:t>
+            </a:r>
+            <a:r>
+              <a:rPr/>
+              <a:t>model</a:t>
             </a:r>
           </a:p>
         </p:txBody>
       </p:sp>
       <p:pic>
         <p:nvPicPr>
-          <p:cNvPr descr="basics_files/figure-pptx/LakeHuron-auto-1.png" id="0" name="Picture 1"/>
+          <p:cNvPr descr="basics_files/figure-pptx/neg-ar-acf-1.png" id="0" name="Picture 1"/>
           <p:cNvPicPr>
             <a:picLocks noGrp="1" noChangeAspect="1"/>
           </p:cNvPicPr>
@@ -6971,8 +6395,8 @@
         </p:blipFill>
         <p:spPr bwMode="auto">
           <a:xfrm>
-            <a:off x="1752600" y="1600200"/>
-            <a:ext cx="5651500" cy="4521200"/>
+            <a:off x="457200" y="2032000"/>
+            <a:ext cx="8229600" cy="3657600"/>
           </a:xfrm>
           <a:prstGeom prst="rect">
             <a:avLst/>
@@ -7027,117 +6451,123 @@
             </a:pPr>
             <a:r>
               <a:rPr/>
-              <a:t>Structure</a:t>
-            </a:r>
-            <a:r>
-              <a:rPr/>
-              <a:t> </a:t>
-            </a:r>
-            <a:r>
-              <a:rPr/>
-              <a:t>of</a:t>
-            </a:r>
-            <a:r>
-              <a:rPr/>
-              <a:t> </a:t>
-            </a:r>
-            <a:r>
-              <a:rPr/>
-              <a:t>mdeaths</a:t>
-            </a:r>
-            <a:r>
-              <a:rPr/>
-              <a:t> </a:t>
-            </a:r>
-            <a:r>
-              <a:rPr/>
-              <a:t>data</a:t>
-            </a:r>
-          </a:p>
-        </p:txBody>
-      </p:sp>
-      <p:sp>
-        <p:nvSpPr>
-          <p:cNvPr id="3" name="Content Placeholder 2"/>
-          <p:cNvSpPr>
-            <a:spLocks noGrp="1"/>
-          </p:cNvSpPr>
-          <p:nvPr>
-            <p:ph idx="1"/>
-          </p:nvPr>
-        </p:nvSpPr>
-        <p:spPr/>
-        <p:txBody>
-          <a:bodyPr/>
-          <a:lstStyle/>
-          <a:p>
-            <a:pPr lvl="0" marL="1270000" indent="0">
-              <a:buNone/>
-            </a:pPr>
-            <a:r>
-              <a:rPr sz="1800" b="1">
-                <a:solidFill>
-                  <a:srgbClr val="007020"/>
-                </a:solidFill>
-                <a:latin typeface="Courier"/>
-              </a:rPr>
-              <a:t>str</a:t>
-            </a:r>
-            <a:r>
-              <a:rPr sz="1800">
-                <a:latin typeface="Courier"/>
-              </a:rPr>
-              <a:t>(mdeaths)</a:t>
-            </a:r>
-          </a:p>
-          <a:p>
-            <a:pPr lvl="0" marL="1270000" indent="0">
-              <a:buNone/>
-            </a:pPr>
-            <a:r>
-              <a:rPr sz="1800">
-                <a:latin typeface="Courier"/>
-              </a:rPr>
-              <a:t>##  Time-Series [1:72] from 1974 to 1980: 2134 1863 1877 1877 1492 ...</a:t>
-            </a:r>
-          </a:p>
-          <a:p>
-            <a:pPr lvl="0" marL="1270000" indent="0">
-              <a:buNone/>
-            </a:pPr>
-            <a:r>
-              <a:rPr sz="1800" b="1">
-                <a:solidFill>
-                  <a:srgbClr val="007020"/>
-                </a:solidFill>
-                <a:latin typeface="Courier"/>
-              </a:rPr>
-              <a:t>attributes</a:t>
-            </a:r>
-            <a:r>
-              <a:rPr sz="1800">
-                <a:latin typeface="Courier"/>
-              </a:rPr>
-              <a:t>(mdeaths)</a:t>
-            </a:r>
-          </a:p>
-          <a:p>
-            <a:pPr lvl="0" marL="1270000" indent="0">
-              <a:buNone/>
-            </a:pPr>
-            <a:r>
-              <a:rPr sz="1800">
-                <a:latin typeface="Courier"/>
-              </a:rPr>
-              <a:t>## $tsp
-## [1] 1974.000 1979.917   12.000
-## 
-## $class
-## [1] "ts"</a:t>
-            </a:r>
-          </a:p>
-        </p:txBody>
-      </p:sp>
+              <a:t>Moving</a:t>
+            </a:r>
+            <a:r>
+              <a:rPr/>
+              <a:t> </a:t>
+            </a:r>
+            <a:r>
+              <a:rPr/>
+              <a:t>average</a:t>
+            </a:r>
+            <a:r>
+              <a:rPr/>
+              <a:t> </a:t>
+            </a:r>
+            <a:r>
+              <a:rPr/>
+              <a:t>model</a:t>
+            </a:r>
+          </a:p>
+        </p:txBody>
+      </p:sp>
+      <mc:AlternateContent xmlns:mc="http://schemas.openxmlformats.org/markup-compatibility/2006">
+        <mc:Choice xmlns:a14="http://schemas.microsoft.com/office/drawing/2010/main" Requires="a14">
+          <p:sp>
+            <p:nvSpPr>
+              <p:cNvPr id="3" name="Content Placeholder 2"/>
+              <p:cNvSpPr>
+                <a:spLocks noGrp="1"/>
+              </p:cNvSpPr>
+              <p:nvPr>
+                <p:ph idx="1"/>
+              </p:nvPr>
+            </p:nvSpPr>
+            <p:spPr/>
+            <p:txBody>
+              <a:bodyPr/>
+              <a:lstStyle/>
+              <a:p>
+                <a:pPr lvl="0" marL="0" indent="0">
+                  <a:buNone/>
+                </a:pPr>
+                <a:r>
+                  <a:rPr/>
+                  <a:t>ARIMA(0, 0, 1)</a:t>
+                </a:r>
+              </a:p>
+              <a:p>
+                <a:pPr lvl="1"/>
+                <a14:m>
+                  <m:oMath xmlns:m="http://schemas.openxmlformats.org/officeDocument/2006/math">
+                    <m:sSub>
+                      <m:e>
+                        <m:r>
+                          <m:t>Z</m:t>
+                        </m:r>
+                      </m:e>
+                      <m:sub>
+                        <m:r>
+                          <m:t>t</m:t>
+                        </m:r>
+                      </m:sub>
+                    </m:sSub>
+                    <m:r>
+                      <m:t>=</m:t>
+                    </m:r>
+                    <m:r>
+                      <m:t>θ</m:t>
+                    </m:r>
+                    <m:sSub>
+                      <m:e>
+                        <m:r>
+                          <m:t>ϵ</m:t>
+                        </m:r>
+                      </m:e>
+                      <m:sub>
+                        <m:r>
+                          <m:t>t</m:t>
+                        </m:r>
+                        <m:r>
+                          <m:t>−</m:t>
+                        </m:r>
+                        <m:r>
+                          <m:t>1</m:t>
+                        </m:r>
+                      </m:sub>
+                    </m:sSub>
+                    <m:r>
+                      <m:t>+</m:t>
+                    </m:r>
+                    <m:sSub>
+                      <m:e>
+                        <m:r>
+                          <m:t>ϵ</m:t>
+                        </m:r>
+                      </m:e>
+                      <m:sub>
+                        <m:r>
+                          <m:t>t</m:t>
+                        </m:r>
+                      </m:sub>
+                    </m:sSub>
+                  </m:oMath>
+                </a14:m>
+              </a:p>
+              <a:p>
+                <a:pPr lvl="0" marL="0" indent="0">
+                  <a:buNone/>
+                </a:pPr>
+                <a:r>
+                  <a:rPr/>
+                  <a:t>There is no “ripple effect” with a moving average model.</a:t>
+                </a:r>
+              </a:p>
+            </p:txBody>
+          </p:sp>
+        </mc:Choice>
+      </mc:AlternateContent>
     </p:spTree>
   </p:cSld>
 </p:sld>
@@ -7180,57 +6610,100 @@
             </a:pPr>
             <a:r>
               <a:rPr/>
-              <a:t>Plot</a:t>
-            </a:r>
-            <a:r>
-              <a:rPr/>
-              <a:t> </a:t>
-            </a:r>
-            <a:r>
-              <a:rPr/>
-              <a:t>of</a:t>
-            </a:r>
-            <a:r>
-              <a:rPr/>
-              <a:t> </a:t>
-            </a:r>
-            <a:r>
-              <a:rPr/>
-              <a:t>mdeaths</a:t>
-            </a:r>
-          </a:p>
-        </p:txBody>
-      </p:sp>
-      <p:pic>
-        <p:nvPicPr>
-          <p:cNvPr descr="basics_files/figure-pptx/mdeaths-plot-1.png" id="0" name="Picture 1"/>
-          <p:cNvPicPr>
-            <a:picLocks noGrp="1" noChangeAspect="1"/>
-          </p:cNvPicPr>
-          <p:nvPr/>
-        </p:nvPicPr>
-        <p:blipFill>
-          <a:blip r:embed="rId2"/>
-          <a:stretch>
-            <a:fillRect/>
-          </a:stretch>
-        </p:blipFill>
-        <p:spPr bwMode="auto">
-          <a:xfrm>
-            <a:off x="1752600" y="1600200"/>
-            <a:ext cx="5651500" cy="4521200"/>
-          </a:xfrm>
-          <a:prstGeom prst="rect">
-            <a:avLst/>
-          </a:prstGeom>
-          <a:noFill/>
-          <a:ln w="9525">
-            <a:noFill/>
-            <a:headEnd/>
-            <a:tailEnd/>
-          </a:ln>
-        </p:spPr>
-      </p:pic>
+              <a:t>Theoretical</a:t>
+            </a:r>
+            <a:r>
+              <a:rPr/>
+              <a:t> </a:t>
+            </a:r>
+            <a:r>
+              <a:rPr/>
+              <a:t>correlation</a:t>
+            </a:r>
+            <a:r>
+              <a:rPr/>
+              <a:t> </a:t>
+            </a:r>
+            <a:r>
+              <a:rPr/>
+              <a:t>matrix</a:t>
+            </a:r>
+            <a:r>
+              <a:rPr/>
+              <a:t> </a:t>
+            </a:r>
+            <a:r>
+              <a:rPr/>
+              <a:t>for</a:t>
+            </a:r>
+            <a:r>
+              <a:rPr/>
+              <a:t> </a:t>
+            </a:r>
+            <a:r>
+              <a:rPr/>
+              <a:t>positive</a:t>
+            </a:r>
+            <a:r>
+              <a:rPr/>
+              <a:t> </a:t>
+            </a:r>
+            <a:r>
+              <a:rPr/>
+              <a:t>moving</a:t>
+            </a:r>
+            <a:r>
+              <a:rPr/>
+              <a:t> </a:t>
+            </a:r>
+            <a:r>
+              <a:rPr/>
+              <a:t>average</a:t>
+            </a:r>
+            <a:r>
+              <a:rPr/>
+              <a:t> </a:t>
+            </a:r>
+            <a:r>
+              <a:rPr/>
+              <a:t>model</a:t>
+            </a:r>
+          </a:p>
+        </p:txBody>
+      </p:sp>
+      <p:sp>
+        <p:nvSpPr>
+          <p:cNvPr id="3" name="Content Placeholder 2"/>
+          <p:cNvSpPr>
+            <a:spLocks noGrp="1"/>
+          </p:cNvSpPr>
+          <p:nvPr>
+            <p:ph idx="1"/>
+          </p:nvPr>
+        </p:nvSpPr>
+        <p:spPr/>
+        <p:txBody>
+          <a:bodyPr/>
+          <a:lstStyle/>
+          <a:p>
+            <a:pPr lvl="0" marL="1270000" indent="0">
+              <a:buNone/>
+            </a:pPr>
+            <a:r>
+              <a:rPr sz="1800">
+                <a:latin typeface="Courier"/>
+              </a:rPr>
+              <a:t>##      [,1] [,2] [,3] [,4] [,5] [,6]
+## [1,]  1.0  0.5  0.0  0.0  0.0  0.0
+## [2,]  0.5  1.0  0.5  0.0  0.0  0.0
+## [3,]  0.0  0.5  1.0  0.5  0.0  0.0
+## [4,]  0.0  0.0  0.5  1.0  0.5  0.0
+## [5,]  0.0  0.0  0.0  0.5  1.0  0.5
+## [6,]  0.0  0.0  0.0  0.0  0.5  1.0</a:t>
+            </a:r>
+          </a:p>
+        </p:txBody>
+      </p:sp>
     </p:spTree>
   </p:cSld>
 </p:sld>
@@ -7273,7 +6746,15 @@
             </a:pPr>
             <a:r>
               <a:rPr/>
-              <a:t>Structure</a:t>
+              <a:t>A</a:t>
+            </a:r>
+            <a:r>
+              <a:rPr/>
+              <a:t> </a:t>
+            </a:r>
+            <a:r>
+              <a:rPr/>
+              <a:t>simulation</a:t>
             </a:r>
             <a:r>
               <a:rPr/>
@@ -7289,101 +6770,73 @@
             </a:r>
             <a:r>
               <a:rPr/>
-              <a:t>Nile</a:t>
-            </a:r>
-            <a:r>
-              <a:rPr/>
-              <a:t> </a:t>
-            </a:r>
-            <a:r>
-              <a:rPr/>
-              <a:t>data</a:t>
-            </a:r>
-          </a:p>
-        </p:txBody>
-      </p:sp>
-      <p:sp>
-        <p:nvSpPr>
-          <p:cNvPr id="3" name="Content Placeholder 2"/>
-          <p:cNvSpPr>
-            <a:spLocks noGrp="1"/>
-          </p:cNvSpPr>
-          <p:nvPr>
-            <p:ph idx="1"/>
-          </p:nvPr>
-        </p:nvSpPr>
-        <p:spPr/>
-        <p:txBody>
-          <a:bodyPr/>
-          <a:lstStyle/>
-          <a:p>
-            <a:pPr lvl="0" marL="1270000" indent="0">
-              <a:buNone/>
-            </a:pPr>
-            <a:r>
-              <a:rPr sz="1800" b="1">
-                <a:solidFill>
-                  <a:srgbClr val="007020"/>
-                </a:solidFill>
-                <a:latin typeface="Courier"/>
-              </a:rPr>
-              <a:t>str</a:t>
-            </a:r>
-            <a:r>
-              <a:rPr sz="1800">
-                <a:latin typeface="Courier"/>
-              </a:rPr>
-              <a:t>(Nile)</a:t>
-            </a:r>
-          </a:p>
-          <a:p>
-            <a:pPr lvl="0" marL="1270000" indent="0">
-              <a:buNone/>
-            </a:pPr>
-            <a:r>
-              <a:rPr sz="1800">
-                <a:latin typeface="Courier"/>
-              </a:rPr>
-              <a:t>##  Time-Series [1:100] from 1871 to 1970: 1120 1160 963 1210 1160 1160 813 1230 1370 1140 ...</a:t>
-            </a:r>
-          </a:p>
-          <a:p>
-            <a:pPr lvl="0" marL="1270000" indent="0">
-              <a:buNone/>
-            </a:pPr>
-            <a:r>
-              <a:rPr sz="1800" b="1">
-                <a:solidFill>
-                  <a:srgbClr val="007020"/>
-                </a:solidFill>
-                <a:latin typeface="Courier"/>
-              </a:rPr>
-              <a:t>attributes</a:t>
-            </a:r>
-            <a:r>
-              <a:rPr sz="1800">
-                <a:latin typeface="Courier"/>
-              </a:rPr>
-              <a:t>(Nile)</a:t>
-            </a:r>
-          </a:p>
-          <a:p>
-            <a:pPr lvl="0" marL="1270000" indent="0">
-              <a:buNone/>
-            </a:pPr>
-            <a:r>
-              <a:rPr sz="1800">
-                <a:latin typeface="Courier"/>
-              </a:rPr>
-              <a:t>## $tsp
-## [1] 1871 1970    1
-## 
-## $class
-## [1] "ts"</a:t>
-            </a:r>
-          </a:p>
-        </p:txBody>
-      </p:sp>
+              <a:t>a</a:t>
+            </a:r>
+            <a:r>
+              <a:rPr/>
+              <a:t> </a:t>
+            </a:r>
+            <a:r>
+              <a:rPr/>
+              <a:t>positive</a:t>
+            </a:r>
+            <a:r>
+              <a:rPr/>
+              <a:t> </a:t>
+            </a:r>
+            <a:r>
+              <a:rPr/>
+              <a:t>moving</a:t>
+            </a:r>
+            <a:r>
+              <a:rPr/>
+              <a:t> </a:t>
+            </a:r>
+            <a:r>
+              <a:rPr/>
+              <a:t>average</a:t>
+            </a:r>
+            <a:r>
+              <a:rPr/>
+              <a:t> </a:t>
+            </a:r>
+            <a:r>
+              <a:rPr/>
+              <a:t>model</a:t>
+            </a:r>
+          </a:p>
+        </p:txBody>
+      </p:sp>
+      <p:pic>
+        <p:nvPicPr>
+          <p:cNvPr descr="basics_files/figure-pptx/pos-ma-sim-1.png" id="0" name="Picture 1"/>
+          <p:cNvPicPr>
+            <a:picLocks noGrp="1" noChangeAspect="1"/>
+          </p:cNvPicPr>
+          <p:nvPr/>
+        </p:nvPicPr>
+        <p:blipFill>
+          <a:blip r:embed="rId2"/>
+          <a:stretch>
+            <a:fillRect/>
+          </a:stretch>
+        </p:blipFill>
+        <p:spPr bwMode="auto">
+          <a:xfrm>
+            <a:off x="457200" y="2032000"/>
+            <a:ext cx="8229600" cy="3657600"/>
+          </a:xfrm>
+          <a:prstGeom prst="rect">
+            <a:avLst/>
+          </a:prstGeom>
+          <a:noFill/>
+          <a:ln w="9525">
+            <a:noFill/>
+            <a:headEnd/>
+            <a:tailEnd/>
+          </a:ln>
+        </p:spPr>
+      </p:pic>
     </p:spTree>
   </p:cSld>
 </p:sld>
@@ -7426,38 +6879,62 @@
             </a:pPr>
             <a:r>
               <a:rPr/>
-              <a:t>Plot</a:t>
-            </a:r>
-            <a:r>
-              <a:rPr/>
-              <a:t> </a:t>
-            </a:r>
-            <a:r>
-              <a:rPr/>
-              <a:t>of</a:t>
-            </a:r>
-            <a:r>
-              <a:rPr/>
-              <a:t> </a:t>
-            </a:r>
-            <a:r>
-              <a:rPr/>
-              <a:t>Nile</a:t>
-            </a:r>
-            <a:r>
-              <a:rPr/>
-              <a:t> </a:t>
-            </a:r>
-            <a:r>
-              <a:rPr/>
-              <a:t>data</a:t>
+              <a:t>Auotcorrelation</a:t>
+            </a:r>
+            <a:r>
+              <a:rPr/>
+              <a:t> </a:t>
+            </a:r>
+            <a:r>
+              <a:rPr/>
+              <a:t>patterns</a:t>
+            </a:r>
+            <a:r>
+              <a:rPr/>
+              <a:t> </a:t>
+            </a:r>
+            <a:r>
+              <a:rPr/>
+              <a:t>for</a:t>
+            </a:r>
+            <a:r>
+              <a:rPr/>
+              <a:t> </a:t>
+            </a:r>
+            <a:r>
+              <a:rPr/>
+              <a:t>positive</a:t>
+            </a:r>
+            <a:r>
+              <a:rPr/>
+              <a:t> </a:t>
+            </a:r>
+            <a:r>
+              <a:rPr/>
+              <a:t>moving</a:t>
+            </a:r>
+            <a:r>
+              <a:rPr/>
+              <a:t> </a:t>
+            </a:r>
+            <a:r>
+              <a:rPr/>
+              <a:t>average</a:t>
+            </a:r>
+            <a:r>
+              <a:rPr/>
+              <a:t> </a:t>
+            </a:r>
+            <a:r>
+              <a:rPr/>
+              <a:t>model</a:t>
             </a:r>
           </a:p>
         </p:txBody>
       </p:sp>
       <p:pic>
         <p:nvPicPr>
-          <p:cNvPr descr="basics_files/figure-pptx/Nile-plot-1.png" id="0" name="Picture 1"/>
+          <p:cNvPr descr="basics_files/figure-pptx/pos-ma-acf-1.png" id="0" name="Picture 1"/>
           <p:cNvPicPr>
             <a:picLocks noGrp="1" noChangeAspect="1"/>
           </p:cNvPicPr>
@@ -7471,8 +6948,8 @@
         </p:blipFill>
         <p:spPr bwMode="auto">
           <a:xfrm>
-            <a:off x="1752600" y="1600200"/>
-            <a:ext cx="5651500" cy="4521200"/>
+            <a:off x="457200" y="2032000"/>
+            <a:ext cx="8229600" cy="3657600"/>
           </a:xfrm>
           <a:prstGeom prst="rect">
             <a:avLst/>
@@ -7527,23 +7004,63 @@
             </a:pPr>
             <a:r>
               <a:rPr/>
-              <a:t>Structure</a:t>
-            </a:r>
-            <a:r>
-              <a:rPr/>
-              <a:t> </a:t>
-            </a:r>
-            <a:r>
-              <a:rPr/>
-              <a:t>of</a:t>
-            </a:r>
-            <a:r>
-              <a:rPr/>
-              <a:t> </a:t>
-            </a:r>
-            <a:r>
-              <a:rPr/>
-              <a:t>nottem</a:t>
+              <a:t>Theoretical</a:t>
+            </a:r>
+            <a:r>
+              <a:rPr/>
+              <a:t> </a:t>
+            </a:r>
+            <a:r>
+              <a:rPr/>
+              <a:t>correlation</a:t>
+            </a:r>
+            <a:r>
+              <a:rPr/>
+              <a:t> </a:t>
+            </a:r>
+            <a:r>
+              <a:rPr/>
+              <a:t>matrix</a:t>
+            </a:r>
+            <a:r>
+              <a:rPr/>
+              <a:t> </a:t>
+            </a:r>
+            <a:r>
+              <a:rPr/>
+              <a:t>for</a:t>
+            </a:r>
+            <a:r>
+              <a:rPr/>
+              <a:t> </a:t>
+            </a:r>
+            <a:r>
+              <a:rPr/>
+              <a:t>negative</a:t>
+            </a:r>
+            <a:r>
+              <a:rPr/>
+              <a:t> </a:t>
+            </a:r>
+            <a:r>
+              <a:rPr/>
+              <a:t>moving</a:t>
+            </a:r>
+            <a:r>
+              <a:rPr/>
+              <a:t> </a:t>
+            </a:r>
+            <a:r>
+              <a:rPr/>
+              <a:t>average</a:t>
+            </a:r>
+            <a:r>
+              <a:rPr/>
+              <a:t> </a:t>
+            </a:r>
+            <a:r>
+              <a:rPr/>
+              <a:t>model</a:t>
             </a:r>
           </a:p>
         </p:txBody>
@@ -7566,66 +7083,17 @@
             <a:pPr lvl="0" marL="1270000" indent="0">
               <a:buNone/>
             </a:pPr>
-            <a:r>
-              <a:rPr sz="1800" b="1">
-                <a:solidFill>
-                  <a:srgbClr val="007020"/>
-                </a:solidFill>
-                <a:latin typeface="Courier"/>
-              </a:rPr>
-              <a:t>str</a:t>
-            </a:r>
             <a:r>
               <a:rPr sz="1800">
                 <a:latin typeface="Courier"/>
               </a:rPr>
-              <a:t>(nottem)</a:t>
-            </a:r>
-          </a:p>
-          <a:p>
-            <a:pPr lvl="0" marL="1270000" indent="0">
-              <a:buNone/>
-            </a:pPr>
-            <a:r>
-              <a:rPr sz="1800">
-                <a:latin typeface="Courier"/>
-              </a:rPr>
-              <a:t>##  Time-Series [1:240] from 1920 to 1940: 40.6 40.8 44.4 46.7 54.1 58.5 57.7 56.4 54.3 50.5 ...</a:t>
-            </a:r>
-          </a:p>
-          <a:p>
-            <a:pPr lvl="0" marL="1270000" indent="0">
-              <a:buNone/>
-            </a:pPr>
-            <a:r>
-              <a:rPr sz="1800" b="1">
-                <a:solidFill>
-                  <a:srgbClr val="007020"/>
-                </a:solidFill>
-                <a:latin typeface="Courier"/>
-              </a:rPr>
-              <a:t>attributes</a:t>
-            </a:r>
-            <a:r>
-              <a:rPr sz="1800">
-                <a:latin typeface="Courier"/>
-              </a:rPr>
-              <a:t>(nottem)</a:t>
-            </a:r>
-          </a:p>
-          <a:p>
-            <a:pPr lvl="0" marL="1270000" indent="0">
-              <a:buNone/>
-            </a:pPr>
-            <a:r>
-              <a:rPr sz="1800">
-                <a:latin typeface="Courier"/>
-              </a:rPr>
-              <a:t>## $tsp
-## [1] 1920.000 1939.917   12.000
-## 
-## $class
-## [1] "ts"</a:t>
+              <a:t>##      [,1] [,2] [,3] [,4] [,5] [,6]
+## [1,]  1.0 -0.5  0.0  0.0  0.0  0.0
+## [2,] -0.5  1.0 -0.5  0.0  0.0  0.0
+## [3,]  0.0 -0.5  1.0 -0.5  0.0  0.0
+## [4,]  0.0  0.0 -0.5  1.0 -0.5  0.0
+## [5,]  0.0  0.0  0.0 -0.5  1.0 -0.5
+## [6,]  0.0  0.0  0.0  0.0 -0.5  1.0</a:t>
             </a:r>
           </a:p>
         </p:txBody>
@@ -7672,7 +7140,15 @@
             </a:pPr>
             <a:r>
               <a:rPr/>
-              <a:t>Plot</a:t>
+              <a:t>A</a:t>
+            </a:r>
+            <a:r>
+              <a:rPr/>
+              <a:t> </a:t>
+            </a:r>
+            <a:r>
+              <a:rPr/>
+              <a:t>simulation</a:t>
             </a:r>
             <a:r>
               <a:rPr/>
@@ -7688,14 +7164,46 @@
             </a:r>
             <a:r>
               <a:rPr/>
-              <a:t>nottem</a:t>
+              <a:t>a</a:t>
+            </a:r>
+            <a:r>
+              <a:rPr/>
+              <a:t> </a:t>
+            </a:r>
+            <a:r>
+              <a:rPr/>
+              <a:t>negative</a:t>
+            </a:r>
+            <a:r>
+              <a:rPr/>
+              <a:t> </a:t>
+            </a:r>
+            <a:r>
+              <a:rPr/>
+              <a:t>moving</a:t>
+            </a:r>
+            <a:r>
+              <a:rPr/>
+              <a:t> </a:t>
+            </a:r>
+            <a:r>
+              <a:rPr/>
+              <a:t>average</a:t>
+            </a:r>
+            <a:r>
+              <a:rPr/>
+              <a:t> </a:t>
+            </a:r>
+            <a:r>
+              <a:rPr/>
+              <a:t>model</a:t>
             </a:r>
           </a:p>
         </p:txBody>
       </p:sp>
       <p:pic>
         <p:nvPicPr>
-          <p:cNvPr descr="basics_files/figure-pptx/nottem-plot-1.png" id="0" name="Picture 1"/>
+          <p:cNvPr descr="basics_files/figure-pptx/neg-ma-sim-1.png" id="0" name="Picture 1"/>
           <p:cNvPicPr>
             <a:picLocks noGrp="1" noChangeAspect="1"/>
           </p:cNvPicPr>
@@ -7709,8 +7217,8 @@
         </p:blipFill>
         <p:spPr bwMode="auto">
           <a:xfrm>
-            <a:off x="1752600" y="1600200"/>
-            <a:ext cx="5651500" cy="4521200"/>
+            <a:off x="457200" y="2032000"/>
+            <a:ext cx="8229600" cy="3657600"/>
           </a:xfrm>
           <a:prstGeom prst="rect">
             <a:avLst/>
@@ -7765,109 +7273,89 @@
             </a:pPr>
             <a:r>
               <a:rPr/>
-              <a:t>Structure</a:t>
-            </a:r>
-            <a:r>
-              <a:rPr/>
-              <a:t> </a:t>
-            </a:r>
-            <a:r>
-              <a:rPr/>
-              <a:t>of</a:t>
-            </a:r>
-            <a:r>
-              <a:rPr/>
-              <a:t> </a:t>
-            </a:r>
-            <a:r>
-              <a:rPr/>
-              <a:t>sunspot.year</a:t>
-            </a:r>
-          </a:p>
-        </p:txBody>
-      </p:sp>
-      <p:sp>
-        <p:nvSpPr>
-          <p:cNvPr id="3" name="Content Placeholder 2"/>
-          <p:cNvSpPr>
-            <a:spLocks noGrp="1"/>
-          </p:cNvSpPr>
-          <p:nvPr>
-            <p:ph idx="1"/>
-          </p:nvPr>
-        </p:nvSpPr>
-        <p:spPr/>
-        <p:txBody>
-          <a:bodyPr/>
-          <a:lstStyle/>
-          <a:p>
-            <a:pPr lvl="0" marL="1270000" indent="0">
-              <a:buNone/>
-            </a:pPr>
-            <a:r>
-              <a:rPr sz="1800" b="1">
-                <a:solidFill>
-                  <a:srgbClr val="007020"/>
-                </a:solidFill>
-                <a:latin typeface="Courier"/>
-              </a:rPr>
-              <a:t>str</a:t>
-            </a:r>
-            <a:r>
-              <a:rPr sz="1800">
-                <a:latin typeface="Courier"/>
-              </a:rPr>
-              <a:t>(sunspot.year)</a:t>
-            </a:r>
-          </a:p>
-          <a:p>
-            <a:pPr lvl="0" marL="1270000" indent="0">
-              <a:buNone/>
-            </a:pPr>
-            <a:r>
-              <a:rPr sz="1800">
-                <a:latin typeface="Courier"/>
-              </a:rPr>
-              <a:t>##  Time-Series [1:289] from 1700 to 1988: 5 11 16 23 36 58 29 20 10 8 ...</a:t>
-            </a:r>
-          </a:p>
-          <a:p>
-            <a:pPr lvl="0" marL="1270000" indent="0">
-              <a:buNone/>
-            </a:pPr>
-            <a:r>
-              <a:rPr sz="1800" b="1">
-                <a:solidFill>
-                  <a:srgbClr val="007020"/>
-                </a:solidFill>
-                <a:latin typeface="Courier"/>
-              </a:rPr>
-              <a:t>attributes</a:t>
-            </a:r>
-            <a:r>
-              <a:rPr sz="1800">
-                <a:latin typeface="Courier"/>
-              </a:rPr>
-              <a:t>(sunspot.year)</a:t>
-            </a:r>
-          </a:p>
-          <a:p>
-            <a:pPr lvl="0" marL="1270000" indent="0">
-              <a:buNone/>
-            </a:pPr>
-            <a:r>
-              <a:rPr sz="1800">
-                <a:latin typeface="Courier"/>
-              </a:rPr>
-              <a:t>## $tsp
-## [1] 1700 1988    1
-## 
-## $class
-## [1] "ts"</a:t>
-            </a:r>
-          </a:p>
-        </p:txBody>
-      </p:sp>
+              <a:t>Auotcorrelation</a:t>
+            </a:r>
+            <a:r>
+              <a:rPr/>
+              <a:t> </a:t>
+            </a:r>
+            <a:r>
+              <a:rPr/>
+              <a:t>patterns</a:t>
+            </a:r>
+            <a:r>
+              <a:rPr/>
+              <a:t> </a:t>
+            </a:r>
+            <a:r>
+              <a:rPr/>
+              <a:t>for</a:t>
+            </a:r>
+            <a:r>
+              <a:rPr/>
+              <a:t> </a:t>
+            </a:r>
+            <a:r>
+              <a:rPr/>
+              <a:t>positive</a:t>
+            </a:r>
+            <a:r>
+              <a:rPr/>
+              <a:t> </a:t>
+            </a:r>
+            <a:r>
+              <a:rPr/>
+              <a:t>moving</a:t>
+            </a:r>
+            <a:r>
+              <a:rPr/>
+              <a:t> </a:t>
+            </a:r>
+            <a:r>
+              <a:rPr/>
+              <a:t>average</a:t>
+            </a:r>
+            <a:r>
+              <a:rPr/>
+              <a:t> </a:t>
+            </a:r>
+            <a:r>
+              <a:rPr/>
+              <a:t>model</a:t>
+            </a:r>
+          </a:p>
+        </p:txBody>
+      </p:sp>
+      <p:pic>
+        <p:nvPicPr>
+          <p:cNvPr descr="basics_files/figure-pptx/neg-ma-acf-1.png" id="0" name="Picture 1"/>
+          <p:cNvPicPr>
+            <a:picLocks noGrp="1" noChangeAspect="1"/>
+          </p:cNvPicPr>
+          <p:nvPr/>
+        </p:nvPicPr>
+        <p:blipFill>
+          <a:blip r:embed="rId2"/>
+          <a:stretch>
+            <a:fillRect/>
+          </a:stretch>
+        </p:blipFill>
+        <p:spPr bwMode="auto">
+          <a:xfrm>
+            <a:off x="457200" y="2032000"/>
+            <a:ext cx="8229600" cy="3657600"/>
+          </a:xfrm>
+          <a:prstGeom prst="rect">
+            <a:avLst/>
+          </a:prstGeom>
+          <a:noFill/>
+          <a:ln w="9525">
+            <a:noFill/>
+            <a:headEnd/>
+            <a:tailEnd/>
+          </a:ln>
+        </p:spPr>
+      </p:pic>
     </p:spTree>
   </p:cSld>
 </p:sld>
@@ -7910,57 +7398,491 @@
             </a:pPr>
             <a:r>
               <a:rPr/>
-              <a:t>Plot</a:t>
-            </a:r>
-            <a:r>
-              <a:rPr/>
-              <a:t> </a:t>
-            </a:r>
-            <a:r>
-              <a:rPr/>
-              <a:t>of</a:t>
-            </a:r>
-            <a:r>
-              <a:rPr/>
-              <a:t> </a:t>
-            </a:r>
-            <a:r>
-              <a:rPr/>
-              <a:t>sunspot.year</a:t>
-            </a:r>
-          </a:p>
-        </p:txBody>
-      </p:sp>
-      <p:pic>
-        <p:nvPicPr>
-          <p:cNvPr descr="basics_files/figure-pptx/sunspot-plot-1.png" id="0" name="Picture 1"/>
-          <p:cNvPicPr>
-            <a:picLocks noGrp="1" noChangeAspect="1"/>
-          </p:cNvPicPr>
-          <p:nvPr/>
-        </p:nvPicPr>
-        <p:blipFill>
-          <a:blip r:embed="rId2"/>
-          <a:stretch>
-            <a:fillRect/>
-          </a:stretch>
-        </p:blipFill>
-        <p:spPr bwMode="auto">
-          <a:xfrm>
-            <a:off x="1752600" y="1600200"/>
-            <a:ext cx="5651500" cy="4521200"/>
-          </a:xfrm>
-          <a:prstGeom prst="rect">
-            <a:avLst/>
-          </a:prstGeom>
-          <a:noFill/>
-          <a:ln w="9525">
-            <a:noFill/>
-            <a:headEnd/>
-            <a:tailEnd/>
-          </a:ln>
-        </p:spPr>
-      </p:pic>
+              <a:t>More</a:t>
+            </a:r>
+            <a:r>
+              <a:rPr/>
+              <a:t> </a:t>
+            </a:r>
+            <a:r>
+              <a:rPr/>
+              <a:t>complex</a:t>
+            </a:r>
+            <a:r>
+              <a:rPr/>
+              <a:t> </a:t>
+            </a:r>
+            <a:r>
+              <a:rPr/>
+              <a:t>autoregressive</a:t>
+            </a:r>
+            <a:r>
+              <a:rPr/>
+              <a:t> </a:t>
+            </a:r>
+            <a:r>
+              <a:rPr/>
+              <a:t>patterns</a:t>
+            </a:r>
+          </a:p>
+        </p:txBody>
+      </p:sp>
+      <mc:AlternateContent xmlns:mc="http://schemas.openxmlformats.org/markup-compatibility/2006">
+        <mc:Choice xmlns:a14="http://schemas.microsoft.com/office/drawing/2010/main" Requires="a14">
+          <p:sp>
+            <p:nvSpPr>
+              <p:cNvPr id="3" name="Content Placeholder 2"/>
+              <p:cNvSpPr>
+                <a:spLocks noGrp="1"/>
+              </p:cNvSpPr>
+              <p:nvPr>
+                <p:ph idx="1"/>
+              </p:nvPr>
+            </p:nvSpPr>
+            <p:spPr/>
+            <p:txBody>
+              <a:bodyPr/>
+              <a:lstStyle/>
+              <a:p>
+                <a:pPr lvl="0" marL="0" indent="0">
+                  <a:buNone/>
+                </a:pPr>
+                <a:r>
+                  <a:rPr/>
+                  <a:t>ARIMA(2, 0, 0)</a:t>
+                </a:r>
+              </a:p>
+              <a:p>
+                <a:pPr lvl="1"/>
+                <a14:m>
+                  <m:oMath xmlns:m="http://schemas.openxmlformats.org/officeDocument/2006/math">
+                    <m:sSub>
+                      <m:e>
+                        <m:r>
+                          <m:t>Z</m:t>
+                        </m:r>
+                      </m:e>
+                      <m:sub>
+                        <m:r>
+                          <m:t>t</m:t>
+                        </m:r>
+                      </m:sub>
+                    </m:sSub>
+                    <m:r>
+                      <m:t>=</m:t>
+                    </m:r>
+                    <m:sSub>
+                      <m:e>
+                        <m:r>
+                          <m:t>ϕ</m:t>
+                        </m:r>
+                      </m:e>
+                      <m:sub>
+                        <m:r>
+                          <m:t>1</m:t>
+                        </m:r>
+                      </m:sub>
+                    </m:sSub>
+                    <m:sSub>
+                      <m:e>
+                        <m:r>
+                          <m:t>Z</m:t>
+                        </m:r>
+                      </m:e>
+                      <m:sub>
+                        <m:r>
+                          <m:t>t</m:t>
+                        </m:r>
+                        <m:r>
+                          <m:t>−</m:t>
+                        </m:r>
+                        <m:r>
+                          <m:t>1</m:t>
+                        </m:r>
+                      </m:sub>
+                    </m:sSub>
+                    <m:r>
+                      <m:t>+</m:t>
+                    </m:r>
+                    <m:sSub>
+                      <m:e>
+                        <m:r>
+                          <m:t>ϕ</m:t>
+                        </m:r>
+                      </m:e>
+                      <m:sub>
+                        <m:r>
+                          <m:t>2</m:t>
+                        </m:r>
+                      </m:sub>
+                    </m:sSub>
+                    <m:sSub>
+                      <m:e>
+                        <m:r>
+                          <m:t>Z</m:t>
+                        </m:r>
+                      </m:e>
+                      <m:sub>
+                        <m:r>
+                          <m:t>t</m:t>
+                        </m:r>
+                        <m:r>
+                          <m:t>−</m:t>
+                        </m:r>
+                        <m:r>
+                          <m:t>2</m:t>
+                        </m:r>
+                      </m:sub>
+                    </m:sSub>
+                    <m:r>
+                      <m:t>+</m:t>
+                    </m:r>
+                    <m:sSub>
+                      <m:e>
+                        <m:r>
+                          <m:t>ϵ</m:t>
+                        </m:r>
+                      </m:e>
+                      <m:sub>
+                        <m:r>
+                          <m:t>t</m:t>
+                        </m:r>
+                      </m:sub>
+                    </m:sSub>
+                  </m:oMath>
+                </a14:m>
+              </a:p>
+              <a:p>
+                <a:pPr lvl="0" marL="0" indent="0">
+                  <a:buNone/>
+                </a:pPr>
+                <a:r>
+                  <a:rPr/>
+                  <a:t>ARIMA(0, 0, 2)</a:t>
+                </a:r>
+              </a:p>
+              <a:p>
+                <a:pPr lvl="1"/>
+                <a14:m>
+                  <m:oMath xmlns:m="http://schemas.openxmlformats.org/officeDocument/2006/math">
+                    <m:sSub>
+                      <m:e>
+                        <m:r>
+                          <m:t>Z</m:t>
+                        </m:r>
+                      </m:e>
+                      <m:sub>
+                        <m:r>
+                          <m:t>t</m:t>
+                        </m:r>
+                      </m:sub>
+                    </m:sSub>
+                    <m:r>
+                      <m:t>=</m:t>
+                    </m:r>
+                    <m:sSub>
+                      <m:e>
+                        <m:r>
+                          <m:t>θ</m:t>
+                        </m:r>
+                      </m:e>
+                      <m:sub>
+                        <m:r>
+                          <m:t>2</m:t>
+                        </m:r>
+                      </m:sub>
+                    </m:sSub>
+                    <m:sSub>
+                      <m:e>
+                        <m:r>
+                          <m:t>ϵ</m:t>
+                        </m:r>
+                      </m:e>
+                      <m:sub>
+                        <m:r>
+                          <m:t>t</m:t>
+                        </m:r>
+                        <m:r>
+                          <m:t>−</m:t>
+                        </m:r>
+                        <m:r>
+                          <m:t>2</m:t>
+                        </m:r>
+                      </m:sub>
+                    </m:sSub>
+                    <m:r>
+                      <m:t>+</m:t>
+                    </m:r>
+                    <m:sSub>
+                      <m:e>
+                        <m:r>
+                          <m:t>θ</m:t>
+                        </m:r>
+                      </m:e>
+                      <m:sub>
+                        <m:r>
+                          <m:t>1</m:t>
+                        </m:r>
+                      </m:sub>
+                    </m:sSub>
+                    <m:sSub>
+                      <m:e>
+                        <m:r>
+                          <m:t>ϵ</m:t>
+                        </m:r>
+                      </m:e>
+                      <m:sub>
+                        <m:r>
+                          <m:t>t</m:t>
+                        </m:r>
+                        <m:r>
+                          <m:t>−</m:t>
+                        </m:r>
+                        <m:r>
+                          <m:t>1</m:t>
+                        </m:r>
+                      </m:sub>
+                    </m:sSub>
+                    <m:r>
+                      <m:t>+</m:t>
+                    </m:r>
+                    <m:sSub>
+                      <m:e>
+                        <m:r>
+                          <m:t>ϵ</m:t>
+                        </m:r>
+                      </m:e>
+                      <m:sub>
+                        <m:r>
+                          <m:t>t</m:t>
+                        </m:r>
+                      </m:sub>
+                    </m:sSub>
+                  </m:oMath>
+                </a14:m>
+              </a:p>
+              <a:p>
+                <a:pPr lvl="0" marL="0" indent="0">
+                  <a:buNone/>
+                </a:pPr>
+                <a:r>
+                  <a:rPr/>
+                  <a:t>ARMA(1, 0, 1)</a:t>
+                </a:r>
+              </a:p>
+              <a:p>
+                <a:pPr lvl="1"/>
+                <a14:m>
+                  <m:oMath xmlns:m="http://schemas.openxmlformats.org/officeDocument/2006/math">
+                    <m:sSub>
+                      <m:e>
+                        <m:r>
+                          <m:t>Z</m:t>
+                        </m:r>
+                      </m:e>
+                      <m:sub>
+                        <m:r>
+                          <m:t>t</m:t>
+                        </m:r>
+                      </m:sub>
+                    </m:sSub>
+                    <m:r>
+                      <m:t>=</m:t>
+                    </m:r>
+                    <m:sSub>
+                      <m:e>
+                        <m:r>
+                          <m:t>ϕ</m:t>
+                        </m:r>
+                      </m:e>
+                      <m:sub>
+                        <m:r>
+                          <m:t>1</m:t>
+                        </m:r>
+                      </m:sub>
+                    </m:sSub>
+                    <m:sSub>
+                      <m:e>
+                        <m:r>
+                          <m:t>Z</m:t>
+                        </m:r>
+                      </m:e>
+                      <m:sub>
+                        <m:r>
+                          <m:t>t</m:t>
+                        </m:r>
+                        <m:r>
+                          <m:t>−</m:t>
+                        </m:r>
+                        <m:r>
+                          <m:t>1</m:t>
+                        </m:r>
+                      </m:sub>
+                    </m:sSub>
+                    <m:r>
+                      <m:t>+</m:t>
+                    </m:r>
+                    <m:sSub>
+                      <m:e>
+                        <m:r>
+                          <m:t>θ</m:t>
+                        </m:r>
+                      </m:e>
+                      <m:sub>
+                        <m:r>
+                          <m:t>1</m:t>
+                        </m:r>
+                      </m:sub>
+                    </m:sSub>
+                    <m:sSub>
+                      <m:e>
+                        <m:r>
+                          <m:t>ϵ</m:t>
+                        </m:r>
+                      </m:e>
+                      <m:sub>
+                        <m:r>
+                          <m:t>t</m:t>
+                        </m:r>
+                        <m:r>
+                          <m:t>−</m:t>
+                        </m:r>
+                        <m:r>
+                          <m:t>1</m:t>
+                        </m:r>
+                      </m:sub>
+                    </m:sSub>
+                    <m:r>
+                      <m:t>+</m:t>
+                    </m:r>
+                    <m:sSub>
+                      <m:e>
+                        <m:r>
+                          <m:t>ϵ</m:t>
+                        </m:r>
+                      </m:e>
+                      <m:sub>
+                        <m:r>
+                          <m:t>t</m:t>
+                        </m:r>
+                      </m:sub>
+                    </m:sSub>
+                  </m:oMath>
+                </a14:m>
+              </a:p>
+              <a:p>
+                <a:pPr lvl="0" marL="0" indent="0">
+                  <a:buNone/>
+                </a:pPr>
+                <a:r>
+                  <a:rPr/>
+                  <a:t>ARIMA(1, 1, 1)</a:t>
+                </a:r>
+              </a:p>
+              <a:p>
+                <a:pPr lvl="1"/>
+                <a14:m>
+                  <m:oMath xmlns:m="http://schemas.openxmlformats.org/officeDocument/2006/math">
+                    <m:sSub>
+                      <m:e>
+                        <m:r>
+                          <m:t>D</m:t>
+                        </m:r>
+                      </m:e>
+                      <m:sub>
+                        <m:r>
+                          <m:t>t</m:t>
+                        </m:r>
+                      </m:sub>
+                    </m:sSub>
+                    <m:r>
+                      <m:t>=</m:t>
+                    </m:r>
+                    <m:sSub>
+                      <m:e>
+                        <m:r>
+                          <m:t>ϕ</m:t>
+                        </m:r>
+                      </m:e>
+                      <m:sub>
+                        <m:r>
+                          <m:t>1</m:t>
+                        </m:r>
+                      </m:sub>
+                    </m:sSub>
+                    <m:sSub>
+                      <m:e>
+                        <m:r>
+                          <m:t>D</m:t>
+                        </m:r>
+                      </m:e>
+                      <m:sub>
+                        <m:r>
+                          <m:t>t</m:t>
+                        </m:r>
+                        <m:r>
+                          <m:t>−</m:t>
+                        </m:r>
+                        <m:r>
+                          <m:t>1</m:t>
+                        </m:r>
+                      </m:sub>
+                    </m:sSub>
+                    <m:r>
+                      <m:t>+</m:t>
+                    </m:r>
+                    <m:sSub>
+                      <m:e>
+                        <m:r>
+                          <m:t>θ</m:t>
+                        </m:r>
+                      </m:e>
+                      <m:sub>
+                        <m:r>
+                          <m:t>1</m:t>
+                        </m:r>
+                      </m:sub>
+                    </m:sSub>
+                    <m:sSub>
+                      <m:e>
+                        <m:r>
+                          <m:t>ϵ</m:t>
+                        </m:r>
+                      </m:e>
+                      <m:sub>
+                        <m:r>
+                          <m:t>t</m:t>
+                        </m:r>
+                        <m:r>
+                          <m:t>−</m:t>
+                        </m:r>
+                        <m:r>
+                          <m:t>1</m:t>
+                        </m:r>
+                      </m:sub>
+                    </m:sSub>
+                    <m:r>
+                      <m:t>+</m:t>
+                    </m:r>
+                    <m:sSub>
+                      <m:e>
+                        <m:r>
+                          <m:t>ϵ</m:t>
+                        </m:r>
+                      </m:e>
+                      <m:sub>
+                        <m:r>
+                          <m:t>t</m:t>
+                        </m:r>
+                      </m:sub>
+                    </m:sSub>
+                  </m:oMath>
+                </a14:m>
+              </a:p>
+            </p:txBody>
+          </p:sp>
+        </mc:Choice>
+      </mc:AlternateContent>
     </p:spTree>
   </p:cSld>
 </p:sld>
@@ -8003,109 +7925,81 @@
             </a:pPr>
             <a:r>
               <a:rPr/>
-              <a:t>Structure</a:t>
-            </a:r>
-            <a:r>
-              <a:rPr/>
-              <a:t> </a:t>
-            </a:r>
-            <a:r>
-              <a:rPr/>
-              <a:t>of</a:t>
-            </a:r>
-            <a:r>
-              <a:rPr/>
-              <a:t> </a:t>
-            </a:r>
-            <a:r>
-              <a:rPr/>
-              <a:t>treering</a:t>
-            </a:r>
-          </a:p>
-        </p:txBody>
-      </p:sp>
-      <p:sp>
-        <p:nvSpPr>
-          <p:cNvPr id="3" name="Content Placeholder 2"/>
-          <p:cNvSpPr>
-            <a:spLocks noGrp="1"/>
-          </p:cNvSpPr>
-          <p:nvPr>
-            <p:ph idx="1"/>
-          </p:nvPr>
-        </p:nvSpPr>
-        <p:spPr/>
-        <p:txBody>
-          <a:bodyPr/>
-          <a:lstStyle/>
-          <a:p>
-            <a:pPr lvl="0" marL="1270000" indent="0">
-              <a:buNone/>
-            </a:pPr>
-            <a:r>
-              <a:rPr sz="1800" b="1">
-                <a:solidFill>
-                  <a:srgbClr val="007020"/>
-                </a:solidFill>
-                <a:latin typeface="Courier"/>
-              </a:rPr>
-              <a:t>str</a:t>
-            </a:r>
-            <a:r>
-              <a:rPr sz="1800">
-                <a:latin typeface="Courier"/>
-              </a:rPr>
-              <a:t>(treering)</a:t>
-            </a:r>
-          </a:p>
-          <a:p>
-            <a:pPr lvl="0" marL="1270000" indent="0">
-              <a:buNone/>
-            </a:pPr>
-            <a:r>
-              <a:rPr sz="1800">
-                <a:latin typeface="Courier"/>
-              </a:rPr>
-              <a:t>##  Time-Series [1:7980] from -6000 to 1979: 1.34 1.08 1.54 1.32 1.41 ...</a:t>
-            </a:r>
-          </a:p>
-          <a:p>
-            <a:pPr lvl="0" marL="1270000" indent="0">
-              <a:buNone/>
-            </a:pPr>
-            <a:r>
-              <a:rPr sz="1800" b="1">
-                <a:solidFill>
-                  <a:srgbClr val="007020"/>
-                </a:solidFill>
-                <a:latin typeface="Courier"/>
-              </a:rPr>
-              <a:t>attributes</a:t>
-            </a:r>
-            <a:r>
-              <a:rPr sz="1800">
-                <a:latin typeface="Courier"/>
-              </a:rPr>
-              <a:t>(treering)</a:t>
-            </a:r>
-          </a:p>
-          <a:p>
-            <a:pPr lvl="0" marL="1270000" indent="0">
-              <a:buNone/>
-            </a:pPr>
-            <a:r>
-              <a:rPr sz="1800">
-                <a:latin typeface="Courier"/>
-              </a:rPr>
-              <a:t>## $tsp
-## [1] -6000  1979     1
-## 
-## $class
-## [1] "ts"</a:t>
-            </a:r>
-          </a:p>
-        </p:txBody>
-      </p:sp>
+              <a:t>acf</a:t>
+            </a:r>
+            <a:r>
+              <a:rPr/>
+              <a:t> </a:t>
+            </a:r>
+            <a:r>
+              <a:rPr/>
+              <a:t>and</a:t>
+            </a:r>
+            <a:r>
+              <a:rPr/>
+              <a:t> </a:t>
+            </a:r>
+            <a:r>
+              <a:rPr/>
+              <a:t>pacf</a:t>
+            </a:r>
+            <a:r>
+              <a:rPr/>
+              <a:t> </a:t>
+            </a:r>
+            <a:r>
+              <a:rPr/>
+              <a:t>for</a:t>
+            </a:r>
+            <a:r>
+              <a:rPr/>
+              <a:t> </a:t>
+            </a:r>
+            <a:r>
+              <a:rPr/>
+              <a:t>co2</a:t>
+            </a:r>
+            <a:r>
+              <a:rPr/>
+              <a:t> </a:t>
+            </a:r>
+            <a:r>
+              <a:rPr/>
+              <a:t>data</a:t>
+            </a:r>
+          </a:p>
+        </p:txBody>
+      </p:sp>
+      <p:pic>
+        <p:nvPicPr>
+          <p:cNvPr descr="basics_files/figure-pptx/co2-auto-1.png" id="0" name="Picture 1"/>
+          <p:cNvPicPr>
+            <a:picLocks noGrp="1" noChangeAspect="1"/>
+          </p:cNvPicPr>
+          <p:nvPr/>
+        </p:nvPicPr>
+        <p:blipFill>
+          <a:blip r:embed="rId2"/>
+          <a:stretch>
+            <a:fillRect/>
+          </a:stretch>
+        </p:blipFill>
+        <p:spPr bwMode="auto">
+          <a:xfrm>
+            <a:off x="457200" y="2032000"/>
+            <a:ext cx="8229600" cy="3657600"/>
+          </a:xfrm>
+          <a:prstGeom prst="rect">
+            <a:avLst/>
+          </a:prstGeom>
+          <a:noFill/>
+          <a:ln w="9525">
+            <a:noFill/>
+            <a:headEnd/>
+            <a:tailEnd/>
+          </a:ln>
+        </p:spPr>
+      </p:pic>
     </p:spTree>
   </p:cSld>
 </p:sld>
@@ -8352,7 +8246,7 @@
             </a:pPr>
             <a:r>
               <a:rPr/>
-              <a:t>Plot</a:t>
+              <a:t>Structure</a:t>
             </a:r>
             <a:r>
               <a:rPr/>
@@ -8368,41 +8262,108 @@
             </a:r>
             <a:r>
               <a:rPr/>
-              <a:t>treering</a:t>
-            </a:r>
-          </a:p>
-        </p:txBody>
-      </p:sp>
-      <p:pic>
-        <p:nvPicPr>
-          <p:cNvPr descr="basics_files/figure-pptx/treering-plot-1.png" id="0" name="Picture 1"/>
-          <p:cNvPicPr>
-            <a:picLocks noGrp="1" noChangeAspect="1"/>
-          </p:cNvPicPr>
-          <p:nvPr/>
-        </p:nvPicPr>
-        <p:blipFill>
-          <a:blip r:embed="rId2"/>
-          <a:stretch>
-            <a:fillRect/>
-          </a:stretch>
-        </p:blipFill>
-        <p:spPr bwMode="auto">
-          <a:xfrm>
-            <a:off x="1752600" y="1600200"/>
-            <a:ext cx="5651500" cy="4521200"/>
-          </a:xfrm>
-          <a:prstGeom prst="rect">
-            <a:avLst/>
-          </a:prstGeom>
-          <a:noFill/>
-          <a:ln w="9525">
-            <a:noFill/>
-            <a:headEnd/>
-            <a:tailEnd/>
-          </a:ln>
-        </p:spPr>
-      </p:pic>
+              <a:t>LakeHuron</a:t>
+            </a:r>
+            <a:r>
+              <a:rPr/>
+              <a:t> </a:t>
+            </a:r>
+            <a:r>
+              <a:rPr/>
+              <a:t>data</a:t>
+            </a:r>
+          </a:p>
+        </p:txBody>
+      </p:sp>
+      <p:sp>
+        <p:nvSpPr>
+          <p:cNvPr id="3" name="Content Placeholder 2"/>
+          <p:cNvSpPr>
+            <a:spLocks noGrp="1"/>
+          </p:cNvSpPr>
+          <p:nvPr>
+            <p:ph idx="1"/>
+          </p:nvPr>
+        </p:nvSpPr>
+        <p:spPr/>
+        <p:txBody>
+          <a:bodyPr/>
+          <a:lstStyle/>
+          <a:p>
+            <a:pPr lvl="0" marL="1270000" indent="0">
+              <a:buNone/>
+            </a:pPr>
+            <a:r>
+              <a:rPr sz="1800" b="1">
+                <a:solidFill>
+                  <a:srgbClr val="007020"/>
+                </a:solidFill>
+                <a:latin typeface="Courier"/>
+              </a:rPr>
+              <a:t>str</a:t>
+            </a:r>
+            <a:r>
+              <a:rPr sz="1800">
+                <a:latin typeface="Courier"/>
+              </a:rPr>
+              <a:t>(LakeHuron)</a:t>
+            </a:r>
+          </a:p>
+          <a:p>
+            <a:pPr lvl="0" marL="1270000" indent="0">
+              <a:buNone/>
+            </a:pPr>
+            <a:r>
+              <a:rPr sz="1800">
+                <a:latin typeface="Courier"/>
+              </a:rPr>
+              <a:t>##  Time-Series [1:98] from 1875 to 1972: 580 582 581 581 580 ...</a:t>
+            </a:r>
+          </a:p>
+          <a:p>
+            <a:pPr lvl="0" marL="1270000" indent="0">
+              <a:buNone/>
+            </a:pPr>
+            <a:r>
+              <a:rPr sz="1800" b="1">
+                <a:solidFill>
+                  <a:srgbClr val="007020"/>
+                </a:solidFill>
+                <a:latin typeface="Courier"/>
+              </a:rPr>
+              <a:t>attributes</a:t>
+            </a:r>
+            <a:r>
+              <a:rPr sz="1800">
+                <a:latin typeface="Courier"/>
+              </a:rPr>
+              <a:t>(LakeHuron)</a:t>
+            </a:r>
+          </a:p>
+          <a:p>
+            <a:pPr lvl="0" marL="1270000" indent="0">
+              <a:buNone/>
+            </a:pPr>
+            <a:r>
+              <a:rPr sz="1800">
+                <a:latin typeface="Courier"/>
+              </a:rPr>
+              <a:t>## $tsp
+## [1] 1875 1972    1
+## 
+## $class
+## [1] "ts"</a:t>
+            </a:r>
+          </a:p>
+          <a:p>
+            <a:pPr lvl="1"/>
+            <a:r>
+              <a:rPr/>
+              <a:t>Note: Annual data has no seasonality.</a:t>
+            </a:r>
+          </a:p>
+        </p:txBody>
+      </p:sp>
     </p:spTree>
   </p:cSld>
 </p:sld>
@@ -8445,93 +8406,65 @@
             </a:pPr>
             <a:r>
               <a:rPr/>
-              <a:t>UKDriverDeaths</a:t>
-            </a:r>
-          </a:p>
-        </p:txBody>
-      </p:sp>
-      <p:sp>
-        <p:nvSpPr>
-          <p:cNvPr id="3" name="Content Placeholder 2"/>
-          <p:cNvSpPr>
-            <a:spLocks noGrp="1"/>
-          </p:cNvSpPr>
-          <p:nvPr>
-            <p:ph idx="1"/>
-          </p:nvPr>
-        </p:nvSpPr>
-        <p:spPr/>
-        <p:txBody>
-          <a:bodyPr/>
-          <a:lstStyle/>
-          <a:p>
-            <a:pPr lvl="0" marL="1270000" indent="0">
-              <a:buNone/>
-            </a:pPr>
-            <a:r>
-              <a:rPr sz="1800" b="1">
-                <a:solidFill>
-                  <a:srgbClr val="007020"/>
-                </a:solidFill>
-                <a:latin typeface="Courier"/>
-              </a:rPr>
-              <a:t>str</a:t>
-            </a:r>
-            <a:r>
-              <a:rPr sz="1800">
-                <a:latin typeface="Courier"/>
-              </a:rPr>
-              <a:t>(UKDriverDeaths)</a:t>
-            </a:r>
-          </a:p>
-          <a:p>
-            <a:pPr lvl="0" marL="1270000" indent="0">
-              <a:buNone/>
-            </a:pPr>
-            <a:r>
-              <a:rPr sz="1800">
-                <a:latin typeface="Courier"/>
-              </a:rPr>
-              <a:t>##  Time-Series [1:192] from 1969 to 1985: 1687 1508 1507 1385 1632 ...</a:t>
-            </a:r>
-          </a:p>
-          <a:p>
-            <a:pPr lvl="0" marL="1270000" indent="0">
-              <a:buNone/>
-            </a:pPr>
-            <a:r>
-              <a:rPr sz="1800" b="1">
-                <a:solidFill>
-                  <a:srgbClr val="007020"/>
-                </a:solidFill>
-                <a:latin typeface="Courier"/>
-              </a:rPr>
-              <a:t>attributes</a:t>
-            </a:r>
-            <a:r>
-              <a:rPr sz="1800">
-                <a:latin typeface="Courier"/>
-              </a:rPr>
-              <a:t>(UKDriverDeaths)</a:t>
-            </a:r>
-          </a:p>
-          <a:p>
-            <a:pPr lvl="0" marL="1270000" indent="0">
-              <a:buNone/>
-            </a:pPr>
-            <a:r>
-              <a:rPr sz="1800">
-                <a:latin typeface="Courier"/>
-              </a:rPr>
-              <a:t>## $tsp
-## [1] 1969.000 1984.917   12.000
-## 
-## $class
-## [1] "ts"</a:t>
-            </a:r>
-          </a:p>
-        </p:txBody>
-      </p:sp>
+              <a:t>Plot</a:t>
+            </a:r>
+            <a:r>
+              <a:rPr/>
+              <a:t> </a:t>
+            </a:r>
+            <a:r>
+              <a:rPr/>
+              <a:t>of</a:t>
+            </a:r>
+            <a:r>
+              <a:rPr/>
+              <a:t> </a:t>
+            </a:r>
+            <a:r>
+              <a:rPr/>
+              <a:t>LakeHuron</a:t>
+            </a:r>
+            <a:r>
+              <a:rPr/>
+              <a:t> </a:t>
+            </a:r>
+            <a:r>
+              <a:rPr/>
+              <a:t>data</a:t>
+            </a:r>
+          </a:p>
+        </p:txBody>
+      </p:sp>
+      <p:pic>
+        <p:nvPicPr>
+          <p:cNvPr descr="basics_files/figure-pptx/LakeHuron-plot-1.png" id="0" name="Picture 1"/>
+          <p:cNvPicPr>
+            <a:picLocks noGrp="1" noChangeAspect="1"/>
+          </p:cNvPicPr>
+          <p:nvPr/>
+        </p:nvPicPr>
+        <p:blipFill>
+          <a:blip r:embed="rId2"/>
+          <a:stretch>
+            <a:fillRect/>
+          </a:stretch>
+        </p:blipFill>
+        <p:spPr bwMode="auto">
+          <a:xfrm>
+            <a:off x="457200" y="2032000"/>
+            <a:ext cx="8229600" cy="3657600"/>
+          </a:xfrm>
+          <a:prstGeom prst="rect">
+            <a:avLst/>
+          </a:prstGeom>
+          <a:noFill/>
+          <a:ln w="9525">
+            <a:noFill/>
+            <a:headEnd/>
+            <a:tailEnd/>
+          </a:ln>
+        </p:spPr>
+      </p:pic>
     </p:spTree>
   </p:cSld>
 </p:sld>
@@ -8574,30 +8507,46 @@
             </a:pPr>
             <a:r>
               <a:rPr/>
-              <a:t>Plot</a:t>
-            </a:r>
-            <a:r>
-              <a:rPr/>
-              <a:t> </a:t>
-            </a:r>
-            <a:r>
-              <a:rPr/>
-              <a:t>UKDriver</a:t>
-            </a:r>
-            <a:r>
-              <a:rPr/>
-              <a:t> </a:t>
-            </a:r>
-            <a:r>
-              <a:rPr/>
-              <a:t>Deaths</a:t>
+              <a:t>acf</a:t>
+            </a:r>
+            <a:r>
+              <a:rPr/>
+              <a:t> </a:t>
+            </a:r>
+            <a:r>
+              <a:rPr/>
+              <a:t>and</a:t>
+            </a:r>
+            <a:r>
+              <a:rPr/>
+              <a:t> </a:t>
+            </a:r>
+            <a:r>
+              <a:rPr/>
+              <a:t>pacf</a:t>
+            </a:r>
+            <a:r>
+              <a:rPr/>
+              <a:t> </a:t>
+            </a:r>
+            <a:r>
+              <a:rPr/>
+              <a:t>for</a:t>
+            </a:r>
+            <a:r>
+              <a:rPr/>
+              <a:t> </a:t>
+            </a:r>
+            <a:r>
+              <a:rPr/>
+              <a:t>data</a:t>
             </a:r>
           </a:p>
         </p:txBody>
       </p:sp>
       <p:pic>
         <p:nvPicPr>
-          <p:cNvPr descr="basics_files/figure-pptx/UKDriverDeaths-plot-1.png" id="0" name="Picture 1"/>
+          <p:cNvPr descr="basics_files/figure-pptx/LakeHuron-auto-1.png" id="0" name="Picture 1"/>
           <p:cNvPicPr>
             <a:picLocks noGrp="1" noChangeAspect="1"/>
           </p:cNvPicPr>
@@ -8611,8 +8560,8 @@
         </p:blipFill>
         <p:spPr bwMode="auto">
           <a:xfrm>
-            <a:off x="1752600" y="1600200"/>
-            <a:ext cx="5651500" cy="4521200"/>
+            <a:off x="457200" y="2032000"/>
+            <a:ext cx="8229600" cy="3657600"/>
           </a:xfrm>
           <a:prstGeom prst="rect">
             <a:avLst/>
@@ -8667,93 +8616,65 @@
             </a:pPr>
             <a:r>
               <a:rPr/>
-              <a:t>USAccDeaths</a:t>
-            </a:r>
-          </a:p>
-        </p:txBody>
-      </p:sp>
-      <p:sp>
-        <p:nvSpPr>
-          <p:cNvPr id="3" name="Content Placeholder 2"/>
-          <p:cNvSpPr>
-            <a:spLocks noGrp="1"/>
-          </p:cNvSpPr>
-          <p:nvPr>
-            <p:ph idx="1"/>
-          </p:nvPr>
-        </p:nvSpPr>
-        <p:spPr/>
-        <p:txBody>
-          <a:bodyPr/>
-          <a:lstStyle/>
-          <a:p>
-            <a:pPr lvl="0" marL="1270000" indent="0">
-              <a:buNone/>
-            </a:pPr>
-            <a:r>
-              <a:rPr sz="1800" b="1">
-                <a:solidFill>
-                  <a:srgbClr val="007020"/>
-                </a:solidFill>
-                <a:latin typeface="Courier"/>
-              </a:rPr>
-              <a:t>str</a:t>
-            </a:r>
-            <a:r>
-              <a:rPr sz="1800">
-                <a:latin typeface="Courier"/>
-              </a:rPr>
-              <a:t>(USAccDeaths)</a:t>
-            </a:r>
-          </a:p>
-          <a:p>
-            <a:pPr lvl="0" marL="1270000" indent="0">
-              <a:buNone/>
-            </a:pPr>
-            <a:r>
-              <a:rPr sz="1800">
-                <a:latin typeface="Courier"/>
-              </a:rPr>
-              <a:t>##  Time-Series [1:72] from 1973 to 1979: 9007 8106 8928 9137 10017 ...</a:t>
-            </a:r>
-          </a:p>
-          <a:p>
-            <a:pPr lvl="0" marL="1270000" indent="0">
-              <a:buNone/>
-            </a:pPr>
-            <a:r>
-              <a:rPr sz="1800" b="1">
-                <a:solidFill>
-                  <a:srgbClr val="007020"/>
-                </a:solidFill>
-                <a:latin typeface="Courier"/>
-              </a:rPr>
-              <a:t>attributes</a:t>
-            </a:r>
-            <a:r>
-              <a:rPr sz="1800">
-                <a:latin typeface="Courier"/>
-              </a:rPr>
-              <a:t>(USAccDeaths)</a:t>
-            </a:r>
-          </a:p>
-          <a:p>
-            <a:pPr lvl="0" marL="1270000" indent="0">
-              <a:buNone/>
-            </a:pPr>
-            <a:r>
-              <a:rPr sz="1800">
-                <a:latin typeface="Courier"/>
-              </a:rPr>
-              <a:t>## $tsp
-## [1] 1973.000 1978.917   12.000
-## 
-## $class
-## [1] "ts"</a:t>
-            </a:r>
-          </a:p>
-        </p:txBody>
-      </p:sp>
+              <a:t>Plot</a:t>
+            </a:r>
+            <a:r>
+              <a:rPr/>
+              <a:t> </a:t>
+            </a:r>
+            <a:r>
+              <a:rPr/>
+              <a:t>of</a:t>
+            </a:r>
+            <a:r>
+              <a:rPr/>
+              <a:t> </a:t>
+            </a:r>
+            <a:r>
+              <a:rPr/>
+              <a:t>LakeHuron</a:t>
+            </a:r>
+            <a:r>
+              <a:rPr/>
+              <a:t> </a:t>
+            </a:r>
+            <a:r>
+              <a:rPr/>
+              <a:t>data</a:t>
+            </a:r>
+          </a:p>
+        </p:txBody>
+      </p:sp>
+      <p:pic>
+        <p:nvPicPr>
+          <p:cNvPr descr="basics_files/figure-pptx/diff-LakeHuron-plot-1.png" id="0" name="Picture 1"/>
+          <p:cNvPicPr>
+            <a:picLocks noGrp="1" noChangeAspect="1"/>
+          </p:cNvPicPr>
+          <p:nvPr/>
+        </p:nvPicPr>
+        <p:blipFill>
+          <a:blip r:embed="rId2"/>
+          <a:stretch>
+            <a:fillRect/>
+          </a:stretch>
+        </p:blipFill>
+        <p:spPr bwMode="auto">
+          <a:xfrm>
+            <a:off x="457200" y="2032000"/>
+            <a:ext cx="8229600" cy="3657600"/>
+          </a:xfrm>
+          <a:prstGeom prst="rect">
+            <a:avLst/>
+          </a:prstGeom>
+          <a:noFill/>
+          <a:ln w="9525">
+            <a:noFill/>
+            <a:headEnd/>
+            <a:tailEnd/>
+          </a:ln>
+        </p:spPr>
+      </p:pic>
     </p:spTree>
   </p:cSld>
 </p:sld>
@@ -8796,22 +8717,46 @@
             </a:pPr>
             <a:r>
               <a:rPr/>
-              <a:t>USAccDeaths</a:t>
-            </a:r>
-            <a:r>
-              <a:rPr/>
-              <a:t> </a:t>
-            </a:r>
-            <a:r>
-              <a:rPr/>
-              <a:t>plot</a:t>
+              <a:t>acf</a:t>
+            </a:r>
+            <a:r>
+              <a:rPr/>
+              <a:t> </a:t>
+            </a:r>
+            <a:r>
+              <a:rPr/>
+              <a:t>and</a:t>
+            </a:r>
+            <a:r>
+              <a:rPr/>
+              <a:t> </a:t>
+            </a:r>
+            <a:r>
+              <a:rPr/>
+              <a:t>pacf</a:t>
+            </a:r>
+            <a:r>
+              <a:rPr/>
+              <a:t> </a:t>
+            </a:r>
+            <a:r>
+              <a:rPr/>
+              <a:t>for</a:t>
+            </a:r>
+            <a:r>
+              <a:rPr/>
+              <a:t> </a:t>
+            </a:r>
+            <a:r>
+              <a:rPr/>
+              <a:t>data</a:t>
             </a:r>
           </a:p>
         </p:txBody>
       </p:sp>
       <p:pic>
         <p:nvPicPr>
-          <p:cNvPr descr="basics_files/figure-pptx/USAccDeaths-plot-1.png" id="0" name="Picture 1"/>
+          <p:cNvPr descr="basics_files/figure-pptx/diff-LakeHuron-auto-1.png" id="0" name="Picture 1"/>
           <p:cNvPicPr>
             <a:picLocks noGrp="1" noChangeAspect="1"/>
           </p:cNvPicPr>
@@ -8825,8 +8770,8 @@
         </p:blipFill>
         <p:spPr bwMode="auto">
           <a:xfrm>
-            <a:off x="1752600" y="1600200"/>
-            <a:ext cx="5651500" cy="4521200"/>
+            <a:off x="457200" y="2032000"/>
+            <a:ext cx="8229600" cy="3657600"/>
           </a:xfrm>
           <a:prstGeom prst="rect">
             <a:avLst/>
@@ -8881,14 +8826,183 @@
             </a:pPr>
             <a:r>
               <a:rPr/>
-              <a:t>arima.sim</a:t>
+              <a:t>Structure</a:t>
+            </a:r>
+            <a:r>
+              <a:rPr/>
+              <a:t> </a:t>
+            </a:r>
+            <a:r>
+              <a:rPr/>
+              <a:t>of</a:t>
+            </a:r>
+            <a:r>
+              <a:rPr/>
+              <a:t> </a:t>
+            </a:r>
+            <a:r>
+              <a:rPr/>
+              <a:t>mdeaths</a:t>
+            </a:r>
+            <a:r>
+              <a:rPr/>
+              <a:t> </a:t>
+            </a:r>
+            <a:r>
+              <a:rPr/>
+              <a:t>data</a:t>
+            </a:r>
+          </a:p>
+        </p:txBody>
+      </p:sp>
+      <p:sp>
+        <p:nvSpPr>
+          <p:cNvPr id="3" name="Content Placeholder 2"/>
+          <p:cNvSpPr>
+            <a:spLocks noGrp="1"/>
+          </p:cNvSpPr>
+          <p:nvPr>
+            <p:ph idx="1"/>
+          </p:nvPr>
+        </p:nvSpPr>
+        <p:spPr/>
+        <p:txBody>
+          <a:bodyPr/>
+          <a:lstStyle/>
+          <a:p>
+            <a:pPr lvl="0" marL="1270000" indent="0">
+              <a:buNone/>
+            </a:pPr>
+            <a:r>
+              <a:rPr sz="1800" b="1">
+                <a:solidFill>
+                  <a:srgbClr val="007020"/>
+                </a:solidFill>
+                <a:latin typeface="Courier"/>
+              </a:rPr>
+              <a:t>str</a:t>
+            </a:r>
+            <a:r>
+              <a:rPr sz="1800">
+                <a:latin typeface="Courier"/>
+              </a:rPr>
+              <a:t>(mdeaths)</a:t>
+            </a:r>
+          </a:p>
+          <a:p>
+            <a:pPr lvl="0" marL="1270000" indent="0">
+              <a:buNone/>
+            </a:pPr>
+            <a:r>
+              <a:rPr sz="1800">
+                <a:latin typeface="Courier"/>
+              </a:rPr>
+              <a:t>##  Time-Series [1:72] from 1974 to 1980: 2134 1863 1877 1877 1492 ...</a:t>
+            </a:r>
+          </a:p>
+          <a:p>
+            <a:pPr lvl="0" marL="1270000" indent="0">
+              <a:buNone/>
+            </a:pPr>
+            <a:r>
+              <a:rPr sz="1800" b="1">
+                <a:solidFill>
+                  <a:srgbClr val="007020"/>
+                </a:solidFill>
+                <a:latin typeface="Courier"/>
+              </a:rPr>
+              <a:t>attributes</a:t>
+            </a:r>
+            <a:r>
+              <a:rPr sz="1800">
+                <a:latin typeface="Courier"/>
+              </a:rPr>
+              <a:t>(mdeaths)</a:t>
+            </a:r>
+          </a:p>
+          <a:p>
+            <a:pPr lvl="0" marL="1270000" indent="0">
+              <a:buNone/>
+            </a:pPr>
+            <a:r>
+              <a:rPr sz="1800">
+                <a:latin typeface="Courier"/>
+              </a:rPr>
+              <a:t>## $tsp
+## [1] 1974.000 1979.917   12.000
+## 
+## $class
+## [1] "ts"</a:t>
+            </a:r>
+          </a:p>
+        </p:txBody>
+      </p:sp>
+    </p:spTree>
+  </p:cSld>
+</p:sld>
+</file>
+
+<file path=ppt/slides/slide46.xml><?xml version="1.0" encoding="utf-8"?>
+<p:sld xmlns:a="http://schemas.openxmlformats.org/drawingml/2006/main" xmlns:r="http://schemas.openxmlformats.org/officeDocument/2006/relationships" xmlns:p="http://schemas.openxmlformats.org/presentationml/2006/main">
+  <p:cSld>
+    <p:spTree>
+      <p:nvGrpSpPr>
+        <p:cNvPr id="1" name=""/>
+        <p:cNvGrpSpPr/>
+        <p:nvPr/>
+      </p:nvGrpSpPr>
+      <p:grpSpPr>
+        <a:xfrm>
+          <a:off x="0" y="0"/>
+          <a:ext cx="0" cy="0"/>
+          <a:chOff x="0" y="0"/>
+          <a:chExt cx="0" cy="0"/>
+        </a:xfrm>
+      </p:grpSpPr>
+      <p:sp>
+        <p:nvSpPr>
+          <p:cNvPr id="2" name="Title 1"/>
+          <p:cNvSpPr>
+            <a:spLocks noGrp="1"/>
+          </p:cNvSpPr>
+          <p:nvPr>
+            <p:ph type="title"/>
+          </p:nvPr>
+        </p:nvSpPr>
+        <p:spPr/>
+        <p:txBody>
+          <a:bodyPr/>
+          <a:lstStyle/>
+          <a:p>
+            <a:pPr lvl="0" marL="0" indent="0">
+              <a:buNone/>
+            </a:pPr>
+            <a:r>
+              <a:rPr/>
+              <a:t>Plot</a:t>
+            </a:r>
+            <a:r>
+              <a:rPr/>
+              <a:t> </a:t>
+            </a:r>
+            <a:r>
+              <a:rPr/>
+              <a:t>of</a:t>
+            </a:r>
+            <a:r>
+              <a:rPr/>
+              <a:t> </a:t>
+            </a:r>
+            <a:r>
+              <a:rPr/>
+              <a:t>mdeaths</a:t>
             </a:r>
           </a:p>
         </p:txBody>
       </p:sp>
       <p:pic>
         <p:nvPicPr>
-          <p:cNvPr descr="basics_files/figure-pptx/arima.sim-1.png" id="0" name="Picture 1"/>
+          <p:cNvPr descr="basics_files/figure-pptx/mdeaths-plot-1.png" id="0" name="Picture 1"/>
           <p:cNvPicPr>
             <a:picLocks noGrp="1" noChangeAspect="1"/>
           </p:cNvPicPr>
@@ -8902,8 +9016,8 @@
         </p:blipFill>
         <p:spPr bwMode="auto">
           <a:xfrm>
-            <a:off x="1752600" y="1600200"/>
-            <a:ext cx="5651500" cy="4521200"/>
+            <a:off x="457200" y="2032000"/>
+            <a:ext cx="8229600" cy="3657600"/>
           </a:xfrm>
           <a:prstGeom prst="rect">
             <a:avLst/>
@@ -8916,6 +9030,377 @@
           </a:ln>
         </p:spPr>
       </p:pic>
+    </p:spTree>
+  </p:cSld>
+</p:sld>
+</file>
+
+<file path=ppt/slides/slide47.xml><?xml version="1.0" encoding="utf-8"?>
+<p:sld xmlns:a="http://schemas.openxmlformats.org/drawingml/2006/main" xmlns:r="http://schemas.openxmlformats.org/officeDocument/2006/relationships" xmlns:p="http://schemas.openxmlformats.org/presentationml/2006/main">
+  <p:cSld>
+    <p:spTree>
+      <p:nvGrpSpPr>
+        <p:cNvPr id="1" name=""/>
+        <p:cNvGrpSpPr/>
+        <p:nvPr/>
+      </p:nvGrpSpPr>
+      <p:grpSpPr>
+        <a:xfrm>
+          <a:off x="0" y="0"/>
+          <a:ext cx="0" cy="0"/>
+          <a:chOff x="0" y="0"/>
+          <a:chExt cx="0" cy="0"/>
+        </a:xfrm>
+      </p:grpSpPr>
+      <p:sp>
+        <p:nvSpPr>
+          <p:cNvPr id="2" name="Title 1"/>
+          <p:cNvSpPr>
+            <a:spLocks noGrp="1"/>
+          </p:cNvSpPr>
+          <p:nvPr>
+            <p:ph type="title"/>
+          </p:nvPr>
+        </p:nvSpPr>
+        <p:spPr/>
+        <p:txBody>
+          <a:bodyPr/>
+          <a:lstStyle/>
+          <a:p>
+            <a:pPr lvl="0" marL="0" indent="0">
+              <a:buNone/>
+            </a:pPr>
+            <a:r>
+              <a:rPr/>
+              <a:t>Detrend</a:t>
+            </a:r>
+            <a:r>
+              <a:rPr/>
+              <a:t> </a:t>
+            </a:r>
+            <a:r>
+              <a:rPr/>
+              <a:t>and</a:t>
+            </a:r>
+            <a:r>
+              <a:rPr/>
+              <a:t> </a:t>
+            </a:r>
+            <a:r>
+              <a:rPr/>
+              <a:t>deseasonalize</a:t>
+            </a:r>
+            <a:r>
+              <a:rPr/>
+              <a:t> </a:t>
+            </a:r>
+            <a:r>
+              <a:rPr/>
+              <a:t>mdeaths</a:t>
+            </a:r>
+          </a:p>
+        </p:txBody>
+      </p:sp>
+      <p:pic>
+        <p:nvPicPr>
+          <p:cNvPr descr="basics_files/figure-pptx/mdeaths-decomp-1.png" id="0" name="Picture 1"/>
+          <p:cNvPicPr>
+            <a:picLocks noGrp="1" noChangeAspect="1"/>
+          </p:cNvPicPr>
+          <p:nvPr/>
+        </p:nvPicPr>
+        <p:blipFill>
+          <a:blip r:embed="rId2"/>
+          <a:stretch>
+            <a:fillRect/>
+          </a:stretch>
+        </p:blipFill>
+        <p:spPr bwMode="auto">
+          <a:xfrm>
+            <a:off x="457200" y="2032000"/>
+            <a:ext cx="8229600" cy="3657600"/>
+          </a:xfrm>
+          <a:prstGeom prst="rect">
+            <a:avLst/>
+          </a:prstGeom>
+          <a:noFill/>
+          <a:ln w="9525">
+            <a:noFill/>
+            <a:headEnd/>
+            <a:tailEnd/>
+          </a:ln>
+        </p:spPr>
+      </p:pic>
+    </p:spTree>
+  </p:cSld>
+</p:sld>
+</file>
+
+<file path=ppt/slides/slide48.xml><?xml version="1.0" encoding="utf-8"?>
+<p:sld xmlns:a="http://schemas.openxmlformats.org/drawingml/2006/main" xmlns:r="http://schemas.openxmlformats.org/officeDocument/2006/relationships" xmlns:p="http://schemas.openxmlformats.org/presentationml/2006/main">
+  <p:cSld>
+    <p:spTree>
+      <p:nvGrpSpPr>
+        <p:cNvPr id="1" name=""/>
+        <p:cNvGrpSpPr/>
+        <p:nvPr/>
+      </p:nvGrpSpPr>
+      <p:grpSpPr>
+        <a:xfrm>
+          <a:off x="0" y="0"/>
+          <a:ext cx="0" cy="0"/>
+          <a:chOff x="0" y="0"/>
+          <a:chExt cx="0" cy="0"/>
+        </a:xfrm>
+      </p:grpSpPr>
+      <p:sp>
+        <p:nvSpPr>
+          <p:cNvPr id="2" name="Title 1"/>
+          <p:cNvSpPr>
+            <a:spLocks noGrp="1"/>
+          </p:cNvSpPr>
+          <p:nvPr>
+            <p:ph type="title"/>
+          </p:nvPr>
+        </p:nvSpPr>
+        <p:spPr/>
+        <p:txBody>
+          <a:bodyPr/>
+          <a:lstStyle/>
+          <a:p>
+            <a:pPr lvl="0" marL="0" indent="0">
+              <a:buNone/>
+            </a:pPr>
+            <a:r>
+              <a:rPr/>
+              <a:t>acf</a:t>
+            </a:r>
+            <a:r>
+              <a:rPr/>
+              <a:t> </a:t>
+            </a:r>
+            <a:r>
+              <a:rPr/>
+              <a:t>and</a:t>
+            </a:r>
+            <a:r>
+              <a:rPr/>
+              <a:t> </a:t>
+            </a:r>
+            <a:r>
+              <a:rPr/>
+              <a:t>pacf</a:t>
+            </a:r>
+            <a:r>
+              <a:rPr/>
+              <a:t> </a:t>
+            </a:r>
+            <a:r>
+              <a:rPr/>
+              <a:t>for</a:t>
+            </a:r>
+            <a:r>
+              <a:rPr/>
+              <a:t> </a:t>
+            </a:r>
+            <a:r>
+              <a:rPr/>
+              <a:t>mdeaths</a:t>
+            </a:r>
+            <a:r>
+              <a:rPr/>
+              <a:t> </a:t>
+            </a:r>
+            <a:r>
+              <a:rPr/>
+              <a:t>data</a:t>
+            </a:r>
+          </a:p>
+        </p:txBody>
+      </p:sp>
+      <p:pic>
+        <p:nvPicPr>
+          <p:cNvPr descr="basics_files/figure-pptx/mdeaths-auto-1.png" id="0" name="Picture 1"/>
+          <p:cNvPicPr>
+            <a:picLocks noGrp="1" noChangeAspect="1"/>
+          </p:cNvPicPr>
+          <p:nvPr/>
+        </p:nvPicPr>
+        <p:blipFill>
+          <a:blip r:embed="rId2"/>
+          <a:stretch>
+            <a:fillRect/>
+          </a:stretch>
+        </p:blipFill>
+        <p:spPr bwMode="auto">
+          <a:xfrm>
+            <a:off x="457200" y="2032000"/>
+            <a:ext cx="8229600" cy="3657600"/>
+          </a:xfrm>
+          <a:prstGeom prst="rect">
+            <a:avLst/>
+          </a:prstGeom>
+          <a:noFill/>
+          <a:ln w="9525">
+            <a:noFill/>
+            <a:headEnd/>
+            <a:tailEnd/>
+          </a:ln>
+        </p:spPr>
+      </p:pic>
+    </p:spTree>
+  </p:cSld>
+</p:sld>
+</file>
+
+<file path=ppt/slides/slide49.xml><?xml version="1.0" encoding="utf-8"?>
+<p:sld xmlns:a="http://schemas.openxmlformats.org/drawingml/2006/main" xmlns:r="http://schemas.openxmlformats.org/officeDocument/2006/relationships" xmlns:p="http://schemas.openxmlformats.org/presentationml/2006/main">
+  <p:cSld>
+    <p:spTree>
+      <p:nvGrpSpPr>
+        <p:cNvPr id="1" name=""/>
+        <p:cNvGrpSpPr/>
+        <p:nvPr/>
+      </p:nvGrpSpPr>
+      <p:grpSpPr>
+        <a:xfrm>
+          <a:off x="0" y="0"/>
+          <a:ext cx="0" cy="0"/>
+          <a:chOff x="0" y="0"/>
+          <a:chExt cx="0" cy="0"/>
+        </a:xfrm>
+      </p:grpSpPr>
+      <p:sp>
+        <p:nvSpPr>
+          <p:cNvPr id="2" name="Title 1"/>
+          <p:cNvSpPr>
+            <a:spLocks noGrp="1"/>
+          </p:cNvSpPr>
+          <p:nvPr>
+            <p:ph type="title"/>
+          </p:nvPr>
+        </p:nvSpPr>
+        <p:spPr/>
+        <p:txBody>
+          <a:bodyPr/>
+          <a:lstStyle/>
+          <a:p>
+            <a:pPr lvl="0" marL="0" indent="0">
+              <a:buNone/>
+            </a:pPr>
+            <a:r>
+              <a:rPr/>
+              <a:t>Structure</a:t>
+            </a:r>
+            <a:r>
+              <a:rPr/>
+              <a:t> </a:t>
+            </a:r>
+            <a:r>
+              <a:rPr/>
+              <a:t>of</a:t>
+            </a:r>
+            <a:r>
+              <a:rPr/>
+              <a:t> </a:t>
+            </a:r>
+            <a:r>
+              <a:rPr/>
+              <a:t>Nile</a:t>
+            </a:r>
+            <a:r>
+              <a:rPr/>
+              <a:t> </a:t>
+            </a:r>
+            <a:r>
+              <a:rPr/>
+              <a:t>data</a:t>
+            </a:r>
+          </a:p>
+        </p:txBody>
+      </p:sp>
+      <p:sp>
+        <p:nvSpPr>
+          <p:cNvPr id="3" name="Content Placeholder 2"/>
+          <p:cNvSpPr>
+            <a:spLocks noGrp="1"/>
+          </p:cNvSpPr>
+          <p:nvPr>
+            <p:ph idx="1"/>
+          </p:nvPr>
+        </p:nvSpPr>
+        <p:spPr/>
+        <p:txBody>
+          <a:bodyPr/>
+          <a:lstStyle/>
+          <a:p>
+            <a:pPr lvl="0" marL="1270000" indent="0">
+              <a:buNone/>
+            </a:pPr>
+            <a:r>
+              <a:rPr sz="1800" b="1">
+                <a:solidFill>
+                  <a:srgbClr val="007020"/>
+                </a:solidFill>
+                <a:latin typeface="Courier"/>
+              </a:rPr>
+              <a:t>str</a:t>
+            </a:r>
+            <a:r>
+              <a:rPr sz="1800">
+                <a:latin typeface="Courier"/>
+              </a:rPr>
+              <a:t>(Nile)</a:t>
+            </a:r>
+          </a:p>
+          <a:p>
+            <a:pPr lvl="0" marL="1270000" indent="0">
+              <a:buNone/>
+            </a:pPr>
+            <a:r>
+              <a:rPr sz="1800">
+                <a:latin typeface="Courier"/>
+              </a:rPr>
+              <a:t>##  Time-Series [1:100] from 1871 to 1970: 1120 1160 963 1210 1160 1160 813 1230 1370 1140 ...</a:t>
+            </a:r>
+          </a:p>
+          <a:p>
+            <a:pPr lvl="0" marL="1270000" indent="0">
+              <a:buNone/>
+            </a:pPr>
+            <a:r>
+              <a:rPr sz="1800" b="1">
+                <a:solidFill>
+                  <a:srgbClr val="007020"/>
+                </a:solidFill>
+                <a:latin typeface="Courier"/>
+              </a:rPr>
+              <a:t>attributes</a:t>
+            </a:r>
+            <a:r>
+              <a:rPr sz="1800">
+                <a:latin typeface="Courier"/>
+              </a:rPr>
+              <a:t>(Nile)</a:t>
+            </a:r>
+          </a:p>
+          <a:p>
+            <a:pPr lvl="0" marL="1270000" indent="0">
+              <a:buNone/>
+            </a:pPr>
+            <a:r>
+              <a:rPr sz="1800">
+                <a:latin typeface="Courier"/>
+              </a:rPr>
+              <a:t>## $tsp
+## [1] 1871 1970    1
+## 
+## $class
+## [1] "ts"</a:t>
+            </a:r>
+          </a:p>
+        </p:txBody>
+      </p:sp>
     </p:spTree>
   </p:cSld>
 </p:sld>
@@ -9012,16 +9497,16 @@
               <a:bodyPr/>
               <a:lstStyle/>
               <a:p>
-                <a:pPr lvl="1"/>
+                <a:pPr lvl="0" marL="0" indent="0">
+                  <a:buNone/>
+                </a:pPr>
                 <a:r>
                   <a:rPr/>
                   <a:t>White noise</a:t>
                 </a:r>
               </a:p>
               <a:p>
-                <a:pPr lvl="0" marL="0" indent="0">
-                  <a:buNone/>
-                </a:pPr>
+                <a:pPr lvl="1"/>
                 <a14:m>
                   <m:oMath xmlns:m="http://schemas.openxmlformats.org/officeDocument/2006/math">
                     <m:sSub>
@@ -9055,16 +9540,16 @@
                 </a14:m>
               </a:p>
               <a:p>
-                <a:pPr lvl="1"/>
+                <a:pPr lvl="0" marL="0" indent="0">
+                  <a:buNone/>
+                </a:pPr>
                 <a:r>
                   <a:rPr/>
                   <a:t>Autoregressive (AR)</a:t>
                 </a:r>
               </a:p>
               <a:p>
-                <a:pPr lvl="0" marL="0" indent="0">
-                  <a:buNone/>
-                </a:pPr>
+                <a:pPr lvl="1"/>
                 <a14:m>
                   <m:oMath xmlns:m="http://schemas.openxmlformats.org/officeDocument/2006/math">
                     <m:sSub>
@@ -9122,16 +9607,16 @@
                 </a14:m>
               </a:p>
               <a:p>
-                <a:pPr lvl="1"/>
+                <a:pPr lvl="0" marL="0" indent="0">
+                  <a:buNone/>
+                </a:pPr>
                 <a:r>
                   <a:rPr/>
                   <a:t>Moving average (MA)</a:t>
                 </a:r>
               </a:p>
               <a:p>
-                <a:pPr lvl="0" marL="0" indent="0">
-                  <a:buNone/>
-                </a:pPr>
+                <a:pPr lvl="1"/>
                 <a14:m>
                   <m:oMath xmlns:m="http://schemas.openxmlformats.org/officeDocument/2006/math">
                     <m:sSub>
@@ -9192,6 +9677,1156 @@
           </p:sp>
         </mc:Choice>
       </mc:AlternateContent>
+    </p:spTree>
+  </p:cSld>
+</p:sld>
+</file>
+
+<file path=ppt/slides/slide50.xml><?xml version="1.0" encoding="utf-8"?>
+<p:sld xmlns:a="http://schemas.openxmlformats.org/drawingml/2006/main" xmlns:r="http://schemas.openxmlformats.org/officeDocument/2006/relationships" xmlns:p="http://schemas.openxmlformats.org/presentationml/2006/main">
+  <p:cSld>
+    <p:spTree>
+      <p:nvGrpSpPr>
+        <p:cNvPr id="1" name=""/>
+        <p:cNvGrpSpPr/>
+        <p:nvPr/>
+      </p:nvGrpSpPr>
+      <p:grpSpPr>
+        <a:xfrm>
+          <a:off x="0" y="0"/>
+          <a:ext cx="0" cy="0"/>
+          <a:chOff x="0" y="0"/>
+          <a:chExt cx="0" cy="0"/>
+        </a:xfrm>
+      </p:grpSpPr>
+      <p:sp>
+        <p:nvSpPr>
+          <p:cNvPr id="2" name="Title 1"/>
+          <p:cNvSpPr>
+            <a:spLocks noGrp="1"/>
+          </p:cNvSpPr>
+          <p:nvPr>
+            <p:ph type="title"/>
+          </p:nvPr>
+        </p:nvSpPr>
+        <p:spPr/>
+        <p:txBody>
+          <a:bodyPr/>
+          <a:lstStyle/>
+          <a:p>
+            <a:pPr lvl="0" marL="0" indent="0">
+              <a:buNone/>
+            </a:pPr>
+            <a:r>
+              <a:rPr/>
+              <a:t>Plot</a:t>
+            </a:r>
+            <a:r>
+              <a:rPr/>
+              <a:t> </a:t>
+            </a:r>
+            <a:r>
+              <a:rPr/>
+              <a:t>of</a:t>
+            </a:r>
+            <a:r>
+              <a:rPr/>
+              <a:t> </a:t>
+            </a:r>
+            <a:r>
+              <a:rPr/>
+              <a:t>Nile</a:t>
+            </a:r>
+            <a:r>
+              <a:rPr/>
+              <a:t> </a:t>
+            </a:r>
+            <a:r>
+              <a:rPr/>
+              <a:t>data</a:t>
+            </a:r>
+          </a:p>
+        </p:txBody>
+      </p:sp>
+      <p:pic>
+        <p:nvPicPr>
+          <p:cNvPr descr="basics_files/figure-pptx/Nile-plot-1.png" id="0" name="Picture 1"/>
+          <p:cNvPicPr>
+            <a:picLocks noGrp="1" noChangeAspect="1"/>
+          </p:cNvPicPr>
+          <p:nvPr/>
+        </p:nvPicPr>
+        <p:blipFill>
+          <a:blip r:embed="rId2"/>
+          <a:stretch>
+            <a:fillRect/>
+          </a:stretch>
+        </p:blipFill>
+        <p:spPr bwMode="auto">
+          <a:xfrm>
+            <a:off x="457200" y="2032000"/>
+            <a:ext cx="8229600" cy="3657600"/>
+          </a:xfrm>
+          <a:prstGeom prst="rect">
+            <a:avLst/>
+          </a:prstGeom>
+          <a:noFill/>
+          <a:ln w="9525">
+            <a:noFill/>
+            <a:headEnd/>
+            <a:tailEnd/>
+          </a:ln>
+        </p:spPr>
+      </p:pic>
+    </p:spTree>
+  </p:cSld>
+</p:sld>
+</file>
+
+<file path=ppt/slides/slide51.xml><?xml version="1.0" encoding="utf-8"?>
+<p:sld xmlns:a="http://schemas.openxmlformats.org/drawingml/2006/main" xmlns:r="http://schemas.openxmlformats.org/officeDocument/2006/relationships" xmlns:p="http://schemas.openxmlformats.org/presentationml/2006/main">
+  <p:cSld>
+    <p:spTree>
+      <p:nvGrpSpPr>
+        <p:cNvPr id="1" name=""/>
+        <p:cNvGrpSpPr/>
+        <p:nvPr/>
+      </p:nvGrpSpPr>
+      <p:grpSpPr>
+        <a:xfrm>
+          <a:off x="0" y="0"/>
+          <a:ext cx="0" cy="0"/>
+          <a:chOff x="0" y="0"/>
+          <a:chExt cx="0" cy="0"/>
+        </a:xfrm>
+      </p:grpSpPr>
+      <p:sp>
+        <p:nvSpPr>
+          <p:cNvPr id="2" name="Title 1"/>
+          <p:cNvSpPr>
+            <a:spLocks noGrp="1"/>
+          </p:cNvSpPr>
+          <p:nvPr>
+            <p:ph type="title"/>
+          </p:nvPr>
+        </p:nvSpPr>
+        <p:spPr/>
+        <p:txBody>
+          <a:bodyPr/>
+          <a:lstStyle/>
+          <a:p>
+            <a:pPr lvl="0" marL="0" indent="0">
+              <a:buNone/>
+            </a:pPr>
+            <a:r>
+              <a:rPr/>
+              <a:t>acf</a:t>
+            </a:r>
+            <a:r>
+              <a:rPr/>
+              <a:t> </a:t>
+            </a:r>
+            <a:r>
+              <a:rPr/>
+              <a:t>and</a:t>
+            </a:r>
+            <a:r>
+              <a:rPr/>
+              <a:t> </a:t>
+            </a:r>
+            <a:r>
+              <a:rPr/>
+              <a:t>pacf</a:t>
+            </a:r>
+            <a:r>
+              <a:rPr/>
+              <a:t> </a:t>
+            </a:r>
+            <a:r>
+              <a:rPr/>
+              <a:t>for</a:t>
+            </a:r>
+            <a:r>
+              <a:rPr/>
+              <a:t> </a:t>
+            </a:r>
+            <a:r>
+              <a:rPr/>
+              <a:t>Nile</a:t>
+            </a:r>
+            <a:r>
+              <a:rPr/>
+              <a:t> </a:t>
+            </a:r>
+            <a:r>
+              <a:rPr/>
+              <a:t>data</a:t>
+            </a:r>
+          </a:p>
+        </p:txBody>
+      </p:sp>
+      <p:pic>
+        <p:nvPicPr>
+          <p:cNvPr descr="basics_files/figure-pptx/Nile-auto-1.png" id="0" name="Picture 1"/>
+          <p:cNvPicPr>
+            <a:picLocks noGrp="1" noChangeAspect="1"/>
+          </p:cNvPicPr>
+          <p:nvPr/>
+        </p:nvPicPr>
+        <p:blipFill>
+          <a:blip r:embed="rId2"/>
+          <a:stretch>
+            <a:fillRect/>
+          </a:stretch>
+        </p:blipFill>
+        <p:spPr bwMode="auto">
+          <a:xfrm>
+            <a:off x="457200" y="2032000"/>
+            <a:ext cx="8229600" cy="3657600"/>
+          </a:xfrm>
+          <a:prstGeom prst="rect">
+            <a:avLst/>
+          </a:prstGeom>
+          <a:noFill/>
+          <a:ln w="9525">
+            <a:noFill/>
+            <a:headEnd/>
+            <a:tailEnd/>
+          </a:ln>
+        </p:spPr>
+      </p:pic>
+    </p:spTree>
+  </p:cSld>
+</p:sld>
+</file>
+
+<file path=ppt/slides/slide52.xml><?xml version="1.0" encoding="utf-8"?>
+<p:sld xmlns:a="http://schemas.openxmlformats.org/drawingml/2006/main" xmlns:r="http://schemas.openxmlformats.org/officeDocument/2006/relationships" xmlns:p="http://schemas.openxmlformats.org/presentationml/2006/main">
+  <p:cSld>
+    <p:spTree>
+      <p:nvGrpSpPr>
+        <p:cNvPr id="1" name=""/>
+        <p:cNvGrpSpPr/>
+        <p:nvPr/>
+      </p:nvGrpSpPr>
+      <p:grpSpPr>
+        <a:xfrm>
+          <a:off x="0" y="0"/>
+          <a:ext cx="0" cy="0"/>
+          <a:chOff x="0" y="0"/>
+          <a:chExt cx="0" cy="0"/>
+        </a:xfrm>
+      </p:grpSpPr>
+      <p:sp>
+        <p:nvSpPr>
+          <p:cNvPr id="2" name="Title 1"/>
+          <p:cNvSpPr>
+            <a:spLocks noGrp="1"/>
+          </p:cNvSpPr>
+          <p:nvPr>
+            <p:ph type="title"/>
+          </p:nvPr>
+        </p:nvSpPr>
+        <p:spPr/>
+        <p:txBody>
+          <a:bodyPr/>
+          <a:lstStyle/>
+          <a:p>
+            <a:pPr lvl="0" marL="0" indent="0">
+              <a:buNone/>
+            </a:pPr>
+            <a:r>
+              <a:rPr/>
+              <a:t>Structure</a:t>
+            </a:r>
+            <a:r>
+              <a:rPr/>
+              <a:t> </a:t>
+            </a:r>
+            <a:r>
+              <a:rPr/>
+              <a:t>of</a:t>
+            </a:r>
+            <a:r>
+              <a:rPr/>
+              <a:t> </a:t>
+            </a:r>
+            <a:r>
+              <a:rPr/>
+              <a:t>nottem</a:t>
+            </a:r>
+          </a:p>
+        </p:txBody>
+      </p:sp>
+      <p:sp>
+        <p:nvSpPr>
+          <p:cNvPr id="3" name="Content Placeholder 2"/>
+          <p:cNvSpPr>
+            <a:spLocks noGrp="1"/>
+          </p:cNvSpPr>
+          <p:nvPr>
+            <p:ph idx="1"/>
+          </p:nvPr>
+        </p:nvSpPr>
+        <p:spPr/>
+        <p:txBody>
+          <a:bodyPr/>
+          <a:lstStyle/>
+          <a:p>
+            <a:pPr lvl="0" marL="1270000" indent="0">
+              <a:buNone/>
+            </a:pPr>
+            <a:r>
+              <a:rPr sz="1800" b="1">
+                <a:solidFill>
+                  <a:srgbClr val="007020"/>
+                </a:solidFill>
+                <a:latin typeface="Courier"/>
+              </a:rPr>
+              <a:t>str</a:t>
+            </a:r>
+            <a:r>
+              <a:rPr sz="1800">
+                <a:latin typeface="Courier"/>
+              </a:rPr>
+              <a:t>(nottem)</a:t>
+            </a:r>
+          </a:p>
+          <a:p>
+            <a:pPr lvl="0" marL="1270000" indent="0">
+              <a:buNone/>
+            </a:pPr>
+            <a:r>
+              <a:rPr sz="1800">
+                <a:latin typeface="Courier"/>
+              </a:rPr>
+              <a:t>##  Time-Series [1:240] from 1920 to 1940: 40.6 40.8 44.4 46.7 54.1 58.5 57.7 56.4 54.3 50.5 ...</a:t>
+            </a:r>
+          </a:p>
+          <a:p>
+            <a:pPr lvl="0" marL="1270000" indent="0">
+              <a:buNone/>
+            </a:pPr>
+            <a:r>
+              <a:rPr sz="1800" b="1">
+                <a:solidFill>
+                  <a:srgbClr val="007020"/>
+                </a:solidFill>
+                <a:latin typeface="Courier"/>
+              </a:rPr>
+              <a:t>attributes</a:t>
+            </a:r>
+            <a:r>
+              <a:rPr sz="1800">
+                <a:latin typeface="Courier"/>
+              </a:rPr>
+              <a:t>(nottem)</a:t>
+            </a:r>
+          </a:p>
+          <a:p>
+            <a:pPr lvl="0" marL="1270000" indent="0">
+              <a:buNone/>
+            </a:pPr>
+            <a:r>
+              <a:rPr sz="1800">
+                <a:latin typeface="Courier"/>
+              </a:rPr>
+              <a:t>## $tsp
+## [1] 1920.000 1939.917   12.000
+## 
+## $class
+## [1] "ts"</a:t>
+            </a:r>
+          </a:p>
+        </p:txBody>
+      </p:sp>
+    </p:spTree>
+  </p:cSld>
+</p:sld>
+</file>
+
+<file path=ppt/slides/slide53.xml><?xml version="1.0" encoding="utf-8"?>
+<p:sld xmlns:a="http://schemas.openxmlformats.org/drawingml/2006/main" xmlns:r="http://schemas.openxmlformats.org/officeDocument/2006/relationships" xmlns:p="http://schemas.openxmlformats.org/presentationml/2006/main">
+  <p:cSld>
+    <p:spTree>
+      <p:nvGrpSpPr>
+        <p:cNvPr id="1" name=""/>
+        <p:cNvGrpSpPr/>
+        <p:nvPr/>
+      </p:nvGrpSpPr>
+      <p:grpSpPr>
+        <a:xfrm>
+          <a:off x="0" y="0"/>
+          <a:ext cx="0" cy="0"/>
+          <a:chOff x="0" y="0"/>
+          <a:chExt cx="0" cy="0"/>
+        </a:xfrm>
+      </p:grpSpPr>
+      <p:sp>
+        <p:nvSpPr>
+          <p:cNvPr id="2" name="Title 1"/>
+          <p:cNvSpPr>
+            <a:spLocks noGrp="1"/>
+          </p:cNvSpPr>
+          <p:nvPr>
+            <p:ph type="title"/>
+          </p:nvPr>
+        </p:nvSpPr>
+        <p:spPr/>
+        <p:txBody>
+          <a:bodyPr/>
+          <a:lstStyle/>
+          <a:p>
+            <a:pPr lvl="0" marL="0" indent="0">
+              <a:buNone/>
+            </a:pPr>
+            <a:r>
+              <a:rPr/>
+              <a:t>Plot</a:t>
+            </a:r>
+            <a:r>
+              <a:rPr/>
+              <a:t> </a:t>
+            </a:r>
+            <a:r>
+              <a:rPr/>
+              <a:t>of</a:t>
+            </a:r>
+            <a:r>
+              <a:rPr/>
+              <a:t> </a:t>
+            </a:r>
+            <a:r>
+              <a:rPr/>
+              <a:t>nottem</a:t>
+            </a:r>
+          </a:p>
+        </p:txBody>
+      </p:sp>
+      <p:pic>
+        <p:nvPicPr>
+          <p:cNvPr descr="basics_files/figure-pptx/nottem-plot-1.png" id="0" name="Picture 1"/>
+          <p:cNvPicPr>
+            <a:picLocks noGrp="1" noChangeAspect="1"/>
+          </p:cNvPicPr>
+          <p:nvPr/>
+        </p:nvPicPr>
+        <p:blipFill>
+          <a:blip r:embed="rId2"/>
+          <a:stretch>
+            <a:fillRect/>
+          </a:stretch>
+        </p:blipFill>
+        <p:spPr bwMode="auto">
+          <a:xfrm>
+            <a:off x="457200" y="2032000"/>
+            <a:ext cx="8229600" cy="3657600"/>
+          </a:xfrm>
+          <a:prstGeom prst="rect">
+            <a:avLst/>
+          </a:prstGeom>
+          <a:noFill/>
+          <a:ln w="9525">
+            <a:noFill/>
+            <a:headEnd/>
+            <a:tailEnd/>
+          </a:ln>
+        </p:spPr>
+      </p:pic>
+    </p:spTree>
+  </p:cSld>
+</p:sld>
+</file>
+
+<file path=ppt/slides/slide54.xml><?xml version="1.0" encoding="utf-8"?>
+<p:sld xmlns:a="http://schemas.openxmlformats.org/drawingml/2006/main" xmlns:r="http://schemas.openxmlformats.org/officeDocument/2006/relationships" xmlns:p="http://schemas.openxmlformats.org/presentationml/2006/main">
+  <p:cSld>
+    <p:spTree>
+      <p:nvGrpSpPr>
+        <p:cNvPr id="1" name=""/>
+        <p:cNvGrpSpPr/>
+        <p:nvPr/>
+      </p:nvGrpSpPr>
+      <p:grpSpPr>
+        <a:xfrm>
+          <a:off x="0" y="0"/>
+          <a:ext cx="0" cy="0"/>
+          <a:chOff x="0" y="0"/>
+          <a:chExt cx="0" cy="0"/>
+        </a:xfrm>
+      </p:grpSpPr>
+      <p:sp>
+        <p:nvSpPr>
+          <p:cNvPr id="2" name="Title 1"/>
+          <p:cNvSpPr>
+            <a:spLocks noGrp="1"/>
+          </p:cNvSpPr>
+          <p:nvPr>
+            <p:ph type="title"/>
+          </p:nvPr>
+        </p:nvSpPr>
+        <p:spPr/>
+        <p:txBody>
+          <a:bodyPr/>
+          <a:lstStyle/>
+          <a:p>
+            <a:pPr lvl="0" marL="0" indent="0">
+              <a:buNone/>
+            </a:pPr>
+            <a:r>
+              <a:rPr/>
+              <a:t>Detrend</a:t>
+            </a:r>
+            <a:r>
+              <a:rPr/>
+              <a:t> </a:t>
+            </a:r>
+            <a:r>
+              <a:rPr/>
+              <a:t>and</a:t>
+            </a:r>
+            <a:r>
+              <a:rPr/>
+              <a:t> </a:t>
+            </a:r>
+            <a:r>
+              <a:rPr/>
+              <a:t>deseasonalize</a:t>
+            </a:r>
+            <a:r>
+              <a:rPr/>
+              <a:t> </a:t>
+            </a:r>
+            <a:r>
+              <a:rPr/>
+              <a:t>nottem</a:t>
+            </a:r>
+          </a:p>
+        </p:txBody>
+      </p:sp>
+      <p:pic>
+        <p:nvPicPr>
+          <p:cNvPr descr="basics_files/figure-pptx/nottem-decomp-1.png" id="0" name="Picture 1"/>
+          <p:cNvPicPr>
+            <a:picLocks noGrp="1" noChangeAspect="1"/>
+          </p:cNvPicPr>
+          <p:nvPr/>
+        </p:nvPicPr>
+        <p:blipFill>
+          <a:blip r:embed="rId2"/>
+          <a:stretch>
+            <a:fillRect/>
+          </a:stretch>
+        </p:blipFill>
+        <p:spPr bwMode="auto">
+          <a:xfrm>
+            <a:off x="457200" y="2032000"/>
+            <a:ext cx="8229600" cy="3657600"/>
+          </a:xfrm>
+          <a:prstGeom prst="rect">
+            <a:avLst/>
+          </a:prstGeom>
+          <a:noFill/>
+          <a:ln w="9525">
+            <a:noFill/>
+            <a:headEnd/>
+            <a:tailEnd/>
+          </a:ln>
+        </p:spPr>
+      </p:pic>
+    </p:spTree>
+  </p:cSld>
+</p:sld>
+</file>
+
+<file path=ppt/slides/slide55.xml><?xml version="1.0" encoding="utf-8"?>
+<p:sld xmlns:a="http://schemas.openxmlformats.org/drawingml/2006/main" xmlns:r="http://schemas.openxmlformats.org/officeDocument/2006/relationships" xmlns:p="http://schemas.openxmlformats.org/presentationml/2006/main">
+  <p:cSld>
+    <p:spTree>
+      <p:nvGrpSpPr>
+        <p:cNvPr id="1" name=""/>
+        <p:cNvGrpSpPr/>
+        <p:nvPr/>
+      </p:nvGrpSpPr>
+      <p:grpSpPr>
+        <a:xfrm>
+          <a:off x="0" y="0"/>
+          <a:ext cx="0" cy="0"/>
+          <a:chOff x="0" y="0"/>
+          <a:chExt cx="0" cy="0"/>
+        </a:xfrm>
+      </p:grpSpPr>
+      <p:sp>
+        <p:nvSpPr>
+          <p:cNvPr id="2" name="Title 1"/>
+          <p:cNvSpPr>
+            <a:spLocks noGrp="1"/>
+          </p:cNvSpPr>
+          <p:nvPr>
+            <p:ph type="title"/>
+          </p:nvPr>
+        </p:nvSpPr>
+        <p:spPr/>
+        <p:txBody>
+          <a:bodyPr/>
+          <a:lstStyle/>
+          <a:p>
+            <a:pPr lvl="0" marL="0" indent="0">
+              <a:buNone/>
+            </a:pPr>
+            <a:r>
+              <a:rPr/>
+              <a:t>acf</a:t>
+            </a:r>
+            <a:r>
+              <a:rPr/>
+              <a:t> </a:t>
+            </a:r>
+            <a:r>
+              <a:rPr/>
+              <a:t>and</a:t>
+            </a:r>
+            <a:r>
+              <a:rPr/>
+              <a:t> </a:t>
+            </a:r>
+            <a:r>
+              <a:rPr/>
+              <a:t>pacf</a:t>
+            </a:r>
+            <a:r>
+              <a:rPr/>
+              <a:t> </a:t>
+            </a:r>
+            <a:r>
+              <a:rPr/>
+              <a:t>for</a:t>
+            </a:r>
+            <a:r>
+              <a:rPr/>
+              <a:t> </a:t>
+            </a:r>
+            <a:r>
+              <a:rPr/>
+              <a:t>nottem</a:t>
+            </a:r>
+            <a:r>
+              <a:rPr/>
+              <a:t> </a:t>
+            </a:r>
+            <a:r>
+              <a:rPr/>
+              <a:t>data</a:t>
+            </a:r>
+          </a:p>
+        </p:txBody>
+      </p:sp>
+      <p:pic>
+        <p:nvPicPr>
+          <p:cNvPr descr="basics_files/figure-pptx/nottem-auto-1.png" id="0" name="Picture 1"/>
+          <p:cNvPicPr>
+            <a:picLocks noGrp="1" noChangeAspect="1"/>
+          </p:cNvPicPr>
+          <p:nvPr/>
+        </p:nvPicPr>
+        <p:blipFill>
+          <a:blip r:embed="rId2"/>
+          <a:stretch>
+            <a:fillRect/>
+          </a:stretch>
+        </p:blipFill>
+        <p:spPr bwMode="auto">
+          <a:xfrm>
+            <a:off x="457200" y="2032000"/>
+            <a:ext cx="8229600" cy="3657600"/>
+          </a:xfrm>
+          <a:prstGeom prst="rect">
+            <a:avLst/>
+          </a:prstGeom>
+          <a:noFill/>
+          <a:ln w="9525">
+            <a:noFill/>
+            <a:headEnd/>
+            <a:tailEnd/>
+          </a:ln>
+        </p:spPr>
+      </p:pic>
+    </p:spTree>
+  </p:cSld>
+</p:sld>
+</file>
+
+<file path=ppt/slides/slide56.xml><?xml version="1.0" encoding="utf-8"?>
+<p:sld xmlns:a="http://schemas.openxmlformats.org/drawingml/2006/main" xmlns:r="http://schemas.openxmlformats.org/officeDocument/2006/relationships" xmlns:p="http://schemas.openxmlformats.org/presentationml/2006/main">
+  <p:cSld>
+    <p:spTree>
+      <p:nvGrpSpPr>
+        <p:cNvPr id="1" name=""/>
+        <p:cNvGrpSpPr/>
+        <p:nvPr/>
+      </p:nvGrpSpPr>
+      <p:grpSpPr>
+        <a:xfrm>
+          <a:off x="0" y="0"/>
+          <a:ext cx="0" cy="0"/>
+          <a:chOff x="0" y="0"/>
+          <a:chExt cx="0" cy="0"/>
+        </a:xfrm>
+      </p:grpSpPr>
+      <p:sp>
+        <p:nvSpPr>
+          <p:cNvPr id="2" name="Title 1"/>
+          <p:cNvSpPr>
+            <a:spLocks noGrp="1"/>
+          </p:cNvSpPr>
+          <p:nvPr>
+            <p:ph type="title"/>
+          </p:nvPr>
+        </p:nvSpPr>
+        <p:spPr/>
+        <p:txBody>
+          <a:bodyPr/>
+          <a:lstStyle/>
+          <a:p>
+            <a:pPr lvl="0" marL="0" indent="0">
+              <a:buNone/>
+            </a:pPr>
+            <a:r>
+              <a:rPr/>
+              <a:t>Structure</a:t>
+            </a:r>
+            <a:r>
+              <a:rPr/>
+              <a:t> </a:t>
+            </a:r>
+            <a:r>
+              <a:rPr/>
+              <a:t>of</a:t>
+            </a:r>
+            <a:r>
+              <a:rPr/>
+              <a:t> </a:t>
+            </a:r>
+            <a:r>
+              <a:rPr/>
+              <a:t>sunspot.year</a:t>
+            </a:r>
+          </a:p>
+        </p:txBody>
+      </p:sp>
+      <p:sp>
+        <p:nvSpPr>
+          <p:cNvPr id="3" name="Content Placeholder 2"/>
+          <p:cNvSpPr>
+            <a:spLocks noGrp="1"/>
+          </p:cNvSpPr>
+          <p:nvPr>
+            <p:ph idx="1"/>
+          </p:nvPr>
+        </p:nvSpPr>
+        <p:spPr/>
+        <p:txBody>
+          <a:bodyPr/>
+          <a:lstStyle/>
+          <a:p>
+            <a:pPr lvl="0" marL="1270000" indent="0">
+              <a:buNone/>
+            </a:pPr>
+            <a:r>
+              <a:rPr sz="1800" b="1">
+                <a:solidFill>
+                  <a:srgbClr val="007020"/>
+                </a:solidFill>
+                <a:latin typeface="Courier"/>
+              </a:rPr>
+              <a:t>str</a:t>
+            </a:r>
+            <a:r>
+              <a:rPr sz="1800">
+                <a:latin typeface="Courier"/>
+              </a:rPr>
+              <a:t>(sunspot.year)</a:t>
+            </a:r>
+          </a:p>
+          <a:p>
+            <a:pPr lvl="0" marL="1270000" indent="0">
+              <a:buNone/>
+            </a:pPr>
+            <a:r>
+              <a:rPr sz="1800">
+                <a:latin typeface="Courier"/>
+              </a:rPr>
+              <a:t>##  Time-Series [1:289] from 1700 to 1988: 5 11 16 23 36 58 29 20 10 8 ...</a:t>
+            </a:r>
+          </a:p>
+          <a:p>
+            <a:pPr lvl="0" marL="1270000" indent="0">
+              <a:buNone/>
+            </a:pPr>
+            <a:r>
+              <a:rPr sz="1800" b="1">
+                <a:solidFill>
+                  <a:srgbClr val="007020"/>
+                </a:solidFill>
+                <a:latin typeface="Courier"/>
+              </a:rPr>
+              <a:t>attributes</a:t>
+            </a:r>
+            <a:r>
+              <a:rPr sz="1800">
+                <a:latin typeface="Courier"/>
+              </a:rPr>
+              <a:t>(sunspot.year)</a:t>
+            </a:r>
+          </a:p>
+          <a:p>
+            <a:pPr lvl="0" marL="1270000" indent="0">
+              <a:buNone/>
+            </a:pPr>
+            <a:r>
+              <a:rPr sz="1800">
+                <a:latin typeface="Courier"/>
+              </a:rPr>
+              <a:t>## $tsp
+## [1] 1700 1988    1
+## 
+## $class
+## [1] "ts"</a:t>
+            </a:r>
+          </a:p>
+        </p:txBody>
+      </p:sp>
+    </p:spTree>
+  </p:cSld>
+</p:sld>
+</file>
+
+<file path=ppt/slides/slide57.xml><?xml version="1.0" encoding="utf-8"?>
+<p:sld xmlns:a="http://schemas.openxmlformats.org/drawingml/2006/main" xmlns:r="http://schemas.openxmlformats.org/officeDocument/2006/relationships" xmlns:p="http://schemas.openxmlformats.org/presentationml/2006/main">
+  <p:cSld>
+    <p:spTree>
+      <p:nvGrpSpPr>
+        <p:cNvPr id="1" name=""/>
+        <p:cNvGrpSpPr/>
+        <p:nvPr/>
+      </p:nvGrpSpPr>
+      <p:grpSpPr>
+        <a:xfrm>
+          <a:off x="0" y="0"/>
+          <a:ext cx="0" cy="0"/>
+          <a:chOff x="0" y="0"/>
+          <a:chExt cx="0" cy="0"/>
+        </a:xfrm>
+      </p:grpSpPr>
+      <p:sp>
+        <p:nvSpPr>
+          <p:cNvPr id="2" name="Title 1"/>
+          <p:cNvSpPr>
+            <a:spLocks noGrp="1"/>
+          </p:cNvSpPr>
+          <p:nvPr>
+            <p:ph type="title"/>
+          </p:nvPr>
+        </p:nvSpPr>
+        <p:spPr/>
+        <p:txBody>
+          <a:bodyPr/>
+          <a:lstStyle/>
+          <a:p>
+            <a:pPr lvl="0" marL="0" indent="0">
+              <a:buNone/>
+            </a:pPr>
+            <a:r>
+              <a:rPr/>
+              <a:t>Plot</a:t>
+            </a:r>
+            <a:r>
+              <a:rPr/>
+              <a:t> </a:t>
+            </a:r>
+            <a:r>
+              <a:rPr/>
+              <a:t>of</a:t>
+            </a:r>
+            <a:r>
+              <a:rPr/>
+              <a:t> </a:t>
+            </a:r>
+            <a:r>
+              <a:rPr/>
+              <a:t>sunspot.year</a:t>
+            </a:r>
+          </a:p>
+        </p:txBody>
+      </p:sp>
+      <p:pic>
+        <p:nvPicPr>
+          <p:cNvPr descr="basics_files/figure-pptx/sunspot-plot-1.png" id="0" name="Picture 1"/>
+          <p:cNvPicPr>
+            <a:picLocks noGrp="1" noChangeAspect="1"/>
+          </p:cNvPicPr>
+          <p:nvPr/>
+        </p:nvPicPr>
+        <p:blipFill>
+          <a:blip r:embed="rId2"/>
+          <a:stretch>
+            <a:fillRect/>
+          </a:stretch>
+        </p:blipFill>
+        <p:spPr bwMode="auto">
+          <a:xfrm>
+            <a:off x="457200" y="2032000"/>
+            <a:ext cx="8229600" cy="3657600"/>
+          </a:xfrm>
+          <a:prstGeom prst="rect">
+            <a:avLst/>
+          </a:prstGeom>
+          <a:noFill/>
+          <a:ln w="9525">
+            <a:noFill/>
+            <a:headEnd/>
+            <a:tailEnd/>
+          </a:ln>
+        </p:spPr>
+      </p:pic>
+    </p:spTree>
+  </p:cSld>
+</p:sld>
+</file>
+
+<file path=ppt/slides/slide58.xml><?xml version="1.0" encoding="utf-8"?>
+<p:sld xmlns:a="http://schemas.openxmlformats.org/drawingml/2006/main" xmlns:r="http://schemas.openxmlformats.org/officeDocument/2006/relationships" xmlns:p="http://schemas.openxmlformats.org/presentationml/2006/main">
+  <p:cSld>
+    <p:spTree>
+      <p:nvGrpSpPr>
+        <p:cNvPr id="1" name=""/>
+        <p:cNvGrpSpPr/>
+        <p:nvPr/>
+      </p:nvGrpSpPr>
+      <p:grpSpPr>
+        <a:xfrm>
+          <a:off x="0" y="0"/>
+          <a:ext cx="0" cy="0"/>
+          <a:chOff x="0" y="0"/>
+          <a:chExt cx="0" cy="0"/>
+        </a:xfrm>
+      </p:grpSpPr>
+      <p:sp>
+        <p:nvSpPr>
+          <p:cNvPr id="2" name="Title 1"/>
+          <p:cNvSpPr>
+            <a:spLocks noGrp="1"/>
+          </p:cNvSpPr>
+          <p:nvPr>
+            <p:ph type="title"/>
+          </p:nvPr>
+        </p:nvSpPr>
+        <p:spPr/>
+        <p:txBody>
+          <a:bodyPr/>
+          <a:lstStyle/>
+          <a:p>
+            <a:pPr lvl="0" marL="0" indent="0">
+              <a:buNone/>
+            </a:pPr>
+            <a:r>
+              <a:rPr/>
+              <a:t>Structure</a:t>
+            </a:r>
+            <a:r>
+              <a:rPr/>
+              <a:t> </a:t>
+            </a:r>
+            <a:r>
+              <a:rPr/>
+              <a:t>of</a:t>
+            </a:r>
+            <a:r>
+              <a:rPr/>
+              <a:t> </a:t>
+            </a:r>
+            <a:r>
+              <a:rPr/>
+              <a:t>treering</a:t>
+            </a:r>
+          </a:p>
+        </p:txBody>
+      </p:sp>
+      <p:sp>
+        <p:nvSpPr>
+          <p:cNvPr id="3" name="Content Placeholder 2"/>
+          <p:cNvSpPr>
+            <a:spLocks noGrp="1"/>
+          </p:cNvSpPr>
+          <p:nvPr>
+            <p:ph idx="1"/>
+          </p:nvPr>
+        </p:nvSpPr>
+        <p:spPr/>
+        <p:txBody>
+          <a:bodyPr/>
+          <a:lstStyle/>
+          <a:p>
+            <a:pPr lvl="0" marL="1270000" indent="0">
+              <a:buNone/>
+            </a:pPr>
+            <a:r>
+              <a:rPr sz="1800" b="1">
+                <a:solidFill>
+                  <a:srgbClr val="007020"/>
+                </a:solidFill>
+                <a:latin typeface="Courier"/>
+              </a:rPr>
+              <a:t>str</a:t>
+            </a:r>
+            <a:r>
+              <a:rPr sz="1800">
+                <a:latin typeface="Courier"/>
+              </a:rPr>
+              <a:t>(treering)</a:t>
+            </a:r>
+          </a:p>
+          <a:p>
+            <a:pPr lvl="0" marL="1270000" indent="0">
+              <a:buNone/>
+            </a:pPr>
+            <a:r>
+              <a:rPr sz="1800">
+                <a:latin typeface="Courier"/>
+              </a:rPr>
+              <a:t>##  Time-Series [1:7980] from -6000 to 1979: 1.34 1.08 1.54 1.32 1.41 ...</a:t>
+            </a:r>
+          </a:p>
+          <a:p>
+            <a:pPr lvl="0" marL="1270000" indent="0">
+              <a:buNone/>
+            </a:pPr>
+            <a:r>
+              <a:rPr sz="1800" b="1">
+                <a:solidFill>
+                  <a:srgbClr val="007020"/>
+                </a:solidFill>
+                <a:latin typeface="Courier"/>
+              </a:rPr>
+              <a:t>attributes</a:t>
+            </a:r>
+            <a:r>
+              <a:rPr sz="1800">
+                <a:latin typeface="Courier"/>
+              </a:rPr>
+              <a:t>(treering)</a:t>
+            </a:r>
+          </a:p>
+          <a:p>
+            <a:pPr lvl="0" marL="1270000" indent="0">
+              <a:buNone/>
+            </a:pPr>
+            <a:r>
+              <a:rPr sz="1800">
+                <a:latin typeface="Courier"/>
+              </a:rPr>
+              <a:t>## $tsp
+## [1] -6000  1979     1
+## 
+## $class
+## [1] "ts"</a:t>
+            </a:r>
+          </a:p>
+        </p:txBody>
+      </p:sp>
+    </p:spTree>
+  </p:cSld>
+</p:sld>
+</file>
+
+<file path=ppt/slides/slide59.xml><?xml version="1.0" encoding="utf-8"?>
+<p:sld xmlns:a="http://schemas.openxmlformats.org/drawingml/2006/main" xmlns:r="http://schemas.openxmlformats.org/officeDocument/2006/relationships" xmlns:p="http://schemas.openxmlformats.org/presentationml/2006/main">
+  <p:cSld>
+    <p:spTree>
+      <p:nvGrpSpPr>
+        <p:cNvPr id="1" name=""/>
+        <p:cNvGrpSpPr/>
+        <p:nvPr/>
+      </p:nvGrpSpPr>
+      <p:grpSpPr>
+        <a:xfrm>
+          <a:off x="0" y="0"/>
+          <a:ext cx="0" cy="0"/>
+          <a:chOff x="0" y="0"/>
+          <a:chExt cx="0" cy="0"/>
+        </a:xfrm>
+      </p:grpSpPr>
+      <p:sp>
+        <p:nvSpPr>
+          <p:cNvPr id="2" name="Title 1"/>
+          <p:cNvSpPr>
+            <a:spLocks noGrp="1"/>
+          </p:cNvSpPr>
+          <p:nvPr>
+            <p:ph type="title"/>
+          </p:nvPr>
+        </p:nvSpPr>
+        <p:spPr/>
+        <p:txBody>
+          <a:bodyPr/>
+          <a:lstStyle/>
+          <a:p>
+            <a:pPr lvl="0" marL="0" indent="0">
+              <a:buNone/>
+            </a:pPr>
+            <a:r>
+              <a:rPr/>
+              <a:t>Plot</a:t>
+            </a:r>
+            <a:r>
+              <a:rPr/>
+              <a:t> </a:t>
+            </a:r>
+            <a:r>
+              <a:rPr/>
+              <a:t>of</a:t>
+            </a:r>
+            <a:r>
+              <a:rPr/>
+              <a:t> </a:t>
+            </a:r>
+            <a:r>
+              <a:rPr/>
+              <a:t>treering</a:t>
+            </a:r>
+          </a:p>
+        </p:txBody>
+      </p:sp>
+      <p:pic>
+        <p:nvPicPr>
+          <p:cNvPr descr="basics_files/figure-pptx/treering-plot-1.png" id="0" name="Picture 1"/>
+          <p:cNvPicPr>
+            <a:picLocks noGrp="1" noChangeAspect="1"/>
+          </p:cNvPicPr>
+          <p:nvPr/>
+        </p:nvPicPr>
+        <p:blipFill>
+          <a:blip r:embed="rId2"/>
+          <a:stretch>
+            <a:fillRect/>
+          </a:stretch>
+        </p:blipFill>
+        <p:spPr bwMode="auto">
+          <a:xfrm>
+            <a:off x="457200" y="2032000"/>
+            <a:ext cx="8229600" cy="3657600"/>
+          </a:xfrm>
+          <a:prstGeom prst="rect">
+            <a:avLst/>
+          </a:prstGeom>
+          <a:noFill/>
+          <a:ln w="9525">
+            <a:noFill/>
+            <a:headEnd/>
+            <a:tailEnd/>
+          </a:ln>
+        </p:spPr>
+      </p:pic>
     </p:spTree>
   </p:cSld>
 </p:sld>
@@ -9234,7 +10869,502 @@
             </a:pPr>
             <a:r>
               <a:rPr/>
-              <a:t>Structure</a:t>
+              <a:t>Autocorrelation</a:t>
+            </a:r>
+            <a:r>
+              <a:rPr/>
+              <a:t> </a:t>
+            </a:r>
+            <a:r>
+              <a:rPr/>
+              <a:t>and</a:t>
+            </a:r>
+            <a:r>
+              <a:rPr/>
+              <a:t> </a:t>
+            </a:r>
+            <a:r>
+              <a:rPr/>
+              <a:t>partial</a:t>
+            </a:r>
+            <a:r>
+              <a:rPr/>
+              <a:t> </a:t>
+            </a:r>
+            <a:r>
+              <a:rPr/>
+              <a:t>autocorrelation</a:t>
+            </a:r>
+          </a:p>
+        </p:txBody>
+      </p:sp>
+      <mc:AlternateContent xmlns:mc="http://schemas.openxmlformats.org/markup-compatibility/2006">
+        <mc:Choice xmlns:a14="http://schemas.microsoft.com/office/drawing/2010/main" Requires="a14">
+          <p:sp>
+            <p:nvSpPr>
+              <p:cNvPr id="3" name="Content Placeholder 2"/>
+              <p:cNvSpPr>
+                <a:spLocks noGrp="1"/>
+              </p:cNvSpPr>
+              <p:nvPr>
+                <p:ph idx="1"/>
+              </p:nvPr>
+            </p:nvSpPr>
+            <p:spPr/>
+            <p:txBody>
+              <a:bodyPr/>
+              <a:lstStyle/>
+              <a:p>
+                <a:pPr lvl="1"/>
+                <a:r>
+                  <a:rPr/>
+                  <a:t>acf function</a:t>
+                </a:r>
+              </a:p>
+              <a:p>
+                <a:pPr lvl="2"/>
+                <a:r>
+                  <a:rPr/>
+                  <a:t>Plots corr(</a:t>
+                </a:r>
+                <a14:m>
+                  <m:oMath xmlns:m="http://schemas.openxmlformats.org/officeDocument/2006/math">
+                    <m:sSub>
+                      <m:e>
+                        <m:r>
+                          <m:t>Z</m:t>
+                        </m:r>
+                      </m:e>
+                      <m:sub>
+                        <m:r>
+                          <m:t>t</m:t>
+                        </m:r>
+                      </m:sub>
+                    </m:sSub>
+                    <m:r>
+                      <m:t>,</m:t>
+                    </m:r>
+                    <m:sSub>
+                      <m:e>
+                        <m:r>
+                          <m:t>Z</m:t>
+                        </m:r>
+                      </m:e>
+                      <m:sub>
+                        <m:r>
+                          <m:t>t</m:t>
+                        </m:r>
+                        <m:r>
+                          <m:t>−</m:t>
+                        </m:r>
+                        <m:r>
+                          <m:t>k</m:t>
+                        </m:r>
+                      </m:sub>
+                    </m:sSub>
+                  </m:oMath>
+                </a14:m>
+                <a:r>
+                  <a:rPr/>
+                  <a:t>) for k=1, 2, …</a:t>
+                </a:r>
+              </a:p>
+              <a:p>
+                <a:pPr lvl="1"/>
+                <a:r>
+                  <a:rPr/>
+                  <a:t>pacf function</a:t>
+                </a:r>
+              </a:p>
+              <a:p>
+                <a:pPr lvl="2"/>
+                <a:r>
+                  <a:rPr/>
+                  <a:t>Plots corr(</a:t>
+                </a:r>
+                <a14:m>
+                  <m:oMath xmlns:m="http://schemas.openxmlformats.org/officeDocument/2006/math">
+                    <m:sSub>
+                      <m:e>
+                        <m:r>
+                          <m:t>Z</m:t>
+                        </m:r>
+                      </m:e>
+                      <m:sub>
+                        <m:r>
+                          <m:t>t</m:t>
+                        </m:r>
+                      </m:sub>
+                    </m:sSub>
+                    <m:r>
+                      <m:t>,</m:t>
+                    </m:r>
+                    <m:sSub>
+                      <m:e>
+                        <m:r>
+                          <m:t>Z</m:t>
+                        </m:r>
+                      </m:e>
+                      <m:sub>
+                        <m:r>
+                          <m:t>t</m:t>
+                        </m:r>
+                        <m:r>
+                          <m:t>−</m:t>
+                        </m:r>
+                        <m:r>
+                          <m:t>k</m:t>
+                        </m:r>
+                      </m:sub>
+                    </m:sSub>
+                    <m:r>
+                      <m:t>|</m:t>
+                    </m:r>
+                    <m:sSub>
+                      <m:e>
+                        <m:r>
+                          <m:t>Z</m:t>
+                        </m:r>
+                      </m:e>
+                      <m:sub>
+                        <m:r>
+                          <m:t>t</m:t>
+                        </m:r>
+                        <m:r>
+                          <m:t>−</m:t>
+                        </m:r>
+                        <m:r>
+                          <m:t>1</m:t>
+                        </m:r>
+                      </m:sub>
+                    </m:sSub>
+                    <m:r>
+                      <m:t>,</m:t>
+                    </m:r>
+                    <m:r>
+                      <m:t>.</m:t>
+                    </m:r>
+                    <m:r>
+                      <m:t>.</m:t>
+                    </m:r>
+                    <m:r>
+                      <m:t>.</m:t>
+                    </m:r>
+                    <m:r>
+                      <m:t>,</m:t>
+                    </m:r>
+                    <m:sSub>
+                      <m:e>
+                        <m:r>
+                          <m:t>Z</m:t>
+                        </m:r>
+                      </m:e>
+                      <m:sub>
+                        <m:r>
+                          <m:t>t</m:t>
+                        </m:r>
+                        <m:r>
+                          <m:t>−</m:t>
+                        </m:r>
+                        <m:r>
+                          <m:t>k</m:t>
+                        </m:r>
+                        <m:r>
+                          <m:t>+</m:t>
+                        </m:r>
+                        <m:r>
+                          <m:t>1</m:t>
+                        </m:r>
+                      </m:sub>
+                    </m:sSub>
+                  </m:oMath>
+                </a14:m>
+                <a:r>
+                  <a:rPr/>
+                  <a:t>) for k=2, 3, …</a:t>
+                </a:r>
+              </a:p>
+            </p:txBody>
+          </p:sp>
+        </mc:Choice>
+      </mc:AlternateContent>
+    </p:spTree>
+  </p:cSld>
+</p:sld>
+</file>
+
+<file path=ppt/slides/slide60.xml><?xml version="1.0" encoding="utf-8"?>
+<p:sld xmlns:a="http://schemas.openxmlformats.org/drawingml/2006/main" xmlns:r="http://schemas.openxmlformats.org/officeDocument/2006/relationships" xmlns:p="http://schemas.openxmlformats.org/presentationml/2006/main">
+  <p:cSld>
+    <p:spTree>
+      <p:nvGrpSpPr>
+        <p:cNvPr id="1" name=""/>
+        <p:cNvGrpSpPr/>
+        <p:nvPr/>
+      </p:nvGrpSpPr>
+      <p:grpSpPr>
+        <a:xfrm>
+          <a:off x="0" y="0"/>
+          <a:ext cx="0" cy="0"/>
+          <a:chOff x="0" y="0"/>
+          <a:chExt cx="0" cy="0"/>
+        </a:xfrm>
+      </p:grpSpPr>
+      <p:sp>
+        <p:nvSpPr>
+          <p:cNvPr id="2" name="Title 1"/>
+          <p:cNvSpPr>
+            <a:spLocks noGrp="1"/>
+          </p:cNvSpPr>
+          <p:nvPr>
+            <p:ph type="title"/>
+          </p:nvPr>
+        </p:nvSpPr>
+        <p:spPr/>
+        <p:txBody>
+          <a:bodyPr/>
+          <a:lstStyle/>
+          <a:p>
+            <a:pPr lvl="0" marL="0" indent="0">
+              <a:buNone/>
+            </a:pPr>
+            <a:r>
+              <a:rPr/>
+              <a:t>acf</a:t>
+            </a:r>
+            <a:r>
+              <a:rPr/>
+              <a:t> </a:t>
+            </a:r>
+            <a:r>
+              <a:rPr/>
+              <a:t>and</a:t>
+            </a:r>
+            <a:r>
+              <a:rPr/>
+              <a:t> </a:t>
+            </a:r>
+            <a:r>
+              <a:rPr/>
+              <a:t>pacf</a:t>
+            </a:r>
+            <a:r>
+              <a:rPr/>
+              <a:t> </a:t>
+            </a:r>
+            <a:r>
+              <a:rPr/>
+              <a:t>for</a:t>
+            </a:r>
+            <a:r>
+              <a:rPr/>
+              <a:t> </a:t>
+            </a:r>
+            <a:r>
+              <a:rPr/>
+              <a:t>treering</a:t>
+            </a:r>
+            <a:r>
+              <a:rPr/>
+              <a:t> </a:t>
+            </a:r>
+            <a:r>
+              <a:rPr/>
+              <a:t>data</a:t>
+            </a:r>
+          </a:p>
+        </p:txBody>
+      </p:sp>
+      <p:pic>
+        <p:nvPicPr>
+          <p:cNvPr descr="basics_files/figure-pptx/treering-auto-1.png" id="0" name="Picture 1"/>
+          <p:cNvPicPr>
+            <a:picLocks noGrp="1" noChangeAspect="1"/>
+          </p:cNvPicPr>
+          <p:nvPr/>
+        </p:nvPicPr>
+        <p:blipFill>
+          <a:blip r:embed="rId2"/>
+          <a:stretch>
+            <a:fillRect/>
+          </a:stretch>
+        </p:blipFill>
+        <p:spPr bwMode="auto">
+          <a:xfrm>
+            <a:off x="457200" y="2032000"/>
+            <a:ext cx="8229600" cy="3657600"/>
+          </a:xfrm>
+          <a:prstGeom prst="rect">
+            <a:avLst/>
+          </a:prstGeom>
+          <a:noFill/>
+          <a:ln w="9525">
+            <a:noFill/>
+            <a:headEnd/>
+            <a:tailEnd/>
+          </a:ln>
+        </p:spPr>
+      </p:pic>
+    </p:spTree>
+  </p:cSld>
+</p:sld>
+</file>
+
+<file path=ppt/slides/slide61.xml><?xml version="1.0" encoding="utf-8"?>
+<p:sld xmlns:a="http://schemas.openxmlformats.org/drawingml/2006/main" xmlns:r="http://schemas.openxmlformats.org/officeDocument/2006/relationships" xmlns:p="http://schemas.openxmlformats.org/presentationml/2006/main">
+  <p:cSld>
+    <p:spTree>
+      <p:nvGrpSpPr>
+        <p:cNvPr id="1" name=""/>
+        <p:cNvGrpSpPr/>
+        <p:nvPr/>
+      </p:nvGrpSpPr>
+      <p:grpSpPr>
+        <a:xfrm>
+          <a:off x="0" y="0"/>
+          <a:ext cx="0" cy="0"/>
+          <a:chOff x="0" y="0"/>
+          <a:chExt cx="0" cy="0"/>
+        </a:xfrm>
+      </p:grpSpPr>
+      <p:sp>
+        <p:nvSpPr>
+          <p:cNvPr id="2" name="Title 1"/>
+          <p:cNvSpPr>
+            <a:spLocks noGrp="1"/>
+          </p:cNvSpPr>
+          <p:nvPr>
+            <p:ph type="title"/>
+          </p:nvPr>
+        </p:nvSpPr>
+        <p:spPr/>
+        <p:txBody>
+          <a:bodyPr/>
+          <a:lstStyle/>
+          <a:p>
+            <a:pPr lvl="0" marL="0" indent="0">
+              <a:buNone/>
+            </a:pPr>
+            <a:r>
+              <a:rPr/>
+              <a:t>acf</a:t>
+            </a:r>
+            <a:r>
+              <a:rPr/>
+              <a:t> </a:t>
+            </a:r>
+            <a:r>
+              <a:rPr/>
+              <a:t>and</a:t>
+            </a:r>
+            <a:r>
+              <a:rPr/>
+              <a:t> </a:t>
+            </a:r>
+            <a:r>
+              <a:rPr/>
+              <a:t>pacf</a:t>
+            </a:r>
+            <a:r>
+              <a:rPr/>
+              <a:t> </a:t>
+            </a:r>
+            <a:r>
+              <a:rPr/>
+              <a:t>for</a:t>
+            </a:r>
+            <a:r>
+              <a:rPr/>
+              <a:t> </a:t>
+            </a:r>
+            <a:r>
+              <a:rPr/>
+              <a:t>treering</a:t>
+            </a:r>
+            <a:r>
+              <a:rPr/>
+              <a:t> </a:t>
+            </a:r>
+            <a:r>
+              <a:rPr/>
+              <a:t>data</a:t>
+            </a:r>
+          </a:p>
+        </p:txBody>
+      </p:sp>
+      <p:pic>
+        <p:nvPicPr>
+          <p:cNvPr descr="basics_files/figure-pptx/diff-treering-auto-1.png" id="0" name="Picture 1"/>
+          <p:cNvPicPr>
+            <a:picLocks noGrp="1" noChangeAspect="1"/>
+          </p:cNvPicPr>
+          <p:nvPr/>
+        </p:nvPicPr>
+        <p:blipFill>
+          <a:blip r:embed="rId2"/>
+          <a:stretch>
+            <a:fillRect/>
+          </a:stretch>
+        </p:blipFill>
+        <p:spPr bwMode="auto">
+          <a:xfrm>
+            <a:off x="457200" y="2032000"/>
+            <a:ext cx="8229600" cy="3657600"/>
+          </a:xfrm>
+          <a:prstGeom prst="rect">
+            <a:avLst/>
+          </a:prstGeom>
+          <a:noFill/>
+          <a:ln w="9525">
+            <a:noFill/>
+            <a:headEnd/>
+            <a:tailEnd/>
+          </a:ln>
+        </p:spPr>
+      </p:pic>
+    </p:spTree>
+  </p:cSld>
+</p:sld>
+</file>
+
+<file path=ppt/slides/slide62.xml><?xml version="1.0" encoding="utf-8"?>
+<p:sld xmlns:a="http://schemas.openxmlformats.org/drawingml/2006/main" xmlns:r="http://schemas.openxmlformats.org/officeDocument/2006/relationships" xmlns:p="http://schemas.openxmlformats.org/presentationml/2006/main">
+  <p:cSld>
+    <p:spTree>
+      <p:nvGrpSpPr>
+        <p:cNvPr id="1" name=""/>
+        <p:cNvGrpSpPr/>
+        <p:nvPr/>
+      </p:nvGrpSpPr>
+      <p:grpSpPr>
+        <a:xfrm>
+          <a:off x="0" y="0"/>
+          <a:ext cx="0" cy="0"/>
+          <a:chOff x="0" y="0"/>
+          <a:chExt cx="0" cy="0"/>
+        </a:xfrm>
+      </p:grpSpPr>
+      <p:sp>
+        <p:nvSpPr>
+          <p:cNvPr id="2" name="Title 1"/>
+          <p:cNvSpPr>
+            <a:spLocks noGrp="1"/>
+          </p:cNvSpPr>
+          <p:nvPr>
+            <p:ph type="title"/>
+          </p:nvPr>
+        </p:nvSpPr>
+        <p:spPr/>
+        <p:txBody>
+          <a:bodyPr/>
+          <a:lstStyle/>
+          <a:p>
+            <a:pPr lvl="0" marL="0" indent="0">
+              <a:buNone/>
+            </a:pPr>
+            <a:r>
+              <a:rPr/>
+              <a:t>UKDriverDeaths</a:t>
             </a:r>
           </a:p>
         </p:txBody>
@@ -9254,35 +11384,808 @@
           <a:bodyPr/>
           <a:lstStyle/>
           <a:p>
+            <a:pPr lvl="0" marL="1270000" indent="0">
+              <a:buNone/>
+            </a:pPr>
+            <a:r>
+              <a:rPr sz="1800" b="1">
+                <a:solidFill>
+                  <a:srgbClr val="007020"/>
+                </a:solidFill>
+                <a:latin typeface="Courier"/>
+              </a:rPr>
+              <a:t>str</a:t>
+            </a:r>
+            <a:r>
+              <a:rPr sz="1800">
+                <a:latin typeface="Courier"/>
+              </a:rPr>
+              <a:t>(UKDriverDeaths)</a:t>
+            </a:r>
+          </a:p>
+          <a:p>
+            <a:pPr lvl="0" marL="1270000" indent="0">
+              <a:buNone/>
+            </a:pPr>
+            <a:r>
+              <a:rPr sz="1800">
+                <a:latin typeface="Courier"/>
+              </a:rPr>
+              <a:t>##  Time-Series [1:192] from 1969 to 1985: 1687 1508 1507 1385 1632 ...</a:t>
+            </a:r>
+          </a:p>
+          <a:p>
+            <a:pPr lvl="0" marL="1270000" indent="0">
+              <a:buNone/>
+            </a:pPr>
+            <a:r>
+              <a:rPr sz="1800" b="1">
+                <a:solidFill>
+                  <a:srgbClr val="007020"/>
+                </a:solidFill>
+                <a:latin typeface="Courier"/>
+              </a:rPr>
+              <a:t>attributes</a:t>
+            </a:r>
+            <a:r>
+              <a:rPr sz="1800">
+                <a:latin typeface="Courier"/>
+              </a:rPr>
+              <a:t>(UKDriverDeaths)</a:t>
+            </a:r>
+          </a:p>
+          <a:p>
+            <a:pPr lvl="0" marL="1270000" indent="0">
+              <a:buNone/>
+            </a:pPr>
+            <a:r>
+              <a:rPr sz="1800">
+                <a:latin typeface="Courier"/>
+              </a:rPr>
+              <a:t>## $tsp
+## [1] 1969.000 1984.917   12.000
+## 
+## $class
+## [1] "ts"</a:t>
+            </a:r>
+          </a:p>
+        </p:txBody>
+      </p:sp>
+    </p:spTree>
+  </p:cSld>
+</p:sld>
+</file>
+
+<file path=ppt/slides/slide63.xml><?xml version="1.0" encoding="utf-8"?>
+<p:sld xmlns:a="http://schemas.openxmlformats.org/drawingml/2006/main" xmlns:r="http://schemas.openxmlformats.org/officeDocument/2006/relationships" xmlns:p="http://schemas.openxmlformats.org/presentationml/2006/main">
+  <p:cSld>
+    <p:spTree>
+      <p:nvGrpSpPr>
+        <p:cNvPr id="1" name=""/>
+        <p:cNvGrpSpPr/>
+        <p:nvPr/>
+      </p:nvGrpSpPr>
+      <p:grpSpPr>
+        <a:xfrm>
+          <a:off x="0" y="0"/>
+          <a:ext cx="0" cy="0"/>
+          <a:chOff x="0" y="0"/>
+          <a:chExt cx="0" cy="0"/>
+        </a:xfrm>
+      </p:grpSpPr>
+      <p:sp>
+        <p:nvSpPr>
+          <p:cNvPr id="2" name="Title 1"/>
+          <p:cNvSpPr>
+            <a:spLocks noGrp="1"/>
+          </p:cNvSpPr>
+          <p:nvPr>
+            <p:ph type="title"/>
+          </p:nvPr>
+        </p:nvSpPr>
+        <p:spPr/>
+        <p:txBody>
+          <a:bodyPr/>
+          <a:lstStyle/>
+          <a:p>
             <a:pPr lvl="0" marL="0" indent="0">
               <a:buNone/>
             </a:pPr>
             <a:r>
               <a:rPr/>
-              <a:t>The base R package has an object class, ts. You can specify three parameters: start, stop, and frequency. You do not need to place your data in a ts object before running time series analyses.</a:t>
-            </a:r>
-          </a:p>
+              <a:t>Plot</a:t>
+            </a:r>
+            <a:r>
+              <a:rPr/>
+              <a:t> </a:t>
+            </a:r>
+            <a:r>
+              <a:rPr/>
+              <a:t>UKDriverDeaths</a:t>
+            </a:r>
+          </a:p>
+        </p:txBody>
+      </p:sp>
+      <p:pic>
+        <p:nvPicPr>
+          <p:cNvPr descr="basics_files/figure-pptx/UKDriverDeaths-plot-1.png" id="0" name="Picture 1"/>
+          <p:cNvPicPr>
+            <a:picLocks noGrp="1" noChangeAspect="1"/>
+          </p:cNvPicPr>
+          <p:nvPr/>
+        </p:nvPicPr>
+        <p:blipFill>
+          <a:blip r:embed="rId2"/>
+          <a:stretch>
+            <a:fillRect/>
+          </a:stretch>
+        </p:blipFill>
+        <p:spPr bwMode="auto">
+          <a:xfrm>
+            <a:off x="457200" y="2032000"/>
+            <a:ext cx="8229600" cy="3657600"/>
+          </a:xfrm>
+          <a:prstGeom prst="rect">
+            <a:avLst/>
+          </a:prstGeom>
+          <a:noFill/>
+          <a:ln w="9525">
+            <a:noFill/>
+            <a:headEnd/>
+            <a:tailEnd/>
+          </a:ln>
+        </p:spPr>
+      </p:pic>
+    </p:spTree>
+  </p:cSld>
+</p:sld>
+</file>
+
+<file path=ppt/slides/slide64.xml><?xml version="1.0" encoding="utf-8"?>
+<p:sld xmlns:a="http://schemas.openxmlformats.org/drawingml/2006/main" xmlns:r="http://schemas.openxmlformats.org/officeDocument/2006/relationships" xmlns:p="http://schemas.openxmlformats.org/presentationml/2006/main">
+  <p:cSld>
+    <p:spTree>
+      <p:nvGrpSpPr>
+        <p:cNvPr id="1" name=""/>
+        <p:cNvGrpSpPr/>
+        <p:nvPr/>
+      </p:nvGrpSpPr>
+      <p:grpSpPr>
+        <a:xfrm>
+          <a:off x="0" y="0"/>
+          <a:ext cx="0" cy="0"/>
+          <a:chOff x="0" y="0"/>
+          <a:chExt cx="0" cy="0"/>
+        </a:xfrm>
+      </p:grpSpPr>
+      <p:sp>
+        <p:nvSpPr>
+          <p:cNvPr id="2" name="Title 1"/>
+          <p:cNvSpPr>
+            <a:spLocks noGrp="1"/>
+          </p:cNvSpPr>
+          <p:nvPr>
+            <p:ph type="title"/>
+          </p:nvPr>
+        </p:nvSpPr>
+        <p:spPr/>
+        <p:txBody>
+          <a:bodyPr/>
+          <a:lstStyle/>
           <a:p>
             <a:pPr lvl="0" marL="0" indent="0">
               <a:buNone/>
             </a:pPr>
             <a:r>
               <a:rPr/>
-              <a:t>There is a new class, tsibble, that I have not had a chance to work with. It is based on the principles of tidy data. Read the </a:t>
-            </a:r>
-            <a:r>
-              <a:rPr>
-                <a:hlinkClick r:id="rId2"/>
+              <a:t>Detrend</a:t>
+            </a:r>
+            <a:r>
+              <a:rPr/>
+              <a:t> </a:t>
+            </a:r>
+            <a:r>
+              <a:rPr/>
+              <a:t>and</a:t>
+            </a:r>
+            <a:r>
+              <a:rPr/>
+              <a:t> </a:t>
+            </a:r>
+            <a:r>
+              <a:rPr/>
+              <a:t>deseasonalize</a:t>
+            </a:r>
+            <a:r>
+              <a:rPr/>
+              <a:t> </a:t>
+            </a:r>
+            <a:r>
+              <a:rPr/>
+              <a:t>UKDriverDeaths</a:t>
+            </a:r>
+          </a:p>
+        </p:txBody>
+      </p:sp>
+      <p:pic>
+        <p:nvPicPr>
+          <p:cNvPr descr="basics_files/figure-pptx/UKDriverDeaths-decomp-1.png" id="0" name="Picture 1"/>
+          <p:cNvPicPr>
+            <a:picLocks noGrp="1" noChangeAspect="1"/>
+          </p:cNvPicPr>
+          <p:nvPr/>
+        </p:nvPicPr>
+        <p:blipFill>
+          <a:blip r:embed="rId2"/>
+          <a:stretch>
+            <a:fillRect/>
+          </a:stretch>
+        </p:blipFill>
+        <p:spPr bwMode="auto">
+          <a:xfrm>
+            <a:off x="457200" y="2032000"/>
+            <a:ext cx="8229600" cy="3657600"/>
+          </a:xfrm>
+          <a:prstGeom prst="rect">
+            <a:avLst/>
+          </a:prstGeom>
+          <a:noFill/>
+          <a:ln w="9525">
+            <a:noFill/>
+            <a:headEnd/>
+            <a:tailEnd/>
+          </a:ln>
+        </p:spPr>
+      </p:pic>
+    </p:spTree>
+  </p:cSld>
+</p:sld>
+</file>
+
+<file path=ppt/slides/slide65.xml><?xml version="1.0" encoding="utf-8"?>
+<p:sld xmlns:a="http://schemas.openxmlformats.org/drawingml/2006/main" xmlns:r="http://schemas.openxmlformats.org/officeDocument/2006/relationships" xmlns:p="http://schemas.openxmlformats.org/presentationml/2006/main">
+  <p:cSld>
+    <p:spTree>
+      <p:nvGrpSpPr>
+        <p:cNvPr id="1" name=""/>
+        <p:cNvGrpSpPr/>
+        <p:nvPr/>
+      </p:nvGrpSpPr>
+      <p:grpSpPr>
+        <a:xfrm>
+          <a:off x="0" y="0"/>
+          <a:ext cx="0" cy="0"/>
+          <a:chOff x="0" y="0"/>
+          <a:chExt cx="0" cy="0"/>
+        </a:xfrm>
+      </p:grpSpPr>
+      <p:sp>
+        <p:nvSpPr>
+          <p:cNvPr id="2" name="Title 1"/>
+          <p:cNvSpPr>
+            <a:spLocks noGrp="1"/>
+          </p:cNvSpPr>
+          <p:nvPr>
+            <p:ph type="title"/>
+          </p:nvPr>
+        </p:nvSpPr>
+        <p:spPr/>
+        <p:txBody>
+          <a:bodyPr/>
+          <a:lstStyle/>
+          <a:p>
+            <a:pPr lvl="0" marL="0" indent="0">
+              <a:buNone/>
+            </a:pPr>
+            <a:r>
+              <a:rPr/>
+              <a:t>acf</a:t>
+            </a:r>
+            <a:r>
+              <a:rPr/>
+              <a:t> </a:t>
+            </a:r>
+            <a:r>
+              <a:rPr/>
+              <a:t>and</a:t>
+            </a:r>
+            <a:r>
+              <a:rPr/>
+              <a:t> </a:t>
+            </a:r>
+            <a:r>
+              <a:rPr/>
+              <a:t>pacf</a:t>
+            </a:r>
+            <a:r>
+              <a:rPr/>
+              <a:t> </a:t>
+            </a:r>
+            <a:r>
+              <a:rPr/>
+              <a:t>for</a:t>
+            </a:r>
+            <a:r>
+              <a:rPr/>
+              <a:t> </a:t>
+            </a:r>
+            <a:r>
+              <a:rPr/>
+              <a:t>UKDriverDeaths</a:t>
+            </a:r>
+            <a:r>
+              <a:rPr/>
+              <a:t> </a:t>
+            </a:r>
+            <a:r>
+              <a:rPr/>
+              <a:t>data</a:t>
+            </a:r>
+          </a:p>
+        </p:txBody>
+      </p:sp>
+      <p:pic>
+        <p:nvPicPr>
+          <p:cNvPr descr="basics_files/figure-pptx/UKDriverDeaths-auto-1.png" id="0" name="Picture 1"/>
+          <p:cNvPicPr>
+            <a:picLocks noGrp="1" noChangeAspect="1"/>
+          </p:cNvPicPr>
+          <p:nvPr/>
+        </p:nvPicPr>
+        <p:blipFill>
+          <a:blip r:embed="rId2"/>
+          <a:stretch>
+            <a:fillRect/>
+          </a:stretch>
+        </p:blipFill>
+        <p:spPr bwMode="auto">
+          <a:xfrm>
+            <a:off x="457200" y="2032000"/>
+            <a:ext cx="8229600" cy="3657600"/>
+          </a:xfrm>
+          <a:prstGeom prst="rect">
+            <a:avLst/>
+          </a:prstGeom>
+          <a:noFill/>
+          <a:ln w="9525">
+            <a:noFill/>
+            <a:headEnd/>
+            <a:tailEnd/>
+          </a:ln>
+        </p:spPr>
+      </p:pic>
+    </p:spTree>
+  </p:cSld>
+</p:sld>
+</file>
+
+<file path=ppt/slides/slide66.xml><?xml version="1.0" encoding="utf-8"?>
+<p:sld xmlns:a="http://schemas.openxmlformats.org/drawingml/2006/main" xmlns:r="http://schemas.openxmlformats.org/officeDocument/2006/relationships" xmlns:p="http://schemas.openxmlformats.org/presentationml/2006/main">
+  <p:cSld>
+    <p:spTree>
+      <p:nvGrpSpPr>
+        <p:cNvPr id="1" name=""/>
+        <p:cNvGrpSpPr/>
+        <p:nvPr/>
+      </p:nvGrpSpPr>
+      <p:grpSpPr>
+        <a:xfrm>
+          <a:off x="0" y="0"/>
+          <a:ext cx="0" cy="0"/>
+          <a:chOff x="0" y="0"/>
+          <a:chExt cx="0" cy="0"/>
+        </a:xfrm>
+      </p:grpSpPr>
+      <p:sp>
+        <p:nvSpPr>
+          <p:cNvPr id="2" name="Title 1"/>
+          <p:cNvSpPr>
+            <a:spLocks noGrp="1"/>
+          </p:cNvSpPr>
+          <p:nvPr>
+            <p:ph type="title"/>
+          </p:nvPr>
+        </p:nvSpPr>
+        <p:spPr/>
+        <p:txBody>
+          <a:bodyPr/>
+          <a:lstStyle/>
+          <a:p>
+            <a:pPr lvl="0" marL="0" indent="0">
+              <a:buNone/>
+            </a:pPr>
+            <a:r>
+              <a:rPr/>
+              <a:t>USAccDeaths</a:t>
+            </a:r>
+          </a:p>
+        </p:txBody>
+      </p:sp>
+      <p:sp>
+        <p:nvSpPr>
+          <p:cNvPr id="3" name="Content Placeholder 2"/>
+          <p:cNvSpPr>
+            <a:spLocks noGrp="1"/>
+          </p:cNvSpPr>
+          <p:nvPr>
+            <p:ph idx="1"/>
+          </p:nvPr>
+        </p:nvSpPr>
+        <p:spPr/>
+        <p:txBody>
+          <a:bodyPr/>
+          <a:lstStyle/>
+          <a:p>
+            <a:pPr lvl="0" marL="1270000" indent="0">
+              <a:buNone/>
+            </a:pPr>
+            <a:r>
+              <a:rPr sz="1800" b="1">
+                <a:solidFill>
+                  <a:srgbClr val="007020"/>
+                </a:solidFill>
+                <a:latin typeface="Courier"/>
               </a:rPr>
-              <a:t>tsibble vignette</a:t>
-            </a:r>
-            <a:r>
-              <a:rPr/>
-              <a:t> for more information.</a:t>
-            </a:r>
-          </a:p>
-        </p:txBody>
-      </p:sp>
+              <a:t>str</a:t>
+            </a:r>
+            <a:r>
+              <a:rPr sz="1800">
+                <a:latin typeface="Courier"/>
+              </a:rPr>
+              <a:t>(USAccDeaths)</a:t>
+            </a:r>
+          </a:p>
+          <a:p>
+            <a:pPr lvl="0" marL="1270000" indent="0">
+              <a:buNone/>
+            </a:pPr>
+            <a:r>
+              <a:rPr sz="1800">
+                <a:latin typeface="Courier"/>
+              </a:rPr>
+              <a:t>##  Time-Series [1:72] from 1973 to 1979: 9007 8106 8928 9137 10017 ...</a:t>
+            </a:r>
+          </a:p>
+          <a:p>
+            <a:pPr lvl="0" marL="1270000" indent="0">
+              <a:buNone/>
+            </a:pPr>
+            <a:r>
+              <a:rPr sz="1800" b="1">
+                <a:solidFill>
+                  <a:srgbClr val="007020"/>
+                </a:solidFill>
+                <a:latin typeface="Courier"/>
+              </a:rPr>
+              <a:t>attributes</a:t>
+            </a:r>
+            <a:r>
+              <a:rPr sz="1800">
+                <a:latin typeface="Courier"/>
+              </a:rPr>
+              <a:t>(USAccDeaths)</a:t>
+            </a:r>
+          </a:p>
+          <a:p>
+            <a:pPr lvl="0" marL="1270000" indent="0">
+              <a:buNone/>
+            </a:pPr>
+            <a:r>
+              <a:rPr sz="1800">
+                <a:latin typeface="Courier"/>
+              </a:rPr>
+              <a:t>## $tsp
+## [1] 1973.000 1978.917   12.000
+## 
+## $class
+## [1] "ts"</a:t>
+            </a:r>
+          </a:p>
+        </p:txBody>
+      </p:sp>
+    </p:spTree>
+  </p:cSld>
+</p:sld>
+</file>
+
+<file path=ppt/slides/slide67.xml><?xml version="1.0" encoding="utf-8"?>
+<p:sld xmlns:a="http://schemas.openxmlformats.org/drawingml/2006/main" xmlns:r="http://schemas.openxmlformats.org/officeDocument/2006/relationships" xmlns:p="http://schemas.openxmlformats.org/presentationml/2006/main">
+  <p:cSld>
+    <p:spTree>
+      <p:nvGrpSpPr>
+        <p:cNvPr id="1" name=""/>
+        <p:cNvGrpSpPr/>
+        <p:nvPr/>
+      </p:nvGrpSpPr>
+      <p:grpSpPr>
+        <a:xfrm>
+          <a:off x="0" y="0"/>
+          <a:ext cx="0" cy="0"/>
+          <a:chOff x="0" y="0"/>
+          <a:chExt cx="0" cy="0"/>
+        </a:xfrm>
+      </p:grpSpPr>
+      <p:sp>
+        <p:nvSpPr>
+          <p:cNvPr id="2" name="Title 1"/>
+          <p:cNvSpPr>
+            <a:spLocks noGrp="1"/>
+          </p:cNvSpPr>
+          <p:nvPr>
+            <p:ph type="title"/>
+          </p:nvPr>
+        </p:nvSpPr>
+        <p:spPr/>
+        <p:txBody>
+          <a:bodyPr/>
+          <a:lstStyle/>
+          <a:p>
+            <a:pPr lvl="0" marL="0" indent="0">
+              <a:buNone/>
+            </a:pPr>
+            <a:r>
+              <a:rPr/>
+              <a:t>USAccDeaths</a:t>
+            </a:r>
+            <a:r>
+              <a:rPr/>
+              <a:t> </a:t>
+            </a:r>
+            <a:r>
+              <a:rPr/>
+              <a:t>plot</a:t>
+            </a:r>
+          </a:p>
+        </p:txBody>
+      </p:sp>
+      <p:pic>
+        <p:nvPicPr>
+          <p:cNvPr descr="basics_files/figure-pptx/USAccDeaths-plot-1.png" id="0" name="Picture 1"/>
+          <p:cNvPicPr>
+            <a:picLocks noGrp="1" noChangeAspect="1"/>
+          </p:cNvPicPr>
+          <p:nvPr/>
+        </p:nvPicPr>
+        <p:blipFill>
+          <a:blip r:embed="rId2"/>
+          <a:stretch>
+            <a:fillRect/>
+          </a:stretch>
+        </p:blipFill>
+        <p:spPr bwMode="auto">
+          <a:xfrm>
+            <a:off x="457200" y="2032000"/>
+            <a:ext cx="8229600" cy="3657600"/>
+          </a:xfrm>
+          <a:prstGeom prst="rect">
+            <a:avLst/>
+          </a:prstGeom>
+          <a:noFill/>
+          <a:ln w="9525">
+            <a:noFill/>
+            <a:headEnd/>
+            <a:tailEnd/>
+          </a:ln>
+        </p:spPr>
+      </p:pic>
+    </p:spTree>
+  </p:cSld>
+</p:sld>
+</file>
+
+<file path=ppt/slides/slide68.xml><?xml version="1.0" encoding="utf-8"?>
+<p:sld xmlns:a="http://schemas.openxmlformats.org/drawingml/2006/main" xmlns:r="http://schemas.openxmlformats.org/officeDocument/2006/relationships" xmlns:p="http://schemas.openxmlformats.org/presentationml/2006/main">
+  <p:cSld>
+    <p:spTree>
+      <p:nvGrpSpPr>
+        <p:cNvPr id="1" name=""/>
+        <p:cNvGrpSpPr/>
+        <p:nvPr/>
+      </p:nvGrpSpPr>
+      <p:grpSpPr>
+        <a:xfrm>
+          <a:off x="0" y="0"/>
+          <a:ext cx="0" cy="0"/>
+          <a:chOff x="0" y="0"/>
+          <a:chExt cx="0" cy="0"/>
+        </a:xfrm>
+      </p:grpSpPr>
+      <p:sp>
+        <p:nvSpPr>
+          <p:cNvPr id="2" name="Title 1"/>
+          <p:cNvSpPr>
+            <a:spLocks noGrp="1"/>
+          </p:cNvSpPr>
+          <p:nvPr>
+            <p:ph type="title"/>
+          </p:nvPr>
+        </p:nvSpPr>
+        <p:spPr/>
+        <p:txBody>
+          <a:bodyPr/>
+          <a:lstStyle/>
+          <a:p>
+            <a:pPr lvl="0" marL="0" indent="0">
+              <a:buNone/>
+            </a:pPr>
+            <a:r>
+              <a:rPr/>
+              <a:t>Detrend</a:t>
+            </a:r>
+            <a:r>
+              <a:rPr/>
+              <a:t> </a:t>
+            </a:r>
+            <a:r>
+              <a:rPr/>
+              <a:t>and</a:t>
+            </a:r>
+            <a:r>
+              <a:rPr/>
+              <a:t> </a:t>
+            </a:r>
+            <a:r>
+              <a:rPr/>
+              <a:t>deseasonalize</a:t>
+            </a:r>
+            <a:r>
+              <a:rPr/>
+              <a:t> </a:t>
+            </a:r>
+            <a:r>
+              <a:rPr/>
+              <a:t>USAccDeaths</a:t>
+            </a:r>
+          </a:p>
+        </p:txBody>
+      </p:sp>
+      <p:pic>
+        <p:nvPicPr>
+          <p:cNvPr descr="basics_files/figure-pptx/USAccDeaths-decomp-1.png" id="0" name="Picture 1"/>
+          <p:cNvPicPr>
+            <a:picLocks noGrp="1" noChangeAspect="1"/>
+          </p:cNvPicPr>
+          <p:nvPr/>
+        </p:nvPicPr>
+        <p:blipFill>
+          <a:blip r:embed="rId2"/>
+          <a:stretch>
+            <a:fillRect/>
+          </a:stretch>
+        </p:blipFill>
+        <p:spPr bwMode="auto">
+          <a:xfrm>
+            <a:off x="457200" y="2032000"/>
+            <a:ext cx="8229600" cy="3657600"/>
+          </a:xfrm>
+          <a:prstGeom prst="rect">
+            <a:avLst/>
+          </a:prstGeom>
+          <a:noFill/>
+          <a:ln w="9525">
+            <a:noFill/>
+            <a:headEnd/>
+            <a:tailEnd/>
+          </a:ln>
+        </p:spPr>
+      </p:pic>
+    </p:spTree>
+  </p:cSld>
+</p:sld>
+</file>
+
+<file path=ppt/slides/slide69.xml><?xml version="1.0" encoding="utf-8"?>
+<p:sld xmlns:a="http://schemas.openxmlformats.org/drawingml/2006/main" xmlns:r="http://schemas.openxmlformats.org/officeDocument/2006/relationships" xmlns:p="http://schemas.openxmlformats.org/presentationml/2006/main">
+  <p:cSld>
+    <p:spTree>
+      <p:nvGrpSpPr>
+        <p:cNvPr id="1" name=""/>
+        <p:cNvGrpSpPr/>
+        <p:nvPr/>
+      </p:nvGrpSpPr>
+      <p:grpSpPr>
+        <a:xfrm>
+          <a:off x="0" y="0"/>
+          <a:ext cx="0" cy="0"/>
+          <a:chOff x="0" y="0"/>
+          <a:chExt cx="0" cy="0"/>
+        </a:xfrm>
+      </p:grpSpPr>
+      <p:sp>
+        <p:nvSpPr>
+          <p:cNvPr id="2" name="Title 1"/>
+          <p:cNvSpPr>
+            <a:spLocks noGrp="1"/>
+          </p:cNvSpPr>
+          <p:nvPr>
+            <p:ph type="title"/>
+          </p:nvPr>
+        </p:nvSpPr>
+        <p:spPr/>
+        <p:txBody>
+          <a:bodyPr/>
+          <a:lstStyle/>
+          <a:p>
+            <a:pPr lvl="0" marL="0" indent="0">
+              <a:buNone/>
+            </a:pPr>
+            <a:r>
+              <a:rPr/>
+              <a:t>acf</a:t>
+            </a:r>
+            <a:r>
+              <a:rPr/>
+              <a:t> </a:t>
+            </a:r>
+            <a:r>
+              <a:rPr/>
+              <a:t>and</a:t>
+            </a:r>
+            <a:r>
+              <a:rPr/>
+              <a:t> </a:t>
+            </a:r>
+            <a:r>
+              <a:rPr/>
+              <a:t>pacf</a:t>
+            </a:r>
+            <a:r>
+              <a:rPr/>
+              <a:t> </a:t>
+            </a:r>
+            <a:r>
+              <a:rPr/>
+              <a:t>for</a:t>
+            </a:r>
+            <a:r>
+              <a:rPr/>
+              <a:t> </a:t>
+            </a:r>
+            <a:r>
+              <a:rPr/>
+              <a:t>USAccDeaths</a:t>
+            </a:r>
+            <a:r>
+              <a:rPr/>
+              <a:t> </a:t>
+            </a:r>
+            <a:r>
+              <a:rPr/>
+              <a:t>data</a:t>
+            </a:r>
+          </a:p>
+        </p:txBody>
+      </p:sp>
+      <p:pic>
+        <p:nvPicPr>
+          <p:cNvPr descr="basics_files/figure-pptx/USAccDeaths-auto-1.png" id="0" name="Picture 1"/>
+          <p:cNvPicPr>
+            <a:picLocks noGrp="1" noChangeAspect="1"/>
+          </p:cNvPicPr>
+          <p:nvPr/>
+        </p:nvPicPr>
+        <p:blipFill>
+          <a:blip r:embed="rId2"/>
+          <a:stretch>
+            <a:fillRect/>
+          </a:stretch>
+        </p:blipFill>
+        <p:spPr bwMode="auto">
+          <a:xfrm>
+            <a:off x="457200" y="2032000"/>
+            <a:ext cx="8229600" cy="3657600"/>
+          </a:xfrm>
+          <a:prstGeom prst="rect">
+            <a:avLst/>
+          </a:prstGeom>
+          <a:noFill/>
+          <a:ln w="9525">
+            <a:noFill/>
+            <a:headEnd/>
+            <a:tailEnd/>
+          </a:ln>
+        </p:spPr>
+      </p:pic>
     </p:spTree>
   </p:cSld>
 </p:sld>
@@ -9327,30 +12230,6 @@
               <a:rPr/>
               <a:t>Structure</a:t>
             </a:r>
-            <a:r>
-              <a:rPr/>
-              <a:t> </a:t>
-            </a:r>
-            <a:r>
-              <a:rPr/>
-              <a:t>of</a:t>
-            </a:r>
-            <a:r>
-              <a:rPr/>
-              <a:t> </a:t>
-            </a:r>
-            <a:r>
-              <a:rPr/>
-              <a:t>co2</a:t>
-            </a:r>
-            <a:r>
-              <a:rPr/>
-              <a:t> </a:t>
-            </a:r>
-            <a:r>
-              <a:rPr/>
-              <a:t>data</a:t>
-            </a:r>
           </a:p>
         </p:txBody>
       </p:sp>
@@ -9369,69 +12248,31 @@
           <a:bodyPr/>
           <a:lstStyle/>
           <a:p>
-            <a:pPr lvl="0" marL="1270000" indent="0">
+            <a:pPr lvl="0" marL="0" indent="0">
               <a:buNone/>
             </a:pPr>
             <a:r>
-              <a:rPr sz="1800" b="1">
-                <a:solidFill>
-                  <a:srgbClr val="007020"/>
-                </a:solidFill>
-                <a:latin typeface="Courier"/>
+              <a:rPr/>
+              <a:t>The base R package has an object class, ts. You can specify three parameters: start, stop, and frequency. You do not need to place your data in a ts object before running time series analyses.</a:t>
+            </a:r>
+          </a:p>
+          <a:p>
+            <a:pPr lvl="0" marL="0" indent="0">
+              <a:buNone/>
+            </a:pPr>
+            <a:r>
+              <a:rPr/>
+              <a:t>There is a new class, tsibble, that I have not had a chance to work with. It is based on the principles of tidy data. Read the </a:t>
+            </a:r>
+            <a:r>
+              <a:rPr>
+                <a:hlinkClick r:id="rId2"/>
               </a:rPr>
-              <a:t>str</a:t>
-            </a:r>
-            <a:r>
-              <a:rPr sz="1800">
-                <a:latin typeface="Courier"/>
-              </a:rPr>
-              <a:t>(co2)</a:t>
-            </a:r>
-          </a:p>
-          <a:p>
-            <a:pPr lvl="0" marL="1270000" indent="0">
-              <a:buNone/>
-            </a:pPr>
-            <a:r>
-              <a:rPr sz="1800">
-                <a:latin typeface="Courier"/>
-              </a:rPr>
-              <a:t>##  Time-Series [1:468] from 1959 to 1998: 315 316 316 318 318 ...</a:t>
-            </a:r>
-          </a:p>
-          <a:p>
-            <a:pPr lvl="0" marL="1270000" indent="0">
-              <a:buNone/>
-            </a:pPr>
-            <a:r>
-              <a:rPr sz="1800" b="1">
-                <a:solidFill>
-                  <a:srgbClr val="007020"/>
-                </a:solidFill>
-                <a:latin typeface="Courier"/>
-              </a:rPr>
-              <a:t>attributes</a:t>
-            </a:r>
-            <a:r>
-              <a:rPr sz="1800">
-                <a:latin typeface="Courier"/>
-              </a:rPr>
-              <a:t>(co2)</a:t>
-            </a:r>
-          </a:p>
-          <a:p>
-            <a:pPr lvl="0" marL="1270000" indent="0">
-              <a:buNone/>
-            </a:pPr>
-            <a:r>
-              <a:rPr sz="1800">
-                <a:latin typeface="Courier"/>
-              </a:rPr>
-              <a:t>## $tsp
-## [1] 1959.000 1997.917   12.000
-## 
-## $class
-## [1] "ts"</a:t>
+              <a:t>tsibble vignette</a:t>
+            </a:r>
+            <a:r>
+              <a:rPr/>
+              <a:t> for more information.</a:t>
             </a:r>
           </a:p>
         </p:txBody>
@@ -9478,7 +12319,7 @@
             </a:pPr>
             <a:r>
               <a:rPr/>
-              <a:t>Plot</a:t>
+              <a:t>Structure</a:t>
             </a:r>
             <a:r>
               <a:rPr/>
@@ -9507,36 +12348,88 @@
           </a:p>
         </p:txBody>
       </p:sp>
-      <p:pic>
-        <p:nvPicPr>
-          <p:cNvPr descr="../images/co2_1.png" id="0" name="Picture 1"/>
-          <p:cNvPicPr>
-            <a:picLocks noGrp="1" noChangeAspect="1"/>
-          </p:cNvPicPr>
-          <p:nvPr/>
-        </p:nvPicPr>
-        <p:blipFill>
-          <a:blip r:embed="rId2"/>
-          <a:stretch>
-            <a:fillRect/>
-          </a:stretch>
-        </p:blipFill>
-        <p:spPr bwMode="auto">
-          <a:xfrm>
-            <a:off x="2311400" y="1600200"/>
-            <a:ext cx="4521200" cy="4521200"/>
-          </a:xfrm>
-          <a:prstGeom prst="rect">
-            <a:avLst/>
-          </a:prstGeom>
-          <a:noFill/>
-          <a:ln w="9525">
-            <a:noFill/>
-            <a:headEnd/>
-            <a:tailEnd/>
-          </a:ln>
-        </p:spPr>
-      </p:pic>
+      <p:sp>
+        <p:nvSpPr>
+          <p:cNvPr id="3" name="Content Placeholder 2"/>
+          <p:cNvSpPr>
+            <a:spLocks noGrp="1"/>
+          </p:cNvSpPr>
+          <p:nvPr>
+            <p:ph idx="1"/>
+          </p:nvPr>
+        </p:nvSpPr>
+        <p:spPr/>
+        <p:txBody>
+          <a:bodyPr/>
+          <a:lstStyle/>
+          <a:p>
+            <a:pPr lvl="0" marL="1270000" indent="0">
+              <a:buNone/>
+            </a:pPr>
+            <a:r>
+              <a:rPr sz="1800" b="1">
+                <a:solidFill>
+                  <a:srgbClr val="007020"/>
+                </a:solidFill>
+                <a:latin typeface="Courier"/>
+              </a:rPr>
+              <a:t>str</a:t>
+            </a:r>
+            <a:r>
+              <a:rPr sz="1800">
+                <a:latin typeface="Courier"/>
+              </a:rPr>
+              <a:t>(co2)</a:t>
+            </a:r>
+          </a:p>
+          <a:p>
+            <a:pPr lvl="0" marL="1270000" indent="0">
+              <a:buNone/>
+            </a:pPr>
+            <a:r>
+              <a:rPr sz="1800">
+                <a:latin typeface="Courier"/>
+              </a:rPr>
+              <a:t>##  Time-Series [1:468] from 1959 to 1998: 315 316 316 318 318 ...</a:t>
+            </a:r>
+          </a:p>
+          <a:p>
+            <a:pPr lvl="0" marL="1270000" indent="0">
+              <a:buNone/>
+            </a:pPr>
+            <a:r>
+              <a:rPr sz="1800" b="1">
+                <a:solidFill>
+                  <a:srgbClr val="007020"/>
+                </a:solidFill>
+                <a:latin typeface="Courier"/>
+              </a:rPr>
+              <a:t>attributes</a:t>
+            </a:r>
+            <a:r>
+              <a:rPr sz="1800">
+                <a:latin typeface="Courier"/>
+              </a:rPr>
+              <a:t>(co2)</a:t>
+            </a:r>
+          </a:p>
+          <a:p>
+            <a:pPr lvl="0" marL="1270000" indent="0">
+              <a:buNone/>
+            </a:pPr>
+            <a:r>
+              <a:rPr sz="1800">
+                <a:latin typeface="Courier"/>
+              </a:rPr>
+              <a:t>## $tsp
+## [1] 1959.000 1997.917   12.000
+## 
+## $class
+## [1] "ts"</a:t>
+            </a:r>
+          </a:p>
+        </p:txBody>
+      </p:sp>
     </p:spTree>
   </p:cSld>
 </p:sld>
@@ -9579,7 +12472,7 @@
             </a:pPr>
             <a:r>
               <a:rPr/>
-              <a:t>Decomposition</a:t>
+              <a:t>Plot</a:t>
             </a:r>
             <a:r>
               <a:rPr/>
@@ -9597,94 +12490,47 @@
               <a:rPr/>
               <a:t>co2</a:t>
             </a:r>
-          </a:p>
-        </p:txBody>
-      </p:sp>
-      <p:sp>
-        <p:nvSpPr>
-          <p:cNvPr id="3" name="Content Placeholder 2"/>
-          <p:cNvSpPr>
-            <a:spLocks noGrp="1"/>
-          </p:cNvSpPr>
-          <p:nvPr>
-            <p:ph idx="1"/>
-          </p:nvPr>
-        </p:nvSpPr>
-        <p:spPr/>
-        <p:txBody>
-          <a:bodyPr/>
-          <a:lstStyle/>
-          <a:p>
-            <a:pPr lvl="0" marL="1270000" indent="0">
-              <a:buNone/>
-            </a:pPr>
-            <a:r>
-              <a:rPr sz="1800">
-                <a:latin typeface="Courier"/>
-              </a:rPr>
-              <a:t>co2_d &lt;-</a:t>
-            </a:r>
-            <a:r>
-              <a:rPr sz="1800">
-                <a:solidFill>
-                  <a:srgbClr val="4070A0"/>
-                </a:solidFill>
-                <a:latin typeface="Courier"/>
-              </a:rPr>
-              <a:t> </a:t>
-            </a:r>
-            <a:r>
-              <a:rPr sz="1800" b="1">
-                <a:solidFill>
-                  <a:srgbClr val="007020"/>
-                </a:solidFill>
-                <a:latin typeface="Courier"/>
-              </a:rPr>
-              <a:t>decompose</a:t>
-            </a:r>
-            <a:r>
-              <a:rPr sz="1800">
-                <a:latin typeface="Courier"/>
-              </a:rPr>
-              <a:t>(co2)</a:t>
-            </a:r>
-            <a:br/>
-            <a:r>
-              <a:rPr sz="1800" b="1">
-                <a:solidFill>
-                  <a:srgbClr val="007020"/>
-                </a:solidFill>
-                <a:latin typeface="Courier"/>
-              </a:rPr>
-              <a:t>str</a:t>
-            </a:r>
-            <a:r>
-              <a:rPr sz="1800">
-                <a:latin typeface="Courier"/>
-              </a:rPr>
-              <a:t>(co2_d)</a:t>
-            </a:r>
-          </a:p>
-          <a:p>
-            <a:pPr lvl="0" marL="1270000" indent="0">
-              <a:buNone/>
-            </a:pPr>
-            <a:r>
-              <a:rPr sz="1800">
-                <a:latin typeface="Courier"/>
-              </a:rPr>
-              <a:t>## List of 6
-##  $ x       : Time-Series [1:468] from 1959 to 1998: 315 316 316 318 318 ...
-##  $ seasonal: Time-Series [1:468] from 1959 to 1998: -0.0536 0.6106 1.3756 2.5168 3.0003 ...
-##  $ trend   : Time-Series [1:468] from 1959 to 1998: NA NA NA NA NA ...
-##  $ random  : Time-Series [1:468] from 1959 to 1998: NA NA NA NA NA ...
-##  $ figure  : num [1:12] -0.0536 0.6106 1.3756 2.5168 3.0003 ...
-##  $ type    : chr "additive"
-##  - attr(*, "class")= chr "decomposed.ts"</a:t>
-            </a:r>
-          </a:p>
-        </p:txBody>
-      </p:sp>
+            <a:r>
+              <a:rPr/>
+              <a:t> </a:t>
+            </a:r>
+            <a:r>
+              <a:rPr/>
+              <a:t>data</a:t>
+            </a:r>
+          </a:p>
+        </p:txBody>
+      </p:sp>
+      <p:pic>
+        <p:nvPicPr>
+          <p:cNvPr descr="basics_files/figure-pptx/co2-plot-1.png" id="0" name="Picture 1"/>
+          <p:cNvPicPr>
+            <a:picLocks noGrp="1" noChangeAspect="1"/>
+          </p:cNvPicPr>
+          <p:nvPr/>
+        </p:nvPicPr>
+        <p:blipFill>
+          <a:blip r:embed="rId2"/>
+          <a:stretch>
+            <a:fillRect/>
+          </a:stretch>
+        </p:blipFill>
+        <p:spPr bwMode="auto">
+          <a:xfrm>
+            <a:off x="457200" y="2032000"/>
+            <a:ext cx="8229600" cy="3657600"/>
+          </a:xfrm>
+          <a:prstGeom prst="rect">
+            <a:avLst/>
+          </a:prstGeom>
+          <a:noFill/>
+          <a:ln w="9525">
+            <a:noFill/>
+            <a:headEnd/>
+            <a:tailEnd/>
+          </a:ln>
+        </p:spPr>
+      </p:pic>
     </p:spTree>
   </p:cSld>
 </p:sld>

--- a/src/basics.pptx
+++ b/src/basics.pptx
@@ -3581,7 +3581,7 @@
             </a:pPr>
             <a:r>
               <a:rPr/>
-              <a:t>Deseasonalizing</a:t>
+              <a:t>Detrending</a:t>
             </a:r>
             <a:r>
               <a:rPr/>
@@ -3596,7 +3596,7 @@
       </p:sp>
       <p:pic>
         <p:nvPicPr>
-          <p:cNvPr descr="basics_files/figure-pptx/co2-deseasonal-1.png" id="0" name="Picture 1"/>
+          <p:cNvPr descr="basics_files/figure-pptx/co2-detrend-1.png" id="0" name="Picture 1"/>
           <p:cNvPicPr>
             <a:picLocks noGrp="1" noChangeAspect="1"/>
           </p:cNvPicPr>
@@ -3674,6 +3674,30 @@
             </a:r>
             <a:r>
               <a:rPr/>
+              <a:t>followed</a:t>
+            </a:r>
+            <a:r>
+              <a:rPr/>
+              <a:t> </a:t>
+            </a:r>
+            <a:r>
+              <a:rPr/>
+              <a:t>by</a:t>
+            </a:r>
+            <a:r>
+              <a:rPr/>
+              <a:t> </a:t>
+            </a:r>
+            <a:r>
+              <a:rPr/>
+              <a:t>deseasonalizing</a:t>
+            </a:r>
+            <a:r>
+              <a:rPr/>
+              <a:t> </a:t>
+            </a:r>
+            <a:r>
+              <a:rPr/>
               <a:t>co2</a:t>
             </a:r>
           </a:p>
@@ -3681,7 +3705,7 @@
       </p:sp>
       <p:pic>
         <p:nvPicPr>
-          <p:cNvPr descr="basics_files/figure-pptx/co2-detrend-1.png" id="0" name="Picture 1"/>
+          <p:cNvPr descr="basics_files/figure-pptx/co2-both-1.png" id="0" name="Picture 1"/>
           <p:cNvPicPr>
             <a:picLocks noGrp="1" noChangeAspect="1"/>
           </p:cNvPicPr>
@@ -3751,46 +3775,151 @@
             </a:pPr>
             <a:r>
               <a:rPr/>
-              <a:t>Both</a:t>
-            </a:r>
-            <a:r>
-              <a:rPr/>
-              <a:t> </a:t>
-            </a:r>
-            <a:r>
-              <a:rPr/>
-              <a:t>Detrending</a:t>
-            </a:r>
-            <a:r>
-              <a:rPr/>
-              <a:t> </a:t>
-            </a:r>
-            <a:r>
-              <a:rPr/>
-              <a:t>and</a:t>
-            </a:r>
-            <a:r>
-              <a:rPr/>
-              <a:t> </a:t>
-            </a:r>
-            <a:r>
-              <a:rPr/>
-              <a:t>deseasonalizing</a:t>
-            </a:r>
-            <a:r>
-              <a:rPr/>
-              <a:t> </a:t>
-            </a:r>
-            <a:r>
-              <a:rPr/>
-              <a:t>co2</a:t>
+              <a:t>UKgas</a:t>
+            </a:r>
+          </a:p>
+        </p:txBody>
+      </p:sp>
+      <p:sp>
+        <p:nvSpPr>
+          <p:cNvPr id="3" name="Content Placeholder 2"/>
+          <p:cNvSpPr>
+            <a:spLocks noGrp="1"/>
+          </p:cNvSpPr>
+          <p:nvPr>
+            <p:ph idx="1"/>
+          </p:nvPr>
+        </p:nvSpPr>
+        <p:spPr/>
+        <p:txBody>
+          <a:bodyPr/>
+          <a:lstStyle/>
+          <a:p>
+            <a:pPr lvl="0" marL="1270000" indent="0">
+              <a:buNone/>
+            </a:pPr>
+            <a:r>
+              <a:rPr sz="1800" b="1">
+                <a:solidFill>
+                  <a:srgbClr val="007020"/>
+                </a:solidFill>
+                <a:latin typeface="Courier"/>
+              </a:rPr>
+              <a:t>str</a:t>
+            </a:r>
+            <a:r>
+              <a:rPr sz="1800">
+                <a:latin typeface="Courier"/>
+              </a:rPr>
+              <a:t>(UKgas)</a:t>
+            </a:r>
+          </a:p>
+          <a:p>
+            <a:pPr lvl="0" marL="1270000" indent="0">
+              <a:buNone/>
+            </a:pPr>
+            <a:r>
+              <a:rPr sz="1800">
+                <a:latin typeface="Courier"/>
+              </a:rPr>
+              <a:t>##  Time-Series [1:108] from 1960 to 1987: 160.1 129.7 84.8 120.1 160.1 ...</a:t>
+            </a:r>
+          </a:p>
+          <a:p>
+            <a:pPr lvl="0" marL="1270000" indent="0">
+              <a:buNone/>
+            </a:pPr>
+            <a:r>
+              <a:rPr sz="1800" b="1">
+                <a:solidFill>
+                  <a:srgbClr val="007020"/>
+                </a:solidFill>
+                <a:latin typeface="Courier"/>
+              </a:rPr>
+              <a:t>attributes</a:t>
+            </a:r>
+            <a:r>
+              <a:rPr sz="1800">
+                <a:latin typeface="Courier"/>
+              </a:rPr>
+              <a:t>(UKgas)</a:t>
+            </a:r>
+          </a:p>
+          <a:p>
+            <a:pPr lvl="0" marL="1270000" indent="0">
+              <a:buNone/>
+            </a:pPr>
+            <a:r>
+              <a:rPr sz="1800">
+                <a:latin typeface="Courier"/>
+              </a:rPr>
+              <a:t>## $tsp
+## [1] 1960.00 1986.75    4.00
+## 
+## $class
+## [1] "ts"</a:t>
+            </a:r>
+          </a:p>
+        </p:txBody>
+      </p:sp>
+    </p:spTree>
+  </p:cSld>
+</p:sld>
+</file>
+
+<file path=ppt/slides/slide15.xml><?xml version="1.0" encoding="utf-8"?>
+<p:sld xmlns:a="http://schemas.openxmlformats.org/drawingml/2006/main" xmlns:r="http://schemas.openxmlformats.org/officeDocument/2006/relationships" xmlns:p="http://schemas.openxmlformats.org/presentationml/2006/main">
+  <p:cSld>
+    <p:spTree>
+      <p:nvGrpSpPr>
+        <p:cNvPr id="1" name=""/>
+        <p:cNvGrpSpPr/>
+        <p:nvPr/>
+      </p:nvGrpSpPr>
+      <p:grpSpPr>
+        <a:xfrm>
+          <a:off x="0" y="0"/>
+          <a:ext cx="0" cy="0"/>
+          <a:chOff x="0" y="0"/>
+          <a:chExt cx="0" cy="0"/>
+        </a:xfrm>
+      </p:grpSpPr>
+      <p:sp>
+        <p:nvSpPr>
+          <p:cNvPr id="2" name="Title 1"/>
+          <p:cNvSpPr>
+            <a:spLocks noGrp="1"/>
+          </p:cNvSpPr>
+          <p:nvPr>
+            <p:ph type="title"/>
+          </p:nvPr>
+        </p:nvSpPr>
+        <p:spPr/>
+        <p:txBody>
+          <a:bodyPr/>
+          <a:lstStyle/>
+          <a:p>
+            <a:pPr lvl="0" marL="0" indent="0">
+              <a:buNone/>
+            </a:pPr>
+            <a:r>
+              <a:rPr/>
+              <a:t>Plot</a:t>
+            </a:r>
+            <a:r>
+              <a:rPr/>
+              <a:t> </a:t>
+            </a:r>
+            <a:r>
+              <a:rPr/>
+              <a:t>UKgas</a:t>
             </a:r>
           </a:p>
         </p:txBody>
       </p:sp>
       <p:pic>
         <p:nvPicPr>
-          <p:cNvPr descr="basics_files/figure-pptx/co2-both-1.png" id="0" name="Picture 1"/>
+          <p:cNvPr descr="basics_files/figure-pptx/UKgas-plot-1.png" id="0" name="Picture 1"/>
           <p:cNvPicPr>
             <a:picLocks noGrp="1" noChangeAspect="1"/>
           </p:cNvPicPr>
@@ -3823,135 +3952,6 @@
 </p:sld>
 </file>
 
-<file path=ppt/slides/slide15.xml><?xml version="1.0" encoding="utf-8"?>
-<p:sld xmlns:a="http://schemas.openxmlformats.org/drawingml/2006/main" xmlns:r="http://schemas.openxmlformats.org/officeDocument/2006/relationships" xmlns:p="http://schemas.openxmlformats.org/presentationml/2006/main">
-  <p:cSld>
-    <p:spTree>
-      <p:nvGrpSpPr>
-        <p:cNvPr id="1" name=""/>
-        <p:cNvGrpSpPr/>
-        <p:nvPr/>
-      </p:nvGrpSpPr>
-      <p:grpSpPr>
-        <a:xfrm>
-          <a:off x="0" y="0"/>
-          <a:ext cx="0" cy="0"/>
-          <a:chOff x="0" y="0"/>
-          <a:chExt cx="0" cy="0"/>
-        </a:xfrm>
-      </p:grpSpPr>
-      <p:sp>
-        <p:nvSpPr>
-          <p:cNvPr id="2" name="Title 1"/>
-          <p:cNvSpPr>
-            <a:spLocks noGrp="1"/>
-          </p:cNvSpPr>
-          <p:nvPr>
-            <p:ph type="title"/>
-          </p:nvPr>
-        </p:nvSpPr>
-        <p:spPr/>
-        <p:txBody>
-          <a:bodyPr/>
-          <a:lstStyle/>
-          <a:p>
-            <a:pPr lvl="0" marL="0" indent="0">
-              <a:buNone/>
-            </a:pPr>
-            <a:r>
-              <a:rPr/>
-              <a:t>UKgas</a:t>
-            </a:r>
-          </a:p>
-        </p:txBody>
-      </p:sp>
-      <p:sp>
-        <p:nvSpPr>
-          <p:cNvPr id="3" name="Content Placeholder 2"/>
-          <p:cNvSpPr>
-            <a:spLocks noGrp="1"/>
-          </p:cNvSpPr>
-          <p:nvPr>
-            <p:ph idx="1"/>
-          </p:nvPr>
-        </p:nvSpPr>
-        <p:spPr/>
-        <p:txBody>
-          <a:bodyPr/>
-          <a:lstStyle/>
-          <a:p>
-            <a:pPr lvl="0" marL="1270000" indent="0">
-              <a:buNone/>
-            </a:pPr>
-            <a:r>
-              <a:rPr sz="1800" b="1">
-                <a:solidFill>
-                  <a:srgbClr val="007020"/>
-                </a:solidFill>
-                <a:latin typeface="Courier"/>
-              </a:rPr>
-              <a:t>str</a:t>
-            </a:r>
-            <a:r>
-              <a:rPr sz="1800">
-                <a:latin typeface="Courier"/>
-              </a:rPr>
-              <a:t>(UKgas)</a:t>
-            </a:r>
-          </a:p>
-          <a:p>
-            <a:pPr lvl="0" marL="1270000" indent="0">
-              <a:buNone/>
-            </a:pPr>
-            <a:r>
-              <a:rPr sz="1800">
-                <a:latin typeface="Courier"/>
-              </a:rPr>
-              <a:t>##  Time-Series [1:108] from 1960 to 1987: 160.1 129.7 84.8 120.1 160.1 ...</a:t>
-            </a:r>
-          </a:p>
-          <a:p>
-            <a:pPr lvl="0" marL="1270000" indent="0">
-              <a:buNone/>
-            </a:pPr>
-            <a:r>
-              <a:rPr sz="1800" b="1">
-                <a:solidFill>
-                  <a:srgbClr val="007020"/>
-                </a:solidFill>
-                <a:latin typeface="Courier"/>
-              </a:rPr>
-              <a:t>attributes</a:t>
-            </a:r>
-            <a:r>
-              <a:rPr sz="1800">
-                <a:latin typeface="Courier"/>
-              </a:rPr>
-              <a:t>(UKgas)</a:t>
-            </a:r>
-          </a:p>
-          <a:p>
-            <a:pPr lvl="0" marL="1270000" indent="0">
-              <a:buNone/>
-            </a:pPr>
-            <a:r>
-              <a:rPr sz="1800">
-                <a:latin typeface="Courier"/>
-              </a:rPr>
-              <a:t>## $tsp
-## [1] 1960.00 1986.75    4.00
-## 
-## $class
-## [1] "ts"</a:t>
-            </a:r>
-          </a:p>
-        </p:txBody>
-      </p:sp>
-    </p:spTree>
-  </p:cSld>
-</p:sld>
-</file>
-
 <file path=ppt/slides/slide16.xml><?xml version="1.0" encoding="utf-8"?>
 <p:sld xmlns:a="http://schemas.openxmlformats.org/drawingml/2006/main" xmlns:r="http://schemas.openxmlformats.org/officeDocument/2006/relationships" xmlns:p="http://schemas.openxmlformats.org/presentationml/2006/main">
   <p:cSld>
@@ -3999,12 +3999,44 @@
               <a:rPr/>
               <a:t>UKgas</a:t>
             </a:r>
+            <a:r>
+              <a:rPr/>
+              <a:t> </a:t>
+            </a:r>
+            <a:r>
+              <a:rPr/>
+              <a:t>on</a:t>
+            </a:r>
+            <a:r>
+              <a:rPr/>
+              <a:t> </a:t>
+            </a:r>
+            <a:r>
+              <a:rPr/>
+              <a:t>a</a:t>
+            </a:r>
+            <a:r>
+              <a:rPr/>
+              <a:t> </a:t>
+            </a:r>
+            <a:r>
+              <a:rPr/>
+              <a:t>log</a:t>
+            </a:r>
+            <a:r>
+              <a:rPr/>
+              <a:t> </a:t>
+            </a:r>
+            <a:r>
+              <a:rPr/>
+              <a:t>scale</a:t>
+            </a:r>
           </a:p>
         </p:txBody>
       </p:sp>
       <p:pic>
         <p:nvPicPr>
-          <p:cNvPr descr="basics_files/figure-pptx/UKgas-plot-1.png" id="0" name="Picture 1"/>
+          <p:cNvPr descr="basics_files/figure-pptx/UKgas-log-1.png" id="0" name="Picture 1"/>
           <p:cNvPicPr>
             <a:picLocks noGrp="1" noChangeAspect="1"/>
           </p:cNvPicPr>
@@ -4074,6 +4106,161 @@
             </a:pPr>
             <a:r>
               <a:rPr/>
+              <a:t>UKgas</a:t>
+            </a:r>
+            <a:r>
+              <a:rPr/>
+              <a:t> </a:t>
+            </a:r>
+            <a:r>
+              <a:rPr/>
+              <a:t>decomposition</a:t>
+            </a:r>
+          </a:p>
+        </p:txBody>
+      </p:sp>
+      <p:sp>
+        <p:nvSpPr>
+          <p:cNvPr id="3" name="Content Placeholder 2"/>
+          <p:cNvSpPr>
+            <a:spLocks noGrp="1"/>
+          </p:cNvSpPr>
+          <p:nvPr>
+            <p:ph idx="1"/>
+          </p:nvPr>
+        </p:nvSpPr>
+        <p:spPr/>
+        <p:txBody>
+          <a:bodyPr/>
+          <a:lstStyle/>
+          <a:p>
+            <a:pPr lvl="0" marL="1270000" indent="0">
+              <a:buNone/>
+            </a:pPr>
+            <a:r>
+              <a:rPr sz="1800">
+                <a:latin typeface="Courier"/>
+              </a:rPr>
+              <a:t>UKgas_d &lt;-</a:t>
+            </a:r>
+            <a:r>
+              <a:rPr sz="1800">
+                <a:solidFill>
+                  <a:srgbClr val="4070A0"/>
+                </a:solidFill>
+                <a:latin typeface="Courier"/>
+              </a:rPr>
+              <a:t> </a:t>
+            </a:r>
+            <a:r>
+              <a:rPr sz="1800" b="1">
+                <a:solidFill>
+                  <a:srgbClr val="007020"/>
+                </a:solidFill>
+                <a:latin typeface="Courier"/>
+              </a:rPr>
+              <a:t>decompose</a:t>
+            </a:r>
+            <a:r>
+              <a:rPr sz="1800">
+                <a:latin typeface="Courier"/>
+              </a:rPr>
+              <a:t>(</a:t>
+            </a:r>
+            <a:r>
+              <a:rPr sz="1800" b="1">
+                <a:solidFill>
+                  <a:srgbClr val="007020"/>
+                </a:solidFill>
+                <a:latin typeface="Courier"/>
+              </a:rPr>
+              <a:t>log</a:t>
+            </a:r>
+            <a:r>
+              <a:rPr sz="1800">
+                <a:latin typeface="Courier"/>
+              </a:rPr>
+              <a:t>(UKgas))</a:t>
+            </a:r>
+            <a:br/>
+            <a:r>
+              <a:rPr sz="1800" b="1">
+                <a:solidFill>
+                  <a:srgbClr val="007020"/>
+                </a:solidFill>
+                <a:latin typeface="Courier"/>
+              </a:rPr>
+              <a:t>str</a:t>
+            </a:r>
+            <a:r>
+              <a:rPr sz="1800">
+                <a:latin typeface="Courier"/>
+              </a:rPr>
+              <a:t>(UKgas_d)</a:t>
+            </a:r>
+          </a:p>
+          <a:p>
+            <a:pPr lvl="0" marL="1270000" indent="0">
+              <a:buNone/>
+            </a:pPr>
+            <a:r>
+              <a:rPr sz="1800">
+                <a:latin typeface="Courier"/>
+              </a:rPr>
+              <a:t>## List of 6
+##  $ x       : Time-Series [1:108] from 1960 to 1987: 5.08 4.87 4.44 4.79 5.08 ...
+##  $ seasonal: Time-Series [1:108] from 1960 to 1987: 0.4394 0.0137 -0.5454 0.0924 0.4394 ...
+##  $ trend   : Time-Series [1:108] from 1960 to 1987: NA NA 4.79 4.79 4.78 ...
+##  $ random  : Time-Series [1:108] from 1960 to 1987: NA NA 0.1933 -0.0918 -0.1465 ...
+##  $ figure  : num [1:4] 0.4394 0.0137 -0.5454 0.0924
+##  $ type    : chr "additive"
+##  - attr(*, "class")= chr "decomposed.ts"</a:t>
+            </a:r>
+          </a:p>
+        </p:txBody>
+      </p:sp>
+    </p:spTree>
+  </p:cSld>
+</p:sld>
+</file>
+
+<file path=ppt/slides/slide18.xml><?xml version="1.0" encoding="utf-8"?>
+<p:sld xmlns:a="http://schemas.openxmlformats.org/drawingml/2006/main" xmlns:r="http://schemas.openxmlformats.org/officeDocument/2006/relationships" xmlns:p="http://schemas.openxmlformats.org/presentationml/2006/main">
+  <p:cSld>
+    <p:spTree>
+      <p:nvGrpSpPr>
+        <p:cNvPr id="1" name=""/>
+        <p:cNvGrpSpPr/>
+        <p:nvPr/>
+      </p:nvGrpSpPr>
+      <p:grpSpPr>
+        <a:xfrm>
+          <a:off x="0" y="0"/>
+          <a:ext cx="0" cy="0"/>
+          <a:chOff x="0" y="0"/>
+          <a:chExt cx="0" cy="0"/>
+        </a:xfrm>
+      </p:grpSpPr>
+      <p:sp>
+        <p:nvSpPr>
+          <p:cNvPr id="2" name="Title 1"/>
+          <p:cNvSpPr>
+            <a:spLocks noGrp="1"/>
+          </p:cNvSpPr>
+          <p:nvPr>
+            <p:ph type="title"/>
+          </p:nvPr>
+        </p:nvSpPr>
+        <p:spPr/>
+        <p:txBody>
+          <a:bodyPr/>
+          <a:lstStyle/>
+          <a:p>
+            <a:pPr lvl="0" marL="0" indent="0">
+              <a:buNone/>
+            </a:pPr>
+            <a:r>
+              <a:rPr/>
               <a:t>Plot</a:t>
             </a:r>
             <a:r>
@@ -4082,6 +4269,14 @@
             </a:r>
             <a:r>
               <a:rPr/>
+              <a:t>of</a:t>
+            </a:r>
+            <a:r>
+              <a:rPr/>
+              <a:t> </a:t>
+            </a:r>
+            <a:r>
+              <a:rPr/>
               <a:t>UKgas</a:t>
             </a:r>
             <a:r>
@@ -4090,38 +4285,14 @@
             </a:r>
             <a:r>
               <a:rPr/>
-              <a:t>on</a:t>
-            </a:r>
-            <a:r>
-              <a:rPr/>
-              <a:t> </a:t>
-            </a:r>
-            <a:r>
-              <a:rPr/>
-              <a:t>a</a:t>
-            </a:r>
-            <a:r>
-              <a:rPr/>
-              <a:t> </a:t>
-            </a:r>
-            <a:r>
-              <a:rPr/>
-              <a:t>log</a:t>
-            </a:r>
-            <a:r>
-              <a:rPr/>
-              <a:t> </a:t>
-            </a:r>
-            <a:r>
-              <a:rPr/>
-              <a:t>scale</a:t>
+              <a:t>decomposition</a:t>
             </a:r>
           </a:p>
         </p:txBody>
       </p:sp>
       <p:pic>
         <p:nvPicPr>
-          <p:cNvPr descr="basics_files/figure-pptx/UKgas-log-1.png" id="0" name="Picture 1"/>
+          <p:cNvPr descr="basics_files/figure-pptx/UKgas-decomp-plot-1.png" id="0" name="Picture 1"/>
           <p:cNvPicPr>
             <a:picLocks noGrp="1" noChangeAspect="1"/>
           </p:cNvPicPr>
@@ -4154,161 +4325,6 @@
 </p:sld>
 </file>
 
-<file path=ppt/slides/slide18.xml><?xml version="1.0" encoding="utf-8"?>
-<p:sld xmlns:a="http://schemas.openxmlformats.org/drawingml/2006/main" xmlns:r="http://schemas.openxmlformats.org/officeDocument/2006/relationships" xmlns:p="http://schemas.openxmlformats.org/presentationml/2006/main">
-  <p:cSld>
-    <p:spTree>
-      <p:nvGrpSpPr>
-        <p:cNvPr id="1" name=""/>
-        <p:cNvGrpSpPr/>
-        <p:nvPr/>
-      </p:nvGrpSpPr>
-      <p:grpSpPr>
-        <a:xfrm>
-          <a:off x="0" y="0"/>
-          <a:ext cx="0" cy="0"/>
-          <a:chOff x="0" y="0"/>
-          <a:chExt cx="0" cy="0"/>
-        </a:xfrm>
-      </p:grpSpPr>
-      <p:sp>
-        <p:nvSpPr>
-          <p:cNvPr id="2" name="Title 1"/>
-          <p:cNvSpPr>
-            <a:spLocks noGrp="1"/>
-          </p:cNvSpPr>
-          <p:nvPr>
-            <p:ph type="title"/>
-          </p:nvPr>
-        </p:nvSpPr>
-        <p:spPr/>
-        <p:txBody>
-          <a:bodyPr/>
-          <a:lstStyle/>
-          <a:p>
-            <a:pPr lvl="0" marL="0" indent="0">
-              <a:buNone/>
-            </a:pPr>
-            <a:r>
-              <a:rPr/>
-              <a:t>UKgas</a:t>
-            </a:r>
-            <a:r>
-              <a:rPr/>
-              <a:t> </a:t>
-            </a:r>
-            <a:r>
-              <a:rPr/>
-              <a:t>decomposition</a:t>
-            </a:r>
-          </a:p>
-        </p:txBody>
-      </p:sp>
-      <p:sp>
-        <p:nvSpPr>
-          <p:cNvPr id="3" name="Content Placeholder 2"/>
-          <p:cNvSpPr>
-            <a:spLocks noGrp="1"/>
-          </p:cNvSpPr>
-          <p:nvPr>
-            <p:ph idx="1"/>
-          </p:nvPr>
-        </p:nvSpPr>
-        <p:spPr/>
-        <p:txBody>
-          <a:bodyPr/>
-          <a:lstStyle/>
-          <a:p>
-            <a:pPr lvl="0" marL="1270000" indent="0">
-              <a:buNone/>
-            </a:pPr>
-            <a:r>
-              <a:rPr sz="1800">
-                <a:latin typeface="Courier"/>
-              </a:rPr>
-              <a:t>UKgas_d &lt;-</a:t>
-            </a:r>
-            <a:r>
-              <a:rPr sz="1800">
-                <a:solidFill>
-                  <a:srgbClr val="4070A0"/>
-                </a:solidFill>
-                <a:latin typeface="Courier"/>
-              </a:rPr>
-              <a:t> </a:t>
-            </a:r>
-            <a:r>
-              <a:rPr sz="1800" b="1">
-                <a:solidFill>
-                  <a:srgbClr val="007020"/>
-                </a:solidFill>
-                <a:latin typeface="Courier"/>
-              </a:rPr>
-              <a:t>decompose</a:t>
-            </a:r>
-            <a:r>
-              <a:rPr sz="1800">
-                <a:latin typeface="Courier"/>
-              </a:rPr>
-              <a:t>(</a:t>
-            </a:r>
-            <a:r>
-              <a:rPr sz="1800" b="1">
-                <a:solidFill>
-                  <a:srgbClr val="007020"/>
-                </a:solidFill>
-                <a:latin typeface="Courier"/>
-              </a:rPr>
-              <a:t>log</a:t>
-            </a:r>
-            <a:r>
-              <a:rPr sz="1800">
-                <a:latin typeface="Courier"/>
-              </a:rPr>
-              <a:t>(UKgas))</a:t>
-            </a:r>
-            <a:br/>
-            <a:r>
-              <a:rPr sz="1800" b="1">
-                <a:solidFill>
-                  <a:srgbClr val="007020"/>
-                </a:solidFill>
-                <a:latin typeface="Courier"/>
-              </a:rPr>
-              <a:t>str</a:t>
-            </a:r>
-            <a:r>
-              <a:rPr sz="1800">
-                <a:latin typeface="Courier"/>
-              </a:rPr>
-              <a:t>(UKgas_d)</a:t>
-            </a:r>
-          </a:p>
-          <a:p>
-            <a:pPr lvl="0" marL="1270000" indent="0">
-              <a:buNone/>
-            </a:pPr>
-            <a:r>
-              <a:rPr sz="1800">
-                <a:latin typeface="Courier"/>
-              </a:rPr>
-              <a:t>## List of 6
-##  $ x       : Time-Series [1:108] from 1960 to 1987: 5.08 4.87 4.44 4.79 5.08 ...
-##  $ seasonal: Time-Series [1:108] from 1960 to 1987: 0.4394 0.0137 -0.5454 0.0924 0.4394 ...
-##  $ trend   : Time-Series [1:108] from 1960 to 1987: NA NA 4.79 4.79 4.78 ...
-##  $ random  : Time-Series [1:108] from 1960 to 1987: NA NA 0.1933 -0.0918 -0.1465 ...
-##  $ figure  : num [1:4] 0.4394 0.0137 -0.5454 0.0924
-##  $ type    : chr "additive"
-##  - attr(*, "class")= chr "decomposed.ts"</a:t>
-            </a:r>
-          </a:p>
-        </p:txBody>
-      </p:sp>
-    </p:spTree>
-  </p:cSld>
-</p:sld>
-</file>
-
 <file path=ppt/slides/slide19.xml><?xml version="1.0" encoding="utf-8"?>
 <p:sld xmlns:a="http://schemas.openxmlformats.org/drawingml/2006/main" xmlns:r="http://schemas.openxmlformats.org/officeDocument/2006/relationships" xmlns:p="http://schemas.openxmlformats.org/presentationml/2006/main">
   <p:cSld>
@@ -4354,30 +4370,30 @@
             </a:r>
             <a:r>
               <a:rPr/>
-              <a:t>of</a:t>
-            </a:r>
-            <a:r>
-              <a:rPr/>
-              <a:t> </a:t>
-            </a:r>
-            <a:r>
-              <a:rPr/>
-              <a:t>UKgas</a:t>
-            </a:r>
-            <a:r>
-              <a:rPr/>
-              <a:t> </a:t>
-            </a:r>
-            <a:r>
-              <a:rPr/>
-              <a:t>decomposition</a:t>
+              <a:t>ofUKgas</a:t>
+            </a:r>
+            <a:r>
+              <a:rPr/>
+              <a:t> </a:t>
+            </a:r>
+            <a:r>
+              <a:rPr/>
+              <a:t>difference</a:t>
+            </a:r>
+            <a:r>
+              <a:rPr/>
+              <a:t> </a:t>
+            </a:r>
+            <a:r>
+              <a:rPr/>
+              <a:t>model</a:t>
             </a:r>
           </a:p>
         </p:txBody>
       </p:sp>
       <p:pic>
         <p:nvPicPr>
-          <p:cNvPr descr="basics_files/figure-pptx/UKgas-decomp-plot-1.png" id="0" name="Picture 1"/>
+          <p:cNvPr descr="basics_files/figure-pptx/UKgas-diff-1.png" id="0" name="Picture 1"/>
           <p:cNvPicPr>
             <a:picLocks noGrp="1" noChangeAspect="1"/>
           </p:cNvPicPr>
@@ -4529,6 +4545,13 @@
               <a:t>Basic Box-Jenkins models</a:t>
             </a:r>
           </a:p>
+          <a:p>
+            <a:pPr lvl="1"/>
+            <a:r>
+              <a:rPr/>
+              <a:t>Lots more examples than I have time for</a:t>
+            </a:r>
+          </a:p>
         </p:txBody>
       </p:sp>
     </p:spTree>
@@ -4537,107 +4560,6 @@
 </file>
 
 <file path=ppt/slides/slide20.xml><?xml version="1.0" encoding="utf-8"?>
-<p:sld xmlns:a="http://schemas.openxmlformats.org/drawingml/2006/main" xmlns:r="http://schemas.openxmlformats.org/officeDocument/2006/relationships" xmlns:p="http://schemas.openxmlformats.org/presentationml/2006/main">
-  <p:cSld>
-    <p:spTree>
-      <p:nvGrpSpPr>
-        <p:cNvPr id="1" name=""/>
-        <p:cNvGrpSpPr/>
-        <p:nvPr/>
-      </p:nvGrpSpPr>
-      <p:grpSpPr>
-        <a:xfrm>
-          <a:off x="0" y="0"/>
-          <a:ext cx="0" cy="0"/>
-          <a:chOff x="0" y="0"/>
-          <a:chExt cx="0" cy="0"/>
-        </a:xfrm>
-      </p:grpSpPr>
-      <p:sp>
-        <p:nvSpPr>
-          <p:cNvPr id="2" name="Title 1"/>
-          <p:cNvSpPr>
-            <a:spLocks noGrp="1"/>
-          </p:cNvSpPr>
-          <p:nvPr>
-            <p:ph type="title"/>
-          </p:nvPr>
-        </p:nvSpPr>
-        <p:spPr/>
-        <p:txBody>
-          <a:bodyPr/>
-          <a:lstStyle/>
-          <a:p>
-            <a:pPr lvl="0" marL="0" indent="0">
-              <a:buNone/>
-            </a:pPr>
-            <a:r>
-              <a:rPr/>
-              <a:t>Plot</a:t>
-            </a:r>
-            <a:r>
-              <a:rPr/>
-              <a:t> </a:t>
-            </a:r>
-            <a:r>
-              <a:rPr/>
-              <a:t>ofUKgas</a:t>
-            </a:r>
-            <a:r>
-              <a:rPr/>
-              <a:t> </a:t>
-            </a:r>
-            <a:r>
-              <a:rPr/>
-              <a:t>difference</a:t>
-            </a:r>
-            <a:r>
-              <a:rPr/>
-              <a:t> </a:t>
-            </a:r>
-            <a:r>
-              <a:rPr/>
-              <a:t>model</a:t>
-            </a:r>
-          </a:p>
-        </p:txBody>
-      </p:sp>
-      <p:pic>
-        <p:nvPicPr>
-          <p:cNvPr descr="basics_files/figure-pptx/UKgas-diff-1.png" id="0" name="Picture 1"/>
-          <p:cNvPicPr>
-            <a:picLocks noGrp="1" noChangeAspect="1"/>
-          </p:cNvPicPr>
-          <p:nvPr/>
-        </p:nvPicPr>
-        <p:blipFill>
-          <a:blip r:embed="rId2"/>
-          <a:stretch>
-            <a:fillRect/>
-          </a:stretch>
-        </p:blipFill>
-        <p:spPr bwMode="auto">
-          <a:xfrm>
-            <a:off x="457200" y="2032000"/>
-            <a:ext cx="8229600" cy="3657600"/>
-          </a:xfrm>
-          <a:prstGeom prst="rect">
-            <a:avLst/>
-          </a:prstGeom>
-          <a:noFill/>
-          <a:ln w="9525">
-            <a:noFill/>
-            <a:headEnd/>
-            <a:tailEnd/>
-          </a:ln>
-        </p:spPr>
-      </p:pic>
-    </p:spTree>
-  </p:cSld>
-</p:sld>
-</file>
-
-<file path=ppt/slides/slide21.xml><?xml version="1.0" encoding="utf-8"?>
 <p:sld xmlns:a="http://schemas.openxmlformats.org/drawingml/2006/main" xmlns:r="http://schemas.openxmlformats.org/officeDocument/2006/relationships" xmlns:p="http://schemas.openxmlformats.org/presentationml/2006/main">
   <p:cSld>
     <p:spTree>
@@ -4767,7 +4689,7 @@
 </p:sld>
 </file>
 
-<file path=ppt/slides/slide22.xml><?xml version="1.0" encoding="utf-8"?>
+<file path=ppt/slides/slide21.xml><?xml version="1.0" encoding="utf-8"?>
 <p:sld xmlns:a="http://schemas.openxmlformats.org/drawingml/2006/main" xmlns:r="http://schemas.openxmlformats.org/officeDocument/2006/relationships" xmlns:p="http://schemas.openxmlformats.org/presentationml/2006/main">
   <p:cSld>
     <p:spTree>
@@ -4876,7 +4798,7 @@
 </p:sld>
 </file>
 
-<file path=ppt/slides/slide23.xml><?xml version="1.0" encoding="utf-8"?>
+<file path=ppt/slides/slide22.xml><?xml version="1.0" encoding="utf-8"?>
 <p:sld xmlns:a="http://schemas.openxmlformats.org/drawingml/2006/main" xmlns:r="http://schemas.openxmlformats.org/officeDocument/2006/relationships" xmlns:p="http://schemas.openxmlformats.org/presentationml/2006/main">
   <p:cSld>
     <p:spTree>
@@ -4996,7 +4918,7 @@
 </p:sld>
 </file>
 
-<file path=ppt/slides/slide24.xml><?xml version="1.0" encoding="utf-8"?>
+<file path=ppt/slides/slide23.xml><?xml version="1.0" encoding="utf-8"?>
 <p:sld xmlns:a="http://schemas.openxmlformats.org/drawingml/2006/main" xmlns:r="http://schemas.openxmlformats.org/officeDocument/2006/relationships" xmlns:p="http://schemas.openxmlformats.org/presentationml/2006/main">
   <p:cSld>
     <p:spTree>
@@ -5402,6 +5324,134 @@
 </p:sld>
 </file>
 
+<file path=ppt/slides/slide24.xml><?xml version="1.0" encoding="utf-8"?>
+<p:sld xmlns:a="http://schemas.openxmlformats.org/drawingml/2006/main" xmlns:r="http://schemas.openxmlformats.org/officeDocument/2006/relationships" xmlns:p="http://schemas.openxmlformats.org/presentationml/2006/main">
+  <p:cSld>
+    <p:spTree>
+      <p:nvGrpSpPr>
+        <p:cNvPr id="1" name=""/>
+        <p:cNvGrpSpPr/>
+        <p:nvPr/>
+      </p:nvGrpSpPr>
+      <p:grpSpPr>
+        <a:xfrm>
+          <a:off x="0" y="0"/>
+          <a:ext cx="0" cy="0"/>
+          <a:chOff x="0" y="0"/>
+          <a:chExt cx="0" cy="0"/>
+        </a:xfrm>
+      </p:grpSpPr>
+      <p:sp>
+        <p:nvSpPr>
+          <p:cNvPr id="2" name="Title 1"/>
+          <p:cNvSpPr>
+            <a:spLocks noGrp="1"/>
+          </p:cNvSpPr>
+          <p:nvPr>
+            <p:ph type="title"/>
+          </p:nvPr>
+        </p:nvSpPr>
+        <p:spPr/>
+        <p:txBody>
+          <a:bodyPr/>
+          <a:lstStyle/>
+          <a:p>
+            <a:pPr lvl="0" marL="0" indent="0">
+              <a:buNone/>
+            </a:pPr>
+            <a:r>
+              <a:rPr/>
+              <a:t>Theoretical</a:t>
+            </a:r>
+            <a:r>
+              <a:rPr/>
+              <a:t> </a:t>
+            </a:r>
+            <a:r>
+              <a:rPr/>
+              <a:t>correlation</a:t>
+            </a:r>
+            <a:r>
+              <a:rPr/>
+              <a:t> </a:t>
+            </a:r>
+            <a:r>
+              <a:rPr/>
+              <a:t>matrix</a:t>
+            </a:r>
+            <a:r>
+              <a:rPr/>
+              <a:t> </a:t>
+            </a:r>
+            <a:r>
+              <a:rPr/>
+              <a:t>for</a:t>
+            </a:r>
+            <a:r>
+              <a:rPr/>
+              <a:t> </a:t>
+            </a:r>
+            <a:r>
+              <a:rPr/>
+              <a:t>positive</a:t>
+            </a:r>
+            <a:r>
+              <a:rPr/>
+              <a:t> </a:t>
+            </a:r>
+            <a:r>
+              <a:rPr/>
+              <a:t>autoregessive</a:t>
+            </a:r>
+            <a:r>
+              <a:rPr/>
+              <a:t> </a:t>
+            </a:r>
+            <a:r>
+              <a:rPr/>
+              <a:t>model</a:t>
+            </a:r>
+          </a:p>
+        </p:txBody>
+      </p:sp>
+      <p:sp>
+        <p:nvSpPr>
+          <p:cNvPr id="3" name="Content Placeholder 2"/>
+          <p:cNvSpPr>
+            <a:spLocks noGrp="1"/>
+          </p:cNvSpPr>
+          <p:nvPr>
+            <p:ph idx="1"/>
+          </p:nvPr>
+        </p:nvSpPr>
+        <p:spPr/>
+        <p:txBody>
+          <a:bodyPr/>
+          <a:lstStyle/>
+          <a:p>
+            <a:pPr lvl="0" marL="1270000" indent="0">
+              <a:buNone/>
+            </a:pPr>
+            <a:r>
+              <a:rPr sz="1800">
+                <a:latin typeface="Courier"/>
+              </a:rPr>
+              <a:t>##       [,1]  [,2]  [,3]  [,4]  [,5]  [,6]
+## [1,] 1.000 0.500 0.250 0.125 0.062 0.031
+## [2,] 0.500 1.000 0.500 0.250 0.125 0.062
+## [3,] 0.250 0.500 1.000 0.500 0.250 0.125
+## [4,] 0.125 0.250 0.500 1.000 0.500 0.250
+## [5,] 0.062 0.125 0.250 0.500 1.000 0.500
+## [6,] 0.031 0.062 0.125 0.250 0.500 1.000</a:t>
+            </a:r>
+          </a:p>
+        </p:txBody>
+      </p:sp>
+    </p:spTree>
+  </p:cSld>
+</p:sld>
+</file>
+
 <file path=ppt/slides/slide25.xml><?xml version="1.0" encoding="utf-8"?>
 <p:sld xmlns:a="http://schemas.openxmlformats.org/drawingml/2006/main" xmlns:r="http://schemas.openxmlformats.org/officeDocument/2006/relationships" xmlns:p="http://schemas.openxmlformats.org/presentationml/2006/main">
   <p:cSld>
@@ -5439,31 +5489,31 @@
             </a:pPr>
             <a:r>
               <a:rPr/>
-              <a:t>Theoretical</a:t>
-            </a:r>
-            <a:r>
-              <a:rPr/>
-              <a:t> </a:t>
-            </a:r>
-            <a:r>
-              <a:rPr/>
-              <a:t>correlation</a:t>
-            </a:r>
-            <a:r>
-              <a:rPr/>
-              <a:t> </a:t>
-            </a:r>
-            <a:r>
-              <a:rPr/>
-              <a:t>matrix</a:t>
-            </a:r>
-            <a:r>
-              <a:rPr/>
-              <a:t> </a:t>
-            </a:r>
-            <a:r>
-              <a:rPr/>
-              <a:t>for</a:t>
+              <a:t>A</a:t>
+            </a:r>
+            <a:r>
+              <a:rPr/>
+              <a:t> </a:t>
+            </a:r>
+            <a:r>
+              <a:rPr/>
+              <a:t>simulation</a:t>
+            </a:r>
+            <a:r>
+              <a:rPr/>
+              <a:t> </a:t>
+            </a:r>
+            <a:r>
+              <a:rPr/>
+              <a:t>of</a:t>
+            </a:r>
+            <a:r>
+              <a:rPr/>
+              <a:t> </a:t>
+            </a:r>
+            <a:r>
+              <a:rPr/>
+              <a:t>a</a:t>
             </a:r>
             <a:r>
               <a:rPr/>
@@ -5479,7 +5529,7 @@
             </a:r>
             <a:r>
               <a:rPr/>
-              <a:t>autoregessive</a:t>
+              <a:t>autoregressive</a:t>
             </a:r>
             <a:r>
               <a:rPr/>
@@ -5492,39 +5542,36 @@
           </a:p>
         </p:txBody>
       </p:sp>
-      <p:sp>
-        <p:nvSpPr>
-          <p:cNvPr id="3" name="Content Placeholder 2"/>
-          <p:cNvSpPr>
-            <a:spLocks noGrp="1"/>
-          </p:cNvSpPr>
-          <p:nvPr>
-            <p:ph idx="1"/>
-          </p:nvPr>
-        </p:nvSpPr>
-        <p:spPr/>
-        <p:txBody>
-          <a:bodyPr/>
-          <a:lstStyle/>
-          <a:p>
-            <a:pPr lvl="0" marL="1270000" indent="0">
-              <a:buNone/>
-            </a:pPr>
-            <a:r>
-              <a:rPr sz="1800">
-                <a:latin typeface="Courier"/>
-              </a:rPr>
-              <a:t>##       [,1]  [,2]  [,3]  [,4]  [,5]  [,6]
-## [1,] 1.000 0.500 0.250 0.125 0.062 0.031
-## [2,] 0.500 1.000 0.500 0.250 0.125 0.062
-## [3,] 0.250 0.500 1.000 0.500 0.250 0.125
-## [4,] 0.125 0.250 0.500 1.000 0.500 0.250
-## [5,] 0.062 0.125 0.250 0.500 1.000 0.500
-## [6,] 0.031 0.062 0.125 0.250 0.500 1.000</a:t>
-            </a:r>
-          </a:p>
-        </p:txBody>
-      </p:sp>
+      <p:pic>
+        <p:nvPicPr>
+          <p:cNvPr descr="basics_files/figure-pptx/pos-ar-sim-1.png" id="0" name="Picture 1"/>
+          <p:cNvPicPr>
+            <a:picLocks noGrp="1" noChangeAspect="1"/>
+          </p:cNvPicPr>
+          <p:nvPr/>
+        </p:nvPicPr>
+        <p:blipFill>
+          <a:blip r:embed="rId2"/>
+          <a:stretch>
+            <a:fillRect/>
+          </a:stretch>
+        </p:blipFill>
+        <p:spPr bwMode="auto">
+          <a:xfrm>
+            <a:off x="457200" y="2032000"/>
+            <a:ext cx="8229600" cy="3657600"/>
+          </a:xfrm>
+          <a:prstGeom prst="rect">
+            <a:avLst/>
+          </a:prstGeom>
+          <a:noFill/>
+          <a:ln w="9525">
+            <a:noFill/>
+            <a:headEnd/>
+            <a:tailEnd/>
+          </a:ln>
+        </p:spPr>
+      </p:pic>
     </p:spTree>
   </p:cSld>
 </p:sld>
@@ -5567,31 +5614,23 @@
             </a:pPr>
             <a:r>
               <a:rPr/>
-              <a:t>A</a:t>
-            </a:r>
-            <a:r>
-              <a:rPr/>
-              <a:t> </a:t>
-            </a:r>
-            <a:r>
-              <a:rPr/>
-              <a:t>simulation</a:t>
-            </a:r>
-            <a:r>
-              <a:rPr/>
-              <a:t> </a:t>
-            </a:r>
-            <a:r>
-              <a:rPr/>
-              <a:t>of</a:t>
-            </a:r>
-            <a:r>
-              <a:rPr/>
-              <a:t> </a:t>
-            </a:r>
-            <a:r>
-              <a:rPr/>
-              <a:t>a</a:t>
+              <a:t>Auotcorrelation</a:t>
+            </a:r>
+            <a:r>
+              <a:rPr/>
+              <a:t> </a:t>
+            </a:r>
+            <a:r>
+              <a:rPr/>
+              <a:t>patterns</a:t>
+            </a:r>
+            <a:r>
+              <a:rPr/>
+              <a:t> </a:t>
+            </a:r>
+            <a:r>
+              <a:rPr/>
+              <a:t>for</a:t>
             </a:r>
             <a:r>
               <a:rPr/>
@@ -5622,7 +5661,7 @@
       </p:sp>
       <p:pic>
         <p:nvPicPr>
-          <p:cNvPr descr="basics_files/figure-pptx/pos-ar-sim-1.png" id="0" name="Picture 1"/>
+          <p:cNvPr descr="basics_files/figure-pptx/pos-ar-acf-1.png" id="0" name="Picture 1"/>
           <p:cNvPicPr>
             <a:picLocks noGrp="1" noChangeAspect="1"/>
           </p:cNvPicPr>
@@ -5692,15 +5731,23 @@
             </a:pPr>
             <a:r>
               <a:rPr/>
-              <a:t>Auotcorrelation</a:t>
-            </a:r>
-            <a:r>
-              <a:rPr/>
-              <a:t> </a:t>
-            </a:r>
-            <a:r>
-              <a:rPr/>
-              <a:t>patterns</a:t>
+              <a:t>Theoretical</a:t>
+            </a:r>
+            <a:r>
+              <a:rPr/>
+              <a:t> </a:t>
+            </a:r>
+            <a:r>
+              <a:rPr/>
+              <a:t>correlation</a:t>
+            </a:r>
+            <a:r>
+              <a:rPr/>
+              <a:t> </a:t>
+            </a:r>
+            <a:r>
+              <a:rPr/>
+              <a:t>matrix</a:t>
             </a:r>
             <a:r>
               <a:rPr/>
@@ -5716,7 +5763,135 @@
             </a:r>
             <a:r>
               <a:rPr/>
-              <a:t>positive</a:t>
+              <a:t>negative</a:t>
+            </a:r>
+            <a:r>
+              <a:rPr/>
+              <a:t> </a:t>
+            </a:r>
+            <a:r>
+              <a:rPr/>
+              <a:t>autoregessive</a:t>
+            </a:r>
+            <a:r>
+              <a:rPr/>
+              <a:t> </a:t>
+            </a:r>
+            <a:r>
+              <a:rPr/>
+              <a:t>model</a:t>
+            </a:r>
+          </a:p>
+        </p:txBody>
+      </p:sp>
+      <p:sp>
+        <p:nvSpPr>
+          <p:cNvPr id="3" name="Content Placeholder 2"/>
+          <p:cNvSpPr>
+            <a:spLocks noGrp="1"/>
+          </p:cNvSpPr>
+          <p:nvPr>
+            <p:ph idx="1"/>
+          </p:nvPr>
+        </p:nvSpPr>
+        <p:spPr/>
+        <p:txBody>
+          <a:bodyPr/>
+          <a:lstStyle/>
+          <a:p>
+            <a:pPr lvl="0" marL="1270000" indent="0">
+              <a:buNone/>
+            </a:pPr>
+            <a:r>
+              <a:rPr sz="1800">
+                <a:latin typeface="Courier"/>
+              </a:rPr>
+              <a:t>##        [,1]   [,2]   [,3]   [,4]   [,5]   [,6]
+## [1,]  1.000 -0.500  0.250 -0.125  0.062 -0.031
+## [2,] -0.500  1.000 -0.500  0.250 -0.125  0.062
+## [3,]  0.250 -0.500  1.000 -0.500  0.250 -0.125
+## [4,] -0.125  0.250 -0.500  1.000 -0.500  0.250
+## [5,]  0.062 -0.125  0.250 -0.500  1.000 -0.500
+## [6,] -0.031  0.062 -0.125  0.250 -0.500  1.000</a:t>
+            </a:r>
+          </a:p>
+        </p:txBody>
+      </p:sp>
+    </p:spTree>
+  </p:cSld>
+</p:sld>
+</file>
+
+<file path=ppt/slides/slide28.xml><?xml version="1.0" encoding="utf-8"?>
+<p:sld xmlns:a="http://schemas.openxmlformats.org/drawingml/2006/main" xmlns:r="http://schemas.openxmlformats.org/officeDocument/2006/relationships" xmlns:p="http://schemas.openxmlformats.org/presentationml/2006/main">
+  <p:cSld>
+    <p:spTree>
+      <p:nvGrpSpPr>
+        <p:cNvPr id="1" name=""/>
+        <p:cNvGrpSpPr/>
+        <p:nvPr/>
+      </p:nvGrpSpPr>
+      <p:grpSpPr>
+        <a:xfrm>
+          <a:off x="0" y="0"/>
+          <a:ext cx="0" cy="0"/>
+          <a:chOff x="0" y="0"/>
+          <a:chExt cx="0" cy="0"/>
+        </a:xfrm>
+      </p:grpSpPr>
+      <p:sp>
+        <p:nvSpPr>
+          <p:cNvPr id="2" name="Title 1"/>
+          <p:cNvSpPr>
+            <a:spLocks noGrp="1"/>
+          </p:cNvSpPr>
+          <p:nvPr>
+            <p:ph type="title"/>
+          </p:nvPr>
+        </p:nvSpPr>
+        <p:spPr/>
+        <p:txBody>
+          <a:bodyPr/>
+          <a:lstStyle/>
+          <a:p>
+            <a:pPr lvl="0" marL="0" indent="0">
+              <a:buNone/>
+            </a:pPr>
+            <a:r>
+              <a:rPr/>
+              <a:t>A</a:t>
+            </a:r>
+            <a:r>
+              <a:rPr/>
+              <a:t> </a:t>
+            </a:r>
+            <a:r>
+              <a:rPr/>
+              <a:t>simulation</a:t>
+            </a:r>
+            <a:r>
+              <a:rPr/>
+              <a:t> </a:t>
+            </a:r>
+            <a:r>
+              <a:rPr/>
+              <a:t>of</a:t>
+            </a:r>
+            <a:r>
+              <a:rPr/>
+              <a:t> </a:t>
+            </a:r>
+            <a:r>
+              <a:rPr/>
+              <a:t>a</a:t>
+            </a:r>
+            <a:r>
+              <a:rPr/>
+              <a:t> </a:t>
+            </a:r>
+            <a:r>
+              <a:rPr/>
+              <a:t>negative</a:t>
             </a:r>
             <a:r>
               <a:rPr/>
@@ -5739,7 +5914,7 @@
       </p:sp>
       <p:pic>
         <p:nvPicPr>
-          <p:cNvPr descr="basics_files/figure-pptx/pos-ar-acf-1.png" id="0" name="Picture 1"/>
+          <p:cNvPr descr="basics_files/figure-pptx/neg-ar-sim-1.png" id="0" name="Picture 1"/>
           <p:cNvPicPr>
             <a:picLocks noGrp="1" noChangeAspect="1"/>
           </p:cNvPicPr>
@@ -5772,134 +5947,6 @@
 </p:sld>
 </file>
 
-<file path=ppt/slides/slide28.xml><?xml version="1.0" encoding="utf-8"?>
-<p:sld xmlns:a="http://schemas.openxmlformats.org/drawingml/2006/main" xmlns:r="http://schemas.openxmlformats.org/officeDocument/2006/relationships" xmlns:p="http://schemas.openxmlformats.org/presentationml/2006/main">
-  <p:cSld>
-    <p:spTree>
-      <p:nvGrpSpPr>
-        <p:cNvPr id="1" name=""/>
-        <p:cNvGrpSpPr/>
-        <p:nvPr/>
-      </p:nvGrpSpPr>
-      <p:grpSpPr>
-        <a:xfrm>
-          <a:off x="0" y="0"/>
-          <a:ext cx="0" cy="0"/>
-          <a:chOff x="0" y="0"/>
-          <a:chExt cx="0" cy="0"/>
-        </a:xfrm>
-      </p:grpSpPr>
-      <p:sp>
-        <p:nvSpPr>
-          <p:cNvPr id="2" name="Title 1"/>
-          <p:cNvSpPr>
-            <a:spLocks noGrp="1"/>
-          </p:cNvSpPr>
-          <p:nvPr>
-            <p:ph type="title"/>
-          </p:nvPr>
-        </p:nvSpPr>
-        <p:spPr/>
-        <p:txBody>
-          <a:bodyPr/>
-          <a:lstStyle/>
-          <a:p>
-            <a:pPr lvl="0" marL="0" indent="0">
-              <a:buNone/>
-            </a:pPr>
-            <a:r>
-              <a:rPr/>
-              <a:t>Theoretical</a:t>
-            </a:r>
-            <a:r>
-              <a:rPr/>
-              <a:t> </a:t>
-            </a:r>
-            <a:r>
-              <a:rPr/>
-              <a:t>correlation</a:t>
-            </a:r>
-            <a:r>
-              <a:rPr/>
-              <a:t> </a:t>
-            </a:r>
-            <a:r>
-              <a:rPr/>
-              <a:t>matrix</a:t>
-            </a:r>
-            <a:r>
-              <a:rPr/>
-              <a:t> </a:t>
-            </a:r>
-            <a:r>
-              <a:rPr/>
-              <a:t>for</a:t>
-            </a:r>
-            <a:r>
-              <a:rPr/>
-              <a:t> </a:t>
-            </a:r>
-            <a:r>
-              <a:rPr/>
-              <a:t>negative</a:t>
-            </a:r>
-            <a:r>
-              <a:rPr/>
-              <a:t> </a:t>
-            </a:r>
-            <a:r>
-              <a:rPr/>
-              <a:t>autoregessive</a:t>
-            </a:r>
-            <a:r>
-              <a:rPr/>
-              <a:t> </a:t>
-            </a:r>
-            <a:r>
-              <a:rPr/>
-              <a:t>model</a:t>
-            </a:r>
-          </a:p>
-        </p:txBody>
-      </p:sp>
-      <p:sp>
-        <p:nvSpPr>
-          <p:cNvPr id="3" name="Content Placeholder 2"/>
-          <p:cNvSpPr>
-            <a:spLocks noGrp="1"/>
-          </p:cNvSpPr>
-          <p:nvPr>
-            <p:ph idx="1"/>
-          </p:nvPr>
-        </p:nvSpPr>
-        <p:spPr/>
-        <p:txBody>
-          <a:bodyPr/>
-          <a:lstStyle/>
-          <a:p>
-            <a:pPr lvl="0" marL="1270000" indent="0">
-              <a:buNone/>
-            </a:pPr>
-            <a:r>
-              <a:rPr sz="1800">
-                <a:latin typeface="Courier"/>
-              </a:rPr>
-              <a:t>##        [,1]   [,2]   [,3]   [,4]   [,5]   [,6]
-## [1,]  1.000 -0.500  0.250 -0.125  0.062 -0.031
-## [2,] -0.500  1.000 -0.500  0.250 -0.125  0.062
-## [3,]  0.250 -0.500  1.000 -0.500  0.250 -0.125
-## [4,] -0.125  0.250 -0.500  1.000 -0.500  0.250
-## [5,]  0.062 -0.125  0.250 -0.500  1.000 -0.500
-## [6,] -0.031  0.062 -0.125  0.250 -0.500  1.000</a:t>
-            </a:r>
-          </a:p>
-        </p:txBody>
-      </p:sp>
-    </p:spTree>
-  </p:cSld>
-</p:sld>
-</file>
-
 <file path=ppt/slides/slide29.xml><?xml version="1.0" encoding="utf-8"?>
 <p:sld xmlns:a="http://schemas.openxmlformats.org/drawingml/2006/main" xmlns:r="http://schemas.openxmlformats.org/officeDocument/2006/relationships" xmlns:p="http://schemas.openxmlformats.org/presentationml/2006/main">
   <p:cSld>
@@ -5937,31 +5984,23 @@
             </a:pPr>
             <a:r>
               <a:rPr/>
-              <a:t>A</a:t>
-            </a:r>
-            <a:r>
-              <a:rPr/>
-              <a:t> </a:t>
-            </a:r>
-            <a:r>
-              <a:rPr/>
-              <a:t>simulation</a:t>
-            </a:r>
-            <a:r>
-              <a:rPr/>
-              <a:t> </a:t>
-            </a:r>
-            <a:r>
-              <a:rPr/>
-              <a:t>of</a:t>
-            </a:r>
-            <a:r>
-              <a:rPr/>
-              <a:t> </a:t>
-            </a:r>
-            <a:r>
-              <a:rPr/>
-              <a:t>a</a:t>
+              <a:t>Auotcorrelation</a:t>
+            </a:r>
+            <a:r>
+              <a:rPr/>
+              <a:t> </a:t>
+            </a:r>
+            <a:r>
+              <a:rPr/>
+              <a:t>patterns</a:t>
+            </a:r>
+            <a:r>
+              <a:rPr/>
+              <a:t> </a:t>
+            </a:r>
+            <a:r>
+              <a:rPr/>
+              <a:t>for</a:t>
             </a:r>
             <a:r>
               <a:rPr/>
@@ -5992,7 +6031,7 @@
       </p:sp>
       <p:pic>
         <p:nvPicPr>
-          <p:cNvPr descr="basics_files/figure-pptx/neg-ar-sim-1.png" id="0" name="Picture 1"/>
+          <p:cNvPr descr="basics_files/figure-pptx/neg-ar-acf-1.png" id="0" name="Picture 1"/>
           <p:cNvPicPr>
             <a:picLocks noGrp="1" noChangeAspect="1"/>
           </p:cNvPicPr>
@@ -6062,31 +6101,23 @@
             </a:pPr>
             <a:r>
               <a:rPr/>
-              <a:t>Decomposing</a:t>
-            </a:r>
-            <a:r>
-              <a:rPr/>
-              <a:t> </a:t>
-            </a:r>
-            <a:r>
-              <a:rPr/>
-              <a:t>a</a:t>
-            </a:r>
-            <a:r>
-              <a:rPr/>
-              <a:t> </a:t>
-            </a:r>
-            <a:r>
-              <a:rPr/>
-              <a:t>time</a:t>
-            </a:r>
-            <a:r>
-              <a:rPr/>
-              <a:t> </a:t>
-            </a:r>
-            <a:r>
-              <a:rPr/>
-              <a:t>series</a:t>
+              <a:t>Regression</a:t>
+            </a:r>
+            <a:r>
+              <a:rPr/>
+              <a:t> </a:t>
+            </a:r>
+            <a:r>
+              <a:rPr/>
+              <a:t>based</a:t>
+            </a:r>
+            <a:r>
+              <a:rPr/>
+              <a:t> </a:t>
+            </a:r>
+            <a:r>
+              <a:rPr/>
+              <a:t>decomposition</a:t>
             </a:r>
           </a:p>
         </p:txBody>
@@ -6334,15 +6365,182 @@
             </a:pPr>
             <a:r>
               <a:rPr/>
-              <a:t>Auotcorrelation</a:t>
-            </a:r>
-            <a:r>
-              <a:rPr/>
-              <a:t> </a:t>
-            </a:r>
-            <a:r>
-              <a:rPr/>
-              <a:t>patterns</a:t>
+              <a:t>Moving</a:t>
+            </a:r>
+            <a:r>
+              <a:rPr/>
+              <a:t> </a:t>
+            </a:r>
+            <a:r>
+              <a:rPr/>
+              <a:t>average</a:t>
+            </a:r>
+            <a:r>
+              <a:rPr/>
+              <a:t> </a:t>
+            </a:r>
+            <a:r>
+              <a:rPr/>
+              <a:t>model</a:t>
+            </a:r>
+          </a:p>
+        </p:txBody>
+      </p:sp>
+      <mc:AlternateContent xmlns:mc="http://schemas.openxmlformats.org/markup-compatibility/2006">
+        <mc:Choice xmlns:a14="http://schemas.microsoft.com/office/drawing/2010/main" Requires="a14">
+          <p:sp>
+            <p:nvSpPr>
+              <p:cNvPr id="3" name="Content Placeholder 2"/>
+              <p:cNvSpPr>
+                <a:spLocks noGrp="1"/>
+              </p:cNvSpPr>
+              <p:nvPr>
+                <p:ph idx="1"/>
+              </p:nvPr>
+            </p:nvSpPr>
+            <p:spPr/>
+            <p:txBody>
+              <a:bodyPr/>
+              <a:lstStyle/>
+              <a:p>
+                <a:pPr lvl="0" marL="0" indent="0">
+                  <a:buNone/>
+                </a:pPr>
+                <a:r>
+                  <a:rPr/>
+                  <a:t>ARIMA(0, 0, 1)</a:t>
+                </a:r>
+              </a:p>
+              <a:p>
+                <a:pPr lvl="1"/>
+                <a14:m>
+                  <m:oMath xmlns:m="http://schemas.openxmlformats.org/officeDocument/2006/math">
+                    <m:sSub>
+                      <m:e>
+                        <m:r>
+                          <m:t>Z</m:t>
+                        </m:r>
+                      </m:e>
+                      <m:sub>
+                        <m:r>
+                          <m:t>t</m:t>
+                        </m:r>
+                      </m:sub>
+                    </m:sSub>
+                    <m:r>
+                      <m:t>=</m:t>
+                    </m:r>
+                    <m:r>
+                      <m:t>θ</m:t>
+                    </m:r>
+                    <m:sSub>
+                      <m:e>
+                        <m:r>
+                          <m:t>ϵ</m:t>
+                        </m:r>
+                      </m:e>
+                      <m:sub>
+                        <m:r>
+                          <m:t>t</m:t>
+                        </m:r>
+                        <m:r>
+                          <m:t>−</m:t>
+                        </m:r>
+                        <m:r>
+                          <m:t>1</m:t>
+                        </m:r>
+                      </m:sub>
+                    </m:sSub>
+                    <m:r>
+                      <m:t>+</m:t>
+                    </m:r>
+                    <m:sSub>
+                      <m:e>
+                        <m:r>
+                          <m:t>ϵ</m:t>
+                        </m:r>
+                      </m:e>
+                      <m:sub>
+                        <m:r>
+                          <m:t>t</m:t>
+                        </m:r>
+                      </m:sub>
+                    </m:sSub>
+                  </m:oMath>
+                </a14:m>
+              </a:p>
+              <a:p>
+                <a:pPr lvl="0" marL="0" indent="0">
+                  <a:buNone/>
+                </a:pPr>
+                <a:r>
+                  <a:rPr/>
+                  <a:t>There is no “ripple effect” with a moving average model.</a:t>
+                </a:r>
+              </a:p>
+            </p:txBody>
+          </p:sp>
+        </mc:Choice>
+      </mc:AlternateContent>
+    </p:spTree>
+  </p:cSld>
+</p:sld>
+</file>
+
+<file path=ppt/slides/slide31.xml><?xml version="1.0" encoding="utf-8"?>
+<p:sld xmlns:a="http://schemas.openxmlformats.org/drawingml/2006/main" xmlns:r="http://schemas.openxmlformats.org/officeDocument/2006/relationships" xmlns:p="http://schemas.openxmlformats.org/presentationml/2006/main">
+  <p:cSld>
+    <p:spTree>
+      <p:nvGrpSpPr>
+        <p:cNvPr id="1" name=""/>
+        <p:cNvGrpSpPr/>
+        <p:nvPr/>
+      </p:nvGrpSpPr>
+      <p:grpSpPr>
+        <a:xfrm>
+          <a:off x="0" y="0"/>
+          <a:ext cx="0" cy="0"/>
+          <a:chOff x="0" y="0"/>
+          <a:chExt cx="0" cy="0"/>
+        </a:xfrm>
+      </p:grpSpPr>
+      <p:sp>
+        <p:nvSpPr>
+          <p:cNvPr id="2" name="Title 1"/>
+          <p:cNvSpPr>
+            <a:spLocks noGrp="1"/>
+          </p:cNvSpPr>
+          <p:nvPr>
+            <p:ph type="title"/>
+          </p:nvPr>
+        </p:nvSpPr>
+        <p:spPr/>
+        <p:txBody>
+          <a:bodyPr/>
+          <a:lstStyle/>
+          <a:p>
+            <a:pPr lvl="0" marL="0" indent="0">
+              <a:buNone/>
+            </a:pPr>
+            <a:r>
+              <a:rPr/>
+              <a:t>Theoretical</a:t>
+            </a:r>
+            <a:r>
+              <a:rPr/>
+              <a:t> </a:t>
+            </a:r>
+            <a:r>
+              <a:rPr/>
+              <a:t>correlation</a:t>
+            </a:r>
+            <a:r>
+              <a:rPr/>
+              <a:t> </a:t>
+            </a:r>
+            <a:r>
+              <a:rPr/>
+              <a:t>matrix</a:t>
             </a:r>
             <a:r>
               <a:rPr/>
@@ -6358,15 +6556,159 @@
             </a:r>
             <a:r>
               <a:rPr/>
-              <a:t>negative</a:t>
-            </a:r>
-            <a:r>
-              <a:rPr/>
-              <a:t> </a:t>
-            </a:r>
-            <a:r>
-              <a:rPr/>
-              <a:t>autoregressive</a:t>
+              <a:t>positive</a:t>
+            </a:r>
+            <a:r>
+              <a:rPr/>
+              <a:t> </a:t>
+            </a:r>
+            <a:r>
+              <a:rPr/>
+              <a:t>moving</a:t>
+            </a:r>
+            <a:r>
+              <a:rPr/>
+              <a:t> </a:t>
+            </a:r>
+            <a:r>
+              <a:rPr/>
+              <a:t>average</a:t>
+            </a:r>
+            <a:r>
+              <a:rPr/>
+              <a:t> </a:t>
+            </a:r>
+            <a:r>
+              <a:rPr/>
+              <a:t>model</a:t>
+            </a:r>
+          </a:p>
+        </p:txBody>
+      </p:sp>
+      <p:sp>
+        <p:nvSpPr>
+          <p:cNvPr id="3" name="Content Placeholder 2"/>
+          <p:cNvSpPr>
+            <a:spLocks noGrp="1"/>
+          </p:cNvSpPr>
+          <p:nvPr>
+            <p:ph idx="1"/>
+          </p:nvPr>
+        </p:nvSpPr>
+        <p:spPr/>
+        <p:txBody>
+          <a:bodyPr/>
+          <a:lstStyle/>
+          <a:p>
+            <a:pPr lvl="0" marL="1270000" indent="0">
+              <a:buNone/>
+            </a:pPr>
+            <a:r>
+              <a:rPr sz="1800">
+                <a:latin typeface="Courier"/>
+              </a:rPr>
+              <a:t>##      [,1] [,2] [,3] [,4] [,5] [,6]
+## [1,]  1.0  0.5  0.0  0.0  0.0  0.0
+## [2,]  0.5  1.0  0.5  0.0  0.0  0.0
+## [3,]  0.0  0.5  1.0  0.5  0.0  0.0
+## [4,]  0.0  0.0  0.5  1.0  0.5  0.0
+## [5,]  0.0  0.0  0.0  0.5  1.0  0.5
+## [6,]  0.0  0.0  0.0  0.0  0.5  1.0</a:t>
+            </a:r>
+          </a:p>
+        </p:txBody>
+      </p:sp>
+    </p:spTree>
+  </p:cSld>
+</p:sld>
+</file>
+
+<file path=ppt/slides/slide32.xml><?xml version="1.0" encoding="utf-8"?>
+<p:sld xmlns:a="http://schemas.openxmlformats.org/drawingml/2006/main" xmlns:r="http://schemas.openxmlformats.org/officeDocument/2006/relationships" xmlns:p="http://schemas.openxmlformats.org/presentationml/2006/main">
+  <p:cSld>
+    <p:spTree>
+      <p:nvGrpSpPr>
+        <p:cNvPr id="1" name=""/>
+        <p:cNvGrpSpPr/>
+        <p:nvPr/>
+      </p:nvGrpSpPr>
+      <p:grpSpPr>
+        <a:xfrm>
+          <a:off x="0" y="0"/>
+          <a:ext cx="0" cy="0"/>
+          <a:chOff x="0" y="0"/>
+          <a:chExt cx="0" cy="0"/>
+        </a:xfrm>
+      </p:grpSpPr>
+      <p:sp>
+        <p:nvSpPr>
+          <p:cNvPr id="2" name="Title 1"/>
+          <p:cNvSpPr>
+            <a:spLocks noGrp="1"/>
+          </p:cNvSpPr>
+          <p:nvPr>
+            <p:ph type="title"/>
+          </p:nvPr>
+        </p:nvSpPr>
+        <p:spPr/>
+        <p:txBody>
+          <a:bodyPr/>
+          <a:lstStyle/>
+          <a:p>
+            <a:pPr lvl="0" marL="0" indent="0">
+              <a:buNone/>
+            </a:pPr>
+            <a:r>
+              <a:rPr/>
+              <a:t>A</a:t>
+            </a:r>
+            <a:r>
+              <a:rPr/>
+              <a:t> </a:t>
+            </a:r>
+            <a:r>
+              <a:rPr/>
+              <a:t>simulation</a:t>
+            </a:r>
+            <a:r>
+              <a:rPr/>
+              <a:t> </a:t>
+            </a:r>
+            <a:r>
+              <a:rPr/>
+              <a:t>of</a:t>
+            </a:r>
+            <a:r>
+              <a:rPr/>
+              <a:t> </a:t>
+            </a:r>
+            <a:r>
+              <a:rPr/>
+              <a:t>a</a:t>
+            </a:r>
+            <a:r>
+              <a:rPr/>
+              <a:t> </a:t>
+            </a:r>
+            <a:r>
+              <a:rPr/>
+              <a:t>positive</a:t>
+            </a:r>
+            <a:r>
+              <a:rPr/>
+              <a:t> </a:t>
+            </a:r>
+            <a:r>
+              <a:rPr/>
+              <a:t>moving</a:t>
+            </a:r>
+            <a:r>
+              <a:rPr/>
+              <a:t> </a:t>
+            </a:r>
+            <a:r>
+              <a:rPr/>
+              <a:t>average</a:t>
             </a:r>
             <a:r>
               <a:rPr/>
@@ -6381,7 +6723,7 @@
       </p:sp>
       <p:pic>
         <p:nvPicPr>
-          <p:cNvPr descr="basics_files/figure-pptx/neg-ar-acf-1.png" id="0" name="Picture 1"/>
+          <p:cNvPr descr="basics_files/figure-pptx/pos-ma-sim-1.png" id="0" name="Picture 1"/>
           <p:cNvPicPr>
             <a:picLocks noGrp="1" noChangeAspect="1"/>
           </p:cNvPicPr>
@@ -6414,301 +6756,6 @@
 </p:sld>
 </file>
 
-<file path=ppt/slides/slide31.xml><?xml version="1.0" encoding="utf-8"?>
-<p:sld xmlns:a="http://schemas.openxmlformats.org/drawingml/2006/main" xmlns:r="http://schemas.openxmlformats.org/officeDocument/2006/relationships" xmlns:p="http://schemas.openxmlformats.org/presentationml/2006/main">
-  <p:cSld>
-    <p:spTree>
-      <p:nvGrpSpPr>
-        <p:cNvPr id="1" name=""/>
-        <p:cNvGrpSpPr/>
-        <p:nvPr/>
-      </p:nvGrpSpPr>
-      <p:grpSpPr>
-        <a:xfrm>
-          <a:off x="0" y="0"/>
-          <a:ext cx="0" cy="0"/>
-          <a:chOff x="0" y="0"/>
-          <a:chExt cx="0" cy="0"/>
-        </a:xfrm>
-      </p:grpSpPr>
-      <p:sp>
-        <p:nvSpPr>
-          <p:cNvPr id="2" name="Title 1"/>
-          <p:cNvSpPr>
-            <a:spLocks noGrp="1"/>
-          </p:cNvSpPr>
-          <p:nvPr>
-            <p:ph type="title"/>
-          </p:nvPr>
-        </p:nvSpPr>
-        <p:spPr/>
-        <p:txBody>
-          <a:bodyPr/>
-          <a:lstStyle/>
-          <a:p>
-            <a:pPr lvl="0" marL="0" indent="0">
-              <a:buNone/>
-            </a:pPr>
-            <a:r>
-              <a:rPr/>
-              <a:t>Moving</a:t>
-            </a:r>
-            <a:r>
-              <a:rPr/>
-              <a:t> </a:t>
-            </a:r>
-            <a:r>
-              <a:rPr/>
-              <a:t>average</a:t>
-            </a:r>
-            <a:r>
-              <a:rPr/>
-              <a:t> </a:t>
-            </a:r>
-            <a:r>
-              <a:rPr/>
-              <a:t>model</a:t>
-            </a:r>
-          </a:p>
-        </p:txBody>
-      </p:sp>
-      <mc:AlternateContent xmlns:mc="http://schemas.openxmlformats.org/markup-compatibility/2006">
-        <mc:Choice xmlns:a14="http://schemas.microsoft.com/office/drawing/2010/main" Requires="a14">
-          <p:sp>
-            <p:nvSpPr>
-              <p:cNvPr id="3" name="Content Placeholder 2"/>
-              <p:cNvSpPr>
-                <a:spLocks noGrp="1"/>
-              </p:cNvSpPr>
-              <p:nvPr>
-                <p:ph idx="1"/>
-              </p:nvPr>
-            </p:nvSpPr>
-            <p:spPr/>
-            <p:txBody>
-              <a:bodyPr/>
-              <a:lstStyle/>
-              <a:p>
-                <a:pPr lvl="0" marL="0" indent="0">
-                  <a:buNone/>
-                </a:pPr>
-                <a:r>
-                  <a:rPr/>
-                  <a:t>ARIMA(0, 0, 1)</a:t>
-                </a:r>
-              </a:p>
-              <a:p>
-                <a:pPr lvl="1"/>
-                <a14:m>
-                  <m:oMath xmlns:m="http://schemas.openxmlformats.org/officeDocument/2006/math">
-                    <m:sSub>
-                      <m:e>
-                        <m:r>
-                          <m:t>Z</m:t>
-                        </m:r>
-                      </m:e>
-                      <m:sub>
-                        <m:r>
-                          <m:t>t</m:t>
-                        </m:r>
-                      </m:sub>
-                    </m:sSub>
-                    <m:r>
-                      <m:t>=</m:t>
-                    </m:r>
-                    <m:r>
-                      <m:t>θ</m:t>
-                    </m:r>
-                    <m:sSub>
-                      <m:e>
-                        <m:r>
-                          <m:t>ϵ</m:t>
-                        </m:r>
-                      </m:e>
-                      <m:sub>
-                        <m:r>
-                          <m:t>t</m:t>
-                        </m:r>
-                        <m:r>
-                          <m:t>−</m:t>
-                        </m:r>
-                        <m:r>
-                          <m:t>1</m:t>
-                        </m:r>
-                      </m:sub>
-                    </m:sSub>
-                    <m:r>
-                      <m:t>+</m:t>
-                    </m:r>
-                    <m:sSub>
-                      <m:e>
-                        <m:r>
-                          <m:t>ϵ</m:t>
-                        </m:r>
-                      </m:e>
-                      <m:sub>
-                        <m:r>
-                          <m:t>t</m:t>
-                        </m:r>
-                      </m:sub>
-                    </m:sSub>
-                  </m:oMath>
-                </a14:m>
-              </a:p>
-              <a:p>
-                <a:pPr lvl="0" marL="0" indent="0">
-                  <a:buNone/>
-                </a:pPr>
-                <a:r>
-                  <a:rPr/>
-                  <a:t>There is no “ripple effect” with a moving average model.</a:t>
-                </a:r>
-              </a:p>
-            </p:txBody>
-          </p:sp>
-        </mc:Choice>
-      </mc:AlternateContent>
-    </p:spTree>
-  </p:cSld>
-</p:sld>
-</file>
-
-<file path=ppt/slides/slide32.xml><?xml version="1.0" encoding="utf-8"?>
-<p:sld xmlns:a="http://schemas.openxmlformats.org/drawingml/2006/main" xmlns:r="http://schemas.openxmlformats.org/officeDocument/2006/relationships" xmlns:p="http://schemas.openxmlformats.org/presentationml/2006/main">
-  <p:cSld>
-    <p:spTree>
-      <p:nvGrpSpPr>
-        <p:cNvPr id="1" name=""/>
-        <p:cNvGrpSpPr/>
-        <p:nvPr/>
-      </p:nvGrpSpPr>
-      <p:grpSpPr>
-        <a:xfrm>
-          <a:off x="0" y="0"/>
-          <a:ext cx="0" cy="0"/>
-          <a:chOff x="0" y="0"/>
-          <a:chExt cx="0" cy="0"/>
-        </a:xfrm>
-      </p:grpSpPr>
-      <p:sp>
-        <p:nvSpPr>
-          <p:cNvPr id="2" name="Title 1"/>
-          <p:cNvSpPr>
-            <a:spLocks noGrp="1"/>
-          </p:cNvSpPr>
-          <p:nvPr>
-            <p:ph type="title"/>
-          </p:nvPr>
-        </p:nvSpPr>
-        <p:spPr/>
-        <p:txBody>
-          <a:bodyPr/>
-          <a:lstStyle/>
-          <a:p>
-            <a:pPr lvl="0" marL="0" indent="0">
-              <a:buNone/>
-            </a:pPr>
-            <a:r>
-              <a:rPr/>
-              <a:t>Theoretical</a:t>
-            </a:r>
-            <a:r>
-              <a:rPr/>
-              <a:t> </a:t>
-            </a:r>
-            <a:r>
-              <a:rPr/>
-              <a:t>correlation</a:t>
-            </a:r>
-            <a:r>
-              <a:rPr/>
-              <a:t> </a:t>
-            </a:r>
-            <a:r>
-              <a:rPr/>
-              <a:t>matrix</a:t>
-            </a:r>
-            <a:r>
-              <a:rPr/>
-              <a:t> </a:t>
-            </a:r>
-            <a:r>
-              <a:rPr/>
-              <a:t>for</a:t>
-            </a:r>
-            <a:r>
-              <a:rPr/>
-              <a:t> </a:t>
-            </a:r>
-            <a:r>
-              <a:rPr/>
-              <a:t>positive</a:t>
-            </a:r>
-            <a:r>
-              <a:rPr/>
-              <a:t> </a:t>
-            </a:r>
-            <a:r>
-              <a:rPr/>
-              <a:t>moving</a:t>
-            </a:r>
-            <a:r>
-              <a:rPr/>
-              <a:t> </a:t>
-            </a:r>
-            <a:r>
-              <a:rPr/>
-              <a:t>average</a:t>
-            </a:r>
-            <a:r>
-              <a:rPr/>
-              <a:t> </a:t>
-            </a:r>
-            <a:r>
-              <a:rPr/>
-              <a:t>model</a:t>
-            </a:r>
-          </a:p>
-        </p:txBody>
-      </p:sp>
-      <p:sp>
-        <p:nvSpPr>
-          <p:cNvPr id="3" name="Content Placeholder 2"/>
-          <p:cNvSpPr>
-            <a:spLocks noGrp="1"/>
-          </p:cNvSpPr>
-          <p:nvPr>
-            <p:ph idx="1"/>
-          </p:nvPr>
-        </p:nvSpPr>
-        <p:spPr/>
-        <p:txBody>
-          <a:bodyPr/>
-          <a:lstStyle/>
-          <a:p>
-            <a:pPr lvl="0" marL="1270000" indent="0">
-              <a:buNone/>
-            </a:pPr>
-            <a:r>
-              <a:rPr sz="1800">
-                <a:latin typeface="Courier"/>
-              </a:rPr>
-              <a:t>##      [,1] [,2] [,3] [,4] [,5] [,6]
-## [1,]  1.0  0.5  0.0  0.0  0.0  0.0
-## [2,]  0.5  1.0  0.5  0.0  0.0  0.0
-## [3,]  0.0  0.5  1.0  0.5  0.0  0.0
-## [4,]  0.0  0.0  0.5  1.0  0.5  0.0
-## [5,]  0.0  0.0  0.0  0.5  1.0  0.5
-## [6,]  0.0  0.0  0.0  0.0  0.5  1.0</a:t>
-            </a:r>
-          </a:p>
-        </p:txBody>
-      </p:sp>
-    </p:spTree>
-  </p:cSld>
-</p:sld>
-</file>
-
 <file path=ppt/slides/slide33.xml><?xml version="1.0" encoding="utf-8"?>
 <p:sld xmlns:a="http://schemas.openxmlformats.org/drawingml/2006/main" xmlns:r="http://schemas.openxmlformats.org/officeDocument/2006/relationships" xmlns:p="http://schemas.openxmlformats.org/presentationml/2006/main">
   <p:cSld>
@@ -6746,31 +6793,23 @@
             </a:pPr>
             <a:r>
               <a:rPr/>
-              <a:t>A</a:t>
-            </a:r>
-            <a:r>
-              <a:rPr/>
-              <a:t> </a:t>
-            </a:r>
-            <a:r>
-              <a:rPr/>
-              <a:t>simulation</a:t>
-            </a:r>
-            <a:r>
-              <a:rPr/>
-              <a:t> </a:t>
-            </a:r>
-            <a:r>
-              <a:rPr/>
-              <a:t>of</a:t>
-            </a:r>
-            <a:r>
-              <a:rPr/>
-              <a:t> </a:t>
-            </a:r>
-            <a:r>
-              <a:rPr/>
-              <a:t>a</a:t>
+              <a:t>Auotcorrelation</a:t>
+            </a:r>
+            <a:r>
+              <a:rPr/>
+              <a:t> </a:t>
+            </a:r>
+            <a:r>
+              <a:rPr/>
+              <a:t>patterns</a:t>
+            </a:r>
+            <a:r>
+              <a:rPr/>
+              <a:t> </a:t>
+            </a:r>
+            <a:r>
+              <a:rPr/>
+              <a:t>for</a:t>
             </a:r>
             <a:r>
               <a:rPr/>
@@ -6809,7 +6848,7 @@
       </p:sp>
       <p:pic>
         <p:nvPicPr>
-          <p:cNvPr descr="basics_files/figure-pptx/pos-ma-sim-1.png" id="0" name="Picture 1"/>
+          <p:cNvPr descr="basics_files/figure-pptx/pos-ma-acf-1.png" id="0" name="Picture 1"/>
           <p:cNvPicPr>
             <a:picLocks noGrp="1" noChangeAspect="1"/>
           </p:cNvPicPr>
@@ -6879,15 +6918,23 @@
             </a:pPr>
             <a:r>
               <a:rPr/>
-              <a:t>Auotcorrelation</a:t>
-            </a:r>
-            <a:r>
-              <a:rPr/>
-              <a:t> </a:t>
-            </a:r>
-            <a:r>
-              <a:rPr/>
-              <a:t>patterns</a:t>
+              <a:t>Theoretical</a:t>
+            </a:r>
+            <a:r>
+              <a:rPr/>
+              <a:t> </a:t>
+            </a:r>
+            <a:r>
+              <a:rPr/>
+              <a:t>correlation</a:t>
+            </a:r>
+            <a:r>
+              <a:rPr/>
+              <a:t> </a:t>
+            </a:r>
+            <a:r>
+              <a:rPr/>
+              <a:t>matrix</a:t>
             </a:r>
             <a:r>
               <a:rPr/>
@@ -6903,7 +6950,143 @@
             </a:r>
             <a:r>
               <a:rPr/>
-              <a:t>positive</a:t>
+              <a:t>negative</a:t>
+            </a:r>
+            <a:r>
+              <a:rPr/>
+              <a:t> </a:t>
+            </a:r>
+            <a:r>
+              <a:rPr/>
+              <a:t>moving</a:t>
+            </a:r>
+            <a:r>
+              <a:rPr/>
+              <a:t> </a:t>
+            </a:r>
+            <a:r>
+              <a:rPr/>
+              <a:t>average</a:t>
+            </a:r>
+            <a:r>
+              <a:rPr/>
+              <a:t> </a:t>
+            </a:r>
+            <a:r>
+              <a:rPr/>
+              <a:t>model</a:t>
+            </a:r>
+          </a:p>
+        </p:txBody>
+      </p:sp>
+      <p:sp>
+        <p:nvSpPr>
+          <p:cNvPr id="3" name="Content Placeholder 2"/>
+          <p:cNvSpPr>
+            <a:spLocks noGrp="1"/>
+          </p:cNvSpPr>
+          <p:nvPr>
+            <p:ph idx="1"/>
+          </p:nvPr>
+        </p:nvSpPr>
+        <p:spPr/>
+        <p:txBody>
+          <a:bodyPr/>
+          <a:lstStyle/>
+          <a:p>
+            <a:pPr lvl="0" marL="1270000" indent="0">
+              <a:buNone/>
+            </a:pPr>
+            <a:r>
+              <a:rPr sz="1800">
+                <a:latin typeface="Courier"/>
+              </a:rPr>
+              <a:t>##      [,1] [,2] [,3] [,4] [,5] [,6]
+## [1,]  1.0 -0.5  0.0  0.0  0.0  0.0
+## [2,] -0.5  1.0 -0.5  0.0  0.0  0.0
+## [3,]  0.0 -0.5  1.0 -0.5  0.0  0.0
+## [4,]  0.0  0.0 -0.5  1.0 -0.5  0.0
+## [5,]  0.0  0.0  0.0 -0.5  1.0 -0.5
+## [6,]  0.0  0.0  0.0  0.0 -0.5  1.0</a:t>
+            </a:r>
+          </a:p>
+        </p:txBody>
+      </p:sp>
+    </p:spTree>
+  </p:cSld>
+</p:sld>
+</file>
+
+<file path=ppt/slides/slide35.xml><?xml version="1.0" encoding="utf-8"?>
+<p:sld xmlns:a="http://schemas.openxmlformats.org/drawingml/2006/main" xmlns:r="http://schemas.openxmlformats.org/officeDocument/2006/relationships" xmlns:p="http://schemas.openxmlformats.org/presentationml/2006/main">
+  <p:cSld>
+    <p:spTree>
+      <p:nvGrpSpPr>
+        <p:cNvPr id="1" name=""/>
+        <p:cNvGrpSpPr/>
+        <p:nvPr/>
+      </p:nvGrpSpPr>
+      <p:grpSpPr>
+        <a:xfrm>
+          <a:off x="0" y="0"/>
+          <a:ext cx="0" cy="0"/>
+          <a:chOff x="0" y="0"/>
+          <a:chExt cx="0" cy="0"/>
+        </a:xfrm>
+      </p:grpSpPr>
+      <p:sp>
+        <p:nvSpPr>
+          <p:cNvPr id="2" name="Title 1"/>
+          <p:cNvSpPr>
+            <a:spLocks noGrp="1"/>
+          </p:cNvSpPr>
+          <p:nvPr>
+            <p:ph type="title"/>
+          </p:nvPr>
+        </p:nvSpPr>
+        <p:spPr/>
+        <p:txBody>
+          <a:bodyPr/>
+          <a:lstStyle/>
+          <a:p>
+            <a:pPr lvl="0" marL="0" indent="0">
+              <a:buNone/>
+            </a:pPr>
+            <a:r>
+              <a:rPr/>
+              <a:t>A</a:t>
+            </a:r>
+            <a:r>
+              <a:rPr/>
+              <a:t> </a:t>
+            </a:r>
+            <a:r>
+              <a:rPr/>
+              <a:t>simulation</a:t>
+            </a:r>
+            <a:r>
+              <a:rPr/>
+              <a:t> </a:t>
+            </a:r>
+            <a:r>
+              <a:rPr/>
+              <a:t>of</a:t>
+            </a:r>
+            <a:r>
+              <a:rPr/>
+              <a:t> </a:t>
+            </a:r>
+            <a:r>
+              <a:rPr/>
+              <a:t>a</a:t>
+            </a:r>
+            <a:r>
+              <a:rPr/>
+              <a:t> </a:t>
+            </a:r>
+            <a:r>
+              <a:rPr/>
+              <a:t>negative</a:t>
             </a:r>
             <a:r>
               <a:rPr/>
@@ -6934,7 +7117,7 @@
       </p:sp>
       <p:pic>
         <p:nvPicPr>
-          <p:cNvPr descr="basics_files/figure-pptx/pos-ma-acf-1.png" id="0" name="Picture 1"/>
+          <p:cNvPr descr="basics_files/figure-pptx/neg-ma-sim-1.png" id="0" name="Picture 1"/>
           <p:cNvPicPr>
             <a:picLocks noGrp="1" noChangeAspect="1"/>
           </p:cNvPicPr>
@@ -6967,142 +7150,6 @@
 </p:sld>
 </file>
 
-<file path=ppt/slides/slide35.xml><?xml version="1.0" encoding="utf-8"?>
-<p:sld xmlns:a="http://schemas.openxmlformats.org/drawingml/2006/main" xmlns:r="http://schemas.openxmlformats.org/officeDocument/2006/relationships" xmlns:p="http://schemas.openxmlformats.org/presentationml/2006/main">
-  <p:cSld>
-    <p:spTree>
-      <p:nvGrpSpPr>
-        <p:cNvPr id="1" name=""/>
-        <p:cNvGrpSpPr/>
-        <p:nvPr/>
-      </p:nvGrpSpPr>
-      <p:grpSpPr>
-        <a:xfrm>
-          <a:off x="0" y="0"/>
-          <a:ext cx="0" cy="0"/>
-          <a:chOff x="0" y="0"/>
-          <a:chExt cx="0" cy="0"/>
-        </a:xfrm>
-      </p:grpSpPr>
-      <p:sp>
-        <p:nvSpPr>
-          <p:cNvPr id="2" name="Title 1"/>
-          <p:cNvSpPr>
-            <a:spLocks noGrp="1"/>
-          </p:cNvSpPr>
-          <p:nvPr>
-            <p:ph type="title"/>
-          </p:nvPr>
-        </p:nvSpPr>
-        <p:spPr/>
-        <p:txBody>
-          <a:bodyPr/>
-          <a:lstStyle/>
-          <a:p>
-            <a:pPr lvl="0" marL="0" indent="0">
-              <a:buNone/>
-            </a:pPr>
-            <a:r>
-              <a:rPr/>
-              <a:t>Theoretical</a:t>
-            </a:r>
-            <a:r>
-              <a:rPr/>
-              <a:t> </a:t>
-            </a:r>
-            <a:r>
-              <a:rPr/>
-              <a:t>correlation</a:t>
-            </a:r>
-            <a:r>
-              <a:rPr/>
-              <a:t> </a:t>
-            </a:r>
-            <a:r>
-              <a:rPr/>
-              <a:t>matrix</a:t>
-            </a:r>
-            <a:r>
-              <a:rPr/>
-              <a:t> </a:t>
-            </a:r>
-            <a:r>
-              <a:rPr/>
-              <a:t>for</a:t>
-            </a:r>
-            <a:r>
-              <a:rPr/>
-              <a:t> </a:t>
-            </a:r>
-            <a:r>
-              <a:rPr/>
-              <a:t>negative</a:t>
-            </a:r>
-            <a:r>
-              <a:rPr/>
-              <a:t> </a:t>
-            </a:r>
-            <a:r>
-              <a:rPr/>
-              <a:t>moving</a:t>
-            </a:r>
-            <a:r>
-              <a:rPr/>
-              <a:t> </a:t>
-            </a:r>
-            <a:r>
-              <a:rPr/>
-              <a:t>average</a:t>
-            </a:r>
-            <a:r>
-              <a:rPr/>
-              <a:t> </a:t>
-            </a:r>
-            <a:r>
-              <a:rPr/>
-              <a:t>model</a:t>
-            </a:r>
-          </a:p>
-        </p:txBody>
-      </p:sp>
-      <p:sp>
-        <p:nvSpPr>
-          <p:cNvPr id="3" name="Content Placeholder 2"/>
-          <p:cNvSpPr>
-            <a:spLocks noGrp="1"/>
-          </p:cNvSpPr>
-          <p:nvPr>
-            <p:ph idx="1"/>
-          </p:nvPr>
-        </p:nvSpPr>
-        <p:spPr/>
-        <p:txBody>
-          <a:bodyPr/>
-          <a:lstStyle/>
-          <a:p>
-            <a:pPr lvl="0" marL="1270000" indent="0">
-              <a:buNone/>
-            </a:pPr>
-            <a:r>
-              <a:rPr sz="1800">
-                <a:latin typeface="Courier"/>
-              </a:rPr>
-              <a:t>##      [,1] [,2] [,3] [,4] [,5] [,6]
-## [1,]  1.0 -0.5  0.0  0.0  0.0  0.0
-## [2,] -0.5  1.0 -0.5  0.0  0.0  0.0
-## [3,]  0.0 -0.5  1.0 -0.5  0.0  0.0
-## [4,]  0.0  0.0 -0.5  1.0 -0.5  0.0
-## [5,]  0.0  0.0  0.0 -0.5  1.0 -0.5
-## [6,]  0.0  0.0  0.0  0.0 -0.5  1.0</a:t>
-            </a:r>
-          </a:p>
-        </p:txBody>
-      </p:sp>
-    </p:spTree>
-  </p:cSld>
-</p:sld>
-</file>
-
 <file path=ppt/slides/slide36.xml><?xml version="1.0" encoding="utf-8"?>
 <p:sld xmlns:a="http://schemas.openxmlformats.org/drawingml/2006/main" xmlns:r="http://schemas.openxmlformats.org/officeDocument/2006/relationships" xmlns:p="http://schemas.openxmlformats.org/presentationml/2006/main">
   <p:cSld>
@@ -7140,39 +7187,31 @@
             </a:pPr>
             <a:r>
               <a:rPr/>
-              <a:t>A</a:t>
-            </a:r>
-            <a:r>
-              <a:rPr/>
-              <a:t> </a:t>
-            </a:r>
-            <a:r>
-              <a:rPr/>
-              <a:t>simulation</a:t>
-            </a:r>
-            <a:r>
-              <a:rPr/>
-              <a:t> </a:t>
-            </a:r>
-            <a:r>
-              <a:rPr/>
-              <a:t>of</a:t>
-            </a:r>
-            <a:r>
-              <a:rPr/>
-              <a:t> </a:t>
-            </a:r>
-            <a:r>
-              <a:rPr/>
-              <a:t>a</a:t>
-            </a:r>
-            <a:r>
-              <a:rPr/>
-              <a:t> </a:t>
-            </a:r>
-            <a:r>
-              <a:rPr/>
-              <a:t>negative</a:t>
+              <a:t>Auotcorrelation</a:t>
+            </a:r>
+            <a:r>
+              <a:rPr/>
+              <a:t> </a:t>
+            </a:r>
+            <a:r>
+              <a:rPr/>
+              <a:t>patterns</a:t>
+            </a:r>
+            <a:r>
+              <a:rPr/>
+              <a:t> </a:t>
+            </a:r>
+            <a:r>
+              <a:rPr/>
+              <a:t>for</a:t>
+            </a:r>
+            <a:r>
+              <a:rPr/>
+              <a:t> </a:t>
+            </a:r>
+            <a:r>
+              <a:rPr/>
+              <a:t>positive</a:t>
             </a:r>
             <a:r>
               <a:rPr/>
@@ -7203,7 +7242,7 @@
       </p:sp>
       <p:pic>
         <p:nvPicPr>
-          <p:cNvPr descr="basics_files/figure-pptx/neg-ma-sim-1.png" id="0" name="Picture 1"/>
+          <p:cNvPr descr="basics_files/figure-pptx/neg-ma-acf-1.png" id="0" name="Picture 1"/>
           <p:cNvPicPr>
             <a:picLocks noGrp="1" noChangeAspect="1"/>
           </p:cNvPicPr>
@@ -7273,7 +7312,23 @@
             </a:pPr>
             <a:r>
               <a:rPr/>
-              <a:t>Auotcorrelation</a:t>
+              <a:t>More</a:t>
+            </a:r>
+            <a:r>
+              <a:rPr/>
+              <a:t> </a:t>
+            </a:r>
+            <a:r>
+              <a:rPr/>
+              <a:t>complex</a:t>
+            </a:r>
+            <a:r>
+              <a:rPr/>
+              <a:t> </a:t>
+            </a:r>
+            <a:r>
+              <a:rPr/>
+              <a:t>autoregressive</a:t>
             </a:r>
             <a:r>
               <a:rPr/>
@@ -7283,6 +7338,525 @@
               <a:rPr/>
               <a:t>patterns</a:t>
             </a:r>
+          </a:p>
+        </p:txBody>
+      </p:sp>
+      <mc:AlternateContent xmlns:mc="http://schemas.openxmlformats.org/markup-compatibility/2006">
+        <mc:Choice xmlns:a14="http://schemas.microsoft.com/office/drawing/2010/main" Requires="a14">
+          <p:sp>
+            <p:nvSpPr>
+              <p:cNvPr id="3" name="Content Placeholder 2"/>
+              <p:cNvSpPr>
+                <a:spLocks noGrp="1"/>
+              </p:cNvSpPr>
+              <p:nvPr>
+                <p:ph idx="1"/>
+              </p:nvPr>
+            </p:nvSpPr>
+            <p:spPr/>
+            <p:txBody>
+              <a:bodyPr/>
+              <a:lstStyle/>
+              <a:p>
+                <a:pPr lvl="0" marL="0" indent="0">
+                  <a:buNone/>
+                </a:pPr>
+                <a:r>
+                  <a:rPr/>
+                  <a:t>ARIMA(2, 0, 0)</a:t>
+                </a:r>
+              </a:p>
+              <a:p>
+                <a:pPr lvl="1"/>
+                <a14:m>
+                  <m:oMath xmlns:m="http://schemas.openxmlformats.org/officeDocument/2006/math">
+                    <m:sSub>
+                      <m:e>
+                        <m:r>
+                          <m:t>Z</m:t>
+                        </m:r>
+                      </m:e>
+                      <m:sub>
+                        <m:r>
+                          <m:t>t</m:t>
+                        </m:r>
+                      </m:sub>
+                    </m:sSub>
+                    <m:r>
+                      <m:t>=</m:t>
+                    </m:r>
+                    <m:sSub>
+                      <m:e>
+                        <m:r>
+                          <m:t>ϕ</m:t>
+                        </m:r>
+                      </m:e>
+                      <m:sub>
+                        <m:r>
+                          <m:t>1</m:t>
+                        </m:r>
+                      </m:sub>
+                    </m:sSub>
+                    <m:sSub>
+                      <m:e>
+                        <m:r>
+                          <m:t>Z</m:t>
+                        </m:r>
+                      </m:e>
+                      <m:sub>
+                        <m:r>
+                          <m:t>t</m:t>
+                        </m:r>
+                        <m:r>
+                          <m:t>−</m:t>
+                        </m:r>
+                        <m:r>
+                          <m:t>1</m:t>
+                        </m:r>
+                      </m:sub>
+                    </m:sSub>
+                    <m:r>
+                      <m:t>+</m:t>
+                    </m:r>
+                    <m:sSub>
+                      <m:e>
+                        <m:r>
+                          <m:t>ϕ</m:t>
+                        </m:r>
+                      </m:e>
+                      <m:sub>
+                        <m:r>
+                          <m:t>2</m:t>
+                        </m:r>
+                      </m:sub>
+                    </m:sSub>
+                    <m:sSub>
+                      <m:e>
+                        <m:r>
+                          <m:t>Z</m:t>
+                        </m:r>
+                      </m:e>
+                      <m:sub>
+                        <m:r>
+                          <m:t>t</m:t>
+                        </m:r>
+                        <m:r>
+                          <m:t>−</m:t>
+                        </m:r>
+                        <m:r>
+                          <m:t>2</m:t>
+                        </m:r>
+                      </m:sub>
+                    </m:sSub>
+                    <m:r>
+                      <m:t>+</m:t>
+                    </m:r>
+                    <m:sSub>
+                      <m:e>
+                        <m:r>
+                          <m:t>ϵ</m:t>
+                        </m:r>
+                      </m:e>
+                      <m:sub>
+                        <m:r>
+                          <m:t>t</m:t>
+                        </m:r>
+                      </m:sub>
+                    </m:sSub>
+                  </m:oMath>
+                </a14:m>
+              </a:p>
+              <a:p>
+                <a:pPr lvl="0" marL="0" indent="0">
+                  <a:buNone/>
+                </a:pPr>
+                <a:r>
+                  <a:rPr/>
+                  <a:t>ARIMA(0, 0, 2)</a:t>
+                </a:r>
+              </a:p>
+              <a:p>
+                <a:pPr lvl="1"/>
+                <a14:m>
+                  <m:oMath xmlns:m="http://schemas.openxmlformats.org/officeDocument/2006/math">
+                    <m:sSub>
+                      <m:e>
+                        <m:r>
+                          <m:t>Z</m:t>
+                        </m:r>
+                      </m:e>
+                      <m:sub>
+                        <m:r>
+                          <m:t>t</m:t>
+                        </m:r>
+                      </m:sub>
+                    </m:sSub>
+                    <m:r>
+                      <m:t>=</m:t>
+                    </m:r>
+                    <m:sSub>
+                      <m:e>
+                        <m:r>
+                          <m:t>θ</m:t>
+                        </m:r>
+                      </m:e>
+                      <m:sub>
+                        <m:r>
+                          <m:t>2</m:t>
+                        </m:r>
+                      </m:sub>
+                    </m:sSub>
+                    <m:sSub>
+                      <m:e>
+                        <m:r>
+                          <m:t>ϵ</m:t>
+                        </m:r>
+                      </m:e>
+                      <m:sub>
+                        <m:r>
+                          <m:t>t</m:t>
+                        </m:r>
+                        <m:r>
+                          <m:t>−</m:t>
+                        </m:r>
+                        <m:r>
+                          <m:t>2</m:t>
+                        </m:r>
+                      </m:sub>
+                    </m:sSub>
+                    <m:r>
+                      <m:t>+</m:t>
+                    </m:r>
+                    <m:sSub>
+                      <m:e>
+                        <m:r>
+                          <m:t>θ</m:t>
+                        </m:r>
+                      </m:e>
+                      <m:sub>
+                        <m:r>
+                          <m:t>1</m:t>
+                        </m:r>
+                      </m:sub>
+                    </m:sSub>
+                    <m:sSub>
+                      <m:e>
+                        <m:r>
+                          <m:t>ϵ</m:t>
+                        </m:r>
+                      </m:e>
+                      <m:sub>
+                        <m:r>
+                          <m:t>t</m:t>
+                        </m:r>
+                        <m:r>
+                          <m:t>−</m:t>
+                        </m:r>
+                        <m:r>
+                          <m:t>1</m:t>
+                        </m:r>
+                      </m:sub>
+                    </m:sSub>
+                    <m:r>
+                      <m:t>+</m:t>
+                    </m:r>
+                    <m:sSub>
+                      <m:e>
+                        <m:r>
+                          <m:t>ϵ</m:t>
+                        </m:r>
+                      </m:e>
+                      <m:sub>
+                        <m:r>
+                          <m:t>t</m:t>
+                        </m:r>
+                      </m:sub>
+                    </m:sSub>
+                  </m:oMath>
+                </a14:m>
+              </a:p>
+              <a:p>
+                <a:pPr lvl="0" marL="0" indent="0">
+                  <a:buNone/>
+                </a:pPr>
+                <a:r>
+                  <a:rPr/>
+                  <a:t>ARMA(1, 0, 1)</a:t>
+                </a:r>
+              </a:p>
+              <a:p>
+                <a:pPr lvl="1"/>
+                <a14:m>
+                  <m:oMath xmlns:m="http://schemas.openxmlformats.org/officeDocument/2006/math">
+                    <m:sSub>
+                      <m:e>
+                        <m:r>
+                          <m:t>Z</m:t>
+                        </m:r>
+                      </m:e>
+                      <m:sub>
+                        <m:r>
+                          <m:t>t</m:t>
+                        </m:r>
+                      </m:sub>
+                    </m:sSub>
+                    <m:r>
+                      <m:t>=</m:t>
+                    </m:r>
+                    <m:sSub>
+                      <m:e>
+                        <m:r>
+                          <m:t>ϕ</m:t>
+                        </m:r>
+                      </m:e>
+                      <m:sub>
+                        <m:r>
+                          <m:t>1</m:t>
+                        </m:r>
+                      </m:sub>
+                    </m:sSub>
+                    <m:sSub>
+                      <m:e>
+                        <m:r>
+                          <m:t>Z</m:t>
+                        </m:r>
+                      </m:e>
+                      <m:sub>
+                        <m:r>
+                          <m:t>t</m:t>
+                        </m:r>
+                        <m:r>
+                          <m:t>−</m:t>
+                        </m:r>
+                        <m:r>
+                          <m:t>1</m:t>
+                        </m:r>
+                      </m:sub>
+                    </m:sSub>
+                    <m:r>
+                      <m:t>+</m:t>
+                    </m:r>
+                    <m:sSub>
+                      <m:e>
+                        <m:r>
+                          <m:t>θ</m:t>
+                        </m:r>
+                      </m:e>
+                      <m:sub>
+                        <m:r>
+                          <m:t>1</m:t>
+                        </m:r>
+                      </m:sub>
+                    </m:sSub>
+                    <m:sSub>
+                      <m:e>
+                        <m:r>
+                          <m:t>ϵ</m:t>
+                        </m:r>
+                      </m:e>
+                      <m:sub>
+                        <m:r>
+                          <m:t>t</m:t>
+                        </m:r>
+                        <m:r>
+                          <m:t>−</m:t>
+                        </m:r>
+                        <m:r>
+                          <m:t>1</m:t>
+                        </m:r>
+                      </m:sub>
+                    </m:sSub>
+                    <m:r>
+                      <m:t>+</m:t>
+                    </m:r>
+                    <m:sSub>
+                      <m:e>
+                        <m:r>
+                          <m:t>ϵ</m:t>
+                        </m:r>
+                      </m:e>
+                      <m:sub>
+                        <m:r>
+                          <m:t>t</m:t>
+                        </m:r>
+                      </m:sub>
+                    </m:sSub>
+                  </m:oMath>
+                </a14:m>
+              </a:p>
+              <a:p>
+                <a:pPr lvl="0" marL="0" indent="0">
+                  <a:buNone/>
+                </a:pPr>
+                <a:r>
+                  <a:rPr/>
+                  <a:t>ARIMA(1, 1, 1)</a:t>
+                </a:r>
+              </a:p>
+              <a:p>
+                <a:pPr lvl="1"/>
+                <a14:m>
+                  <m:oMath xmlns:m="http://schemas.openxmlformats.org/officeDocument/2006/math">
+                    <m:sSub>
+                      <m:e>
+                        <m:r>
+                          <m:t>D</m:t>
+                        </m:r>
+                      </m:e>
+                      <m:sub>
+                        <m:r>
+                          <m:t>t</m:t>
+                        </m:r>
+                      </m:sub>
+                    </m:sSub>
+                    <m:r>
+                      <m:t>=</m:t>
+                    </m:r>
+                    <m:sSub>
+                      <m:e>
+                        <m:r>
+                          <m:t>ϕ</m:t>
+                        </m:r>
+                      </m:e>
+                      <m:sub>
+                        <m:r>
+                          <m:t>1</m:t>
+                        </m:r>
+                      </m:sub>
+                    </m:sSub>
+                    <m:sSub>
+                      <m:e>
+                        <m:r>
+                          <m:t>D</m:t>
+                        </m:r>
+                      </m:e>
+                      <m:sub>
+                        <m:r>
+                          <m:t>t</m:t>
+                        </m:r>
+                        <m:r>
+                          <m:t>−</m:t>
+                        </m:r>
+                        <m:r>
+                          <m:t>1</m:t>
+                        </m:r>
+                      </m:sub>
+                    </m:sSub>
+                    <m:r>
+                      <m:t>+</m:t>
+                    </m:r>
+                    <m:sSub>
+                      <m:e>
+                        <m:r>
+                          <m:t>θ</m:t>
+                        </m:r>
+                      </m:e>
+                      <m:sub>
+                        <m:r>
+                          <m:t>1</m:t>
+                        </m:r>
+                      </m:sub>
+                    </m:sSub>
+                    <m:sSub>
+                      <m:e>
+                        <m:r>
+                          <m:t>ϵ</m:t>
+                        </m:r>
+                      </m:e>
+                      <m:sub>
+                        <m:r>
+                          <m:t>t</m:t>
+                        </m:r>
+                        <m:r>
+                          <m:t>−</m:t>
+                        </m:r>
+                        <m:r>
+                          <m:t>1</m:t>
+                        </m:r>
+                      </m:sub>
+                    </m:sSub>
+                    <m:r>
+                      <m:t>+</m:t>
+                    </m:r>
+                    <m:sSub>
+                      <m:e>
+                        <m:r>
+                          <m:t>ϵ</m:t>
+                        </m:r>
+                      </m:e>
+                      <m:sub>
+                        <m:r>
+                          <m:t>t</m:t>
+                        </m:r>
+                      </m:sub>
+                    </m:sSub>
+                  </m:oMath>
+                </a14:m>
+              </a:p>
+            </p:txBody>
+          </p:sp>
+        </mc:Choice>
+      </mc:AlternateContent>
+    </p:spTree>
+  </p:cSld>
+</p:sld>
+</file>
+
+<file path=ppt/slides/slide38.xml><?xml version="1.0" encoding="utf-8"?>
+<p:sld xmlns:a="http://schemas.openxmlformats.org/drawingml/2006/main" xmlns:r="http://schemas.openxmlformats.org/officeDocument/2006/relationships" xmlns:p="http://schemas.openxmlformats.org/presentationml/2006/main">
+  <p:cSld>
+    <p:spTree>
+      <p:nvGrpSpPr>
+        <p:cNvPr id="1" name=""/>
+        <p:cNvGrpSpPr/>
+        <p:nvPr/>
+      </p:nvGrpSpPr>
+      <p:grpSpPr>
+        <a:xfrm>
+          <a:off x="0" y="0"/>
+          <a:ext cx="0" cy="0"/>
+          <a:chOff x="0" y="0"/>
+          <a:chExt cx="0" cy="0"/>
+        </a:xfrm>
+      </p:grpSpPr>
+      <p:sp>
+        <p:nvSpPr>
+          <p:cNvPr id="2" name="Title 1"/>
+          <p:cNvSpPr>
+            <a:spLocks noGrp="1"/>
+          </p:cNvSpPr>
+          <p:nvPr>
+            <p:ph type="title"/>
+          </p:nvPr>
+        </p:nvSpPr>
+        <p:spPr/>
+        <p:txBody>
+          <a:bodyPr/>
+          <a:lstStyle/>
+          <a:p>
+            <a:pPr lvl="0" marL="0" indent="0">
+              <a:buNone/>
+            </a:pPr>
+            <a:r>
+              <a:rPr/>
+              <a:t>acf</a:t>
+            </a:r>
+            <a:r>
+              <a:rPr/>
+              <a:t> </a:t>
+            </a:r>
+            <a:r>
+              <a:rPr/>
+              <a:t>and</a:t>
+            </a:r>
+            <a:r>
+              <a:rPr/>
+              <a:t> </a:t>
+            </a:r>
+            <a:r>
+              <a:rPr/>
+              <a:t>pacf</a:t>
+            </a:r>
             <a:r>
               <a:rPr/>
               <a:t> </a:t>
@@ -7297,38 +7871,22 @@
             </a:r>
             <a:r>
               <a:rPr/>
-              <a:t>positive</a:t>
-            </a:r>
-            <a:r>
-              <a:rPr/>
-              <a:t> </a:t>
-            </a:r>
-            <a:r>
-              <a:rPr/>
-              <a:t>moving</a:t>
-            </a:r>
-            <a:r>
-              <a:rPr/>
-              <a:t> </a:t>
-            </a:r>
-            <a:r>
-              <a:rPr/>
-              <a:t>average</a:t>
-            </a:r>
-            <a:r>
-              <a:rPr/>
-              <a:t> </a:t>
-            </a:r>
-            <a:r>
-              <a:rPr/>
-              <a:t>model</a:t>
+              <a:t>co2</a:t>
+            </a:r>
+            <a:r>
+              <a:rPr/>
+              <a:t> </a:t>
+            </a:r>
+            <a:r>
+              <a:rPr/>
+              <a:t>data</a:t>
             </a:r>
           </a:p>
         </p:txBody>
       </p:sp>
       <p:pic>
         <p:nvPicPr>
-          <p:cNvPr descr="basics_files/figure-pptx/neg-ma-acf-1.png" id="0" name="Picture 1"/>
+          <p:cNvPr descr="basics_files/figure-pptx/co2-auto-1.png" id="0" name="Picture 1"/>
           <p:cNvPicPr>
             <a:picLocks noGrp="1" noChangeAspect="1"/>
           </p:cNvPicPr>
@@ -7361,533 +7919,6 @@
 </p:sld>
 </file>
 
-<file path=ppt/slides/slide38.xml><?xml version="1.0" encoding="utf-8"?>
-<p:sld xmlns:a="http://schemas.openxmlformats.org/drawingml/2006/main" xmlns:r="http://schemas.openxmlformats.org/officeDocument/2006/relationships" xmlns:p="http://schemas.openxmlformats.org/presentationml/2006/main">
-  <p:cSld>
-    <p:spTree>
-      <p:nvGrpSpPr>
-        <p:cNvPr id="1" name=""/>
-        <p:cNvGrpSpPr/>
-        <p:nvPr/>
-      </p:nvGrpSpPr>
-      <p:grpSpPr>
-        <a:xfrm>
-          <a:off x="0" y="0"/>
-          <a:ext cx="0" cy="0"/>
-          <a:chOff x="0" y="0"/>
-          <a:chExt cx="0" cy="0"/>
-        </a:xfrm>
-      </p:grpSpPr>
-      <p:sp>
-        <p:nvSpPr>
-          <p:cNvPr id="2" name="Title 1"/>
-          <p:cNvSpPr>
-            <a:spLocks noGrp="1"/>
-          </p:cNvSpPr>
-          <p:nvPr>
-            <p:ph type="title"/>
-          </p:nvPr>
-        </p:nvSpPr>
-        <p:spPr/>
-        <p:txBody>
-          <a:bodyPr/>
-          <a:lstStyle/>
-          <a:p>
-            <a:pPr lvl="0" marL="0" indent="0">
-              <a:buNone/>
-            </a:pPr>
-            <a:r>
-              <a:rPr/>
-              <a:t>More</a:t>
-            </a:r>
-            <a:r>
-              <a:rPr/>
-              <a:t> </a:t>
-            </a:r>
-            <a:r>
-              <a:rPr/>
-              <a:t>complex</a:t>
-            </a:r>
-            <a:r>
-              <a:rPr/>
-              <a:t> </a:t>
-            </a:r>
-            <a:r>
-              <a:rPr/>
-              <a:t>autoregressive</a:t>
-            </a:r>
-            <a:r>
-              <a:rPr/>
-              <a:t> </a:t>
-            </a:r>
-            <a:r>
-              <a:rPr/>
-              <a:t>patterns</a:t>
-            </a:r>
-          </a:p>
-        </p:txBody>
-      </p:sp>
-      <mc:AlternateContent xmlns:mc="http://schemas.openxmlformats.org/markup-compatibility/2006">
-        <mc:Choice xmlns:a14="http://schemas.microsoft.com/office/drawing/2010/main" Requires="a14">
-          <p:sp>
-            <p:nvSpPr>
-              <p:cNvPr id="3" name="Content Placeholder 2"/>
-              <p:cNvSpPr>
-                <a:spLocks noGrp="1"/>
-              </p:cNvSpPr>
-              <p:nvPr>
-                <p:ph idx="1"/>
-              </p:nvPr>
-            </p:nvSpPr>
-            <p:spPr/>
-            <p:txBody>
-              <a:bodyPr/>
-              <a:lstStyle/>
-              <a:p>
-                <a:pPr lvl="0" marL="0" indent="0">
-                  <a:buNone/>
-                </a:pPr>
-                <a:r>
-                  <a:rPr/>
-                  <a:t>ARIMA(2, 0, 0)</a:t>
-                </a:r>
-              </a:p>
-              <a:p>
-                <a:pPr lvl="1"/>
-                <a14:m>
-                  <m:oMath xmlns:m="http://schemas.openxmlformats.org/officeDocument/2006/math">
-                    <m:sSub>
-                      <m:e>
-                        <m:r>
-                          <m:t>Z</m:t>
-                        </m:r>
-                      </m:e>
-                      <m:sub>
-                        <m:r>
-                          <m:t>t</m:t>
-                        </m:r>
-                      </m:sub>
-                    </m:sSub>
-                    <m:r>
-                      <m:t>=</m:t>
-                    </m:r>
-                    <m:sSub>
-                      <m:e>
-                        <m:r>
-                          <m:t>ϕ</m:t>
-                        </m:r>
-                      </m:e>
-                      <m:sub>
-                        <m:r>
-                          <m:t>1</m:t>
-                        </m:r>
-                      </m:sub>
-                    </m:sSub>
-                    <m:sSub>
-                      <m:e>
-                        <m:r>
-                          <m:t>Z</m:t>
-                        </m:r>
-                      </m:e>
-                      <m:sub>
-                        <m:r>
-                          <m:t>t</m:t>
-                        </m:r>
-                        <m:r>
-                          <m:t>−</m:t>
-                        </m:r>
-                        <m:r>
-                          <m:t>1</m:t>
-                        </m:r>
-                      </m:sub>
-                    </m:sSub>
-                    <m:r>
-                      <m:t>+</m:t>
-                    </m:r>
-                    <m:sSub>
-                      <m:e>
-                        <m:r>
-                          <m:t>ϕ</m:t>
-                        </m:r>
-                      </m:e>
-                      <m:sub>
-                        <m:r>
-                          <m:t>2</m:t>
-                        </m:r>
-                      </m:sub>
-                    </m:sSub>
-                    <m:sSub>
-                      <m:e>
-                        <m:r>
-                          <m:t>Z</m:t>
-                        </m:r>
-                      </m:e>
-                      <m:sub>
-                        <m:r>
-                          <m:t>t</m:t>
-                        </m:r>
-                        <m:r>
-                          <m:t>−</m:t>
-                        </m:r>
-                        <m:r>
-                          <m:t>2</m:t>
-                        </m:r>
-                      </m:sub>
-                    </m:sSub>
-                    <m:r>
-                      <m:t>+</m:t>
-                    </m:r>
-                    <m:sSub>
-                      <m:e>
-                        <m:r>
-                          <m:t>ϵ</m:t>
-                        </m:r>
-                      </m:e>
-                      <m:sub>
-                        <m:r>
-                          <m:t>t</m:t>
-                        </m:r>
-                      </m:sub>
-                    </m:sSub>
-                  </m:oMath>
-                </a14:m>
-              </a:p>
-              <a:p>
-                <a:pPr lvl="0" marL="0" indent="0">
-                  <a:buNone/>
-                </a:pPr>
-                <a:r>
-                  <a:rPr/>
-                  <a:t>ARIMA(0, 0, 2)</a:t>
-                </a:r>
-              </a:p>
-              <a:p>
-                <a:pPr lvl="1"/>
-                <a14:m>
-                  <m:oMath xmlns:m="http://schemas.openxmlformats.org/officeDocument/2006/math">
-                    <m:sSub>
-                      <m:e>
-                        <m:r>
-                          <m:t>Z</m:t>
-                        </m:r>
-                      </m:e>
-                      <m:sub>
-                        <m:r>
-                          <m:t>t</m:t>
-                        </m:r>
-                      </m:sub>
-                    </m:sSub>
-                    <m:r>
-                      <m:t>=</m:t>
-                    </m:r>
-                    <m:sSub>
-                      <m:e>
-                        <m:r>
-                          <m:t>θ</m:t>
-                        </m:r>
-                      </m:e>
-                      <m:sub>
-                        <m:r>
-                          <m:t>2</m:t>
-                        </m:r>
-                      </m:sub>
-                    </m:sSub>
-                    <m:sSub>
-                      <m:e>
-                        <m:r>
-                          <m:t>ϵ</m:t>
-                        </m:r>
-                      </m:e>
-                      <m:sub>
-                        <m:r>
-                          <m:t>t</m:t>
-                        </m:r>
-                        <m:r>
-                          <m:t>−</m:t>
-                        </m:r>
-                        <m:r>
-                          <m:t>2</m:t>
-                        </m:r>
-                      </m:sub>
-                    </m:sSub>
-                    <m:r>
-                      <m:t>+</m:t>
-                    </m:r>
-                    <m:sSub>
-                      <m:e>
-                        <m:r>
-                          <m:t>θ</m:t>
-                        </m:r>
-                      </m:e>
-                      <m:sub>
-                        <m:r>
-                          <m:t>1</m:t>
-                        </m:r>
-                      </m:sub>
-                    </m:sSub>
-                    <m:sSub>
-                      <m:e>
-                        <m:r>
-                          <m:t>ϵ</m:t>
-                        </m:r>
-                      </m:e>
-                      <m:sub>
-                        <m:r>
-                          <m:t>t</m:t>
-                        </m:r>
-                        <m:r>
-                          <m:t>−</m:t>
-                        </m:r>
-                        <m:r>
-                          <m:t>1</m:t>
-                        </m:r>
-                      </m:sub>
-                    </m:sSub>
-                    <m:r>
-                      <m:t>+</m:t>
-                    </m:r>
-                    <m:sSub>
-                      <m:e>
-                        <m:r>
-                          <m:t>ϵ</m:t>
-                        </m:r>
-                      </m:e>
-                      <m:sub>
-                        <m:r>
-                          <m:t>t</m:t>
-                        </m:r>
-                      </m:sub>
-                    </m:sSub>
-                  </m:oMath>
-                </a14:m>
-              </a:p>
-              <a:p>
-                <a:pPr lvl="0" marL="0" indent="0">
-                  <a:buNone/>
-                </a:pPr>
-                <a:r>
-                  <a:rPr/>
-                  <a:t>ARMA(1, 0, 1)</a:t>
-                </a:r>
-              </a:p>
-              <a:p>
-                <a:pPr lvl="1"/>
-                <a14:m>
-                  <m:oMath xmlns:m="http://schemas.openxmlformats.org/officeDocument/2006/math">
-                    <m:sSub>
-                      <m:e>
-                        <m:r>
-                          <m:t>Z</m:t>
-                        </m:r>
-                      </m:e>
-                      <m:sub>
-                        <m:r>
-                          <m:t>t</m:t>
-                        </m:r>
-                      </m:sub>
-                    </m:sSub>
-                    <m:r>
-                      <m:t>=</m:t>
-                    </m:r>
-                    <m:sSub>
-                      <m:e>
-                        <m:r>
-                          <m:t>ϕ</m:t>
-                        </m:r>
-                      </m:e>
-                      <m:sub>
-                        <m:r>
-                          <m:t>1</m:t>
-                        </m:r>
-                      </m:sub>
-                    </m:sSub>
-                    <m:sSub>
-                      <m:e>
-                        <m:r>
-                          <m:t>Z</m:t>
-                        </m:r>
-                      </m:e>
-                      <m:sub>
-                        <m:r>
-                          <m:t>t</m:t>
-                        </m:r>
-                        <m:r>
-                          <m:t>−</m:t>
-                        </m:r>
-                        <m:r>
-                          <m:t>1</m:t>
-                        </m:r>
-                      </m:sub>
-                    </m:sSub>
-                    <m:r>
-                      <m:t>+</m:t>
-                    </m:r>
-                    <m:sSub>
-                      <m:e>
-                        <m:r>
-                          <m:t>θ</m:t>
-                        </m:r>
-                      </m:e>
-                      <m:sub>
-                        <m:r>
-                          <m:t>1</m:t>
-                        </m:r>
-                      </m:sub>
-                    </m:sSub>
-                    <m:sSub>
-                      <m:e>
-                        <m:r>
-                          <m:t>ϵ</m:t>
-                        </m:r>
-                      </m:e>
-                      <m:sub>
-                        <m:r>
-                          <m:t>t</m:t>
-                        </m:r>
-                        <m:r>
-                          <m:t>−</m:t>
-                        </m:r>
-                        <m:r>
-                          <m:t>1</m:t>
-                        </m:r>
-                      </m:sub>
-                    </m:sSub>
-                    <m:r>
-                      <m:t>+</m:t>
-                    </m:r>
-                    <m:sSub>
-                      <m:e>
-                        <m:r>
-                          <m:t>ϵ</m:t>
-                        </m:r>
-                      </m:e>
-                      <m:sub>
-                        <m:r>
-                          <m:t>t</m:t>
-                        </m:r>
-                      </m:sub>
-                    </m:sSub>
-                  </m:oMath>
-                </a14:m>
-              </a:p>
-              <a:p>
-                <a:pPr lvl="0" marL="0" indent="0">
-                  <a:buNone/>
-                </a:pPr>
-                <a:r>
-                  <a:rPr/>
-                  <a:t>ARIMA(1, 1, 1)</a:t>
-                </a:r>
-              </a:p>
-              <a:p>
-                <a:pPr lvl="1"/>
-                <a14:m>
-                  <m:oMath xmlns:m="http://schemas.openxmlformats.org/officeDocument/2006/math">
-                    <m:sSub>
-                      <m:e>
-                        <m:r>
-                          <m:t>D</m:t>
-                        </m:r>
-                      </m:e>
-                      <m:sub>
-                        <m:r>
-                          <m:t>t</m:t>
-                        </m:r>
-                      </m:sub>
-                    </m:sSub>
-                    <m:r>
-                      <m:t>=</m:t>
-                    </m:r>
-                    <m:sSub>
-                      <m:e>
-                        <m:r>
-                          <m:t>ϕ</m:t>
-                        </m:r>
-                      </m:e>
-                      <m:sub>
-                        <m:r>
-                          <m:t>1</m:t>
-                        </m:r>
-                      </m:sub>
-                    </m:sSub>
-                    <m:sSub>
-                      <m:e>
-                        <m:r>
-                          <m:t>D</m:t>
-                        </m:r>
-                      </m:e>
-                      <m:sub>
-                        <m:r>
-                          <m:t>t</m:t>
-                        </m:r>
-                        <m:r>
-                          <m:t>−</m:t>
-                        </m:r>
-                        <m:r>
-                          <m:t>1</m:t>
-                        </m:r>
-                      </m:sub>
-                    </m:sSub>
-                    <m:r>
-                      <m:t>+</m:t>
-                    </m:r>
-                    <m:sSub>
-                      <m:e>
-                        <m:r>
-                          <m:t>θ</m:t>
-                        </m:r>
-                      </m:e>
-                      <m:sub>
-                        <m:r>
-                          <m:t>1</m:t>
-                        </m:r>
-                      </m:sub>
-                    </m:sSub>
-                    <m:sSub>
-                      <m:e>
-                        <m:r>
-                          <m:t>ϵ</m:t>
-                        </m:r>
-                      </m:e>
-                      <m:sub>
-                        <m:r>
-                          <m:t>t</m:t>
-                        </m:r>
-                        <m:r>
-                          <m:t>−</m:t>
-                        </m:r>
-                        <m:r>
-                          <m:t>1</m:t>
-                        </m:r>
-                      </m:sub>
-                    </m:sSub>
-                    <m:r>
-                      <m:t>+</m:t>
-                    </m:r>
-                    <m:sSub>
-                      <m:e>
-                        <m:r>
-                          <m:t>ϵ</m:t>
-                        </m:r>
-                      </m:e>
-                      <m:sub>
-                        <m:r>
-                          <m:t>t</m:t>
-                        </m:r>
-                      </m:sub>
-                    </m:sSub>
-                  </m:oMath>
-                </a14:m>
-              </a:p>
-            </p:txBody>
-          </p:sp>
-        </mc:Choice>
-      </mc:AlternateContent>
-    </p:spTree>
-  </p:cSld>
-</p:sld>
-</file>
-
 <file path=ppt/slides/slide39.xml><?xml version="1.0" encoding="utf-8"?>
 <p:sld xmlns:a="http://schemas.openxmlformats.org/drawingml/2006/main" xmlns:r="http://schemas.openxmlformats.org/officeDocument/2006/relationships" xmlns:p="http://schemas.openxmlformats.org/presentationml/2006/main">
   <p:cSld>
@@ -7925,39 +7956,23 @@
             </a:pPr>
             <a:r>
               <a:rPr/>
-              <a:t>acf</a:t>
-            </a:r>
-            <a:r>
-              <a:rPr/>
-              <a:t> </a:t>
-            </a:r>
-            <a:r>
-              <a:rPr/>
-              <a:t>and</a:t>
-            </a:r>
-            <a:r>
-              <a:rPr/>
-              <a:t> </a:t>
-            </a:r>
-            <a:r>
-              <a:rPr/>
-              <a:t>pacf</a:t>
-            </a:r>
-            <a:r>
-              <a:rPr/>
-              <a:t> </a:t>
-            </a:r>
-            <a:r>
-              <a:rPr/>
-              <a:t>for</a:t>
-            </a:r>
-            <a:r>
-              <a:rPr/>
-              <a:t> </a:t>
-            </a:r>
-            <a:r>
-              <a:rPr/>
-              <a:t>co2</a:t>
+              <a:t>Structure</a:t>
+            </a:r>
+            <a:r>
+              <a:rPr/>
+              <a:t> </a:t>
+            </a:r>
+            <a:r>
+              <a:rPr/>
+              <a:t>of</a:t>
+            </a:r>
+            <a:r>
+              <a:rPr/>
+              <a:t> </a:t>
+            </a:r>
+            <a:r>
+              <a:rPr/>
+              <a:t>Nile</a:t>
             </a:r>
             <a:r>
               <a:rPr/>
@@ -7970,36 +7985,88 @@
           </a:p>
         </p:txBody>
       </p:sp>
-      <p:pic>
-        <p:nvPicPr>
-          <p:cNvPr descr="basics_files/figure-pptx/co2-auto-1.png" id="0" name="Picture 1"/>
-          <p:cNvPicPr>
-            <a:picLocks noGrp="1" noChangeAspect="1"/>
-          </p:cNvPicPr>
-          <p:nvPr/>
-        </p:nvPicPr>
-        <p:blipFill>
-          <a:blip r:embed="rId2"/>
-          <a:stretch>
-            <a:fillRect/>
-          </a:stretch>
-        </p:blipFill>
-        <p:spPr bwMode="auto">
-          <a:xfrm>
-            <a:off x="457200" y="2032000"/>
-            <a:ext cx="8229600" cy="3657600"/>
-          </a:xfrm>
-          <a:prstGeom prst="rect">
-            <a:avLst/>
-          </a:prstGeom>
-          <a:noFill/>
-          <a:ln w="9525">
-            <a:noFill/>
-            <a:headEnd/>
-            <a:tailEnd/>
-          </a:ln>
-        </p:spPr>
-      </p:pic>
+      <p:sp>
+        <p:nvSpPr>
+          <p:cNvPr id="3" name="Content Placeholder 2"/>
+          <p:cNvSpPr>
+            <a:spLocks noGrp="1"/>
+          </p:cNvSpPr>
+          <p:nvPr>
+            <p:ph idx="1"/>
+          </p:nvPr>
+        </p:nvSpPr>
+        <p:spPr/>
+        <p:txBody>
+          <a:bodyPr/>
+          <a:lstStyle/>
+          <a:p>
+            <a:pPr lvl="0" marL="1270000" indent="0">
+              <a:buNone/>
+            </a:pPr>
+            <a:r>
+              <a:rPr sz="1800" b="1">
+                <a:solidFill>
+                  <a:srgbClr val="007020"/>
+                </a:solidFill>
+                <a:latin typeface="Courier"/>
+              </a:rPr>
+              <a:t>str</a:t>
+            </a:r>
+            <a:r>
+              <a:rPr sz="1800">
+                <a:latin typeface="Courier"/>
+              </a:rPr>
+              <a:t>(Nile)</a:t>
+            </a:r>
+          </a:p>
+          <a:p>
+            <a:pPr lvl="0" marL="1270000" indent="0">
+              <a:buNone/>
+            </a:pPr>
+            <a:r>
+              <a:rPr sz="1800">
+                <a:latin typeface="Courier"/>
+              </a:rPr>
+              <a:t>##  Time-Series [1:100] from 1871 to 1970: 1120 1160 963 1210 1160 1160 813 1230 1370 1140 ...</a:t>
+            </a:r>
+          </a:p>
+          <a:p>
+            <a:pPr lvl="0" marL="1270000" indent="0">
+              <a:buNone/>
+            </a:pPr>
+            <a:r>
+              <a:rPr sz="1800" b="1">
+                <a:solidFill>
+                  <a:srgbClr val="007020"/>
+                </a:solidFill>
+                <a:latin typeface="Courier"/>
+              </a:rPr>
+              <a:t>attributes</a:t>
+            </a:r>
+            <a:r>
+              <a:rPr sz="1800">
+                <a:latin typeface="Courier"/>
+              </a:rPr>
+              <a:t>(Nile)</a:t>
+            </a:r>
+          </a:p>
+          <a:p>
+            <a:pPr lvl="0" marL="1270000" indent="0">
+              <a:buNone/>
+            </a:pPr>
+            <a:r>
+              <a:rPr sz="1800">
+                <a:latin typeface="Courier"/>
+              </a:rPr>
+              <a:t>## $tsp
+## [1] 1871 1970    1
+## 
+## $class
+## [1] "ts"</a:t>
+            </a:r>
+          </a:p>
+        </p:txBody>
+      </p:sp>
     </p:spTree>
   </p:cSld>
 </p:sld>
@@ -8246,7 +8313,7 @@
             </a:pPr>
             <a:r>
               <a:rPr/>
-              <a:t>Structure</a:t>
+              <a:t>Plot</a:t>
             </a:r>
             <a:r>
               <a:rPr/>
@@ -8262,7 +8329,7 @@
             </a:r>
             <a:r>
               <a:rPr/>
-              <a:t>LakeHuron</a:t>
+              <a:t>Nile</a:t>
             </a:r>
             <a:r>
               <a:rPr/>
@@ -8275,95 +8342,36 @@
           </a:p>
         </p:txBody>
       </p:sp>
-      <p:sp>
-        <p:nvSpPr>
-          <p:cNvPr id="3" name="Content Placeholder 2"/>
-          <p:cNvSpPr>
-            <a:spLocks noGrp="1"/>
-          </p:cNvSpPr>
-          <p:nvPr>
-            <p:ph idx="1"/>
-          </p:nvPr>
-        </p:nvSpPr>
-        <p:spPr/>
-        <p:txBody>
-          <a:bodyPr/>
-          <a:lstStyle/>
-          <a:p>
-            <a:pPr lvl="0" marL="1270000" indent="0">
-              <a:buNone/>
-            </a:pPr>
-            <a:r>
-              <a:rPr sz="1800" b="1">
-                <a:solidFill>
-                  <a:srgbClr val="007020"/>
-                </a:solidFill>
-                <a:latin typeface="Courier"/>
-              </a:rPr>
-              <a:t>str</a:t>
-            </a:r>
-            <a:r>
-              <a:rPr sz="1800">
-                <a:latin typeface="Courier"/>
-              </a:rPr>
-              <a:t>(LakeHuron)</a:t>
-            </a:r>
-          </a:p>
-          <a:p>
-            <a:pPr lvl="0" marL="1270000" indent="0">
-              <a:buNone/>
-            </a:pPr>
-            <a:r>
-              <a:rPr sz="1800">
-                <a:latin typeface="Courier"/>
-              </a:rPr>
-              <a:t>##  Time-Series [1:98] from 1875 to 1972: 580 582 581 581 580 ...</a:t>
-            </a:r>
-          </a:p>
-          <a:p>
-            <a:pPr lvl="0" marL="1270000" indent="0">
-              <a:buNone/>
-            </a:pPr>
-            <a:r>
-              <a:rPr sz="1800" b="1">
-                <a:solidFill>
-                  <a:srgbClr val="007020"/>
-                </a:solidFill>
-                <a:latin typeface="Courier"/>
-              </a:rPr>
-              <a:t>attributes</a:t>
-            </a:r>
-            <a:r>
-              <a:rPr sz="1800">
-                <a:latin typeface="Courier"/>
-              </a:rPr>
-              <a:t>(LakeHuron)</a:t>
-            </a:r>
-          </a:p>
-          <a:p>
-            <a:pPr lvl="0" marL="1270000" indent="0">
-              <a:buNone/>
-            </a:pPr>
-            <a:r>
-              <a:rPr sz="1800">
-                <a:latin typeface="Courier"/>
-              </a:rPr>
-              <a:t>## $tsp
-## [1] 1875 1972    1
-## 
-## $class
-## [1] "ts"</a:t>
-            </a:r>
-          </a:p>
-          <a:p>
-            <a:pPr lvl="1"/>
-            <a:r>
-              <a:rPr/>
-              <a:t>Note: Annual data has no seasonality.</a:t>
-            </a:r>
-          </a:p>
-        </p:txBody>
-      </p:sp>
+      <p:pic>
+        <p:nvPicPr>
+          <p:cNvPr descr="basics_files/figure-pptx/Nile-plot-1.png" id="0" name="Picture 1"/>
+          <p:cNvPicPr>
+            <a:picLocks noGrp="1" noChangeAspect="1"/>
+          </p:cNvPicPr>
+          <p:nvPr/>
+        </p:nvPicPr>
+        <p:blipFill>
+          <a:blip r:embed="rId2"/>
+          <a:stretch>
+            <a:fillRect/>
+          </a:stretch>
+        </p:blipFill>
+        <p:spPr bwMode="auto">
+          <a:xfrm>
+            <a:off x="457200" y="2032000"/>
+            <a:ext cx="8229600" cy="3657600"/>
+          </a:xfrm>
+          <a:prstGeom prst="rect">
+            <a:avLst/>
+          </a:prstGeom>
+          <a:noFill/>
+          <a:ln w="9525">
+            <a:noFill/>
+            <a:headEnd/>
+            <a:tailEnd/>
+          </a:ln>
+        </p:spPr>
+      </p:pic>
     </p:spTree>
   </p:cSld>
 </p:sld>
@@ -8406,23 +8414,39 @@
             </a:pPr>
             <a:r>
               <a:rPr/>
-              <a:t>Plot</a:t>
-            </a:r>
-            <a:r>
-              <a:rPr/>
-              <a:t> </a:t>
-            </a:r>
-            <a:r>
-              <a:rPr/>
-              <a:t>of</a:t>
-            </a:r>
-            <a:r>
-              <a:rPr/>
-              <a:t> </a:t>
-            </a:r>
-            <a:r>
-              <a:rPr/>
-              <a:t>LakeHuron</a:t>
+              <a:t>acf</a:t>
+            </a:r>
+            <a:r>
+              <a:rPr/>
+              <a:t> </a:t>
+            </a:r>
+            <a:r>
+              <a:rPr/>
+              <a:t>and</a:t>
+            </a:r>
+            <a:r>
+              <a:rPr/>
+              <a:t> </a:t>
+            </a:r>
+            <a:r>
+              <a:rPr/>
+              <a:t>pacf</a:t>
+            </a:r>
+            <a:r>
+              <a:rPr/>
+              <a:t> </a:t>
+            </a:r>
+            <a:r>
+              <a:rPr/>
+              <a:t>for</a:t>
+            </a:r>
+            <a:r>
+              <a:rPr/>
+              <a:t> </a:t>
+            </a:r>
+            <a:r>
+              <a:rPr/>
+              <a:t>Nile</a:t>
             </a:r>
             <a:r>
               <a:rPr/>
@@ -8437,7 +8461,7 @@
       </p:sp>
       <p:pic>
         <p:nvPicPr>
-          <p:cNvPr descr="basics_files/figure-pptx/LakeHuron-plot-1.png" id="0" name="Picture 1"/>
+          <p:cNvPr descr="basics_files/figure-pptx/Nile-auto-1.png" id="0" name="Picture 1"/>
           <p:cNvPicPr>
             <a:picLocks noGrp="1" noChangeAspect="1"/>
           </p:cNvPicPr>
@@ -8507,73 +8531,93 @@
             </a:pPr>
             <a:r>
               <a:rPr/>
-              <a:t>acf</a:t>
-            </a:r>
-            <a:r>
-              <a:rPr/>
-              <a:t> </a:t>
-            </a:r>
-            <a:r>
-              <a:rPr/>
-              <a:t>and</a:t>
-            </a:r>
-            <a:r>
-              <a:rPr/>
-              <a:t> </a:t>
-            </a:r>
-            <a:r>
-              <a:rPr/>
-              <a:t>pacf</a:t>
-            </a:r>
-            <a:r>
-              <a:rPr/>
-              <a:t> </a:t>
-            </a:r>
-            <a:r>
-              <a:rPr/>
-              <a:t>for</a:t>
-            </a:r>
-            <a:r>
-              <a:rPr/>
-              <a:t> </a:t>
-            </a:r>
-            <a:r>
-              <a:rPr/>
-              <a:t>data</a:t>
-            </a:r>
-          </a:p>
-        </p:txBody>
-      </p:sp>
-      <p:pic>
-        <p:nvPicPr>
-          <p:cNvPr descr="basics_files/figure-pptx/LakeHuron-auto-1.png" id="0" name="Picture 1"/>
-          <p:cNvPicPr>
-            <a:picLocks noGrp="1" noChangeAspect="1"/>
-          </p:cNvPicPr>
-          <p:nvPr/>
-        </p:nvPicPr>
-        <p:blipFill>
-          <a:blip r:embed="rId2"/>
-          <a:stretch>
-            <a:fillRect/>
-          </a:stretch>
-        </p:blipFill>
-        <p:spPr bwMode="auto">
-          <a:xfrm>
-            <a:off x="457200" y="2032000"/>
-            <a:ext cx="8229600" cy="3657600"/>
-          </a:xfrm>
-          <a:prstGeom prst="rect">
-            <a:avLst/>
-          </a:prstGeom>
-          <a:noFill/>
-          <a:ln w="9525">
-            <a:noFill/>
-            <a:headEnd/>
-            <a:tailEnd/>
-          </a:ln>
-        </p:spPr>
-      </p:pic>
+              <a:t>USAccDeaths</a:t>
+            </a:r>
+          </a:p>
+        </p:txBody>
+      </p:sp>
+      <p:sp>
+        <p:nvSpPr>
+          <p:cNvPr id="3" name="Content Placeholder 2"/>
+          <p:cNvSpPr>
+            <a:spLocks noGrp="1"/>
+          </p:cNvSpPr>
+          <p:nvPr>
+            <p:ph idx="1"/>
+          </p:nvPr>
+        </p:nvSpPr>
+        <p:spPr/>
+        <p:txBody>
+          <a:bodyPr/>
+          <a:lstStyle/>
+          <a:p>
+            <a:pPr lvl="0" marL="1270000" indent="0">
+              <a:buNone/>
+            </a:pPr>
+            <a:r>
+              <a:rPr sz="1800" b="1">
+                <a:solidFill>
+                  <a:srgbClr val="007020"/>
+                </a:solidFill>
+                <a:latin typeface="Courier"/>
+              </a:rPr>
+              <a:t>str</a:t>
+            </a:r>
+            <a:r>
+              <a:rPr sz="1800">
+                <a:latin typeface="Courier"/>
+              </a:rPr>
+              <a:t>(USAccDeaths)</a:t>
+            </a:r>
+          </a:p>
+          <a:p>
+            <a:pPr lvl="0" marL="1270000" indent="0">
+              <a:buNone/>
+            </a:pPr>
+            <a:r>
+              <a:rPr sz="1800">
+                <a:latin typeface="Courier"/>
+              </a:rPr>
+              <a:t>##  Time-Series [1:72] from 1973 to 1979: 9007 8106 8928 9137 10017 ...</a:t>
+            </a:r>
+          </a:p>
+          <a:p>
+            <a:pPr lvl="0" marL="1270000" indent="0">
+              <a:buNone/>
+            </a:pPr>
+            <a:r>
+              <a:rPr sz="1800" b="1">
+                <a:solidFill>
+                  <a:srgbClr val="007020"/>
+                </a:solidFill>
+                <a:latin typeface="Courier"/>
+              </a:rPr>
+              <a:t>attributes</a:t>
+            </a:r>
+            <a:r>
+              <a:rPr sz="1800">
+                <a:latin typeface="Courier"/>
+              </a:rPr>
+              <a:t>(USAccDeaths)</a:t>
+            </a:r>
+          </a:p>
+          <a:p>
+            <a:pPr lvl="0" marL="1270000" indent="0">
+              <a:buNone/>
+            </a:pPr>
+            <a:r>
+              <a:rPr sz="1800">
+                <a:latin typeface="Courier"/>
+              </a:rPr>
+              <a:t>## $tsp
+## [1] 1973.000 1978.917   12.000
+## 
+## $class
+## [1] "ts"</a:t>
+            </a:r>
+          </a:p>
+        </p:txBody>
+      </p:sp>
     </p:spTree>
   </p:cSld>
 </p:sld>
@@ -8616,38 +8660,22 @@
             </a:pPr>
             <a:r>
               <a:rPr/>
-              <a:t>Plot</a:t>
-            </a:r>
-            <a:r>
-              <a:rPr/>
-              <a:t> </a:t>
-            </a:r>
-            <a:r>
-              <a:rPr/>
-              <a:t>of</a:t>
-            </a:r>
-            <a:r>
-              <a:rPr/>
-              <a:t> </a:t>
-            </a:r>
-            <a:r>
-              <a:rPr/>
-              <a:t>LakeHuron</a:t>
-            </a:r>
-            <a:r>
-              <a:rPr/>
-              <a:t> </a:t>
-            </a:r>
-            <a:r>
-              <a:rPr/>
-              <a:t>data</a:t>
+              <a:t>USAccDeaths</a:t>
+            </a:r>
+            <a:r>
+              <a:rPr/>
+              <a:t> </a:t>
+            </a:r>
+            <a:r>
+              <a:rPr/>
+              <a:t>plot</a:t>
             </a:r>
           </a:p>
         </p:txBody>
       </p:sp>
       <p:pic>
         <p:nvPicPr>
-          <p:cNvPr descr="basics_files/figure-pptx/diff-LakeHuron-plot-1.png" id="0" name="Picture 1"/>
+          <p:cNvPr descr="basics_files/figure-pptx/USAccDeaths-plot-1.png" id="0" name="Picture 1"/>
           <p:cNvPicPr>
             <a:picLocks noGrp="1" noChangeAspect="1"/>
           </p:cNvPicPr>
@@ -8717,7 +8745,7 @@
             </a:pPr>
             <a:r>
               <a:rPr/>
-              <a:t>acf</a:t>
+              <a:t>Detrend</a:t>
             </a:r>
             <a:r>
               <a:rPr/>
@@ -8733,30 +8761,22 @@
             </a:r>
             <a:r>
               <a:rPr/>
-              <a:t>pacf</a:t>
-            </a:r>
-            <a:r>
-              <a:rPr/>
-              <a:t> </a:t>
-            </a:r>
-            <a:r>
-              <a:rPr/>
-              <a:t>for</a:t>
-            </a:r>
-            <a:r>
-              <a:rPr/>
-              <a:t> </a:t>
-            </a:r>
-            <a:r>
-              <a:rPr/>
-              <a:t>data</a:t>
+              <a:t>deseasonalize</a:t>
+            </a:r>
+            <a:r>
+              <a:rPr/>
+              <a:t> </a:t>
+            </a:r>
+            <a:r>
+              <a:rPr/>
+              <a:t>USAccDeaths</a:t>
             </a:r>
           </a:p>
         </p:txBody>
       </p:sp>
       <p:pic>
         <p:nvPicPr>
-          <p:cNvPr descr="basics_files/figure-pptx/diff-LakeHuron-auto-1.png" id="0" name="Picture 1"/>
+          <p:cNvPr descr="basics_files/figure-pptx/USAccDeaths-decomp-1.png" id="0" name="Picture 1"/>
           <p:cNvPicPr>
             <a:picLocks noGrp="1" noChangeAspect="1"/>
           </p:cNvPicPr>
@@ -8826,23 +8846,39 @@
             </a:pPr>
             <a:r>
               <a:rPr/>
-              <a:t>Structure</a:t>
-            </a:r>
-            <a:r>
-              <a:rPr/>
-              <a:t> </a:t>
-            </a:r>
-            <a:r>
-              <a:rPr/>
-              <a:t>of</a:t>
-            </a:r>
-            <a:r>
-              <a:rPr/>
-              <a:t> </a:t>
-            </a:r>
-            <a:r>
-              <a:rPr/>
-              <a:t>mdeaths</a:t>
+              <a:t>acf</a:t>
+            </a:r>
+            <a:r>
+              <a:rPr/>
+              <a:t> </a:t>
+            </a:r>
+            <a:r>
+              <a:rPr/>
+              <a:t>and</a:t>
+            </a:r>
+            <a:r>
+              <a:rPr/>
+              <a:t> </a:t>
+            </a:r>
+            <a:r>
+              <a:rPr/>
+              <a:t>pacf</a:t>
+            </a:r>
+            <a:r>
+              <a:rPr/>
+              <a:t> </a:t>
+            </a:r>
+            <a:r>
+              <a:rPr/>
+              <a:t>for</a:t>
+            </a:r>
+            <a:r>
+              <a:rPr/>
+              <a:t> </a:t>
+            </a:r>
+            <a:r>
+              <a:rPr/>
+              <a:t>USAccDeaths</a:t>
             </a:r>
             <a:r>
               <a:rPr/>
@@ -8851,158 +8887,13 @@
             <a:r>
               <a:rPr/>
               <a:t>data</a:t>
-            </a:r>
-          </a:p>
-        </p:txBody>
-      </p:sp>
-      <p:sp>
-        <p:nvSpPr>
-          <p:cNvPr id="3" name="Content Placeholder 2"/>
-          <p:cNvSpPr>
-            <a:spLocks noGrp="1"/>
-          </p:cNvSpPr>
-          <p:nvPr>
-            <p:ph idx="1"/>
-          </p:nvPr>
-        </p:nvSpPr>
-        <p:spPr/>
-        <p:txBody>
-          <a:bodyPr/>
-          <a:lstStyle/>
-          <a:p>
-            <a:pPr lvl="0" marL="1270000" indent="0">
-              <a:buNone/>
-            </a:pPr>
-            <a:r>
-              <a:rPr sz="1800" b="1">
-                <a:solidFill>
-                  <a:srgbClr val="007020"/>
-                </a:solidFill>
-                <a:latin typeface="Courier"/>
-              </a:rPr>
-              <a:t>str</a:t>
-            </a:r>
-            <a:r>
-              <a:rPr sz="1800">
-                <a:latin typeface="Courier"/>
-              </a:rPr>
-              <a:t>(mdeaths)</a:t>
-            </a:r>
-          </a:p>
-          <a:p>
-            <a:pPr lvl="0" marL="1270000" indent="0">
-              <a:buNone/>
-            </a:pPr>
-            <a:r>
-              <a:rPr sz="1800">
-                <a:latin typeface="Courier"/>
-              </a:rPr>
-              <a:t>##  Time-Series [1:72] from 1974 to 1980: 2134 1863 1877 1877 1492 ...</a:t>
-            </a:r>
-          </a:p>
-          <a:p>
-            <a:pPr lvl="0" marL="1270000" indent="0">
-              <a:buNone/>
-            </a:pPr>
-            <a:r>
-              <a:rPr sz="1800" b="1">
-                <a:solidFill>
-                  <a:srgbClr val="007020"/>
-                </a:solidFill>
-                <a:latin typeface="Courier"/>
-              </a:rPr>
-              <a:t>attributes</a:t>
-            </a:r>
-            <a:r>
-              <a:rPr sz="1800">
-                <a:latin typeface="Courier"/>
-              </a:rPr>
-              <a:t>(mdeaths)</a:t>
-            </a:r>
-          </a:p>
-          <a:p>
-            <a:pPr lvl="0" marL="1270000" indent="0">
-              <a:buNone/>
-            </a:pPr>
-            <a:r>
-              <a:rPr sz="1800">
-                <a:latin typeface="Courier"/>
-              </a:rPr>
-              <a:t>## $tsp
-## [1] 1974.000 1979.917   12.000
-## 
-## $class
-## [1] "ts"</a:t>
-            </a:r>
-          </a:p>
-        </p:txBody>
-      </p:sp>
-    </p:spTree>
-  </p:cSld>
-</p:sld>
-</file>
-
-<file path=ppt/slides/slide46.xml><?xml version="1.0" encoding="utf-8"?>
-<p:sld xmlns:a="http://schemas.openxmlformats.org/drawingml/2006/main" xmlns:r="http://schemas.openxmlformats.org/officeDocument/2006/relationships" xmlns:p="http://schemas.openxmlformats.org/presentationml/2006/main">
-  <p:cSld>
-    <p:spTree>
-      <p:nvGrpSpPr>
-        <p:cNvPr id="1" name=""/>
-        <p:cNvGrpSpPr/>
-        <p:nvPr/>
-      </p:nvGrpSpPr>
-      <p:grpSpPr>
-        <a:xfrm>
-          <a:off x="0" y="0"/>
-          <a:ext cx="0" cy="0"/>
-          <a:chOff x="0" y="0"/>
-          <a:chExt cx="0" cy="0"/>
-        </a:xfrm>
-      </p:grpSpPr>
-      <p:sp>
-        <p:nvSpPr>
-          <p:cNvPr id="2" name="Title 1"/>
-          <p:cNvSpPr>
-            <a:spLocks noGrp="1"/>
-          </p:cNvSpPr>
-          <p:nvPr>
-            <p:ph type="title"/>
-          </p:nvPr>
-        </p:nvSpPr>
-        <p:spPr/>
-        <p:txBody>
-          <a:bodyPr/>
-          <a:lstStyle/>
-          <a:p>
-            <a:pPr lvl="0" marL="0" indent="0">
-              <a:buNone/>
-            </a:pPr>
-            <a:r>
-              <a:rPr/>
-              <a:t>Plot</a:t>
-            </a:r>
-            <a:r>
-              <a:rPr/>
-              <a:t> </a:t>
-            </a:r>
-            <a:r>
-              <a:rPr/>
-              <a:t>of</a:t>
-            </a:r>
-            <a:r>
-              <a:rPr/>
-              <a:t> </a:t>
-            </a:r>
-            <a:r>
-              <a:rPr/>
-              <a:t>mdeaths</a:t>
             </a:r>
           </a:p>
         </p:txBody>
       </p:sp>
       <p:pic>
         <p:nvPicPr>
-          <p:cNvPr descr="basics_files/figure-pptx/mdeaths-plot-1.png" id="0" name="Picture 1"/>
+          <p:cNvPr descr="basics_files/figure-pptx/USAccDeaths-auto-1.png" id="0" name="Picture 1"/>
           <p:cNvPicPr>
             <a:picLocks noGrp="1" noChangeAspect="1"/>
           </p:cNvPicPr>
@@ -9035,6 +8926,151 @@
 </p:sld>
 </file>
 
+<file path=ppt/slides/slide46.xml><?xml version="1.0" encoding="utf-8"?>
+<p:sld xmlns:a="http://schemas.openxmlformats.org/drawingml/2006/main" xmlns:r="http://schemas.openxmlformats.org/officeDocument/2006/relationships" xmlns:p="http://schemas.openxmlformats.org/presentationml/2006/main">
+  <p:cSld>
+    <p:spTree>
+      <p:nvGrpSpPr>
+        <p:cNvPr id="1" name=""/>
+        <p:cNvGrpSpPr/>
+        <p:nvPr/>
+      </p:nvGrpSpPr>
+      <p:grpSpPr>
+        <a:xfrm>
+          <a:off x="0" y="0"/>
+          <a:ext cx="0" cy="0"/>
+          <a:chOff x="0" y="0"/>
+          <a:chExt cx="0" cy="0"/>
+        </a:xfrm>
+      </p:grpSpPr>
+      <p:sp>
+        <p:nvSpPr>
+          <p:cNvPr id="2" name="Title 1"/>
+          <p:cNvSpPr>
+            <a:spLocks noGrp="1"/>
+          </p:cNvSpPr>
+          <p:nvPr>
+            <p:ph type="title"/>
+          </p:nvPr>
+        </p:nvSpPr>
+        <p:spPr/>
+        <p:txBody>
+          <a:bodyPr/>
+          <a:lstStyle/>
+          <a:p>
+            <a:pPr lvl="0" marL="0" indent="0">
+              <a:buNone/>
+            </a:pPr>
+            <a:r>
+              <a:rPr/>
+              <a:t>Structure</a:t>
+            </a:r>
+            <a:r>
+              <a:rPr/>
+              <a:t> </a:t>
+            </a:r>
+            <a:r>
+              <a:rPr/>
+              <a:t>of</a:t>
+            </a:r>
+            <a:r>
+              <a:rPr/>
+              <a:t> </a:t>
+            </a:r>
+            <a:r>
+              <a:rPr/>
+              <a:t>treering</a:t>
+            </a:r>
+          </a:p>
+        </p:txBody>
+      </p:sp>
+      <p:sp>
+        <p:nvSpPr>
+          <p:cNvPr id="3" name="Content Placeholder 2"/>
+          <p:cNvSpPr>
+            <a:spLocks noGrp="1"/>
+          </p:cNvSpPr>
+          <p:nvPr>
+            <p:ph idx="1"/>
+          </p:nvPr>
+        </p:nvSpPr>
+        <p:spPr/>
+        <p:txBody>
+          <a:bodyPr/>
+          <a:lstStyle/>
+          <a:p>
+            <a:pPr lvl="0" marL="1270000" indent="0">
+              <a:buNone/>
+            </a:pPr>
+            <a:r>
+              <a:rPr sz="1800" b="1">
+                <a:solidFill>
+                  <a:srgbClr val="007020"/>
+                </a:solidFill>
+                <a:latin typeface="Courier"/>
+              </a:rPr>
+              <a:t>str</a:t>
+            </a:r>
+            <a:r>
+              <a:rPr sz="1800">
+                <a:latin typeface="Courier"/>
+              </a:rPr>
+              <a:t>(treering)</a:t>
+            </a:r>
+          </a:p>
+          <a:p>
+            <a:pPr lvl="0" marL="1270000" indent="0">
+              <a:buNone/>
+            </a:pPr>
+            <a:r>
+              <a:rPr sz="1800">
+                <a:latin typeface="Courier"/>
+              </a:rPr>
+              <a:t>##  Time-Series [1:7980] from -6000 to 1979: 1.34 1.08 1.54 1.32 1.41 ...</a:t>
+            </a:r>
+          </a:p>
+          <a:p>
+            <a:pPr lvl="0" marL="1270000" indent="0">
+              <a:buNone/>
+            </a:pPr>
+            <a:r>
+              <a:rPr sz="1800" b="1">
+                <a:solidFill>
+                  <a:srgbClr val="007020"/>
+                </a:solidFill>
+                <a:latin typeface="Courier"/>
+              </a:rPr>
+              <a:t>attributes</a:t>
+            </a:r>
+            <a:r>
+              <a:rPr sz="1800">
+                <a:latin typeface="Courier"/>
+              </a:rPr>
+              <a:t>(treering)</a:t>
+            </a:r>
+          </a:p>
+          <a:p>
+            <a:pPr lvl="0" marL="1270000" indent="0">
+              <a:buNone/>
+            </a:pPr>
+            <a:r>
+              <a:rPr sz="1800">
+                <a:latin typeface="Courier"/>
+              </a:rPr>
+              <a:t>## $tsp
+## [1] -6000  1979     1
+## 
+## $class
+## [1] "ts"</a:t>
+            </a:r>
+          </a:p>
+        </p:txBody>
+      </p:sp>
+    </p:spTree>
+  </p:cSld>
+</p:sld>
+</file>
+
 <file path=ppt/slides/slide47.xml><?xml version="1.0" encoding="utf-8"?>
 <p:sld xmlns:a="http://schemas.openxmlformats.org/drawingml/2006/main" xmlns:r="http://schemas.openxmlformats.org/officeDocument/2006/relationships" xmlns:p="http://schemas.openxmlformats.org/presentationml/2006/main">
   <p:cSld>
@@ -9072,38 +9108,30 @@
             </a:pPr>
             <a:r>
               <a:rPr/>
-              <a:t>Detrend</a:t>
-            </a:r>
-            <a:r>
-              <a:rPr/>
-              <a:t> </a:t>
-            </a:r>
-            <a:r>
-              <a:rPr/>
-              <a:t>and</a:t>
-            </a:r>
-            <a:r>
-              <a:rPr/>
-              <a:t> </a:t>
-            </a:r>
-            <a:r>
-              <a:rPr/>
-              <a:t>deseasonalize</a:t>
-            </a:r>
-            <a:r>
-              <a:rPr/>
-              <a:t> </a:t>
-            </a:r>
-            <a:r>
-              <a:rPr/>
-              <a:t>mdeaths</a:t>
+              <a:t>Plot</a:t>
+            </a:r>
+            <a:r>
+              <a:rPr/>
+              <a:t> </a:t>
+            </a:r>
+            <a:r>
+              <a:rPr/>
+              <a:t>of</a:t>
+            </a:r>
+            <a:r>
+              <a:rPr/>
+              <a:t> </a:t>
+            </a:r>
+            <a:r>
+              <a:rPr/>
+              <a:t>treering</a:t>
             </a:r>
           </a:p>
         </p:txBody>
       </p:sp>
       <p:pic>
         <p:nvPicPr>
-          <p:cNvPr descr="basics_files/figure-pptx/mdeaths-decomp-1.png" id="0" name="Picture 1"/>
+          <p:cNvPr descr="basics_files/figure-pptx/treering-plot-1.png" id="0" name="Picture 1"/>
           <p:cNvPicPr>
             <a:picLocks noGrp="1" noChangeAspect="1"/>
           </p:cNvPicPr>
@@ -9205,7 +9233,7 @@
             </a:r>
             <a:r>
               <a:rPr/>
-              <a:t>mdeaths</a:t>
+              <a:t>treering</a:t>
             </a:r>
             <a:r>
               <a:rPr/>
@@ -9220,7 +9248,7 @@
       </p:sp>
       <p:pic>
         <p:nvPicPr>
-          <p:cNvPr descr="basics_files/figure-pptx/mdeaths-auto-1.png" id="0" name="Picture 1"/>
+          <p:cNvPr descr="basics_files/figure-pptx/treering-auto-1.png" id="0" name="Picture 1"/>
           <p:cNvPicPr>
             <a:picLocks noGrp="1" noChangeAspect="1"/>
           </p:cNvPicPr>
@@ -9290,7 +9318,15 @@
             </a:pPr>
             <a:r>
               <a:rPr/>
-              <a:t>Structure</a:t>
+              <a:t>Difference</a:t>
+            </a:r>
+            <a:r>
+              <a:rPr/>
+              <a:t> </a:t>
+            </a:r>
+            <a:r>
+              <a:rPr/>
+              <a:t>plot</a:t>
             </a:r>
             <a:r>
               <a:rPr/>
@@ -9306,101 +9342,41 @@
             </a:r>
             <a:r>
               <a:rPr/>
-              <a:t>Nile</a:t>
-            </a:r>
-            <a:r>
-              <a:rPr/>
-              <a:t> </a:t>
-            </a:r>
-            <a:r>
-              <a:rPr/>
-              <a:t>data</a:t>
-            </a:r>
-          </a:p>
-        </p:txBody>
-      </p:sp>
-      <p:sp>
-        <p:nvSpPr>
-          <p:cNvPr id="3" name="Content Placeholder 2"/>
-          <p:cNvSpPr>
-            <a:spLocks noGrp="1"/>
-          </p:cNvSpPr>
-          <p:nvPr>
-            <p:ph idx="1"/>
-          </p:nvPr>
-        </p:nvSpPr>
-        <p:spPr/>
-        <p:txBody>
-          <a:bodyPr/>
-          <a:lstStyle/>
-          <a:p>
-            <a:pPr lvl="0" marL="1270000" indent="0">
-              <a:buNone/>
-            </a:pPr>
-            <a:r>
-              <a:rPr sz="1800" b="1">
-                <a:solidFill>
-                  <a:srgbClr val="007020"/>
-                </a:solidFill>
-                <a:latin typeface="Courier"/>
-              </a:rPr>
-              <a:t>str</a:t>
-            </a:r>
-            <a:r>
-              <a:rPr sz="1800">
-                <a:latin typeface="Courier"/>
-              </a:rPr>
-              <a:t>(Nile)</a:t>
-            </a:r>
-          </a:p>
-          <a:p>
-            <a:pPr lvl="0" marL="1270000" indent="0">
-              <a:buNone/>
-            </a:pPr>
-            <a:r>
-              <a:rPr sz="1800">
-                <a:latin typeface="Courier"/>
-              </a:rPr>
-              <a:t>##  Time-Series [1:100] from 1871 to 1970: 1120 1160 963 1210 1160 1160 813 1230 1370 1140 ...</a:t>
-            </a:r>
-          </a:p>
-          <a:p>
-            <a:pPr lvl="0" marL="1270000" indent="0">
-              <a:buNone/>
-            </a:pPr>
-            <a:r>
-              <a:rPr sz="1800" b="1">
-                <a:solidFill>
-                  <a:srgbClr val="007020"/>
-                </a:solidFill>
-                <a:latin typeface="Courier"/>
-              </a:rPr>
-              <a:t>attributes</a:t>
-            </a:r>
-            <a:r>
-              <a:rPr sz="1800">
-                <a:latin typeface="Courier"/>
-              </a:rPr>
-              <a:t>(Nile)</a:t>
-            </a:r>
-          </a:p>
-          <a:p>
-            <a:pPr lvl="0" marL="1270000" indent="0">
-              <a:buNone/>
-            </a:pPr>
-            <a:r>
-              <a:rPr sz="1800">
-                <a:latin typeface="Courier"/>
-              </a:rPr>
-              <a:t>## $tsp
-## [1] 1871 1970    1
-## 
-## $class
-## [1] "ts"</a:t>
-            </a:r>
-          </a:p>
-        </p:txBody>
-      </p:sp>
+              <a:t>treering</a:t>
+            </a:r>
+          </a:p>
+        </p:txBody>
+      </p:sp>
+      <p:pic>
+        <p:nvPicPr>
+          <p:cNvPr descr="basics_files/figure-pptx/diff-treering-plot-1.png" id="0" name="Picture 1"/>
+          <p:cNvPicPr>
+            <a:picLocks noGrp="1" noChangeAspect="1"/>
+          </p:cNvPicPr>
+          <p:nvPr/>
+        </p:nvPicPr>
+        <p:blipFill>
+          <a:blip r:embed="rId2"/>
+          <a:stretch>
+            <a:fillRect/>
+          </a:stretch>
+        </p:blipFill>
+        <p:spPr bwMode="auto">
+          <a:xfrm>
+            <a:off x="457200" y="2032000"/>
+            <a:ext cx="8229600" cy="3657600"/>
+          </a:xfrm>
+          <a:prstGeom prst="rect">
+            <a:avLst/>
+          </a:prstGeom>
+          <a:noFill/>
+          <a:ln w="9525">
+            <a:noFill/>
+            <a:headEnd/>
+            <a:tailEnd/>
+          </a:ln>
+        </p:spPr>
+      </p:pic>
     </p:spTree>
   </p:cSld>
 </p:sld>
@@ -9719,23 +9695,47 @@
             </a:pPr>
             <a:r>
               <a:rPr/>
-              <a:t>Plot</a:t>
-            </a:r>
-            <a:r>
-              <a:rPr/>
-              <a:t> </a:t>
-            </a:r>
-            <a:r>
-              <a:rPr/>
-              <a:t>of</a:t>
-            </a:r>
-            <a:r>
-              <a:rPr/>
-              <a:t> </a:t>
-            </a:r>
-            <a:r>
-              <a:rPr/>
-              <a:t>Nile</a:t>
+              <a:t>Difference</a:t>
+            </a:r>
+            <a:r>
+              <a:rPr/>
+              <a:t> </a:t>
+            </a:r>
+            <a:r>
+              <a:rPr/>
+              <a:t>acf</a:t>
+            </a:r>
+            <a:r>
+              <a:rPr/>
+              <a:t> </a:t>
+            </a:r>
+            <a:r>
+              <a:rPr/>
+              <a:t>and</a:t>
+            </a:r>
+            <a:r>
+              <a:rPr/>
+              <a:t> </a:t>
+            </a:r>
+            <a:r>
+              <a:rPr/>
+              <a:t>pacf</a:t>
+            </a:r>
+            <a:r>
+              <a:rPr/>
+              <a:t> </a:t>
+            </a:r>
+            <a:r>
+              <a:rPr/>
+              <a:t>for</a:t>
+            </a:r>
+            <a:r>
+              <a:rPr/>
+              <a:t> </a:t>
+            </a:r>
+            <a:r>
+              <a:rPr/>
+              <a:t>treering</a:t>
             </a:r>
             <a:r>
               <a:rPr/>
@@ -9750,7 +9750,7 @@
       </p:sp>
       <p:pic>
         <p:nvPicPr>
-          <p:cNvPr descr="basics_files/figure-pptx/Nile-plot-1.png" id="0" name="Picture 1"/>
+          <p:cNvPr descr="basics_files/figure-pptx/diff-treering-auto-1.png" id="0" name="Picture 1"/>
           <p:cNvPicPr>
             <a:picLocks noGrp="1" noChangeAspect="1"/>
           </p:cNvPicPr>
@@ -9820,54 +9820,151 @@
             </a:pPr>
             <a:r>
               <a:rPr/>
-              <a:t>acf</a:t>
-            </a:r>
-            <a:r>
-              <a:rPr/>
-              <a:t> </a:t>
-            </a:r>
-            <a:r>
-              <a:rPr/>
-              <a:t>and</a:t>
-            </a:r>
-            <a:r>
-              <a:rPr/>
-              <a:t> </a:t>
-            </a:r>
-            <a:r>
-              <a:rPr/>
-              <a:t>pacf</a:t>
-            </a:r>
-            <a:r>
-              <a:rPr/>
-              <a:t> </a:t>
-            </a:r>
-            <a:r>
-              <a:rPr/>
-              <a:t>for</a:t>
-            </a:r>
-            <a:r>
-              <a:rPr/>
-              <a:t> </a:t>
-            </a:r>
-            <a:r>
-              <a:rPr/>
-              <a:t>Nile</a:t>
-            </a:r>
-            <a:r>
-              <a:rPr/>
-              <a:t> </a:t>
-            </a:r>
-            <a:r>
-              <a:rPr/>
-              <a:t>data</a:t>
+              <a:t>UKDriverDeaths</a:t>
+            </a:r>
+          </a:p>
+        </p:txBody>
+      </p:sp>
+      <p:sp>
+        <p:nvSpPr>
+          <p:cNvPr id="3" name="Content Placeholder 2"/>
+          <p:cNvSpPr>
+            <a:spLocks noGrp="1"/>
+          </p:cNvSpPr>
+          <p:nvPr>
+            <p:ph idx="1"/>
+          </p:nvPr>
+        </p:nvSpPr>
+        <p:spPr/>
+        <p:txBody>
+          <a:bodyPr/>
+          <a:lstStyle/>
+          <a:p>
+            <a:pPr lvl="0" marL="1270000" indent="0">
+              <a:buNone/>
+            </a:pPr>
+            <a:r>
+              <a:rPr sz="1800" b="1">
+                <a:solidFill>
+                  <a:srgbClr val="007020"/>
+                </a:solidFill>
+                <a:latin typeface="Courier"/>
+              </a:rPr>
+              <a:t>str</a:t>
+            </a:r>
+            <a:r>
+              <a:rPr sz="1800">
+                <a:latin typeface="Courier"/>
+              </a:rPr>
+              <a:t>(UKDriverDeaths)</a:t>
+            </a:r>
+          </a:p>
+          <a:p>
+            <a:pPr lvl="0" marL="1270000" indent="0">
+              <a:buNone/>
+            </a:pPr>
+            <a:r>
+              <a:rPr sz="1800">
+                <a:latin typeface="Courier"/>
+              </a:rPr>
+              <a:t>##  Time-Series [1:192] from 1969 to 1985: 1687 1508 1507 1385 1632 ...</a:t>
+            </a:r>
+          </a:p>
+          <a:p>
+            <a:pPr lvl="0" marL="1270000" indent="0">
+              <a:buNone/>
+            </a:pPr>
+            <a:r>
+              <a:rPr sz="1800" b="1">
+                <a:solidFill>
+                  <a:srgbClr val="007020"/>
+                </a:solidFill>
+                <a:latin typeface="Courier"/>
+              </a:rPr>
+              <a:t>attributes</a:t>
+            </a:r>
+            <a:r>
+              <a:rPr sz="1800">
+                <a:latin typeface="Courier"/>
+              </a:rPr>
+              <a:t>(UKDriverDeaths)</a:t>
+            </a:r>
+          </a:p>
+          <a:p>
+            <a:pPr lvl="0" marL="1270000" indent="0">
+              <a:buNone/>
+            </a:pPr>
+            <a:r>
+              <a:rPr sz="1800">
+                <a:latin typeface="Courier"/>
+              </a:rPr>
+              <a:t>## $tsp
+## [1] 1969.000 1984.917   12.000
+## 
+## $class
+## [1] "ts"</a:t>
+            </a:r>
+          </a:p>
+        </p:txBody>
+      </p:sp>
+    </p:spTree>
+  </p:cSld>
+</p:sld>
+</file>
+
+<file path=ppt/slides/slide52.xml><?xml version="1.0" encoding="utf-8"?>
+<p:sld xmlns:a="http://schemas.openxmlformats.org/drawingml/2006/main" xmlns:r="http://schemas.openxmlformats.org/officeDocument/2006/relationships" xmlns:p="http://schemas.openxmlformats.org/presentationml/2006/main">
+  <p:cSld>
+    <p:spTree>
+      <p:nvGrpSpPr>
+        <p:cNvPr id="1" name=""/>
+        <p:cNvGrpSpPr/>
+        <p:nvPr/>
+      </p:nvGrpSpPr>
+      <p:grpSpPr>
+        <a:xfrm>
+          <a:off x="0" y="0"/>
+          <a:ext cx="0" cy="0"/>
+          <a:chOff x="0" y="0"/>
+          <a:chExt cx="0" cy="0"/>
+        </a:xfrm>
+      </p:grpSpPr>
+      <p:sp>
+        <p:nvSpPr>
+          <p:cNvPr id="2" name="Title 1"/>
+          <p:cNvSpPr>
+            <a:spLocks noGrp="1"/>
+          </p:cNvSpPr>
+          <p:nvPr>
+            <p:ph type="title"/>
+          </p:nvPr>
+        </p:nvSpPr>
+        <p:spPr/>
+        <p:txBody>
+          <a:bodyPr/>
+          <a:lstStyle/>
+          <a:p>
+            <a:pPr lvl="0" marL="0" indent="0">
+              <a:buNone/>
+            </a:pPr>
+            <a:r>
+              <a:rPr/>
+              <a:t>Plot</a:t>
+            </a:r>
+            <a:r>
+              <a:rPr/>
+              <a:t> </a:t>
+            </a:r>
+            <a:r>
+              <a:rPr/>
+              <a:t>UKDriverDeaths</a:t>
             </a:r>
           </a:p>
         </p:txBody>
       </p:sp>
       <p:pic>
         <p:nvPicPr>
-          <p:cNvPr descr="basics_files/figure-pptx/Nile-auto-1.png" id="0" name="Picture 1"/>
+          <p:cNvPr descr="basics_files/figure-pptx/UKDriverDeaths-plot-1.png" id="0" name="Picture 1"/>
           <p:cNvPicPr>
             <a:picLocks noGrp="1" noChangeAspect="1"/>
           </p:cNvPicPr>
@@ -9900,151 +9997,6 @@
 </p:sld>
 </file>
 
-<file path=ppt/slides/slide52.xml><?xml version="1.0" encoding="utf-8"?>
-<p:sld xmlns:a="http://schemas.openxmlformats.org/drawingml/2006/main" xmlns:r="http://schemas.openxmlformats.org/officeDocument/2006/relationships" xmlns:p="http://schemas.openxmlformats.org/presentationml/2006/main">
-  <p:cSld>
-    <p:spTree>
-      <p:nvGrpSpPr>
-        <p:cNvPr id="1" name=""/>
-        <p:cNvGrpSpPr/>
-        <p:nvPr/>
-      </p:nvGrpSpPr>
-      <p:grpSpPr>
-        <a:xfrm>
-          <a:off x="0" y="0"/>
-          <a:ext cx="0" cy="0"/>
-          <a:chOff x="0" y="0"/>
-          <a:chExt cx="0" cy="0"/>
-        </a:xfrm>
-      </p:grpSpPr>
-      <p:sp>
-        <p:nvSpPr>
-          <p:cNvPr id="2" name="Title 1"/>
-          <p:cNvSpPr>
-            <a:spLocks noGrp="1"/>
-          </p:cNvSpPr>
-          <p:nvPr>
-            <p:ph type="title"/>
-          </p:nvPr>
-        </p:nvSpPr>
-        <p:spPr/>
-        <p:txBody>
-          <a:bodyPr/>
-          <a:lstStyle/>
-          <a:p>
-            <a:pPr lvl="0" marL="0" indent="0">
-              <a:buNone/>
-            </a:pPr>
-            <a:r>
-              <a:rPr/>
-              <a:t>Structure</a:t>
-            </a:r>
-            <a:r>
-              <a:rPr/>
-              <a:t> </a:t>
-            </a:r>
-            <a:r>
-              <a:rPr/>
-              <a:t>of</a:t>
-            </a:r>
-            <a:r>
-              <a:rPr/>
-              <a:t> </a:t>
-            </a:r>
-            <a:r>
-              <a:rPr/>
-              <a:t>nottem</a:t>
-            </a:r>
-          </a:p>
-        </p:txBody>
-      </p:sp>
-      <p:sp>
-        <p:nvSpPr>
-          <p:cNvPr id="3" name="Content Placeholder 2"/>
-          <p:cNvSpPr>
-            <a:spLocks noGrp="1"/>
-          </p:cNvSpPr>
-          <p:nvPr>
-            <p:ph idx="1"/>
-          </p:nvPr>
-        </p:nvSpPr>
-        <p:spPr/>
-        <p:txBody>
-          <a:bodyPr/>
-          <a:lstStyle/>
-          <a:p>
-            <a:pPr lvl="0" marL="1270000" indent="0">
-              <a:buNone/>
-            </a:pPr>
-            <a:r>
-              <a:rPr sz="1800" b="1">
-                <a:solidFill>
-                  <a:srgbClr val="007020"/>
-                </a:solidFill>
-                <a:latin typeface="Courier"/>
-              </a:rPr>
-              <a:t>str</a:t>
-            </a:r>
-            <a:r>
-              <a:rPr sz="1800">
-                <a:latin typeface="Courier"/>
-              </a:rPr>
-              <a:t>(nottem)</a:t>
-            </a:r>
-          </a:p>
-          <a:p>
-            <a:pPr lvl="0" marL="1270000" indent="0">
-              <a:buNone/>
-            </a:pPr>
-            <a:r>
-              <a:rPr sz="1800">
-                <a:latin typeface="Courier"/>
-              </a:rPr>
-              <a:t>##  Time-Series [1:240] from 1920 to 1940: 40.6 40.8 44.4 46.7 54.1 58.5 57.7 56.4 54.3 50.5 ...</a:t>
-            </a:r>
-          </a:p>
-          <a:p>
-            <a:pPr lvl="0" marL="1270000" indent="0">
-              <a:buNone/>
-            </a:pPr>
-            <a:r>
-              <a:rPr sz="1800" b="1">
-                <a:solidFill>
-                  <a:srgbClr val="007020"/>
-                </a:solidFill>
-                <a:latin typeface="Courier"/>
-              </a:rPr>
-              <a:t>attributes</a:t>
-            </a:r>
-            <a:r>
-              <a:rPr sz="1800">
-                <a:latin typeface="Courier"/>
-              </a:rPr>
-              <a:t>(nottem)</a:t>
-            </a:r>
-          </a:p>
-          <a:p>
-            <a:pPr lvl="0" marL="1270000" indent="0">
-              <a:buNone/>
-            </a:pPr>
-            <a:r>
-              <a:rPr sz="1800">
-                <a:latin typeface="Courier"/>
-              </a:rPr>
-              <a:t>## $tsp
-## [1] 1920.000 1939.917   12.000
-## 
-## $class
-## [1] "ts"</a:t>
-            </a:r>
-          </a:p>
-        </p:txBody>
-      </p:sp>
-    </p:spTree>
-  </p:cSld>
-</p:sld>
-</file>
-
 <file path=ppt/slides/slide53.xml><?xml version="1.0" encoding="utf-8"?>
 <p:sld xmlns:a="http://schemas.openxmlformats.org/drawingml/2006/main" xmlns:r="http://schemas.openxmlformats.org/officeDocument/2006/relationships" xmlns:p="http://schemas.openxmlformats.org/presentationml/2006/main">
   <p:cSld>
@@ -10082,30 +10034,38 @@
             </a:pPr>
             <a:r>
               <a:rPr/>
-              <a:t>Plot</a:t>
-            </a:r>
-            <a:r>
-              <a:rPr/>
-              <a:t> </a:t>
-            </a:r>
-            <a:r>
-              <a:rPr/>
-              <a:t>of</a:t>
-            </a:r>
-            <a:r>
-              <a:rPr/>
-              <a:t> </a:t>
-            </a:r>
-            <a:r>
-              <a:rPr/>
-              <a:t>nottem</a:t>
+              <a:t>Detrend</a:t>
+            </a:r>
+            <a:r>
+              <a:rPr/>
+              <a:t> </a:t>
+            </a:r>
+            <a:r>
+              <a:rPr/>
+              <a:t>and</a:t>
+            </a:r>
+            <a:r>
+              <a:rPr/>
+              <a:t> </a:t>
+            </a:r>
+            <a:r>
+              <a:rPr/>
+              <a:t>deseasonalize</a:t>
+            </a:r>
+            <a:r>
+              <a:rPr/>
+              <a:t> </a:t>
+            </a:r>
+            <a:r>
+              <a:rPr/>
+              <a:t>UKDriverDeaths</a:t>
             </a:r>
           </a:p>
         </p:txBody>
       </p:sp>
       <p:pic>
         <p:nvPicPr>
-          <p:cNvPr descr="basics_files/figure-pptx/nottem-plot-1.png" id="0" name="Picture 1"/>
+          <p:cNvPr descr="basics_files/figure-pptx/UKDriverDeaths-decomp-1.png" id="0" name="Picture 1"/>
           <p:cNvPicPr>
             <a:picLocks noGrp="1" noChangeAspect="1"/>
           </p:cNvPicPr>
@@ -10175,7 +10135,7 @@
             </a:pPr>
             <a:r>
               <a:rPr/>
-              <a:t>Detrend</a:t>
+              <a:t>acf</a:t>
             </a:r>
             <a:r>
               <a:rPr/>
@@ -10191,22 +10151,38 @@
             </a:r>
             <a:r>
               <a:rPr/>
-              <a:t>deseasonalize</a:t>
-            </a:r>
-            <a:r>
-              <a:rPr/>
-              <a:t> </a:t>
-            </a:r>
-            <a:r>
-              <a:rPr/>
-              <a:t>nottem</a:t>
+              <a:t>pacf</a:t>
+            </a:r>
+            <a:r>
+              <a:rPr/>
+              <a:t> </a:t>
+            </a:r>
+            <a:r>
+              <a:rPr/>
+              <a:t>for</a:t>
+            </a:r>
+            <a:r>
+              <a:rPr/>
+              <a:t> </a:t>
+            </a:r>
+            <a:r>
+              <a:rPr/>
+              <a:t>UKDriverDeaths</a:t>
+            </a:r>
+            <a:r>
+              <a:rPr/>
+              <a:t> </a:t>
+            </a:r>
+            <a:r>
+              <a:rPr/>
+              <a:t>data</a:t>
             </a:r>
           </a:p>
         </p:txBody>
       </p:sp>
       <p:pic>
         <p:nvPicPr>
-          <p:cNvPr descr="basics_files/figure-pptx/nottem-decomp-1.png" id="0" name="Picture 1"/>
+          <p:cNvPr descr="basics_files/figure-pptx/UKDriverDeaths-auto-1.png" id="0" name="Picture 1"/>
           <p:cNvPicPr>
             <a:picLocks noGrp="1" noChangeAspect="1"/>
           </p:cNvPicPr>
@@ -10276,39 +10252,183 @@
             </a:pPr>
             <a:r>
               <a:rPr/>
-              <a:t>acf</a:t>
-            </a:r>
-            <a:r>
-              <a:rPr/>
-              <a:t> </a:t>
-            </a:r>
-            <a:r>
-              <a:rPr/>
-              <a:t>and</a:t>
-            </a:r>
-            <a:r>
-              <a:rPr/>
-              <a:t> </a:t>
-            </a:r>
-            <a:r>
-              <a:rPr/>
-              <a:t>pacf</a:t>
-            </a:r>
-            <a:r>
-              <a:rPr/>
-              <a:t> </a:t>
-            </a:r>
-            <a:r>
-              <a:rPr/>
-              <a:t>for</a:t>
-            </a:r>
-            <a:r>
-              <a:rPr/>
-              <a:t> </a:t>
-            </a:r>
-            <a:r>
-              <a:rPr/>
-              <a:t>nottem</a:t>
+              <a:t>Structure</a:t>
+            </a:r>
+            <a:r>
+              <a:rPr/>
+              <a:t> </a:t>
+            </a:r>
+            <a:r>
+              <a:rPr/>
+              <a:t>of</a:t>
+            </a:r>
+            <a:r>
+              <a:rPr/>
+              <a:t> </a:t>
+            </a:r>
+            <a:r>
+              <a:rPr/>
+              <a:t>LakeHuron</a:t>
+            </a:r>
+            <a:r>
+              <a:rPr/>
+              <a:t> </a:t>
+            </a:r>
+            <a:r>
+              <a:rPr/>
+              <a:t>data</a:t>
+            </a:r>
+          </a:p>
+        </p:txBody>
+      </p:sp>
+      <p:sp>
+        <p:nvSpPr>
+          <p:cNvPr id="3" name="Content Placeholder 2"/>
+          <p:cNvSpPr>
+            <a:spLocks noGrp="1"/>
+          </p:cNvSpPr>
+          <p:nvPr>
+            <p:ph idx="1"/>
+          </p:nvPr>
+        </p:nvSpPr>
+        <p:spPr/>
+        <p:txBody>
+          <a:bodyPr/>
+          <a:lstStyle/>
+          <a:p>
+            <a:pPr lvl="0" marL="1270000" indent="0">
+              <a:buNone/>
+            </a:pPr>
+            <a:r>
+              <a:rPr sz="1800" b="1">
+                <a:solidFill>
+                  <a:srgbClr val="007020"/>
+                </a:solidFill>
+                <a:latin typeface="Courier"/>
+              </a:rPr>
+              <a:t>str</a:t>
+            </a:r>
+            <a:r>
+              <a:rPr sz="1800">
+                <a:latin typeface="Courier"/>
+              </a:rPr>
+              <a:t>(LakeHuron)</a:t>
+            </a:r>
+          </a:p>
+          <a:p>
+            <a:pPr lvl="0" marL="1270000" indent="0">
+              <a:buNone/>
+            </a:pPr>
+            <a:r>
+              <a:rPr sz="1800">
+                <a:latin typeface="Courier"/>
+              </a:rPr>
+              <a:t>##  Time-Series [1:98] from 1875 to 1972: 580 582 581 581 580 ...</a:t>
+            </a:r>
+          </a:p>
+          <a:p>
+            <a:pPr lvl="0" marL="1270000" indent="0">
+              <a:buNone/>
+            </a:pPr>
+            <a:r>
+              <a:rPr sz="1800" b="1">
+                <a:solidFill>
+                  <a:srgbClr val="007020"/>
+                </a:solidFill>
+                <a:latin typeface="Courier"/>
+              </a:rPr>
+              <a:t>attributes</a:t>
+            </a:r>
+            <a:r>
+              <a:rPr sz="1800">
+                <a:latin typeface="Courier"/>
+              </a:rPr>
+              <a:t>(LakeHuron)</a:t>
+            </a:r>
+          </a:p>
+          <a:p>
+            <a:pPr lvl="0" marL="1270000" indent="0">
+              <a:buNone/>
+            </a:pPr>
+            <a:r>
+              <a:rPr sz="1800">
+                <a:latin typeface="Courier"/>
+              </a:rPr>
+              <a:t>## $tsp
+## [1] 1875 1972    1
+## 
+## $class
+## [1] "ts"</a:t>
+            </a:r>
+          </a:p>
+          <a:p>
+            <a:pPr lvl="1"/>
+            <a:r>
+              <a:rPr/>
+              <a:t>Note: Annual data has no seasonality.</a:t>
+            </a:r>
+          </a:p>
+        </p:txBody>
+      </p:sp>
+    </p:spTree>
+  </p:cSld>
+</p:sld>
+</file>
+
+<file path=ppt/slides/slide56.xml><?xml version="1.0" encoding="utf-8"?>
+<p:sld xmlns:a="http://schemas.openxmlformats.org/drawingml/2006/main" xmlns:r="http://schemas.openxmlformats.org/officeDocument/2006/relationships" xmlns:p="http://schemas.openxmlformats.org/presentationml/2006/main">
+  <p:cSld>
+    <p:spTree>
+      <p:nvGrpSpPr>
+        <p:cNvPr id="1" name=""/>
+        <p:cNvGrpSpPr/>
+        <p:nvPr/>
+      </p:nvGrpSpPr>
+      <p:grpSpPr>
+        <a:xfrm>
+          <a:off x="0" y="0"/>
+          <a:ext cx="0" cy="0"/>
+          <a:chOff x="0" y="0"/>
+          <a:chExt cx="0" cy="0"/>
+        </a:xfrm>
+      </p:grpSpPr>
+      <p:sp>
+        <p:nvSpPr>
+          <p:cNvPr id="2" name="Title 1"/>
+          <p:cNvSpPr>
+            <a:spLocks noGrp="1"/>
+          </p:cNvSpPr>
+          <p:nvPr>
+            <p:ph type="title"/>
+          </p:nvPr>
+        </p:nvSpPr>
+        <p:spPr/>
+        <p:txBody>
+          <a:bodyPr/>
+          <a:lstStyle/>
+          <a:p>
+            <a:pPr lvl="0" marL="0" indent="0">
+              <a:buNone/>
+            </a:pPr>
+            <a:r>
+              <a:rPr/>
+              <a:t>Plot</a:t>
+            </a:r>
+            <a:r>
+              <a:rPr/>
+              <a:t> </a:t>
+            </a:r>
+            <a:r>
+              <a:rPr/>
+              <a:t>of</a:t>
+            </a:r>
+            <a:r>
+              <a:rPr/>
+              <a:t> </a:t>
+            </a:r>
+            <a:r>
+              <a:rPr/>
+              <a:t>LakeHuron</a:t>
             </a:r>
             <a:r>
               <a:rPr/>
@@ -10323,7 +10443,7 @@
       </p:sp>
       <p:pic>
         <p:nvPicPr>
-          <p:cNvPr descr="basics_files/figure-pptx/nottem-auto-1.png" id="0" name="Picture 1"/>
+          <p:cNvPr descr="basics_files/figure-pptx/LakeHuron-plot-1.png" id="0" name="Picture 1"/>
           <p:cNvPicPr>
             <a:picLocks noGrp="1" noChangeAspect="1"/>
           </p:cNvPicPr>
@@ -10356,151 +10476,6 @@
 </p:sld>
 </file>
 
-<file path=ppt/slides/slide56.xml><?xml version="1.0" encoding="utf-8"?>
-<p:sld xmlns:a="http://schemas.openxmlformats.org/drawingml/2006/main" xmlns:r="http://schemas.openxmlformats.org/officeDocument/2006/relationships" xmlns:p="http://schemas.openxmlformats.org/presentationml/2006/main">
-  <p:cSld>
-    <p:spTree>
-      <p:nvGrpSpPr>
-        <p:cNvPr id="1" name=""/>
-        <p:cNvGrpSpPr/>
-        <p:nvPr/>
-      </p:nvGrpSpPr>
-      <p:grpSpPr>
-        <a:xfrm>
-          <a:off x="0" y="0"/>
-          <a:ext cx="0" cy="0"/>
-          <a:chOff x="0" y="0"/>
-          <a:chExt cx="0" cy="0"/>
-        </a:xfrm>
-      </p:grpSpPr>
-      <p:sp>
-        <p:nvSpPr>
-          <p:cNvPr id="2" name="Title 1"/>
-          <p:cNvSpPr>
-            <a:spLocks noGrp="1"/>
-          </p:cNvSpPr>
-          <p:nvPr>
-            <p:ph type="title"/>
-          </p:nvPr>
-        </p:nvSpPr>
-        <p:spPr/>
-        <p:txBody>
-          <a:bodyPr/>
-          <a:lstStyle/>
-          <a:p>
-            <a:pPr lvl="0" marL="0" indent="0">
-              <a:buNone/>
-            </a:pPr>
-            <a:r>
-              <a:rPr/>
-              <a:t>Structure</a:t>
-            </a:r>
-            <a:r>
-              <a:rPr/>
-              <a:t> </a:t>
-            </a:r>
-            <a:r>
-              <a:rPr/>
-              <a:t>of</a:t>
-            </a:r>
-            <a:r>
-              <a:rPr/>
-              <a:t> </a:t>
-            </a:r>
-            <a:r>
-              <a:rPr/>
-              <a:t>sunspot.year</a:t>
-            </a:r>
-          </a:p>
-        </p:txBody>
-      </p:sp>
-      <p:sp>
-        <p:nvSpPr>
-          <p:cNvPr id="3" name="Content Placeholder 2"/>
-          <p:cNvSpPr>
-            <a:spLocks noGrp="1"/>
-          </p:cNvSpPr>
-          <p:nvPr>
-            <p:ph idx="1"/>
-          </p:nvPr>
-        </p:nvSpPr>
-        <p:spPr/>
-        <p:txBody>
-          <a:bodyPr/>
-          <a:lstStyle/>
-          <a:p>
-            <a:pPr lvl="0" marL="1270000" indent="0">
-              <a:buNone/>
-            </a:pPr>
-            <a:r>
-              <a:rPr sz="1800" b="1">
-                <a:solidFill>
-                  <a:srgbClr val="007020"/>
-                </a:solidFill>
-                <a:latin typeface="Courier"/>
-              </a:rPr>
-              <a:t>str</a:t>
-            </a:r>
-            <a:r>
-              <a:rPr sz="1800">
-                <a:latin typeface="Courier"/>
-              </a:rPr>
-              <a:t>(sunspot.year)</a:t>
-            </a:r>
-          </a:p>
-          <a:p>
-            <a:pPr lvl="0" marL="1270000" indent="0">
-              <a:buNone/>
-            </a:pPr>
-            <a:r>
-              <a:rPr sz="1800">
-                <a:latin typeface="Courier"/>
-              </a:rPr>
-              <a:t>##  Time-Series [1:289] from 1700 to 1988: 5 11 16 23 36 58 29 20 10 8 ...</a:t>
-            </a:r>
-          </a:p>
-          <a:p>
-            <a:pPr lvl="0" marL="1270000" indent="0">
-              <a:buNone/>
-            </a:pPr>
-            <a:r>
-              <a:rPr sz="1800" b="1">
-                <a:solidFill>
-                  <a:srgbClr val="007020"/>
-                </a:solidFill>
-                <a:latin typeface="Courier"/>
-              </a:rPr>
-              <a:t>attributes</a:t>
-            </a:r>
-            <a:r>
-              <a:rPr sz="1800">
-                <a:latin typeface="Courier"/>
-              </a:rPr>
-              <a:t>(sunspot.year)</a:t>
-            </a:r>
-          </a:p>
-          <a:p>
-            <a:pPr lvl="0" marL="1270000" indent="0">
-              <a:buNone/>
-            </a:pPr>
-            <a:r>
-              <a:rPr sz="1800">
-                <a:latin typeface="Courier"/>
-              </a:rPr>
-              <a:t>## $tsp
-## [1] 1700 1988    1
-## 
-## $class
-## [1] "ts"</a:t>
-            </a:r>
-          </a:p>
-        </p:txBody>
-      </p:sp>
-    </p:spTree>
-  </p:cSld>
-</p:sld>
-</file>
-
 <file path=ppt/slides/slide57.xml><?xml version="1.0" encoding="utf-8"?>
 <p:sld xmlns:a="http://schemas.openxmlformats.org/drawingml/2006/main" xmlns:r="http://schemas.openxmlformats.org/officeDocument/2006/relationships" xmlns:p="http://schemas.openxmlformats.org/presentationml/2006/main">
   <p:cSld>
@@ -10538,30 +10513,54 @@
             </a:pPr>
             <a:r>
               <a:rPr/>
-              <a:t>Plot</a:t>
-            </a:r>
-            <a:r>
-              <a:rPr/>
-              <a:t> </a:t>
-            </a:r>
-            <a:r>
-              <a:rPr/>
-              <a:t>of</a:t>
-            </a:r>
-            <a:r>
-              <a:rPr/>
-              <a:t> </a:t>
-            </a:r>
-            <a:r>
-              <a:rPr/>
-              <a:t>sunspot.year</a:t>
+              <a:t>acf</a:t>
+            </a:r>
+            <a:r>
+              <a:rPr/>
+              <a:t> </a:t>
+            </a:r>
+            <a:r>
+              <a:rPr/>
+              <a:t>and</a:t>
+            </a:r>
+            <a:r>
+              <a:rPr/>
+              <a:t> </a:t>
+            </a:r>
+            <a:r>
+              <a:rPr/>
+              <a:t>pacf</a:t>
+            </a:r>
+            <a:r>
+              <a:rPr/>
+              <a:t> </a:t>
+            </a:r>
+            <a:r>
+              <a:rPr/>
+              <a:t>for</a:t>
+            </a:r>
+            <a:r>
+              <a:rPr/>
+              <a:t> </a:t>
+            </a:r>
+            <a:r>
+              <a:rPr/>
+              <a:t>LakeHuron</a:t>
+            </a:r>
+            <a:r>
+              <a:rPr/>
+              <a:t> </a:t>
+            </a:r>
+            <a:r>
+              <a:rPr/>
+              <a:t>data</a:t>
             </a:r>
           </a:p>
         </p:txBody>
       </p:sp>
       <p:pic>
         <p:nvPicPr>
-          <p:cNvPr descr="basics_files/figure-pptx/sunspot-plot-1.png" id="0" name="Picture 1"/>
+          <p:cNvPr descr="basics_files/figure-pptx/LakeHuron-auto-1.png" id="0" name="Picture 1"/>
           <p:cNvPicPr>
             <a:picLocks noGrp="1" noChangeAspect="1"/>
           </p:cNvPicPr>
@@ -10631,7 +10630,15 @@
             </a:pPr>
             <a:r>
               <a:rPr/>
-              <a:t>Structure</a:t>
+              <a:t>Difference</a:t>
+            </a:r>
+            <a:r>
+              <a:rPr/>
+              <a:t> </a:t>
+            </a:r>
+            <a:r>
+              <a:rPr/>
+              <a:t>plot</a:t>
             </a:r>
             <a:r>
               <a:rPr/>
@@ -10647,93 +10654,49 @@
             </a:r>
             <a:r>
               <a:rPr/>
-              <a:t>treering</a:t>
-            </a:r>
-          </a:p>
-        </p:txBody>
-      </p:sp>
-      <p:sp>
-        <p:nvSpPr>
-          <p:cNvPr id="3" name="Content Placeholder 2"/>
-          <p:cNvSpPr>
-            <a:spLocks noGrp="1"/>
-          </p:cNvSpPr>
-          <p:nvPr>
-            <p:ph idx="1"/>
-          </p:nvPr>
-        </p:nvSpPr>
-        <p:spPr/>
-        <p:txBody>
-          <a:bodyPr/>
-          <a:lstStyle/>
-          <a:p>
-            <a:pPr lvl="0" marL="1270000" indent="0">
-              <a:buNone/>
-            </a:pPr>
-            <a:r>
-              <a:rPr sz="1800" b="1">
-                <a:solidFill>
-                  <a:srgbClr val="007020"/>
-                </a:solidFill>
-                <a:latin typeface="Courier"/>
-              </a:rPr>
-              <a:t>str</a:t>
-            </a:r>
-            <a:r>
-              <a:rPr sz="1800">
-                <a:latin typeface="Courier"/>
-              </a:rPr>
-              <a:t>(treering)</a:t>
-            </a:r>
-          </a:p>
-          <a:p>
-            <a:pPr lvl="0" marL="1270000" indent="0">
-              <a:buNone/>
-            </a:pPr>
-            <a:r>
-              <a:rPr sz="1800">
-                <a:latin typeface="Courier"/>
-              </a:rPr>
-              <a:t>##  Time-Series [1:7980] from -6000 to 1979: 1.34 1.08 1.54 1.32 1.41 ...</a:t>
-            </a:r>
-          </a:p>
-          <a:p>
-            <a:pPr lvl="0" marL="1270000" indent="0">
-              <a:buNone/>
-            </a:pPr>
-            <a:r>
-              <a:rPr sz="1800" b="1">
-                <a:solidFill>
-                  <a:srgbClr val="007020"/>
-                </a:solidFill>
-                <a:latin typeface="Courier"/>
-              </a:rPr>
-              <a:t>attributes</a:t>
-            </a:r>
-            <a:r>
-              <a:rPr sz="1800">
-                <a:latin typeface="Courier"/>
-              </a:rPr>
-              <a:t>(treering)</a:t>
-            </a:r>
-          </a:p>
-          <a:p>
-            <a:pPr lvl="0" marL="1270000" indent="0">
-              <a:buNone/>
-            </a:pPr>
-            <a:r>
-              <a:rPr sz="1800">
-                <a:latin typeface="Courier"/>
-              </a:rPr>
-              <a:t>## $tsp
-## [1] -6000  1979     1
-## 
-## $class
-## [1] "ts"</a:t>
-            </a:r>
-          </a:p>
-        </p:txBody>
-      </p:sp>
+              <a:t>LakeHuron</a:t>
+            </a:r>
+            <a:r>
+              <a:rPr/>
+              <a:t> </a:t>
+            </a:r>
+            <a:r>
+              <a:rPr/>
+              <a:t>data</a:t>
+            </a:r>
+          </a:p>
+        </p:txBody>
+      </p:sp>
+      <p:pic>
+        <p:nvPicPr>
+          <p:cNvPr descr="basics_files/figure-pptx/diff-LakeHuron-plot-1.png" id="0" name="Picture 1"/>
+          <p:cNvPicPr>
+            <a:picLocks noGrp="1" noChangeAspect="1"/>
+          </p:cNvPicPr>
+          <p:nvPr/>
+        </p:nvPicPr>
+        <p:blipFill>
+          <a:blip r:embed="rId2"/>
+          <a:stretch>
+            <a:fillRect/>
+          </a:stretch>
+        </p:blipFill>
+        <p:spPr bwMode="auto">
+          <a:xfrm>
+            <a:off x="457200" y="2032000"/>
+            <a:ext cx="8229600" cy="3657600"/>
+          </a:xfrm>
+          <a:prstGeom prst="rect">
+            <a:avLst/>
+          </a:prstGeom>
+          <a:noFill/>
+          <a:ln w="9525">
+            <a:noFill/>
+            <a:headEnd/>
+            <a:tailEnd/>
+          </a:ln>
+        </p:spPr>
+      </p:pic>
     </p:spTree>
   </p:cSld>
 </p:sld>
@@ -10776,30 +10739,62 @@
             </a:pPr>
             <a:r>
               <a:rPr/>
-              <a:t>Plot</a:t>
-            </a:r>
-            <a:r>
-              <a:rPr/>
-              <a:t> </a:t>
-            </a:r>
-            <a:r>
-              <a:rPr/>
-              <a:t>of</a:t>
-            </a:r>
-            <a:r>
-              <a:rPr/>
-              <a:t> </a:t>
-            </a:r>
-            <a:r>
-              <a:rPr/>
-              <a:t>treering</a:t>
+              <a:t>Difference</a:t>
+            </a:r>
+            <a:r>
+              <a:rPr/>
+              <a:t> </a:t>
+            </a:r>
+            <a:r>
+              <a:rPr/>
+              <a:t>acf</a:t>
+            </a:r>
+            <a:r>
+              <a:rPr/>
+              <a:t> </a:t>
+            </a:r>
+            <a:r>
+              <a:rPr/>
+              <a:t>and</a:t>
+            </a:r>
+            <a:r>
+              <a:rPr/>
+              <a:t> </a:t>
+            </a:r>
+            <a:r>
+              <a:rPr/>
+              <a:t>pacf</a:t>
+            </a:r>
+            <a:r>
+              <a:rPr/>
+              <a:t> </a:t>
+            </a:r>
+            <a:r>
+              <a:rPr/>
+              <a:t>for</a:t>
+            </a:r>
+            <a:r>
+              <a:rPr/>
+              <a:t> </a:t>
+            </a:r>
+            <a:r>
+              <a:rPr/>
+              <a:t>LakeHuron</a:t>
+            </a:r>
+            <a:r>
+              <a:rPr/>
+              <a:t> </a:t>
+            </a:r>
+            <a:r>
+              <a:rPr/>
+              <a:t>data</a:t>
             </a:r>
           </a:p>
         </p:txBody>
       </p:sp>
       <p:pic>
         <p:nvPicPr>
-          <p:cNvPr descr="basics_files/figure-pptx/treering-plot-1.png" id="0" name="Picture 1"/>
+          <p:cNvPr descr="basics_files/figure-pptx/diff-LakeHuron-auto-1.png" id="0" name="Picture 1"/>
           <p:cNvPicPr>
             <a:picLocks noGrp="1" noChangeAspect="1"/>
           </p:cNvPicPr>
@@ -11130,39 +11125,23 @@
             </a:pPr>
             <a:r>
               <a:rPr/>
-              <a:t>acf</a:t>
-            </a:r>
-            <a:r>
-              <a:rPr/>
-              <a:t> </a:t>
-            </a:r>
-            <a:r>
-              <a:rPr/>
-              <a:t>and</a:t>
-            </a:r>
-            <a:r>
-              <a:rPr/>
-              <a:t> </a:t>
-            </a:r>
-            <a:r>
-              <a:rPr/>
-              <a:t>pacf</a:t>
-            </a:r>
-            <a:r>
-              <a:rPr/>
-              <a:t> </a:t>
-            </a:r>
-            <a:r>
-              <a:rPr/>
-              <a:t>for</a:t>
-            </a:r>
-            <a:r>
-              <a:rPr/>
-              <a:t> </a:t>
-            </a:r>
-            <a:r>
-              <a:rPr/>
-              <a:t>treering</a:t>
+              <a:t>Structure</a:t>
+            </a:r>
+            <a:r>
+              <a:rPr/>
+              <a:t> </a:t>
+            </a:r>
+            <a:r>
+              <a:rPr/>
+              <a:t>of</a:t>
+            </a:r>
+            <a:r>
+              <a:rPr/>
+              <a:t> </a:t>
+            </a:r>
+            <a:r>
+              <a:rPr/>
+              <a:t>mdeaths</a:t>
             </a:r>
             <a:r>
               <a:rPr/>
@@ -11175,36 +11154,88 @@
           </a:p>
         </p:txBody>
       </p:sp>
-      <p:pic>
-        <p:nvPicPr>
-          <p:cNvPr descr="basics_files/figure-pptx/treering-auto-1.png" id="0" name="Picture 1"/>
-          <p:cNvPicPr>
-            <a:picLocks noGrp="1" noChangeAspect="1"/>
-          </p:cNvPicPr>
-          <p:nvPr/>
-        </p:nvPicPr>
-        <p:blipFill>
-          <a:blip r:embed="rId2"/>
-          <a:stretch>
-            <a:fillRect/>
-          </a:stretch>
-        </p:blipFill>
-        <p:spPr bwMode="auto">
-          <a:xfrm>
-            <a:off x="457200" y="2032000"/>
-            <a:ext cx="8229600" cy="3657600"/>
-          </a:xfrm>
-          <a:prstGeom prst="rect">
-            <a:avLst/>
-          </a:prstGeom>
-          <a:noFill/>
-          <a:ln w="9525">
-            <a:noFill/>
-            <a:headEnd/>
-            <a:tailEnd/>
-          </a:ln>
-        </p:spPr>
-      </p:pic>
+      <p:sp>
+        <p:nvSpPr>
+          <p:cNvPr id="3" name="Content Placeholder 2"/>
+          <p:cNvSpPr>
+            <a:spLocks noGrp="1"/>
+          </p:cNvSpPr>
+          <p:nvPr>
+            <p:ph idx="1"/>
+          </p:nvPr>
+        </p:nvSpPr>
+        <p:spPr/>
+        <p:txBody>
+          <a:bodyPr/>
+          <a:lstStyle/>
+          <a:p>
+            <a:pPr lvl="0" marL="1270000" indent="0">
+              <a:buNone/>
+            </a:pPr>
+            <a:r>
+              <a:rPr sz="1800" b="1">
+                <a:solidFill>
+                  <a:srgbClr val="007020"/>
+                </a:solidFill>
+                <a:latin typeface="Courier"/>
+              </a:rPr>
+              <a:t>str</a:t>
+            </a:r>
+            <a:r>
+              <a:rPr sz="1800">
+                <a:latin typeface="Courier"/>
+              </a:rPr>
+              <a:t>(mdeaths)</a:t>
+            </a:r>
+          </a:p>
+          <a:p>
+            <a:pPr lvl="0" marL="1270000" indent="0">
+              <a:buNone/>
+            </a:pPr>
+            <a:r>
+              <a:rPr sz="1800">
+                <a:latin typeface="Courier"/>
+              </a:rPr>
+              <a:t>##  Time-Series [1:72] from 1974 to 1980: 2134 1863 1877 1877 1492 ...</a:t>
+            </a:r>
+          </a:p>
+          <a:p>
+            <a:pPr lvl="0" marL="1270000" indent="0">
+              <a:buNone/>
+            </a:pPr>
+            <a:r>
+              <a:rPr sz="1800" b="1">
+                <a:solidFill>
+                  <a:srgbClr val="007020"/>
+                </a:solidFill>
+                <a:latin typeface="Courier"/>
+              </a:rPr>
+              <a:t>attributes</a:t>
+            </a:r>
+            <a:r>
+              <a:rPr sz="1800">
+                <a:latin typeface="Courier"/>
+              </a:rPr>
+              <a:t>(mdeaths)</a:t>
+            </a:r>
+          </a:p>
+          <a:p>
+            <a:pPr lvl="0" marL="1270000" indent="0">
+              <a:buNone/>
+            </a:pPr>
+            <a:r>
+              <a:rPr sz="1800">
+                <a:latin typeface="Courier"/>
+              </a:rPr>
+              <a:t>## $tsp
+## [1] 1974.000 1979.917   12.000
+## 
+## $class
+## [1] "ts"</a:t>
+            </a:r>
+          </a:p>
+        </p:txBody>
+      </p:sp>
     </p:spTree>
   </p:cSld>
 </p:sld>
@@ -11247,54 +11278,30 @@
             </a:pPr>
             <a:r>
               <a:rPr/>
-              <a:t>acf</a:t>
-            </a:r>
-            <a:r>
-              <a:rPr/>
-              <a:t> </a:t>
-            </a:r>
-            <a:r>
-              <a:rPr/>
-              <a:t>and</a:t>
-            </a:r>
-            <a:r>
-              <a:rPr/>
-              <a:t> </a:t>
-            </a:r>
-            <a:r>
-              <a:rPr/>
-              <a:t>pacf</a:t>
-            </a:r>
-            <a:r>
-              <a:rPr/>
-              <a:t> </a:t>
-            </a:r>
-            <a:r>
-              <a:rPr/>
-              <a:t>for</a:t>
-            </a:r>
-            <a:r>
-              <a:rPr/>
-              <a:t> </a:t>
-            </a:r>
-            <a:r>
-              <a:rPr/>
-              <a:t>treering</a:t>
-            </a:r>
-            <a:r>
-              <a:rPr/>
-              <a:t> </a:t>
-            </a:r>
-            <a:r>
-              <a:rPr/>
-              <a:t>data</a:t>
+              <a:t>Plot</a:t>
+            </a:r>
+            <a:r>
+              <a:rPr/>
+              <a:t> </a:t>
+            </a:r>
+            <a:r>
+              <a:rPr/>
+              <a:t>of</a:t>
+            </a:r>
+            <a:r>
+              <a:rPr/>
+              <a:t> </a:t>
+            </a:r>
+            <a:r>
+              <a:rPr/>
+              <a:t>mdeaths</a:t>
             </a:r>
           </a:p>
         </p:txBody>
       </p:sp>
       <p:pic>
         <p:nvPicPr>
-          <p:cNvPr descr="basics_files/figure-pptx/diff-treering-auto-1.png" id="0" name="Picture 1"/>
+          <p:cNvPr descr="basics_files/figure-pptx/mdeaths-plot-1.png" id="0" name="Picture 1"/>
           <p:cNvPicPr>
             <a:picLocks noGrp="1" noChangeAspect="1"/>
           </p:cNvPicPr>
@@ -11364,93 +11371,65 @@
             </a:pPr>
             <a:r>
               <a:rPr/>
-              <a:t>UKDriverDeaths</a:t>
-            </a:r>
-          </a:p>
-        </p:txBody>
-      </p:sp>
-      <p:sp>
-        <p:nvSpPr>
-          <p:cNvPr id="3" name="Content Placeholder 2"/>
-          <p:cNvSpPr>
-            <a:spLocks noGrp="1"/>
-          </p:cNvSpPr>
-          <p:nvPr>
-            <p:ph idx="1"/>
-          </p:nvPr>
-        </p:nvSpPr>
-        <p:spPr/>
-        <p:txBody>
-          <a:bodyPr/>
-          <a:lstStyle/>
-          <a:p>
-            <a:pPr lvl="0" marL="1270000" indent="0">
-              <a:buNone/>
-            </a:pPr>
-            <a:r>
-              <a:rPr sz="1800" b="1">
-                <a:solidFill>
-                  <a:srgbClr val="007020"/>
-                </a:solidFill>
-                <a:latin typeface="Courier"/>
-              </a:rPr>
-              <a:t>str</a:t>
-            </a:r>
-            <a:r>
-              <a:rPr sz="1800">
-                <a:latin typeface="Courier"/>
-              </a:rPr>
-              <a:t>(UKDriverDeaths)</a:t>
-            </a:r>
-          </a:p>
-          <a:p>
-            <a:pPr lvl="0" marL="1270000" indent="0">
-              <a:buNone/>
-            </a:pPr>
-            <a:r>
-              <a:rPr sz="1800">
-                <a:latin typeface="Courier"/>
-              </a:rPr>
-              <a:t>##  Time-Series [1:192] from 1969 to 1985: 1687 1508 1507 1385 1632 ...</a:t>
-            </a:r>
-          </a:p>
-          <a:p>
-            <a:pPr lvl="0" marL="1270000" indent="0">
-              <a:buNone/>
-            </a:pPr>
-            <a:r>
-              <a:rPr sz="1800" b="1">
-                <a:solidFill>
-                  <a:srgbClr val="007020"/>
-                </a:solidFill>
-                <a:latin typeface="Courier"/>
-              </a:rPr>
-              <a:t>attributes</a:t>
-            </a:r>
-            <a:r>
-              <a:rPr sz="1800">
-                <a:latin typeface="Courier"/>
-              </a:rPr>
-              <a:t>(UKDriverDeaths)</a:t>
-            </a:r>
-          </a:p>
-          <a:p>
-            <a:pPr lvl="0" marL="1270000" indent="0">
-              <a:buNone/>
-            </a:pPr>
-            <a:r>
-              <a:rPr sz="1800">
-                <a:latin typeface="Courier"/>
-              </a:rPr>
-              <a:t>## $tsp
-## [1] 1969.000 1984.917   12.000
-## 
-## $class
-## [1] "ts"</a:t>
-            </a:r>
-          </a:p>
-        </p:txBody>
-      </p:sp>
+              <a:t>Detrend</a:t>
+            </a:r>
+            <a:r>
+              <a:rPr/>
+              <a:t> </a:t>
+            </a:r>
+            <a:r>
+              <a:rPr/>
+              <a:t>and</a:t>
+            </a:r>
+            <a:r>
+              <a:rPr/>
+              <a:t> </a:t>
+            </a:r>
+            <a:r>
+              <a:rPr/>
+              <a:t>deseasonalize</a:t>
+            </a:r>
+            <a:r>
+              <a:rPr/>
+              <a:t> </a:t>
+            </a:r>
+            <a:r>
+              <a:rPr/>
+              <a:t>mdeaths</a:t>
+            </a:r>
+          </a:p>
+        </p:txBody>
+      </p:sp>
+      <p:pic>
+        <p:nvPicPr>
+          <p:cNvPr descr="basics_files/figure-pptx/mdeaths-decomp-1.png" id="0" name="Picture 1"/>
+          <p:cNvPicPr>
+            <a:picLocks noGrp="1" noChangeAspect="1"/>
+          </p:cNvPicPr>
+          <p:nvPr/>
+        </p:nvPicPr>
+        <p:blipFill>
+          <a:blip r:embed="rId2"/>
+          <a:stretch>
+            <a:fillRect/>
+          </a:stretch>
+        </p:blipFill>
+        <p:spPr bwMode="auto">
+          <a:xfrm>
+            <a:off x="457200" y="2032000"/>
+            <a:ext cx="8229600" cy="3657600"/>
+          </a:xfrm>
+          <a:prstGeom prst="rect">
+            <a:avLst/>
+          </a:prstGeom>
+          <a:noFill/>
+          <a:ln w="9525">
+            <a:noFill/>
+            <a:headEnd/>
+            <a:tailEnd/>
+          </a:ln>
+        </p:spPr>
+      </p:pic>
     </p:spTree>
   </p:cSld>
 </p:sld>
@@ -11493,22 +11472,54 @@
             </a:pPr>
             <a:r>
               <a:rPr/>
-              <a:t>Plot</a:t>
-            </a:r>
-            <a:r>
-              <a:rPr/>
-              <a:t> </a:t>
-            </a:r>
-            <a:r>
-              <a:rPr/>
-              <a:t>UKDriverDeaths</a:t>
+              <a:t>acf</a:t>
+            </a:r>
+            <a:r>
+              <a:rPr/>
+              <a:t> </a:t>
+            </a:r>
+            <a:r>
+              <a:rPr/>
+              <a:t>and</a:t>
+            </a:r>
+            <a:r>
+              <a:rPr/>
+              <a:t> </a:t>
+            </a:r>
+            <a:r>
+              <a:rPr/>
+              <a:t>pacf</a:t>
+            </a:r>
+            <a:r>
+              <a:rPr/>
+              <a:t> </a:t>
+            </a:r>
+            <a:r>
+              <a:rPr/>
+              <a:t>for</a:t>
+            </a:r>
+            <a:r>
+              <a:rPr/>
+              <a:t> </a:t>
+            </a:r>
+            <a:r>
+              <a:rPr/>
+              <a:t>mdeaths</a:t>
+            </a:r>
+            <a:r>
+              <a:rPr/>
+              <a:t> </a:t>
+            </a:r>
+            <a:r>
+              <a:rPr/>
+              <a:t>data</a:t>
             </a:r>
           </a:p>
         </p:txBody>
       </p:sp>
       <p:pic>
         <p:nvPicPr>
-          <p:cNvPr descr="basics_files/figure-pptx/UKDriverDeaths-plot-1.png" id="0" name="Picture 1"/>
+          <p:cNvPr descr="basics_files/figure-pptx/mdeaths-auto-1.png" id="0" name="Picture 1"/>
           <p:cNvPicPr>
             <a:picLocks noGrp="1" noChangeAspect="1"/>
           </p:cNvPicPr>
@@ -11578,65 +11589,109 @@
             </a:pPr>
             <a:r>
               <a:rPr/>
-              <a:t>Detrend</a:t>
-            </a:r>
-            <a:r>
-              <a:rPr/>
-              <a:t> </a:t>
-            </a:r>
-            <a:r>
-              <a:rPr/>
-              <a:t>and</a:t>
-            </a:r>
-            <a:r>
-              <a:rPr/>
-              <a:t> </a:t>
-            </a:r>
-            <a:r>
-              <a:rPr/>
-              <a:t>deseasonalize</a:t>
-            </a:r>
-            <a:r>
-              <a:rPr/>
-              <a:t> </a:t>
-            </a:r>
-            <a:r>
-              <a:rPr/>
-              <a:t>UKDriverDeaths</a:t>
-            </a:r>
-          </a:p>
-        </p:txBody>
-      </p:sp>
-      <p:pic>
-        <p:nvPicPr>
-          <p:cNvPr descr="basics_files/figure-pptx/UKDriverDeaths-decomp-1.png" id="0" name="Picture 1"/>
-          <p:cNvPicPr>
-            <a:picLocks noGrp="1" noChangeAspect="1"/>
-          </p:cNvPicPr>
-          <p:nvPr/>
-        </p:nvPicPr>
-        <p:blipFill>
-          <a:blip r:embed="rId2"/>
-          <a:stretch>
-            <a:fillRect/>
-          </a:stretch>
-        </p:blipFill>
-        <p:spPr bwMode="auto">
-          <a:xfrm>
-            <a:off x="457200" y="2032000"/>
-            <a:ext cx="8229600" cy="3657600"/>
-          </a:xfrm>
-          <a:prstGeom prst="rect">
-            <a:avLst/>
-          </a:prstGeom>
-          <a:noFill/>
-          <a:ln w="9525">
-            <a:noFill/>
-            <a:headEnd/>
-            <a:tailEnd/>
-          </a:ln>
-        </p:spPr>
-      </p:pic>
+              <a:t>Structure</a:t>
+            </a:r>
+            <a:r>
+              <a:rPr/>
+              <a:t> </a:t>
+            </a:r>
+            <a:r>
+              <a:rPr/>
+              <a:t>of</a:t>
+            </a:r>
+            <a:r>
+              <a:rPr/>
+              <a:t> </a:t>
+            </a:r>
+            <a:r>
+              <a:rPr/>
+              <a:t>nottem</a:t>
+            </a:r>
+          </a:p>
+        </p:txBody>
+      </p:sp>
+      <p:sp>
+        <p:nvSpPr>
+          <p:cNvPr id="3" name="Content Placeholder 2"/>
+          <p:cNvSpPr>
+            <a:spLocks noGrp="1"/>
+          </p:cNvSpPr>
+          <p:nvPr>
+            <p:ph idx="1"/>
+          </p:nvPr>
+        </p:nvSpPr>
+        <p:spPr/>
+        <p:txBody>
+          <a:bodyPr/>
+          <a:lstStyle/>
+          <a:p>
+            <a:pPr lvl="0" marL="1270000" indent="0">
+              <a:buNone/>
+            </a:pPr>
+            <a:r>
+              <a:rPr sz="1800" b="1">
+                <a:solidFill>
+                  <a:srgbClr val="007020"/>
+                </a:solidFill>
+                <a:latin typeface="Courier"/>
+              </a:rPr>
+              <a:t>str</a:t>
+            </a:r>
+            <a:r>
+              <a:rPr sz="1800">
+                <a:latin typeface="Courier"/>
+              </a:rPr>
+              <a:t>(nottem)</a:t>
+            </a:r>
+          </a:p>
+          <a:p>
+            <a:pPr lvl="0" marL="1270000" indent="0">
+              <a:buNone/>
+            </a:pPr>
+            <a:r>
+              <a:rPr sz="1800">
+                <a:latin typeface="Courier"/>
+              </a:rPr>
+              <a:t>##  Time-Series [1:240] from 1920 to 1940: 40.6 40.8 44.4 46.7 54.1 58.5 57.7 56.4 54.3 50.5 ...</a:t>
+            </a:r>
+          </a:p>
+          <a:p>
+            <a:pPr lvl="0" marL="1270000" indent="0">
+              <a:buNone/>
+            </a:pPr>
+            <a:r>
+              <a:rPr sz="1800" b="1">
+                <a:solidFill>
+                  <a:srgbClr val="007020"/>
+                </a:solidFill>
+                <a:latin typeface="Courier"/>
+              </a:rPr>
+              <a:t>attributes</a:t>
+            </a:r>
+            <a:r>
+              <a:rPr sz="1800">
+                <a:latin typeface="Courier"/>
+              </a:rPr>
+              <a:t>(nottem)</a:t>
+            </a:r>
+          </a:p>
+          <a:p>
+            <a:pPr lvl="0" marL="1270000" indent="0">
+              <a:buNone/>
+            </a:pPr>
+            <a:r>
+              <a:rPr sz="1800">
+                <a:latin typeface="Courier"/>
+              </a:rPr>
+              <a:t>## $tsp
+## [1] 1920.000 1939.917   12.000
+## 
+## $class
+## [1] "ts"</a:t>
+            </a:r>
+          </a:p>
+        </p:txBody>
+      </p:sp>
     </p:spTree>
   </p:cSld>
 </p:sld>
@@ -11679,54 +11734,30 @@
             </a:pPr>
             <a:r>
               <a:rPr/>
-              <a:t>acf</a:t>
-            </a:r>
-            <a:r>
-              <a:rPr/>
-              <a:t> </a:t>
-            </a:r>
-            <a:r>
-              <a:rPr/>
-              <a:t>and</a:t>
-            </a:r>
-            <a:r>
-              <a:rPr/>
-              <a:t> </a:t>
-            </a:r>
-            <a:r>
-              <a:rPr/>
-              <a:t>pacf</a:t>
-            </a:r>
-            <a:r>
-              <a:rPr/>
-              <a:t> </a:t>
-            </a:r>
-            <a:r>
-              <a:rPr/>
-              <a:t>for</a:t>
-            </a:r>
-            <a:r>
-              <a:rPr/>
-              <a:t> </a:t>
-            </a:r>
-            <a:r>
-              <a:rPr/>
-              <a:t>UKDriverDeaths</a:t>
-            </a:r>
-            <a:r>
-              <a:rPr/>
-              <a:t> </a:t>
-            </a:r>
-            <a:r>
-              <a:rPr/>
-              <a:t>data</a:t>
+              <a:t>Plot</a:t>
+            </a:r>
+            <a:r>
+              <a:rPr/>
+              <a:t> </a:t>
+            </a:r>
+            <a:r>
+              <a:rPr/>
+              <a:t>of</a:t>
+            </a:r>
+            <a:r>
+              <a:rPr/>
+              <a:t> </a:t>
+            </a:r>
+            <a:r>
+              <a:rPr/>
+              <a:t>nottem</a:t>
             </a:r>
           </a:p>
         </p:txBody>
       </p:sp>
       <p:pic>
         <p:nvPicPr>
-          <p:cNvPr descr="basics_files/figure-pptx/UKDriverDeaths-auto-1.png" id="0" name="Picture 1"/>
+          <p:cNvPr descr="basics_files/figure-pptx/nottem-plot-1.png" id="0" name="Picture 1"/>
           <p:cNvPicPr>
             <a:picLocks noGrp="1" noChangeAspect="1"/>
           </p:cNvPicPr>
@@ -11796,93 +11827,65 @@
             </a:pPr>
             <a:r>
               <a:rPr/>
-              <a:t>USAccDeaths</a:t>
-            </a:r>
-          </a:p>
-        </p:txBody>
-      </p:sp>
-      <p:sp>
-        <p:nvSpPr>
-          <p:cNvPr id="3" name="Content Placeholder 2"/>
-          <p:cNvSpPr>
-            <a:spLocks noGrp="1"/>
-          </p:cNvSpPr>
-          <p:nvPr>
-            <p:ph idx="1"/>
-          </p:nvPr>
-        </p:nvSpPr>
-        <p:spPr/>
-        <p:txBody>
-          <a:bodyPr/>
-          <a:lstStyle/>
-          <a:p>
-            <a:pPr lvl="0" marL="1270000" indent="0">
-              <a:buNone/>
-            </a:pPr>
-            <a:r>
-              <a:rPr sz="1800" b="1">
-                <a:solidFill>
-                  <a:srgbClr val="007020"/>
-                </a:solidFill>
-                <a:latin typeface="Courier"/>
-              </a:rPr>
-              <a:t>str</a:t>
-            </a:r>
-            <a:r>
-              <a:rPr sz="1800">
-                <a:latin typeface="Courier"/>
-              </a:rPr>
-              <a:t>(USAccDeaths)</a:t>
-            </a:r>
-          </a:p>
-          <a:p>
-            <a:pPr lvl="0" marL="1270000" indent="0">
-              <a:buNone/>
-            </a:pPr>
-            <a:r>
-              <a:rPr sz="1800">
-                <a:latin typeface="Courier"/>
-              </a:rPr>
-              <a:t>##  Time-Series [1:72] from 1973 to 1979: 9007 8106 8928 9137 10017 ...</a:t>
-            </a:r>
-          </a:p>
-          <a:p>
-            <a:pPr lvl="0" marL="1270000" indent="0">
-              <a:buNone/>
-            </a:pPr>
-            <a:r>
-              <a:rPr sz="1800" b="1">
-                <a:solidFill>
-                  <a:srgbClr val="007020"/>
-                </a:solidFill>
-                <a:latin typeface="Courier"/>
-              </a:rPr>
-              <a:t>attributes</a:t>
-            </a:r>
-            <a:r>
-              <a:rPr sz="1800">
-                <a:latin typeface="Courier"/>
-              </a:rPr>
-              <a:t>(USAccDeaths)</a:t>
-            </a:r>
-          </a:p>
-          <a:p>
-            <a:pPr lvl="0" marL="1270000" indent="0">
-              <a:buNone/>
-            </a:pPr>
-            <a:r>
-              <a:rPr sz="1800">
-                <a:latin typeface="Courier"/>
-              </a:rPr>
-              <a:t>## $tsp
-## [1] 1973.000 1978.917   12.000
-## 
-## $class
-## [1] "ts"</a:t>
-            </a:r>
-          </a:p>
-        </p:txBody>
-      </p:sp>
+              <a:t>Detrend</a:t>
+            </a:r>
+            <a:r>
+              <a:rPr/>
+              <a:t> </a:t>
+            </a:r>
+            <a:r>
+              <a:rPr/>
+              <a:t>and</a:t>
+            </a:r>
+            <a:r>
+              <a:rPr/>
+              <a:t> </a:t>
+            </a:r>
+            <a:r>
+              <a:rPr/>
+              <a:t>deseasonalize</a:t>
+            </a:r>
+            <a:r>
+              <a:rPr/>
+              <a:t> </a:t>
+            </a:r>
+            <a:r>
+              <a:rPr/>
+              <a:t>nottem</a:t>
+            </a:r>
+          </a:p>
+        </p:txBody>
+      </p:sp>
+      <p:pic>
+        <p:nvPicPr>
+          <p:cNvPr descr="basics_files/figure-pptx/nottem-decomp-1.png" id="0" name="Picture 1"/>
+          <p:cNvPicPr>
+            <a:picLocks noGrp="1" noChangeAspect="1"/>
+          </p:cNvPicPr>
+          <p:nvPr/>
+        </p:nvPicPr>
+        <p:blipFill>
+          <a:blip r:embed="rId2"/>
+          <a:stretch>
+            <a:fillRect/>
+          </a:stretch>
+        </p:blipFill>
+        <p:spPr bwMode="auto">
+          <a:xfrm>
+            <a:off x="457200" y="2032000"/>
+            <a:ext cx="8229600" cy="3657600"/>
+          </a:xfrm>
+          <a:prstGeom prst="rect">
+            <a:avLst/>
+          </a:prstGeom>
+          <a:noFill/>
+          <a:ln w="9525">
+            <a:noFill/>
+            <a:headEnd/>
+            <a:tailEnd/>
+          </a:ln>
+        </p:spPr>
+      </p:pic>
     </p:spTree>
   </p:cSld>
 </p:sld>
@@ -11925,22 +11928,54 @@
             </a:pPr>
             <a:r>
               <a:rPr/>
-              <a:t>USAccDeaths</a:t>
-            </a:r>
-            <a:r>
-              <a:rPr/>
-              <a:t> </a:t>
-            </a:r>
-            <a:r>
-              <a:rPr/>
-              <a:t>plot</a:t>
+              <a:t>acf</a:t>
+            </a:r>
+            <a:r>
+              <a:rPr/>
+              <a:t> </a:t>
+            </a:r>
+            <a:r>
+              <a:rPr/>
+              <a:t>and</a:t>
+            </a:r>
+            <a:r>
+              <a:rPr/>
+              <a:t> </a:t>
+            </a:r>
+            <a:r>
+              <a:rPr/>
+              <a:t>pacf</a:t>
+            </a:r>
+            <a:r>
+              <a:rPr/>
+              <a:t> </a:t>
+            </a:r>
+            <a:r>
+              <a:rPr/>
+              <a:t>for</a:t>
+            </a:r>
+            <a:r>
+              <a:rPr/>
+              <a:t> </a:t>
+            </a:r>
+            <a:r>
+              <a:rPr/>
+              <a:t>nottem</a:t>
+            </a:r>
+            <a:r>
+              <a:rPr/>
+              <a:t> </a:t>
+            </a:r>
+            <a:r>
+              <a:rPr/>
+              <a:t>data</a:t>
             </a:r>
           </a:p>
         </p:txBody>
       </p:sp>
       <p:pic>
         <p:nvPicPr>
-          <p:cNvPr descr="basics_files/figure-pptx/USAccDeaths-plot-1.png" id="0" name="Picture 1"/>
+          <p:cNvPr descr="basics_files/figure-pptx/nottem-auto-1.png" id="0" name="Picture 1"/>
           <p:cNvPicPr>
             <a:picLocks noGrp="1" noChangeAspect="1"/>
           </p:cNvPicPr>
@@ -12010,65 +12045,109 @@
             </a:pPr>
             <a:r>
               <a:rPr/>
-              <a:t>Detrend</a:t>
-            </a:r>
-            <a:r>
-              <a:rPr/>
-              <a:t> </a:t>
-            </a:r>
-            <a:r>
-              <a:rPr/>
-              <a:t>and</a:t>
-            </a:r>
-            <a:r>
-              <a:rPr/>
-              <a:t> </a:t>
-            </a:r>
-            <a:r>
-              <a:rPr/>
-              <a:t>deseasonalize</a:t>
-            </a:r>
-            <a:r>
-              <a:rPr/>
-              <a:t> </a:t>
-            </a:r>
-            <a:r>
-              <a:rPr/>
-              <a:t>USAccDeaths</a:t>
-            </a:r>
-          </a:p>
-        </p:txBody>
-      </p:sp>
-      <p:pic>
-        <p:nvPicPr>
-          <p:cNvPr descr="basics_files/figure-pptx/USAccDeaths-decomp-1.png" id="0" name="Picture 1"/>
-          <p:cNvPicPr>
-            <a:picLocks noGrp="1" noChangeAspect="1"/>
-          </p:cNvPicPr>
-          <p:nvPr/>
-        </p:nvPicPr>
-        <p:blipFill>
-          <a:blip r:embed="rId2"/>
-          <a:stretch>
-            <a:fillRect/>
-          </a:stretch>
-        </p:blipFill>
-        <p:spPr bwMode="auto">
-          <a:xfrm>
-            <a:off x="457200" y="2032000"/>
-            <a:ext cx="8229600" cy="3657600"/>
-          </a:xfrm>
-          <a:prstGeom prst="rect">
-            <a:avLst/>
-          </a:prstGeom>
-          <a:noFill/>
-          <a:ln w="9525">
-            <a:noFill/>
-            <a:headEnd/>
-            <a:tailEnd/>
-          </a:ln>
-        </p:spPr>
-      </p:pic>
+              <a:t>Structure</a:t>
+            </a:r>
+            <a:r>
+              <a:rPr/>
+              <a:t> </a:t>
+            </a:r>
+            <a:r>
+              <a:rPr/>
+              <a:t>of</a:t>
+            </a:r>
+            <a:r>
+              <a:rPr/>
+              <a:t> </a:t>
+            </a:r>
+            <a:r>
+              <a:rPr/>
+              <a:t>sunspot.year</a:t>
+            </a:r>
+          </a:p>
+        </p:txBody>
+      </p:sp>
+      <p:sp>
+        <p:nvSpPr>
+          <p:cNvPr id="3" name="Content Placeholder 2"/>
+          <p:cNvSpPr>
+            <a:spLocks noGrp="1"/>
+          </p:cNvSpPr>
+          <p:nvPr>
+            <p:ph idx="1"/>
+          </p:nvPr>
+        </p:nvSpPr>
+        <p:spPr/>
+        <p:txBody>
+          <a:bodyPr/>
+          <a:lstStyle/>
+          <a:p>
+            <a:pPr lvl="0" marL="1270000" indent="0">
+              <a:buNone/>
+            </a:pPr>
+            <a:r>
+              <a:rPr sz="1800" b="1">
+                <a:solidFill>
+                  <a:srgbClr val="007020"/>
+                </a:solidFill>
+                <a:latin typeface="Courier"/>
+              </a:rPr>
+              <a:t>str</a:t>
+            </a:r>
+            <a:r>
+              <a:rPr sz="1800">
+                <a:latin typeface="Courier"/>
+              </a:rPr>
+              <a:t>(sunspot.year)</a:t>
+            </a:r>
+          </a:p>
+          <a:p>
+            <a:pPr lvl="0" marL="1270000" indent="0">
+              <a:buNone/>
+            </a:pPr>
+            <a:r>
+              <a:rPr sz="1800">
+                <a:latin typeface="Courier"/>
+              </a:rPr>
+              <a:t>##  Time-Series [1:289] from 1700 to 1988: 5 11 16 23 36 58 29 20 10 8 ...</a:t>
+            </a:r>
+          </a:p>
+          <a:p>
+            <a:pPr lvl="0" marL="1270000" indent="0">
+              <a:buNone/>
+            </a:pPr>
+            <a:r>
+              <a:rPr sz="1800" b="1">
+                <a:solidFill>
+                  <a:srgbClr val="007020"/>
+                </a:solidFill>
+                <a:latin typeface="Courier"/>
+              </a:rPr>
+              <a:t>attributes</a:t>
+            </a:r>
+            <a:r>
+              <a:rPr sz="1800">
+                <a:latin typeface="Courier"/>
+              </a:rPr>
+              <a:t>(sunspot.year)</a:t>
+            </a:r>
+          </a:p>
+          <a:p>
+            <a:pPr lvl="0" marL="1270000" indent="0">
+              <a:buNone/>
+            </a:pPr>
+            <a:r>
+              <a:rPr sz="1800">
+                <a:latin typeface="Courier"/>
+              </a:rPr>
+              <a:t>## $tsp
+## [1] 1700 1988    1
+## 
+## $class
+## [1] "ts"</a:t>
+            </a:r>
+          </a:p>
+        </p:txBody>
+      </p:sp>
     </p:spTree>
   </p:cSld>
 </p:sld>
@@ -12111,54 +12190,30 @@
             </a:pPr>
             <a:r>
               <a:rPr/>
-              <a:t>acf</a:t>
-            </a:r>
-            <a:r>
-              <a:rPr/>
-              <a:t> </a:t>
-            </a:r>
-            <a:r>
-              <a:rPr/>
-              <a:t>and</a:t>
-            </a:r>
-            <a:r>
-              <a:rPr/>
-              <a:t> </a:t>
-            </a:r>
-            <a:r>
-              <a:rPr/>
-              <a:t>pacf</a:t>
-            </a:r>
-            <a:r>
-              <a:rPr/>
-              <a:t> </a:t>
-            </a:r>
-            <a:r>
-              <a:rPr/>
-              <a:t>for</a:t>
-            </a:r>
-            <a:r>
-              <a:rPr/>
-              <a:t> </a:t>
-            </a:r>
-            <a:r>
-              <a:rPr/>
-              <a:t>USAccDeaths</a:t>
-            </a:r>
-            <a:r>
-              <a:rPr/>
-              <a:t> </a:t>
-            </a:r>
-            <a:r>
-              <a:rPr/>
-              <a:t>data</a:t>
+              <a:t>Plot</a:t>
+            </a:r>
+            <a:r>
+              <a:rPr/>
+              <a:t> </a:t>
+            </a:r>
+            <a:r>
+              <a:rPr/>
+              <a:t>of</a:t>
+            </a:r>
+            <a:r>
+              <a:rPr/>
+              <a:t> </a:t>
+            </a:r>
+            <a:r>
+              <a:rPr/>
+              <a:t>sunspot.year</a:t>
             </a:r>
           </a:p>
         </p:txBody>
       </p:sp>
       <p:pic>
         <p:nvPicPr>
-          <p:cNvPr descr="basics_files/figure-pptx/USAccDeaths-auto-1.png" id="0" name="Picture 1"/>
+          <p:cNvPr descr="basics_files/figure-pptx/sunspot-plot-1.png" id="0" name="Picture 1"/>
           <p:cNvPicPr>
             <a:picLocks noGrp="1" noChangeAspect="1"/>
           </p:cNvPicPr>
@@ -12248,21 +12303,45 @@
           <a:bodyPr/>
           <a:lstStyle/>
           <a:p>
-            <a:pPr lvl="0" marL="0" indent="0">
-              <a:buNone/>
-            </a:pPr>
-            <a:r>
-              <a:rPr/>
-              <a:t>The base R package has an object class, ts. You can specify three parameters: start, stop, and frequency. You do not need to place your data in a ts object before running time series analyses.</a:t>
-            </a:r>
-          </a:p>
-          <a:p>
-            <a:pPr lvl="0" marL="0" indent="0">
-              <a:buNone/>
-            </a:pPr>
-            <a:r>
-              <a:rPr/>
-              <a:t>There is a new class, tsibble, that I have not had a chance to work with. It is based on the principles of tidy data. Read the </a:t>
+            <a:pPr lvl="1"/>
+            <a:r>
+              <a:rPr/>
+              <a:t>The base R package has an object class, ts.</a:t>
+            </a:r>
+          </a:p>
+          <a:p>
+            <a:pPr lvl="2"/>
+            <a:r>
+              <a:rPr/>
+              <a:t>Three parameters: start, stop, and frequency.</a:t>
+            </a:r>
+          </a:p>
+          <a:p>
+            <a:pPr lvl="2"/>
+            <a:r>
+              <a:rPr/>
+              <a:t>Not an absolute requirement for time series analyses.</a:t>
+            </a:r>
+          </a:p>
+          <a:p>
+            <a:pPr lvl="1"/>
+            <a:r>
+              <a:rPr/>
+              <a:t>New class, tsibble (not for today)</a:t>
+            </a:r>
+          </a:p>
+          <a:p>
+            <a:pPr lvl="2"/>
+            <a:r>
+              <a:rPr/>
+              <a:t>Based on the principles of tidy data.</a:t>
+            </a:r>
+          </a:p>
+          <a:p>
+            <a:pPr lvl="2"/>
+            <a:r>
+              <a:rPr/>
+              <a:t>Read the </a:t>
             </a:r>
             <a:r>
               <a:rPr>
@@ -12272,7 +12351,7 @@
             </a:r>
             <a:r>
               <a:rPr/>
-              <a:t> for more information.</a:t>
+              <a:t>.</a:t>
             </a:r>
           </a:p>
         </p:txBody>
